--- a/Presentations/interim_presentation_template-ds.pptx
+++ b/Presentations/interim_presentation_template-ds.pptx
@@ -27,9 +27,10 @@
     <p:sldId id="260" r:id="rId22"/>
     <p:sldId id="261" r:id="rId23"/>
     <p:sldId id="262" r:id="rId24"/>
+    <p:sldId id="263" r:id="rId25"/>
   </p:sldIdLst>
   <p:sldSz cx="9144000" cy="5143500"/>
-  <p:notesSz cx="9144000" cy="6858000"/>
+  <p:notesSz cx="7559675" cy="10691813"/>
 </p:presentation>
 </file>
 
@@ -250,7 +251,7 @@
       </p:grpSpPr>
       <p:sp>
         <p:nvSpPr>
-          <p:cNvPr id="25" name="PlaceHolder 1"/>
+          <p:cNvPr id="22" name="PlaceHolder 1"/>
           <p:cNvSpPr>
             <a:spLocks noGrp="1"/>
           </p:cNvSpPr>
@@ -276,21 +277,21 @@
             <a:noAutofit/>
           </a:bodyPr>
           <a:p>
-            <a:pPr indent="0">
+            <a:pPr indent="0" algn="ctr">
               <a:buNone/>
             </a:pPr>
-            <a:endParaRPr b="0" lang="en-US" sz="1800" spc="-1" strike="noStrike">
+            <a:endParaRPr b="0" lang="en-US" sz="4400" spc="-1" strike="noStrike">
               <a:solidFill>
-                <a:schemeClr val="dk1"/>
+                <a:srgbClr val="ffffff"/>
               </a:solidFill>
-              <a:latin typeface="Calibri"/>
+              <a:latin typeface="Arial"/>
             </a:endParaRPr>
           </a:p>
         </p:txBody>
       </p:sp>
       <p:sp>
         <p:nvSpPr>
-          <p:cNvPr id="26" name="PlaceHolder 2"/>
+          <p:cNvPr id="23" name="PlaceHolder 2"/>
           <p:cNvSpPr>
             <a:spLocks noGrp="1"/>
           </p:cNvSpPr>
@@ -374,7 +375,7 @@
       </p:grpSpPr>
       <p:sp>
         <p:nvSpPr>
-          <p:cNvPr id="59" name="PlaceHolder 1"/>
+          <p:cNvPr id="56" name="PlaceHolder 1"/>
           <p:cNvSpPr>
             <a:spLocks noGrp="1"/>
           </p:cNvSpPr>
@@ -400,21 +401,21 @@
             <a:noAutofit/>
           </a:bodyPr>
           <a:p>
-            <a:pPr indent="0">
+            <a:pPr indent="0" algn="ctr">
               <a:buNone/>
             </a:pPr>
-            <a:endParaRPr b="0" lang="en-US" sz="1800" spc="-1" strike="noStrike">
+            <a:endParaRPr b="0" lang="en-US" sz="4400" spc="-1" strike="noStrike">
               <a:solidFill>
-                <a:schemeClr val="dk1"/>
+                <a:srgbClr val="000000"/>
               </a:solidFill>
-              <a:latin typeface="Calibri"/>
+              <a:latin typeface="Arial"/>
             </a:endParaRPr>
           </a:p>
         </p:txBody>
       </p:sp>
       <p:sp>
         <p:nvSpPr>
-          <p:cNvPr id="60" name="PlaceHolder 2"/>
+          <p:cNvPr id="57" name="PlaceHolder 2"/>
           <p:cNvSpPr>
             <a:spLocks noGrp="1"/>
           </p:cNvSpPr>
@@ -446,11 +447,11 @@
               </a:spcBef>
               <a:buNone/>
             </a:pPr>
-            <a:endParaRPr b="1" lang="en-US" sz="2400" spc="-1" strike="noStrike">
+            <a:endParaRPr b="0" lang="en-US" sz="3200" spc="-1" strike="noStrike">
               <a:solidFill>
-                <a:srgbClr val="6e279d"/>
+                <a:srgbClr val="000000"/>
               </a:solidFill>
-              <a:latin typeface="Calibri"/>
+              <a:latin typeface="Arial"/>
             </a:endParaRPr>
           </a:p>
         </p:txBody>
@@ -501,7 +502,7 @@
       </p:grpSpPr>
       <p:sp>
         <p:nvSpPr>
-          <p:cNvPr id="86" name="PlaceHolder 1"/>
+          <p:cNvPr id="79" name="PlaceHolder 1"/>
           <p:cNvSpPr>
             <a:spLocks noGrp="1"/>
           </p:cNvSpPr>
@@ -527,21 +528,21 @@
             <a:noAutofit/>
           </a:bodyPr>
           <a:p>
-            <a:pPr indent="0">
+            <a:pPr indent="0" algn="ctr">
               <a:buNone/>
             </a:pPr>
-            <a:endParaRPr b="0" lang="en-US" sz="1800" spc="-1" strike="noStrike">
+            <a:endParaRPr b="0" lang="en-US" sz="4400" spc="-1" strike="noStrike">
               <a:solidFill>
-                <a:schemeClr val="dk1"/>
+                <a:srgbClr val="000000"/>
               </a:solidFill>
-              <a:latin typeface="Calibri"/>
+              <a:latin typeface="Arial"/>
             </a:endParaRPr>
           </a:p>
         </p:txBody>
       </p:sp>
       <p:sp>
         <p:nvSpPr>
-          <p:cNvPr id="87" name="PlaceHolder 2"/>
+          <p:cNvPr id="80" name="PlaceHolder 2"/>
           <p:cNvSpPr>
             <a:spLocks noGrp="1"/>
           </p:cNvSpPr>
@@ -573,11 +574,11 @@
               </a:spcBef>
               <a:buNone/>
             </a:pPr>
-            <a:endParaRPr b="1" lang="en-US" sz="2400" spc="-1" strike="noStrike">
+            <a:endParaRPr b="0" lang="en-US" sz="3200" spc="-1" strike="noStrike">
               <a:solidFill>
-                <a:srgbClr val="6e279d"/>
+                <a:srgbClr val="000000"/>
               </a:solidFill>
-              <a:latin typeface="Calibri"/>
+              <a:latin typeface="Arial"/>
             </a:endParaRPr>
           </a:p>
         </p:txBody>
@@ -589,7 +590,7 @@
             <a:spLocks noGrp="1"/>
           </p:cNvSpPr>
           <p:nvPr>
-            <p:ph type="ftr" idx="2"/>
+            <p:ph type="ftr" idx="1"/>
           </p:nvPr>
         </p:nvSpPr>
         <p:spPr/>
@@ -609,14 +610,14 @@
             <a:spLocks noGrp="1"/>
           </p:cNvSpPr>
           <p:nvPr>
-            <p:ph type="sldNum" idx="3"/>
+            <p:ph type="sldNum" idx="2"/>
           </p:nvPr>
         </p:nvSpPr>
         <p:spPr/>
         <p:txBody>
           <a:bodyPr/>
           <a:p>
-            <a:fld id="{FF74CCF6-0029-4999-B15D-60B44B42C3FA}" type="slidenum">
+            <a:fld id="{DF353D3C-F4E7-477A-886C-177753F3B761}" type="slidenum">
               <a:t>&lt;#&gt;</a:t>
             </a:fld>
           </a:p>
@@ -629,7 +630,7 @@
             <a:spLocks noGrp="1"/>
           </p:cNvSpPr>
           <p:nvPr>
-            <p:ph type="dt" idx="1"/>
+            <p:ph type="dt" idx="3"/>
           </p:nvPr>
         </p:nvSpPr>
         <p:spPr/>
@@ -725,7 +726,7 @@
         <p:spPr>
           <a:xfrm>
             <a:off x="8711280" y="4803840"/>
-            <a:ext cx="108720" cy="309240"/>
+            <a:ext cx="108000" cy="308520"/>
           </a:xfrm>
           <a:prstGeom prst="rect">
             <a:avLst/>
@@ -782,7 +783,7 @@
         <p:spPr>
           <a:xfrm>
             <a:off x="7932960" y="0"/>
-            <a:ext cx="1203120" cy="1203120"/>
+            <a:ext cx="1202400" cy="1202400"/>
           </a:xfrm>
           <a:prstGeom prst="rect">
             <a:avLst/>
@@ -792,248 +793,6 @@
           </a:ln>
         </p:spPr>
       </p:pic>
-      <p:sp>
-        <p:nvSpPr>
-          <p:cNvPr id="2" name="PlaceHolder 1"/>
-          <p:cNvSpPr>
-            <a:spLocks noGrp="1"/>
-          </p:cNvSpPr>
-          <p:nvPr>
-            <p:ph type="body"/>
-          </p:nvPr>
-        </p:nvSpPr>
-        <p:spPr>
-          <a:xfrm>
-            <a:off x="532080" y="785880"/>
-            <a:ext cx="8359920" cy="3945960"/>
-          </a:xfrm>
-          <a:prstGeom prst="rect">
-            <a:avLst/>
-          </a:prstGeom>
-          <a:noFill/>
-          <a:ln w="0">
-            <a:noFill/>
-          </a:ln>
-        </p:spPr>
-        <p:txBody>
-          <a:bodyPr lIns="90000" rIns="90000" tIns="45000" bIns="45000" anchor="t">
-            <a:noAutofit/>
-          </a:bodyPr>
-          <a:p>
-            <a:pPr indent="0" defTabSz="914400">
-              <a:lnSpc>
-                <a:spcPct val="100000"/>
-              </a:lnSpc>
-              <a:spcBef>
-                <a:spcPts val="360"/>
-              </a:spcBef>
-              <a:buNone/>
-              <a:tabLst>
-                <a:tab algn="l" pos="0"/>
-              </a:tabLst>
-            </a:pPr>
-            <a:r>
-              <a:rPr b="1" lang="en-US" sz="1800" spc="-1" strike="noStrike">
-                <a:solidFill>
-                  <a:schemeClr val="dk1"/>
-                </a:solidFill>
-                <a:latin typeface="Calibri"/>
-              </a:rPr>
-              <a:t>Click to edit subtitle</a:t>
-            </a:r>
-            <a:endParaRPr b="1" lang="en-US" sz="1800" spc="-1" strike="noStrike">
-              <a:solidFill>
-                <a:srgbClr val="6e279d"/>
-              </a:solidFill>
-              <a:latin typeface="Calibri"/>
-            </a:endParaRPr>
-          </a:p>
-          <a:p>
-            <a:pPr lvl="1" marL="360000" indent="-343080" defTabSz="914400">
-              <a:lnSpc>
-                <a:spcPct val="100000"/>
-              </a:lnSpc>
-              <a:spcBef>
-                <a:spcPts val="360"/>
-              </a:spcBef>
-              <a:buClr>
-                <a:srgbClr val="000000"/>
-              </a:buClr>
-              <a:buFont typeface="Wingdings" charset="2"/>
-              <a:buChar char=""/>
-              <a:tabLst>
-                <a:tab algn="l" pos="0"/>
-              </a:tabLst>
-            </a:pPr>
-            <a:r>
-              <a:rPr b="0" lang="en-US" sz="1800" spc="-1" strike="noStrike">
-                <a:solidFill>
-                  <a:schemeClr val="dk1"/>
-                </a:solidFill>
-                <a:latin typeface="Calibri"/>
-              </a:rPr>
-              <a:t>Second level</a:t>
-            </a:r>
-            <a:endParaRPr b="0" lang="en-US" sz="1800" spc="-1" strike="noStrike">
-              <a:solidFill>
-                <a:schemeClr val="dk1"/>
-              </a:solidFill>
-              <a:latin typeface="Calibri"/>
-            </a:endParaRPr>
-          </a:p>
-          <a:p>
-            <a:pPr lvl="2" marL="540000" indent="-343080" defTabSz="914400">
-              <a:lnSpc>
-                <a:spcPct val="100000"/>
-              </a:lnSpc>
-              <a:spcBef>
-                <a:spcPts val="320"/>
-              </a:spcBef>
-              <a:buClr>
-                <a:srgbClr val="000000"/>
-              </a:buClr>
-              <a:buFont typeface="Wingdings" charset="2"/>
-              <a:buChar char=""/>
-              <a:tabLst>
-                <a:tab algn="l" pos="0"/>
-              </a:tabLst>
-            </a:pPr>
-            <a:r>
-              <a:rPr b="0" lang="en-US" sz="1600" spc="-1" strike="noStrike">
-                <a:solidFill>
-                  <a:schemeClr val="dk1"/>
-                </a:solidFill>
-                <a:latin typeface="Calibri"/>
-              </a:rPr>
-              <a:t>Third level</a:t>
-            </a:r>
-            <a:endParaRPr b="0" lang="en-US" sz="1600" spc="-1" strike="noStrike">
-              <a:solidFill>
-                <a:schemeClr val="dk1"/>
-              </a:solidFill>
-              <a:latin typeface="Calibri"/>
-            </a:endParaRPr>
-          </a:p>
-          <a:p>
-            <a:pPr lvl="3" marL="720000" indent="-343080" defTabSz="914400">
-              <a:lnSpc>
-                <a:spcPct val="100000"/>
-              </a:lnSpc>
-              <a:spcBef>
-                <a:spcPts val="281"/>
-              </a:spcBef>
-              <a:buClr>
-                <a:srgbClr val="000000"/>
-              </a:buClr>
-              <a:buFont typeface="Wingdings" charset="2"/>
-              <a:buChar char=""/>
-              <a:tabLst>
-                <a:tab algn="l" pos="0"/>
-              </a:tabLst>
-            </a:pPr>
-            <a:r>
-              <a:rPr b="0" lang="en-US" sz="1400" spc="-1" strike="noStrike">
-                <a:solidFill>
-                  <a:schemeClr val="dk1"/>
-                </a:solidFill>
-                <a:latin typeface="Calibri"/>
-              </a:rPr>
-              <a:t>Fourth level</a:t>
-            </a:r>
-            <a:endParaRPr b="0" lang="en-US" sz="1400" spc="-1" strike="noStrike">
-              <a:solidFill>
-                <a:schemeClr val="dk1"/>
-              </a:solidFill>
-              <a:latin typeface="Calibri"/>
-            </a:endParaRPr>
-          </a:p>
-          <a:p>
-            <a:pPr lvl="4" marL="900000" indent="-343080" defTabSz="914400">
-              <a:lnSpc>
-                <a:spcPct val="100000"/>
-              </a:lnSpc>
-              <a:spcBef>
-                <a:spcPts val="241"/>
-              </a:spcBef>
-              <a:buClr>
-                <a:srgbClr val="000000"/>
-              </a:buClr>
-              <a:buFont typeface="Wingdings" charset="2"/>
-              <a:buChar char=""/>
-              <a:tabLst>
-                <a:tab algn="l" pos="0"/>
-              </a:tabLst>
-            </a:pPr>
-            <a:r>
-              <a:rPr b="0" i="1" lang="en-US" sz="1200" spc="-1" strike="noStrike">
-                <a:solidFill>
-                  <a:schemeClr val="dk1"/>
-                </a:solidFill>
-                <a:latin typeface="Calibri"/>
-              </a:rPr>
-              <a:t>Fifth level</a:t>
-            </a:r>
-            <a:endParaRPr b="0" lang="en-US" sz="1200" spc="-1" strike="noStrike">
-              <a:solidFill>
-                <a:schemeClr val="dk1"/>
-              </a:solidFill>
-              <a:latin typeface="Calibri"/>
-            </a:endParaRPr>
-          </a:p>
-        </p:txBody>
-      </p:sp>
-      <p:sp>
-        <p:nvSpPr>
-          <p:cNvPr id="3" name="PlaceHolder 2"/>
-          <p:cNvSpPr>
-            <a:spLocks noGrp="1"/>
-          </p:cNvSpPr>
-          <p:nvPr>
-            <p:ph type="title"/>
-          </p:nvPr>
-        </p:nvSpPr>
-        <p:spPr>
-          <a:xfrm>
-            <a:off x="532080" y="51480"/>
-            <a:ext cx="7886520" cy="575640"/>
-          </a:xfrm>
-          <a:prstGeom prst="rect">
-            <a:avLst/>
-          </a:prstGeom>
-          <a:noFill/>
-          <a:ln w="0">
-            <a:noFill/>
-          </a:ln>
-        </p:spPr>
-        <p:txBody>
-          <a:bodyPr lIns="90000" rIns="90000" tIns="45000" bIns="45000" anchor="t">
-            <a:noAutofit/>
-          </a:bodyPr>
-          <a:p>
-            <a:pPr indent="0" defTabSz="914400">
-              <a:lnSpc>
-                <a:spcPct val="100000"/>
-              </a:lnSpc>
-              <a:buNone/>
-            </a:pPr>
-            <a:r>
-              <a:rPr b="1" lang="en-US" sz="2400" spc="-1" strike="noStrike">
-                <a:solidFill>
-                  <a:schemeClr val="accent1"/>
-                </a:solidFill>
-                <a:latin typeface="Calibri"/>
-              </a:rPr>
-              <a:t>Click to edit title</a:t>
-            </a:r>
-            <a:endParaRPr b="0" lang="en-US" sz="2400" spc="-1" strike="noStrike">
-              <a:solidFill>
-                <a:schemeClr val="dk1"/>
-              </a:solidFill>
-              <a:latin typeface="Calibri"/>
-            </a:endParaRPr>
-          </a:p>
-        </p:txBody>
-      </p:sp>
     </p:spTree>
   </p:cSld>
   <p:clrMap bg1="lt1" bg2="lt2" tx1="dk1" tx2="dk2" accent1="accent1" accent2="accent2" accent3="accent3" accent4="accent4" accent5="accent5" accent6="accent6" hlink="hlink" folHlink="folHlink"/>
@@ -1069,14 +828,14 @@
       </p:grpSpPr>
       <p:sp>
         <p:nvSpPr>
-          <p:cNvPr id="101" name="Textfeld 15"/>
+          <p:cNvPr id="89" name="Textfeld 15"/>
           <p:cNvSpPr/>
           <p:nvPr/>
         </p:nvSpPr>
         <p:spPr>
           <a:xfrm>
             <a:off x="8711280" y="4803840"/>
-            <a:ext cx="108720" cy="309240"/>
+            <a:ext cx="108000" cy="308520"/>
           </a:xfrm>
           <a:prstGeom prst="rect">
             <a:avLst/>
@@ -1122,14 +881,14 @@
       </p:sp>
       <p:sp>
         <p:nvSpPr>
-          <p:cNvPr id="102" name="TextBox 5"/>
+          <p:cNvPr id="90" name="TextBox 5"/>
           <p:cNvSpPr/>
           <p:nvPr/>
         </p:nvSpPr>
         <p:spPr>
           <a:xfrm>
             <a:off x="8800200" y="4897440"/>
-            <a:ext cx="343440" cy="261720"/>
+            <a:ext cx="342720" cy="261720"/>
           </a:xfrm>
           <a:prstGeom prst="rect">
             <a:avLst/>
@@ -1155,7 +914,7 @@
                 <a:spcPct val="100000"/>
               </a:lnSpc>
             </a:pPr>
-            <a:fld id="{59EBE987-BA55-453F-B496-6A0D61BE5876}" type="slidenum">
+            <a:fld id="{95C5DC99-7863-4032-AE63-67053F962CA8}" type="slidenum">
               <a:rPr b="0" lang="en-US" sz="1000" spc="-1" strike="noStrike">
                 <a:solidFill>
                   <a:schemeClr val="accent1"/>
@@ -1175,7 +934,7 @@
       </p:sp>
       <p:pic>
         <p:nvPicPr>
-          <p:cNvPr id="103" name="Picture 6" descr="A picture containing text, clipart&#10;&#10;Description automatically generated"/>
+          <p:cNvPr id="91" name="Picture 6" descr="A picture containing text, clipart&#10;&#10;Description automatically generated"/>
           <p:cNvPicPr/>
           <p:nvPr/>
         </p:nvPicPr>
@@ -1187,7 +946,7 @@
         <p:spPr>
           <a:xfrm>
             <a:off x="6371640" y="157680"/>
-            <a:ext cx="2592720" cy="349560"/>
+            <a:ext cx="2592000" cy="348840"/>
           </a:xfrm>
           <a:prstGeom prst="rect">
             <a:avLst/>
@@ -1199,14 +958,448 @@
       </p:pic>
       <p:sp>
         <p:nvSpPr>
-          <p:cNvPr id="104" name="Rectangle 10"/>
+          <p:cNvPr id="92" name="Rectangle 10"/>
           <p:cNvSpPr/>
           <p:nvPr/>
         </p:nvSpPr>
         <p:spPr>
           <a:xfrm rot="10800000">
-            <a:off x="360" y="-15120"/>
-            <a:ext cx="9143640" cy="695520"/>
+            <a:off x="1080" y="-14400"/>
+            <a:ext cx="9142920" cy="694800"/>
+          </a:xfrm>
+          <a:prstGeom prst="rect">
+            <a:avLst/>
+          </a:prstGeom>
+          <a:solidFill>
+            <a:schemeClr val="accent1"/>
+          </a:solidFill>
+          <a:ln>
+            <a:noFill/>
+          </a:ln>
+        </p:spPr>
+        <p:style>
+          <a:lnRef idx="2">
+            <a:schemeClr val="accent1">
+              <a:shade val="50000"/>
+            </a:schemeClr>
+          </a:lnRef>
+          <a:fillRef idx="1">
+            <a:schemeClr val="accent1"/>
+          </a:fillRef>
+          <a:effectRef idx="0">
+            <a:schemeClr val="accent1"/>
+          </a:effectRef>
+          <a:fontRef idx="minor"/>
+        </p:style>
+        <p:txBody>
+          <a:bodyPr lIns="90000" rIns="90000" tIns="45000" bIns="45000" anchor="ctr">
+            <a:noAutofit/>
+          </a:bodyPr>
+          <a:p>
+            <a:pPr algn="ctr" defTabSz="914400">
+              <a:lnSpc>
+                <a:spcPct val="100000"/>
+              </a:lnSpc>
+            </a:pPr>
+            <a:endParaRPr b="0" lang="en-US" sz="1800" spc="-1" strike="noStrike">
+              <a:solidFill>
+                <a:schemeClr val="lt1"/>
+              </a:solidFill>
+              <a:latin typeface="Calibri"/>
+            </a:endParaRPr>
+          </a:p>
+        </p:txBody>
+      </p:sp>
+    </p:spTree>
+  </p:cSld>
+  <p:clrMap bg1="lt1" bg2="lt2" tx1="dk1" tx2="dk2" accent1="accent1" accent2="accent2" accent3="accent3" accent4="accent4" accent5="accent5" accent6="accent6" hlink="hlink" folHlink="folHlink"/>
+  <p:sldLayoutIdLst>
+    <p:sldLayoutId id="2147483667" r:id="rId3"/>
+  </p:sldLayoutIdLst>
+</p:sldMaster>
+</file>
+
+<file path=ppt/slideMasters/slideMaster11.xml><?xml version="1.0" encoding="utf-8"?>
+<p:sldMaster xmlns:a="http://schemas.openxmlformats.org/drawingml/2006/main" xmlns:p="http://schemas.openxmlformats.org/presentationml/2006/main" xmlns:r="http://schemas.openxmlformats.org/officeDocument/2006/relationships" xmlns:p14="http://schemas.microsoft.com/office/powerpoint/2010/main" xmlns:p15="http://schemas.microsoft.com/office/powerpoint/2012/main" xmlns:mc="http://schemas.openxmlformats.org/markup-compatibility/2006">
+  <p:cSld>
+    <p:bg>
+      <p:bgPr>
+        <a:solidFill>
+          <a:srgbClr val="ffffff"/>
+        </a:solidFill>
+      </p:bgPr>
+    </p:bg>
+    <p:spTree>
+      <p:nvGrpSpPr>
+        <p:cNvPr id="1" name=""/>
+        <p:cNvGrpSpPr/>
+        <p:nvPr/>
+      </p:nvGrpSpPr>
+      <p:grpSpPr>
+        <a:xfrm>
+          <a:off x="0" y="0"/>
+          <a:ext cx="0" cy="0"/>
+          <a:chOff x="0" y="0"/>
+          <a:chExt cx="0" cy="0"/>
+        </a:xfrm>
+      </p:grpSpPr>
+      <p:sp>
+        <p:nvSpPr>
+          <p:cNvPr id="93" name="Textfeld 15"/>
+          <p:cNvSpPr/>
+          <p:nvPr/>
+        </p:nvSpPr>
+        <p:spPr>
+          <a:xfrm>
+            <a:off x="8711280" y="4803840"/>
+            <a:ext cx="108000" cy="308520"/>
+          </a:xfrm>
+          <a:prstGeom prst="rect">
+            <a:avLst/>
+          </a:prstGeom>
+          <a:noFill/>
+          <a:ln w="0">
+            <a:noFill/>
+          </a:ln>
+        </p:spPr>
+        <p:style>
+          <a:lnRef idx="0"/>
+          <a:fillRef idx="0"/>
+          <a:effectRef idx="0"/>
+          <a:fontRef idx="minor"/>
+        </p:style>
+        <p:txBody>
+          <a:bodyPr wrap="none" lIns="36000" rIns="36000" tIns="45000" bIns="45000" anchor="ctr">
+            <a:noAutofit/>
+          </a:bodyPr>
+          <a:p>
+            <a:pPr algn="ctr" defTabSz="914400">
+              <a:lnSpc>
+                <a:spcPct val="100000"/>
+              </a:lnSpc>
+            </a:pPr>
+            <a:r>
+              <a:rPr b="0" lang="de-CH" sz="800" spc="-1" strike="noStrike">
+                <a:solidFill>
+                  <a:schemeClr val="lt1"/>
+                </a:solidFill>
+                <a:latin typeface="Calibri"/>
+              </a:rPr>
+              <a:t>|</a:t>
+            </a:r>
+            <a:endParaRPr b="0" lang="en-US" sz="800" spc="-1" strike="noStrike">
+              <a:solidFill>
+                <a:srgbClr val="000000"/>
+              </a:solidFill>
+              <a:latin typeface="Arial"/>
+            </a:endParaRPr>
+          </a:p>
+        </p:txBody>
+      </p:sp>
+      <p:sp>
+        <p:nvSpPr>
+          <p:cNvPr id="94" name="TextBox 5"/>
+          <p:cNvSpPr/>
+          <p:nvPr/>
+        </p:nvSpPr>
+        <p:spPr>
+          <a:xfrm>
+            <a:off x="8800200" y="4897440"/>
+            <a:ext cx="342720" cy="261720"/>
+          </a:xfrm>
+          <a:prstGeom prst="rect">
+            <a:avLst/>
+          </a:prstGeom>
+          <a:noFill/>
+          <a:ln w="0">
+            <a:noFill/>
+          </a:ln>
+        </p:spPr>
+        <p:style>
+          <a:lnRef idx="0"/>
+          <a:fillRef idx="0"/>
+          <a:effectRef idx="0"/>
+          <a:fontRef idx="minor"/>
+        </p:style>
+        <p:txBody>
+          <a:bodyPr lIns="90000" rIns="90000" tIns="45000" bIns="45000" anchor="t">
+            <a:spAutoFit/>
+          </a:bodyPr>
+          <a:p>
+            <a:pPr defTabSz="914400">
+              <a:lnSpc>
+                <a:spcPct val="100000"/>
+              </a:lnSpc>
+            </a:pPr>
+            <a:fld id="{FDEA2CB1-5BE1-4C4D-B99C-A56B37E8DC43}" type="slidenum">
+              <a:rPr b="0" lang="en-US" sz="1000" spc="-1" strike="noStrike">
+                <a:solidFill>
+                  <a:schemeClr val="accent1"/>
+                </a:solidFill>
+                <a:latin typeface="Calibri"/>
+              </a:rPr>
+              <a:t>&lt;number&gt;</a:t>
+            </a:fld>
+            <a:endParaRPr b="0" lang="en-US" sz="1000" spc="-1" strike="noStrike">
+              <a:solidFill>
+                <a:srgbClr val="000000"/>
+              </a:solidFill>
+              <a:latin typeface="Arial"/>
+            </a:endParaRPr>
+          </a:p>
+        </p:txBody>
+      </p:sp>
+      <p:pic>
+        <p:nvPicPr>
+          <p:cNvPr id="95" name="Picture 6" descr="A picture containing text, clipart&#10;&#10;Description automatically generated"/>
+          <p:cNvPicPr/>
+          <p:nvPr/>
+        </p:nvPicPr>
+        <p:blipFill>
+          <a:blip r:embed="rId2"/>
+          <a:srcRect l="0" t="27256" r="0" b="28304"/>
+          <a:stretch/>
+        </p:blipFill>
+        <p:spPr>
+          <a:xfrm>
+            <a:off x="6371640" y="157680"/>
+            <a:ext cx="2592000" cy="348840"/>
+          </a:xfrm>
+          <a:prstGeom prst="rect">
+            <a:avLst/>
+          </a:prstGeom>
+          <a:ln w="0">
+            <a:noFill/>
+          </a:ln>
+        </p:spPr>
+      </p:pic>
+      <p:sp>
+        <p:nvSpPr>
+          <p:cNvPr id="96" name="Rectangle 10"/>
+          <p:cNvSpPr/>
+          <p:nvPr/>
+        </p:nvSpPr>
+        <p:spPr>
+          <a:xfrm rot="10800000">
+            <a:off x="1080" y="-14400"/>
+            <a:ext cx="9142920" cy="694800"/>
+          </a:xfrm>
+          <a:prstGeom prst="rect">
+            <a:avLst/>
+          </a:prstGeom>
+          <a:solidFill>
+            <a:schemeClr val="accent1"/>
+          </a:solidFill>
+          <a:ln>
+            <a:noFill/>
+          </a:ln>
+        </p:spPr>
+        <p:style>
+          <a:lnRef idx="2">
+            <a:schemeClr val="accent1">
+              <a:shade val="50000"/>
+            </a:schemeClr>
+          </a:lnRef>
+          <a:fillRef idx="1">
+            <a:schemeClr val="accent1"/>
+          </a:fillRef>
+          <a:effectRef idx="0">
+            <a:schemeClr val="accent1"/>
+          </a:effectRef>
+          <a:fontRef idx="minor"/>
+        </p:style>
+        <p:txBody>
+          <a:bodyPr lIns="90000" rIns="90000" tIns="45000" bIns="45000" anchor="ctr">
+            <a:noAutofit/>
+          </a:bodyPr>
+          <a:p>
+            <a:pPr algn="ctr" defTabSz="914400">
+              <a:lnSpc>
+                <a:spcPct val="100000"/>
+              </a:lnSpc>
+            </a:pPr>
+            <a:endParaRPr b="0" lang="en-US" sz="1800" spc="-1" strike="noStrike">
+              <a:solidFill>
+                <a:schemeClr val="lt1"/>
+              </a:solidFill>
+              <a:latin typeface="Calibri"/>
+            </a:endParaRPr>
+          </a:p>
+        </p:txBody>
+      </p:sp>
+    </p:spTree>
+  </p:cSld>
+  <p:clrMap bg1="lt1" bg2="lt2" tx1="dk1" tx2="dk2" accent1="accent1" accent2="accent2" accent3="accent3" accent4="accent4" accent5="accent5" accent6="accent6" hlink="hlink" folHlink="folHlink"/>
+  <p:sldLayoutIdLst>
+    <p:sldLayoutId id="2147483669" r:id="rId3"/>
+  </p:sldLayoutIdLst>
+</p:sldMaster>
+</file>
+
+<file path=ppt/slideMasters/slideMaster12.xml><?xml version="1.0" encoding="utf-8"?>
+<p:sldMaster xmlns:a="http://schemas.openxmlformats.org/drawingml/2006/main" xmlns:p="http://schemas.openxmlformats.org/presentationml/2006/main" xmlns:r="http://schemas.openxmlformats.org/officeDocument/2006/relationships" xmlns:p14="http://schemas.microsoft.com/office/powerpoint/2010/main" xmlns:p15="http://schemas.microsoft.com/office/powerpoint/2012/main" xmlns:mc="http://schemas.openxmlformats.org/markup-compatibility/2006">
+  <p:cSld>
+    <p:bg>
+      <p:bgPr>
+        <a:solidFill>
+          <a:srgbClr val="ffffff"/>
+        </a:solidFill>
+      </p:bgPr>
+    </p:bg>
+    <p:spTree>
+      <p:nvGrpSpPr>
+        <p:cNvPr id="1" name=""/>
+        <p:cNvGrpSpPr/>
+        <p:nvPr/>
+      </p:nvGrpSpPr>
+      <p:grpSpPr>
+        <a:xfrm>
+          <a:off x="0" y="0"/>
+          <a:ext cx="0" cy="0"/>
+          <a:chOff x="0" y="0"/>
+          <a:chExt cx="0" cy="0"/>
+        </a:xfrm>
+      </p:grpSpPr>
+      <p:sp>
+        <p:nvSpPr>
+          <p:cNvPr id="97" name="Textfeld 15"/>
+          <p:cNvSpPr/>
+          <p:nvPr/>
+        </p:nvSpPr>
+        <p:spPr>
+          <a:xfrm>
+            <a:off x="8711280" y="4803840"/>
+            <a:ext cx="108000" cy="308520"/>
+          </a:xfrm>
+          <a:prstGeom prst="rect">
+            <a:avLst/>
+          </a:prstGeom>
+          <a:noFill/>
+          <a:ln w="0">
+            <a:noFill/>
+          </a:ln>
+        </p:spPr>
+        <p:style>
+          <a:lnRef idx="0"/>
+          <a:fillRef idx="0"/>
+          <a:effectRef idx="0"/>
+          <a:fontRef idx="minor"/>
+        </p:style>
+        <p:txBody>
+          <a:bodyPr wrap="none" lIns="36000" rIns="36000" tIns="45000" bIns="45000" anchor="ctr">
+            <a:noAutofit/>
+          </a:bodyPr>
+          <a:p>
+            <a:pPr algn="ctr" defTabSz="914400">
+              <a:lnSpc>
+                <a:spcPct val="100000"/>
+              </a:lnSpc>
+            </a:pPr>
+            <a:r>
+              <a:rPr b="0" lang="de-CH" sz="800" spc="-1" strike="noStrike">
+                <a:solidFill>
+                  <a:schemeClr val="lt1"/>
+                </a:solidFill>
+                <a:latin typeface="Calibri"/>
+              </a:rPr>
+              <a:t>|</a:t>
+            </a:r>
+            <a:endParaRPr b="0" lang="en-US" sz="800" spc="-1" strike="noStrike">
+              <a:solidFill>
+                <a:srgbClr val="000000"/>
+              </a:solidFill>
+              <a:latin typeface="Arial"/>
+            </a:endParaRPr>
+          </a:p>
+        </p:txBody>
+      </p:sp>
+      <p:sp>
+        <p:nvSpPr>
+          <p:cNvPr id="98" name="TextBox 5"/>
+          <p:cNvSpPr/>
+          <p:nvPr/>
+        </p:nvSpPr>
+        <p:spPr>
+          <a:xfrm>
+            <a:off x="8800200" y="4897440"/>
+            <a:ext cx="342720" cy="261720"/>
+          </a:xfrm>
+          <a:prstGeom prst="rect">
+            <a:avLst/>
+          </a:prstGeom>
+          <a:noFill/>
+          <a:ln w="0">
+            <a:noFill/>
+          </a:ln>
+        </p:spPr>
+        <p:style>
+          <a:lnRef idx="0"/>
+          <a:fillRef idx="0"/>
+          <a:effectRef idx="0"/>
+          <a:fontRef idx="minor"/>
+        </p:style>
+        <p:txBody>
+          <a:bodyPr lIns="90000" rIns="90000" tIns="45000" bIns="45000" anchor="t">
+            <a:spAutoFit/>
+          </a:bodyPr>
+          <a:p>
+            <a:pPr defTabSz="914400">
+              <a:lnSpc>
+                <a:spcPct val="100000"/>
+              </a:lnSpc>
+            </a:pPr>
+            <a:fld id="{583F0CEE-8523-4F64-BFA8-3362BFCBF874}" type="slidenum">
+              <a:rPr b="0" lang="en-US" sz="1000" spc="-1" strike="noStrike">
+                <a:solidFill>
+                  <a:schemeClr val="accent1"/>
+                </a:solidFill>
+                <a:latin typeface="Calibri"/>
+              </a:rPr>
+              <a:t>&lt;number&gt;</a:t>
+            </a:fld>
+            <a:endParaRPr b="0" lang="en-US" sz="1000" spc="-1" strike="noStrike">
+              <a:solidFill>
+                <a:srgbClr val="000000"/>
+              </a:solidFill>
+              <a:latin typeface="Arial"/>
+            </a:endParaRPr>
+          </a:p>
+        </p:txBody>
+      </p:sp>
+      <p:pic>
+        <p:nvPicPr>
+          <p:cNvPr id="99" name="Picture 6" descr="A picture containing text, clipart&#10;&#10;Description automatically generated"/>
+          <p:cNvPicPr/>
+          <p:nvPr/>
+        </p:nvPicPr>
+        <p:blipFill>
+          <a:blip r:embed="rId2"/>
+          <a:srcRect l="0" t="27256" r="0" b="28304"/>
+          <a:stretch/>
+        </p:blipFill>
+        <p:spPr>
+          <a:xfrm>
+            <a:off x="6371640" y="157680"/>
+            <a:ext cx="2592000" cy="348840"/>
+          </a:xfrm>
+          <a:prstGeom prst="rect">
+            <a:avLst/>
+          </a:prstGeom>
+          <a:ln w="0">
+            <a:noFill/>
+          </a:ln>
+        </p:spPr>
+      </p:pic>
+      <p:sp>
+        <p:nvSpPr>
+          <p:cNvPr id="100" name="Rectangle 10"/>
+          <p:cNvSpPr/>
+          <p:nvPr/>
+        </p:nvSpPr>
+        <p:spPr>
+          <a:xfrm rot="10800000">
+            <a:off x="1080" y="-14400"/>
+            <a:ext cx="9142920" cy="694800"/>
           </a:xfrm>
           <a:prstGeom prst="rect">
             <a:avLst/>
@@ -1253,858 +1446,14 @@
       </p:sp>
       <p:sp>
         <p:nvSpPr>
-          <p:cNvPr id="105" name="PlaceHolder 1"/>
-          <p:cNvSpPr>
-            <a:spLocks noGrp="1"/>
-          </p:cNvSpPr>
-          <p:nvPr>
-            <p:ph type="body"/>
-          </p:nvPr>
-        </p:nvSpPr>
-        <p:spPr>
-          <a:xfrm>
-            <a:off x="468360" y="893520"/>
-            <a:ext cx="8206920" cy="3766320"/>
-          </a:xfrm>
-          <a:prstGeom prst="rect">
-            <a:avLst/>
-          </a:prstGeom>
-          <a:noFill/>
-          <a:ln w="0">
-            <a:noFill/>
-          </a:ln>
-        </p:spPr>
-        <p:txBody>
-          <a:bodyPr lIns="91440" rIns="91440" tIns="45720" bIns="45720" anchor="t">
-            <a:normAutofit/>
-          </a:bodyPr>
-          <a:p>
-            <a:pPr indent="0" algn="ctr" defTabSz="914400">
-              <a:lnSpc>
-                <a:spcPct val="100000"/>
-              </a:lnSpc>
-              <a:spcBef>
-                <a:spcPts val="439"/>
-              </a:spcBef>
-              <a:buNone/>
-              <a:tabLst>
-                <a:tab algn="l" pos="0"/>
-              </a:tabLst>
-            </a:pPr>
-            <a:r>
-              <a:rPr b="0" i="1" lang="en-US" sz="2200" spc="-1" strike="noStrike">
-                <a:solidFill>
-                  <a:schemeClr val="dk1"/>
-                </a:solidFill>
-                <a:latin typeface="Calibri"/>
-              </a:rPr>
-              <a:t>Add a chart, picture or a graphic</a:t>
-            </a:r>
-            <a:endParaRPr b="1" lang="en-US" sz="2200" spc="-1" strike="noStrike">
-              <a:solidFill>
-                <a:schemeClr val="accent1"/>
-              </a:solidFill>
-              <a:latin typeface="Calibri"/>
-            </a:endParaRPr>
-          </a:p>
-        </p:txBody>
-      </p:sp>
-      <p:sp>
-        <p:nvSpPr>
-          <p:cNvPr id="106" name="PlaceHolder 2"/>
-          <p:cNvSpPr>
-            <a:spLocks noGrp="1"/>
-          </p:cNvSpPr>
-          <p:nvPr>
-            <p:ph type="title"/>
-          </p:nvPr>
-        </p:nvSpPr>
-        <p:spPr>
-          <a:xfrm>
-            <a:off x="532080" y="51480"/>
-            <a:ext cx="7886520" cy="575640"/>
-          </a:xfrm>
-          <a:prstGeom prst="rect">
-            <a:avLst/>
-          </a:prstGeom>
-          <a:noFill/>
-          <a:ln w="0">
-            <a:noFill/>
-          </a:ln>
-        </p:spPr>
-        <p:txBody>
-          <a:bodyPr lIns="90000" rIns="90000" tIns="45000" bIns="45000" anchor="t">
-            <a:noAutofit/>
-          </a:bodyPr>
-          <a:p>
-            <a:pPr indent="0" defTabSz="914400">
-              <a:lnSpc>
-                <a:spcPct val="100000"/>
-              </a:lnSpc>
-              <a:buNone/>
-            </a:pPr>
-            <a:r>
-              <a:rPr b="1" lang="en-US" sz="3200" spc="-1" strike="noStrike">
-                <a:solidFill>
-                  <a:schemeClr val="lt1"/>
-                </a:solidFill>
-                <a:latin typeface="Calibri"/>
-              </a:rPr>
-              <a:t>Click to edit title</a:t>
-            </a:r>
-            <a:endParaRPr b="0" lang="en-US" sz="3200" spc="-1" strike="noStrike">
-              <a:solidFill>
-                <a:schemeClr val="dk1"/>
-              </a:solidFill>
-              <a:latin typeface="Calibri"/>
-            </a:endParaRPr>
-          </a:p>
-        </p:txBody>
-      </p:sp>
-    </p:spTree>
-  </p:cSld>
-  <p:clrMap bg1="lt1" bg2="lt2" tx1="dk1" tx2="dk2" accent1="accent1" accent2="accent2" accent3="accent3" accent4="accent4" accent5="accent5" accent6="accent6" hlink="hlink" folHlink="folHlink"/>
-  <p:sldLayoutIdLst>
-    <p:sldLayoutId id="2147483667" r:id="rId3"/>
-  </p:sldLayoutIdLst>
-</p:sldMaster>
-</file>
-
-<file path=ppt/slideMasters/slideMaster11.xml><?xml version="1.0" encoding="utf-8"?>
-<p:sldMaster xmlns:a="http://schemas.openxmlformats.org/drawingml/2006/main" xmlns:p="http://schemas.openxmlformats.org/presentationml/2006/main" xmlns:r="http://schemas.openxmlformats.org/officeDocument/2006/relationships" xmlns:p14="http://schemas.microsoft.com/office/powerpoint/2010/main" xmlns:p15="http://schemas.microsoft.com/office/powerpoint/2012/main" xmlns:mc="http://schemas.openxmlformats.org/markup-compatibility/2006">
-  <p:cSld>
-    <p:bg>
-      <p:bgPr>
-        <a:solidFill>
-          <a:srgbClr val="ffffff"/>
-        </a:solidFill>
-      </p:bgPr>
-    </p:bg>
-    <p:spTree>
-      <p:nvGrpSpPr>
-        <p:cNvPr id="1" name=""/>
-        <p:cNvGrpSpPr/>
-        <p:nvPr/>
-      </p:nvGrpSpPr>
-      <p:grpSpPr>
-        <a:xfrm>
-          <a:off x="0" y="0"/>
-          <a:ext cx="0" cy="0"/>
-          <a:chOff x="0" y="0"/>
-          <a:chExt cx="0" cy="0"/>
-        </a:xfrm>
-      </p:grpSpPr>
-      <p:sp>
-        <p:nvSpPr>
-          <p:cNvPr id="107" name="Textfeld 15"/>
-          <p:cNvSpPr/>
-          <p:nvPr/>
-        </p:nvSpPr>
-        <p:spPr>
-          <a:xfrm>
-            <a:off x="8711280" y="4803840"/>
-            <a:ext cx="108720" cy="309240"/>
-          </a:xfrm>
-          <a:prstGeom prst="rect">
-            <a:avLst/>
-          </a:prstGeom>
-          <a:noFill/>
-          <a:ln w="0">
-            <a:noFill/>
-          </a:ln>
-        </p:spPr>
-        <p:style>
-          <a:lnRef idx="0"/>
-          <a:fillRef idx="0"/>
-          <a:effectRef idx="0"/>
-          <a:fontRef idx="minor"/>
-        </p:style>
-        <p:txBody>
-          <a:bodyPr wrap="none" lIns="36000" rIns="36000" tIns="45000" bIns="45000" anchor="ctr">
-            <a:noAutofit/>
-          </a:bodyPr>
-          <a:p>
-            <a:pPr algn="ctr" defTabSz="914400">
-              <a:lnSpc>
-                <a:spcPct val="100000"/>
-              </a:lnSpc>
-            </a:pPr>
-            <a:r>
-              <a:rPr b="0" lang="de-CH" sz="800" spc="-1" strike="noStrike">
-                <a:solidFill>
-                  <a:schemeClr val="lt1"/>
-                </a:solidFill>
-                <a:latin typeface="Calibri"/>
-              </a:rPr>
-              <a:t>|</a:t>
-            </a:r>
-            <a:endParaRPr b="0" lang="en-US" sz="800" spc="-1" strike="noStrike">
-              <a:solidFill>
-                <a:srgbClr val="000000"/>
-              </a:solidFill>
-              <a:latin typeface="Arial"/>
-            </a:endParaRPr>
-          </a:p>
-        </p:txBody>
-      </p:sp>
-      <p:sp>
-        <p:nvSpPr>
-          <p:cNvPr id="108" name="TextBox 5"/>
-          <p:cNvSpPr/>
-          <p:nvPr/>
-        </p:nvSpPr>
-        <p:spPr>
-          <a:xfrm>
-            <a:off x="8800200" y="4897440"/>
-            <a:ext cx="343440" cy="261720"/>
-          </a:xfrm>
-          <a:prstGeom prst="rect">
-            <a:avLst/>
-          </a:prstGeom>
-          <a:noFill/>
-          <a:ln w="0">
-            <a:noFill/>
-          </a:ln>
-        </p:spPr>
-        <p:style>
-          <a:lnRef idx="0"/>
-          <a:fillRef idx="0"/>
-          <a:effectRef idx="0"/>
-          <a:fontRef idx="minor"/>
-        </p:style>
-        <p:txBody>
-          <a:bodyPr lIns="90000" rIns="90000" tIns="45000" bIns="45000" anchor="t">
-            <a:spAutoFit/>
-          </a:bodyPr>
-          <a:p>
-            <a:pPr defTabSz="914400">
-              <a:lnSpc>
-                <a:spcPct val="100000"/>
-              </a:lnSpc>
-            </a:pPr>
-            <a:fld id="{D9417CFE-07D1-4BAC-B25F-22AA917B5053}" type="slidenum">
-              <a:rPr b="0" lang="en-US" sz="1000" spc="-1" strike="noStrike">
-                <a:solidFill>
-                  <a:schemeClr val="accent1"/>
-                </a:solidFill>
-                <a:latin typeface="Calibri"/>
-              </a:rPr>
-              <a:t>&lt;number&gt;</a:t>
-            </a:fld>
-            <a:endParaRPr b="0" lang="en-US" sz="1000" spc="-1" strike="noStrike">
-              <a:solidFill>
-                <a:srgbClr val="000000"/>
-              </a:solidFill>
-              <a:latin typeface="Arial"/>
-            </a:endParaRPr>
-          </a:p>
-        </p:txBody>
-      </p:sp>
-      <p:pic>
-        <p:nvPicPr>
-          <p:cNvPr id="109" name="Picture 6" descr="A picture containing text, clipart&#10;&#10;Description automatically generated"/>
-          <p:cNvPicPr/>
-          <p:nvPr/>
-        </p:nvPicPr>
-        <p:blipFill>
-          <a:blip r:embed="rId2"/>
-          <a:srcRect l="0" t="27256" r="0" b="28304"/>
-          <a:stretch/>
-        </p:blipFill>
-        <p:spPr>
-          <a:xfrm>
-            <a:off x="6371640" y="157680"/>
-            <a:ext cx="2592720" cy="349560"/>
-          </a:xfrm>
-          <a:prstGeom prst="rect">
-            <a:avLst/>
-          </a:prstGeom>
-          <a:ln w="0">
-            <a:noFill/>
-          </a:ln>
-        </p:spPr>
-      </p:pic>
-      <p:sp>
-        <p:nvSpPr>
-          <p:cNvPr id="110" name="Rectangle 10"/>
-          <p:cNvSpPr/>
-          <p:nvPr/>
-        </p:nvSpPr>
-        <p:spPr>
-          <a:xfrm rot="10800000">
-            <a:off x="360" y="-15120"/>
-            <a:ext cx="9143640" cy="695520"/>
-          </a:xfrm>
-          <a:prstGeom prst="rect">
-            <a:avLst/>
-          </a:prstGeom>
-          <a:solidFill>
-            <a:schemeClr val="accent1"/>
-          </a:solidFill>
-          <a:ln>
-            <a:noFill/>
-          </a:ln>
-        </p:spPr>
-        <p:style>
-          <a:lnRef idx="2">
-            <a:schemeClr val="accent1">
-              <a:shade val="50000"/>
-            </a:schemeClr>
-          </a:lnRef>
-          <a:fillRef idx="1">
-            <a:schemeClr val="accent1"/>
-          </a:fillRef>
-          <a:effectRef idx="0">
-            <a:schemeClr val="accent1"/>
-          </a:effectRef>
-          <a:fontRef idx="minor"/>
-        </p:style>
-        <p:txBody>
-          <a:bodyPr lIns="90000" rIns="90000" tIns="45000" bIns="45000" anchor="ctr">
-            <a:noAutofit/>
-          </a:bodyPr>
-          <a:p>
-            <a:pPr algn="ctr" defTabSz="914400">
-              <a:lnSpc>
-                <a:spcPct val="100000"/>
-              </a:lnSpc>
-            </a:pPr>
-            <a:endParaRPr b="0" lang="en-US" sz="1800" spc="-1" strike="noStrike">
-              <a:solidFill>
-                <a:schemeClr val="lt1"/>
-              </a:solidFill>
-              <a:latin typeface="Calibri"/>
-            </a:endParaRPr>
-          </a:p>
-        </p:txBody>
-      </p:sp>
-      <p:sp>
-        <p:nvSpPr>
-          <p:cNvPr id="111" name="PlaceHolder 1"/>
-          <p:cNvSpPr>
-            <a:spLocks noGrp="1"/>
-          </p:cNvSpPr>
-          <p:nvPr>
-            <p:ph type="body"/>
-          </p:nvPr>
-        </p:nvSpPr>
-        <p:spPr>
-          <a:xfrm>
-            <a:off x="452520" y="893520"/>
-            <a:ext cx="2967120" cy="3838320"/>
-          </a:xfrm>
-          <a:prstGeom prst="rect">
-            <a:avLst/>
-          </a:prstGeom>
-          <a:noFill/>
-          <a:ln w="0">
-            <a:noFill/>
-          </a:ln>
-        </p:spPr>
-        <p:txBody>
-          <a:bodyPr lIns="91440" rIns="91440" tIns="45720" bIns="45720" anchor="t">
-            <a:noAutofit/>
-          </a:bodyPr>
-          <a:p>
-            <a:pPr indent="0" defTabSz="914400">
-              <a:lnSpc>
-                <a:spcPct val="100000"/>
-              </a:lnSpc>
-              <a:spcBef>
-                <a:spcPts val="479"/>
-              </a:spcBef>
-              <a:buNone/>
-              <a:tabLst>
-                <a:tab algn="l" pos="0"/>
-              </a:tabLst>
-            </a:pPr>
-            <a:r>
-              <a:rPr b="1" lang="en-US" sz="2400" spc="-1" strike="noStrike">
-                <a:solidFill>
-                  <a:schemeClr val="accent1"/>
-                </a:solidFill>
-                <a:latin typeface="Calibri"/>
-              </a:rPr>
-              <a:t>Click to edit title</a:t>
-            </a:r>
-            <a:endParaRPr b="1" lang="en-US" sz="2400" spc="-1" strike="noStrike">
-              <a:solidFill>
-                <a:schemeClr val="accent1"/>
-              </a:solidFill>
-              <a:latin typeface="Calibri"/>
-            </a:endParaRPr>
-          </a:p>
-          <a:p>
-            <a:pPr lvl="1" marL="800280" indent="-343080" defTabSz="914400">
-              <a:lnSpc>
-                <a:spcPct val="100000"/>
-              </a:lnSpc>
-              <a:spcBef>
-                <a:spcPts val="479"/>
-              </a:spcBef>
-              <a:buClr>
-                <a:srgbClr val="000000"/>
-              </a:buClr>
-              <a:buFont typeface="Wingdings" charset="2"/>
-              <a:buChar char=""/>
-              <a:tabLst>
-                <a:tab algn="l" pos="0"/>
-              </a:tabLst>
-            </a:pPr>
-            <a:r>
-              <a:rPr b="0" lang="en-US" sz="2400" spc="-1" strike="noStrike">
-                <a:solidFill>
-                  <a:schemeClr val="dk1"/>
-                </a:solidFill>
-                <a:latin typeface="Calibri"/>
-              </a:rPr>
-              <a:t>Second level</a:t>
-            </a:r>
-            <a:endParaRPr b="0" lang="en-US" sz="2400" spc="-1" strike="noStrike">
-              <a:solidFill>
-                <a:schemeClr val="dk1"/>
-              </a:solidFill>
-              <a:latin typeface="Calibri"/>
-            </a:endParaRPr>
-          </a:p>
-          <a:p>
-            <a:pPr lvl="2" marL="1143000" indent="-228600" defTabSz="914400">
-              <a:lnSpc>
-                <a:spcPct val="100000"/>
-              </a:lnSpc>
-              <a:spcBef>
-                <a:spcPts val="400"/>
-              </a:spcBef>
-              <a:buClr>
-                <a:srgbClr val="000000"/>
-              </a:buClr>
-              <a:buFont typeface="Wingdings" charset="2"/>
-              <a:buChar char=""/>
-              <a:tabLst>
-                <a:tab algn="l" pos="0"/>
-              </a:tabLst>
-            </a:pPr>
-            <a:r>
-              <a:rPr b="0" lang="en-US" sz="2000" spc="-1" strike="noStrike">
-                <a:solidFill>
-                  <a:schemeClr val="dk1"/>
-                </a:solidFill>
-                <a:latin typeface="Calibri"/>
-              </a:rPr>
-              <a:t>Third level</a:t>
-            </a:r>
-            <a:endParaRPr b="0" lang="en-US" sz="2000" spc="-1" strike="noStrike">
-              <a:solidFill>
-                <a:schemeClr val="dk1"/>
-              </a:solidFill>
-              <a:latin typeface="Calibri"/>
-            </a:endParaRPr>
-          </a:p>
-          <a:p>
-            <a:pPr lvl="3" marL="1600200" indent="-228600" defTabSz="914400">
-              <a:lnSpc>
-                <a:spcPct val="100000"/>
-              </a:lnSpc>
-              <a:spcBef>
-                <a:spcPts val="360"/>
-              </a:spcBef>
-              <a:buClr>
-                <a:srgbClr val="000000"/>
-              </a:buClr>
-              <a:buFont typeface="Wingdings" charset="2"/>
-              <a:buChar char=""/>
-              <a:tabLst>
-                <a:tab algn="l" pos="0"/>
-              </a:tabLst>
-            </a:pPr>
-            <a:r>
-              <a:rPr b="0" lang="en-US" sz="1800" spc="-1" strike="noStrike">
-                <a:solidFill>
-                  <a:schemeClr val="dk1"/>
-                </a:solidFill>
-                <a:latin typeface="Calibri"/>
-              </a:rPr>
-              <a:t>Fourth level</a:t>
-            </a:r>
-            <a:endParaRPr b="0" lang="en-US" sz="1800" spc="-1" strike="noStrike">
-              <a:solidFill>
-                <a:schemeClr val="dk1"/>
-              </a:solidFill>
-              <a:latin typeface="Calibri"/>
-            </a:endParaRPr>
-          </a:p>
-          <a:p>
-            <a:pPr lvl="4" marL="2057400" indent="-228600" defTabSz="914400">
-              <a:lnSpc>
-                <a:spcPct val="100000"/>
-              </a:lnSpc>
-              <a:spcBef>
-                <a:spcPts val="320"/>
-              </a:spcBef>
-              <a:buClr>
-                <a:srgbClr val="000000"/>
-              </a:buClr>
-              <a:buFont typeface="Wingdings" charset="2"/>
-              <a:buChar char=""/>
-              <a:tabLst>
-                <a:tab algn="l" pos="0"/>
-              </a:tabLst>
-            </a:pPr>
-            <a:r>
-              <a:rPr b="0" i="1" lang="en-US" sz="1600" spc="-1" strike="noStrike">
-                <a:solidFill>
-                  <a:schemeClr val="dk1"/>
-                </a:solidFill>
-                <a:latin typeface="Calibri"/>
-              </a:rPr>
-              <a:t>Fifth level</a:t>
-            </a:r>
-            <a:endParaRPr b="0" lang="en-US" sz="1600" spc="-1" strike="noStrike">
-              <a:solidFill>
-                <a:schemeClr val="dk1"/>
-              </a:solidFill>
-              <a:latin typeface="Calibri"/>
-            </a:endParaRPr>
-          </a:p>
-        </p:txBody>
-      </p:sp>
-      <p:sp>
-        <p:nvSpPr>
-          <p:cNvPr id="112" name="PlaceHolder 2"/>
-          <p:cNvSpPr>
-            <a:spLocks noGrp="1"/>
-          </p:cNvSpPr>
-          <p:nvPr>
-            <p:ph type="body"/>
-          </p:nvPr>
-        </p:nvSpPr>
-        <p:spPr>
-          <a:xfrm>
-            <a:off x="3636000" y="893520"/>
-            <a:ext cx="5039280" cy="3838320"/>
-          </a:xfrm>
-          <a:prstGeom prst="rect">
-            <a:avLst/>
-          </a:prstGeom>
-          <a:noFill/>
-          <a:ln w="0">
-            <a:noFill/>
-          </a:ln>
-        </p:spPr>
-        <p:txBody>
-          <a:bodyPr lIns="91440" rIns="91440" tIns="45720" bIns="45720" anchor="t">
-            <a:normAutofit/>
-          </a:bodyPr>
-          <a:p>
-            <a:pPr indent="0" algn="ctr" defTabSz="914400">
-              <a:lnSpc>
-                <a:spcPct val="100000"/>
-              </a:lnSpc>
-              <a:spcBef>
-                <a:spcPts val="439"/>
-              </a:spcBef>
-              <a:buNone/>
-              <a:tabLst>
-                <a:tab algn="l" pos="0"/>
-              </a:tabLst>
-            </a:pPr>
-            <a:r>
-              <a:rPr b="0" i="1" lang="en-US" sz="2200" spc="-1" strike="noStrike">
-                <a:solidFill>
-                  <a:schemeClr val="dk1"/>
-                </a:solidFill>
-                <a:latin typeface="Calibri"/>
-              </a:rPr>
-              <a:t>Add a chart, picture or a graphic</a:t>
-            </a:r>
-            <a:endParaRPr b="1" lang="en-US" sz="2200" spc="-1" strike="noStrike">
-              <a:solidFill>
-                <a:schemeClr val="accent1"/>
-              </a:solidFill>
-              <a:latin typeface="Calibri"/>
-            </a:endParaRPr>
-          </a:p>
-        </p:txBody>
-      </p:sp>
-      <p:sp>
-        <p:nvSpPr>
-          <p:cNvPr id="113" name="PlaceHolder 3"/>
-          <p:cNvSpPr>
-            <a:spLocks noGrp="1"/>
-          </p:cNvSpPr>
-          <p:nvPr>
-            <p:ph type="title"/>
-          </p:nvPr>
-        </p:nvSpPr>
-        <p:spPr>
-          <a:xfrm>
-            <a:off x="532080" y="51480"/>
-            <a:ext cx="7886520" cy="575640"/>
-          </a:xfrm>
-          <a:prstGeom prst="rect">
-            <a:avLst/>
-          </a:prstGeom>
-          <a:noFill/>
-          <a:ln w="0">
-            <a:noFill/>
-          </a:ln>
-        </p:spPr>
-        <p:txBody>
-          <a:bodyPr lIns="90000" rIns="90000" tIns="45000" bIns="45000" anchor="t">
-            <a:noAutofit/>
-          </a:bodyPr>
-          <a:p>
-            <a:pPr indent="0" defTabSz="914400">
-              <a:lnSpc>
-                <a:spcPct val="100000"/>
-              </a:lnSpc>
-              <a:buNone/>
-            </a:pPr>
-            <a:r>
-              <a:rPr b="1" lang="en-US" sz="3200" spc="-1" strike="noStrike">
-                <a:solidFill>
-                  <a:schemeClr val="lt1"/>
-                </a:solidFill>
-                <a:latin typeface="Calibri"/>
-              </a:rPr>
-              <a:t>Click to edit title</a:t>
-            </a:r>
-            <a:endParaRPr b="0" lang="en-US" sz="3200" spc="-1" strike="noStrike">
-              <a:solidFill>
-                <a:schemeClr val="dk1"/>
-              </a:solidFill>
-              <a:latin typeface="Calibri"/>
-            </a:endParaRPr>
-          </a:p>
-        </p:txBody>
-      </p:sp>
-    </p:spTree>
-  </p:cSld>
-  <p:clrMap bg1="lt1" bg2="lt2" tx1="dk1" tx2="dk2" accent1="accent1" accent2="accent2" accent3="accent3" accent4="accent4" accent5="accent5" accent6="accent6" hlink="hlink" folHlink="folHlink"/>
-  <p:sldLayoutIdLst>
-    <p:sldLayoutId id="2147483669" r:id="rId3"/>
-  </p:sldLayoutIdLst>
-</p:sldMaster>
-</file>
-
-<file path=ppt/slideMasters/slideMaster12.xml><?xml version="1.0" encoding="utf-8"?>
-<p:sldMaster xmlns:a="http://schemas.openxmlformats.org/drawingml/2006/main" xmlns:p="http://schemas.openxmlformats.org/presentationml/2006/main" xmlns:r="http://schemas.openxmlformats.org/officeDocument/2006/relationships" xmlns:p14="http://schemas.microsoft.com/office/powerpoint/2010/main" xmlns:p15="http://schemas.microsoft.com/office/powerpoint/2012/main" xmlns:mc="http://schemas.openxmlformats.org/markup-compatibility/2006">
-  <p:cSld>
-    <p:bg>
-      <p:bgPr>
-        <a:solidFill>
-          <a:srgbClr val="ffffff"/>
-        </a:solidFill>
-      </p:bgPr>
-    </p:bg>
-    <p:spTree>
-      <p:nvGrpSpPr>
-        <p:cNvPr id="1" name=""/>
-        <p:cNvGrpSpPr/>
-        <p:nvPr/>
-      </p:nvGrpSpPr>
-      <p:grpSpPr>
-        <a:xfrm>
-          <a:off x="0" y="0"/>
-          <a:ext cx="0" cy="0"/>
-          <a:chOff x="0" y="0"/>
-          <a:chExt cx="0" cy="0"/>
-        </a:xfrm>
-      </p:grpSpPr>
-      <p:sp>
-        <p:nvSpPr>
-          <p:cNvPr id="114" name="Textfeld 15"/>
-          <p:cNvSpPr/>
-          <p:nvPr/>
-        </p:nvSpPr>
-        <p:spPr>
-          <a:xfrm>
-            <a:off x="8711280" y="4803840"/>
-            <a:ext cx="108720" cy="309240"/>
-          </a:xfrm>
-          <a:prstGeom prst="rect">
-            <a:avLst/>
-          </a:prstGeom>
-          <a:noFill/>
-          <a:ln w="0">
-            <a:noFill/>
-          </a:ln>
-        </p:spPr>
-        <p:style>
-          <a:lnRef idx="0"/>
-          <a:fillRef idx="0"/>
-          <a:effectRef idx="0"/>
-          <a:fontRef idx="minor"/>
-        </p:style>
-        <p:txBody>
-          <a:bodyPr wrap="none" lIns="36000" rIns="36000" tIns="45000" bIns="45000" anchor="ctr">
-            <a:noAutofit/>
-          </a:bodyPr>
-          <a:p>
-            <a:pPr algn="ctr" defTabSz="914400">
-              <a:lnSpc>
-                <a:spcPct val="100000"/>
-              </a:lnSpc>
-            </a:pPr>
-            <a:r>
-              <a:rPr b="0" lang="de-CH" sz="800" spc="-1" strike="noStrike">
-                <a:solidFill>
-                  <a:schemeClr val="lt1"/>
-                </a:solidFill>
-                <a:latin typeface="Calibri"/>
-              </a:rPr>
-              <a:t>|</a:t>
-            </a:r>
-            <a:endParaRPr b="0" lang="en-US" sz="800" spc="-1" strike="noStrike">
-              <a:solidFill>
-                <a:srgbClr val="000000"/>
-              </a:solidFill>
-              <a:latin typeface="Arial"/>
-            </a:endParaRPr>
-          </a:p>
-        </p:txBody>
-      </p:sp>
-      <p:sp>
-        <p:nvSpPr>
-          <p:cNvPr id="115" name="TextBox 5"/>
-          <p:cNvSpPr/>
-          <p:nvPr/>
-        </p:nvSpPr>
-        <p:spPr>
-          <a:xfrm>
-            <a:off x="8800200" y="4897440"/>
-            <a:ext cx="343440" cy="261720"/>
-          </a:xfrm>
-          <a:prstGeom prst="rect">
-            <a:avLst/>
-          </a:prstGeom>
-          <a:noFill/>
-          <a:ln w="0">
-            <a:noFill/>
-          </a:ln>
-        </p:spPr>
-        <p:style>
-          <a:lnRef idx="0"/>
-          <a:fillRef idx="0"/>
-          <a:effectRef idx="0"/>
-          <a:fontRef idx="minor"/>
-        </p:style>
-        <p:txBody>
-          <a:bodyPr lIns="90000" rIns="90000" tIns="45000" bIns="45000" anchor="t">
-            <a:spAutoFit/>
-          </a:bodyPr>
-          <a:p>
-            <a:pPr defTabSz="914400">
-              <a:lnSpc>
-                <a:spcPct val="100000"/>
-              </a:lnSpc>
-            </a:pPr>
-            <a:fld id="{B7937C86-621E-4BF6-BBB6-1FC1504AD4EA}" type="slidenum">
-              <a:rPr b="0" lang="en-US" sz="1000" spc="-1" strike="noStrike">
-                <a:solidFill>
-                  <a:schemeClr val="accent1"/>
-                </a:solidFill>
-                <a:latin typeface="Calibri"/>
-              </a:rPr>
-              <a:t>&lt;number&gt;</a:t>
-            </a:fld>
-            <a:endParaRPr b="0" lang="en-US" sz="1000" spc="-1" strike="noStrike">
-              <a:solidFill>
-                <a:srgbClr val="000000"/>
-              </a:solidFill>
-              <a:latin typeface="Arial"/>
-            </a:endParaRPr>
-          </a:p>
-        </p:txBody>
-      </p:sp>
-      <p:pic>
-        <p:nvPicPr>
-          <p:cNvPr id="116" name="Picture 6" descr="A picture containing text, clipart&#10;&#10;Description automatically generated"/>
-          <p:cNvPicPr/>
-          <p:nvPr/>
-        </p:nvPicPr>
-        <p:blipFill>
-          <a:blip r:embed="rId2"/>
-          <a:srcRect l="0" t="27256" r="0" b="28304"/>
-          <a:stretch/>
-        </p:blipFill>
-        <p:spPr>
-          <a:xfrm>
-            <a:off x="6371640" y="157680"/>
-            <a:ext cx="2592720" cy="349560"/>
-          </a:xfrm>
-          <a:prstGeom prst="rect">
-            <a:avLst/>
-          </a:prstGeom>
-          <a:ln w="0">
-            <a:noFill/>
-          </a:ln>
-        </p:spPr>
-      </p:pic>
-      <p:sp>
-        <p:nvSpPr>
-          <p:cNvPr id="117" name="Rectangle 10"/>
-          <p:cNvSpPr/>
-          <p:nvPr/>
-        </p:nvSpPr>
-        <p:spPr>
-          <a:xfrm rot="10800000">
-            <a:off x="360" y="-15120"/>
-            <a:ext cx="9143640" cy="695520"/>
-          </a:xfrm>
-          <a:prstGeom prst="rect">
-            <a:avLst/>
-          </a:prstGeom>
-          <a:solidFill>
-            <a:schemeClr val="accent1"/>
-          </a:solidFill>
-          <a:ln>
-            <a:noFill/>
-          </a:ln>
-        </p:spPr>
-        <p:style>
-          <a:lnRef idx="2">
-            <a:schemeClr val="accent1">
-              <a:shade val="50000"/>
-            </a:schemeClr>
-          </a:lnRef>
-          <a:fillRef idx="1">
-            <a:schemeClr val="accent1"/>
-          </a:fillRef>
-          <a:effectRef idx="0">
-            <a:schemeClr val="accent1"/>
-          </a:effectRef>
-          <a:fontRef idx="minor"/>
-        </p:style>
-        <p:txBody>
-          <a:bodyPr lIns="90000" rIns="90000" tIns="45000" bIns="45000" anchor="ctr">
-            <a:noAutofit/>
-          </a:bodyPr>
-          <a:p>
-            <a:pPr algn="ctr" defTabSz="914400">
-              <a:lnSpc>
-                <a:spcPct val="100000"/>
-              </a:lnSpc>
-            </a:pPr>
-            <a:endParaRPr b="0" lang="en-US" sz="1800" spc="-1" strike="noStrike">
-              <a:solidFill>
-                <a:schemeClr val="lt1"/>
-              </a:solidFill>
-              <a:latin typeface="Calibri"/>
-            </a:endParaRPr>
-          </a:p>
-        </p:txBody>
-      </p:sp>
-      <p:sp>
-        <p:nvSpPr>
-          <p:cNvPr id="118" name="Rectangle 2"/>
+          <p:cNvPr id="101" name="Rectangle 2"/>
           <p:cNvSpPr/>
           <p:nvPr/>
         </p:nvSpPr>
         <p:spPr>
           <a:xfrm>
             <a:off x="0" y="-20520"/>
-            <a:ext cx="9143640" cy="4752000"/>
+            <a:ext cx="9142920" cy="4751280"/>
           </a:xfrm>
           <a:prstGeom prst="rect">
             <a:avLst/>
@@ -2184,14 +1533,14 @@
       </p:grpSpPr>
       <p:sp>
         <p:nvSpPr>
-          <p:cNvPr id="119" name="Rectangle 6"/>
+          <p:cNvPr id="102" name="Rectangle 6"/>
           <p:cNvSpPr/>
           <p:nvPr/>
         </p:nvSpPr>
         <p:spPr>
           <a:xfrm rot="10800000">
-            <a:off x="360" y="-15120"/>
-            <a:ext cx="467280" cy="5158440"/>
+            <a:off x="1080" y="-14400"/>
+            <a:ext cx="466560" cy="5157720"/>
           </a:xfrm>
           <a:prstGeom prst="rect">
             <a:avLst/>
@@ -2238,7 +1587,7 @@
       </p:sp>
       <p:pic>
         <p:nvPicPr>
-          <p:cNvPr id="120" name="Εικόνα 2" descr=""/>
+          <p:cNvPr id="103" name="Εικόνα 2" descr=""/>
           <p:cNvPicPr/>
           <p:nvPr/>
         </p:nvPicPr>
@@ -2249,7 +1598,7 @@
         <p:spPr>
           <a:xfrm>
             <a:off x="8172360" y="4299840"/>
-            <a:ext cx="767880" cy="767880"/>
+            <a:ext cx="767160" cy="767160"/>
           </a:xfrm>
           <a:prstGeom prst="rect">
             <a:avLst/>
@@ -2259,248 +1608,6 @@
           </a:ln>
         </p:spPr>
       </p:pic>
-      <p:sp>
-        <p:nvSpPr>
-          <p:cNvPr id="121" name="PlaceHolder 1"/>
-          <p:cNvSpPr>
-            <a:spLocks noGrp="1"/>
-          </p:cNvSpPr>
-          <p:nvPr>
-            <p:ph type="body"/>
-          </p:nvPr>
-        </p:nvSpPr>
-        <p:spPr>
-          <a:xfrm>
-            <a:off x="827640" y="1203480"/>
-            <a:ext cx="8064360" cy="3528000"/>
-          </a:xfrm>
-          <a:prstGeom prst="rect">
-            <a:avLst/>
-          </a:prstGeom>
-          <a:noFill/>
-          <a:ln w="0">
-            <a:noFill/>
-          </a:ln>
-        </p:spPr>
-        <p:txBody>
-          <a:bodyPr lIns="90000" rIns="90000" tIns="45000" bIns="45000" anchor="t">
-            <a:noAutofit/>
-          </a:bodyPr>
-          <a:p>
-            <a:pPr indent="0" defTabSz="914400">
-              <a:lnSpc>
-                <a:spcPct val="90000"/>
-              </a:lnSpc>
-              <a:spcBef>
-                <a:spcPts val="1001"/>
-              </a:spcBef>
-              <a:buNone/>
-              <a:tabLst>
-                <a:tab algn="l" pos="0"/>
-              </a:tabLst>
-            </a:pPr>
-            <a:r>
-              <a:rPr b="0" lang="en-US" sz="2800" spc="-1" strike="noStrike">
-                <a:solidFill>
-                  <a:schemeClr val="accent1"/>
-                </a:solidFill>
-                <a:latin typeface="Calibri"/>
-              </a:rPr>
-              <a:t>Click to edit subtitle</a:t>
-            </a:r>
-            <a:endParaRPr b="0" lang="en-US" sz="2800" spc="-1" strike="noStrike">
-              <a:solidFill>
-                <a:schemeClr val="dk1"/>
-              </a:solidFill>
-              <a:latin typeface="Calibri"/>
-            </a:endParaRPr>
-          </a:p>
-          <a:p>
-            <a:pPr lvl="1" marL="460440" indent="-343080" defTabSz="914400">
-              <a:lnSpc>
-                <a:spcPct val="90000"/>
-              </a:lnSpc>
-              <a:spcBef>
-                <a:spcPts val="499"/>
-              </a:spcBef>
-              <a:buClr>
-                <a:srgbClr val="000000"/>
-              </a:buClr>
-              <a:buFont typeface="Arial"/>
-              <a:buChar char="•"/>
-              <a:tabLst>
-                <a:tab algn="l" pos="0"/>
-              </a:tabLst>
-            </a:pPr>
-            <a:r>
-              <a:rPr b="0" lang="en-US" sz="2400" spc="-1" strike="noStrike">
-                <a:solidFill>
-                  <a:schemeClr val="dk1"/>
-                </a:solidFill>
-                <a:latin typeface="Calibri"/>
-              </a:rPr>
-              <a:t>Second level</a:t>
-            </a:r>
-            <a:endParaRPr b="0" lang="en-US" sz="2400" spc="-1" strike="noStrike">
-              <a:solidFill>
-                <a:schemeClr val="dk1"/>
-              </a:solidFill>
-              <a:latin typeface="Calibri"/>
-            </a:endParaRPr>
-          </a:p>
-          <a:p>
-            <a:pPr lvl="2" marL="460440" indent="-343080" defTabSz="914400">
-              <a:lnSpc>
-                <a:spcPct val="90000"/>
-              </a:lnSpc>
-              <a:spcBef>
-                <a:spcPts val="499"/>
-              </a:spcBef>
-              <a:buClr>
-                <a:srgbClr val="000000"/>
-              </a:buClr>
-              <a:buFont typeface="Arial"/>
-              <a:buChar char="•"/>
-              <a:tabLst>
-                <a:tab algn="l" pos="0"/>
-              </a:tabLst>
-            </a:pPr>
-            <a:r>
-              <a:rPr b="0" lang="en-US" sz="2000" spc="-1" strike="noStrike">
-                <a:solidFill>
-                  <a:schemeClr val="dk1"/>
-                </a:solidFill>
-                <a:latin typeface="Calibri"/>
-              </a:rPr>
-              <a:t>Third level</a:t>
-            </a:r>
-            <a:endParaRPr b="0" lang="en-US" sz="2000" spc="-1" strike="noStrike">
-              <a:solidFill>
-                <a:schemeClr val="dk1"/>
-              </a:solidFill>
-              <a:latin typeface="Calibri"/>
-            </a:endParaRPr>
-          </a:p>
-          <a:p>
-            <a:pPr lvl="3" marL="460440" indent="-343080" defTabSz="914400">
-              <a:lnSpc>
-                <a:spcPct val="90000"/>
-              </a:lnSpc>
-              <a:spcBef>
-                <a:spcPts val="499"/>
-              </a:spcBef>
-              <a:buClr>
-                <a:srgbClr val="000000"/>
-              </a:buClr>
-              <a:buFont typeface="Arial"/>
-              <a:buChar char="•"/>
-              <a:tabLst>
-                <a:tab algn="l" pos="0"/>
-              </a:tabLst>
-            </a:pPr>
-            <a:r>
-              <a:rPr b="0" lang="en-US" sz="1800" spc="-1" strike="noStrike">
-                <a:solidFill>
-                  <a:schemeClr val="dk1"/>
-                </a:solidFill>
-                <a:latin typeface="Calibri"/>
-              </a:rPr>
-              <a:t>Fourth level</a:t>
-            </a:r>
-            <a:endParaRPr b="0" lang="en-US" sz="1800" spc="-1" strike="noStrike">
-              <a:solidFill>
-                <a:schemeClr val="dk1"/>
-              </a:solidFill>
-              <a:latin typeface="Calibri"/>
-            </a:endParaRPr>
-          </a:p>
-          <a:p>
-            <a:pPr lvl="4" marL="460440" indent="-343080" defTabSz="914400">
-              <a:lnSpc>
-                <a:spcPct val="90000"/>
-              </a:lnSpc>
-              <a:spcBef>
-                <a:spcPts val="499"/>
-              </a:spcBef>
-              <a:buClr>
-                <a:srgbClr val="000000"/>
-              </a:buClr>
-              <a:buFont typeface="Arial"/>
-              <a:buChar char="•"/>
-              <a:tabLst>
-                <a:tab algn="l" pos="0"/>
-              </a:tabLst>
-            </a:pPr>
-            <a:r>
-              <a:rPr b="0" i="1" lang="en-US" sz="1600" spc="-1" strike="noStrike">
-                <a:solidFill>
-                  <a:schemeClr val="dk1"/>
-                </a:solidFill>
-                <a:latin typeface="Calibri"/>
-              </a:rPr>
-              <a:t>Fifth level</a:t>
-            </a:r>
-            <a:endParaRPr b="0" lang="en-US" sz="1600" spc="-1" strike="noStrike">
-              <a:solidFill>
-                <a:schemeClr val="dk1"/>
-              </a:solidFill>
-              <a:latin typeface="Calibri"/>
-            </a:endParaRPr>
-          </a:p>
-        </p:txBody>
-      </p:sp>
-      <p:sp>
-        <p:nvSpPr>
-          <p:cNvPr id="122" name="PlaceHolder 2"/>
-          <p:cNvSpPr>
-            <a:spLocks noGrp="1"/>
-          </p:cNvSpPr>
-          <p:nvPr>
-            <p:ph type="title"/>
-          </p:nvPr>
-        </p:nvSpPr>
-        <p:spPr>
-          <a:xfrm>
-            <a:off x="827640" y="274680"/>
-            <a:ext cx="7886520" cy="568440"/>
-          </a:xfrm>
-          <a:prstGeom prst="rect">
-            <a:avLst/>
-          </a:prstGeom>
-          <a:noFill/>
-          <a:ln w="0">
-            <a:noFill/>
-          </a:ln>
-        </p:spPr>
-        <p:txBody>
-          <a:bodyPr lIns="90000" rIns="90000" tIns="45000" bIns="45000" anchor="t">
-            <a:noAutofit/>
-          </a:bodyPr>
-          <a:p>
-            <a:pPr indent="0" defTabSz="914400">
-              <a:lnSpc>
-                <a:spcPct val="90000"/>
-              </a:lnSpc>
-              <a:buNone/>
-            </a:pPr>
-            <a:r>
-              <a:rPr b="1" lang="en-US" sz="3600" spc="-1" strike="noStrike">
-                <a:solidFill>
-                  <a:schemeClr val="dk1"/>
-                </a:solidFill>
-                <a:latin typeface="Calibri Light"/>
-              </a:rPr>
-              <a:t>Click to edit title</a:t>
-            </a:r>
-            <a:endParaRPr b="0" lang="en-US" sz="3600" spc="-1" strike="noStrike">
-              <a:solidFill>
-                <a:schemeClr val="dk1"/>
-              </a:solidFill>
-              <a:latin typeface="Calibri"/>
-            </a:endParaRPr>
-          </a:p>
-        </p:txBody>
-      </p:sp>
     </p:spTree>
   </p:cSld>
   <p:clrMap bg1="lt1" bg2="lt2" tx1="dk1" tx2="dk2" accent1="accent1" accent2="accent2" accent3="accent3" accent4="accent4" accent5="accent5" accent6="accent6" hlink="hlink" folHlink="folHlink"/>
@@ -2536,14 +1643,14 @@
       </p:grpSpPr>
       <p:sp>
         <p:nvSpPr>
-          <p:cNvPr id="123" name="Rectangle 6"/>
+          <p:cNvPr id="104" name="Rectangle 6"/>
           <p:cNvSpPr/>
           <p:nvPr/>
         </p:nvSpPr>
         <p:spPr>
           <a:xfrm rot="10800000">
-            <a:off x="360" y="-15120"/>
-            <a:ext cx="467280" cy="5158440"/>
+            <a:off x="1080" y="-14400"/>
+            <a:ext cx="466560" cy="5157720"/>
           </a:xfrm>
           <a:prstGeom prst="rect">
             <a:avLst/>
@@ -2590,7 +1697,7 @@
       </p:sp>
       <p:pic>
         <p:nvPicPr>
-          <p:cNvPr id="124" name="Εικόνα 2" descr=""/>
+          <p:cNvPr id="105" name="Εικόνα 2" descr=""/>
           <p:cNvPicPr/>
           <p:nvPr/>
         </p:nvPicPr>
@@ -2601,7 +1708,7 @@
         <p:spPr>
           <a:xfrm>
             <a:off x="8172360" y="4299840"/>
-            <a:ext cx="767880" cy="767880"/>
+            <a:ext cx="767160" cy="767160"/>
           </a:xfrm>
           <a:prstGeom prst="rect">
             <a:avLst/>
@@ -2611,438 +1718,6 @@
           </a:ln>
         </p:spPr>
       </p:pic>
-      <p:sp>
-        <p:nvSpPr>
-          <p:cNvPr id="125" name="PlaceHolder 1"/>
-          <p:cNvSpPr>
-            <a:spLocks noGrp="1"/>
-          </p:cNvSpPr>
-          <p:nvPr>
-            <p:ph type="body"/>
-          </p:nvPr>
-        </p:nvSpPr>
-        <p:spPr>
-          <a:xfrm>
-            <a:off x="1115640" y="1059480"/>
-            <a:ext cx="3374280" cy="3744000"/>
-          </a:xfrm>
-          <a:prstGeom prst="rect">
-            <a:avLst/>
-          </a:prstGeom>
-          <a:noFill/>
-          <a:ln w="0">
-            <a:noFill/>
-          </a:ln>
-        </p:spPr>
-        <p:txBody>
-          <a:bodyPr lIns="90000" rIns="90000" tIns="45000" bIns="45000" anchor="t">
-            <a:noAutofit/>
-          </a:bodyPr>
-          <a:p>
-            <a:pPr indent="0" defTabSz="914400">
-              <a:lnSpc>
-                <a:spcPct val="90000"/>
-              </a:lnSpc>
-              <a:spcBef>
-                <a:spcPts val="1001"/>
-              </a:spcBef>
-              <a:buNone/>
-              <a:tabLst>
-                <a:tab algn="l" pos="0"/>
-              </a:tabLst>
-            </a:pPr>
-            <a:r>
-              <a:rPr b="0" lang="en-US" sz="2400" spc="-1" strike="noStrike">
-                <a:solidFill>
-                  <a:schemeClr val="accent1"/>
-                </a:solidFill>
-                <a:latin typeface="Calibri"/>
-              </a:rPr>
-              <a:t>Click to edit Column1 title</a:t>
-            </a:r>
-            <a:endParaRPr b="0" lang="en-US" sz="2400" spc="-1" strike="noStrike">
-              <a:solidFill>
-                <a:schemeClr val="dk1"/>
-              </a:solidFill>
-              <a:latin typeface="Calibri"/>
-            </a:endParaRPr>
-          </a:p>
-          <a:p>
-            <a:pPr lvl="1" marL="685800" indent="-228600" defTabSz="914400">
-              <a:lnSpc>
-                <a:spcPct val="90000"/>
-              </a:lnSpc>
-              <a:spcBef>
-                <a:spcPts val="499"/>
-              </a:spcBef>
-              <a:buClr>
-                <a:srgbClr val="000000"/>
-              </a:buClr>
-              <a:buFont typeface="Arial"/>
-              <a:buChar char="•"/>
-              <a:tabLst>
-                <a:tab algn="l" pos="0"/>
-              </a:tabLst>
-            </a:pPr>
-            <a:r>
-              <a:rPr b="0" lang="en-US" sz="2400" spc="-1" strike="noStrike">
-                <a:solidFill>
-                  <a:schemeClr val="dk1"/>
-                </a:solidFill>
-                <a:latin typeface="Calibri"/>
-              </a:rPr>
-              <a:t>Second level</a:t>
-            </a:r>
-            <a:endParaRPr b="0" lang="en-US" sz="2400" spc="-1" strike="noStrike">
-              <a:solidFill>
-                <a:schemeClr val="dk1"/>
-              </a:solidFill>
-              <a:latin typeface="Calibri"/>
-            </a:endParaRPr>
-          </a:p>
-          <a:p>
-            <a:pPr lvl="2" marL="1143000" indent="-228600" defTabSz="914400">
-              <a:lnSpc>
-                <a:spcPct val="90000"/>
-              </a:lnSpc>
-              <a:spcBef>
-                <a:spcPts val="499"/>
-              </a:spcBef>
-              <a:buClr>
-                <a:srgbClr val="000000"/>
-              </a:buClr>
-              <a:buFont typeface="Arial"/>
-              <a:buChar char="•"/>
-              <a:tabLst>
-                <a:tab algn="l" pos="0"/>
-              </a:tabLst>
-            </a:pPr>
-            <a:r>
-              <a:rPr b="0" lang="en-US" sz="2000" spc="-1" strike="noStrike">
-                <a:solidFill>
-                  <a:schemeClr val="dk1"/>
-                </a:solidFill>
-                <a:latin typeface="Calibri"/>
-              </a:rPr>
-              <a:t>Third level</a:t>
-            </a:r>
-            <a:endParaRPr b="0" lang="en-US" sz="2000" spc="-1" strike="noStrike">
-              <a:solidFill>
-                <a:schemeClr val="dk1"/>
-              </a:solidFill>
-              <a:latin typeface="Calibri"/>
-            </a:endParaRPr>
-          </a:p>
-          <a:p>
-            <a:pPr lvl="3" marL="1600200" indent="-228600" defTabSz="914400">
-              <a:lnSpc>
-                <a:spcPct val="90000"/>
-              </a:lnSpc>
-              <a:spcBef>
-                <a:spcPts val="499"/>
-              </a:spcBef>
-              <a:buClr>
-                <a:srgbClr val="000000"/>
-              </a:buClr>
-              <a:buFont typeface="Arial"/>
-              <a:buChar char="•"/>
-              <a:tabLst>
-                <a:tab algn="l" pos="0"/>
-              </a:tabLst>
-            </a:pPr>
-            <a:r>
-              <a:rPr b="0" lang="en-US" sz="1800" spc="-1" strike="noStrike">
-                <a:solidFill>
-                  <a:schemeClr val="dk1"/>
-                </a:solidFill>
-                <a:latin typeface="Calibri"/>
-              </a:rPr>
-              <a:t>Fourth level</a:t>
-            </a:r>
-            <a:endParaRPr b="0" lang="en-US" sz="1800" spc="-1" strike="noStrike">
-              <a:solidFill>
-                <a:schemeClr val="dk1"/>
-              </a:solidFill>
-              <a:latin typeface="Calibri"/>
-            </a:endParaRPr>
-          </a:p>
-          <a:p>
-            <a:pPr lvl="4" marL="2057400" indent="-228600" defTabSz="914400">
-              <a:lnSpc>
-                <a:spcPct val="90000"/>
-              </a:lnSpc>
-              <a:spcBef>
-                <a:spcPts val="499"/>
-              </a:spcBef>
-              <a:buClr>
-                <a:srgbClr val="000000"/>
-              </a:buClr>
-              <a:buFont typeface="Arial"/>
-              <a:buChar char="•"/>
-              <a:tabLst>
-                <a:tab algn="l" pos="0"/>
-              </a:tabLst>
-            </a:pPr>
-            <a:r>
-              <a:rPr b="0" lang="en-US" sz="1800" spc="-1" strike="noStrike">
-                <a:solidFill>
-                  <a:schemeClr val="dk1"/>
-                </a:solidFill>
-                <a:latin typeface="Calibri"/>
-              </a:rPr>
-              <a:t>Fifth level</a:t>
-            </a:r>
-            <a:endParaRPr b="0" lang="en-US" sz="1800" spc="-1" strike="noStrike">
-              <a:solidFill>
-                <a:schemeClr val="dk1"/>
-              </a:solidFill>
-              <a:latin typeface="Calibri"/>
-            </a:endParaRPr>
-          </a:p>
-        </p:txBody>
-      </p:sp>
-      <p:sp>
-        <p:nvSpPr>
-          <p:cNvPr id="126" name="PlaceHolder 2"/>
-          <p:cNvSpPr>
-            <a:spLocks noGrp="1"/>
-          </p:cNvSpPr>
-          <p:nvPr>
-            <p:ph type="body"/>
-          </p:nvPr>
-        </p:nvSpPr>
-        <p:spPr>
-          <a:xfrm>
-            <a:off x="5301720" y="1059480"/>
-            <a:ext cx="3374280" cy="3744000"/>
-          </a:xfrm>
-          <a:prstGeom prst="rect">
-            <a:avLst/>
-          </a:prstGeom>
-          <a:noFill/>
-          <a:ln w="0">
-            <a:noFill/>
-          </a:ln>
-        </p:spPr>
-        <p:txBody>
-          <a:bodyPr lIns="90000" rIns="90000" tIns="45000" bIns="45000" anchor="t">
-            <a:noAutofit/>
-          </a:bodyPr>
-          <a:p>
-            <a:pPr indent="0" defTabSz="914400">
-              <a:lnSpc>
-                <a:spcPct val="90000"/>
-              </a:lnSpc>
-              <a:spcBef>
-                <a:spcPts val="1001"/>
-              </a:spcBef>
-              <a:buNone/>
-              <a:tabLst>
-                <a:tab algn="l" pos="0"/>
-              </a:tabLst>
-            </a:pPr>
-            <a:r>
-              <a:rPr b="0" lang="en-US" sz="2400" spc="-1" strike="noStrike">
-                <a:solidFill>
-                  <a:schemeClr val="accent1"/>
-                </a:solidFill>
-                <a:latin typeface="Calibri"/>
-              </a:rPr>
-              <a:t>Click to edit Column2 title</a:t>
-            </a:r>
-            <a:endParaRPr b="0" lang="en-US" sz="2400" spc="-1" strike="noStrike">
-              <a:solidFill>
-                <a:schemeClr val="dk1"/>
-              </a:solidFill>
-              <a:latin typeface="Calibri"/>
-            </a:endParaRPr>
-          </a:p>
-          <a:p>
-            <a:pPr lvl="1" marL="685800" indent="-228600" defTabSz="914400">
-              <a:lnSpc>
-                <a:spcPct val="90000"/>
-              </a:lnSpc>
-              <a:spcBef>
-                <a:spcPts val="499"/>
-              </a:spcBef>
-              <a:buClr>
-                <a:srgbClr val="000000"/>
-              </a:buClr>
-              <a:buFont typeface="Arial"/>
-              <a:buChar char="•"/>
-              <a:tabLst>
-                <a:tab algn="l" pos="0"/>
-              </a:tabLst>
-            </a:pPr>
-            <a:r>
-              <a:rPr b="0" lang="en-US" sz="2400" spc="-1" strike="noStrike">
-                <a:solidFill>
-                  <a:schemeClr val="dk1"/>
-                </a:solidFill>
-                <a:latin typeface="Calibri"/>
-              </a:rPr>
-              <a:t>Second level</a:t>
-            </a:r>
-            <a:endParaRPr b="0" lang="en-US" sz="2400" spc="-1" strike="noStrike">
-              <a:solidFill>
-                <a:schemeClr val="dk1"/>
-              </a:solidFill>
-              <a:latin typeface="Calibri"/>
-            </a:endParaRPr>
-          </a:p>
-          <a:p>
-            <a:pPr lvl="2" marL="1143000" indent="-228600" defTabSz="914400">
-              <a:lnSpc>
-                <a:spcPct val="90000"/>
-              </a:lnSpc>
-              <a:spcBef>
-                <a:spcPts val="499"/>
-              </a:spcBef>
-              <a:buClr>
-                <a:srgbClr val="000000"/>
-              </a:buClr>
-              <a:buFont typeface="Arial"/>
-              <a:buChar char="•"/>
-              <a:tabLst>
-                <a:tab algn="l" pos="0"/>
-              </a:tabLst>
-            </a:pPr>
-            <a:r>
-              <a:rPr b="0" lang="en-US" sz="2000" spc="-1" strike="noStrike">
-                <a:solidFill>
-                  <a:schemeClr val="dk1"/>
-                </a:solidFill>
-                <a:latin typeface="Calibri"/>
-              </a:rPr>
-              <a:t>Third level</a:t>
-            </a:r>
-            <a:endParaRPr b="0" lang="en-US" sz="2000" spc="-1" strike="noStrike">
-              <a:solidFill>
-                <a:schemeClr val="dk1"/>
-              </a:solidFill>
-              <a:latin typeface="Calibri"/>
-            </a:endParaRPr>
-          </a:p>
-          <a:p>
-            <a:pPr lvl="3" marL="1600200" indent="-228600" defTabSz="914400">
-              <a:lnSpc>
-                <a:spcPct val="90000"/>
-              </a:lnSpc>
-              <a:spcBef>
-                <a:spcPts val="499"/>
-              </a:spcBef>
-              <a:buClr>
-                <a:srgbClr val="000000"/>
-              </a:buClr>
-              <a:buFont typeface="Arial"/>
-              <a:buChar char="•"/>
-              <a:tabLst>
-                <a:tab algn="l" pos="0"/>
-              </a:tabLst>
-            </a:pPr>
-            <a:r>
-              <a:rPr b="0" lang="en-US" sz="1800" spc="-1" strike="noStrike">
-                <a:solidFill>
-                  <a:schemeClr val="dk1"/>
-                </a:solidFill>
-                <a:latin typeface="Calibri"/>
-              </a:rPr>
-              <a:t>Fourth level</a:t>
-            </a:r>
-            <a:endParaRPr b="0" lang="en-US" sz="1800" spc="-1" strike="noStrike">
-              <a:solidFill>
-                <a:schemeClr val="dk1"/>
-              </a:solidFill>
-              <a:latin typeface="Calibri"/>
-            </a:endParaRPr>
-          </a:p>
-          <a:p>
-            <a:pPr lvl="4" marL="2057400" indent="-228600" defTabSz="914400">
-              <a:lnSpc>
-                <a:spcPct val="90000"/>
-              </a:lnSpc>
-              <a:spcBef>
-                <a:spcPts val="499"/>
-              </a:spcBef>
-              <a:buClr>
-                <a:srgbClr val="000000"/>
-              </a:buClr>
-              <a:buFont typeface="Arial"/>
-              <a:buChar char="•"/>
-              <a:tabLst>
-                <a:tab algn="l" pos="0"/>
-              </a:tabLst>
-            </a:pPr>
-            <a:r>
-              <a:rPr b="0" lang="en-US" sz="1800" spc="-1" strike="noStrike">
-                <a:solidFill>
-                  <a:schemeClr val="dk1"/>
-                </a:solidFill>
-                <a:latin typeface="Calibri"/>
-              </a:rPr>
-              <a:t>Fifth level</a:t>
-            </a:r>
-            <a:endParaRPr b="0" lang="en-US" sz="1800" spc="-1" strike="noStrike">
-              <a:solidFill>
-                <a:schemeClr val="dk1"/>
-              </a:solidFill>
-              <a:latin typeface="Calibri"/>
-            </a:endParaRPr>
-          </a:p>
-        </p:txBody>
-      </p:sp>
-      <p:sp>
-        <p:nvSpPr>
-          <p:cNvPr id="127" name="PlaceHolder 3"/>
-          <p:cNvSpPr>
-            <a:spLocks noGrp="1"/>
-          </p:cNvSpPr>
-          <p:nvPr>
-            <p:ph type="title"/>
-          </p:nvPr>
-        </p:nvSpPr>
-        <p:spPr>
-          <a:xfrm>
-            <a:off x="827640" y="274680"/>
-            <a:ext cx="7886520" cy="568440"/>
-          </a:xfrm>
-          <a:prstGeom prst="rect">
-            <a:avLst/>
-          </a:prstGeom>
-          <a:noFill/>
-          <a:ln w="0">
-            <a:noFill/>
-          </a:ln>
-        </p:spPr>
-        <p:txBody>
-          <a:bodyPr lIns="90000" rIns="90000" tIns="45000" bIns="45000" anchor="t">
-            <a:noAutofit/>
-          </a:bodyPr>
-          <a:p>
-            <a:pPr indent="0" defTabSz="914400">
-              <a:lnSpc>
-                <a:spcPct val="90000"/>
-              </a:lnSpc>
-              <a:buNone/>
-            </a:pPr>
-            <a:r>
-              <a:rPr b="1" lang="en-US" sz="3600" spc="-1" strike="noStrike">
-                <a:solidFill>
-                  <a:schemeClr val="dk1"/>
-                </a:solidFill>
-                <a:latin typeface="Calibri Light"/>
-              </a:rPr>
-              <a:t>Click to edit title</a:t>
-            </a:r>
-            <a:endParaRPr b="0" lang="en-US" sz="3600" spc="-1" strike="noStrike">
-              <a:solidFill>
-                <a:schemeClr val="dk1"/>
-              </a:solidFill>
-              <a:latin typeface="Calibri"/>
-            </a:endParaRPr>
-          </a:p>
-        </p:txBody>
-      </p:sp>
     </p:spTree>
   </p:cSld>
   <p:clrMap bg1="lt1" bg2="lt2" tx1="dk1" tx2="dk2" accent1="accent1" accent2="accent2" accent3="accent3" accent4="accent4" accent5="accent5" accent6="accent6" hlink="hlink" folHlink="folHlink"/>
@@ -3078,14 +1753,14 @@
       </p:grpSpPr>
       <p:sp>
         <p:nvSpPr>
-          <p:cNvPr id="128" name="Rectangle 6"/>
+          <p:cNvPr id="106" name="Rectangle 6"/>
           <p:cNvSpPr/>
           <p:nvPr/>
         </p:nvSpPr>
         <p:spPr>
           <a:xfrm rot="10800000">
-            <a:off x="360" y="-15120"/>
-            <a:ext cx="467280" cy="5158440"/>
+            <a:off x="1080" y="-14400"/>
+            <a:ext cx="466560" cy="5157720"/>
           </a:xfrm>
           <a:prstGeom prst="rect">
             <a:avLst/>
@@ -3132,7 +1807,7 @@
       </p:sp>
       <p:pic>
         <p:nvPicPr>
-          <p:cNvPr id="129" name="Εικόνα 2" descr=""/>
+          <p:cNvPr id="107" name="Εικόνα 2" descr=""/>
           <p:cNvPicPr/>
           <p:nvPr/>
         </p:nvPicPr>
@@ -3143,7 +1818,7 @@
         <p:spPr>
           <a:xfrm>
             <a:off x="8172360" y="4299840"/>
-            <a:ext cx="767880" cy="767880"/>
+            <a:ext cx="767160" cy="767160"/>
           </a:xfrm>
           <a:prstGeom prst="rect">
             <a:avLst/>
@@ -3153,116 +1828,6 @@
           </a:ln>
         </p:spPr>
       </p:pic>
-      <p:sp>
-        <p:nvSpPr>
-          <p:cNvPr id="130" name="PlaceHolder 1"/>
-          <p:cNvSpPr>
-            <a:spLocks noGrp="1"/>
-          </p:cNvSpPr>
-          <p:nvPr>
-            <p:ph type="body"/>
-          </p:nvPr>
-        </p:nvSpPr>
-        <p:spPr>
-          <a:xfrm>
-            <a:off x="971640" y="1059480"/>
-            <a:ext cx="7703640" cy="3600000"/>
-          </a:xfrm>
-          <a:prstGeom prst="rect">
-            <a:avLst/>
-          </a:prstGeom>
-          <a:noFill/>
-          <a:ln w="0">
-            <a:noFill/>
-          </a:ln>
-        </p:spPr>
-        <p:txBody>
-          <a:bodyPr lIns="90000" rIns="90000" tIns="45000" bIns="45000" anchor="t">
-            <a:normAutofit/>
-          </a:bodyPr>
-          <a:p>
-            <a:pPr indent="0" algn="ctr" defTabSz="914400">
-              <a:lnSpc>
-                <a:spcPct val="90000"/>
-              </a:lnSpc>
-              <a:spcBef>
-                <a:spcPts val="1001"/>
-              </a:spcBef>
-              <a:buNone/>
-              <a:tabLst>
-                <a:tab algn="l" pos="0"/>
-              </a:tabLst>
-            </a:pPr>
-            <a:r>
-              <a:rPr b="0" i="1" lang="en-US" sz="2200" spc="-1" strike="noStrike">
-                <a:solidFill>
-                  <a:schemeClr val="dk1"/>
-                </a:solidFill>
-                <a:latin typeface="Calibri"/>
-              </a:rPr>
-              <a:t>Add a chart, picture or a graphic</a:t>
-            </a:r>
-            <a:endParaRPr b="0" lang="en-US" sz="2200" spc="-1" strike="noStrike">
-              <a:solidFill>
-                <a:schemeClr val="dk1"/>
-              </a:solidFill>
-              <a:latin typeface="Calibri"/>
-            </a:endParaRPr>
-          </a:p>
-        </p:txBody>
-      </p:sp>
-      <p:sp>
-        <p:nvSpPr>
-          <p:cNvPr id="131" name="PlaceHolder 2"/>
-          <p:cNvSpPr>
-            <a:spLocks noGrp="1"/>
-          </p:cNvSpPr>
-          <p:nvPr>
-            <p:ph type="title"/>
-          </p:nvPr>
-        </p:nvSpPr>
-        <p:spPr>
-          <a:xfrm>
-            <a:off x="827640" y="274680"/>
-            <a:ext cx="7886520" cy="568440"/>
-          </a:xfrm>
-          <a:prstGeom prst="rect">
-            <a:avLst/>
-          </a:prstGeom>
-          <a:noFill/>
-          <a:ln w="0">
-            <a:noFill/>
-          </a:ln>
-        </p:spPr>
-        <p:txBody>
-          <a:bodyPr lIns="90000" rIns="90000" tIns="45000" bIns="45000" anchor="t">
-            <a:noAutofit/>
-          </a:bodyPr>
-          <a:p>
-            <a:pPr indent="0" defTabSz="914400">
-              <a:lnSpc>
-                <a:spcPct val="90000"/>
-              </a:lnSpc>
-              <a:buNone/>
-            </a:pPr>
-            <a:r>
-              <a:rPr b="1" lang="en-US" sz="3600" spc="-1" strike="noStrike">
-                <a:solidFill>
-                  <a:schemeClr val="dk1"/>
-                </a:solidFill>
-                <a:latin typeface="Calibri Light"/>
-              </a:rPr>
-              <a:t>Click to edit title</a:t>
-            </a:r>
-            <a:endParaRPr b="0" lang="en-US" sz="3600" spc="-1" strike="noStrike">
-              <a:solidFill>
-                <a:schemeClr val="dk1"/>
-              </a:solidFill>
-              <a:latin typeface="Calibri"/>
-            </a:endParaRPr>
-          </a:p>
-        </p:txBody>
-      </p:sp>
     </p:spTree>
   </p:cSld>
   <p:clrMap bg1="lt1" bg2="lt2" tx1="dk1" tx2="dk2" accent1="accent1" accent2="accent2" accent3="accent3" accent4="accent4" accent5="accent5" accent6="accent6" hlink="hlink" folHlink="folHlink"/>
@@ -3298,14 +1863,14 @@
       </p:grpSpPr>
       <p:sp>
         <p:nvSpPr>
-          <p:cNvPr id="132" name="Rectangle 6"/>
+          <p:cNvPr id="108" name="Rectangle 6"/>
           <p:cNvSpPr/>
           <p:nvPr/>
         </p:nvSpPr>
         <p:spPr>
           <a:xfrm rot="10800000">
-            <a:off x="360" y="-15120"/>
-            <a:ext cx="467280" cy="5158440"/>
+            <a:off x="1080" y="-14400"/>
+            <a:ext cx="466560" cy="5157720"/>
           </a:xfrm>
           <a:prstGeom prst="rect">
             <a:avLst/>
@@ -3352,7 +1917,7 @@
       </p:sp>
       <p:pic>
         <p:nvPicPr>
-          <p:cNvPr id="133" name="Εικόνα 2" descr=""/>
+          <p:cNvPr id="109" name="Εικόνα 2" descr=""/>
           <p:cNvPicPr/>
           <p:nvPr/>
         </p:nvPicPr>
@@ -3363,7 +1928,7 @@
         <p:spPr>
           <a:xfrm>
             <a:off x="8172360" y="4299840"/>
-            <a:ext cx="767880" cy="767880"/>
+            <a:ext cx="767160" cy="767160"/>
           </a:xfrm>
           <a:prstGeom prst="rect">
             <a:avLst/>
@@ -3373,306 +1938,6 @@
           </a:ln>
         </p:spPr>
       </p:pic>
-      <p:sp>
-        <p:nvSpPr>
-          <p:cNvPr id="134" name="PlaceHolder 1"/>
-          <p:cNvSpPr>
-            <a:spLocks noGrp="1"/>
-          </p:cNvSpPr>
-          <p:nvPr>
-            <p:ph type="body"/>
-          </p:nvPr>
-        </p:nvSpPr>
-        <p:spPr>
-          <a:xfrm>
-            <a:off x="899640" y="1131480"/>
-            <a:ext cx="2952000" cy="3600000"/>
-          </a:xfrm>
-          <a:prstGeom prst="rect">
-            <a:avLst/>
-          </a:prstGeom>
-          <a:noFill/>
-          <a:ln w="0">
-            <a:noFill/>
-          </a:ln>
-        </p:spPr>
-        <p:txBody>
-          <a:bodyPr lIns="90000" rIns="90000" tIns="45000" bIns="45000" anchor="t">
-            <a:noAutofit/>
-          </a:bodyPr>
-          <a:p>
-            <a:pPr indent="0" defTabSz="914400">
-              <a:lnSpc>
-                <a:spcPct val="90000"/>
-              </a:lnSpc>
-              <a:spcBef>
-                <a:spcPts val="1001"/>
-              </a:spcBef>
-              <a:buNone/>
-              <a:tabLst>
-                <a:tab algn="l" pos="0"/>
-              </a:tabLst>
-            </a:pPr>
-            <a:r>
-              <a:rPr b="0" lang="en-US" sz="2400" spc="-1" strike="noStrike">
-                <a:solidFill>
-                  <a:schemeClr val="dk1"/>
-                </a:solidFill>
-                <a:latin typeface="Calibri"/>
-              </a:rPr>
-              <a:t>Click to edit title</a:t>
-            </a:r>
-            <a:endParaRPr b="0" lang="en-US" sz="2400" spc="-1" strike="noStrike">
-              <a:solidFill>
-                <a:schemeClr val="dk1"/>
-              </a:solidFill>
-              <a:latin typeface="Calibri"/>
-            </a:endParaRPr>
-          </a:p>
-          <a:p>
-            <a:pPr lvl="1" marL="685800" indent="-228600" defTabSz="914400">
-              <a:lnSpc>
-                <a:spcPct val="90000"/>
-              </a:lnSpc>
-              <a:spcBef>
-                <a:spcPts val="499"/>
-              </a:spcBef>
-              <a:buClr>
-                <a:srgbClr val="000000"/>
-              </a:buClr>
-              <a:buFont typeface="Arial"/>
-              <a:buChar char="•"/>
-              <a:tabLst>
-                <a:tab algn="l" pos="0"/>
-              </a:tabLst>
-            </a:pPr>
-            <a:r>
-              <a:rPr b="0" lang="en-US" sz="2400" spc="-1" strike="noStrike">
-                <a:solidFill>
-                  <a:schemeClr val="dk1"/>
-                </a:solidFill>
-                <a:latin typeface="Calibri"/>
-              </a:rPr>
-              <a:t>Second level</a:t>
-            </a:r>
-            <a:endParaRPr b="0" lang="en-US" sz="2400" spc="-1" strike="noStrike">
-              <a:solidFill>
-                <a:schemeClr val="dk1"/>
-              </a:solidFill>
-              <a:latin typeface="Calibri"/>
-            </a:endParaRPr>
-          </a:p>
-          <a:p>
-            <a:pPr lvl="2" marL="1143000" indent="-228600" defTabSz="914400">
-              <a:lnSpc>
-                <a:spcPct val="90000"/>
-              </a:lnSpc>
-              <a:spcBef>
-                <a:spcPts val="499"/>
-              </a:spcBef>
-              <a:buClr>
-                <a:srgbClr val="000000"/>
-              </a:buClr>
-              <a:buFont typeface="Arial"/>
-              <a:buChar char="•"/>
-              <a:tabLst>
-                <a:tab algn="l" pos="0"/>
-              </a:tabLst>
-            </a:pPr>
-            <a:r>
-              <a:rPr b="0" lang="en-US" sz="2000" spc="-1" strike="noStrike">
-                <a:solidFill>
-                  <a:schemeClr val="dk1"/>
-                </a:solidFill>
-                <a:latin typeface="Calibri"/>
-              </a:rPr>
-              <a:t>Third level</a:t>
-            </a:r>
-            <a:endParaRPr b="0" lang="en-US" sz="2000" spc="-1" strike="noStrike">
-              <a:solidFill>
-                <a:schemeClr val="dk1"/>
-              </a:solidFill>
-              <a:latin typeface="Calibri"/>
-            </a:endParaRPr>
-          </a:p>
-          <a:p>
-            <a:pPr lvl="3" marL="1600200" indent="-228600" defTabSz="914400">
-              <a:lnSpc>
-                <a:spcPct val="90000"/>
-              </a:lnSpc>
-              <a:spcBef>
-                <a:spcPts val="499"/>
-              </a:spcBef>
-              <a:buClr>
-                <a:srgbClr val="000000"/>
-              </a:buClr>
-              <a:buFont typeface="Arial"/>
-              <a:buChar char="•"/>
-              <a:tabLst>
-                <a:tab algn="l" pos="0"/>
-              </a:tabLst>
-            </a:pPr>
-            <a:r>
-              <a:rPr b="0" lang="en-US" sz="1800" spc="-1" strike="noStrike">
-                <a:solidFill>
-                  <a:schemeClr val="dk1"/>
-                </a:solidFill>
-                <a:latin typeface="Calibri"/>
-              </a:rPr>
-              <a:t>Fourth level</a:t>
-            </a:r>
-            <a:endParaRPr b="0" lang="en-US" sz="1800" spc="-1" strike="noStrike">
-              <a:solidFill>
-                <a:schemeClr val="dk1"/>
-              </a:solidFill>
-              <a:latin typeface="Calibri"/>
-            </a:endParaRPr>
-          </a:p>
-          <a:p>
-            <a:pPr lvl="4" marL="2057400" indent="-228600" defTabSz="914400">
-              <a:lnSpc>
-                <a:spcPct val="90000"/>
-              </a:lnSpc>
-              <a:spcBef>
-                <a:spcPts val="499"/>
-              </a:spcBef>
-              <a:buClr>
-                <a:srgbClr val="000000"/>
-              </a:buClr>
-              <a:buFont typeface="Arial"/>
-              <a:buChar char="•"/>
-              <a:tabLst>
-                <a:tab algn="l" pos="0"/>
-              </a:tabLst>
-            </a:pPr>
-            <a:r>
-              <a:rPr b="0" i="1" lang="en-US" sz="1600" spc="-1" strike="noStrike">
-                <a:solidFill>
-                  <a:schemeClr val="dk1"/>
-                </a:solidFill>
-                <a:latin typeface="Calibri"/>
-              </a:rPr>
-              <a:t>Fifth level</a:t>
-            </a:r>
-            <a:endParaRPr b="0" lang="en-US" sz="1600" spc="-1" strike="noStrike">
-              <a:solidFill>
-                <a:schemeClr val="dk1"/>
-              </a:solidFill>
-              <a:latin typeface="Calibri"/>
-            </a:endParaRPr>
-          </a:p>
-        </p:txBody>
-      </p:sp>
-      <p:sp>
-        <p:nvSpPr>
-          <p:cNvPr id="135" name="PlaceHolder 2"/>
-          <p:cNvSpPr>
-            <a:spLocks noGrp="1"/>
-          </p:cNvSpPr>
-          <p:nvPr>
-            <p:ph type="body"/>
-          </p:nvPr>
-        </p:nvSpPr>
-        <p:spPr>
-          <a:xfrm>
-            <a:off x="4395240" y="1131480"/>
-            <a:ext cx="4280040" cy="3600000"/>
-          </a:xfrm>
-          <a:prstGeom prst="rect">
-            <a:avLst/>
-          </a:prstGeom>
-          <a:noFill/>
-          <a:ln w="0">
-            <a:noFill/>
-          </a:ln>
-        </p:spPr>
-        <p:txBody>
-          <a:bodyPr lIns="90000" rIns="90000" tIns="45000" bIns="45000" anchor="t">
-            <a:normAutofit/>
-          </a:bodyPr>
-          <a:p>
-            <a:pPr indent="0" algn="ctr" defTabSz="914400">
-              <a:lnSpc>
-                <a:spcPct val="90000"/>
-              </a:lnSpc>
-              <a:spcBef>
-                <a:spcPts val="1001"/>
-              </a:spcBef>
-              <a:buNone/>
-              <a:tabLst>
-                <a:tab algn="l" pos="0"/>
-              </a:tabLst>
-            </a:pPr>
-            <a:r>
-              <a:rPr b="0" i="1" lang="en-US" sz="2200" spc="-1" strike="noStrike">
-                <a:solidFill>
-                  <a:schemeClr val="dk1"/>
-                </a:solidFill>
-                <a:latin typeface="Calibri"/>
-              </a:rPr>
-              <a:t>Add a chart, picture or a graphic</a:t>
-            </a:r>
-            <a:endParaRPr b="0" lang="en-US" sz="2200" spc="-1" strike="noStrike">
-              <a:solidFill>
-                <a:schemeClr val="dk1"/>
-              </a:solidFill>
-              <a:latin typeface="Calibri"/>
-            </a:endParaRPr>
-          </a:p>
-        </p:txBody>
-      </p:sp>
-      <p:sp>
-        <p:nvSpPr>
-          <p:cNvPr id="136" name="PlaceHolder 3"/>
-          <p:cNvSpPr>
-            <a:spLocks noGrp="1"/>
-          </p:cNvSpPr>
-          <p:nvPr>
-            <p:ph type="title"/>
-          </p:nvPr>
-        </p:nvSpPr>
-        <p:spPr>
-          <a:xfrm>
-            <a:off x="827640" y="274680"/>
-            <a:ext cx="7886520" cy="568440"/>
-          </a:xfrm>
-          <a:prstGeom prst="rect">
-            <a:avLst/>
-          </a:prstGeom>
-          <a:noFill/>
-          <a:ln w="0">
-            <a:noFill/>
-          </a:ln>
-        </p:spPr>
-        <p:txBody>
-          <a:bodyPr lIns="90000" rIns="90000" tIns="45000" bIns="45000" anchor="t">
-            <a:noAutofit/>
-          </a:bodyPr>
-          <a:p>
-            <a:pPr indent="0" defTabSz="914400">
-              <a:lnSpc>
-                <a:spcPct val="90000"/>
-              </a:lnSpc>
-              <a:buNone/>
-            </a:pPr>
-            <a:r>
-              <a:rPr b="1" lang="en-US" sz="3600" spc="-1" strike="noStrike">
-                <a:solidFill>
-                  <a:schemeClr val="dk1"/>
-                </a:solidFill>
-                <a:latin typeface="Calibri Light"/>
-              </a:rPr>
-              <a:t>Click to edit title</a:t>
-            </a:r>
-            <a:endParaRPr b="0" lang="en-US" sz="3600" spc="-1" strike="noStrike">
-              <a:solidFill>
-                <a:schemeClr val="dk1"/>
-              </a:solidFill>
-              <a:latin typeface="Calibri"/>
-            </a:endParaRPr>
-          </a:p>
-        </p:txBody>
-      </p:sp>
     </p:spTree>
   </p:cSld>
   <p:clrMap bg1="lt1" bg2="lt2" tx1="dk1" tx2="dk2" accent1="accent1" accent2="accent2" accent3="accent3" accent4="accent4" accent5="accent5" accent6="accent6" hlink="hlink" folHlink="folHlink"/>
@@ -3708,14 +1973,14 @@
       </p:grpSpPr>
       <p:sp>
         <p:nvSpPr>
-          <p:cNvPr id="4" name="Textfeld 15"/>
+          <p:cNvPr id="2" name="Textfeld 15"/>
           <p:cNvSpPr/>
           <p:nvPr/>
         </p:nvSpPr>
         <p:spPr>
           <a:xfrm>
             <a:off x="8711280" y="4803840"/>
-            <a:ext cx="108720" cy="309240"/>
+            <a:ext cx="108000" cy="308520"/>
           </a:xfrm>
           <a:prstGeom prst="rect">
             <a:avLst/>
@@ -3761,7 +2026,7 @@
       </p:sp>
       <p:pic>
         <p:nvPicPr>
-          <p:cNvPr id="5" name="Εικόνα 2" descr=""/>
+          <p:cNvPr id="3" name="Εικόνα 2" descr=""/>
           <p:cNvPicPr/>
           <p:nvPr/>
         </p:nvPicPr>
@@ -3772,7 +2037,7 @@
         <p:spPr>
           <a:xfrm>
             <a:off x="7932960" y="0"/>
-            <a:ext cx="1203120" cy="1203120"/>
+            <a:ext cx="1202400" cy="1202400"/>
           </a:xfrm>
           <a:prstGeom prst="rect">
             <a:avLst/>
@@ -3784,18 +2049,18 @@
       </p:pic>
       <p:sp>
         <p:nvSpPr>
-          <p:cNvPr id="6" name="PlaceHolder 1"/>
+          <p:cNvPr id="4" name="PlaceHolder 1"/>
           <p:cNvSpPr>
             <a:spLocks noGrp="1"/>
           </p:cNvSpPr>
           <p:nvPr>
-            <p:ph type="body"/>
+            <p:ph type="title"/>
           </p:nvPr>
         </p:nvSpPr>
         <p:spPr>
           <a:xfrm>
-            <a:off x="532080" y="785880"/>
-            <a:ext cx="3751560" cy="3945960"/>
+            <a:off x="457200" y="205200"/>
+            <a:ext cx="8229240" cy="858600"/>
           </a:xfrm>
           <a:prstGeom prst="rect">
             <a:avLst/>
@@ -3806,186 +2071,45 @@
           </a:ln>
         </p:spPr>
         <p:txBody>
-          <a:bodyPr lIns="90000" rIns="90000" tIns="45000" bIns="45000" anchor="t">
+          <a:bodyPr lIns="0" rIns="0" tIns="0" bIns="0" anchor="ctr">
             <a:noAutofit/>
           </a:bodyPr>
           <a:p>
-            <a:pPr indent="0" defTabSz="914400">
-              <a:lnSpc>
-                <a:spcPct val="100000"/>
-              </a:lnSpc>
-              <a:spcBef>
-                <a:spcPts val="320"/>
-              </a:spcBef>
+            <a:pPr indent="0" algn="ctr">
               <a:buNone/>
-              <a:tabLst>
-                <a:tab algn="l" pos="0"/>
-              </a:tabLst>
             </a:pPr>
             <a:r>
-              <a:rPr b="1" lang="en-US" sz="1600" spc="-1" strike="noStrike">
-                <a:solidFill>
-                  <a:schemeClr val="dk1"/>
-                </a:solidFill>
-                <a:latin typeface="Calibri"/>
+              <a:rPr b="0" lang="en-US" sz="4400" spc="-1" strike="noStrike">
+                <a:solidFill>
+                  <a:srgbClr val="000000"/>
+                </a:solidFill>
+                <a:latin typeface="Arial"/>
               </a:rPr>
-              <a:t>Click to edit subtitle</a:t>
+              <a:t>Click to edit the title text format</a:t>
             </a:r>
-            <a:endParaRPr b="1" lang="en-US" sz="1600" spc="-1" strike="noStrike">
+            <a:endParaRPr b="0" lang="en-US" sz="4400" spc="-1" strike="noStrike">
               <a:solidFill>
-                <a:srgbClr val="6e279d"/>
+                <a:srgbClr val="000000"/>
               </a:solidFill>
-              <a:latin typeface="Calibri"/>
-            </a:endParaRPr>
-          </a:p>
-          <a:p>
-            <a:pPr lvl="1" marL="360000" indent="-343080" defTabSz="914400">
-              <a:lnSpc>
-                <a:spcPct val="100000"/>
-              </a:lnSpc>
-              <a:spcBef>
-                <a:spcPts val="320"/>
-              </a:spcBef>
-              <a:buClr>
-                <a:srgbClr val="000000"/>
-              </a:buClr>
-              <a:buFont typeface="Wingdings" charset="2"/>
-              <a:buChar char=""/>
-              <a:tabLst>
-                <a:tab algn="l" pos="0"/>
-              </a:tabLst>
-            </a:pPr>
-            <a:r>
-              <a:rPr b="0" lang="en-US" sz="1600" spc="-1" strike="noStrike">
-                <a:solidFill>
-                  <a:schemeClr val="dk1"/>
-                </a:solidFill>
-                <a:latin typeface="Calibri"/>
-              </a:rPr>
-              <a:t>Second level</a:t>
-            </a:r>
-            <a:endParaRPr b="0" lang="en-US" sz="1600" spc="-1" strike="noStrike">
-              <a:solidFill>
-                <a:schemeClr val="dk1"/>
-              </a:solidFill>
-              <a:latin typeface="Calibri"/>
-            </a:endParaRPr>
-          </a:p>
-          <a:p>
-            <a:pPr lvl="2" marL="540000" indent="-343080" defTabSz="914400">
-              <a:lnSpc>
-                <a:spcPct val="100000"/>
-              </a:lnSpc>
-              <a:spcBef>
-                <a:spcPts val="281"/>
-              </a:spcBef>
-              <a:buClr>
-                <a:srgbClr val="000000"/>
-              </a:buClr>
-              <a:buFont typeface="Wingdings" charset="2"/>
-              <a:buChar char=""/>
-              <a:tabLst>
-                <a:tab algn="l" pos="0"/>
-              </a:tabLst>
-            </a:pPr>
-            <a:r>
-              <a:rPr b="0" lang="en-US" sz="1400" spc="-1" strike="noStrike">
-                <a:solidFill>
-                  <a:schemeClr val="dk1"/>
-                </a:solidFill>
-                <a:latin typeface="Calibri"/>
-              </a:rPr>
-              <a:t>Third level</a:t>
-            </a:r>
-            <a:endParaRPr b="0" lang="en-US" sz="1400" spc="-1" strike="noStrike">
-              <a:solidFill>
-                <a:schemeClr val="dk1"/>
-              </a:solidFill>
-              <a:latin typeface="Calibri"/>
-            </a:endParaRPr>
-          </a:p>
-          <a:p>
-            <a:pPr lvl="3" marL="720000" indent="-343080" defTabSz="914400">
-              <a:lnSpc>
-                <a:spcPct val="100000"/>
-              </a:lnSpc>
-              <a:spcBef>
-                <a:spcPts val="241"/>
-              </a:spcBef>
-              <a:buClr>
-                <a:srgbClr val="000000"/>
-              </a:buClr>
-              <a:buFont typeface="Wingdings" charset="2"/>
-              <a:buChar char=""/>
-              <a:tabLst>
-                <a:tab algn="l" pos="0"/>
-              </a:tabLst>
-            </a:pPr>
-            <a:r>
-              <a:rPr b="0" lang="en-US" sz="1200" spc="-1" strike="noStrike">
-                <a:solidFill>
-                  <a:schemeClr val="dk1"/>
-                </a:solidFill>
-                <a:latin typeface="Calibri"/>
-              </a:rPr>
-              <a:t>Fourth level</a:t>
-            </a:r>
-            <a:endParaRPr b="0" lang="en-US" sz="1200" spc="-1" strike="noStrike">
-              <a:solidFill>
-                <a:schemeClr val="dk1"/>
-              </a:solidFill>
-              <a:latin typeface="Calibri"/>
-            </a:endParaRPr>
-          </a:p>
-          <a:p>
-            <a:pPr lvl="4" marL="900000" indent="-343080" defTabSz="914400">
-              <a:lnSpc>
-                <a:spcPct val="100000"/>
-              </a:lnSpc>
-              <a:spcBef>
-                <a:spcPts val="221"/>
-              </a:spcBef>
-              <a:buClr>
-                <a:srgbClr val="000000"/>
-              </a:buClr>
-              <a:buFont typeface="Wingdings" charset="2"/>
-              <a:buChar char=""/>
-              <a:tabLst>
-                <a:tab algn="l" pos="0"/>
-              </a:tabLst>
-            </a:pPr>
-            <a:r>
-              <a:rPr b="0" i="1" lang="en-US" sz="1100" spc="-1" strike="noStrike">
-                <a:solidFill>
-                  <a:schemeClr val="dk1"/>
-                </a:solidFill>
-                <a:latin typeface="Calibri"/>
-              </a:rPr>
-              <a:t>Fifth level</a:t>
-            </a:r>
-            <a:endParaRPr b="0" lang="en-US" sz="1100" spc="-1" strike="noStrike">
-              <a:solidFill>
-                <a:schemeClr val="dk1"/>
-              </a:solidFill>
-              <a:latin typeface="Calibri"/>
+              <a:latin typeface="Arial"/>
             </a:endParaRPr>
           </a:p>
         </p:txBody>
       </p:sp>
       <p:sp>
         <p:nvSpPr>
-          <p:cNvPr id="7" name="PlaceHolder 2"/>
+          <p:cNvPr id="5" name="PlaceHolder 2"/>
           <p:cNvSpPr>
             <a:spLocks noGrp="1"/>
           </p:cNvSpPr>
           <p:nvPr>
-            <p:ph type="title"/>
+            <p:ph type="body"/>
           </p:nvPr>
         </p:nvSpPr>
         <p:spPr>
           <a:xfrm>
-            <a:off x="532080" y="51480"/>
-            <a:ext cx="7886520" cy="575640"/>
+            <a:off x="457200" y="1203480"/>
+            <a:ext cx="8229240" cy="2982960"/>
           </a:xfrm>
           <a:prstGeom prst="rect">
             <a:avLst/>
@@ -3996,220 +2120,203 @@
           </a:ln>
         </p:spPr>
         <p:txBody>
-          <a:bodyPr lIns="90000" rIns="90000" tIns="45000" bIns="45000" anchor="t">
-            <a:noAutofit/>
+          <a:bodyPr lIns="0" rIns="0" tIns="0" bIns="0" anchor="t">
+            <a:normAutofit/>
           </a:bodyPr>
           <a:p>
-            <a:pPr indent="0" defTabSz="914400">
-              <a:lnSpc>
-                <a:spcPct val="100000"/>
-              </a:lnSpc>
-              <a:buNone/>
-            </a:pPr>
-            <a:r>
-              <a:rPr b="1" lang="en-US" sz="2400" spc="-1" strike="noStrike">
-                <a:solidFill>
-                  <a:schemeClr val="accent1"/>
-                </a:solidFill>
-                <a:latin typeface="Calibri"/>
-              </a:rPr>
-              <a:t>Click to edit title</a:t>
-            </a:r>
-            <a:endParaRPr b="0" lang="en-US" sz="2400" spc="-1" strike="noStrike">
-              <a:solidFill>
-                <a:schemeClr val="dk1"/>
-              </a:solidFill>
-              <a:latin typeface="Calibri"/>
-            </a:endParaRPr>
-          </a:p>
-        </p:txBody>
-      </p:sp>
-      <p:sp>
-        <p:nvSpPr>
-          <p:cNvPr id="8" name="PlaceHolder 3"/>
-          <p:cNvSpPr>
-            <a:spLocks noGrp="1"/>
-          </p:cNvSpPr>
-          <p:nvPr>
-            <p:ph type="body"/>
-          </p:nvPr>
-        </p:nvSpPr>
-        <p:spPr>
-          <a:xfrm>
-            <a:off x="4660920" y="785880"/>
-            <a:ext cx="3751560" cy="3945960"/>
-          </a:xfrm>
-          <a:prstGeom prst="rect">
-            <a:avLst/>
-          </a:prstGeom>
-          <a:noFill/>
-          <a:ln w="0">
-            <a:noFill/>
-          </a:ln>
-        </p:spPr>
-        <p:txBody>
-          <a:bodyPr lIns="90000" rIns="90000" tIns="45000" bIns="45000" anchor="t">
-            <a:noAutofit/>
-          </a:bodyPr>
-          <a:p>
-            <a:pPr indent="0" defTabSz="914400">
-              <a:lnSpc>
-                <a:spcPct val="100000"/>
-              </a:lnSpc>
+            <a:pPr marL="432000" indent="-324000">
               <a:spcBef>
-                <a:spcPts val="320"/>
-              </a:spcBef>
-              <a:buNone/>
-              <a:tabLst>
-                <a:tab algn="l" pos="0"/>
-              </a:tabLst>
-            </a:pPr>
-            <a:r>
-              <a:rPr b="1" lang="en-US" sz="1600" spc="-1" strike="noStrike">
-                <a:solidFill>
-                  <a:schemeClr val="dk1"/>
-                </a:solidFill>
-                <a:latin typeface="Calibri"/>
-              </a:rPr>
-              <a:t>Click to edit subtitle</a:t>
-            </a:r>
-            <a:endParaRPr b="1" lang="en-US" sz="1600" spc="-1" strike="noStrike">
-              <a:solidFill>
-                <a:srgbClr val="6e279d"/>
-              </a:solidFill>
-              <a:latin typeface="Calibri"/>
-            </a:endParaRPr>
-          </a:p>
-          <a:p>
-            <a:pPr lvl="1" marL="360000" indent="-343080" defTabSz="914400">
-              <a:lnSpc>
-                <a:spcPct val="100000"/>
-              </a:lnSpc>
-              <a:spcBef>
-                <a:spcPts val="320"/>
+                <a:spcPts val="1417"/>
               </a:spcBef>
               <a:buClr>
                 <a:srgbClr val="000000"/>
               </a:buClr>
+              <a:buSzPct val="45000"/>
               <a:buFont typeface="Wingdings" charset="2"/>
-              <a:buChar char=""/>
-              <a:tabLst>
-                <a:tab algn="l" pos="0"/>
-              </a:tabLst>
+              <a:buChar char=""/>
             </a:pPr>
             <a:r>
-              <a:rPr b="0" lang="en-US" sz="1600" spc="-1" strike="noStrike">
-                <a:solidFill>
-                  <a:schemeClr val="dk1"/>
-                </a:solidFill>
-                <a:latin typeface="Calibri"/>
+              <a:rPr b="0" lang="en-US" sz="3200" spc="-1" strike="noStrike">
+                <a:solidFill>
+                  <a:srgbClr val="000000"/>
+                </a:solidFill>
+                <a:latin typeface="Arial"/>
               </a:rPr>
-              <a:t>Second level</a:t>
+              <a:t>Click to edit the outline text format</a:t>
             </a:r>
-            <a:endParaRPr b="0" lang="en-US" sz="1600" spc="-1" strike="noStrike">
+            <a:endParaRPr b="0" lang="en-US" sz="3200" spc="-1" strike="noStrike">
               <a:solidFill>
-                <a:schemeClr val="dk1"/>
+                <a:srgbClr val="000000"/>
               </a:solidFill>
-              <a:latin typeface="Calibri"/>
+              <a:latin typeface="Arial"/>
             </a:endParaRPr>
           </a:p>
           <a:p>
-            <a:pPr lvl="2" marL="540000" indent="-343080" defTabSz="914400">
-              <a:lnSpc>
-                <a:spcPct val="100000"/>
-              </a:lnSpc>
+            <a:pPr lvl="1" marL="864000" indent="-324000">
               <a:spcBef>
-                <a:spcPts val="281"/>
+                <a:spcPts val="1134"/>
               </a:spcBef>
               <a:buClr>
                 <a:srgbClr val="000000"/>
               </a:buClr>
-              <a:buFont typeface="Wingdings" charset="2"/>
-              <a:buChar char=""/>
-              <a:tabLst>
-                <a:tab algn="l" pos="0"/>
-              </a:tabLst>
+              <a:buSzPct val="75000"/>
+              <a:buFont typeface="Symbol" charset="2"/>
+              <a:buChar char=""/>
             </a:pPr>
             <a:r>
-              <a:rPr b="0" lang="en-US" sz="1400" spc="-1" strike="noStrike">
-                <a:solidFill>
-                  <a:schemeClr val="dk1"/>
-                </a:solidFill>
-                <a:latin typeface="Calibri"/>
+              <a:rPr b="0" lang="en-US" sz="2800" spc="-1" strike="noStrike">
+                <a:solidFill>
+                  <a:srgbClr val="000000"/>
+                </a:solidFill>
+                <a:latin typeface="Arial"/>
               </a:rPr>
-              <a:t>Third level</a:t>
+              <a:t>Second Outline Level</a:t>
             </a:r>
-            <a:endParaRPr b="0" lang="en-US" sz="1400" spc="-1" strike="noStrike">
+            <a:endParaRPr b="0" lang="en-US" sz="2800" spc="-1" strike="noStrike">
               <a:solidFill>
-                <a:schemeClr val="dk1"/>
+                <a:srgbClr val="000000"/>
               </a:solidFill>
-              <a:latin typeface="Calibri"/>
+              <a:latin typeface="Arial"/>
             </a:endParaRPr>
           </a:p>
           <a:p>
-            <a:pPr lvl="3" marL="720000" indent="-343080" defTabSz="914400">
-              <a:lnSpc>
-                <a:spcPct val="100000"/>
-              </a:lnSpc>
+            <a:pPr lvl="2" marL="1296000" indent="-288000">
               <a:spcBef>
-                <a:spcPts val="241"/>
+                <a:spcPts val="850"/>
               </a:spcBef>
               <a:buClr>
                 <a:srgbClr val="000000"/>
               </a:buClr>
+              <a:buSzPct val="45000"/>
               <a:buFont typeface="Wingdings" charset="2"/>
-              <a:buChar char=""/>
-              <a:tabLst>
-                <a:tab algn="l" pos="0"/>
-              </a:tabLst>
+              <a:buChar char=""/>
             </a:pPr>
             <a:r>
-              <a:rPr b="0" lang="en-US" sz="1200" spc="-1" strike="noStrike">
-                <a:solidFill>
-                  <a:schemeClr val="dk1"/>
-                </a:solidFill>
-                <a:latin typeface="Calibri"/>
+              <a:rPr b="0" lang="en-US" sz="2400" spc="-1" strike="noStrike">
+                <a:solidFill>
+                  <a:srgbClr val="000000"/>
+                </a:solidFill>
+                <a:latin typeface="Arial"/>
               </a:rPr>
-              <a:t>Fourth level</a:t>
+              <a:t>Third Outline Level</a:t>
             </a:r>
-            <a:endParaRPr b="0" lang="en-US" sz="1200" spc="-1" strike="noStrike">
+            <a:endParaRPr b="0" lang="en-US" sz="2400" spc="-1" strike="noStrike">
               <a:solidFill>
-                <a:schemeClr val="dk1"/>
+                <a:srgbClr val="000000"/>
               </a:solidFill>
-              <a:latin typeface="Calibri"/>
+              <a:latin typeface="Arial"/>
             </a:endParaRPr>
           </a:p>
           <a:p>
-            <a:pPr lvl="4" marL="900000" indent="-343080" defTabSz="914400">
-              <a:lnSpc>
-                <a:spcPct val="100000"/>
-              </a:lnSpc>
+            <a:pPr lvl="3" marL="1728000" indent="-216000">
               <a:spcBef>
-                <a:spcPts val="221"/>
+                <a:spcPts val="567"/>
               </a:spcBef>
               <a:buClr>
                 <a:srgbClr val="000000"/>
               </a:buClr>
-              <a:buFont typeface="Wingdings" charset="2"/>
-              <a:buChar char=""/>
-              <a:tabLst>
-                <a:tab algn="l" pos="0"/>
-              </a:tabLst>
+              <a:buSzPct val="75000"/>
+              <a:buFont typeface="Symbol" charset="2"/>
+              <a:buChar char=""/>
             </a:pPr>
             <a:r>
-              <a:rPr b="0" i="1" lang="en-US" sz="1100" spc="-1" strike="noStrike">
-                <a:solidFill>
-                  <a:schemeClr val="dk1"/>
-                </a:solidFill>
-                <a:latin typeface="Calibri"/>
+              <a:rPr b="0" lang="en-US" sz="2000" spc="-1" strike="noStrike">
+                <a:solidFill>
+                  <a:srgbClr val="000000"/>
+                </a:solidFill>
+                <a:latin typeface="Arial"/>
               </a:rPr>
-              <a:t>Fifth level</a:t>
+              <a:t>Fourth Outline Level</a:t>
             </a:r>
-            <a:endParaRPr b="0" lang="en-US" sz="1100" spc="-1" strike="noStrike">
+            <a:endParaRPr b="0" lang="en-US" sz="2000" spc="-1" strike="noStrike">
               <a:solidFill>
-                <a:schemeClr val="dk1"/>
+                <a:srgbClr val="000000"/>
               </a:solidFill>
-              <a:latin typeface="Calibri"/>
+              <a:latin typeface="Arial"/>
+            </a:endParaRPr>
+          </a:p>
+          <a:p>
+            <a:pPr lvl="4" marL="2160000" indent="-216000">
+              <a:spcBef>
+                <a:spcPts val="283"/>
+              </a:spcBef>
+              <a:buClr>
+                <a:srgbClr val="000000"/>
+              </a:buClr>
+              <a:buSzPct val="45000"/>
+              <a:buFont typeface="Wingdings" charset="2"/>
+              <a:buChar char=""/>
+            </a:pPr>
+            <a:r>
+              <a:rPr b="0" lang="en-US" sz="2000" spc="-1" strike="noStrike">
+                <a:solidFill>
+                  <a:srgbClr val="000000"/>
+                </a:solidFill>
+                <a:latin typeface="Arial"/>
+              </a:rPr>
+              <a:t>Fifth Outline Level</a:t>
+            </a:r>
+            <a:endParaRPr b="0" lang="en-US" sz="2000" spc="-1" strike="noStrike">
+              <a:solidFill>
+                <a:srgbClr val="000000"/>
+              </a:solidFill>
+              <a:latin typeface="Arial"/>
+            </a:endParaRPr>
+          </a:p>
+          <a:p>
+            <a:pPr lvl="5" marL="2592000" indent="-216000">
+              <a:spcBef>
+                <a:spcPts val="283"/>
+              </a:spcBef>
+              <a:buClr>
+                <a:srgbClr val="000000"/>
+              </a:buClr>
+              <a:buSzPct val="45000"/>
+              <a:buFont typeface="Wingdings" charset="2"/>
+              <a:buChar char=""/>
+            </a:pPr>
+            <a:r>
+              <a:rPr b="0" lang="en-US" sz="2000" spc="-1" strike="noStrike">
+                <a:solidFill>
+                  <a:srgbClr val="000000"/>
+                </a:solidFill>
+                <a:latin typeface="Arial"/>
+              </a:rPr>
+              <a:t>Sixth Outline Level</a:t>
+            </a:r>
+            <a:endParaRPr b="0" lang="en-US" sz="2000" spc="-1" strike="noStrike">
+              <a:solidFill>
+                <a:srgbClr val="000000"/>
+              </a:solidFill>
+              <a:latin typeface="Arial"/>
+            </a:endParaRPr>
+          </a:p>
+          <a:p>
+            <a:pPr lvl="6" marL="3024000" indent="-216000">
+              <a:spcBef>
+                <a:spcPts val="283"/>
+              </a:spcBef>
+              <a:buClr>
+                <a:srgbClr val="000000"/>
+              </a:buClr>
+              <a:buSzPct val="45000"/>
+              <a:buFont typeface="Wingdings" charset="2"/>
+              <a:buChar char=""/>
+            </a:pPr>
+            <a:r>
+              <a:rPr b="0" lang="en-US" sz="2000" spc="-1" strike="noStrike">
+                <a:solidFill>
+                  <a:srgbClr val="000000"/>
+                </a:solidFill>
+                <a:latin typeface="Arial"/>
+              </a:rPr>
+              <a:t>Seventh Outline Level</a:t>
+            </a:r>
+            <a:endParaRPr b="0" lang="en-US" sz="2000" spc="-1" strike="noStrike">
+              <a:solidFill>
+                <a:srgbClr val="000000"/>
+              </a:solidFill>
+              <a:latin typeface="Arial"/>
             </a:endParaRPr>
           </a:p>
         </p:txBody>
@@ -4249,14 +2356,14 @@
       </p:grpSpPr>
       <p:sp>
         <p:nvSpPr>
-          <p:cNvPr id="9" name="Textfeld 15"/>
+          <p:cNvPr id="6" name="Textfeld 15"/>
           <p:cNvSpPr/>
           <p:nvPr/>
         </p:nvSpPr>
         <p:spPr>
           <a:xfrm>
             <a:off x="8711280" y="4803840"/>
-            <a:ext cx="108720" cy="309240"/>
+            <a:ext cx="108000" cy="308520"/>
           </a:xfrm>
           <a:prstGeom prst="rect">
             <a:avLst/>
@@ -4302,7 +2409,7 @@
       </p:sp>
       <p:pic>
         <p:nvPicPr>
-          <p:cNvPr id="10" name="Εικόνα 2" descr=""/>
+          <p:cNvPr id="7" name="Εικόνα 2" descr=""/>
           <p:cNvPicPr/>
           <p:nvPr/>
         </p:nvPicPr>
@@ -4313,7 +2420,7 @@
         <p:spPr>
           <a:xfrm>
             <a:off x="7932960" y="0"/>
-            <a:ext cx="1203120" cy="1203120"/>
+            <a:ext cx="1202400" cy="1202400"/>
           </a:xfrm>
           <a:prstGeom prst="rect">
             <a:avLst/>
@@ -4325,28 +2432,28 @@
       </p:pic>
       <p:grpSp>
         <p:nvGrpSpPr>
-          <p:cNvPr id="11" name="Shape 9"/>
+          <p:cNvPr id="8" name="Shape 9"/>
           <p:cNvGrpSpPr/>
           <p:nvPr/>
         </p:nvGrpSpPr>
         <p:grpSpPr>
           <a:xfrm>
-            <a:off x="5609880" y="2185920"/>
+            <a:off x="5609160" y="2185920"/>
             <a:ext cx="3534120" cy="3432600"/>
-            <a:chOff x="5609880" y="2185920"/>
+            <a:chOff x="5609160" y="2185920"/>
             <a:chExt cx="3534120" cy="3432600"/>
           </a:xfrm>
         </p:grpSpPr>
         <p:sp>
           <p:nvSpPr>
-            <p:cNvPr id="12" name="Shape 10"/>
+            <p:cNvPr id="9" name="Shape 10"/>
             <p:cNvSpPr/>
             <p:nvPr/>
           </p:nvSpPr>
           <p:spPr>
             <a:xfrm flipH="1" rot="9208200">
-              <a:off x="6242760" y="3915720"/>
-              <a:ext cx="575640" cy="1432080"/>
+              <a:off x="6242040" y="3915720"/>
+              <a:ext cx="574920" cy="1431720"/>
             </a:xfrm>
             <a:prstGeom prst="flowChartManualInput">
               <a:avLst/>
@@ -4365,7 +2472,7 @@
             <a:fontRef idx="minor"/>
           </p:style>
           <p:txBody>
-            <a:bodyPr tIns="91440" bIns="91440" anchor="ctr">
+            <a:bodyPr lIns="90000" rIns="90000" tIns="91440" bIns="91440" anchor="ctr">
               <a:noAutofit/>
             </a:bodyPr>
             <a:p>
@@ -4385,14 +2492,14 @@
         </p:sp>
         <p:sp>
           <p:nvSpPr>
-            <p:cNvPr id="13" name="Shape 11"/>
+            <p:cNvPr id="10" name="Shape 11"/>
             <p:cNvSpPr/>
             <p:nvPr/>
           </p:nvSpPr>
           <p:spPr>
             <a:xfrm flipH="1" rot="9208200">
-              <a:off x="7550640" y="2926440"/>
-              <a:ext cx="1043640" cy="2595600"/>
+              <a:off x="7550280" y="2927160"/>
+              <a:ext cx="1042920" cy="2594880"/>
             </a:xfrm>
             <a:prstGeom prst="flowChartManualInput">
               <a:avLst/>
@@ -4411,7 +2518,7 @@
             <a:fontRef idx="minor"/>
           </p:style>
           <p:txBody>
-            <a:bodyPr tIns="91440" bIns="91440" anchor="ctr">
+            <a:bodyPr lIns="90000" rIns="90000" tIns="91440" bIns="91440" anchor="ctr">
               <a:noAutofit/>
             </a:bodyPr>
             <a:p>
@@ -4431,14 +2538,14 @@
         </p:sp>
         <p:sp>
           <p:nvSpPr>
-            <p:cNvPr id="14" name="Shape 12"/>
+            <p:cNvPr id="11" name="Shape 12"/>
             <p:cNvSpPr/>
             <p:nvPr/>
           </p:nvSpPr>
           <p:spPr>
             <a:xfrm flipH="1" rot="9208200">
-              <a:off x="7166520" y="4114080"/>
-              <a:ext cx="486000" cy="1208520"/>
+              <a:off x="7166880" y="4115160"/>
+              <a:ext cx="485280" cy="1207440"/>
             </a:xfrm>
             <a:prstGeom prst="flowChartManualInput">
               <a:avLst/>
@@ -4457,7 +2564,7 @@
             <a:fontRef idx="minor"/>
           </p:style>
           <p:txBody>
-            <a:bodyPr tIns="91440" bIns="91440" anchor="ctr">
+            <a:bodyPr lIns="90000" rIns="90000" tIns="91440" bIns="91440" anchor="ctr">
               <a:noAutofit/>
             </a:bodyPr>
             <a:p>
@@ -4477,14 +2584,14 @@
         </p:sp>
         <p:sp>
           <p:nvSpPr>
-            <p:cNvPr id="15" name="Shape 13"/>
+            <p:cNvPr id="12" name="Shape 13"/>
             <p:cNvSpPr/>
             <p:nvPr/>
           </p:nvSpPr>
           <p:spPr>
             <a:xfrm flipH="1" rot="9208200">
-              <a:off x="5746680" y="4566600"/>
-              <a:ext cx="272880" cy="678960"/>
+              <a:off x="5746320" y="4567680"/>
+              <a:ext cx="272160" cy="677880"/>
             </a:xfrm>
             <a:prstGeom prst="flowChartManualInput">
               <a:avLst/>
@@ -4503,7 +2610,7 @@
             <a:fontRef idx="minor"/>
           </p:style>
           <p:txBody>
-            <a:bodyPr tIns="91440" bIns="91440" anchor="ctr">
+            <a:bodyPr lIns="90000" rIns="90000" tIns="91440" bIns="91440" anchor="ctr">
               <a:noAutofit/>
             </a:bodyPr>
             <a:p>
@@ -4523,20 +2630,25 @@
         </p:sp>
         <p:sp>
           <p:nvSpPr>
-            <p:cNvPr id="16" name="Shape 14"/>
+            <p:cNvPr id="13" name="Shape 14"/>
             <p:cNvSpPr/>
             <p:nvPr/>
           </p:nvSpPr>
           <p:spPr>
             <a:xfrm>
               <a:off x="8127720" y="2185920"/>
-              <a:ext cx="1016280" cy="2293920"/>
+              <a:ext cx="1015560" cy="2293200"/>
             </a:xfrm>
             <a:custGeom>
               <a:avLst/>
-              <a:gdLst/>
+              <a:gdLst>
+                <a:gd name="textAreaLeft" fmla="*/ 0 w 1015560"/>
+                <a:gd name="textAreaRight" fmla="*/ 1016280 w 1015560"/>
+                <a:gd name="textAreaTop" fmla="*/ 0 h 2293200"/>
+                <a:gd name="textAreaBottom" fmla="*/ 2293920 h 2293200"/>
+              </a:gdLst>
               <a:ahLst/>
-              <a:rect l="l" t="t" r="r" b="b"/>
+              <a:rect l="textAreaLeft" t="textAreaTop" r="textAreaRight" b="textAreaBottom"/>
               <a:pathLst>
                 <a:path w="37596" h="84860">
                   <a:moveTo>
@@ -4573,6 +2685,11 @@
               <a:noAutofit/>
             </a:bodyPr>
             <a:p>
+              <a:pPr>
+                <a:lnSpc>
+                  <a:spcPct val="100000"/>
+                </a:lnSpc>
+              </a:pPr>
               <a:endParaRPr b="0" lang="en-US" sz="1800" spc="-1" strike="noStrike">
                 <a:solidFill>
                   <a:srgbClr val="000000"/>
@@ -4585,28 +2702,28 @@
       </p:grpSp>
       <p:grpSp>
         <p:nvGrpSpPr>
-          <p:cNvPr id="17" name="Shape 15"/>
+          <p:cNvPr id="14" name="Shape 15"/>
           <p:cNvGrpSpPr/>
           <p:nvPr/>
         </p:nvGrpSpPr>
         <p:grpSpPr>
           <a:xfrm>
-            <a:off x="360" y="-324720"/>
-            <a:ext cx="3067920" cy="1910520"/>
-            <a:chOff x="360" y="-324720"/>
-            <a:chExt cx="3067920" cy="1910520"/>
+            <a:off x="1080" y="-324000"/>
+            <a:ext cx="3065760" cy="1909440"/>
+            <a:chOff x="1080" y="-324000"/>
+            <a:chExt cx="3065760" cy="1909440"/>
           </a:xfrm>
         </p:grpSpPr>
         <p:sp>
           <p:nvSpPr>
-            <p:cNvPr id="18" name="Shape 16"/>
+            <p:cNvPr id="15" name="Shape 16"/>
             <p:cNvSpPr/>
             <p:nvPr/>
           </p:nvSpPr>
           <p:spPr>
             <a:xfrm flipH="1" rot="20008800">
-              <a:off x="1931400" y="-107640"/>
-              <a:ext cx="290520" cy="722880"/>
+              <a:off x="1930680" y="-107280"/>
+              <a:ext cx="289800" cy="722160"/>
             </a:xfrm>
             <a:prstGeom prst="flowChartManualInput">
               <a:avLst/>
@@ -4625,7 +2742,7 @@
             <a:fontRef idx="minor"/>
           </p:style>
           <p:txBody>
-            <a:bodyPr tIns="91440" bIns="91440" anchor="ctr">
+            <a:bodyPr lIns="90000" rIns="90000" tIns="91440" bIns="91440" anchor="ctr">
               <a:noAutofit/>
             </a:bodyPr>
             <a:p>
@@ -4645,14 +2762,14 @@
         </p:sp>
         <p:sp>
           <p:nvSpPr>
-            <p:cNvPr id="19" name="Shape 17"/>
+            <p:cNvPr id="16" name="Shape 17"/>
             <p:cNvSpPr/>
             <p:nvPr/>
           </p:nvSpPr>
           <p:spPr>
             <a:xfrm flipH="1" rot="20008800">
-              <a:off x="338760" y="-233280"/>
-              <a:ext cx="616320" cy="1532880"/>
+              <a:off x="338400" y="-232920"/>
+              <a:ext cx="615600" cy="1532160"/>
             </a:xfrm>
             <a:prstGeom prst="flowChartManualInput">
               <a:avLst/>
@@ -4671,7 +2788,7 @@
             <a:fontRef idx="minor"/>
           </p:style>
           <p:txBody>
-            <a:bodyPr tIns="91440" bIns="91440" anchor="ctr">
+            <a:bodyPr lIns="90000" rIns="90000" tIns="91440" bIns="91440" anchor="ctr">
               <a:noAutofit/>
             </a:bodyPr>
             <a:p>
@@ -4691,14 +2808,14 @@
         </p:sp>
         <p:sp>
           <p:nvSpPr>
-            <p:cNvPr id="20" name="Shape 18"/>
+            <p:cNvPr id="17" name="Shape 18"/>
             <p:cNvSpPr/>
             <p:nvPr/>
           </p:nvSpPr>
           <p:spPr>
             <a:xfrm flipH="1" rot="20008800">
-              <a:off x="1265040" y="-258480"/>
-              <a:ext cx="714960" cy="1778400"/>
+              <a:off x="1263960" y="-257760"/>
+              <a:ext cx="714240" cy="1777680"/>
             </a:xfrm>
             <a:prstGeom prst="flowChartManualInput">
               <a:avLst/>
@@ -4717,7 +2834,7 @@
             <a:fontRef idx="minor"/>
           </p:style>
           <p:txBody>
-            <a:bodyPr tIns="91440" bIns="91440" anchor="ctr">
+            <a:bodyPr lIns="90000" rIns="90000" tIns="91440" bIns="91440" anchor="ctr">
               <a:noAutofit/>
             </a:bodyPr>
             <a:p>
@@ -4737,14 +2854,14 @@
         </p:sp>
         <p:sp>
           <p:nvSpPr>
-            <p:cNvPr id="21" name="Shape 19"/>
+            <p:cNvPr id="18" name="Shape 19"/>
             <p:cNvSpPr/>
             <p:nvPr/>
           </p:nvSpPr>
           <p:spPr>
             <a:xfrm flipH="1" rot="20008800">
-              <a:off x="2578680" y="-126360"/>
-              <a:ext cx="325440" cy="809640"/>
+              <a:off x="2577960" y="-126000"/>
+              <a:ext cx="324720" cy="809280"/>
             </a:xfrm>
             <a:prstGeom prst="flowChartManualInput">
               <a:avLst/>
@@ -4763,7 +2880,7 @@
             <a:fontRef idx="minor"/>
           </p:style>
           <p:txBody>
-            <a:bodyPr tIns="91440" bIns="91440" anchor="ctr">
+            <a:bodyPr lIns="90000" rIns="90000" tIns="91440" bIns="91440" anchor="ctr">
               <a:noAutofit/>
             </a:bodyPr>
             <a:p>
@@ -4783,20 +2900,25 @@
         </p:sp>
         <p:sp>
           <p:nvSpPr>
-            <p:cNvPr id="22" name="Shape 20"/>
+            <p:cNvPr id="19" name="Shape 20"/>
             <p:cNvSpPr/>
             <p:nvPr/>
           </p:nvSpPr>
           <p:spPr>
             <a:xfrm rot="10800000">
-              <a:off x="360" y="82440"/>
-              <a:ext cx="538920" cy="1216800"/>
+              <a:off x="1080" y="83160"/>
+              <a:ext cx="538200" cy="1216080"/>
             </a:xfrm>
             <a:custGeom>
               <a:avLst/>
-              <a:gdLst/>
+              <a:gdLst>
+                <a:gd name="textAreaLeft" fmla="*/ 0 w 538200"/>
+                <a:gd name="textAreaRight" fmla="*/ 538920 w 538200"/>
+                <a:gd name="textAreaTop" fmla="*/ 0 h 1216080"/>
+                <a:gd name="textAreaBottom" fmla="*/ 1216800 h 1216080"/>
+              </a:gdLst>
               <a:ahLst/>
-              <a:rect l="l" t="t" r="r" b="b"/>
+              <a:rect l="textAreaLeft" t="textAreaTop" r="textAreaRight" b="textAreaBottom"/>
               <a:pathLst>
                 <a:path w="37596" h="84860">
                   <a:moveTo>
@@ -4833,6 +2955,11 @@
               <a:noAutofit/>
             </a:bodyPr>
             <a:p>
+              <a:pPr>
+                <a:lnSpc>
+                  <a:spcPct val="100000"/>
+                </a:lnSpc>
+              </a:pPr>
               <a:endParaRPr b="0" lang="en-US" sz="1800" spc="-1" strike="noStrike">
                 <a:solidFill>
                   <a:srgbClr val="000000"/>
@@ -4845,7 +2972,7 @@
       </p:grpSp>
       <p:sp>
         <p:nvSpPr>
-          <p:cNvPr id="23" name="PlaceHolder 1"/>
+          <p:cNvPr id="20" name="PlaceHolder 1"/>
           <p:cNvSpPr>
             <a:spLocks noGrp="1"/>
           </p:cNvSpPr>
@@ -4855,8 +2982,8 @@
         </p:nvSpPr>
         <p:spPr>
           <a:xfrm>
-            <a:off x="685800" y="2754000"/>
-            <a:ext cx="5671080" cy="1159560"/>
+            <a:off x="457200" y="205200"/>
+            <a:ext cx="8228880" cy="858240"/>
           </a:xfrm>
           <a:prstGeom prst="rect">
             <a:avLst/>
@@ -4867,37 +2994,34 @@
           </a:ln>
         </p:spPr>
         <p:txBody>
-          <a:bodyPr lIns="91440" rIns="91440" tIns="91440" bIns="91440" anchor="b">
+          <a:bodyPr lIns="0" rIns="0" tIns="0" bIns="0" anchor="ctr">
             <a:noAutofit/>
           </a:bodyPr>
           <a:p>
-            <a:pPr indent="0" algn="ctr" defTabSz="914400">
-              <a:lnSpc>
-                <a:spcPct val="100000"/>
-              </a:lnSpc>
+            <a:pPr indent="0">
               <a:buNone/>
             </a:pPr>
             <a:r>
-              <a:rPr b="0" lang="en-US" sz="2400" spc="-1" strike="noStrike">
+              <a:rPr b="0" lang="en-US" sz="1800" spc="-1" strike="noStrike">
                 <a:solidFill>
                   <a:srgbClr val="ffffff"/>
                 </a:solidFill>
-                <a:latin typeface="Calibri"/>
+                <a:latin typeface="Arial"/>
               </a:rPr>
-              <a:t>Click to edit Master title style</a:t>
+              <a:t>Click to edit the title text format</a:t>
             </a:r>
-            <a:endParaRPr b="0" lang="en-US" sz="2400" spc="-1" strike="noStrike">
+            <a:endParaRPr b="0" lang="en-US" sz="1800" spc="-1" strike="noStrike">
               <a:solidFill>
-                <a:schemeClr val="dk1"/>
+                <a:srgbClr val="ffffff"/>
               </a:solidFill>
-              <a:latin typeface="Calibri"/>
+              <a:latin typeface="Arial"/>
             </a:endParaRPr>
           </a:p>
         </p:txBody>
       </p:sp>
       <p:sp>
         <p:nvSpPr>
-          <p:cNvPr id="24" name="PlaceHolder 2"/>
+          <p:cNvPr id="21" name="PlaceHolder 2"/>
           <p:cNvSpPr>
             <a:spLocks noGrp="1"/>
           </p:cNvSpPr>
@@ -4935,19 +3059,19 @@
               <a:buChar char=""/>
             </a:pPr>
             <a:r>
-              <a:rPr b="1" lang="en-US" sz="2400" spc="-1" strike="noStrike">
-                <a:solidFill>
-                  <a:srgbClr val="6e279d"/>
-                </a:solidFill>
-                <a:latin typeface="Calibri"/>
+              <a:rPr b="0" lang="en-US" sz="3200" spc="-1" strike="noStrike">
+                <a:solidFill>
+                  <a:srgbClr val="ffffff"/>
+                </a:solidFill>
+                <a:latin typeface="Arial"/>
               </a:rPr>
               <a:t>Click to edit the outline text format</a:t>
             </a:r>
-            <a:endParaRPr b="1" lang="en-US" sz="2400" spc="-1" strike="noStrike">
+            <a:endParaRPr b="0" lang="en-US" sz="3200" spc="-1" strike="noStrike">
               <a:solidFill>
-                <a:srgbClr val="6e279d"/>
+                <a:srgbClr val="ffffff"/>
               </a:solidFill>
-              <a:latin typeface="Calibri"/>
+              <a:latin typeface="Arial"/>
             </a:endParaRPr>
           </a:p>
           <a:p>
@@ -4963,19 +3087,19 @@
               <a:buChar char=""/>
             </a:pPr>
             <a:r>
-              <a:rPr b="0" lang="en-US" sz="2000" spc="-1" strike="noStrike">
-                <a:solidFill>
-                  <a:schemeClr val="dk1"/>
-                </a:solidFill>
-                <a:latin typeface="Calibri"/>
+              <a:rPr b="0" lang="en-US" sz="2800" spc="-1" strike="noStrike">
+                <a:solidFill>
+                  <a:srgbClr val="ffffff"/>
+                </a:solidFill>
+                <a:latin typeface="Arial"/>
               </a:rPr>
               <a:t>Second Outline Level</a:t>
             </a:r>
-            <a:endParaRPr b="0" lang="en-US" sz="2000" spc="-1" strike="noStrike">
+            <a:endParaRPr b="0" lang="en-US" sz="2800" spc="-1" strike="noStrike">
               <a:solidFill>
-                <a:schemeClr val="dk1"/>
+                <a:srgbClr val="ffffff"/>
               </a:solidFill>
-              <a:latin typeface="Calibri"/>
+              <a:latin typeface="Arial"/>
             </a:endParaRPr>
           </a:p>
           <a:p>
@@ -4991,19 +3115,19 @@
               <a:buChar char=""/>
             </a:pPr>
             <a:r>
-              <a:rPr b="0" lang="en-US" sz="1800" spc="-1" strike="noStrike">
-                <a:solidFill>
-                  <a:schemeClr val="dk1"/>
-                </a:solidFill>
-                <a:latin typeface="Calibri"/>
+              <a:rPr b="0" lang="en-US" sz="2400" spc="-1" strike="noStrike">
+                <a:solidFill>
+                  <a:srgbClr val="ffffff"/>
+                </a:solidFill>
+                <a:latin typeface="Arial"/>
               </a:rPr>
               <a:t>Third Outline Level</a:t>
             </a:r>
-            <a:endParaRPr b="0" lang="en-US" sz="1800" spc="-1" strike="noStrike">
+            <a:endParaRPr b="0" lang="en-US" sz="2400" spc="-1" strike="noStrike">
               <a:solidFill>
-                <a:schemeClr val="dk1"/>
+                <a:srgbClr val="ffffff"/>
               </a:solidFill>
-              <a:latin typeface="Calibri"/>
+              <a:latin typeface="Arial"/>
             </a:endParaRPr>
           </a:p>
           <a:p>
@@ -5021,17 +3145,17 @@
             <a:r>
               <a:rPr b="0" lang="en-US" sz="2000" spc="-1" strike="noStrike">
                 <a:solidFill>
-                  <a:schemeClr val="dk1"/>
-                </a:solidFill>
-                <a:latin typeface="Calibri"/>
+                  <a:srgbClr val="ffffff"/>
+                </a:solidFill>
+                <a:latin typeface="Arial"/>
               </a:rPr>
               <a:t>Fourth Outline Level</a:t>
             </a:r>
             <a:endParaRPr b="0" lang="en-US" sz="2000" spc="-1" strike="noStrike">
               <a:solidFill>
-                <a:schemeClr val="dk1"/>
+                <a:srgbClr val="ffffff"/>
               </a:solidFill>
-              <a:latin typeface="Calibri"/>
+              <a:latin typeface="Arial"/>
             </a:endParaRPr>
           </a:p>
           <a:p>
@@ -5049,17 +3173,17 @@
             <a:r>
               <a:rPr b="0" lang="en-US" sz="2000" spc="-1" strike="noStrike">
                 <a:solidFill>
-                  <a:schemeClr val="dk1"/>
-                </a:solidFill>
-                <a:latin typeface="Calibri"/>
+                  <a:srgbClr val="ffffff"/>
+                </a:solidFill>
+                <a:latin typeface="Arial"/>
               </a:rPr>
               <a:t>Fifth Outline Level</a:t>
             </a:r>
             <a:endParaRPr b="0" lang="en-US" sz="2000" spc="-1" strike="noStrike">
               <a:solidFill>
-                <a:schemeClr val="dk1"/>
+                <a:srgbClr val="ffffff"/>
               </a:solidFill>
-              <a:latin typeface="Calibri"/>
+              <a:latin typeface="Arial"/>
             </a:endParaRPr>
           </a:p>
           <a:p>
@@ -5077,17 +3201,17 @@
             <a:r>
               <a:rPr b="0" lang="en-US" sz="2000" spc="-1" strike="noStrike">
                 <a:solidFill>
-                  <a:schemeClr val="dk1"/>
-                </a:solidFill>
-                <a:latin typeface="Calibri"/>
+                  <a:srgbClr val="ffffff"/>
+                </a:solidFill>
+                <a:latin typeface="Arial"/>
               </a:rPr>
               <a:t>Sixth Outline Level</a:t>
             </a:r>
             <a:endParaRPr b="0" lang="en-US" sz="2000" spc="-1" strike="noStrike">
               <a:solidFill>
-                <a:schemeClr val="dk1"/>
+                <a:srgbClr val="ffffff"/>
               </a:solidFill>
-              <a:latin typeface="Calibri"/>
+              <a:latin typeface="Arial"/>
             </a:endParaRPr>
           </a:p>
           <a:p>
@@ -5105,17 +3229,17 @@
             <a:r>
               <a:rPr b="0" lang="en-US" sz="2000" spc="-1" strike="noStrike">
                 <a:solidFill>
-                  <a:schemeClr val="dk1"/>
-                </a:solidFill>
-                <a:latin typeface="Calibri"/>
+                  <a:srgbClr val="ffffff"/>
+                </a:solidFill>
+                <a:latin typeface="Arial"/>
               </a:rPr>
               <a:t>Seventh Outline Level</a:t>
             </a:r>
             <a:endParaRPr b="0" lang="en-US" sz="2000" spc="-1" strike="noStrike">
               <a:solidFill>
-                <a:schemeClr val="dk1"/>
+                <a:srgbClr val="ffffff"/>
               </a:solidFill>
-              <a:latin typeface="Calibri"/>
+              <a:latin typeface="Arial"/>
             </a:endParaRPr>
           </a:p>
         </p:txBody>
@@ -5155,14 +3279,14 @@
       </p:grpSpPr>
       <p:sp>
         <p:nvSpPr>
-          <p:cNvPr id="27" name="Textfeld 15"/>
+          <p:cNvPr id="24" name="Textfeld 15"/>
           <p:cNvSpPr/>
           <p:nvPr/>
         </p:nvSpPr>
         <p:spPr>
           <a:xfrm>
             <a:off x="8711280" y="4803840"/>
-            <a:ext cx="108720" cy="309240"/>
+            <a:ext cx="108000" cy="308520"/>
           </a:xfrm>
           <a:prstGeom prst="rect">
             <a:avLst/>
@@ -5208,7 +3332,7 @@
       </p:sp>
       <p:pic>
         <p:nvPicPr>
-          <p:cNvPr id="28" name="Εικόνα 2" descr=""/>
+          <p:cNvPr id="25" name="Εικόνα 2" descr=""/>
           <p:cNvPicPr/>
           <p:nvPr/>
         </p:nvPicPr>
@@ -5219,7 +3343,7 @@
         <p:spPr>
           <a:xfrm>
             <a:off x="7932960" y="0"/>
-            <a:ext cx="1203120" cy="1203120"/>
+            <a:ext cx="1202400" cy="1202400"/>
           </a:xfrm>
           <a:prstGeom prst="rect">
             <a:avLst/>
@@ -5231,28 +3355,28 @@
       </p:pic>
       <p:grpSp>
         <p:nvGrpSpPr>
-          <p:cNvPr id="29" name="Shape 128"/>
+          <p:cNvPr id="26" name="Shape 128"/>
           <p:cNvGrpSpPr/>
           <p:nvPr/>
         </p:nvGrpSpPr>
         <p:grpSpPr>
           <a:xfrm>
-            <a:off x="6172920" y="2656080"/>
-            <a:ext cx="2970720" cy="2886120"/>
-            <a:chOff x="6172920" y="2656080"/>
-            <a:chExt cx="2970720" cy="2886120"/>
+            <a:off x="6172200" y="2656080"/>
+            <a:ext cx="2970720" cy="2885760"/>
+            <a:chOff x="6172200" y="2656080"/>
+            <a:chExt cx="2970720" cy="2885760"/>
           </a:xfrm>
         </p:grpSpPr>
         <p:sp>
           <p:nvSpPr>
-            <p:cNvPr id="30" name="Shape 129"/>
+            <p:cNvPr id="27" name="Shape 129"/>
             <p:cNvSpPr/>
             <p:nvPr/>
           </p:nvSpPr>
           <p:spPr>
             <a:xfrm flipH="1" rot="9208200">
-              <a:off x="6704640" y="4110840"/>
-              <a:ext cx="483840" cy="1203480"/>
+              <a:off x="6704280" y="4111200"/>
+              <a:ext cx="483120" cy="1203120"/>
             </a:xfrm>
             <a:prstGeom prst="flowChartManualInput">
               <a:avLst/>
@@ -5271,7 +3395,7 @@
             <a:fontRef idx="minor"/>
           </p:style>
           <p:txBody>
-            <a:bodyPr tIns="91440" bIns="91440" anchor="ctr">
+            <a:bodyPr lIns="90000" rIns="90000" tIns="91440" bIns="91440" anchor="ctr">
               <a:noAutofit/>
             </a:bodyPr>
             <a:p>
@@ -5291,14 +3415,14 @@
         </p:sp>
         <p:sp>
           <p:nvSpPr>
-            <p:cNvPr id="31" name="Shape 130"/>
+            <p:cNvPr id="28" name="Shape 130"/>
             <p:cNvSpPr/>
             <p:nvPr/>
           </p:nvSpPr>
           <p:spPr>
             <a:xfrm flipH="1" rot="9208200">
-              <a:off x="7804080" y="3278880"/>
-              <a:ext cx="877320" cy="2181960"/>
+              <a:off x="7803000" y="3279240"/>
+              <a:ext cx="876960" cy="2181240"/>
             </a:xfrm>
             <a:prstGeom prst="flowChartManualInput">
               <a:avLst/>
@@ -5317,7 +3441,7 @@
             <a:fontRef idx="minor"/>
           </p:style>
           <p:txBody>
-            <a:bodyPr tIns="91440" bIns="91440" anchor="ctr">
+            <a:bodyPr lIns="90000" rIns="90000" tIns="91440" bIns="91440" anchor="ctr">
               <a:noAutofit/>
             </a:bodyPr>
             <a:p>
@@ -5337,14 +3461,14 @@
         </p:sp>
         <p:sp>
           <p:nvSpPr>
-            <p:cNvPr id="32" name="Shape 131"/>
+            <p:cNvPr id="29" name="Shape 131"/>
             <p:cNvSpPr/>
             <p:nvPr/>
           </p:nvSpPr>
           <p:spPr>
             <a:xfrm flipH="1" rot="9208200">
-              <a:off x="7481520" y="4277520"/>
-              <a:ext cx="408600" cy="1015920"/>
+              <a:off x="7479360" y="4278240"/>
+              <a:ext cx="408600" cy="1014840"/>
             </a:xfrm>
             <a:prstGeom prst="flowChartManualInput">
               <a:avLst/>
@@ -5363,7 +3487,7 @@
             <a:fontRef idx="minor"/>
           </p:style>
           <p:txBody>
-            <a:bodyPr tIns="91440" bIns="91440" anchor="ctr">
+            <a:bodyPr lIns="90000" rIns="90000" tIns="91440" bIns="91440" anchor="ctr">
               <a:noAutofit/>
             </a:bodyPr>
             <a:p>
@@ -5383,14 +3507,14 @@
         </p:sp>
         <p:sp>
           <p:nvSpPr>
-            <p:cNvPr id="33" name="Shape 132"/>
+            <p:cNvPr id="30" name="Shape 132"/>
             <p:cNvSpPr/>
             <p:nvPr/>
           </p:nvSpPr>
           <p:spPr>
             <a:xfrm flipH="1" rot="9208200">
-              <a:off x="6287760" y="4657680"/>
-              <a:ext cx="229320" cy="570960"/>
+              <a:off x="6287400" y="4658400"/>
+              <a:ext cx="228600" cy="570240"/>
             </a:xfrm>
             <a:prstGeom prst="flowChartManualInput">
               <a:avLst/>
@@ -5409,7 +3533,7 @@
             <a:fontRef idx="minor"/>
           </p:style>
           <p:txBody>
-            <a:bodyPr tIns="91440" bIns="91440" anchor="ctr">
+            <a:bodyPr lIns="90000" rIns="90000" tIns="91440" bIns="91440" anchor="ctr">
               <a:noAutofit/>
             </a:bodyPr>
             <a:p>
@@ -5429,20 +3553,25 @@
         </p:sp>
         <p:sp>
           <p:nvSpPr>
-            <p:cNvPr id="34" name="Shape 133"/>
+            <p:cNvPr id="31" name="Shape 133"/>
             <p:cNvSpPr/>
             <p:nvPr/>
           </p:nvSpPr>
           <p:spPr>
             <a:xfrm>
               <a:off x="8289360" y="2656080"/>
-              <a:ext cx="854280" cy="1928880"/>
+              <a:ext cx="853560" cy="1928160"/>
             </a:xfrm>
             <a:custGeom>
               <a:avLst/>
-              <a:gdLst/>
+              <a:gdLst>
+                <a:gd name="textAreaLeft" fmla="*/ 0 w 853560"/>
+                <a:gd name="textAreaRight" fmla="*/ 854280 w 853560"/>
+                <a:gd name="textAreaTop" fmla="*/ 0 h 1928160"/>
+                <a:gd name="textAreaBottom" fmla="*/ 1928880 h 1928160"/>
+              </a:gdLst>
               <a:ahLst/>
-              <a:rect l="l" t="t" r="r" b="b"/>
+              <a:rect l="textAreaLeft" t="textAreaTop" r="textAreaRight" b="textAreaBottom"/>
               <a:pathLst>
                 <a:path w="37596" h="84860">
                   <a:moveTo>
@@ -5479,6 +3608,11 @@
               <a:noAutofit/>
             </a:bodyPr>
             <a:p>
+              <a:pPr>
+                <a:lnSpc>
+                  <a:spcPct val="100000"/>
+                </a:lnSpc>
+              </a:pPr>
               <a:endParaRPr b="0" lang="en-US" sz="1800" spc="-1" strike="noStrike">
                 <a:solidFill>
                   <a:srgbClr val="ffffff"/>
@@ -5491,28 +3625,28 @@
       </p:grpSp>
       <p:grpSp>
         <p:nvGrpSpPr>
-          <p:cNvPr id="35" name="Shape 134"/>
+          <p:cNvPr id="32" name="Shape 134"/>
           <p:cNvGrpSpPr/>
           <p:nvPr/>
         </p:nvGrpSpPr>
         <p:grpSpPr>
           <a:xfrm>
-            <a:off x="360" y="-227880"/>
-            <a:ext cx="2162520" cy="1347480"/>
-            <a:chOff x="360" y="-227880"/>
-            <a:chExt cx="2162520" cy="1347480"/>
+            <a:off x="1080" y="-227160"/>
+            <a:ext cx="2159640" cy="1346040"/>
+            <a:chOff x="1080" y="-227160"/>
+            <a:chExt cx="2159640" cy="1346040"/>
           </a:xfrm>
         </p:grpSpPr>
         <p:sp>
           <p:nvSpPr>
-            <p:cNvPr id="36" name="Shape 135"/>
+            <p:cNvPr id="33" name="Shape 135"/>
             <p:cNvSpPr/>
             <p:nvPr/>
           </p:nvSpPr>
           <p:spPr>
             <a:xfrm flipH="1" rot="20008800">
-              <a:off x="1361160" y="-75240"/>
-              <a:ext cx="204840" cy="509760"/>
+              <a:off x="1360800" y="-74880"/>
+              <a:ext cx="204120" cy="509040"/>
             </a:xfrm>
             <a:prstGeom prst="flowChartManualInput">
               <a:avLst/>
@@ -5531,7 +3665,7 @@
             <a:fontRef idx="minor"/>
           </p:style>
           <p:txBody>
-            <a:bodyPr tIns="91440" bIns="91440" anchor="ctr">
+            <a:bodyPr lIns="90000" rIns="90000" tIns="91440" bIns="91440" anchor="ctr">
               <a:noAutofit/>
             </a:bodyPr>
             <a:p>
@@ -5551,14 +3685,14 @@
         </p:sp>
         <p:sp>
           <p:nvSpPr>
-            <p:cNvPr id="37" name="Shape 136"/>
+            <p:cNvPr id="34" name="Shape 136"/>
             <p:cNvSpPr/>
             <p:nvPr/>
           </p:nvSpPr>
           <p:spPr>
             <a:xfrm flipH="1" rot="20008800">
-              <a:off x="239400" y="-163800"/>
-              <a:ext cx="434520" cy="1080720"/>
+              <a:off x="238680" y="-163440"/>
+              <a:ext cx="433800" cy="1080360"/>
             </a:xfrm>
             <a:prstGeom prst="flowChartManualInput">
               <a:avLst/>
@@ -5577,7 +3711,7 @@
             <a:fontRef idx="minor"/>
           </p:style>
           <p:txBody>
-            <a:bodyPr tIns="91440" bIns="91440" anchor="ctr">
+            <a:bodyPr lIns="90000" rIns="90000" tIns="91440" bIns="91440" anchor="ctr">
               <a:noAutofit/>
             </a:bodyPr>
             <a:p>
@@ -5597,14 +3731,14 @@
         </p:sp>
         <p:sp>
           <p:nvSpPr>
-            <p:cNvPr id="38" name="Shape 137"/>
+            <p:cNvPr id="35" name="Shape 137"/>
             <p:cNvSpPr/>
             <p:nvPr/>
           </p:nvSpPr>
           <p:spPr>
             <a:xfrm flipH="1" rot="20008800">
-              <a:off x="892080" y="-181080"/>
-              <a:ext cx="504000" cy="1254240"/>
+              <a:off x="890280" y="-180720"/>
+              <a:ext cx="503280" cy="1253160"/>
             </a:xfrm>
             <a:prstGeom prst="flowChartManualInput">
               <a:avLst/>
@@ -5623,7 +3757,7 @@
             <a:fontRef idx="minor"/>
           </p:style>
           <p:txBody>
-            <a:bodyPr tIns="91440" bIns="91440" anchor="ctr">
+            <a:bodyPr lIns="90000" rIns="90000" tIns="91440" bIns="91440" anchor="ctr">
               <a:noAutofit/>
             </a:bodyPr>
             <a:p>
@@ -5643,14 +3777,14 @@
         </p:sp>
         <p:sp>
           <p:nvSpPr>
-            <p:cNvPr id="39" name="Shape 138"/>
+            <p:cNvPr id="36" name="Shape 138"/>
             <p:cNvSpPr/>
             <p:nvPr/>
           </p:nvSpPr>
           <p:spPr>
             <a:xfrm flipH="1" rot="20008800">
-              <a:off x="1817640" y="-88200"/>
-              <a:ext cx="229320" cy="570960"/>
+              <a:off x="1816560" y="-88200"/>
+              <a:ext cx="228600" cy="570240"/>
             </a:xfrm>
             <a:prstGeom prst="flowChartManualInput">
               <a:avLst/>
@@ -5669,7 +3803,7 @@
             <a:fontRef idx="minor"/>
           </p:style>
           <p:txBody>
-            <a:bodyPr tIns="91440" bIns="91440" anchor="ctr">
+            <a:bodyPr lIns="90000" rIns="90000" tIns="91440" bIns="91440" anchor="ctr">
               <a:noAutofit/>
             </a:bodyPr>
             <a:p>
@@ -5689,20 +3823,25 @@
         </p:sp>
         <p:sp>
           <p:nvSpPr>
-            <p:cNvPr id="40" name="Shape 139"/>
+            <p:cNvPr id="37" name="Shape 139"/>
             <p:cNvSpPr/>
             <p:nvPr/>
           </p:nvSpPr>
           <p:spPr>
             <a:xfrm rot="10800000">
-              <a:off x="360" y="59040"/>
-              <a:ext cx="379800" cy="857880"/>
+              <a:off x="1080" y="59760"/>
+              <a:ext cx="379080" cy="857160"/>
             </a:xfrm>
             <a:custGeom>
               <a:avLst/>
-              <a:gdLst/>
+              <a:gdLst>
+                <a:gd name="textAreaLeft" fmla="*/ 0 w 379080"/>
+                <a:gd name="textAreaRight" fmla="*/ 379800 w 379080"/>
+                <a:gd name="textAreaTop" fmla="*/ 0 h 857160"/>
+                <a:gd name="textAreaBottom" fmla="*/ 857880 h 857160"/>
+              </a:gdLst>
               <a:ahLst/>
-              <a:rect l="l" t="t" r="r" b="b"/>
+              <a:rect l="textAreaLeft" t="textAreaTop" r="textAreaRight" b="textAreaBottom"/>
               <a:pathLst>
                 <a:path w="37596" h="84860">
                   <a:moveTo>
@@ -5739,6 +3878,11 @@
               <a:noAutofit/>
             </a:bodyPr>
             <a:p>
+              <a:pPr>
+                <a:lnSpc>
+                  <a:spcPct val="100000"/>
+                </a:lnSpc>
+              </a:pPr>
               <a:endParaRPr b="0" lang="en-US" sz="1800" spc="-1" strike="noStrike">
                 <a:solidFill>
                   <a:srgbClr val="ffffff"/>
@@ -5751,7 +3895,7 @@
       </p:grpSp>
       <p:sp>
         <p:nvSpPr>
-          <p:cNvPr id="41" name="PlaceHolder 1"/>
+          <p:cNvPr id="38" name="PlaceHolder 1"/>
           <p:cNvSpPr>
             <a:spLocks noGrp="1"/>
           </p:cNvSpPr>
@@ -5777,30 +3921,30 @@
             <a:noAutofit/>
           </a:bodyPr>
           <a:p>
-            <a:pPr indent="0">
+            <a:pPr indent="0" algn="ctr">
               <a:buNone/>
             </a:pPr>
             <a:r>
-              <a:rPr b="0" lang="en-US" sz="1800" spc="-1" strike="noStrike">
-                <a:solidFill>
-                  <a:schemeClr val="dk1"/>
-                </a:solidFill>
-                <a:latin typeface="Calibri"/>
+              <a:rPr b="0" lang="en-US" sz="4400" spc="-1" strike="noStrike">
+                <a:solidFill>
+                  <a:srgbClr val="000000"/>
+                </a:solidFill>
+                <a:latin typeface="Arial"/>
               </a:rPr>
               <a:t>Click to edit the title text format</a:t>
             </a:r>
-            <a:endParaRPr b="0" lang="en-US" sz="1800" spc="-1" strike="noStrike">
+            <a:endParaRPr b="0" lang="en-US" sz="4400" spc="-1" strike="noStrike">
               <a:solidFill>
-                <a:schemeClr val="dk1"/>
+                <a:srgbClr val="000000"/>
               </a:solidFill>
-              <a:latin typeface="Calibri"/>
+              <a:latin typeface="Arial"/>
             </a:endParaRPr>
           </a:p>
         </p:txBody>
       </p:sp>
       <p:sp>
         <p:nvSpPr>
-          <p:cNvPr id="42" name="PlaceHolder 2"/>
+          <p:cNvPr id="39" name="PlaceHolder 2"/>
           <p:cNvSpPr>
             <a:spLocks noGrp="1"/>
           </p:cNvSpPr>
@@ -5838,19 +3982,19 @@
               <a:buChar char=""/>
             </a:pPr>
             <a:r>
-              <a:rPr b="1" lang="en-US" sz="2400" spc="-1" strike="noStrike">
-                <a:solidFill>
-                  <a:srgbClr val="6e279d"/>
-                </a:solidFill>
-                <a:latin typeface="Calibri"/>
+              <a:rPr b="0" lang="en-US" sz="3200" spc="-1" strike="noStrike">
+                <a:solidFill>
+                  <a:srgbClr val="000000"/>
+                </a:solidFill>
+                <a:latin typeface="Arial"/>
               </a:rPr>
               <a:t>Click to edit the outline text format</a:t>
             </a:r>
-            <a:endParaRPr b="1" lang="en-US" sz="2400" spc="-1" strike="noStrike">
+            <a:endParaRPr b="0" lang="en-US" sz="3200" spc="-1" strike="noStrike">
               <a:solidFill>
-                <a:srgbClr val="6e279d"/>
+                <a:srgbClr val="000000"/>
               </a:solidFill>
-              <a:latin typeface="Calibri"/>
+              <a:latin typeface="Arial"/>
             </a:endParaRPr>
           </a:p>
           <a:p>
@@ -5866,19 +4010,19 @@
               <a:buChar char=""/>
             </a:pPr>
             <a:r>
-              <a:rPr b="0" lang="en-US" sz="2000" spc="-1" strike="noStrike">
-                <a:solidFill>
-                  <a:schemeClr val="dk1"/>
-                </a:solidFill>
-                <a:latin typeface="Calibri"/>
+              <a:rPr b="0" lang="en-US" sz="2800" spc="-1" strike="noStrike">
+                <a:solidFill>
+                  <a:srgbClr val="000000"/>
+                </a:solidFill>
+                <a:latin typeface="Arial"/>
               </a:rPr>
               <a:t>Second Outline Level</a:t>
             </a:r>
-            <a:endParaRPr b="0" lang="en-US" sz="2000" spc="-1" strike="noStrike">
+            <a:endParaRPr b="0" lang="en-US" sz="2800" spc="-1" strike="noStrike">
               <a:solidFill>
-                <a:schemeClr val="dk1"/>
+                <a:srgbClr val="000000"/>
               </a:solidFill>
-              <a:latin typeface="Calibri"/>
+              <a:latin typeface="Arial"/>
             </a:endParaRPr>
           </a:p>
           <a:p>
@@ -5894,19 +4038,19 @@
               <a:buChar char=""/>
             </a:pPr>
             <a:r>
-              <a:rPr b="0" lang="en-US" sz="1800" spc="-1" strike="noStrike">
-                <a:solidFill>
-                  <a:schemeClr val="dk1"/>
-                </a:solidFill>
-                <a:latin typeface="Calibri"/>
+              <a:rPr b="0" lang="en-US" sz="2400" spc="-1" strike="noStrike">
+                <a:solidFill>
+                  <a:srgbClr val="000000"/>
+                </a:solidFill>
+                <a:latin typeface="Arial"/>
               </a:rPr>
               <a:t>Third Outline Level</a:t>
             </a:r>
-            <a:endParaRPr b="0" lang="en-US" sz="1800" spc="-1" strike="noStrike">
+            <a:endParaRPr b="0" lang="en-US" sz="2400" spc="-1" strike="noStrike">
               <a:solidFill>
-                <a:schemeClr val="dk1"/>
+                <a:srgbClr val="000000"/>
               </a:solidFill>
-              <a:latin typeface="Calibri"/>
+              <a:latin typeface="Arial"/>
             </a:endParaRPr>
           </a:p>
           <a:p>
@@ -5924,17 +4068,17 @@
             <a:r>
               <a:rPr b="0" lang="en-US" sz="2000" spc="-1" strike="noStrike">
                 <a:solidFill>
-                  <a:schemeClr val="dk1"/>
-                </a:solidFill>
-                <a:latin typeface="Calibri"/>
+                  <a:srgbClr val="000000"/>
+                </a:solidFill>
+                <a:latin typeface="Arial"/>
               </a:rPr>
               <a:t>Fourth Outline Level</a:t>
             </a:r>
             <a:endParaRPr b="0" lang="en-US" sz="2000" spc="-1" strike="noStrike">
               <a:solidFill>
-                <a:schemeClr val="dk1"/>
+                <a:srgbClr val="000000"/>
               </a:solidFill>
-              <a:latin typeface="Calibri"/>
+              <a:latin typeface="Arial"/>
             </a:endParaRPr>
           </a:p>
           <a:p>
@@ -5952,17 +4096,17 @@
             <a:r>
               <a:rPr b="0" lang="en-US" sz="2000" spc="-1" strike="noStrike">
                 <a:solidFill>
-                  <a:schemeClr val="dk1"/>
-                </a:solidFill>
-                <a:latin typeface="Calibri"/>
+                  <a:srgbClr val="000000"/>
+                </a:solidFill>
+                <a:latin typeface="Arial"/>
               </a:rPr>
               <a:t>Fifth Outline Level</a:t>
             </a:r>
             <a:endParaRPr b="0" lang="en-US" sz="2000" spc="-1" strike="noStrike">
               <a:solidFill>
-                <a:schemeClr val="dk1"/>
+                <a:srgbClr val="000000"/>
               </a:solidFill>
-              <a:latin typeface="Calibri"/>
+              <a:latin typeface="Arial"/>
             </a:endParaRPr>
           </a:p>
           <a:p>
@@ -5980,17 +4124,17 @@
             <a:r>
               <a:rPr b="0" lang="en-US" sz="2000" spc="-1" strike="noStrike">
                 <a:solidFill>
-                  <a:schemeClr val="dk1"/>
-                </a:solidFill>
-                <a:latin typeface="Calibri"/>
+                  <a:srgbClr val="000000"/>
+                </a:solidFill>
+                <a:latin typeface="Arial"/>
               </a:rPr>
               <a:t>Sixth Outline Level</a:t>
             </a:r>
             <a:endParaRPr b="0" lang="en-US" sz="2000" spc="-1" strike="noStrike">
               <a:solidFill>
-                <a:schemeClr val="dk1"/>
+                <a:srgbClr val="000000"/>
               </a:solidFill>
-              <a:latin typeface="Calibri"/>
+              <a:latin typeface="Arial"/>
             </a:endParaRPr>
           </a:p>
           <a:p>
@@ -6008,17 +4152,17 @@
             <a:r>
               <a:rPr b="0" lang="en-US" sz="2000" spc="-1" strike="noStrike">
                 <a:solidFill>
-                  <a:schemeClr val="dk1"/>
-                </a:solidFill>
-                <a:latin typeface="Calibri"/>
+                  <a:srgbClr val="000000"/>
+                </a:solidFill>
+                <a:latin typeface="Arial"/>
               </a:rPr>
               <a:t>Seventh Outline Level</a:t>
             </a:r>
             <a:endParaRPr b="0" lang="en-US" sz="2000" spc="-1" strike="noStrike">
               <a:solidFill>
-                <a:schemeClr val="dk1"/>
+                <a:srgbClr val="000000"/>
               </a:solidFill>
-              <a:latin typeface="Calibri"/>
+              <a:latin typeface="Arial"/>
             </a:endParaRPr>
           </a:p>
         </p:txBody>
@@ -6058,14 +4202,14 @@
       </p:grpSpPr>
       <p:sp>
         <p:nvSpPr>
-          <p:cNvPr id="43" name="Textfeld 15"/>
+          <p:cNvPr id="40" name="Textfeld 15"/>
           <p:cNvSpPr/>
           <p:nvPr/>
         </p:nvSpPr>
         <p:spPr>
           <a:xfrm>
             <a:off x="8711280" y="4803840"/>
-            <a:ext cx="108720" cy="309240"/>
+            <a:ext cx="108000" cy="308520"/>
           </a:xfrm>
           <a:prstGeom prst="rect">
             <a:avLst/>
@@ -6111,7 +4255,7 @@
       </p:sp>
       <p:pic>
         <p:nvPicPr>
-          <p:cNvPr id="44" name="Εικόνα 2" descr=""/>
+          <p:cNvPr id="41" name="Εικόνα 2" descr=""/>
           <p:cNvPicPr/>
           <p:nvPr/>
         </p:nvPicPr>
@@ -6122,7 +4266,7 @@
         <p:spPr>
           <a:xfrm>
             <a:off x="7932960" y="0"/>
-            <a:ext cx="1203120" cy="1203120"/>
+            <a:ext cx="1202400" cy="1202400"/>
           </a:xfrm>
           <a:prstGeom prst="rect">
             <a:avLst/>
@@ -6134,28 +4278,28 @@
       </p:pic>
       <p:grpSp>
         <p:nvGrpSpPr>
-          <p:cNvPr id="45" name="Shape 52"/>
+          <p:cNvPr id="42" name="Shape 52"/>
           <p:cNvGrpSpPr/>
           <p:nvPr/>
         </p:nvGrpSpPr>
         <p:grpSpPr>
           <a:xfrm>
-            <a:off x="6172920" y="2656080"/>
-            <a:ext cx="2970720" cy="2886120"/>
-            <a:chOff x="6172920" y="2656080"/>
-            <a:chExt cx="2970720" cy="2886120"/>
+            <a:off x="6172200" y="2656080"/>
+            <a:ext cx="2970720" cy="2885760"/>
+            <a:chOff x="6172200" y="2656080"/>
+            <a:chExt cx="2970720" cy="2885760"/>
           </a:xfrm>
         </p:grpSpPr>
         <p:sp>
           <p:nvSpPr>
-            <p:cNvPr id="46" name="Shape 53"/>
+            <p:cNvPr id="43" name="Shape 53"/>
             <p:cNvSpPr/>
             <p:nvPr/>
           </p:nvSpPr>
           <p:spPr>
             <a:xfrm flipH="1" rot="9208200">
-              <a:off x="6704640" y="4110840"/>
-              <a:ext cx="483840" cy="1203480"/>
+              <a:off x="6704280" y="4111200"/>
+              <a:ext cx="483120" cy="1203120"/>
             </a:xfrm>
             <a:prstGeom prst="flowChartManualInput">
               <a:avLst/>
@@ -6174,7 +4318,7 @@
             <a:fontRef idx="minor"/>
           </p:style>
           <p:txBody>
-            <a:bodyPr tIns="91440" bIns="91440" anchor="ctr">
+            <a:bodyPr lIns="90000" rIns="90000" tIns="91440" bIns="91440" anchor="ctr">
               <a:noAutofit/>
             </a:bodyPr>
             <a:p>
@@ -6194,14 +4338,14 @@
         </p:sp>
         <p:sp>
           <p:nvSpPr>
-            <p:cNvPr id="47" name="Shape 54"/>
+            <p:cNvPr id="44" name="Shape 54"/>
             <p:cNvSpPr/>
             <p:nvPr/>
           </p:nvSpPr>
           <p:spPr>
             <a:xfrm flipH="1" rot="9208200">
-              <a:off x="7804080" y="3278880"/>
-              <a:ext cx="877320" cy="2181960"/>
+              <a:off x="7803000" y="3279240"/>
+              <a:ext cx="876960" cy="2181240"/>
             </a:xfrm>
             <a:prstGeom prst="flowChartManualInput">
               <a:avLst/>
@@ -6220,7 +4364,7 @@
             <a:fontRef idx="minor"/>
           </p:style>
           <p:txBody>
-            <a:bodyPr tIns="91440" bIns="91440" anchor="ctr">
+            <a:bodyPr lIns="90000" rIns="90000" tIns="91440" bIns="91440" anchor="ctr">
               <a:noAutofit/>
             </a:bodyPr>
             <a:p>
@@ -6240,14 +4384,14 @@
         </p:sp>
         <p:sp>
           <p:nvSpPr>
-            <p:cNvPr id="48" name="Shape 55"/>
+            <p:cNvPr id="45" name="Shape 55"/>
             <p:cNvSpPr/>
             <p:nvPr/>
           </p:nvSpPr>
           <p:spPr>
             <a:xfrm flipH="1" rot="9208200">
-              <a:off x="7481520" y="4277520"/>
-              <a:ext cx="408600" cy="1015920"/>
+              <a:off x="7479360" y="4278240"/>
+              <a:ext cx="408600" cy="1014840"/>
             </a:xfrm>
             <a:prstGeom prst="flowChartManualInput">
               <a:avLst/>
@@ -6266,7 +4410,7 @@
             <a:fontRef idx="minor"/>
           </p:style>
           <p:txBody>
-            <a:bodyPr tIns="91440" bIns="91440" anchor="ctr">
+            <a:bodyPr lIns="90000" rIns="90000" tIns="91440" bIns="91440" anchor="ctr">
               <a:noAutofit/>
             </a:bodyPr>
             <a:p>
@@ -6286,14 +4430,14 @@
         </p:sp>
         <p:sp>
           <p:nvSpPr>
-            <p:cNvPr id="49" name="Shape 56"/>
+            <p:cNvPr id="46" name="Shape 56"/>
             <p:cNvSpPr/>
             <p:nvPr/>
           </p:nvSpPr>
           <p:spPr>
             <a:xfrm flipH="1" rot="9208200">
-              <a:off x="6287760" y="4657680"/>
-              <a:ext cx="229320" cy="570960"/>
+              <a:off x="6287400" y="4658400"/>
+              <a:ext cx="228600" cy="570240"/>
             </a:xfrm>
             <a:prstGeom prst="flowChartManualInput">
               <a:avLst/>
@@ -6312,7 +4456,7 @@
             <a:fontRef idx="minor"/>
           </p:style>
           <p:txBody>
-            <a:bodyPr tIns="91440" bIns="91440" anchor="ctr">
+            <a:bodyPr lIns="90000" rIns="90000" tIns="91440" bIns="91440" anchor="ctr">
               <a:noAutofit/>
             </a:bodyPr>
             <a:p>
@@ -6332,20 +4476,25 @@
         </p:sp>
         <p:sp>
           <p:nvSpPr>
-            <p:cNvPr id="50" name="Shape 57"/>
+            <p:cNvPr id="47" name="Shape 57"/>
             <p:cNvSpPr/>
             <p:nvPr/>
           </p:nvSpPr>
           <p:spPr>
             <a:xfrm>
               <a:off x="8289360" y="2656080"/>
-              <a:ext cx="854280" cy="1928880"/>
+              <a:ext cx="853560" cy="1928160"/>
             </a:xfrm>
             <a:custGeom>
               <a:avLst/>
-              <a:gdLst/>
+              <a:gdLst>
+                <a:gd name="textAreaLeft" fmla="*/ 0 w 853560"/>
+                <a:gd name="textAreaRight" fmla="*/ 854280 w 853560"/>
+                <a:gd name="textAreaTop" fmla="*/ 0 h 1928160"/>
+                <a:gd name="textAreaBottom" fmla="*/ 1928880 h 1928160"/>
+              </a:gdLst>
               <a:ahLst/>
-              <a:rect l="l" t="t" r="r" b="b"/>
+              <a:rect l="textAreaLeft" t="textAreaTop" r="textAreaRight" b="textAreaBottom"/>
               <a:pathLst>
                 <a:path w="37596" h="84860">
                   <a:moveTo>
@@ -6382,6 +4531,11 @@
               <a:noAutofit/>
             </a:bodyPr>
             <a:p>
+              <a:pPr>
+                <a:lnSpc>
+                  <a:spcPct val="100000"/>
+                </a:lnSpc>
+              </a:pPr>
               <a:endParaRPr b="0" lang="en-US" sz="1800" spc="-1" strike="noStrike">
                 <a:solidFill>
                   <a:srgbClr val="ffffff"/>
@@ -6394,28 +4548,28 @@
       </p:grpSp>
       <p:grpSp>
         <p:nvGrpSpPr>
-          <p:cNvPr id="51" name="Shape 58"/>
+          <p:cNvPr id="48" name="Shape 58"/>
           <p:cNvGrpSpPr/>
           <p:nvPr/>
         </p:nvGrpSpPr>
         <p:grpSpPr>
           <a:xfrm>
-            <a:off x="360" y="-227880"/>
-            <a:ext cx="2162520" cy="1347480"/>
-            <a:chOff x="360" y="-227880"/>
-            <a:chExt cx="2162520" cy="1347480"/>
+            <a:off x="1080" y="-227160"/>
+            <a:ext cx="2159640" cy="1346040"/>
+            <a:chOff x="1080" y="-227160"/>
+            <a:chExt cx="2159640" cy="1346040"/>
           </a:xfrm>
         </p:grpSpPr>
         <p:sp>
           <p:nvSpPr>
-            <p:cNvPr id="52" name="Shape 59"/>
+            <p:cNvPr id="49" name="Shape 59"/>
             <p:cNvSpPr/>
             <p:nvPr/>
           </p:nvSpPr>
           <p:spPr>
             <a:xfrm flipH="1" rot="20008800">
-              <a:off x="1361160" y="-75240"/>
-              <a:ext cx="204840" cy="509760"/>
+              <a:off x="1360800" y="-74880"/>
+              <a:ext cx="204120" cy="509040"/>
             </a:xfrm>
             <a:prstGeom prst="flowChartManualInput">
               <a:avLst/>
@@ -6434,7 +4588,7 @@
             <a:fontRef idx="minor"/>
           </p:style>
           <p:txBody>
-            <a:bodyPr tIns="91440" bIns="91440" anchor="ctr">
+            <a:bodyPr lIns="90000" rIns="90000" tIns="91440" bIns="91440" anchor="ctr">
               <a:noAutofit/>
             </a:bodyPr>
             <a:p>
@@ -6454,14 +4608,14 @@
         </p:sp>
         <p:sp>
           <p:nvSpPr>
-            <p:cNvPr id="53" name="Shape 60"/>
+            <p:cNvPr id="50" name="Shape 60"/>
             <p:cNvSpPr/>
             <p:nvPr/>
           </p:nvSpPr>
           <p:spPr>
             <a:xfrm flipH="1" rot="20008800">
-              <a:off x="239400" y="-163800"/>
-              <a:ext cx="434520" cy="1080720"/>
+              <a:off x="238680" y="-163440"/>
+              <a:ext cx="433800" cy="1080360"/>
             </a:xfrm>
             <a:prstGeom prst="flowChartManualInput">
               <a:avLst/>
@@ -6480,7 +4634,7 @@
             <a:fontRef idx="minor"/>
           </p:style>
           <p:txBody>
-            <a:bodyPr tIns="91440" bIns="91440" anchor="ctr">
+            <a:bodyPr lIns="90000" rIns="90000" tIns="91440" bIns="91440" anchor="ctr">
               <a:noAutofit/>
             </a:bodyPr>
             <a:p>
@@ -6500,14 +4654,14 @@
         </p:sp>
         <p:sp>
           <p:nvSpPr>
-            <p:cNvPr id="54" name="Shape 61"/>
+            <p:cNvPr id="51" name="Shape 61"/>
             <p:cNvSpPr/>
             <p:nvPr/>
           </p:nvSpPr>
           <p:spPr>
             <a:xfrm flipH="1" rot="20008800">
-              <a:off x="892080" y="-181080"/>
-              <a:ext cx="504000" cy="1254240"/>
+              <a:off x="890280" y="-180720"/>
+              <a:ext cx="503280" cy="1253160"/>
             </a:xfrm>
             <a:prstGeom prst="flowChartManualInput">
               <a:avLst/>
@@ -6526,7 +4680,7 @@
             <a:fontRef idx="minor"/>
           </p:style>
           <p:txBody>
-            <a:bodyPr tIns="91440" bIns="91440" anchor="ctr">
+            <a:bodyPr lIns="90000" rIns="90000" tIns="91440" bIns="91440" anchor="ctr">
               <a:noAutofit/>
             </a:bodyPr>
             <a:p>
@@ -6546,14 +4700,14 @@
         </p:sp>
         <p:sp>
           <p:nvSpPr>
-            <p:cNvPr id="55" name="Shape 62"/>
+            <p:cNvPr id="52" name="Shape 62"/>
             <p:cNvSpPr/>
             <p:nvPr/>
           </p:nvSpPr>
           <p:spPr>
             <a:xfrm flipH="1" rot="20008800">
-              <a:off x="1817640" y="-88200"/>
-              <a:ext cx="229320" cy="570960"/>
+              <a:off x="1816560" y="-88200"/>
+              <a:ext cx="228600" cy="570240"/>
             </a:xfrm>
             <a:prstGeom prst="flowChartManualInput">
               <a:avLst/>
@@ -6572,7 +4726,7 @@
             <a:fontRef idx="minor"/>
           </p:style>
           <p:txBody>
-            <a:bodyPr tIns="91440" bIns="91440" anchor="ctr">
+            <a:bodyPr lIns="90000" rIns="90000" tIns="91440" bIns="91440" anchor="ctr">
               <a:noAutofit/>
             </a:bodyPr>
             <a:p>
@@ -6592,20 +4746,25 @@
         </p:sp>
         <p:sp>
           <p:nvSpPr>
-            <p:cNvPr id="56" name="Shape 63"/>
+            <p:cNvPr id="53" name="Shape 63"/>
             <p:cNvSpPr/>
             <p:nvPr/>
           </p:nvSpPr>
           <p:spPr>
             <a:xfrm rot="10800000">
-              <a:off x="360" y="59040"/>
-              <a:ext cx="379800" cy="857880"/>
+              <a:off x="1080" y="59760"/>
+              <a:ext cx="379080" cy="857160"/>
             </a:xfrm>
             <a:custGeom>
               <a:avLst/>
-              <a:gdLst/>
+              <a:gdLst>
+                <a:gd name="textAreaLeft" fmla="*/ 0 w 379080"/>
+                <a:gd name="textAreaRight" fmla="*/ 379800 w 379080"/>
+                <a:gd name="textAreaTop" fmla="*/ 0 h 857160"/>
+                <a:gd name="textAreaBottom" fmla="*/ 857880 h 857160"/>
+              </a:gdLst>
               <a:ahLst/>
-              <a:rect l="l" t="t" r="r" b="b"/>
+              <a:rect l="textAreaLeft" t="textAreaTop" r="textAreaRight" b="textAreaBottom"/>
               <a:pathLst>
                 <a:path w="37596" h="84860">
                   <a:moveTo>
@@ -6642,6 +4801,11 @@
               <a:noAutofit/>
             </a:bodyPr>
             <a:p>
+              <a:pPr>
+                <a:lnSpc>
+                  <a:spcPct val="100000"/>
+                </a:lnSpc>
+              </a:pPr>
               <a:endParaRPr b="0" lang="en-US" sz="1800" spc="-1" strike="noStrike">
                 <a:solidFill>
                   <a:srgbClr val="ffffff"/>
@@ -6654,7 +4818,7 @@
       </p:grpSp>
       <p:sp>
         <p:nvSpPr>
-          <p:cNvPr id="57" name="PlaceHolder 1"/>
+          <p:cNvPr id="54" name="PlaceHolder 1"/>
           <p:cNvSpPr>
             <a:spLocks noGrp="1"/>
           </p:cNvSpPr>
@@ -6664,8 +4828,8 @@
         </p:nvSpPr>
         <p:spPr>
           <a:xfrm>
-            <a:off x="1031400" y="1149840"/>
-            <a:ext cx="5760000" cy="680400"/>
+            <a:off x="457200" y="205200"/>
+            <a:ext cx="8228880" cy="858240"/>
           </a:xfrm>
           <a:prstGeom prst="rect">
             <a:avLst/>
@@ -6676,37 +4840,34 @@
           </a:ln>
         </p:spPr>
         <p:txBody>
-          <a:bodyPr lIns="91440" rIns="91440" tIns="91440" bIns="91440" anchor="b">
+          <a:bodyPr lIns="0" rIns="0" tIns="0" bIns="0" anchor="ctr">
             <a:noAutofit/>
           </a:bodyPr>
           <a:p>
-            <a:pPr indent="0" algn="ctr" defTabSz="914400">
-              <a:lnSpc>
-                <a:spcPct val="100000"/>
-              </a:lnSpc>
+            <a:pPr indent="0">
               <a:buNone/>
             </a:pPr>
             <a:r>
-              <a:rPr b="0" lang="en-US" sz="4400" spc="-1" strike="noStrike">
-                <a:solidFill>
-                  <a:schemeClr val="dk1"/>
-                </a:solidFill>
-                <a:latin typeface="Calibri"/>
+              <a:rPr b="0" lang="en-US" sz="1800" spc="-1" strike="noStrike">
+                <a:solidFill>
+                  <a:srgbClr val="000000"/>
+                </a:solidFill>
+                <a:latin typeface="Arial"/>
               </a:rPr>
-              <a:t>Click to edit Master title style</a:t>
+              <a:t>Click to edit the title text format</a:t>
             </a:r>
-            <a:endParaRPr b="0" lang="en-US" sz="4400" spc="-1" strike="noStrike">
+            <a:endParaRPr b="0" lang="en-US" sz="1800" spc="-1" strike="noStrike">
               <a:solidFill>
-                <a:schemeClr val="dk1"/>
+                <a:srgbClr val="000000"/>
               </a:solidFill>
-              <a:latin typeface="Calibri"/>
+              <a:latin typeface="Arial"/>
             </a:endParaRPr>
           </a:p>
         </p:txBody>
       </p:sp>
       <p:sp>
         <p:nvSpPr>
-          <p:cNvPr id="58" name="PlaceHolder 2"/>
+          <p:cNvPr id="55" name="PlaceHolder 2"/>
           <p:cNvSpPr>
             <a:spLocks noGrp="1"/>
           </p:cNvSpPr>
@@ -6716,8 +4877,8 @@
         </p:nvSpPr>
         <p:spPr>
           <a:xfrm>
-            <a:off x="1031400" y="1776960"/>
-            <a:ext cx="5760000" cy="2520720"/>
+            <a:off x="457200" y="1203480"/>
+            <a:ext cx="8228880" cy="2982600"/>
           </a:xfrm>
           <a:prstGeom prst="rect">
             <a:avLst/>
@@ -6728,33 +4889,203 @@
           </a:ln>
         </p:spPr>
         <p:txBody>
-          <a:bodyPr lIns="91440" rIns="91440" tIns="91440" bIns="91440" anchor="t">
-            <a:noAutofit/>
+          <a:bodyPr lIns="0" rIns="0" tIns="0" bIns="0" anchor="t">
+            <a:normAutofit/>
           </a:bodyPr>
           <a:p>
-            <a:pPr indent="0" defTabSz="914400">
-              <a:lnSpc>
-                <a:spcPct val="100000"/>
-              </a:lnSpc>
-              <a:buNone/>
-              <a:tabLst>
-                <a:tab algn="l" pos="0"/>
-              </a:tabLst>
+            <a:pPr marL="432000" indent="-324000">
+              <a:spcBef>
+                <a:spcPts val="1417"/>
+              </a:spcBef>
+              <a:buClr>
+                <a:srgbClr val="000000"/>
+              </a:buClr>
+              <a:buSzPct val="45000"/>
+              <a:buFont typeface="Wingdings" charset="2"/>
+              <a:buChar char=""/>
             </a:pPr>
             <a:r>
-              <a:rPr b="1" lang="en-US" sz="2400" spc="-1" strike="noStrike">
-                <a:solidFill>
-                  <a:srgbClr val="6e279d"/>
-                </a:solidFill>
-                <a:latin typeface="Calibri"/>
+              <a:rPr b="0" lang="en-US" sz="1800" spc="-1" strike="noStrike">
+                <a:solidFill>
+                  <a:srgbClr val="000000"/>
+                </a:solidFill>
+                <a:latin typeface="Arial"/>
               </a:rPr>
-              <a:t>Click to edit Master text styles</a:t>
+              <a:t>Click to edit the outline text format</a:t>
             </a:r>
-            <a:endParaRPr b="1" lang="en-US" sz="2400" spc="-1" strike="noStrike">
+            <a:endParaRPr b="0" lang="en-US" sz="1800" spc="-1" strike="noStrike">
               <a:solidFill>
-                <a:srgbClr val="6e279d"/>
+                <a:srgbClr val="000000"/>
               </a:solidFill>
-              <a:latin typeface="Calibri"/>
+              <a:latin typeface="Arial"/>
+            </a:endParaRPr>
+          </a:p>
+          <a:p>
+            <a:pPr lvl="1" marL="864000" indent="-324000">
+              <a:spcBef>
+                <a:spcPts val="1134"/>
+              </a:spcBef>
+              <a:buClr>
+                <a:srgbClr val="000000"/>
+              </a:buClr>
+              <a:buSzPct val="75000"/>
+              <a:buFont typeface="Symbol" charset="2"/>
+              <a:buChar char=""/>
+            </a:pPr>
+            <a:r>
+              <a:rPr b="0" lang="en-US" sz="1800" spc="-1" strike="noStrike">
+                <a:solidFill>
+                  <a:srgbClr val="000000"/>
+                </a:solidFill>
+                <a:latin typeface="Arial"/>
+              </a:rPr>
+              <a:t>Second Outline Level</a:t>
+            </a:r>
+            <a:endParaRPr b="0" lang="en-US" sz="1800" spc="-1" strike="noStrike">
+              <a:solidFill>
+                <a:srgbClr val="000000"/>
+              </a:solidFill>
+              <a:latin typeface="Arial"/>
+            </a:endParaRPr>
+          </a:p>
+          <a:p>
+            <a:pPr lvl="2" marL="1296000" indent="-288000">
+              <a:spcBef>
+                <a:spcPts val="850"/>
+              </a:spcBef>
+              <a:buClr>
+                <a:srgbClr val="000000"/>
+              </a:buClr>
+              <a:buSzPct val="45000"/>
+              <a:buFont typeface="Wingdings" charset="2"/>
+              <a:buChar char=""/>
+            </a:pPr>
+            <a:r>
+              <a:rPr b="0" lang="en-US" sz="1800" spc="-1" strike="noStrike">
+                <a:solidFill>
+                  <a:srgbClr val="000000"/>
+                </a:solidFill>
+                <a:latin typeface="Arial"/>
+              </a:rPr>
+              <a:t>Third Outline Level</a:t>
+            </a:r>
+            <a:endParaRPr b="0" lang="en-US" sz="1800" spc="-1" strike="noStrike">
+              <a:solidFill>
+                <a:srgbClr val="000000"/>
+              </a:solidFill>
+              <a:latin typeface="Arial"/>
+            </a:endParaRPr>
+          </a:p>
+          <a:p>
+            <a:pPr lvl="3" marL="1728000" indent="-216000">
+              <a:spcBef>
+                <a:spcPts val="567"/>
+              </a:spcBef>
+              <a:buClr>
+                <a:srgbClr val="000000"/>
+              </a:buClr>
+              <a:buSzPct val="75000"/>
+              <a:buFont typeface="Symbol" charset="2"/>
+              <a:buChar char=""/>
+            </a:pPr>
+            <a:r>
+              <a:rPr b="0" lang="en-US" sz="1800" spc="-1" strike="noStrike">
+                <a:solidFill>
+                  <a:srgbClr val="000000"/>
+                </a:solidFill>
+                <a:latin typeface="Arial"/>
+              </a:rPr>
+              <a:t>Fourth Outline Level</a:t>
+            </a:r>
+            <a:endParaRPr b="0" lang="en-US" sz="1800" spc="-1" strike="noStrike">
+              <a:solidFill>
+                <a:srgbClr val="000000"/>
+              </a:solidFill>
+              <a:latin typeface="Arial"/>
+            </a:endParaRPr>
+          </a:p>
+          <a:p>
+            <a:pPr lvl="4" marL="2160000" indent="-216000">
+              <a:spcBef>
+                <a:spcPts val="283"/>
+              </a:spcBef>
+              <a:buClr>
+                <a:srgbClr val="000000"/>
+              </a:buClr>
+              <a:buSzPct val="45000"/>
+              <a:buFont typeface="Wingdings" charset="2"/>
+              <a:buChar char=""/>
+            </a:pPr>
+            <a:r>
+              <a:rPr b="0" lang="en-US" sz="1800" spc="-1" strike="noStrike">
+                <a:solidFill>
+                  <a:srgbClr val="000000"/>
+                </a:solidFill>
+                <a:latin typeface="Arial"/>
+              </a:rPr>
+              <a:t>Fifth Outline Level</a:t>
+            </a:r>
+            <a:endParaRPr b="0" lang="en-US" sz="1800" spc="-1" strike="noStrike">
+              <a:solidFill>
+                <a:srgbClr val="000000"/>
+              </a:solidFill>
+              <a:latin typeface="Arial"/>
+            </a:endParaRPr>
+          </a:p>
+          <a:p>
+            <a:pPr lvl="5" marL="2592000" indent="-216000">
+              <a:spcBef>
+                <a:spcPts val="283"/>
+              </a:spcBef>
+              <a:buClr>
+                <a:srgbClr val="000000"/>
+              </a:buClr>
+              <a:buSzPct val="45000"/>
+              <a:buFont typeface="Wingdings" charset="2"/>
+              <a:buChar char=""/>
+            </a:pPr>
+            <a:r>
+              <a:rPr b="0" lang="en-US" sz="1800" spc="-1" strike="noStrike">
+                <a:solidFill>
+                  <a:srgbClr val="000000"/>
+                </a:solidFill>
+                <a:latin typeface="Arial"/>
+              </a:rPr>
+              <a:t>Sixth Outline Level</a:t>
+            </a:r>
+            <a:endParaRPr b="0" lang="en-US" sz="1800" spc="-1" strike="noStrike">
+              <a:solidFill>
+                <a:srgbClr val="000000"/>
+              </a:solidFill>
+              <a:latin typeface="Arial"/>
+            </a:endParaRPr>
+          </a:p>
+          <a:p>
+            <a:pPr lvl="6" marL="3024000" indent="-216000">
+              <a:spcBef>
+                <a:spcPts val="283"/>
+              </a:spcBef>
+              <a:buClr>
+                <a:srgbClr val="000000"/>
+              </a:buClr>
+              <a:buSzPct val="45000"/>
+              <a:buFont typeface="Wingdings" charset="2"/>
+              <a:buChar char=""/>
+            </a:pPr>
+            <a:r>
+              <a:rPr b="0" lang="en-US" sz="1800" spc="-1" strike="noStrike">
+                <a:solidFill>
+                  <a:srgbClr val="000000"/>
+                </a:solidFill>
+                <a:latin typeface="Arial"/>
+              </a:rPr>
+              <a:t>Seventh Outline Level</a:t>
+            </a:r>
+            <a:endParaRPr b="0" lang="en-US" sz="1800" spc="-1" strike="noStrike">
+              <a:solidFill>
+                <a:srgbClr val="000000"/>
+              </a:solidFill>
+              <a:latin typeface="Arial"/>
             </a:endParaRPr>
           </a:p>
         </p:txBody>
@@ -6794,14 +5125,14 @@
       </p:grpSpPr>
       <p:sp>
         <p:nvSpPr>
-          <p:cNvPr id="61" name="Textfeld 15"/>
+          <p:cNvPr id="58" name="Textfeld 15"/>
           <p:cNvSpPr/>
           <p:nvPr/>
         </p:nvSpPr>
         <p:spPr>
           <a:xfrm>
             <a:off x="8711280" y="4803840"/>
-            <a:ext cx="108720" cy="309240"/>
+            <a:ext cx="108000" cy="308520"/>
           </a:xfrm>
           <a:prstGeom prst="rect">
             <a:avLst/>
@@ -6847,7 +5178,7 @@
       </p:sp>
       <p:pic>
         <p:nvPicPr>
-          <p:cNvPr id="62" name="Εικόνα 2" descr=""/>
+          <p:cNvPr id="59" name="Εικόνα 2" descr=""/>
           <p:cNvPicPr/>
           <p:nvPr/>
         </p:nvPicPr>
@@ -6858,7 +5189,7 @@
         <p:spPr>
           <a:xfrm>
             <a:off x="7932960" y="0"/>
-            <a:ext cx="1203120" cy="1203120"/>
+            <a:ext cx="1202400" cy="1202400"/>
           </a:xfrm>
           <a:prstGeom prst="rect">
             <a:avLst/>
@@ -6870,28 +5201,28 @@
       </p:pic>
       <p:grpSp>
         <p:nvGrpSpPr>
-          <p:cNvPr id="63" name="Shape 83"/>
+          <p:cNvPr id="60" name="Shape 83"/>
           <p:cNvGrpSpPr/>
           <p:nvPr/>
         </p:nvGrpSpPr>
         <p:grpSpPr>
           <a:xfrm>
             <a:off x="6791400" y="3181680"/>
-            <a:ext cx="2351880" cy="2284200"/>
+            <a:ext cx="2351160" cy="2283480"/>
             <a:chOff x="6791400" y="3181680"/>
-            <a:chExt cx="2351880" cy="2284200"/>
+            <a:chExt cx="2351160" cy="2283480"/>
           </a:xfrm>
         </p:grpSpPr>
         <p:sp>
           <p:nvSpPr>
-            <p:cNvPr id="64" name="Shape 84"/>
+            <p:cNvPr id="61" name="Shape 84"/>
             <p:cNvSpPr/>
             <p:nvPr/>
           </p:nvSpPr>
           <p:spPr>
             <a:xfrm flipH="1" rot="9208200">
-              <a:off x="7212240" y="4332960"/>
-              <a:ext cx="383040" cy="952560"/>
+              <a:off x="7212240" y="4333320"/>
+              <a:ext cx="382320" cy="951480"/>
             </a:xfrm>
             <a:prstGeom prst="flowChartManualInput">
               <a:avLst/>
@@ -6910,7 +5241,7 @@
             <a:fontRef idx="minor"/>
           </p:style>
           <p:txBody>
-            <a:bodyPr tIns="91440" bIns="91440" anchor="ctr">
+            <a:bodyPr lIns="90000" rIns="90000" tIns="91440" bIns="91440" anchor="ctr">
               <a:noAutofit/>
             </a:bodyPr>
             <a:p>
@@ -6930,14 +5261,14 @@
         </p:sp>
         <p:sp>
           <p:nvSpPr>
-            <p:cNvPr id="65" name="Shape 85"/>
+            <p:cNvPr id="62" name="Shape 85"/>
             <p:cNvSpPr/>
             <p:nvPr/>
           </p:nvSpPr>
           <p:spPr>
             <a:xfrm flipH="1" rot="9208200">
-              <a:off x="8083440" y="3674160"/>
-              <a:ext cx="694440" cy="1727280"/>
+              <a:off x="8083080" y="3674520"/>
+              <a:ext cx="693720" cy="1726560"/>
             </a:xfrm>
             <a:prstGeom prst="flowChartManualInput">
               <a:avLst/>
@@ -6956,7 +5287,7 @@
             <a:fontRef idx="minor"/>
           </p:style>
           <p:txBody>
-            <a:bodyPr tIns="91440" bIns="91440" anchor="ctr">
+            <a:bodyPr lIns="90000" rIns="90000" tIns="91440" bIns="91440" anchor="ctr">
               <a:noAutofit/>
             </a:bodyPr>
             <a:p>
@@ -6976,14 +5307,14 @@
         </p:sp>
         <p:sp>
           <p:nvSpPr>
-            <p:cNvPr id="66" name="Shape 86"/>
+            <p:cNvPr id="63" name="Shape 86"/>
             <p:cNvSpPr/>
             <p:nvPr/>
           </p:nvSpPr>
           <p:spPr>
             <a:xfrm flipH="1" rot="9208200">
-              <a:off x="7827840" y="4464720"/>
-              <a:ext cx="323280" cy="804240"/>
+              <a:off x="7826040" y="4465080"/>
+              <a:ext cx="323280" cy="803520"/>
             </a:xfrm>
             <a:prstGeom prst="flowChartManualInput">
               <a:avLst/>
@@ -7002,7 +5333,7 @@
             <a:fontRef idx="minor"/>
           </p:style>
           <p:txBody>
-            <a:bodyPr tIns="91440" bIns="91440" anchor="ctr">
+            <a:bodyPr lIns="90000" rIns="90000" tIns="91440" bIns="91440" anchor="ctr">
               <a:noAutofit/>
             </a:bodyPr>
             <a:p>
@@ -7022,14 +5353,14 @@
         </p:sp>
         <p:sp>
           <p:nvSpPr>
-            <p:cNvPr id="67" name="Shape 87"/>
+            <p:cNvPr id="64" name="Shape 87"/>
             <p:cNvSpPr/>
             <p:nvPr/>
           </p:nvSpPr>
           <p:spPr>
             <a:xfrm flipH="1" rot="9208200">
-              <a:off x="6882120" y="4766400"/>
-              <a:ext cx="181440" cy="451440"/>
+              <a:off x="6882120" y="4766760"/>
+              <a:ext cx="180720" cy="450720"/>
             </a:xfrm>
             <a:prstGeom prst="flowChartManualInput">
               <a:avLst/>
@@ -7048,7 +5379,7 @@
             <a:fontRef idx="minor"/>
           </p:style>
           <p:txBody>
-            <a:bodyPr tIns="91440" bIns="91440" anchor="ctr">
+            <a:bodyPr lIns="90000" rIns="90000" tIns="91440" bIns="91440" anchor="ctr">
               <a:noAutofit/>
             </a:bodyPr>
             <a:p>
@@ -7068,20 +5399,25 @@
         </p:sp>
         <p:sp>
           <p:nvSpPr>
-            <p:cNvPr id="68" name="Shape 88"/>
+            <p:cNvPr id="65" name="Shape 88"/>
             <p:cNvSpPr/>
             <p:nvPr/>
           </p:nvSpPr>
           <p:spPr>
             <a:xfrm>
               <a:off x="8467200" y="3181680"/>
-              <a:ext cx="676080" cy="1526400"/>
+              <a:ext cx="675360" cy="1525680"/>
             </a:xfrm>
             <a:custGeom>
               <a:avLst/>
-              <a:gdLst/>
+              <a:gdLst>
+                <a:gd name="textAreaLeft" fmla="*/ 0 w 675360"/>
+                <a:gd name="textAreaRight" fmla="*/ 676080 w 675360"/>
+                <a:gd name="textAreaTop" fmla="*/ 0 h 1525680"/>
+                <a:gd name="textAreaBottom" fmla="*/ 1526400 h 1525680"/>
+              </a:gdLst>
               <a:ahLst/>
-              <a:rect l="l" t="t" r="r" b="b"/>
+              <a:rect l="textAreaLeft" t="textAreaTop" r="textAreaRight" b="textAreaBottom"/>
               <a:pathLst>
                 <a:path w="37596" h="84860">
                   <a:moveTo>
@@ -7118,6 +5454,11 @@
               <a:noAutofit/>
             </a:bodyPr>
             <a:p>
+              <a:pPr>
+                <a:lnSpc>
+                  <a:spcPct val="100000"/>
+                </a:lnSpc>
+              </a:pPr>
               <a:endParaRPr b="0" lang="en-US" sz="1800" spc="-1" strike="noStrike">
                 <a:solidFill>
                   <a:srgbClr val="ffffff"/>
@@ -7130,28 +5471,28 @@
       </p:grpSp>
       <p:grpSp>
         <p:nvGrpSpPr>
-          <p:cNvPr id="69" name="Shape 89"/>
+          <p:cNvPr id="66" name="Shape 89"/>
           <p:cNvGrpSpPr/>
           <p:nvPr/>
         </p:nvGrpSpPr>
         <p:grpSpPr>
           <a:xfrm>
-            <a:off x="360" y="-227880"/>
-            <a:ext cx="2162520" cy="1347480"/>
-            <a:chOff x="360" y="-227880"/>
-            <a:chExt cx="2162520" cy="1347480"/>
+            <a:off x="1080" y="-227160"/>
+            <a:ext cx="2159640" cy="1346040"/>
+            <a:chOff x="1080" y="-227160"/>
+            <a:chExt cx="2159640" cy="1346040"/>
           </a:xfrm>
         </p:grpSpPr>
         <p:sp>
           <p:nvSpPr>
-            <p:cNvPr id="70" name="Shape 90"/>
+            <p:cNvPr id="67" name="Shape 90"/>
             <p:cNvSpPr/>
             <p:nvPr/>
           </p:nvSpPr>
           <p:spPr>
             <a:xfrm flipH="1" rot="20008800">
-              <a:off x="1361160" y="-75240"/>
-              <a:ext cx="204840" cy="509760"/>
+              <a:off x="1360800" y="-74880"/>
+              <a:ext cx="204120" cy="509040"/>
             </a:xfrm>
             <a:prstGeom prst="flowChartManualInput">
               <a:avLst/>
@@ -7170,7 +5511,7 @@
             <a:fontRef idx="minor"/>
           </p:style>
           <p:txBody>
-            <a:bodyPr tIns="91440" bIns="91440" anchor="ctr">
+            <a:bodyPr lIns="90000" rIns="90000" tIns="91440" bIns="91440" anchor="ctr">
               <a:noAutofit/>
             </a:bodyPr>
             <a:p>
@@ -7190,14 +5531,14 @@
         </p:sp>
         <p:sp>
           <p:nvSpPr>
-            <p:cNvPr id="71" name="Shape 91"/>
+            <p:cNvPr id="68" name="Shape 91"/>
             <p:cNvSpPr/>
             <p:nvPr/>
           </p:nvSpPr>
           <p:spPr>
             <a:xfrm flipH="1" rot="20008800">
-              <a:off x="239400" y="-163800"/>
-              <a:ext cx="434520" cy="1080720"/>
+              <a:off x="238680" y="-163440"/>
+              <a:ext cx="433800" cy="1080360"/>
             </a:xfrm>
             <a:prstGeom prst="flowChartManualInput">
               <a:avLst/>
@@ -7216,7 +5557,7 @@
             <a:fontRef idx="minor"/>
           </p:style>
           <p:txBody>
-            <a:bodyPr tIns="91440" bIns="91440" anchor="ctr">
+            <a:bodyPr lIns="90000" rIns="90000" tIns="91440" bIns="91440" anchor="ctr">
               <a:noAutofit/>
             </a:bodyPr>
             <a:p>
@@ -7236,14 +5577,14 @@
         </p:sp>
         <p:sp>
           <p:nvSpPr>
-            <p:cNvPr id="72" name="Shape 92"/>
+            <p:cNvPr id="69" name="Shape 92"/>
             <p:cNvSpPr/>
             <p:nvPr/>
           </p:nvSpPr>
           <p:spPr>
             <a:xfrm flipH="1" rot="20008800">
-              <a:off x="892080" y="-181080"/>
-              <a:ext cx="504000" cy="1254240"/>
+              <a:off x="890280" y="-180720"/>
+              <a:ext cx="503280" cy="1253160"/>
             </a:xfrm>
             <a:prstGeom prst="flowChartManualInput">
               <a:avLst/>
@@ -7262,7 +5603,7 @@
             <a:fontRef idx="minor"/>
           </p:style>
           <p:txBody>
-            <a:bodyPr tIns="91440" bIns="91440" anchor="ctr">
+            <a:bodyPr lIns="90000" rIns="90000" tIns="91440" bIns="91440" anchor="ctr">
               <a:noAutofit/>
             </a:bodyPr>
             <a:p>
@@ -7282,14 +5623,14 @@
         </p:sp>
         <p:sp>
           <p:nvSpPr>
-            <p:cNvPr id="73" name="Shape 93"/>
+            <p:cNvPr id="70" name="Shape 93"/>
             <p:cNvSpPr/>
             <p:nvPr/>
           </p:nvSpPr>
           <p:spPr>
             <a:xfrm flipH="1" rot="20008800">
-              <a:off x="1817640" y="-88200"/>
-              <a:ext cx="229320" cy="570960"/>
+              <a:off x="1816560" y="-88200"/>
+              <a:ext cx="228600" cy="570240"/>
             </a:xfrm>
             <a:prstGeom prst="flowChartManualInput">
               <a:avLst/>
@@ -7308,7 +5649,7 @@
             <a:fontRef idx="minor"/>
           </p:style>
           <p:txBody>
-            <a:bodyPr tIns="91440" bIns="91440" anchor="ctr">
+            <a:bodyPr lIns="90000" rIns="90000" tIns="91440" bIns="91440" anchor="ctr">
               <a:noAutofit/>
             </a:bodyPr>
             <a:p>
@@ -7328,20 +5669,25 @@
         </p:sp>
         <p:sp>
           <p:nvSpPr>
-            <p:cNvPr id="74" name="Shape 94"/>
+            <p:cNvPr id="71" name="Shape 94"/>
             <p:cNvSpPr/>
             <p:nvPr/>
           </p:nvSpPr>
           <p:spPr>
             <a:xfrm rot="10800000">
-              <a:off x="360" y="59040"/>
-              <a:ext cx="379800" cy="857880"/>
+              <a:off x="1080" y="59760"/>
+              <a:ext cx="379080" cy="857160"/>
             </a:xfrm>
             <a:custGeom>
               <a:avLst/>
-              <a:gdLst/>
+              <a:gdLst>
+                <a:gd name="textAreaLeft" fmla="*/ 0 w 379080"/>
+                <a:gd name="textAreaRight" fmla="*/ 379800 w 379080"/>
+                <a:gd name="textAreaTop" fmla="*/ 0 h 857160"/>
+                <a:gd name="textAreaBottom" fmla="*/ 857880 h 857160"/>
+              </a:gdLst>
               <a:ahLst/>
-              <a:rect l="l" t="t" r="r" b="b"/>
+              <a:rect l="textAreaLeft" t="textAreaTop" r="textAreaRight" b="textAreaBottom"/>
               <a:pathLst>
                 <a:path w="37596" h="84860">
                   <a:moveTo>
@@ -7378,6 +5724,11 @@
               <a:noAutofit/>
             </a:bodyPr>
             <a:p>
+              <a:pPr>
+                <a:lnSpc>
+                  <a:spcPct val="100000"/>
+                </a:lnSpc>
+              </a:pPr>
               <a:endParaRPr b="0" lang="en-US" sz="1800" spc="-1" strike="noStrike">
                 <a:solidFill>
                   <a:srgbClr val="ffffff"/>
@@ -7388,223 +5739,6 @@
           </p:txBody>
         </p:sp>
       </p:grpSp>
-      <p:sp>
-        <p:nvSpPr>
-          <p:cNvPr id="75" name="PlaceHolder 1"/>
-          <p:cNvSpPr>
-            <a:spLocks noGrp="1"/>
-          </p:cNvSpPr>
-          <p:nvPr>
-            <p:ph type="title"/>
-          </p:nvPr>
-        </p:nvSpPr>
-        <p:spPr>
-          <a:xfrm>
-            <a:off x="1031400" y="1149840"/>
-            <a:ext cx="6320520" cy="680400"/>
-          </a:xfrm>
-          <a:prstGeom prst="rect">
-            <a:avLst/>
-          </a:prstGeom>
-          <a:noFill/>
-          <a:ln w="0">
-            <a:noFill/>
-          </a:ln>
-        </p:spPr>
-        <p:txBody>
-          <a:bodyPr lIns="91440" rIns="91440" tIns="91440" bIns="91440" anchor="b">
-            <a:noAutofit/>
-          </a:bodyPr>
-          <a:p>
-            <a:pPr indent="0" algn="ctr" defTabSz="914400">
-              <a:lnSpc>
-                <a:spcPct val="100000"/>
-              </a:lnSpc>
-              <a:buNone/>
-            </a:pPr>
-            <a:r>
-              <a:rPr b="0" lang="en-US" sz="4400" spc="-1" strike="noStrike">
-                <a:solidFill>
-                  <a:schemeClr val="dk1"/>
-                </a:solidFill>
-                <a:latin typeface="Calibri"/>
-              </a:rPr>
-              <a:t>Click to edit Master title style</a:t>
-            </a:r>
-            <a:endParaRPr b="0" lang="en-US" sz="4400" spc="-1" strike="noStrike">
-              <a:solidFill>
-                <a:schemeClr val="dk1"/>
-              </a:solidFill>
-              <a:latin typeface="Calibri"/>
-            </a:endParaRPr>
-          </a:p>
-        </p:txBody>
-      </p:sp>
-      <p:sp>
-        <p:nvSpPr>
-          <p:cNvPr id="76" name="PlaceHolder 2"/>
-          <p:cNvSpPr>
-            <a:spLocks noGrp="1"/>
-          </p:cNvSpPr>
-          <p:nvPr>
-            <p:ph type="body"/>
-          </p:nvPr>
-        </p:nvSpPr>
-        <p:spPr>
-          <a:xfrm>
-            <a:off x="1031400" y="1830600"/>
-            <a:ext cx="2037240" cy="3094920"/>
-          </a:xfrm>
-          <a:prstGeom prst="rect">
-            <a:avLst/>
-          </a:prstGeom>
-          <a:noFill/>
-          <a:ln w="0">
-            <a:noFill/>
-          </a:ln>
-        </p:spPr>
-        <p:txBody>
-          <a:bodyPr lIns="91440" rIns="91440" tIns="91440" bIns="91440" anchor="t">
-            <a:noAutofit/>
-          </a:bodyPr>
-          <a:p>
-            <a:pPr indent="0" defTabSz="914400">
-              <a:lnSpc>
-                <a:spcPct val="100000"/>
-              </a:lnSpc>
-              <a:buNone/>
-              <a:tabLst>
-                <a:tab algn="l" pos="0"/>
-              </a:tabLst>
-            </a:pPr>
-            <a:r>
-              <a:rPr b="1" lang="en-US" sz="1600" spc="-1" strike="noStrike">
-                <a:solidFill>
-                  <a:srgbClr val="6e279d"/>
-                </a:solidFill>
-                <a:latin typeface="Calibri"/>
-              </a:rPr>
-              <a:t>Click to edit Master text styles</a:t>
-            </a:r>
-            <a:endParaRPr b="1" lang="en-US" sz="1600" spc="-1" strike="noStrike">
-              <a:solidFill>
-                <a:srgbClr val="6e279d"/>
-              </a:solidFill>
-              <a:latin typeface="Calibri"/>
-            </a:endParaRPr>
-          </a:p>
-        </p:txBody>
-      </p:sp>
-      <p:sp>
-        <p:nvSpPr>
-          <p:cNvPr id="77" name="PlaceHolder 3"/>
-          <p:cNvSpPr>
-            <a:spLocks noGrp="1"/>
-          </p:cNvSpPr>
-          <p:nvPr>
-            <p:ph type="body"/>
-          </p:nvPr>
-        </p:nvSpPr>
-        <p:spPr>
-          <a:xfrm>
-            <a:off x="3173400" y="1830600"/>
-            <a:ext cx="2037240" cy="3094920"/>
-          </a:xfrm>
-          <a:prstGeom prst="rect">
-            <a:avLst/>
-          </a:prstGeom>
-          <a:noFill/>
-          <a:ln w="0">
-            <a:noFill/>
-          </a:ln>
-        </p:spPr>
-        <p:txBody>
-          <a:bodyPr lIns="91440" rIns="91440" tIns="91440" bIns="91440" anchor="t">
-            <a:noAutofit/>
-          </a:bodyPr>
-          <a:p>
-            <a:pPr indent="0" defTabSz="914400">
-              <a:lnSpc>
-                <a:spcPct val="100000"/>
-              </a:lnSpc>
-              <a:buNone/>
-              <a:tabLst>
-                <a:tab algn="l" pos="0"/>
-              </a:tabLst>
-            </a:pPr>
-            <a:r>
-              <a:rPr b="1" lang="en-US" sz="1600" spc="-1" strike="noStrike">
-                <a:solidFill>
-                  <a:srgbClr val="6e279d"/>
-                </a:solidFill>
-                <a:latin typeface="Calibri"/>
-              </a:rPr>
-              <a:t>Click to edit Master text styles</a:t>
-            </a:r>
-            <a:endParaRPr b="1" lang="en-US" sz="1600" spc="-1" strike="noStrike">
-              <a:solidFill>
-                <a:srgbClr val="6e279d"/>
-              </a:solidFill>
-              <a:latin typeface="Calibri"/>
-            </a:endParaRPr>
-          </a:p>
-        </p:txBody>
-      </p:sp>
-      <p:sp>
-        <p:nvSpPr>
-          <p:cNvPr id="78" name="PlaceHolder 4"/>
-          <p:cNvSpPr>
-            <a:spLocks noGrp="1"/>
-          </p:cNvSpPr>
-          <p:nvPr>
-            <p:ph type="body"/>
-          </p:nvPr>
-        </p:nvSpPr>
-        <p:spPr>
-          <a:xfrm>
-            <a:off x="5315040" y="1830600"/>
-            <a:ext cx="2037240" cy="3094920"/>
-          </a:xfrm>
-          <a:prstGeom prst="rect">
-            <a:avLst/>
-          </a:prstGeom>
-          <a:noFill/>
-          <a:ln w="0">
-            <a:noFill/>
-          </a:ln>
-        </p:spPr>
-        <p:txBody>
-          <a:bodyPr lIns="91440" rIns="91440" tIns="91440" bIns="91440" anchor="t">
-            <a:noAutofit/>
-          </a:bodyPr>
-          <a:p>
-            <a:pPr indent="0" defTabSz="914400">
-              <a:lnSpc>
-                <a:spcPct val="100000"/>
-              </a:lnSpc>
-              <a:buNone/>
-              <a:tabLst>
-                <a:tab algn="l" pos="0"/>
-              </a:tabLst>
-            </a:pPr>
-            <a:r>
-              <a:rPr b="1" lang="en-US" sz="1600" spc="-1" strike="noStrike">
-                <a:solidFill>
-                  <a:srgbClr val="6e279d"/>
-                </a:solidFill>
-                <a:latin typeface="Calibri"/>
-              </a:rPr>
-              <a:t>Click to edit Master text styles</a:t>
-            </a:r>
-            <a:endParaRPr b="1" lang="en-US" sz="1600" spc="-1" strike="noStrike">
-              <a:solidFill>
-                <a:srgbClr val="6e279d"/>
-              </a:solidFill>
-              <a:latin typeface="Calibri"/>
-            </a:endParaRPr>
-          </a:p>
-        </p:txBody>
-      </p:sp>
     </p:spTree>
   </p:cSld>
   <p:clrMap bg1="lt1" bg2="lt2" tx1="dk1" tx2="dk2" accent1="accent1" accent2="accent2" accent3="accent3" accent4="accent4" accent5="accent5" accent6="accent6" hlink="hlink" folHlink="folHlink"/>
@@ -7640,14 +5774,14 @@
       </p:grpSpPr>
       <p:sp>
         <p:nvSpPr>
-          <p:cNvPr id="79" name="Textfeld 15"/>
+          <p:cNvPr id="72" name="Textfeld 15"/>
           <p:cNvSpPr/>
           <p:nvPr/>
         </p:nvSpPr>
         <p:spPr>
           <a:xfrm>
             <a:off x="8711280" y="4803840"/>
-            <a:ext cx="108720" cy="309240"/>
+            <a:ext cx="108000" cy="308520"/>
           </a:xfrm>
           <a:prstGeom prst="rect">
             <a:avLst/>
@@ -7693,7 +5827,7 @@
       </p:sp>
       <p:pic>
         <p:nvPicPr>
-          <p:cNvPr id="80" name="Εικόνα 2" descr=""/>
+          <p:cNvPr id="73" name="Εικόνα 2" descr=""/>
           <p:cNvPicPr/>
           <p:nvPr/>
         </p:nvPicPr>
@@ -7704,7 +5838,7 @@
         <p:spPr>
           <a:xfrm>
             <a:off x="7932960" y="0"/>
-            <a:ext cx="1203120" cy="1203120"/>
+            <a:ext cx="1202400" cy="1202400"/>
           </a:xfrm>
           <a:prstGeom prst="rect">
             <a:avLst/>
@@ -7716,12 +5850,286 @@
       </p:pic>
       <p:sp>
         <p:nvSpPr>
-          <p:cNvPr id="81" name="PlaceHolder 1"/>
+          <p:cNvPr id="74" name="PlaceHolder 1"/>
           <p:cNvSpPr>
             <a:spLocks noGrp="1"/>
           </p:cNvSpPr>
           <p:nvPr>
             <p:ph type="title"/>
+          </p:nvPr>
+        </p:nvSpPr>
+        <p:spPr>
+          <a:xfrm>
+            <a:off x="457200" y="205200"/>
+            <a:ext cx="8228880" cy="858240"/>
+          </a:xfrm>
+          <a:prstGeom prst="rect">
+            <a:avLst/>
+          </a:prstGeom>
+          <a:noFill/>
+          <a:ln w="0">
+            <a:noFill/>
+          </a:ln>
+        </p:spPr>
+        <p:txBody>
+          <a:bodyPr lIns="0" rIns="0" tIns="0" bIns="0" anchor="ctr">
+            <a:noAutofit/>
+          </a:bodyPr>
+          <a:p>
+            <a:pPr indent="0">
+              <a:buNone/>
+            </a:pPr>
+            <a:r>
+              <a:rPr b="0" lang="en-US" sz="1800" spc="-1" strike="noStrike">
+                <a:solidFill>
+                  <a:srgbClr val="000000"/>
+                </a:solidFill>
+                <a:latin typeface="Arial"/>
+              </a:rPr>
+              <a:t>Click to edit the title text format</a:t>
+            </a:r>
+            <a:endParaRPr b="0" lang="en-US" sz="1800" spc="-1" strike="noStrike">
+              <a:solidFill>
+                <a:srgbClr val="000000"/>
+              </a:solidFill>
+              <a:latin typeface="Arial"/>
+            </a:endParaRPr>
+          </a:p>
+        </p:txBody>
+      </p:sp>
+      <p:sp>
+        <p:nvSpPr>
+          <p:cNvPr id="75" name="PlaceHolder 2"/>
+          <p:cNvSpPr>
+            <a:spLocks noGrp="1"/>
+          </p:cNvSpPr>
+          <p:nvPr>
+            <p:ph type="body"/>
+          </p:nvPr>
+        </p:nvSpPr>
+        <p:spPr>
+          <a:xfrm>
+            <a:off x="457200" y="1203480"/>
+            <a:ext cx="8228880" cy="2982600"/>
+          </a:xfrm>
+          <a:prstGeom prst="rect">
+            <a:avLst/>
+          </a:prstGeom>
+          <a:noFill/>
+          <a:ln w="0">
+            <a:noFill/>
+          </a:ln>
+        </p:spPr>
+        <p:txBody>
+          <a:bodyPr lIns="0" rIns="0" tIns="0" bIns="0" anchor="t">
+            <a:normAutofit/>
+          </a:bodyPr>
+          <a:p>
+            <a:pPr marL="432000" indent="-324000">
+              <a:spcBef>
+                <a:spcPts val="1417"/>
+              </a:spcBef>
+              <a:buClr>
+                <a:srgbClr val="000000"/>
+              </a:buClr>
+              <a:buSzPct val="45000"/>
+              <a:buFont typeface="Wingdings" charset="2"/>
+              <a:buChar char=""/>
+            </a:pPr>
+            <a:r>
+              <a:rPr b="0" lang="en-US" sz="1800" spc="-1" strike="noStrike">
+                <a:solidFill>
+                  <a:srgbClr val="000000"/>
+                </a:solidFill>
+                <a:latin typeface="Arial"/>
+              </a:rPr>
+              <a:t>Click to edit the outline text format</a:t>
+            </a:r>
+            <a:endParaRPr b="0" lang="en-US" sz="1800" spc="-1" strike="noStrike">
+              <a:solidFill>
+                <a:srgbClr val="000000"/>
+              </a:solidFill>
+              <a:latin typeface="Arial"/>
+            </a:endParaRPr>
+          </a:p>
+          <a:p>
+            <a:pPr lvl="1" marL="864000" indent="-324000">
+              <a:spcBef>
+                <a:spcPts val="1134"/>
+              </a:spcBef>
+              <a:buClr>
+                <a:srgbClr val="000000"/>
+              </a:buClr>
+              <a:buSzPct val="75000"/>
+              <a:buFont typeface="Symbol" charset="2"/>
+              <a:buChar char=""/>
+            </a:pPr>
+            <a:r>
+              <a:rPr b="0" lang="en-US" sz="1800" spc="-1" strike="noStrike">
+                <a:solidFill>
+                  <a:srgbClr val="000000"/>
+                </a:solidFill>
+                <a:latin typeface="Arial"/>
+              </a:rPr>
+              <a:t>Second Outline Level</a:t>
+            </a:r>
+            <a:endParaRPr b="0" lang="en-US" sz="1800" spc="-1" strike="noStrike">
+              <a:solidFill>
+                <a:srgbClr val="000000"/>
+              </a:solidFill>
+              <a:latin typeface="Arial"/>
+            </a:endParaRPr>
+          </a:p>
+          <a:p>
+            <a:pPr lvl="2" marL="1296000" indent="-288000">
+              <a:spcBef>
+                <a:spcPts val="850"/>
+              </a:spcBef>
+              <a:buClr>
+                <a:srgbClr val="000000"/>
+              </a:buClr>
+              <a:buSzPct val="45000"/>
+              <a:buFont typeface="Wingdings" charset="2"/>
+              <a:buChar char=""/>
+            </a:pPr>
+            <a:r>
+              <a:rPr b="0" lang="en-US" sz="1800" spc="-1" strike="noStrike">
+                <a:solidFill>
+                  <a:srgbClr val="000000"/>
+                </a:solidFill>
+                <a:latin typeface="Arial"/>
+              </a:rPr>
+              <a:t>Third Outline Level</a:t>
+            </a:r>
+            <a:endParaRPr b="0" lang="en-US" sz="1800" spc="-1" strike="noStrike">
+              <a:solidFill>
+                <a:srgbClr val="000000"/>
+              </a:solidFill>
+              <a:latin typeface="Arial"/>
+            </a:endParaRPr>
+          </a:p>
+          <a:p>
+            <a:pPr lvl="3" marL="1728000" indent="-216000">
+              <a:spcBef>
+                <a:spcPts val="567"/>
+              </a:spcBef>
+              <a:buClr>
+                <a:srgbClr val="000000"/>
+              </a:buClr>
+              <a:buSzPct val="75000"/>
+              <a:buFont typeface="Symbol" charset="2"/>
+              <a:buChar char=""/>
+            </a:pPr>
+            <a:r>
+              <a:rPr b="0" lang="en-US" sz="1800" spc="-1" strike="noStrike">
+                <a:solidFill>
+                  <a:srgbClr val="000000"/>
+                </a:solidFill>
+                <a:latin typeface="Arial"/>
+              </a:rPr>
+              <a:t>Fourth Outline Level</a:t>
+            </a:r>
+            <a:endParaRPr b="0" lang="en-US" sz="1800" spc="-1" strike="noStrike">
+              <a:solidFill>
+                <a:srgbClr val="000000"/>
+              </a:solidFill>
+              <a:latin typeface="Arial"/>
+            </a:endParaRPr>
+          </a:p>
+          <a:p>
+            <a:pPr lvl="4" marL="2160000" indent="-216000">
+              <a:spcBef>
+                <a:spcPts val="283"/>
+              </a:spcBef>
+              <a:buClr>
+                <a:srgbClr val="000000"/>
+              </a:buClr>
+              <a:buSzPct val="45000"/>
+              <a:buFont typeface="Wingdings" charset="2"/>
+              <a:buChar char=""/>
+            </a:pPr>
+            <a:r>
+              <a:rPr b="0" lang="en-US" sz="1800" spc="-1" strike="noStrike">
+                <a:solidFill>
+                  <a:srgbClr val="000000"/>
+                </a:solidFill>
+                <a:latin typeface="Arial"/>
+              </a:rPr>
+              <a:t>Fifth Outline Level</a:t>
+            </a:r>
+            <a:endParaRPr b="0" lang="en-US" sz="1800" spc="-1" strike="noStrike">
+              <a:solidFill>
+                <a:srgbClr val="000000"/>
+              </a:solidFill>
+              <a:latin typeface="Arial"/>
+            </a:endParaRPr>
+          </a:p>
+          <a:p>
+            <a:pPr lvl="5" marL="2592000" indent="-216000">
+              <a:spcBef>
+                <a:spcPts val="283"/>
+              </a:spcBef>
+              <a:buClr>
+                <a:srgbClr val="000000"/>
+              </a:buClr>
+              <a:buSzPct val="45000"/>
+              <a:buFont typeface="Wingdings" charset="2"/>
+              <a:buChar char=""/>
+            </a:pPr>
+            <a:r>
+              <a:rPr b="0" lang="en-US" sz="1800" spc="-1" strike="noStrike">
+                <a:solidFill>
+                  <a:srgbClr val="000000"/>
+                </a:solidFill>
+                <a:latin typeface="Arial"/>
+              </a:rPr>
+              <a:t>Sixth Outline Level</a:t>
+            </a:r>
+            <a:endParaRPr b="0" lang="en-US" sz="1800" spc="-1" strike="noStrike">
+              <a:solidFill>
+                <a:srgbClr val="000000"/>
+              </a:solidFill>
+              <a:latin typeface="Arial"/>
+            </a:endParaRPr>
+          </a:p>
+          <a:p>
+            <a:pPr lvl="6" marL="3024000" indent="-216000">
+              <a:spcBef>
+                <a:spcPts val="283"/>
+              </a:spcBef>
+              <a:buClr>
+                <a:srgbClr val="000000"/>
+              </a:buClr>
+              <a:buSzPct val="45000"/>
+              <a:buFont typeface="Wingdings" charset="2"/>
+              <a:buChar char=""/>
+            </a:pPr>
+            <a:r>
+              <a:rPr b="0" lang="en-US" sz="1800" spc="-1" strike="noStrike">
+                <a:solidFill>
+                  <a:srgbClr val="000000"/>
+                </a:solidFill>
+                <a:latin typeface="Arial"/>
+              </a:rPr>
+              <a:t>Seventh Outline Level</a:t>
+            </a:r>
+            <a:endParaRPr b="0" lang="en-US" sz="1800" spc="-1" strike="noStrike">
+              <a:solidFill>
+                <a:srgbClr val="000000"/>
+              </a:solidFill>
+              <a:latin typeface="Arial"/>
+            </a:endParaRPr>
+          </a:p>
+        </p:txBody>
+      </p:sp>
+      <p:sp>
+        <p:nvSpPr>
+          <p:cNvPr id="76" name="PlaceHolder 3"/>
+          <p:cNvSpPr>
+            <a:spLocks noGrp="1"/>
+          </p:cNvSpPr>
+          <p:nvPr>
+            <p:ph type="ftr" idx="1"/>
           </p:nvPr>
         </p:nvSpPr>
         <p:spPr>
@@ -7741,229 +6149,59 @@
           <a:bodyPr lIns="90000" rIns="90000" tIns="-45000" bIns="-45000" anchor="t">
             <a:noAutofit/>
           </a:bodyPr>
-          <a:p>
-            <a:pPr indent="0" algn="ctr" defTabSz="914400">
+          <a:lstStyle>
+            <a:lvl1pPr indent="0" algn="ctr">
               <a:lnSpc>
                 <a:spcPct val="100000"/>
               </a:lnSpc>
               <a:buNone/>
+              <a:tabLst>
+                <a:tab algn="l" pos="0"/>
+              </a:tabLst>
+              <a:defRPr b="0" lang="en-US" sz="1400" spc="-1" strike="noStrike">
+                <a:solidFill>
+                  <a:srgbClr val="000000"/>
+                </a:solidFill>
+                <a:latin typeface="Times New Roman"/>
+              </a:defRPr>
+            </a:lvl1pPr>
+          </a:lstStyle>
+          <a:p>
+            <a:pPr indent="0" algn="ctr">
+              <a:lnSpc>
+                <a:spcPct val="100000"/>
+              </a:lnSpc>
+              <a:buNone/>
+              <a:tabLst>
+                <a:tab algn="l" pos="0"/>
+              </a:tabLst>
             </a:pPr>
             <a:r>
-              <a:rPr b="0" lang="en-US" sz="4400" spc="-1" strike="noStrike">
-                <a:solidFill>
-                  <a:schemeClr val="dk1"/>
-                </a:solidFill>
-                <a:latin typeface="Calibri"/>
+              <a:rPr b="0" lang="en-US" sz="1400" spc="-1" strike="noStrike">
+                <a:solidFill>
+                  <a:srgbClr val="000000"/>
+                </a:solidFill>
+                <a:latin typeface="Times New Roman"/>
               </a:rPr>
-              <a:t>Click to edit Master title style</a:t>
+              <a:t>&lt;footer&gt;</a:t>
             </a:r>
-            <a:endParaRPr b="0" lang="en-US" sz="4400" spc="-1" strike="noStrike">
+            <a:endParaRPr b="0" lang="en-US" sz="1400" spc="-1" strike="noStrike">
               <a:solidFill>
-                <a:schemeClr val="dk1"/>
+                <a:srgbClr val="000000"/>
               </a:solidFill>
-              <a:latin typeface="Calibri"/>
+              <a:latin typeface="Times New Roman"/>
             </a:endParaRPr>
           </a:p>
         </p:txBody>
       </p:sp>
       <p:sp>
         <p:nvSpPr>
-          <p:cNvPr id="82" name="PlaceHolder 2"/>
+          <p:cNvPr id="77" name="PlaceHolder 4"/>
           <p:cNvSpPr>
             <a:spLocks noGrp="1"/>
           </p:cNvSpPr>
           <p:nvPr>
-            <p:ph type="body"/>
-          </p:nvPr>
-        </p:nvSpPr>
-        <p:spPr>
-          <a:xfrm>
-            <a:off x="0" y="0"/>
-            <a:ext cx="0" cy="0"/>
-          </a:xfrm>
-          <a:prstGeom prst="rect">
-            <a:avLst/>
-          </a:prstGeom>
-          <a:noFill/>
-          <a:ln w="0">
-            <a:noFill/>
-          </a:ln>
-        </p:spPr>
-        <p:txBody>
-          <a:bodyPr lIns="90000" rIns="90000" tIns="-45000" bIns="-45000" anchor="t">
-            <a:noAutofit/>
-          </a:bodyPr>
-          <a:p>
-            <a:pPr indent="0" defTabSz="914400">
-              <a:lnSpc>
-                <a:spcPct val="100000"/>
-              </a:lnSpc>
-              <a:spcBef>
-                <a:spcPts val="479"/>
-              </a:spcBef>
-              <a:buNone/>
-              <a:tabLst>
-                <a:tab algn="l" pos="0"/>
-              </a:tabLst>
-            </a:pPr>
-            <a:r>
-              <a:rPr b="1" lang="en-US" sz="2400" spc="-1" strike="noStrike">
-                <a:solidFill>
-                  <a:srgbClr val="6e279d"/>
-                </a:solidFill>
-                <a:latin typeface="Calibri"/>
-              </a:rPr>
-              <a:t>Click to edit Master text styles</a:t>
-            </a:r>
-            <a:endParaRPr b="1" lang="en-US" sz="2400" spc="-1" strike="noStrike">
-              <a:solidFill>
-                <a:srgbClr val="6e279d"/>
-              </a:solidFill>
-              <a:latin typeface="Calibri"/>
-            </a:endParaRPr>
-          </a:p>
-          <a:p>
-            <a:pPr lvl="1" marL="800280" indent="-343080" defTabSz="914400">
-              <a:lnSpc>
-                <a:spcPct val="100000"/>
-              </a:lnSpc>
-              <a:spcBef>
-                <a:spcPts val="479"/>
-              </a:spcBef>
-              <a:buClr>
-                <a:srgbClr val="000000"/>
-              </a:buClr>
-              <a:buFont typeface="Wingdings" charset="2"/>
-              <a:buChar char=""/>
-              <a:tabLst>
-                <a:tab algn="l" pos="0"/>
-              </a:tabLst>
-            </a:pPr>
-            <a:r>
-              <a:rPr b="0" lang="en-US" sz="2400" spc="-1" strike="noStrike">
-                <a:solidFill>
-                  <a:schemeClr val="dk1"/>
-                </a:solidFill>
-                <a:latin typeface="Calibri"/>
-              </a:rPr>
-              <a:t>Second level</a:t>
-            </a:r>
-            <a:endParaRPr b="0" lang="en-US" sz="2400" spc="-1" strike="noStrike">
-              <a:solidFill>
-                <a:schemeClr val="dk1"/>
-              </a:solidFill>
-              <a:latin typeface="Calibri"/>
-            </a:endParaRPr>
-          </a:p>
-          <a:p>
-            <a:pPr lvl="2" marL="1143000" indent="-228600" defTabSz="914400">
-              <a:lnSpc>
-                <a:spcPct val="100000"/>
-              </a:lnSpc>
-              <a:spcBef>
-                <a:spcPts val="400"/>
-              </a:spcBef>
-              <a:buClr>
-                <a:srgbClr val="000000"/>
-              </a:buClr>
-              <a:buFont typeface="Wingdings" charset="2"/>
-              <a:buChar char=""/>
-              <a:tabLst>
-                <a:tab algn="l" pos="0"/>
-              </a:tabLst>
-            </a:pPr>
-            <a:r>
-              <a:rPr b="0" lang="en-US" sz="2000" spc="-1" strike="noStrike">
-                <a:solidFill>
-                  <a:schemeClr val="dk1"/>
-                </a:solidFill>
-                <a:latin typeface="Calibri"/>
-              </a:rPr>
-              <a:t>Third level</a:t>
-            </a:r>
-            <a:endParaRPr b="0" lang="en-US" sz="2000" spc="-1" strike="noStrike">
-              <a:solidFill>
-                <a:schemeClr val="dk1"/>
-              </a:solidFill>
-              <a:latin typeface="Calibri"/>
-            </a:endParaRPr>
-          </a:p>
-          <a:p>
-            <a:pPr lvl="3" marL="1600200" indent="-228600" defTabSz="914400">
-              <a:lnSpc>
-                <a:spcPct val="100000"/>
-              </a:lnSpc>
-              <a:spcBef>
-                <a:spcPts val="360"/>
-              </a:spcBef>
-              <a:buClr>
-                <a:srgbClr val="000000"/>
-              </a:buClr>
-              <a:buFont typeface="Wingdings" charset="2"/>
-              <a:buChar char=""/>
-              <a:tabLst>
-                <a:tab algn="l" pos="0"/>
-              </a:tabLst>
-            </a:pPr>
-            <a:r>
-              <a:rPr b="0" lang="en-US" sz="1800" spc="-1" strike="noStrike">
-                <a:solidFill>
-                  <a:schemeClr val="dk1"/>
-                </a:solidFill>
-                <a:latin typeface="Calibri"/>
-              </a:rPr>
-              <a:t>Fourth level</a:t>
-            </a:r>
-            <a:endParaRPr b="0" lang="en-US" sz="1800" spc="-1" strike="noStrike">
-              <a:solidFill>
-                <a:schemeClr val="dk1"/>
-              </a:solidFill>
-              <a:latin typeface="Calibri"/>
-            </a:endParaRPr>
-          </a:p>
-          <a:p>
-            <a:pPr lvl="4" marL="2057400" indent="-228600" defTabSz="914400">
-              <a:lnSpc>
-                <a:spcPct val="100000"/>
-              </a:lnSpc>
-              <a:spcBef>
-                <a:spcPts val="400"/>
-              </a:spcBef>
-              <a:buClr>
-                <a:srgbClr val="000000"/>
-              </a:buClr>
-              <a:buFont typeface="Wingdings" charset="2"/>
-              <a:buChar char=""/>
-              <a:tabLst>
-                <a:tab algn="l" pos="0"/>
-              </a:tabLst>
-            </a:pPr>
-            <a:r>
-              <a:rPr b="0" lang="en-US" sz="2000" spc="-1" strike="noStrike">
-                <a:solidFill>
-                  <a:schemeClr val="dk1"/>
-                </a:solidFill>
-                <a:latin typeface="Calibri"/>
-              </a:rPr>
-              <a:t>Fifth level</a:t>
-            </a:r>
-            <a:endParaRPr b="0" lang="en-US" sz="2000" spc="-1" strike="noStrike">
-              <a:solidFill>
-                <a:schemeClr val="dk1"/>
-              </a:solidFill>
-              <a:latin typeface="Calibri"/>
-            </a:endParaRPr>
-          </a:p>
-        </p:txBody>
-      </p:sp>
-      <p:sp>
-        <p:nvSpPr>
-          <p:cNvPr id="83" name="PlaceHolder 3"/>
-          <p:cNvSpPr>
-            <a:spLocks noGrp="1"/>
-          </p:cNvSpPr>
-          <p:nvPr>
-            <p:ph type="dt" idx="1"/>
+            <p:ph type="sldNum" idx="2"/>
           </p:nvPr>
         </p:nvSpPr>
         <p:spPr>
@@ -7989,6 +6227,9 @@
                 <a:spcPct val="100000"/>
               </a:lnSpc>
               <a:buNone/>
+              <a:tabLst>
+                <a:tab algn="l" pos="0"/>
+              </a:tabLst>
               <a:defRPr b="0" lang="en-US" sz="1800" spc="-1" strike="noStrike">
                 <a:solidFill>
                   <a:schemeClr val="dk1"/>
@@ -8003,16 +6244,19 @@
                 <a:spcPct val="100000"/>
               </a:lnSpc>
               <a:buNone/>
+              <a:tabLst>
+                <a:tab algn="l" pos="0"/>
+              </a:tabLst>
             </a:pPr>
-            <a:r>
+            <a:fld id="{BFDA1223-2135-4AAD-953F-9FB371519239}" type="slidenum">
               <a:rPr b="0" lang="en-US" sz="1800" spc="-1" strike="noStrike">
                 <a:solidFill>
                   <a:schemeClr val="dk1"/>
                 </a:solidFill>
                 <a:latin typeface="Calibri"/>
               </a:rPr>
-              <a:t>&lt;date/time&gt;</a:t>
-            </a:r>
+              <a:t>&lt;number&gt;</a:t>
+            </a:fld>
             <a:endParaRPr b="0" lang="en-US" sz="1800" spc="-1" strike="noStrike">
               <a:solidFill>
                 <a:srgbClr val="000000"/>
@@ -8024,12 +6268,12 @@
       </p:sp>
       <p:sp>
         <p:nvSpPr>
-          <p:cNvPr id="84" name="PlaceHolder 4"/>
+          <p:cNvPr id="78" name="PlaceHolder 5"/>
           <p:cNvSpPr>
             <a:spLocks noGrp="1"/>
           </p:cNvSpPr>
           <p:nvPr>
-            <p:ph type="ftr" idx="2"/>
+            <p:ph type="dt" idx="3"/>
           </p:nvPr>
         </p:nvSpPr>
         <p:spPr>
@@ -8050,7 +6294,7 @@
             <a:noAutofit/>
           </a:bodyPr>
           <a:lstStyle>
-            <a:lvl1pPr indent="0" algn="ctr">
+            <a:lvl1pPr indent="0">
               <a:buNone/>
               <a:defRPr b="0" lang="en-US" sz="1400" spc="-1" strike="noStrike">
                 <a:solidFill>
@@ -8061,7 +6305,7 @@
             </a:lvl1pPr>
           </a:lstStyle>
           <a:p>
-            <a:pPr indent="0" algn="ctr">
+            <a:pPr indent="0">
               <a:buNone/>
             </a:pPr>
             <a:r>
@@ -8071,75 +6315,9 @@
                 </a:solidFill>
                 <a:latin typeface="Times New Roman"/>
               </a:rPr>
-              <a:t>&lt;footer&gt;</a:t>
+              <a:t>&lt;date/time&gt;</a:t>
             </a:r>
             <a:endParaRPr b="0" lang="en-US" sz="1400" spc="-1" strike="noStrike">
-              <a:solidFill>
-                <a:srgbClr val="000000"/>
-              </a:solidFill>
-              <a:latin typeface="Times New Roman"/>
-            </a:endParaRPr>
-          </a:p>
-        </p:txBody>
-      </p:sp>
-      <p:sp>
-        <p:nvSpPr>
-          <p:cNvPr id="85" name="PlaceHolder 5"/>
-          <p:cNvSpPr>
-            <a:spLocks noGrp="1"/>
-          </p:cNvSpPr>
-          <p:nvPr>
-            <p:ph type="sldNum" idx="3"/>
-          </p:nvPr>
-        </p:nvSpPr>
-        <p:spPr>
-          <a:xfrm>
-            <a:off x="0" y="0"/>
-            <a:ext cx="0" cy="0"/>
-          </a:xfrm>
-          <a:prstGeom prst="rect">
-            <a:avLst/>
-          </a:prstGeom>
-          <a:noFill/>
-          <a:ln w="0">
-            <a:noFill/>
-          </a:ln>
-        </p:spPr>
-        <p:txBody>
-          <a:bodyPr lIns="90000" rIns="90000" tIns="-45000" bIns="-45000" anchor="t">
-            <a:noAutofit/>
-          </a:bodyPr>
-          <a:lstStyle>
-            <a:lvl1pPr indent="0" defTabSz="914400">
-              <a:lnSpc>
-                <a:spcPct val="100000"/>
-              </a:lnSpc>
-              <a:buNone/>
-              <a:defRPr b="0" lang="en-US" sz="1800" spc="-1" strike="noStrike">
-                <a:solidFill>
-                  <a:schemeClr val="dk1"/>
-                </a:solidFill>
-                <a:latin typeface="Calibri"/>
-              </a:defRPr>
-            </a:lvl1pPr>
-          </a:lstStyle>
-          <a:p>
-            <a:pPr indent="0" defTabSz="914400">
-              <a:lnSpc>
-                <a:spcPct val="100000"/>
-              </a:lnSpc>
-              <a:buNone/>
-            </a:pPr>
-            <a:fld id="{472B0CCB-4DFE-42F3-B6D5-EE6A9F658214}" type="slidenum">
-              <a:rPr b="0" lang="en-US" sz="1800" spc="-1" strike="noStrike">
-                <a:solidFill>
-                  <a:schemeClr val="dk1"/>
-                </a:solidFill>
-                <a:latin typeface="Calibri"/>
-              </a:rPr>
-              <a:t>&lt;number&gt;</a:t>
-            </a:fld>
-            <a:endParaRPr b="0" lang="en-US" sz="1800" spc="-1" strike="noStrike">
               <a:solidFill>
                 <a:srgbClr val="000000"/>
               </a:solidFill>
@@ -8183,14 +6361,14 @@
       </p:grpSpPr>
       <p:sp>
         <p:nvSpPr>
-          <p:cNvPr id="88" name="Textfeld 15"/>
+          <p:cNvPr id="81" name="Textfeld 15"/>
           <p:cNvSpPr/>
           <p:nvPr/>
         </p:nvSpPr>
         <p:spPr>
           <a:xfrm>
             <a:off x="8711280" y="4803840"/>
-            <a:ext cx="108720" cy="309240"/>
+            <a:ext cx="108000" cy="308520"/>
           </a:xfrm>
           <a:prstGeom prst="rect">
             <a:avLst/>
@@ -8236,14 +6414,14 @@
       </p:sp>
       <p:sp>
         <p:nvSpPr>
-          <p:cNvPr id="89" name="TextBox 5"/>
+          <p:cNvPr id="82" name="TextBox 5"/>
           <p:cNvSpPr/>
           <p:nvPr/>
         </p:nvSpPr>
         <p:spPr>
           <a:xfrm>
             <a:off x="8800200" y="4897440"/>
-            <a:ext cx="343440" cy="261720"/>
+            <a:ext cx="342720" cy="261720"/>
           </a:xfrm>
           <a:prstGeom prst="rect">
             <a:avLst/>
@@ -8269,7 +6447,7 @@
                 <a:spcPct val="100000"/>
               </a:lnSpc>
             </a:pPr>
-            <a:fld id="{F420CF01-8AC5-42F7-8A52-9E0C26D93DCE}" type="slidenum">
+            <a:fld id="{74C74A80-F6AD-4B76-B032-1C11E672C478}" type="slidenum">
               <a:rPr b="0" lang="en-US" sz="1000" spc="-1" strike="noStrike">
                 <a:solidFill>
                   <a:schemeClr val="accent1"/>
@@ -8289,7 +6467,7 @@
       </p:sp>
       <p:pic>
         <p:nvPicPr>
-          <p:cNvPr id="90" name="Picture 6" descr="A picture containing text, clipart&#10;&#10;Description automatically generated"/>
+          <p:cNvPr id="83" name="Picture 6" descr="A picture containing text, clipart&#10;&#10;Description automatically generated"/>
           <p:cNvPicPr/>
           <p:nvPr/>
         </p:nvPicPr>
@@ -8301,7 +6479,7 @@
         <p:spPr>
           <a:xfrm>
             <a:off x="6371640" y="157680"/>
-            <a:ext cx="2592720" cy="349560"/>
+            <a:ext cx="2592000" cy="348840"/>
           </a:xfrm>
           <a:prstGeom prst="rect">
             <a:avLst/>
@@ -8313,14 +6491,14 @@
       </p:pic>
       <p:sp>
         <p:nvSpPr>
-          <p:cNvPr id="91" name="Rectangle 10"/>
+          <p:cNvPr id="84" name="Rectangle 10"/>
           <p:cNvSpPr/>
           <p:nvPr/>
         </p:nvSpPr>
         <p:spPr>
           <a:xfrm rot="10800000">
-            <a:off x="360" y="-15120"/>
-            <a:ext cx="9143640" cy="695520"/>
+            <a:off x="1080" y="-14400"/>
+            <a:ext cx="9142920" cy="694800"/>
           </a:xfrm>
           <a:prstGeom prst="rect">
             <a:avLst/>
@@ -8365,248 +6543,6 @@
           </a:p>
         </p:txBody>
       </p:sp>
-      <p:sp>
-        <p:nvSpPr>
-          <p:cNvPr id="92" name="PlaceHolder 1"/>
-          <p:cNvSpPr>
-            <a:spLocks noGrp="1"/>
-          </p:cNvSpPr>
-          <p:nvPr>
-            <p:ph type="body"/>
-          </p:nvPr>
-        </p:nvSpPr>
-        <p:spPr>
-          <a:xfrm>
-            <a:off x="532080" y="785880"/>
-            <a:ext cx="8359920" cy="3945960"/>
-          </a:xfrm>
-          <a:prstGeom prst="rect">
-            <a:avLst/>
-          </a:prstGeom>
-          <a:noFill/>
-          <a:ln w="0">
-            <a:noFill/>
-          </a:ln>
-        </p:spPr>
-        <p:txBody>
-          <a:bodyPr lIns="91440" rIns="91440" tIns="45720" bIns="45720" anchor="t">
-            <a:noAutofit/>
-          </a:bodyPr>
-          <a:p>
-            <a:pPr indent="0" defTabSz="914400">
-              <a:lnSpc>
-                <a:spcPct val="100000"/>
-              </a:lnSpc>
-              <a:spcBef>
-                <a:spcPts val="479"/>
-              </a:spcBef>
-              <a:buNone/>
-              <a:tabLst>
-                <a:tab algn="l" pos="0"/>
-              </a:tabLst>
-            </a:pPr>
-            <a:r>
-              <a:rPr b="1" lang="en-US" sz="2400" spc="-1" strike="noStrike">
-                <a:solidFill>
-                  <a:schemeClr val="accent1"/>
-                </a:solidFill>
-                <a:latin typeface="Calibri"/>
-              </a:rPr>
-              <a:t>Click to edit subtitle</a:t>
-            </a:r>
-            <a:endParaRPr b="1" lang="en-US" sz="2400" spc="-1" strike="noStrike">
-              <a:solidFill>
-                <a:schemeClr val="accent1"/>
-              </a:solidFill>
-              <a:latin typeface="Calibri"/>
-            </a:endParaRPr>
-          </a:p>
-          <a:p>
-            <a:pPr lvl="1" marL="460440" indent="-343080" defTabSz="914400">
-              <a:lnSpc>
-                <a:spcPct val="100000"/>
-              </a:lnSpc>
-              <a:spcBef>
-                <a:spcPts val="479"/>
-              </a:spcBef>
-              <a:buClr>
-                <a:srgbClr val="000000"/>
-              </a:buClr>
-              <a:buFont typeface="Wingdings" charset="2"/>
-              <a:buChar char=""/>
-              <a:tabLst>
-                <a:tab algn="l" pos="0"/>
-              </a:tabLst>
-            </a:pPr>
-            <a:r>
-              <a:rPr b="0" lang="en-US" sz="2400" spc="-1" strike="noStrike">
-                <a:solidFill>
-                  <a:schemeClr val="dk1"/>
-                </a:solidFill>
-                <a:latin typeface="Calibri"/>
-              </a:rPr>
-              <a:t>Second level</a:t>
-            </a:r>
-            <a:endParaRPr b="0" lang="en-US" sz="2400" spc="-1" strike="noStrike">
-              <a:solidFill>
-                <a:schemeClr val="dk1"/>
-              </a:solidFill>
-              <a:latin typeface="Calibri"/>
-            </a:endParaRPr>
-          </a:p>
-          <a:p>
-            <a:pPr lvl="2" marL="460440" indent="-343080" defTabSz="914400">
-              <a:lnSpc>
-                <a:spcPct val="100000"/>
-              </a:lnSpc>
-              <a:spcBef>
-                <a:spcPts val="400"/>
-              </a:spcBef>
-              <a:buClr>
-                <a:srgbClr val="000000"/>
-              </a:buClr>
-              <a:buFont typeface="Wingdings" charset="2"/>
-              <a:buChar char=""/>
-              <a:tabLst>
-                <a:tab algn="l" pos="0"/>
-              </a:tabLst>
-            </a:pPr>
-            <a:r>
-              <a:rPr b="0" lang="en-US" sz="2000" spc="-1" strike="noStrike">
-                <a:solidFill>
-                  <a:schemeClr val="dk1"/>
-                </a:solidFill>
-                <a:latin typeface="Calibri"/>
-              </a:rPr>
-              <a:t>Third level</a:t>
-            </a:r>
-            <a:endParaRPr b="0" lang="en-US" sz="2000" spc="-1" strike="noStrike">
-              <a:solidFill>
-                <a:schemeClr val="dk1"/>
-              </a:solidFill>
-              <a:latin typeface="Calibri"/>
-            </a:endParaRPr>
-          </a:p>
-          <a:p>
-            <a:pPr lvl="3" marL="460440" indent="-343080" defTabSz="914400">
-              <a:lnSpc>
-                <a:spcPct val="100000"/>
-              </a:lnSpc>
-              <a:spcBef>
-                <a:spcPts val="360"/>
-              </a:spcBef>
-              <a:buClr>
-                <a:srgbClr val="000000"/>
-              </a:buClr>
-              <a:buFont typeface="Wingdings" charset="2"/>
-              <a:buChar char=""/>
-              <a:tabLst>
-                <a:tab algn="l" pos="0"/>
-              </a:tabLst>
-            </a:pPr>
-            <a:r>
-              <a:rPr b="0" lang="en-US" sz="1800" spc="-1" strike="noStrike">
-                <a:solidFill>
-                  <a:schemeClr val="dk1"/>
-                </a:solidFill>
-                <a:latin typeface="Calibri"/>
-              </a:rPr>
-              <a:t>Fourth level</a:t>
-            </a:r>
-            <a:endParaRPr b="0" lang="en-US" sz="1800" spc="-1" strike="noStrike">
-              <a:solidFill>
-                <a:schemeClr val="dk1"/>
-              </a:solidFill>
-              <a:latin typeface="Calibri"/>
-            </a:endParaRPr>
-          </a:p>
-          <a:p>
-            <a:pPr lvl="4" marL="460440" indent="-343080" defTabSz="914400">
-              <a:lnSpc>
-                <a:spcPct val="100000"/>
-              </a:lnSpc>
-              <a:spcBef>
-                <a:spcPts val="320"/>
-              </a:spcBef>
-              <a:buClr>
-                <a:srgbClr val="000000"/>
-              </a:buClr>
-              <a:buFont typeface="Wingdings" charset="2"/>
-              <a:buChar char=""/>
-              <a:tabLst>
-                <a:tab algn="l" pos="0"/>
-              </a:tabLst>
-            </a:pPr>
-            <a:r>
-              <a:rPr b="0" i="1" lang="en-US" sz="1600" spc="-1" strike="noStrike">
-                <a:solidFill>
-                  <a:schemeClr val="dk1"/>
-                </a:solidFill>
-                <a:latin typeface="Calibri"/>
-              </a:rPr>
-              <a:t>Fifth level</a:t>
-            </a:r>
-            <a:endParaRPr b="0" lang="en-US" sz="1600" spc="-1" strike="noStrike">
-              <a:solidFill>
-                <a:schemeClr val="dk1"/>
-              </a:solidFill>
-              <a:latin typeface="Calibri"/>
-            </a:endParaRPr>
-          </a:p>
-        </p:txBody>
-      </p:sp>
-      <p:sp>
-        <p:nvSpPr>
-          <p:cNvPr id="93" name="PlaceHolder 2"/>
-          <p:cNvSpPr>
-            <a:spLocks noGrp="1"/>
-          </p:cNvSpPr>
-          <p:nvPr>
-            <p:ph type="title"/>
-          </p:nvPr>
-        </p:nvSpPr>
-        <p:spPr>
-          <a:xfrm>
-            <a:off x="532080" y="51480"/>
-            <a:ext cx="7886520" cy="575640"/>
-          </a:xfrm>
-          <a:prstGeom prst="rect">
-            <a:avLst/>
-          </a:prstGeom>
-          <a:noFill/>
-          <a:ln w="0">
-            <a:noFill/>
-          </a:ln>
-        </p:spPr>
-        <p:txBody>
-          <a:bodyPr lIns="90000" rIns="90000" tIns="45000" bIns="45000" anchor="t">
-            <a:noAutofit/>
-          </a:bodyPr>
-          <a:p>
-            <a:pPr indent="0" defTabSz="914400">
-              <a:lnSpc>
-                <a:spcPct val="100000"/>
-              </a:lnSpc>
-              <a:buNone/>
-            </a:pPr>
-            <a:r>
-              <a:rPr b="1" lang="en-US" sz="3200" spc="-1" strike="noStrike">
-                <a:solidFill>
-                  <a:schemeClr val="lt1"/>
-                </a:solidFill>
-                <a:latin typeface="Calibri"/>
-              </a:rPr>
-              <a:t>Click to edit title</a:t>
-            </a:r>
-            <a:endParaRPr b="0" lang="en-US" sz="3200" spc="-1" strike="noStrike">
-              <a:solidFill>
-                <a:schemeClr val="dk1"/>
-              </a:solidFill>
-              <a:latin typeface="Calibri"/>
-            </a:endParaRPr>
-          </a:p>
-        </p:txBody>
-      </p:sp>
     </p:spTree>
   </p:cSld>
   <p:clrMap bg1="lt1" bg2="lt2" tx1="dk1" tx2="dk2" accent1="accent1" accent2="accent2" accent3="accent3" accent4="accent4" accent5="accent5" accent6="accent6" hlink="hlink" folHlink="folHlink"/>
@@ -8642,14 +6578,14 @@
       </p:grpSpPr>
       <p:sp>
         <p:nvSpPr>
-          <p:cNvPr id="94" name="Textfeld 15"/>
+          <p:cNvPr id="85" name="Textfeld 15"/>
           <p:cNvSpPr/>
           <p:nvPr/>
         </p:nvSpPr>
         <p:spPr>
           <a:xfrm>
             <a:off x="8711280" y="4803840"/>
-            <a:ext cx="108720" cy="309240"/>
+            <a:ext cx="108000" cy="308520"/>
           </a:xfrm>
           <a:prstGeom prst="rect">
             <a:avLst/>
@@ -8695,14 +6631,14 @@
       </p:sp>
       <p:sp>
         <p:nvSpPr>
-          <p:cNvPr id="95" name="TextBox 5"/>
+          <p:cNvPr id="86" name="TextBox 5"/>
           <p:cNvSpPr/>
           <p:nvPr/>
         </p:nvSpPr>
         <p:spPr>
           <a:xfrm>
             <a:off x="8800200" y="4897440"/>
-            <a:ext cx="343440" cy="261720"/>
+            <a:ext cx="342720" cy="261720"/>
           </a:xfrm>
           <a:prstGeom prst="rect">
             <a:avLst/>
@@ -8728,7 +6664,7 @@
                 <a:spcPct val="100000"/>
               </a:lnSpc>
             </a:pPr>
-            <a:fld id="{4FA14725-3282-4C9D-BCA7-A52036F76E5B}" type="slidenum">
+            <a:fld id="{3932D141-AE49-49CB-B57C-43152B096750}" type="slidenum">
               <a:rPr b="0" lang="en-US" sz="1000" spc="-1" strike="noStrike">
                 <a:solidFill>
                   <a:schemeClr val="accent1"/>
@@ -8748,7 +6684,7 @@
       </p:sp>
       <p:pic>
         <p:nvPicPr>
-          <p:cNvPr id="96" name="Picture 6" descr="A picture containing text, clipart&#10;&#10;Description automatically generated"/>
+          <p:cNvPr id="87" name="Picture 6" descr="A picture containing text, clipart&#10;&#10;Description automatically generated"/>
           <p:cNvPicPr/>
           <p:nvPr/>
         </p:nvPicPr>
@@ -8760,7 +6696,7 @@
         <p:spPr>
           <a:xfrm>
             <a:off x="6371640" y="157680"/>
-            <a:ext cx="2592720" cy="349560"/>
+            <a:ext cx="2592000" cy="348840"/>
           </a:xfrm>
           <a:prstGeom prst="rect">
             <a:avLst/>
@@ -8772,14 +6708,14 @@
       </p:pic>
       <p:sp>
         <p:nvSpPr>
-          <p:cNvPr id="97" name="Rectangle 10"/>
+          <p:cNvPr id="88" name="Rectangle 10"/>
           <p:cNvSpPr/>
           <p:nvPr/>
         </p:nvSpPr>
         <p:spPr>
           <a:xfrm rot="10800000">
-            <a:off x="360" y="-15120"/>
-            <a:ext cx="9143640" cy="695520"/>
+            <a:off x="1080" y="-14400"/>
+            <a:ext cx="9142920" cy="694800"/>
           </a:xfrm>
           <a:prstGeom prst="rect">
             <a:avLst/>
@@ -8824,438 +6760,6 @@
           </a:p>
         </p:txBody>
       </p:sp>
-      <p:sp>
-        <p:nvSpPr>
-          <p:cNvPr id="98" name="PlaceHolder 1"/>
-          <p:cNvSpPr>
-            <a:spLocks noGrp="1"/>
-          </p:cNvSpPr>
-          <p:nvPr>
-            <p:ph type="body"/>
-          </p:nvPr>
-        </p:nvSpPr>
-        <p:spPr>
-          <a:xfrm>
-            <a:off x="451800" y="843480"/>
-            <a:ext cx="4038120" cy="3960000"/>
-          </a:xfrm>
-          <a:prstGeom prst="rect">
-            <a:avLst/>
-          </a:prstGeom>
-          <a:noFill/>
-          <a:ln w="0">
-            <a:noFill/>
-          </a:ln>
-        </p:spPr>
-        <p:txBody>
-          <a:bodyPr lIns="91440" rIns="91440" tIns="45720" bIns="45720" anchor="t">
-            <a:noAutofit/>
-          </a:bodyPr>
-          <a:p>
-            <a:pPr marL="357120" indent="0" defTabSz="914400">
-              <a:lnSpc>
-                <a:spcPct val="100000"/>
-              </a:lnSpc>
-              <a:spcBef>
-                <a:spcPts val="479"/>
-              </a:spcBef>
-              <a:buNone/>
-              <a:tabLst>
-                <a:tab algn="l" pos="0"/>
-              </a:tabLst>
-            </a:pPr>
-            <a:r>
-              <a:rPr b="1" lang="en-US" sz="2400" spc="-1" strike="noStrike">
-                <a:solidFill>
-                  <a:schemeClr val="accent1"/>
-                </a:solidFill>
-                <a:latin typeface="Calibri"/>
-              </a:rPr>
-              <a:t>Click to edit Column1 title</a:t>
-            </a:r>
-            <a:endParaRPr b="1" lang="en-US" sz="2400" spc="-1" strike="noStrike">
-              <a:solidFill>
-                <a:schemeClr val="accent1"/>
-              </a:solidFill>
-              <a:latin typeface="Calibri"/>
-            </a:endParaRPr>
-          </a:p>
-          <a:p>
-            <a:pPr lvl="1" marL="800280" indent="-343080" defTabSz="914400">
-              <a:lnSpc>
-                <a:spcPct val="100000"/>
-              </a:lnSpc>
-              <a:spcBef>
-                <a:spcPts val="479"/>
-              </a:spcBef>
-              <a:buClr>
-                <a:srgbClr val="000000"/>
-              </a:buClr>
-              <a:buFont typeface="Wingdings" charset="2"/>
-              <a:buChar char=""/>
-              <a:tabLst>
-                <a:tab algn="l" pos="0"/>
-              </a:tabLst>
-            </a:pPr>
-            <a:r>
-              <a:rPr b="0" lang="en-US" sz="2400" spc="-1" strike="noStrike">
-                <a:solidFill>
-                  <a:schemeClr val="dk1"/>
-                </a:solidFill>
-                <a:latin typeface="Calibri"/>
-              </a:rPr>
-              <a:t>Second level</a:t>
-            </a:r>
-            <a:endParaRPr b="0" lang="en-US" sz="2400" spc="-1" strike="noStrike">
-              <a:solidFill>
-                <a:schemeClr val="dk1"/>
-              </a:solidFill>
-              <a:latin typeface="Calibri"/>
-            </a:endParaRPr>
-          </a:p>
-          <a:p>
-            <a:pPr lvl="2" marL="1143000" indent="-228600" defTabSz="914400">
-              <a:lnSpc>
-                <a:spcPct val="100000"/>
-              </a:lnSpc>
-              <a:spcBef>
-                <a:spcPts val="400"/>
-              </a:spcBef>
-              <a:buClr>
-                <a:srgbClr val="000000"/>
-              </a:buClr>
-              <a:buFont typeface="Wingdings" charset="2"/>
-              <a:buChar char=""/>
-              <a:tabLst>
-                <a:tab algn="l" pos="0"/>
-              </a:tabLst>
-            </a:pPr>
-            <a:r>
-              <a:rPr b="0" lang="en-US" sz="2000" spc="-1" strike="noStrike">
-                <a:solidFill>
-                  <a:schemeClr val="dk1"/>
-                </a:solidFill>
-                <a:latin typeface="Calibri"/>
-              </a:rPr>
-              <a:t>Third level</a:t>
-            </a:r>
-            <a:endParaRPr b="0" lang="en-US" sz="2000" spc="-1" strike="noStrike">
-              <a:solidFill>
-                <a:schemeClr val="dk1"/>
-              </a:solidFill>
-              <a:latin typeface="Calibri"/>
-            </a:endParaRPr>
-          </a:p>
-          <a:p>
-            <a:pPr lvl="3" marL="1600200" indent="-228600" defTabSz="914400">
-              <a:lnSpc>
-                <a:spcPct val="100000"/>
-              </a:lnSpc>
-              <a:spcBef>
-                <a:spcPts val="360"/>
-              </a:spcBef>
-              <a:buClr>
-                <a:srgbClr val="000000"/>
-              </a:buClr>
-              <a:buFont typeface="Wingdings" charset="2"/>
-              <a:buChar char=""/>
-              <a:tabLst>
-                <a:tab algn="l" pos="0"/>
-              </a:tabLst>
-            </a:pPr>
-            <a:r>
-              <a:rPr b="0" lang="en-US" sz="1800" spc="-1" strike="noStrike">
-                <a:solidFill>
-                  <a:schemeClr val="dk1"/>
-                </a:solidFill>
-                <a:latin typeface="Calibri"/>
-              </a:rPr>
-              <a:t>Fourth level</a:t>
-            </a:r>
-            <a:endParaRPr b="0" lang="en-US" sz="1800" spc="-1" strike="noStrike">
-              <a:solidFill>
-                <a:schemeClr val="dk1"/>
-              </a:solidFill>
-              <a:latin typeface="Calibri"/>
-            </a:endParaRPr>
-          </a:p>
-          <a:p>
-            <a:pPr lvl="4" marL="2057400" indent="-228600" defTabSz="914400">
-              <a:lnSpc>
-                <a:spcPct val="100000"/>
-              </a:lnSpc>
-              <a:spcBef>
-                <a:spcPts val="360"/>
-              </a:spcBef>
-              <a:buClr>
-                <a:srgbClr val="000000"/>
-              </a:buClr>
-              <a:buFont typeface="Wingdings" charset="2"/>
-              <a:buChar char=""/>
-              <a:tabLst>
-                <a:tab algn="l" pos="0"/>
-              </a:tabLst>
-            </a:pPr>
-            <a:r>
-              <a:rPr b="0" lang="en-US" sz="1800" spc="-1" strike="noStrike">
-                <a:solidFill>
-                  <a:schemeClr val="dk1"/>
-                </a:solidFill>
-                <a:latin typeface="Calibri"/>
-              </a:rPr>
-              <a:t>Fifth level</a:t>
-            </a:r>
-            <a:endParaRPr b="0" lang="en-US" sz="1800" spc="-1" strike="noStrike">
-              <a:solidFill>
-                <a:schemeClr val="dk1"/>
-              </a:solidFill>
-              <a:latin typeface="Calibri"/>
-            </a:endParaRPr>
-          </a:p>
-        </p:txBody>
-      </p:sp>
-      <p:sp>
-        <p:nvSpPr>
-          <p:cNvPr id="99" name="PlaceHolder 2"/>
-          <p:cNvSpPr>
-            <a:spLocks noGrp="1"/>
-          </p:cNvSpPr>
-          <p:nvPr>
-            <p:ph type="body"/>
-          </p:nvPr>
-        </p:nvSpPr>
-        <p:spPr>
-          <a:xfrm>
-            <a:off x="4637880" y="843480"/>
-            <a:ext cx="4038120" cy="3960000"/>
-          </a:xfrm>
-          <a:prstGeom prst="rect">
-            <a:avLst/>
-          </a:prstGeom>
-          <a:noFill/>
-          <a:ln w="0">
-            <a:noFill/>
-          </a:ln>
-        </p:spPr>
-        <p:txBody>
-          <a:bodyPr lIns="91440" rIns="91440" tIns="45720" bIns="45720" anchor="t">
-            <a:noAutofit/>
-          </a:bodyPr>
-          <a:p>
-            <a:pPr marL="357120" indent="0" defTabSz="914400">
-              <a:lnSpc>
-                <a:spcPct val="100000"/>
-              </a:lnSpc>
-              <a:spcBef>
-                <a:spcPts val="479"/>
-              </a:spcBef>
-              <a:buNone/>
-              <a:tabLst>
-                <a:tab algn="l" pos="0"/>
-              </a:tabLst>
-            </a:pPr>
-            <a:r>
-              <a:rPr b="1" lang="en-US" sz="2400" spc="-1" strike="noStrike">
-                <a:solidFill>
-                  <a:schemeClr val="accent1"/>
-                </a:solidFill>
-                <a:latin typeface="Calibri"/>
-              </a:rPr>
-              <a:t>Click to edit Column2 title</a:t>
-            </a:r>
-            <a:endParaRPr b="1" lang="en-US" sz="2400" spc="-1" strike="noStrike">
-              <a:solidFill>
-                <a:schemeClr val="accent1"/>
-              </a:solidFill>
-              <a:latin typeface="Calibri"/>
-            </a:endParaRPr>
-          </a:p>
-          <a:p>
-            <a:pPr lvl="1" marL="800280" indent="-343080" defTabSz="914400">
-              <a:lnSpc>
-                <a:spcPct val="100000"/>
-              </a:lnSpc>
-              <a:spcBef>
-                <a:spcPts val="479"/>
-              </a:spcBef>
-              <a:buClr>
-                <a:srgbClr val="000000"/>
-              </a:buClr>
-              <a:buFont typeface="Wingdings" charset="2"/>
-              <a:buChar char=""/>
-              <a:tabLst>
-                <a:tab algn="l" pos="0"/>
-              </a:tabLst>
-            </a:pPr>
-            <a:r>
-              <a:rPr b="0" lang="en-US" sz="2400" spc="-1" strike="noStrike">
-                <a:solidFill>
-                  <a:schemeClr val="dk1"/>
-                </a:solidFill>
-                <a:latin typeface="Calibri"/>
-              </a:rPr>
-              <a:t>Second level</a:t>
-            </a:r>
-            <a:endParaRPr b="0" lang="en-US" sz="2400" spc="-1" strike="noStrike">
-              <a:solidFill>
-                <a:schemeClr val="dk1"/>
-              </a:solidFill>
-              <a:latin typeface="Calibri"/>
-            </a:endParaRPr>
-          </a:p>
-          <a:p>
-            <a:pPr lvl="2" marL="1143000" indent="-228600" defTabSz="914400">
-              <a:lnSpc>
-                <a:spcPct val="100000"/>
-              </a:lnSpc>
-              <a:spcBef>
-                <a:spcPts val="400"/>
-              </a:spcBef>
-              <a:buClr>
-                <a:srgbClr val="000000"/>
-              </a:buClr>
-              <a:buFont typeface="Wingdings" charset="2"/>
-              <a:buChar char=""/>
-              <a:tabLst>
-                <a:tab algn="l" pos="0"/>
-              </a:tabLst>
-            </a:pPr>
-            <a:r>
-              <a:rPr b="0" lang="en-US" sz="2000" spc="-1" strike="noStrike">
-                <a:solidFill>
-                  <a:schemeClr val="dk1"/>
-                </a:solidFill>
-                <a:latin typeface="Calibri"/>
-              </a:rPr>
-              <a:t>Third level</a:t>
-            </a:r>
-            <a:endParaRPr b="0" lang="en-US" sz="2000" spc="-1" strike="noStrike">
-              <a:solidFill>
-                <a:schemeClr val="dk1"/>
-              </a:solidFill>
-              <a:latin typeface="Calibri"/>
-            </a:endParaRPr>
-          </a:p>
-          <a:p>
-            <a:pPr lvl="3" marL="1600200" indent="-228600" defTabSz="914400">
-              <a:lnSpc>
-                <a:spcPct val="100000"/>
-              </a:lnSpc>
-              <a:spcBef>
-                <a:spcPts val="360"/>
-              </a:spcBef>
-              <a:buClr>
-                <a:srgbClr val="000000"/>
-              </a:buClr>
-              <a:buFont typeface="Wingdings" charset="2"/>
-              <a:buChar char=""/>
-              <a:tabLst>
-                <a:tab algn="l" pos="0"/>
-              </a:tabLst>
-            </a:pPr>
-            <a:r>
-              <a:rPr b="0" lang="en-US" sz="1800" spc="-1" strike="noStrike">
-                <a:solidFill>
-                  <a:schemeClr val="dk1"/>
-                </a:solidFill>
-                <a:latin typeface="Calibri"/>
-              </a:rPr>
-              <a:t>Fourth level</a:t>
-            </a:r>
-            <a:endParaRPr b="0" lang="en-US" sz="1800" spc="-1" strike="noStrike">
-              <a:solidFill>
-                <a:schemeClr val="dk1"/>
-              </a:solidFill>
-              <a:latin typeface="Calibri"/>
-            </a:endParaRPr>
-          </a:p>
-          <a:p>
-            <a:pPr lvl="4" marL="2057400" indent="-228600" defTabSz="914400">
-              <a:lnSpc>
-                <a:spcPct val="100000"/>
-              </a:lnSpc>
-              <a:spcBef>
-                <a:spcPts val="360"/>
-              </a:spcBef>
-              <a:buClr>
-                <a:srgbClr val="000000"/>
-              </a:buClr>
-              <a:buFont typeface="Wingdings" charset="2"/>
-              <a:buChar char=""/>
-              <a:tabLst>
-                <a:tab algn="l" pos="0"/>
-              </a:tabLst>
-            </a:pPr>
-            <a:r>
-              <a:rPr b="0" lang="en-US" sz="1800" spc="-1" strike="noStrike">
-                <a:solidFill>
-                  <a:schemeClr val="dk1"/>
-                </a:solidFill>
-                <a:latin typeface="Calibri"/>
-              </a:rPr>
-              <a:t>Fifth level</a:t>
-            </a:r>
-            <a:endParaRPr b="0" lang="en-US" sz="1800" spc="-1" strike="noStrike">
-              <a:solidFill>
-                <a:schemeClr val="dk1"/>
-              </a:solidFill>
-              <a:latin typeface="Calibri"/>
-            </a:endParaRPr>
-          </a:p>
-        </p:txBody>
-      </p:sp>
-      <p:sp>
-        <p:nvSpPr>
-          <p:cNvPr id="100" name="PlaceHolder 3"/>
-          <p:cNvSpPr>
-            <a:spLocks noGrp="1"/>
-          </p:cNvSpPr>
-          <p:nvPr>
-            <p:ph type="title"/>
-          </p:nvPr>
-        </p:nvSpPr>
-        <p:spPr>
-          <a:xfrm>
-            <a:off x="532080" y="51480"/>
-            <a:ext cx="7886520" cy="575640"/>
-          </a:xfrm>
-          <a:prstGeom prst="rect">
-            <a:avLst/>
-          </a:prstGeom>
-          <a:noFill/>
-          <a:ln w="0">
-            <a:noFill/>
-          </a:ln>
-        </p:spPr>
-        <p:txBody>
-          <a:bodyPr lIns="90000" rIns="90000" tIns="45000" bIns="45000" anchor="t">
-            <a:noAutofit/>
-          </a:bodyPr>
-          <a:p>
-            <a:pPr indent="0" defTabSz="914400">
-              <a:lnSpc>
-                <a:spcPct val="100000"/>
-              </a:lnSpc>
-              <a:buNone/>
-            </a:pPr>
-            <a:r>
-              <a:rPr b="1" lang="en-US" sz="3200" spc="-1" strike="noStrike">
-                <a:solidFill>
-                  <a:schemeClr val="lt1"/>
-                </a:solidFill>
-                <a:latin typeface="Calibri"/>
-              </a:rPr>
-              <a:t>Click to edit title</a:t>
-            </a:r>
-            <a:endParaRPr b="0" lang="en-US" sz="3200" spc="-1" strike="noStrike">
-              <a:solidFill>
-                <a:schemeClr val="dk1"/>
-              </a:solidFill>
-              <a:latin typeface="Calibri"/>
-            </a:endParaRPr>
-          </a:p>
-        </p:txBody>
-      </p:sp>
     </p:spTree>
   </p:cSld>
   <p:clrMap bg1="lt1" bg2="lt2" tx1="dk1" tx2="dk2" accent1="accent1" accent2="accent2" accent3="accent3" accent4="accent4" accent5="accent5" accent6="accent6" hlink="hlink" folHlink="folHlink"/>
@@ -9284,7 +6788,7 @@
       </p:grpSpPr>
       <p:sp>
         <p:nvSpPr>
-          <p:cNvPr id="137" name="PlaceHolder 1"/>
+          <p:cNvPr id="110" name="PlaceHolder 1"/>
           <p:cNvSpPr>
             <a:spLocks noGrp="1"/>
           </p:cNvSpPr>
@@ -9295,7 +6799,7 @@
         <p:spPr>
           <a:xfrm>
             <a:off x="685800" y="2754000"/>
-            <a:ext cx="5671080" cy="1159560"/>
+            <a:ext cx="5670360" cy="1158840"/>
           </a:xfrm>
           <a:prstGeom prst="rect">
             <a:avLst/>
@@ -9315,6 +6819,9 @@
                 <a:spcPct val="100000"/>
               </a:lnSpc>
               <a:buNone/>
+              <a:tabLst>
+                <a:tab algn="l" pos="0"/>
+              </a:tabLst>
             </a:pPr>
             <a:r>
               <a:rPr b="0" lang="el-GR" sz="2400" spc="-1" strike="noStrike">
@@ -9381,23 +6888,23 @@
             </a:r>
             <a:endParaRPr b="0" lang="en-US" sz="2400" spc="-1" strike="noStrike">
               <a:solidFill>
-                <a:schemeClr val="dk1"/>
+                <a:srgbClr val="ffffff"/>
               </a:solidFill>
-              <a:latin typeface="Calibri"/>
+              <a:latin typeface="Arial"/>
             </a:endParaRPr>
           </a:p>
         </p:txBody>
       </p:sp>
       <p:sp>
         <p:nvSpPr>
-          <p:cNvPr id="138" name="TextBox 2"/>
+          <p:cNvPr id="111" name="TextBox 2"/>
           <p:cNvSpPr/>
           <p:nvPr/>
         </p:nvSpPr>
         <p:spPr>
           <a:xfrm>
             <a:off x="1523160" y="4443840"/>
-            <a:ext cx="6097320" cy="363960"/>
+            <a:ext cx="6096600" cy="363960"/>
           </a:xfrm>
           <a:prstGeom prst="rect">
             <a:avLst/>
@@ -9473,7 +6980,7 @@
       </p:grpSpPr>
       <p:sp>
         <p:nvSpPr>
-          <p:cNvPr id="139" name="PlaceHolder 1"/>
+          <p:cNvPr id="112" name="PlaceHolder 1"/>
           <p:cNvSpPr>
             <a:spLocks noGrp="1"/>
           </p:cNvSpPr>
@@ -9484,7 +6991,7 @@
         <p:spPr>
           <a:xfrm>
             <a:off x="532080" y="785880"/>
-            <a:ext cx="3751560" cy="3945960"/>
+            <a:ext cx="3750840" cy="3945240"/>
           </a:xfrm>
           <a:prstGeom prst="rect">
             <a:avLst/>
@@ -9505,18 +7012,18 @@
               </a:spcBef>
               <a:buNone/>
             </a:pPr>
-            <a:endParaRPr b="1" lang="en-US" sz="1600" spc="-1" strike="noStrike">
+            <a:endParaRPr b="0" lang="en-US" sz="1800" spc="-1" strike="noStrike">
               <a:solidFill>
-                <a:schemeClr val="dk1"/>
+                <a:srgbClr val="000000"/>
               </a:solidFill>
-              <a:latin typeface="Calibri"/>
+              <a:latin typeface="Arial"/>
             </a:endParaRPr>
           </a:p>
         </p:txBody>
       </p:sp>
       <p:sp>
         <p:nvSpPr>
-          <p:cNvPr id="140" name="PlaceHolder 2"/>
+          <p:cNvPr id="113" name="PlaceHolder 2"/>
           <p:cNvSpPr>
             <a:spLocks noGrp="1"/>
           </p:cNvSpPr>
@@ -9527,7 +7034,7 @@
         <p:spPr>
           <a:xfrm>
             <a:off x="532080" y="51480"/>
-            <a:ext cx="7886520" cy="575640"/>
+            <a:ext cx="7885800" cy="574920"/>
           </a:xfrm>
           <a:prstGeom prst="rect">
             <a:avLst/>
@@ -9547,6 +7054,9 @@
                 <a:spcPct val="100000"/>
               </a:lnSpc>
               <a:buNone/>
+              <a:tabLst>
+                <a:tab algn="l" pos="0"/>
+              </a:tabLst>
             </a:pPr>
             <a:r>
               <a:rPr b="1" lang="el-GR" sz="2400" spc="-1" strike="noStrike">
@@ -9559,16 +7069,16 @@
             </a:r>
             <a:endParaRPr b="0" lang="en-US" sz="2400" spc="-1" strike="noStrike">
               <a:solidFill>
-                <a:schemeClr val="dk1"/>
+                <a:srgbClr val="000000"/>
               </a:solidFill>
-              <a:latin typeface="Calibri"/>
+              <a:latin typeface="Arial"/>
             </a:endParaRPr>
           </a:p>
         </p:txBody>
       </p:sp>
       <p:sp>
         <p:nvSpPr>
-          <p:cNvPr id="141" name="PlaceHolder 3"/>
+          <p:cNvPr id="114" name="PlaceHolder 3"/>
           <p:cNvSpPr>
             <a:spLocks noGrp="1"/>
           </p:cNvSpPr>
@@ -9579,7 +7089,7 @@
         <p:spPr>
           <a:xfrm>
             <a:off x="4660920" y="785880"/>
-            <a:ext cx="3751560" cy="3945960"/>
+            <a:ext cx="3750840" cy="3945240"/>
           </a:xfrm>
           <a:prstGeom prst="rect">
             <a:avLst/>
@@ -9600,11 +7110,11 @@
               </a:spcBef>
               <a:buNone/>
             </a:pPr>
-            <a:endParaRPr b="1" lang="en-US" sz="1600" spc="-1" strike="noStrike">
+            <a:endParaRPr b="0" lang="en-US" sz="1800" spc="-1" strike="noStrike">
               <a:solidFill>
-                <a:schemeClr val="dk1"/>
+                <a:srgbClr val="000000"/>
               </a:solidFill>
-              <a:latin typeface="Calibri"/>
+              <a:latin typeface="Arial"/>
             </a:endParaRPr>
           </a:p>
         </p:txBody>
@@ -9641,7 +7151,7 @@
       </p:grpSpPr>
       <p:sp>
         <p:nvSpPr>
-          <p:cNvPr id="142" name="PlaceHolder 1"/>
+          <p:cNvPr id="115" name="PlaceHolder 1"/>
           <p:cNvSpPr>
             <a:spLocks noGrp="1"/>
           </p:cNvSpPr>
@@ -9652,7 +7162,7 @@
         <p:spPr>
           <a:xfrm>
             <a:off x="532080" y="51480"/>
-            <a:ext cx="7886520" cy="575640"/>
+            <a:ext cx="7885800" cy="574920"/>
           </a:xfrm>
           <a:prstGeom prst="rect">
             <a:avLst/>
@@ -9672,6 +7182,9 @@
                 <a:spcPct val="100000"/>
               </a:lnSpc>
               <a:buNone/>
+              <a:tabLst>
+                <a:tab algn="l" pos="0"/>
+              </a:tabLst>
             </a:pPr>
             <a:r>
               <a:rPr b="1" lang="el-GR" sz="2400" spc="-1" strike="noStrike">
@@ -9684,16 +7197,16 @@
             </a:r>
             <a:endParaRPr b="0" lang="en-US" sz="2400" spc="-1" strike="noStrike">
               <a:solidFill>
-                <a:schemeClr val="dk1"/>
+                <a:srgbClr val="000000"/>
               </a:solidFill>
-              <a:latin typeface="Calibri"/>
+              <a:latin typeface="Arial"/>
             </a:endParaRPr>
           </a:p>
         </p:txBody>
       </p:sp>
       <p:pic>
         <p:nvPicPr>
-          <p:cNvPr id="143" name="" descr=""/>
+          <p:cNvPr id="116" name="" descr=""/>
           <p:cNvPicPr/>
           <p:nvPr/>
         </p:nvPicPr>
@@ -9704,7 +7217,7 @@
         <p:spPr>
           <a:xfrm>
             <a:off x="5029200" y="1143000"/>
-            <a:ext cx="2286000" cy="832680"/>
+            <a:ext cx="2285280" cy="831960"/>
           </a:xfrm>
           <a:prstGeom prst="rect">
             <a:avLst/>
@@ -9716,7 +7229,7 @@
       </p:pic>
       <p:pic>
         <p:nvPicPr>
-          <p:cNvPr id="144" name="" descr=""/>
+          <p:cNvPr id="117" name="" descr=""/>
           <p:cNvPicPr/>
           <p:nvPr/>
         </p:nvPicPr>
@@ -9727,7 +7240,7 @@
         <p:spPr>
           <a:xfrm>
             <a:off x="457200" y="685800"/>
-            <a:ext cx="2971800" cy="1485720"/>
+            <a:ext cx="2971080" cy="1485000"/>
           </a:xfrm>
           <a:prstGeom prst="rect">
             <a:avLst/>
@@ -9739,7 +7252,7 @@
       </p:pic>
       <p:pic>
         <p:nvPicPr>
-          <p:cNvPr id="145" name="" descr=""/>
+          <p:cNvPr id="118" name="" descr=""/>
           <p:cNvPicPr/>
           <p:nvPr/>
         </p:nvPicPr>
@@ -9750,7 +7263,7 @@
         <p:spPr>
           <a:xfrm>
             <a:off x="459000" y="4114800"/>
-            <a:ext cx="2741400" cy="913680"/>
+            <a:ext cx="2740680" cy="912960"/>
           </a:xfrm>
           <a:prstGeom prst="rect">
             <a:avLst/>
@@ -9762,7 +7275,7 @@
       </p:pic>
       <p:pic>
         <p:nvPicPr>
-          <p:cNvPr id="146" name="" descr=""/>
+          <p:cNvPr id="119" name="" descr=""/>
           <p:cNvPicPr/>
           <p:nvPr/>
         </p:nvPicPr>
@@ -9773,7 +7286,7 @@
         <p:spPr>
           <a:xfrm>
             <a:off x="3657600" y="2743200"/>
-            <a:ext cx="1371600" cy="1371600"/>
+            <a:ext cx="1370880" cy="1370880"/>
           </a:xfrm>
           <a:prstGeom prst="rect">
             <a:avLst/>
@@ -9785,7 +7298,7 @@
       </p:pic>
       <p:pic>
         <p:nvPicPr>
-          <p:cNvPr id="147" name="" descr=""/>
+          <p:cNvPr id="120" name="" descr=""/>
           <p:cNvPicPr/>
           <p:nvPr/>
         </p:nvPicPr>
@@ -9796,7 +7309,7 @@
         <p:spPr>
           <a:xfrm>
             <a:off x="488880" y="2462760"/>
-            <a:ext cx="2711520" cy="1423440"/>
+            <a:ext cx="2710800" cy="1422720"/>
           </a:xfrm>
           <a:prstGeom prst="rect">
             <a:avLst/>
@@ -9808,7 +7321,7 @@
       </p:pic>
       <p:pic>
         <p:nvPicPr>
-          <p:cNvPr id="148" name="" descr=""/>
+          <p:cNvPr id="121" name="" descr=""/>
           <p:cNvPicPr/>
           <p:nvPr/>
         </p:nvPicPr>
@@ -9819,7 +7332,7 @@
         <p:spPr>
           <a:xfrm>
             <a:off x="5486400" y="2623320"/>
-            <a:ext cx="3256560" cy="1720080"/>
+            <a:ext cx="3255840" cy="1719360"/>
           </a:xfrm>
           <a:prstGeom prst="rect">
             <a:avLst/>
@@ -9861,7 +7374,7 @@
       </p:grpSpPr>
       <p:sp>
         <p:nvSpPr>
-          <p:cNvPr id="149" name="PlaceHolder 1"/>
+          <p:cNvPr id="122" name="PlaceHolder 1"/>
           <p:cNvSpPr>
             <a:spLocks noGrp="1"/>
           </p:cNvSpPr>
@@ -9871,8 +7384,8 @@
         </p:nvSpPr>
         <p:spPr>
           <a:xfrm>
-            <a:off x="532080" y="785880"/>
-            <a:ext cx="3751560" cy="3945960"/>
+            <a:off x="138600" y="2971800"/>
+            <a:ext cx="4661640" cy="2057040"/>
           </a:xfrm>
           <a:prstGeom prst="rect">
             <a:avLst/>
@@ -9888,23 +7401,44 @@
           </a:bodyPr>
           <a:p>
             <a:pPr indent="0">
-              <a:spcBef>
-                <a:spcPts val="1417"/>
-              </a:spcBef>
+              <a:lnSpc>
+                <a:spcPct val="100000"/>
+              </a:lnSpc>
               <a:buNone/>
+              <a:tabLst>
+                <a:tab algn="l" pos="0"/>
+              </a:tabLst>
             </a:pPr>
-            <a:endParaRPr b="1" lang="en-US" sz="1600" spc="-1" strike="noStrike">
+            <a:r>
+              <a:rPr b="0" lang="el-GR" sz="1800" spc="-1" strike="noStrike">
+                <a:solidFill>
+                  <a:srgbClr val="000000"/>
+                </a:solidFill>
+                <a:latin typeface="Arial"/>
+              </a:rPr>
+              <a:t>Παίρνοντας</a:t>
+            </a:r>
+            <a:r>
+              <a:rPr b="0" lang="en-US" sz="1800" spc="-1" strike="noStrike">
+                <a:solidFill>
+                  <a:srgbClr val="000000"/>
+                </a:solidFill>
+                <a:latin typeface="Arial"/>
+              </a:rPr>
+              <a:t> δεδομένα για την γεωμετρία του ποδηλάτου μέσω του yaml file μπορούμε να υπολογίσουμε την θέση των βασικών σημείων και να τα μετακινήσουμε στο τελικό μοντέλο.</a:t>
+            </a:r>
+            <a:endParaRPr b="0" lang="en-US" sz="1800" spc="-1" strike="noStrike">
               <a:solidFill>
-                <a:schemeClr val="dk1"/>
+                <a:srgbClr val="000000"/>
               </a:solidFill>
-              <a:latin typeface="Calibri"/>
+              <a:latin typeface="Arial"/>
             </a:endParaRPr>
           </a:p>
         </p:txBody>
       </p:sp>
       <p:sp>
         <p:nvSpPr>
-          <p:cNvPr id="150" name="PlaceHolder 2"/>
+          <p:cNvPr id="123" name="PlaceHolder 2"/>
           <p:cNvSpPr>
             <a:spLocks noGrp="1"/>
           </p:cNvSpPr>
@@ -9915,7 +7449,7 @@
         <p:spPr>
           <a:xfrm>
             <a:off x="532080" y="51480"/>
-            <a:ext cx="7886520" cy="575640"/>
+            <a:ext cx="7885800" cy="574920"/>
           </a:xfrm>
           <a:prstGeom prst="rect">
             <a:avLst/>
@@ -9935,6 +7469,9 @@
                 <a:spcPct val="100000"/>
               </a:lnSpc>
               <a:buNone/>
+              <a:tabLst>
+                <a:tab algn="l" pos="0"/>
+              </a:tabLst>
             </a:pPr>
             <a:r>
               <a:rPr b="1" lang="el-GR" sz="2400" spc="-1" strike="noStrike">
@@ -9947,56 +7484,36 @@
             </a:r>
             <a:endParaRPr b="0" lang="en-US" sz="2400" spc="-1" strike="noStrike">
               <a:solidFill>
-                <a:schemeClr val="dk1"/>
+                <a:srgbClr val="000000"/>
               </a:solidFill>
-              <a:latin typeface="Calibri"/>
+              <a:latin typeface="Arial"/>
             </a:endParaRPr>
           </a:p>
         </p:txBody>
       </p:sp>
-      <p:sp>
-        <p:nvSpPr>
-          <p:cNvPr id="151" name="PlaceHolder 3"/>
-          <p:cNvSpPr>
-            <a:spLocks noGrp="1"/>
-          </p:cNvSpPr>
-          <p:nvPr>
-            <p:ph/>
-          </p:nvPr>
-        </p:nvSpPr>
+      <p:pic>
+        <p:nvPicPr>
+          <p:cNvPr id="124" name="" descr=""/>
+          <p:cNvPicPr/>
+          <p:nvPr/>
+        </p:nvPicPr>
+        <p:blipFill>
+          <a:blip r:embed="rId1"/>
+          <a:stretch/>
+        </p:blipFill>
         <p:spPr>
           <a:xfrm>
-            <a:off x="4660920" y="785880"/>
-            <a:ext cx="3751560" cy="3945960"/>
+            <a:off x="138600" y="518400"/>
+            <a:ext cx="8279280" cy="4656960"/>
           </a:xfrm>
           <a:prstGeom prst="rect">
             <a:avLst/>
           </a:prstGeom>
-          <a:noFill/>
           <a:ln w="0">
             <a:noFill/>
           </a:ln>
         </p:spPr>
-        <p:txBody>
-          <a:bodyPr lIns="90000" rIns="90000" tIns="45000" bIns="45000" anchor="t">
-            <a:noAutofit/>
-          </a:bodyPr>
-          <a:p>
-            <a:pPr indent="0">
-              <a:spcBef>
-                <a:spcPts val="1417"/>
-              </a:spcBef>
-              <a:buNone/>
-            </a:pPr>
-            <a:endParaRPr b="1" lang="en-US" sz="1600" spc="-1" strike="noStrike">
-              <a:solidFill>
-                <a:schemeClr val="dk1"/>
-              </a:solidFill>
-              <a:latin typeface="Calibri"/>
-            </a:endParaRPr>
-          </a:p>
-        </p:txBody>
-      </p:sp>
+      </p:pic>
     </p:spTree>
   </p:cSld>
   <mc:AlternateContent>
@@ -10027,144 +7544,98 @@
           <a:chExt cx="0" cy="0"/>
         </a:xfrm>
       </p:grpSpPr>
-      <p:sp>
-        <p:nvSpPr>
-          <p:cNvPr id="152" name="PlaceHolder 1"/>
-          <p:cNvSpPr>
-            <a:spLocks noGrp="1"/>
-          </p:cNvSpPr>
-          <p:nvPr>
-            <p:ph/>
-          </p:nvPr>
-        </p:nvSpPr>
+      <p:pic>
+        <p:nvPicPr>
+          <p:cNvPr id="125" name="" descr=""/>
+          <p:cNvPicPr/>
+          <p:nvPr/>
+        </p:nvPicPr>
+        <p:blipFill>
+          <a:blip r:embed="rId1"/>
+          <a:stretch/>
+        </p:blipFill>
         <p:spPr>
           <a:xfrm>
-            <a:off x="532080" y="785880"/>
-            <a:ext cx="3751560" cy="3945960"/>
+            <a:off x="228600" y="2665800"/>
+            <a:ext cx="3886200" cy="2363400"/>
           </a:xfrm>
           <a:prstGeom prst="rect">
             <a:avLst/>
           </a:prstGeom>
-          <a:noFill/>
           <a:ln w="0">
             <a:noFill/>
           </a:ln>
         </p:spPr>
-        <p:txBody>
-          <a:bodyPr lIns="90000" rIns="90000" tIns="45000" bIns="45000" anchor="t">
-            <a:noAutofit/>
-          </a:bodyPr>
-          <a:p>
-            <a:pPr indent="0">
-              <a:spcBef>
-                <a:spcPts val="1417"/>
-              </a:spcBef>
-              <a:buNone/>
-            </a:pPr>
-            <a:endParaRPr b="1" lang="en-US" sz="1600" spc="-1" strike="noStrike">
-              <a:solidFill>
-                <a:schemeClr val="dk1"/>
-              </a:solidFill>
-              <a:latin typeface="Calibri"/>
-            </a:endParaRPr>
-          </a:p>
-        </p:txBody>
-      </p:sp>
-      <p:sp>
-        <p:nvSpPr>
-          <p:cNvPr id="153" name="PlaceHolder 2"/>
-          <p:cNvSpPr>
-            <a:spLocks noGrp="1"/>
-          </p:cNvSpPr>
-          <p:nvPr>
-            <p:ph type="title"/>
-          </p:nvPr>
-        </p:nvSpPr>
+      </p:pic>
+      <p:pic>
+        <p:nvPicPr>
+          <p:cNvPr id="126" name="" descr=""/>
+          <p:cNvPicPr/>
+          <p:nvPr/>
+        </p:nvPicPr>
+        <p:blipFill>
+          <a:blip r:embed="rId2"/>
+          <a:stretch/>
+        </p:blipFill>
         <p:spPr>
           <a:xfrm>
-            <a:off x="532080" y="51480"/>
-            <a:ext cx="7886520" cy="575640"/>
+            <a:off x="4343400" y="228600"/>
+            <a:ext cx="3200400" cy="2329920"/>
           </a:xfrm>
           <a:prstGeom prst="rect">
             <a:avLst/>
           </a:prstGeom>
-          <a:noFill/>
           <a:ln w="0">
             <a:noFill/>
           </a:ln>
         </p:spPr>
-        <p:txBody>
-          <a:bodyPr lIns="90000" rIns="90000" tIns="45000" bIns="45000" anchor="t">
-            <a:noAutofit/>
-          </a:bodyPr>
-          <a:p>
-            <a:pPr indent="0" defTabSz="914400">
-              <a:lnSpc>
-                <a:spcPct val="100000"/>
-              </a:lnSpc>
-              <a:buNone/>
-            </a:pPr>
-            <a:r>
-              <a:rPr b="1" lang="el-GR" sz="2400" spc="-1" strike="noStrike">
-                <a:solidFill>
-                  <a:schemeClr val="accent1"/>
-                </a:solidFill>
-                <a:latin typeface="Calibri"/>
-              </a:rPr>
-              <a:t>Ενδεικτικά αποτελέσματα και πρώτα συμπεράσματα</a:t>
-            </a:r>
-            <a:endParaRPr b="0" lang="en-US" sz="2400" spc="-1" strike="noStrike">
-              <a:solidFill>
-                <a:schemeClr val="dk1"/>
-              </a:solidFill>
-              <a:latin typeface="Calibri"/>
-            </a:endParaRPr>
-          </a:p>
-        </p:txBody>
-      </p:sp>
-      <p:sp>
-        <p:nvSpPr>
-          <p:cNvPr id="154" name="PlaceHolder 3"/>
-          <p:cNvSpPr>
-            <a:spLocks noGrp="1"/>
-          </p:cNvSpPr>
-          <p:nvPr>
-            <p:ph/>
-          </p:nvPr>
-        </p:nvSpPr>
+      </p:pic>
+      <p:pic>
+        <p:nvPicPr>
+          <p:cNvPr id="127" name="" descr=""/>
+          <p:cNvPicPr/>
+          <p:nvPr/>
+        </p:nvPicPr>
+        <p:blipFill>
+          <a:blip r:embed="rId3"/>
+          <a:stretch/>
+        </p:blipFill>
         <p:spPr>
           <a:xfrm>
-            <a:off x="4660920" y="785880"/>
-            <a:ext cx="3751560" cy="3945960"/>
+            <a:off x="228600" y="181080"/>
+            <a:ext cx="3886200" cy="2333520"/>
           </a:xfrm>
           <a:prstGeom prst="rect">
             <a:avLst/>
           </a:prstGeom>
-          <a:noFill/>
           <a:ln w="0">
             <a:noFill/>
           </a:ln>
         </p:spPr>
-        <p:txBody>
-          <a:bodyPr lIns="90000" rIns="90000" tIns="45000" bIns="45000" anchor="t">
-            <a:noAutofit/>
-          </a:bodyPr>
-          <a:p>
-            <a:pPr indent="0">
-              <a:spcBef>
-                <a:spcPts val="1417"/>
-              </a:spcBef>
-              <a:buNone/>
-            </a:pPr>
-            <a:endParaRPr b="1" lang="en-US" sz="1600" spc="-1" strike="noStrike">
-              <a:solidFill>
-                <a:schemeClr val="dk1"/>
-              </a:solidFill>
-              <a:latin typeface="Calibri"/>
-            </a:endParaRPr>
-          </a:p>
-        </p:txBody>
-      </p:sp>
+      </p:pic>
+      <p:pic>
+        <p:nvPicPr>
+          <p:cNvPr id="128" name="" descr=""/>
+          <p:cNvPicPr/>
+          <p:nvPr/>
+        </p:nvPicPr>
+        <p:blipFill>
+          <a:blip r:embed="rId4"/>
+          <a:stretch/>
+        </p:blipFill>
+        <p:spPr>
+          <a:xfrm>
+            <a:off x="4343400" y="2659680"/>
+            <a:ext cx="3429000" cy="2369520"/>
+          </a:xfrm>
+          <a:prstGeom prst="rect">
+            <a:avLst/>
+          </a:prstGeom>
+          <a:ln w="0">
+            <a:noFill/>
+          </a:ln>
+        </p:spPr>
+      </p:pic>
     </p:spTree>
   </p:cSld>
   <mc:AlternateContent>
@@ -10197,7 +7668,7 @@
       </p:grpSpPr>
       <p:sp>
         <p:nvSpPr>
-          <p:cNvPr id="155" name="PlaceHolder 1"/>
+          <p:cNvPr id="129" name="PlaceHolder 1"/>
           <p:cNvSpPr>
             <a:spLocks noGrp="1"/>
           </p:cNvSpPr>
@@ -10208,7 +7679,7 @@
         <p:spPr>
           <a:xfrm>
             <a:off x="532080" y="785880"/>
-            <a:ext cx="3751560" cy="3945960"/>
+            <a:ext cx="3750840" cy="3945240"/>
           </a:xfrm>
           <a:prstGeom prst="rect">
             <a:avLst/>
@@ -10229,18 +7700,18 @@
               </a:spcBef>
               <a:buNone/>
             </a:pPr>
-            <a:endParaRPr b="1" lang="en-US" sz="1600" spc="-1" strike="noStrike">
+            <a:endParaRPr b="0" lang="en-US" sz="1800" spc="-1" strike="noStrike">
               <a:solidFill>
-                <a:schemeClr val="dk1"/>
+                <a:srgbClr val="000000"/>
               </a:solidFill>
-              <a:latin typeface="Calibri"/>
+              <a:latin typeface="Arial"/>
             </a:endParaRPr>
           </a:p>
         </p:txBody>
       </p:sp>
       <p:sp>
         <p:nvSpPr>
-          <p:cNvPr id="156" name="PlaceHolder 2"/>
+          <p:cNvPr id="130" name="PlaceHolder 2"/>
           <p:cNvSpPr>
             <a:spLocks noGrp="1"/>
           </p:cNvSpPr>
@@ -10251,7 +7722,7 @@
         <p:spPr>
           <a:xfrm>
             <a:off x="532080" y="51480"/>
-            <a:ext cx="7886520" cy="575640"/>
+            <a:ext cx="7885800" cy="574920"/>
           </a:xfrm>
           <a:prstGeom prst="rect">
             <a:avLst/>
@@ -10271,6 +7742,9 @@
                 <a:spcPct val="100000"/>
               </a:lnSpc>
               <a:buNone/>
+              <a:tabLst>
+                <a:tab algn="l" pos="0"/>
+              </a:tabLst>
             </a:pPr>
             <a:r>
               <a:rPr b="1" lang="el-GR" sz="2400" spc="-1" strike="noStrike">
@@ -10279,20 +7753,20 @@
                 </a:solidFill>
                 <a:latin typeface="Calibri"/>
               </a:rPr>
-              <a:t>Επόμενα βήματα</a:t>
+              <a:t>Ενδεικτικά αποτελέσματα και πρώτα συμπεράσματα</a:t>
             </a:r>
             <a:endParaRPr b="0" lang="en-US" sz="2400" spc="-1" strike="noStrike">
               <a:solidFill>
-                <a:schemeClr val="dk1"/>
+                <a:srgbClr val="000000"/>
               </a:solidFill>
-              <a:latin typeface="Calibri"/>
+              <a:latin typeface="Arial"/>
             </a:endParaRPr>
           </a:p>
         </p:txBody>
       </p:sp>
       <p:sp>
         <p:nvSpPr>
-          <p:cNvPr id="157" name="PlaceHolder 3"/>
+          <p:cNvPr id="131" name="PlaceHolder 3"/>
           <p:cNvSpPr>
             <a:spLocks noGrp="1"/>
           </p:cNvSpPr>
@@ -10303,7 +7777,7 @@
         <p:spPr>
           <a:xfrm>
             <a:off x="4660920" y="785880"/>
-            <a:ext cx="3751560" cy="3945960"/>
+            <a:ext cx="3750840" cy="3945240"/>
           </a:xfrm>
           <a:prstGeom prst="rect">
             <a:avLst/>
@@ -10324,11 +7798,11 @@
               </a:spcBef>
               <a:buNone/>
             </a:pPr>
-            <a:endParaRPr b="1" lang="en-US" sz="1600" spc="-1" strike="noStrike">
+            <a:endParaRPr b="0" lang="en-US" sz="1800" spc="-1" strike="noStrike">
               <a:solidFill>
-                <a:schemeClr val="dk1"/>
+                <a:srgbClr val="000000"/>
               </a:solidFill>
-              <a:latin typeface="Calibri"/>
+              <a:latin typeface="Arial"/>
             </a:endParaRPr>
           </a:p>
         </p:txBody>
@@ -10365,7 +7839,178 @@
       </p:grpSpPr>
       <p:sp>
         <p:nvSpPr>
-          <p:cNvPr id="158" name="PlaceHolder 1"/>
+          <p:cNvPr id="132" name="PlaceHolder 1"/>
+          <p:cNvSpPr>
+            <a:spLocks noGrp="1"/>
+          </p:cNvSpPr>
+          <p:nvPr>
+            <p:ph/>
+          </p:nvPr>
+        </p:nvSpPr>
+        <p:spPr>
+          <a:xfrm>
+            <a:off x="532080" y="785880"/>
+            <a:ext cx="3750840" cy="3945240"/>
+          </a:xfrm>
+          <a:prstGeom prst="rect">
+            <a:avLst/>
+          </a:prstGeom>
+          <a:noFill/>
+          <a:ln w="0">
+            <a:noFill/>
+          </a:ln>
+        </p:spPr>
+        <p:txBody>
+          <a:bodyPr lIns="90000" rIns="90000" tIns="45000" bIns="45000" anchor="t">
+            <a:noAutofit/>
+          </a:bodyPr>
+          <a:p>
+            <a:pPr indent="0">
+              <a:spcBef>
+                <a:spcPts val="1417"/>
+              </a:spcBef>
+              <a:buNone/>
+            </a:pPr>
+            <a:endParaRPr b="0" lang="en-US" sz="1800" spc="-1" strike="noStrike">
+              <a:solidFill>
+                <a:srgbClr val="000000"/>
+              </a:solidFill>
+              <a:latin typeface="Arial"/>
+            </a:endParaRPr>
+          </a:p>
+        </p:txBody>
+      </p:sp>
+      <p:sp>
+        <p:nvSpPr>
+          <p:cNvPr id="133" name="PlaceHolder 2"/>
+          <p:cNvSpPr>
+            <a:spLocks noGrp="1"/>
+          </p:cNvSpPr>
+          <p:nvPr>
+            <p:ph type="title"/>
+          </p:nvPr>
+        </p:nvSpPr>
+        <p:spPr>
+          <a:xfrm>
+            <a:off x="532080" y="51480"/>
+            <a:ext cx="7885800" cy="574920"/>
+          </a:xfrm>
+          <a:prstGeom prst="rect">
+            <a:avLst/>
+          </a:prstGeom>
+          <a:noFill/>
+          <a:ln w="0">
+            <a:noFill/>
+          </a:ln>
+        </p:spPr>
+        <p:txBody>
+          <a:bodyPr lIns="90000" rIns="90000" tIns="45000" bIns="45000" anchor="t">
+            <a:noAutofit/>
+          </a:bodyPr>
+          <a:p>
+            <a:pPr indent="0" defTabSz="914400">
+              <a:lnSpc>
+                <a:spcPct val="100000"/>
+              </a:lnSpc>
+              <a:buNone/>
+              <a:tabLst>
+                <a:tab algn="l" pos="0"/>
+              </a:tabLst>
+            </a:pPr>
+            <a:r>
+              <a:rPr b="1" lang="el-GR" sz="2400" spc="-1" strike="noStrike">
+                <a:solidFill>
+                  <a:schemeClr val="accent1"/>
+                </a:solidFill>
+                <a:latin typeface="Calibri"/>
+              </a:rPr>
+              <a:t>Επόμενα βήματα</a:t>
+            </a:r>
+            <a:endParaRPr b="0" lang="en-US" sz="2400" spc="-1" strike="noStrike">
+              <a:solidFill>
+                <a:srgbClr val="000000"/>
+              </a:solidFill>
+              <a:latin typeface="Arial"/>
+            </a:endParaRPr>
+          </a:p>
+        </p:txBody>
+      </p:sp>
+      <p:sp>
+        <p:nvSpPr>
+          <p:cNvPr id="134" name="PlaceHolder 3"/>
+          <p:cNvSpPr>
+            <a:spLocks noGrp="1"/>
+          </p:cNvSpPr>
+          <p:nvPr>
+            <p:ph/>
+          </p:nvPr>
+        </p:nvSpPr>
+        <p:spPr>
+          <a:xfrm>
+            <a:off x="4660920" y="785880"/>
+            <a:ext cx="3750840" cy="3945240"/>
+          </a:xfrm>
+          <a:prstGeom prst="rect">
+            <a:avLst/>
+          </a:prstGeom>
+          <a:noFill/>
+          <a:ln w="0">
+            <a:noFill/>
+          </a:ln>
+        </p:spPr>
+        <p:txBody>
+          <a:bodyPr lIns="90000" rIns="90000" tIns="45000" bIns="45000" anchor="t">
+            <a:noAutofit/>
+          </a:bodyPr>
+          <a:p>
+            <a:pPr indent="0">
+              <a:spcBef>
+                <a:spcPts val="1417"/>
+              </a:spcBef>
+              <a:buNone/>
+            </a:pPr>
+            <a:endParaRPr b="0" lang="en-US" sz="1800" spc="-1" strike="noStrike">
+              <a:solidFill>
+                <a:srgbClr val="000000"/>
+              </a:solidFill>
+              <a:latin typeface="Arial"/>
+            </a:endParaRPr>
+          </a:p>
+        </p:txBody>
+      </p:sp>
+    </p:spTree>
+  </p:cSld>
+  <mc:AlternateContent>
+    <mc:Choice Requires="p14">
+      <p:transition spd="slow" p14:dur="2000"/>
+    </mc:Choice>
+    <mc:Fallback>
+      <p:transition spd="slow"/>
+    </mc:Fallback>
+  </mc:AlternateContent>
+</p:sld>
+</file>
+
+<file path=ppt/slides/slide8.xml><?xml version="1.0" encoding="utf-8"?>
+<p:sld xmlns:a="http://schemas.openxmlformats.org/drawingml/2006/main" xmlns:p="http://schemas.openxmlformats.org/presentationml/2006/main" xmlns:r="http://schemas.openxmlformats.org/officeDocument/2006/relationships" xmlns:p14="http://schemas.microsoft.com/office/powerpoint/2010/main" xmlns:p15="http://schemas.microsoft.com/office/powerpoint/2012/main" xmlns:mc="http://schemas.openxmlformats.org/markup-compatibility/2006">
+  <p:cSld>
+    <p:spTree>
+      <p:nvGrpSpPr>
+        <p:cNvPr id="1" name=""/>
+        <p:cNvGrpSpPr/>
+        <p:nvPr/>
+      </p:nvGrpSpPr>
+      <p:grpSpPr>
+        <a:xfrm>
+          <a:off x="0" y="0"/>
+          <a:ext cx="0" cy="0"/>
+          <a:chOff x="0" y="0"/>
+          <a:chExt cx="0" cy="0"/>
+        </a:xfrm>
+      </p:grpSpPr>
+      <p:sp>
+        <p:nvSpPr>
+          <p:cNvPr id="135" name="PlaceHolder 1"/>
           <p:cNvSpPr>
             <a:spLocks noGrp="1"/>
           </p:cNvSpPr>
@@ -10376,7 +8021,7 @@
         <p:spPr>
           <a:xfrm>
             <a:off x="0" y="2093760"/>
-            <a:ext cx="7530480" cy="718920"/>
+            <a:ext cx="7529760" cy="718200"/>
           </a:xfrm>
           <a:prstGeom prst="rect">
             <a:avLst/>
@@ -10396,6 +8041,9 @@
                 <a:spcPct val="100000"/>
               </a:lnSpc>
               <a:buNone/>
+              <a:tabLst>
+                <a:tab algn="l" pos="0"/>
+              </a:tabLst>
             </a:pPr>
             <a:r>
               <a:rPr b="0" lang="el-GR" sz="3200" spc="-1" strike="noStrike">
@@ -10419,16 +8067,16 @@
             </a:r>
             <a:endParaRPr b="0" lang="en-US" sz="3200" spc="-1" strike="noStrike">
               <a:solidFill>
-                <a:schemeClr val="dk1"/>
+                <a:srgbClr val="000000"/>
               </a:solidFill>
-              <a:latin typeface="Calibri"/>
+              <a:latin typeface="Arial"/>
             </a:endParaRPr>
           </a:p>
         </p:txBody>
       </p:sp>
       <p:sp>
         <p:nvSpPr>
-          <p:cNvPr id="159" name="PlaceHolder 2"/>
+          <p:cNvPr id="136" name="PlaceHolder 2"/>
           <p:cNvSpPr>
             <a:spLocks noGrp="1"/>
           </p:cNvSpPr>
@@ -10439,7 +8087,7 @@
         <p:spPr>
           <a:xfrm>
             <a:off x="939600" y="2813040"/>
-            <a:ext cx="4924080" cy="1953720"/>
+            <a:ext cx="4923360" cy="1953000"/>
           </a:xfrm>
           <a:prstGeom prst="rect">
             <a:avLst/>
@@ -10459,6 +8107,9 @@
                 <a:spcPct val="100000"/>
               </a:lnSpc>
               <a:buNone/>
+              <a:tabLst>
+                <a:tab algn="l" pos="0"/>
+              </a:tabLst>
             </a:pPr>
             <a:r>
               <a:rPr b="0" lang="el-GR" sz="2800" spc="-1" strike="noStrike">

--- a/Presentations/interim_presentation_template-ds.pptx
+++ b/Presentations/interim_presentation_template-ds.pptx
@@ -8,29 +8,32 @@
     <p:sldMasterId id="2147483654" r:id="rId5"/>
     <p:sldMasterId id="2147483656" r:id="rId6"/>
     <p:sldMasterId id="2147483658" r:id="rId7"/>
-    <p:sldMasterId id="2147483660" r:id="rId8"/>
-    <p:sldMasterId id="2147483662" r:id="rId9"/>
-    <p:sldMasterId id="2147483664" r:id="rId10"/>
-    <p:sldMasterId id="2147483666" r:id="rId11"/>
-    <p:sldMasterId id="2147483668" r:id="rId12"/>
-    <p:sldMasterId id="2147483670" r:id="rId13"/>
-    <p:sldMasterId id="2147483672" r:id="rId14"/>
-    <p:sldMasterId id="2147483674" r:id="rId15"/>
-    <p:sldMasterId id="2147483676" r:id="rId16"/>
-    <p:sldMasterId id="2147483678" r:id="rId17"/>
+    <p:sldMasterId id="2147483662" r:id="rId8"/>
+    <p:sldMasterId id="2147483664" r:id="rId9"/>
+    <p:sldMasterId id="2147483666" r:id="rId10"/>
+    <p:sldMasterId id="2147483668" r:id="rId11"/>
+    <p:sldMasterId id="2147483670" r:id="rId12"/>
+    <p:sldMasterId id="2147483672" r:id="rId13"/>
+    <p:sldMasterId id="2147483674" r:id="rId14"/>
+    <p:sldMasterId id="2147483676" r:id="rId15"/>
+    <p:sldMasterId id="2147483678" r:id="rId16"/>
+    <p:sldMasterId id="2147483680" r:id="rId17"/>
+    <p:sldMasterId id="2147483682" r:id="rId18"/>
+    <p:sldMasterId id="2147483684" r:id="rId19"/>
   </p:sldMasterIdLst>
   <p:sldIdLst>
-    <p:sldId id="256" r:id="rId18"/>
-    <p:sldId id="257" r:id="rId19"/>
-    <p:sldId id="258" r:id="rId20"/>
-    <p:sldId id="259" r:id="rId21"/>
-    <p:sldId id="260" r:id="rId22"/>
-    <p:sldId id="261" r:id="rId23"/>
-    <p:sldId id="262" r:id="rId24"/>
-    <p:sldId id="263" r:id="rId25"/>
+    <p:sldId id="256" r:id="rId20"/>
+    <p:sldId id="257" r:id="rId21"/>
+    <p:sldId id="258" r:id="rId22"/>
+    <p:sldId id="259" r:id="rId23"/>
+    <p:sldId id="260" r:id="rId24"/>
+    <p:sldId id="261" r:id="rId25"/>
+    <p:sldId id="262" r:id="rId26"/>
+    <p:sldId id="263" r:id="rId27"/>
+    <p:sldId id="264" r:id="rId28"/>
   </p:sldIdLst>
   <p:sldSz cx="9144000" cy="5143500"/>
-  <p:notesSz cx="7559675" cy="10691813"/>
+  <p:notesSz cx="7772400" cy="10058400"/>
 </p:presentation>
 </file>
 
@@ -58,6 +61,240 @@
 
 <file path=ppt/slideLayouts/slideLayout10.xml><?xml version="1.0" encoding="utf-8"?>
 <p:sldLayout xmlns:a="http://schemas.openxmlformats.org/drawingml/2006/main" xmlns:p="http://schemas.openxmlformats.org/presentationml/2006/main" xmlns:r="http://schemas.openxmlformats.org/officeDocument/2006/relationships" xmlns:p14="http://schemas.microsoft.com/office/powerpoint/2010/main" xmlns:p15="http://schemas.microsoft.com/office/powerpoint/2012/main" xmlns:mc="http://schemas.openxmlformats.org/markup-compatibility/2006" type="blank" preserve="1">
+  <p:cSld name="Title + 3 columns">
+    <p:spTree>
+      <p:nvGrpSpPr>
+        <p:cNvPr id="1" name=""/>
+        <p:cNvGrpSpPr/>
+        <p:nvPr/>
+      </p:nvGrpSpPr>
+      <p:grpSpPr>
+        <a:xfrm>
+          <a:off x="0" y="0"/>
+          <a:ext cx="0" cy="0"/>
+          <a:chOff x="0" y="0"/>
+          <a:chExt cx="0" cy="0"/>
+        </a:xfrm>
+      </p:grpSpPr>
+    </p:spTree>
+  </p:cSld>
+</p:sldLayout>
+</file>
+
+<file path=ppt/slideLayouts/slideLayout11.xml><?xml version="1.0" encoding="utf-8"?>
+<p:sldLayout xmlns:a="http://schemas.openxmlformats.org/drawingml/2006/main" xmlns:p="http://schemas.openxmlformats.org/presentationml/2006/main" xmlns:r="http://schemas.openxmlformats.org/officeDocument/2006/relationships" xmlns:p14="http://schemas.microsoft.com/office/powerpoint/2010/main" xmlns:p15="http://schemas.microsoft.com/office/powerpoint/2012/main" xmlns:mc="http://schemas.openxmlformats.org/markup-compatibility/2006" type="obj" preserve="1">
+  <p:cSld name="Title and Content">
+    <p:spTree>
+      <p:nvGrpSpPr>
+        <p:cNvPr id="1" name=""/>
+        <p:cNvGrpSpPr/>
+        <p:nvPr/>
+      </p:nvGrpSpPr>
+      <p:grpSpPr>
+        <a:xfrm>
+          <a:off x="0" y="0"/>
+          <a:ext cx="0" cy="0"/>
+          <a:chOff x="0" y="0"/>
+          <a:chExt cx="0" cy="0"/>
+        </a:xfrm>
+      </p:grpSpPr>
+      <p:sp>
+        <p:nvSpPr>
+          <p:cNvPr id="118" name="PlaceHolder 1"/>
+          <p:cNvSpPr>
+            <a:spLocks noGrp="1"/>
+          </p:cNvSpPr>
+          <p:nvPr>
+            <p:ph type="title"/>
+          </p:nvPr>
+        </p:nvSpPr>
+        <p:spPr>
+          <a:xfrm>
+            <a:off x="457200" y="205200"/>
+            <a:ext cx="8229240" cy="858600"/>
+          </a:xfrm>
+          <a:prstGeom prst="rect">
+            <a:avLst/>
+          </a:prstGeom>
+          <a:noFill/>
+          <a:ln w="0">
+            <a:noFill/>
+          </a:ln>
+        </p:spPr>
+        <p:txBody>
+          <a:bodyPr lIns="0" rIns="0" tIns="0" bIns="0" anchor="ctr">
+            <a:noAutofit/>
+          </a:bodyPr>
+          <a:p>
+            <a:pPr indent="0" algn="ctr">
+              <a:buNone/>
+            </a:pPr>
+            <a:endParaRPr b="0" lang="en-US" sz="4400" strike="noStrike" u="none">
+              <a:solidFill>
+                <a:srgbClr val="000000"/>
+              </a:solidFill>
+              <a:uFillTx/>
+              <a:latin typeface="DejaVu Sans"/>
+            </a:endParaRPr>
+          </a:p>
+        </p:txBody>
+      </p:sp>
+      <p:sp>
+        <p:nvSpPr>
+          <p:cNvPr id="119" name="PlaceHolder 2"/>
+          <p:cNvSpPr>
+            <a:spLocks noGrp="1"/>
+          </p:cNvSpPr>
+          <p:nvPr>
+            <p:ph/>
+          </p:nvPr>
+        </p:nvSpPr>
+        <p:spPr>
+          <a:xfrm>
+            <a:off x="457200" y="1203480"/>
+            <a:ext cx="8229240" cy="2982960"/>
+          </a:xfrm>
+          <a:prstGeom prst="rect">
+            <a:avLst/>
+          </a:prstGeom>
+          <a:noFill/>
+          <a:ln w="0">
+            <a:noFill/>
+          </a:ln>
+        </p:spPr>
+        <p:txBody>
+          <a:bodyPr lIns="0" rIns="0" tIns="0" bIns="0" anchor="t">
+            <a:normAutofit/>
+          </a:bodyPr>
+          <a:p>
+            <a:pPr indent="0">
+              <a:spcBef>
+                <a:spcPts val="1417"/>
+              </a:spcBef>
+              <a:buNone/>
+            </a:pPr>
+            <a:endParaRPr b="0" lang="en-US" sz="3200" strike="noStrike" u="none">
+              <a:solidFill>
+                <a:srgbClr val="000000"/>
+              </a:solidFill>
+              <a:uFillTx/>
+              <a:latin typeface="DejaVu Sans"/>
+            </a:endParaRPr>
+          </a:p>
+        </p:txBody>
+      </p:sp>
+      <p:sp>
+        <p:nvSpPr>
+          <p:cNvPr id="4" name="PlaceHolder 3"/>
+          <p:cNvSpPr>
+            <a:spLocks noGrp="1"/>
+          </p:cNvSpPr>
+          <p:nvPr>
+            <p:ph type="ftr" idx="1"/>
+          </p:nvPr>
+        </p:nvSpPr>
+        <p:spPr/>
+        <p:txBody>
+          <a:bodyPr/>
+          <a:p>
+            <a:r>
+              <a:t>Footer</a:t>
+            </a:r>
+          </a:p>
+        </p:txBody>
+      </p:sp>
+      <p:sp>
+        <p:nvSpPr>
+          <p:cNvPr id="5" name="PlaceHolder 4"/>
+          <p:cNvSpPr>
+            <a:spLocks noGrp="1"/>
+          </p:cNvSpPr>
+          <p:nvPr>
+            <p:ph type="sldNum" idx="2"/>
+          </p:nvPr>
+        </p:nvSpPr>
+        <p:spPr/>
+        <p:txBody>
+          <a:bodyPr/>
+          <a:p>
+            <a:fld id="{555C0076-1C8C-458B-A1BB-8B2C9BAA623F}" type="slidenum">
+              <a:t>&lt;#&gt;</a:t>
+            </a:fld>
+          </a:p>
+        </p:txBody>
+      </p:sp>
+      <p:sp>
+        <p:nvSpPr>
+          <p:cNvPr id="6" name="PlaceHolder 5"/>
+          <p:cNvSpPr>
+            <a:spLocks noGrp="1"/>
+          </p:cNvSpPr>
+          <p:nvPr>
+            <p:ph type="dt" idx="3"/>
+          </p:nvPr>
+        </p:nvSpPr>
+        <p:spPr/>
+        <p:txBody>
+          <a:bodyPr/>
+          <a:p>
+            <a:r>
+              <a:rPr lang="en-US"/>
+              <a:t/>
+            </a:r>
+          </a:p>
+        </p:txBody>
+      </p:sp>
+    </p:spTree>
+  </p:cSld>
+</p:sldLayout>
+</file>
+
+<file path=ppt/slideLayouts/slideLayout12.xml><?xml version="1.0" encoding="utf-8"?>
+<p:sldLayout xmlns:a="http://schemas.openxmlformats.org/drawingml/2006/main" xmlns:p="http://schemas.openxmlformats.org/presentationml/2006/main" xmlns:r="http://schemas.openxmlformats.org/officeDocument/2006/relationships" xmlns:p14="http://schemas.microsoft.com/office/powerpoint/2010/main" xmlns:p15="http://schemas.microsoft.com/office/powerpoint/2012/main" xmlns:mc="http://schemas.openxmlformats.org/markup-compatibility/2006" type="blank" preserve="1">
+  <p:cSld name="Default 2">
+    <p:spTree>
+      <p:nvGrpSpPr>
+        <p:cNvPr id="1" name=""/>
+        <p:cNvGrpSpPr/>
+        <p:nvPr/>
+      </p:nvGrpSpPr>
+      <p:grpSpPr>
+        <a:xfrm>
+          <a:off x="0" y="0"/>
+          <a:ext cx="0" cy="0"/>
+          <a:chOff x="0" y="0"/>
+          <a:chExt cx="0" cy="0"/>
+        </a:xfrm>
+      </p:grpSpPr>
+    </p:spTree>
+  </p:cSld>
+</p:sldLayout>
+</file>
+
+<file path=ppt/slideLayouts/slideLayout13.xml><?xml version="1.0" encoding="utf-8"?>
+<p:sldLayout xmlns:a="http://schemas.openxmlformats.org/drawingml/2006/main" xmlns:p="http://schemas.openxmlformats.org/presentationml/2006/main" xmlns:r="http://schemas.openxmlformats.org/officeDocument/2006/relationships" xmlns:p14="http://schemas.microsoft.com/office/powerpoint/2010/main" xmlns:p15="http://schemas.microsoft.com/office/powerpoint/2012/main" xmlns:mc="http://schemas.openxmlformats.org/markup-compatibility/2006" type="blank" preserve="1">
+  <p:cSld name="Two Content">
+    <p:spTree>
+      <p:nvGrpSpPr>
+        <p:cNvPr id="1" name=""/>
+        <p:cNvGrpSpPr/>
+        <p:nvPr/>
+      </p:nvGrpSpPr>
+      <p:grpSpPr>
+        <a:xfrm>
+          <a:off x="0" y="0"/>
+          <a:ext cx="0" cy="0"/>
+          <a:chOff x="0" y="0"/>
+          <a:chExt cx="0" cy="0"/>
+        </a:xfrm>
+      </p:grpSpPr>
+    </p:spTree>
+  </p:cSld>
+</p:sldLayout>
+</file>
+
+<file path=ppt/slideLayouts/slideLayout14.xml><?xml version="1.0" encoding="utf-8"?>
+<p:sldLayout xmlns:a="http://schemas.openxmlformats.org/drawingml/2006/main" xmlns:p="http://schemas.openxmlformats.org/presentationml/2006/main" xmlns:r="http://schemas.openxmlformats.org/officeDocument/2006/relationships" xmlns:p14="http://schemas.microsoft.com/office/powerpoint/2010/main" xmlns:p15="http://schemas.microsoft.com/office/powerpoint/2012/main" xmlns:mc="http://schemas.openxmlformats.org/markup-compatibility/2006" type="blank" preserve="1">
   <p:cSld name="Title Only">
     <p:spTree>
       <p:nvGrpSpPr>
@@ -78,7 +315,7 @@
 </p:sldLayout>
 </file>
 
-<file path=ppt/slideLayouts/slideLayout11.xml><?xml version="1.0" encoding="utf-8"?>
+<file path=ppt/slideLayouts/slideLayout15.xml><?xml version="1.0" encoding="utf-8"?>
 <p:sldLayout xmlns:a="http://schemas.openxmlformats.org/drawingml/2006/main" xmlns:p="http://schemas.openxmlformats.org/presentationml/2006/main" xmlns:r="http://schemas.openxmlformats.org/officeDocument/2006/relationships" xmlns:p14="http://schemas.microsoft.com/office/powerpoint/2010/main" xmlns:p15="http://schemas.microsoft.com/office/powerpoint/2012/main" xmlns:mc="http://schemas.openxmlformats.org/markup-compatibility/2006" type="blank" preserve="1">
   <p:cSld name="Content with Caption">
     <p:spTree>
@@ -100,9 +337,9 @@
 </p:sldLayout>
 </file>
 
-<file path=ppt/slideLayouts/slideLayout12.xml><?xml version="1.0" encoding="utf-8"?>
+<file path=ppt/slideLayouts/slideLayout16.xml><?xml version="1.0" encoding="utf-8"?>
 <p:sldLayout xmlns:a="http://schemas.openxmlformats.org/drawingml/2006/main" xmlns:p="http://schemas.openxmlformats.org/presentationml/2006/main" xmlns:r="http://schemas.openxmlformats.org/officeDocument/2006/relationships" xmlns:p14="http://schemas.microsoft.com/office/powerpoint/2010/main" xmlns:p15="http://schemas.microsoft.com/office/powerpoint/2012/main" xmlns:mc="http://schemas.openxmlformats.org/markup-compatibility/2006" type="blank" preserve="1">
-  <p:cSld name="Default 1">
+  <p:cSld name="Default 3">
     <p:spTree>
       <p:nvGrpSpPr>
         <p:cNvPr id="1" name=""/>
@@ -122,9 +359,9 @@
 </p:sldLayout>
 </file>
 
-<file path=ppt/slideLayouts/slideLayout13.xml><?xml version="1.0" encoding="utf-8"?>
+<file path=ppt/slideLayouts/slideLayout17.xml><?xml version="1.0" encoding="utf-8"?>
 <p:sldLayout xmlns:a="http://schemas.openxmlformats.org/drawingml/2006/main" xmlns:p="http://schemas.openxmlformats.org/presentationml/2006/main" xmlns:r="http://schemas.openxmlformats.org/officeDocument/2006/relationships" xmlns:p14="http://schemas.microsoft.com/office/powerpoint/2010/main" xmlns:p15="http://schemas.microsoft.com/office/powerpoint/2012/main" xmlns:mc="http://schemas.openxmlformats.org/markup-compatibility/2006" type="blank" preserve="1">
-  <p:cSld name="Default 2">
+  <p:cSld name="Default 4">
     <p:spTree>
       <p:nvGrpSpPr>
         <p:cNvPr id="1" name=""/>
@@ -144,7 +381,7 @@
 </p:sldLayout>
 </file>
 
-<file path=ppt/slideLayouts/slideLayout14.xml><?xml version="1.0" encoding="utf-8"?>
+<file path=ppt/slideLayouts/slideLayout18.xml><?xml version="1.0" encoding="utf-8"?>
 <p:sldLayout xmlns:a="http://schemas.openxmlformats.org/drawingml/2006/main" xmlns:p="http://schemas.openxmlformats.org/presentationml/2006/main" xmlns:r="http://schemas.openxmlformats.org/officeDocument/2006/relationships" xmlns:p14="http://schemas.microsoft.com/office/powerpoint/2010/main" xmlns:p15="http://schemas.microsoft.com/office/powerpoint/2012/main" xmlns:mc="http://schemas.openxmlformats.org/markup-compatibility/2006" type="blank" preserve="1">
   <p:cSld name="1_Two Content">
     <p:spTree>
@@ -166,31 +403,9 @@
 </p:sldLayout>
 </file>
 
-<file path=ppt/slideLayouts/slideLayout15.xml><?xml version="1.0" encoding="utf-8"?>
+<file path=ppt/slideLayouts/slideLayout19.xml><?xml version="1.0" encoding="utf-8"?>
 <p:sldLayout xmlns:a="http://schemas.openxmlformats.org/drawingml/2006/main" xmlns:p="http://schemas.openxmlformats.org/presentationml/2006/main" xmlns:r="http://schemas.openxmlformats.org/officeDocument/2006/relationships" xmlns:p14="http://schemas.microsoft.com/office/powerpoint/2010/main" xmlns:p15="http://schemas.microsoft.com/office/powerpoint/2012/main" xmlns:mc="http://schemas.openxmlformats.org/markup-compatibility/2006" type="blank" preserve="1">
   <p:cSld name="1_Title Only">
-    <p:spTree>
-      <p:nvGrpSpPr>
-        <p:cNvPr id="1" name=""/>
-        <p:cNvGrpSpPr/>
-        <p:nvPr/>
-      </p:nvGrpSpPr>
-      <p:grpSpPr>
-        <a:xfrm>
-          <a:off x="0" y="0"/>
-          <a:ext cx="0" cy="0"/>
-          <a:chOff x="0" y="0"/>
-          <a:chExt cx="0" cy="0"/>
-        </a:xfrm>
-      </p:grpSpPr>
-    </p:spTree>
-  </p:cSld>
-</p:sldLayout>
-</file>
-
-<file path=ppt/slideLayouts/slideLayout16.xml><?xml version="1.0" encoding="utf-8"?>
-<p:sldLayout xmlns:a="http://schemas.openxmlformats.org/drawingml/2006/main" xmlns:p="http://schemas.openxmlformats.org/presentationml/2006/main" xmlns:r="http://schemas.openxmlformats.org/officeDocument/2006/relationships" xmlns:p14="http://schemas.microsoft.com/office/powerpoint/2010/main" xmlns:p15="http://schemas.microsoft.com/office/powerpoint/2012/main" xmlns:mc="http://schemas.openxmlformats.org/markup-compatibility/2006" type="blank" preserve="1">
-  <p:cSld name="1_Content with Caption">
     <p:spTree>
       <p:nvGrpSpPr>
         <p:cNvPr id="1" name=""/>
@@ -213,6 +428,28 @@
 <file path=ppt/slideLayouts/slideLayout2.xml><?xml version="1.0" encoding="utf-8"?>
 <p:sldLayout xmlns:a="http://schemas.openxmlformats.org/drawingml/2006/main" xmlns:p="http://schemas.openxmlformats.org/presentationml/2006/main" xmlns:r="http://schemas.openxmlformats.org/officeDocument/2006/relationships" xmlns:p14="http://schemas.microsoft.com/office/powerpoint/2010/main" xmlns:p15="http://schemas.microsoft.com/office/powerpoint/2012/main" xmlns:mc="http://schemas.openxmlformats.org/markup-compatibility/2006" type="blank" preserve="1">
   <p:cSld name="1_Basic slide">
+    <p:spTree>
+      <p:nvGrpSpPr>
+        <p:cNvPr id="1" name=""/>
+        <p:cNvGrpSpPr/>
+        <p:nvPr/>
+      </p:nvGrpSpPr>
+      <p:grpSpPr>
+        <a:xfrm>
+          <a:off x="0" y="0"/>
+          <a:ext cx="0" cy="0"/>
+          <a:chOff x="0" y="0"/>
+          <a:chExt cx="0" cy="0"/>
+        </a:xfrm>
+      </p:grpSpPr>
+    </p:spTree>
+  </p:cSld>
+</p:sldLayout>
+</file>
+
+<file path=ppt/slideLayouts/slideLayout20.xml><?xml version="1.0" encoding="utf-8"?>
+<p:sldLayout xmlns:a="http://schemas.openxmlformats.org/drawingml/2006/main" xmlns:p="http://schemas.openxmlformats.org/presentationml/2006/main" xmlns:r="http://schemas.openxmlformats.org/officeDocument/2006/relationships" xmlns:p14="http://schemas.microsoft.com/office/powerpoint/2010/main" xmlns:p15="http://schemas.microsoft.com/office/powerpoint/2012/main" xmlns:mc="http://schemas.openxmlformats.org/markup-compatibility/2006" type="blank" preserve="1">
+  <p:cSld name="1_Content with Caption">
     <p:spTree>
       <p:nvGrpSpPr>
         <p:cNvPr id="1" name=""/>
@@ -280,11 +517,12 @@
             <a:pPr indent="0" algn="ctr">
               <a:buNone/>
             </a:pPr>
-            <a:endParaRPr b="0" lang="en-US" sz="4400" spc="-1" strike="noStrike">
+            <a:endParaRPr b="0" lang="en-US" sz="4400" strike="noStrike" u="none">
               <a:solidFill>
                 <a:srgbClr val="ffffff"/>
               </a:solidFill>
-              <a:latin typeface="Arial"/>
+              <a:uFillTx/>
+              <a:latin typeface="DejaVu Sans"/>
             </a:endParaRPr>
           </a:p>
         </p:txBody>
@@ -320,11 +558,12 @@
             <a:pPr indent="0" algn="ctr">
               <a:buNone/>
             </a:pPr>
-            <a:endParaRPr b="0" lang="en-US" sz="3200" spc="-1" strike="noStrike">
+            <a:endParaRPr b="0" lang="en-US" sz="3200" strike="noStrike" u="none">
               <a:solidFill>
                 <a:srgbClr val="ffffff"/>
               </a:solidFill>
-              <a:latin typeface="Arial"/>
+              <a:uFillTx/>
+              <a:latin typeface="DejaVu Sans"/>
             </a:endParaRPr>
           </a:p>
         </p:txBody>
@@ -335,30 +574,8 @@
 </file>
 
 <file path=ppt/slideLayouts/slideLayout4.xml><?xml version="1.0" encoding="utf-8"?>
-<p:sldLayout xmlns:a="http://schemas.openxmlformats.org/drawingml/2006/main" xmlns:p="http://schemas.openxmlformats.org/presentationml/2006/main" xmlns:r="http://schemas.openxmlformats.org/officeDocument/2006/relationships" xmlns:p14="http://schemas.microsoft.com/office/powerpoint/2010/main" xmlns:p15="http://schemas.microsoft.com/office/powerpoint/2012/main" xmlns:mc="http://schemas.openxmlformats.org/markup-compatibility/2006" type="blank" preserve="1">
+<p:sldLayout xmlns:a="http://schemas.openxmlformats.org/drawingml/2006/main" xmlns:p="http://schemas.openxmlformats.org/presentationml/2006/main" xmlns:r="http://schemas.openxmlformats.org/officeDocument/2006/relationships" xmlns:p14="http://schemas.microsoft.com/office/powerpoint/2010/main" xmlns:p15="http://schemas.microsoft.com/office/powerpoint/2012/main" xmlns:mc="http://schemas.openxmlformats.org/markup-compatibility/2006" type="tx" preserve="1">
   <p:cSld name="Blank">
-    <p:spTree>
-      <p:nvGrpSpPr>
-        <p:cNvPr id="1" name=""/>
-        <p:cNvGrpSpPr/>
-        <p:nvPr/>
-      </p:nvGrpSpPr>
-      <p:grpSpPr>
-        <a:xfrm>
-          <a:off x="0" y="0"/>
-          <a:ext cx="0" cy="0"/>
-          <a:chOff x="0" y="0"/>
-          <a:chExt cx="0" cy="0"/>
-        </a:xfrm>
-      </p:grpSpPr>
-    </p:spTree>
-  </p:cSld>
-</p:sldLayout>
-</file>
-
-<file path=ppt/slideLayouts/slideLayout5.xml><?xml version="1.0" encoding="utf-8"?>
-<p:sldLayout xmlns:a="http://schemas.openxmlformats.org/drawingml/2006/main" xmlns:p="http://schemas.openxmlformats.org/presentationml/2006/main" xmlns:r="http://schemas.openxmlformats.org/officeDocument/2006/relationships" xmlns:p14="http://schemas.microsoft.com/office/powerpoint/2010/main" xmlns:p15="http://schemas.microsoft.com/office/powerpoint/2012/main" xmlns:mc="http://schemas.openxmlformats.org/markup-compatibility/2006" type="tx" preserve="1">
-  <p:cSld name="Title + 1 column">
     <p:spTree>
       <p:nvGrpSpPr>
         <p:cNvPr id="1" name=""/>
@@ -375,7 +592,7 @@
       </p:grpSpPr>
       <p:sp>
         <p:nvSpPr>
-          <p:cNvPr id="56" name="PlaceHolder 1"/>
+          <p:cNvPr id="40" name="PlaceHolder 1"/>
           <p:cNvSpPr>
             <a:spLocks noGrp="1"/>
           </p:cNvSpPr>
@@ -404,18 +621,19 @@
             <a:pPr indent="0" algn="ctr">
               <a:buNone/>
             </a:pPr>
-            <a:endParaRPr b="0" lang="en-US" sz="4400" spc="-1" strike="noStrike">
+            <a:endParaRPr b="0" lang="en-US" sz="4400" strike="noStrike" u="none">
               <a:solidFill>
                 <a:srgbClr val="000000"/>
               </a:solidFill>
-              <a:latin typeface="Arial"/>
+              <a:uFillTx/>
+              <a:latin typeface="DejaVu Sans"/>
             </a:endParaRPr>
           </a:p>
         </p:txBody>
       </p:sp>
       <p:sp>
         <p:nvSpPr>
-          <p:cNvPr id="57" name="PlaceHolder 2"/>
+          <p:cNvPr id="41" name="PlaceHolder 2"/>
           <p:cNvSpPr>
             <a:spLocks noGrp="1"/>
           </p:cNvSpPr>
@@ -447,11 +665,12 @@
               </a:spcBef>
               <a:buNone/>
             </a:pPr>
-            <a:endParaRPr b="0" lang="en-US" sz="3200" spc="-1" strike="noStrike">
+            <a:endParaRPr b="0" lang="en-US" sz="3200" strike="noStrike" u="none">
               <a:solidFill>
                 <a:srgbClr val="000000"/>
               </a:solidFill>
-              <a:latin typeface="Arial"/>
+              <a:uFillTx/>
+              <a:latin typeface="DejaVu Sans"/>
             </a:endParaRPr>
           </a:p>
         </p:txBody>
@@ -461,31 +680,9 @@
 </p:sldLayout>
 </file>
 
-<file path=ppt/slideLayouts/slideLayout6.xml><?xml version="1.0" encoding="utf-8"?>
-<p:sldLayout xmlns:a="http://schemas.openxmlformats.org/drawingml/2006/main" xmlns:p="http://schemas.openxmlformats.org/presentationml/2006/main" xmlns:r="http://schemas.openxmlformats.org/officeDocument/2006/relationships" xmlns:p14="http://schemas.microsoft.com/office/powerpoint/2010/main" xmlns:p15="http://schemas.microsoft.com/office/powerpoint/2012/main" xmlns:mc="http://schemas.openxmlformats.org/markup-compatibility/2006" type="blank" preserve="1">
-  <p:cSld name="Title + 3 columns">
-    <p:spTree>
-      <p:nvGrpSpPr>
-        <p:cNvPr id="1" name=""/>
-        <p:cNvGrpSpPr/>
-        <p:nvPr/>
-      </p:nvGrpSpPr>
-      <p:grpSpPr>
-        <a:xfrm>
-          <a:off x="0" y="0"/>
-          <a:ext cx="0" cy="0"/>
-          <a:chOff x="0" y="0"/>
-          <a:chExt cx="0" cy="0"/>
-        </a:xfrm>
-      </p:grpSpPr>
-    </p:spTree>
-  </p:cSld>
-</p:sldLayout>
-</file>
-
-<file path=ppt/slideLayouts/slideLayout7.xml><?xml version="1.0" encoding="utf-8"?>
-<p:sldLayout xmlns:a="http://schemas.openxmlformats.org/drawingml/2006/main" xmlns:p="http://schemas.openxmlformats.org/presentationml/2006/main" xmlns:r="http://schemas.openxmlformats.org/officeDocument/2006/relationships" xmlns:p14="http://schemas.microsoft.com/office/powerpoint/2010/main" xmlns:p15="http://schemas.microsoft.com/office/powerpoint/2012/main" xmlns:mc="http://schemas.openxmlformats.org/markup-compatibility/2006" type="obj" preserve="1">
-  <p:cSld name="Title and Content">
+<file path=ppt/slideLayouts/slideLayout5.xml><?xml version="1.0" encoding="utf-8"?>
+<p:sldLayout xmlns:a="http://schemas.openxmlformats.org/drawingml/2006/main" xmlns:p="http://schemas.openxmlformats.org/presentationml/2006/main" xmlns:r="http://schemas.openxmlformats.org/officeDocument/2006/relationships" xmlns:p14="http://schemas.microsoft.com/office/powerpoint/2010/main" xmlns:p15="http://schemas.microsoft.com/office/powerpoint/2012/main" xmlns:mc="http://schemas.openxmlformats.org/markup-compatibility/2006" type="title" preserve="1">
+  <p:cSld name="Default">
     <p:spTree>
       <p:nvGrpSpPr>
         <p:cNvPr id="1" name=""/>
@@ -502,7 +699,7 @@
       </p:grpSpPr>
       <p:sp>
         <p:nvSpPr>
-          <p:cNvPr id="79" name="PlaceHolder 1"/>
+          <p:cNvPr id="57" name="PlaceHolder 1"/>
           <p:cNvSpPr>
             <a:spLocks noGrp="1"/>
           </p:cNvSpPr>
@@ -531,18 +728,123 @@
             <a:pPr indent="0" algn="ctr">
               <a:buNone/>
             </a:pPr>
-            <a:endParaRPr b="0" lang="en-US" sz="4400" spc="-1" strike="noStrike">
+            <a:endParaRPr b="0" lang="en-US" sz="4400" strike="noStrike" u="none">
               <a:solidFill>
                 <a:srgbClr val="000000"/>
               </a:solidFill>
-              <a:latin typeface="Arial"/>
+              <a:uFillTx/>
+              <a:latin typeface="DejaVu Sans"/>
             </a:endParaRPr>
           </a:p>
         </p:txBody>
       </p:sp>
       <p:sp>
         <p:nvSpPr>
-          <p:cNvPr id="80" name="PlaceHolder 2"/>
+          <p:cNvPr id="58" name="PlaceHolder 2"/>
+          <p:cNvSpPr>
+            <a:spLocks noGrp="1"/>
+          </p:cNvSpPr>
+          <p:nvPr>
+            <p:ph type="subTitle"/>
+          </p:nvPr>
+        </p:nvSpPr>
+        <p:spPr>
+          <a:xfrm>
+            <a:off x="457200" y="1203480"/>
+            <a:ext cx="8229240" cy="2982960"/>
+          </a:xfrm>
+          <a:prstGeom prst="rect">
+            <a:avLst/>
+          </a:prstGeom>
+          <a:noFill/>
+          <a:ln w="0">
+            <a:noFill/>
+          </a:ln>
+        </p:spPr>
+        <p:txBody>
+          <a:bodyPr lIns="0" rIns="0" tIns="0" bIns="0" anchor="ctr">
+            <a:noAutofit/>
+          </a:bodyPr>
+          <a:p>
+            <a:pPr indent="0" algn="ctr">
+              <a:buNone/>
+            </a:pPr>
+            <a:endParaRPr b="0" lang="en-US" sz="3200" strike="noStrike" u="none">
+              <a:solidFill>
+                <a:srgbClr val="000000"/>
+              </a:solidFill>
+              <a:uFillTx/>
+              <a:latin typeface="DejaVu Sans"/>
+            </a:endParaRPr>
+          </a:p>
+        </p:txBody>
+      </p:sp>
+    </p:spTree>
+  </p:cSld>
+</p:sldLayout>
+</file>
+
+<file path=ppt/slideLayouts/slideLayout6.xml><?xml version="1.0" encoding="utf-8"?>
+<p:sldLayout xmlns:a="http://schemas.openxmlformats.org/drawingml/2006/main" xmlns:p="http://schemas.openxmlformats.org/presentationml/2006/main" xmlns:r="http://schemas.openxmlformats.org/officeDocument/2006/relationships" xmlns:p14="http://schemas.microsoft.com/office/powerpoint/2010/main" xmlns:p15="http://schemas.microsoft.com/office/powerpoint/2012/main" xmlns:mc="http://schemas.openxmlformats.org/markup-compatibility/2006" type="tx" preserve="1">
+  <p:cSld name="Default 1">
+    <p:spTree>
+      <p:nvGrpSpPr>
+        <p:cNvPr id="1" name=""/>
+        <p:cNvGrpSpPr/>
+        <p:nvPr/>
+      </p:nvGrpSpPr>
+      <p:grpSpPr>
+        <a:xfrm>
+          <a:off x="0" y="0"/>
+          <a:ext cx="0" cy="0"/>
+          <a:chOff x="0" y="0"/>
+          <a:chExt cx="0" cy="0"/>
+        </a:xfrm>
+      </p:grpSpPr>
+      <p:sp>
+        <p:nvSpPr>
+          <p:cNvPr id="75" name="PlaceHolder 1"/>
+          <p:cNvSpPr>
+            <a:spLocks noGrp="1"/>
+          </p:cNvSpPr>
+          <p:nvPr>
+            <p:ph type="title"/>
+          </p:nvPr>
+        </p:nvSpPr>
+        <p:spPr>
+          <a:xfrm>
+            <a:off x="457200" y="205200"/>
+            <a:ext cx="8229240" cy="858600"/>
+          </a:xfrm>
+          <a:prstGeom prst="rect">
+            <a:avLst/>
+          </a:prstGeom>
+          <a:noFill/>
+          <a:ln w="0">
+            <a:noFill/>
+          </a:ln>
+        </p:spPr>
+        <p:txBody>
+          <a:bodyPr lIns="0" rIns="0" tIns="0" bIns="0" anchor="ctr">
+            <a:noAutofit/>
+          </a:bodyPr>
+          <a:p>
+            <a:pPr indent="0" algn="ctr">
+              <a:buNone/>
+            </a:pPr>
+            <a:endParaRPr b="0" lang="en-US" sz="4400" strike="noStrike" u="none">
+              <a:solidFill>
+                <a:srgbClr val="000000"/>
+              </a:solidFill>
+              <a:uFillTx/>
+              <a:latin typeface="DejaVu Sans"/>
+            </a:endParaRPr>
+          </a:p>
+        </p:txBody>
+      </p:sp>
+      <p:sp>
+        <p:nvSpPr>
+          <p:cNvPr id="76" name="PlaceHolder 2"/>
           <p:cNvSpPr>
             <a:spLocks noGrp="1"/>
           </p:cNvSpPr>
@@ -574,73 +876,117 @@
               </a:spcBef>
               <a:buNone/>
             </a:pPr>
-            <a:endParaRPr b="0" lang="en-US" sz="3200" spc="-1" strike="noStrike">
+            <a:endParaRPr b="0" lang="en-US" sz="3200" strike="noStrike" u="none">
               <a:solidFill>
                 <a:srgbClr val="000000"/>
               </a:solidFill>
-              <a:latin typeface="Arial"/>
+              <a:uFillTx/>
+              <a:latin typeface="DejaVu Sans"/>
+            </a:endParaRPr>
+          </a:p>
+        </p:txBody>
+      </p:sp>
+    </p:spTree>
+  </p:cSld>
+</p:sldLayout>
+</file>
+
+<file path=ppt/slideLayouts/slideLayout7.xml><?xml version="1.0" encoding="utf-8"?>
+<p:sldLayout xmlns:a="http://schemas.openxmlformats.org/drawingml/2006/main" xmlns:p="http://schemas.openxmlformats.org/presentationml/2006/main" xmlns:r="http://schemas.openxmlformats.org/officeDocument/2006/relationships" xmlns:p14="http://schemas.microsoft.com/office/powerpoint/2010/main" xmlns:p15="http://schemas.microsoft.com/office/powerpoint/2012/main" xmlns:mc="http://schemas.openxmlformats.org/markup-compatibility/2006" type="title" preserve="1">
+  <p:cSld name="Default 1">
+    <p:spTree>
+      <p:nvGrpSpPr>
+        <p:cNvPr id="1" name=""/>
+        <p:cNvGrpSpPr/>
+        <p:nvPr/>
+      </p:nvGrpSpPr>
+      <p:grpSpPr>
+        <a:xfrm>
+          <a:off x="0" y="0"/>
+          <a:ext cx="0" cy="0"/>
+          <a:chOff x="0" y="0"/>
+          <a:chExt cx="0" cy="0"/>
+        </a:xfrm>
+      </p:grpSpPr>
+      <p:sp>
+        <p:nvSpPr>
+          <p:cNvPr id="77" name="PlaceHolder 1"/>
+          <p:cNvSpPr>
+            <a:spLocks noGrp="1"/>
+          </p:cNvSpPr>
+          <p:nvPr>
+            <p:ph type="title"/>
+          </p:nvPr>
+        </p:nvSpPr>
+        <p:spPr>
+          <a:xfrm>
+            <a:off x="457200" y="205200"/>
+            <a:ext cx="8229240" cy="858600"/>
+          </a:xfrm>
+          <a:prstGeom prst="rect">
+            <a:avLst/>
+          </a:prstGeom>
+          <a:noFill/>
+          <a:ln w="0">
+            <a:noFill/>
+          </a:ln>
+        </p:spPr>
+        <p:txBody>
+          <a:bodyPr lIns="0" rIns="0" tIns="0" bIns="0" anchor="ctr">
+            <a:noAutofit/>
+          </a:bodyPr>
+          <a:p>
+            <a:pPr indent="0" algn="ctr">
+              <a:buNone/>
+            </a:pPr>
+            <a:endParaRPr b="0" lang="en-US" sz="4400" strike="noStrike" u="none">
+              <a:solidFill>
+                <a:srgbClr val="000000"/>
+              </a:solidFill>
+              <a:uFillTx/>
+              <a:latin typeface="DejaVu Sans"/>
             </a:endParaRPr>
           </a:p>
         </p:txBody>
       </p:sp>
       <p:sp>
         <p:nvSpPr>
-          <p:cNvPr id="4" name="PlaceHolder 3"/>
+          <p:cNvPr id="78" name="PlaceHolder 2"/>
           <p:cNvSpPr>
             <a:spLocks noGrp="1"/>
           </p:cNvSpPr>
           <p:nvPr>
-            <p:ph type="ftr" idx="1"/>
+            <p:ph type="subTitle"/>
           </p:nvPr>
         </p:nvSpPr>
-        <p:spPr/>
+        <p:spPr>
+          <a:xfrm>
+            <a:off x="457200" y="1203480"/>
+            <a:ext cx="8229240" cy="2982960"/>
+          </a:xfrm>
+          <a:prstGeom prst="rect">
+            <a:avLst/>
+          </a:prstGeom>
+          <a:noFill/>
+          <a:ln w="0">
+            <a:noFill/>
+          </a:ln>
+        </p:spPr>
         <p:txBody>
-          <a:bodyPr/>
+          <a:bodyPr lIns="0" rIns="0" tIns="0" bIns="0" anchor="ctr">
+            <a:noAutofit/>
+          </a:bodyPr>
           <a:p>
-            <a:r>
-              <a:t>Footer</a:t>
-            </a:r>
-          </a:p>
-        </p:txBody>
-      </p:sp>
-      <p:sp>
-        <p:nvSpPr>
-          <p:cNvPr id="5" name="PlaceHolder 4"/>
-          <p:cNvSpPr>
-            <a:spLocks noGrp="1"/>
-          </p:cNvSpPr>
-          <p:nvPr>
-            <p:ph type="sldNum" idx="2"/>
-          </p:nvPr>
-        </p:nvSpPr>
-        <p:spPr/>
-        <p:txBody>
-          <a:bodyPr/>
-          <a:p>
-            <a:fld id="{DF353D3C-F4E7-477A-886C-177753F3B761}" type="slidenum">
-              <a:t>&lt;#&gt;</a:t>
-            </a:fld>
-          </a:p>
-        </p:txBody>
-      </p:sp>
-      <p:sp>
-        <p:nvSpPr>
-          <p:cNvPr id="6" name="PlaceHolder 5"/>
-          <p:cNvSpPr>
-            <a:spLocks noGrp="1"/>
-          </p:cNvSpPr>
-          <p:nvPr>
-            <p:ph type="dt" idx="3"/>
-          </p:nvPr>
-        </p:nvSpPr>
-        <p:spPr/>
-        <p:txBody>
-          <a:bodyPr/>
-          <a:p>
-            <a:r>
-              <a:rPr lang="en-US"/>
-              <a:t/>
-            </a:r>
+            <a:pPr indent="0" algn="ctr">
+              <a:buNone/>
+            </a:pPr>
+            <a:endParaRPr b="0" lang="en-US" sz="3200" strike="noStrike" u="none">
+              <a:solidFill>
+                <a:srgbClr val="000000"/>
+              </a:solidFill>
+              <a:uFillTx/>
+              <a:latin typeface="DejaVu Sans"/>
+            </a:endParaRPr>
           </a:p>
         </p:txBody>
       </p:sp>
@@ -651,7 +997,7 @@
 
 <file path=ppt/slideLayouts/slideLayout8.xml><?xml version="1.0" encoding="utf-8"?>
 <p:sldLayout xmlns:a="http://schemas.openxmlformats.org/drawingml/2006/main" xmlns:p="http://schemas.openxmlformats.org/presentationml/2006/main" xmlns:r="http://schemas.openxmlformats.org/officeDocument/2006/relationships" xmlns:p14="http://schemas.microsoft.com/office/powerpoint/2010/main" xmlns:p15="http://schemas.microsoft.com/office/powerpoint/2012/main" xmlns:mc="http://schemas.openxmlformats.org/markup-compatibility/2006" type="blank" preserve="1">
-  <p:cSld name="Default">
+  <p:cSld name="Default 1">
     <p:spTree>
       <p:nvGrpSpPr>
         <p:cNvPr id="1" name=""/>
@@ -672,8 +1018,8 @@
 </file>
 
 <file path=ppt/slideLayouts/slideLayout9.xml><?xml version="1.0" encoding="utf-8"?>
-<p:sldLayout xmlns:a="http://schemas.openxmlformats.org/drawingml/2006/main" xmlns:p="http://schemas.openxmlformats.org/presentationml/2006/main" xmlns:r="http://schemas.openxmlformats.org/officeDocument/2006/relationships" xmlns:p14="http://schemas.microsoft.com/office/powerpoint/2010/main" xmlns:p15="http://schemas.microsoft.com/office/powerpoint/2012/main" xmlns:mc="http://schemas.openxmlformats.org/markup-compatibility/2006" type="blank" preserve="1">
-  <p:cSld name="Two Content">
+<p:sldLayout xmlns:a="http://schemas.openxmlformats.org/drawingml/2006/main" xmlns:p="http://schemas.openxmlformats.org/presentationml/2006/main" xmlns:r="http://schemas.openxmlformats.org/officeDocument/2006/relationships" xmlns:p14="http://schemas.microsoft.com/office/powerpoint/2010/main" xmlns:p15="http://schemas.microsoft.com/office/powerpoint/2012/main" xmlns:mc="http://schemas.openxmlformats.org/markup-compatibility/2006" type="tx" preserve="1">
+  <p:cSld name="Title + 1 column">
     <p:spTree>
       <p:nvGrpSpPr>
         <p:cNvPr id="1" name=""/>
@@ -688,6 +1034,91 @@
           <a:chExt cx="0" cy="0"/>
         </a:xfrm>
       </p:grpSpPr>
+      <p:sp>
+        <p:nvSpPr>
+          <p:cNvPr id="95" name="PlaceHolder 1"/>
+          <p:cNvSpPr>
+            <a:spLocks noGrp="1"/>
+          </p:cNvSpPr>
+          <p:nvPr>
+            <p:ph type="title"/>
+          </p:nvPr>
+        </p:nvSpPr>
+        <p:spPr>
+          <a:xfrm>
+            <a:off x="457200" y="205200"/>
+            <a:ext cx="8229240" cy="858600"/>
+          </a:xfrm>
+          <a:prstGeom prst="rect">
+            <a:avLst/>
+          </a:prstGeom>
+          <a:noFill/>
+          <a:ln w="0">
+            <a:noFill/>
+          </a:ln>
+        </p:spPr>
+        <p:txBody>
+          <a:bodyPr lIns="0" rIns="0" tIns="0" bIns="0" anchor="ctr">
+            <a:noAutofit/>
+          </a:bodyPr>
+          <a:p>
+            <a:pPr indent="0" algn="ctr">
+              <a:buNone/>
+            </a:pPr>
+            <a:endParaRPr b="0" lang="en-US" sz="4400" strike="noStrike" u="none">
+              <a:solidFill>
+                <a:srgbClr val="000000"/>
+              </a:solidFill>
+              <a:uFillTx/>
+              <a:latin typeface="DejaVu Sans"/>
+            </a:endParaRPr>
+          </a:p>
+        </p:txBody>
+      </p:sp>
+      <p:sp>
+        <p:nvSpPr>
+          <p:cNvPr id="96" name="PlaceHolder 2"/>
+          <p:cNvSpPr>
+            <a:spLocks noGrp="1"/>
+          </p:cNvSpPr>
+          <p:nvPr>
+            <p:ph/>
+          </p:nvPr>
+        </p:nvSpPr>
+        <p:spPr>
+          <a:xfrm>
+            <a:off x="457200" y="1203480"/>
+            <a:ext cx="8229240" cy="2982960"/>
+          </a:xfrm>
+          <a:prstGeom prst="rect">
+            <a:avLst/>
+          </a:prstGeom>
+          <a:noFill/>
+          <a:ln w="0">
+            <a:noFill/>
+          </a:ln>
+        </p:spPr>
+        <p:txBody>
+          <a:bodyPr lIns="0" rIns="0" tIns="0" bIns="0" anchor="t">
+            <a:normAutofit/>
+          </a:bodyPr>
+          <a:p>
+            <a:pPr indent="0">
+              <a:spcBef>
+                <a:spcPts val="1417"/>
+              </a:spcBef>
+              <a:buNone/>
+            </a:pPr>
+            <a:endParaRPr b="0" lang="en-US" sz="3200" strike="noStrike" u="none">
+              <a:solidFill>
+                <a:srgbClr val="000000"/>
+              </a:solidFill>
+              <a:uFillTx/>
+              <a:latin typeface="DejaVu Sans"/>
+            </a:endParaRPr>
+          </a:p>
+        </p:txBody>
+      </p:sp>
     </p:spTree>
   </p:cSld>
 </p:sldLayout>
@@ -726,7 +1157,7 @@
         <p:spPr>
           <a:xfrm>
             <a:off x="8711280" y="4803840"/>
-            <a:ext cx="108000" cy="308520"/>
+            <a:ext cx="107280" cy="307800"/>
           </a:xfrm>
           <a:prstGeom prst="rect">
             <a:avLst/>
@@ -753,19 +1184,21 @@
               </a:lnSpc>
             </a:pPr>
             <a:r>
-              <a:rPr b="0" lang="de-CH" sz="800" spc="-1" strike="noStrike">
+              <a:rPr b="0" lang="de-CH" sz="800" strike="noStrike" u="none">
                 <a:solidFill>
                   <a:schemeClr val="lt1"/>
                 </a:solidFill>
+                <a:uFillTx/>
                 <a:latin typeface="Calibri"/>
               </a:rPr>
               <a:t>|</a:t>
             </a:r>
-            <a:endParaRPr b="0" lang="en-US" sz="800" spc="-1" strike="noStrike">
+            <a:endParaRPr b="0" lang="en-US" sz="800" strike="noStrike" u="none">
               <a:solidFill>
                 <a:srgbClr val="000000"/>
               </a:solidFill>
-              <a:latin typeface="Arial"/>
+              <a:uFillTx/>
+              <a:latin typeface="DejaVu Sans"/>
             </a:endParaRPr>
           </a:p>
         </p:txBody>
@@ -783,11 +1216,12 @@
         <p:spPr>
           <a:xfrm>
             <a:off x="7932960" y="0"/>
-            <a:ext cx="1202400" cy="1202400"/>
+            <a:ext cx="1201680" cy="1201680"/>
           </a:xfrm>
           <a:prstGeom prst="rect">
             <a:avLst/>
           </a:prstGeom>
+          <a:noFill/>
           <a:ln w="0">
             <a:noFill/>
           </a:ln>
@@ -795,7 +1229,7 @@
       </p:pic>
     </p:spTree>
   </p:cSld>
-  <p:clrMap bg1="lt1" bg2="lt2" tx1="dk1" tx2="dk2" accent1="accent1" accent2="accent2" accent3="accent3" accent4="accent4" accent5="accent5" accent6="accent6" hlink="hlink" folHlink="folHlink"/>
+  <p:clrMap bg1="lt1" tx1="dk1" bg2="lt2" tx2="dk2" accent1="accent1" accent2="accent2" accent3="accent3" accent4="accent4" accent5="accent5" accent6="accent6" hlink="hlink" folHlink="folHlink"/>
   <p:sldLayoutIdLst>
     <p:sldLayoutId id="2147483649" r:id="rId3"/>
   </p:sldLayoutIdLst>
@@ -828,14 +1262,14 @@
       </p:grpSpPr>
       <p:sp>
         <p:nvSpPr>
-          <p:cNvPr id="89" name="Textfeld 15"/>
+          <p:cNvPr id="120" name="Textfeld 15"/>
           <p:cNvSpPr/>
           <p:nvPr/>
         </p:nvSpPr>
         <p:spPr>
           <a:xfrm>
             <a:off x="8711280" y="4803840"/>
-            <a:ext cx="108000" cy="308520"/>
+            <a:ext cx="107280" cy="307800"/>
           </a:xfrm>
           <a:prstGeom prst="rect">
             <a:avLst/>
@@ -862,33 +1296,35 @@
               </a:lnSpc>
             </a:pPr>
             <a:r>
-              <a:rPr b="0" lang="de-CH" sz="800" spc="-1" strike="noStrike">
+              <a:rPr b="0" lang="de-CH" sz="800" strike="noStrike" u="none">
                 <a:solidFill>
                   <a:schemeClr val="lt1"/>
                 </a:solidFill>
+                <a:uFillTx/>
                 <a:latin typeface="Calibri"/>
               </a:rPr>
               <a:t>|</a:t>
             </a:r>
-            <a:endParaRPr b="0" lang="en-US" sz="800" spc="-1" strike="noStrike">
+            <a:endParaRPr b="0" lang="en-US" sz="800" strike="noStrike" u="none">
               <a:solidFill>
                 <a:srgbClr val="000000"/>
               </a:solidFill>
-              <a:latin typeface="Arial"/>
+              <a:uFillTx/>
+              <a:latin typeface="DejaVu Sans"/>
             </a:endParaRPr>
           </a:p>
         </p:txBody>
       </p:sp>
       <p:sp>
         <p:nvSpPr>
-          <p:cNvPr id="90" name="TextBox 5"/>
+          <p:cNvPr id="121" name="TextBox 5"/>
           <p:cNvSpPr/>
           <p:nvPr/>
         </p:nvSpPr>
         <p:spPr>
           <a:xfrm>
             <a:off x="8800200" y="4897440"/>
-            <a:ext cx="342720" cy="261720"/>
+            <a:ext cx="342000" cy="261720"/>
           </a:xfrm>
           <a:prstGeom prst="rect">
             <a:avLst/>
@@ -914,27 +1350,29 @@
                 <a:spcPct val="100000"/>
               </a:lnSpc>
             </a:pPr>
-            <a:fld id="{95C5DC99-7863-4032-AE63-67053F962CA8}" type="slidenum">
-              <a:rPr b="0" lang="en-US" sz="1000" spc="-1" strike="noStrike">
+            <a:fld id="{44CE9CC7-D582-4CBF-A603-A36FACCBCE23}" type="slidenum">
+              <a:rPr b="0" lang="en-US" sz="1000" strike="noStrike" u="none">
                 <a:solidFill>
                   <a:schemeClr val="accent1"/>
                 </a:solidFill>
+                <a:uFillTx/>
                 <a:latin typeface="Calibri"/>
               </a:rPr>
               <a:t>&lt;number&gt;</a:t>
             </a:fld>
-            <a:endParaRPr b="0" lang="en-US" sz="1000" spc="-1" strike="noStrike">
+            <a:endParaRPr b="0" lang="en-US" sz="1000" strike="noStrike" u="none">
               <a:solidFill>
                 <a:srgbClr val="000000"/>
               </a:solidFill>
-              <a:latin typeface="Arial"/>
+              <a:uFillTx/>
+              <a:latin typeface="DejaVu Sans"/>
             </a:endParaRPr>
           </a:p>
         </p:txBody>
       </p:sp>
       <p:pic>
         <p:nvPicPr>
-          <p:cNvPr id="91" name="Picture 6" descr="A picture containing text, clipart&#10;&#10;Description automatically generated"/>
+          <p:cNvPr id="122" name="Picture 6" descr="A picture containing text, clipart&#10;&#10;Description automatically generated"/>
           <p:cNvPicPr/>
           <p:nvPr/>
         </p:nvPicPr>
@@ -946,11 +1384,12 @@
         <p:spPr>
           <a:xfrm>
             <a:off x="6371640" y="157680"/>
-            <a:ext cx="2592000" cy="348840"/>
+            <a:ext cx="2591280" cy="348120"/>
           </a:xfrm>
           <a:prstGeom prst="rect">
             <a:avLst/>
           </a:prstGeom>
+          <a:noFill/>
           <a:ln w="0">
             <a:noFill/>
           </a:ln>
@@ -958,14 +1397,14 @@
       </p:pic>
       <p:sp>
         <p:nvSpPr>
-          <p:cNvPr id="92" name="Rectangle 10"/>
+          <p:cNvPr id="123" name="Rectangle 10"/>
           <p:cNvSpPr/>
           <p:nvPr/>
         </p:nvSpPr>
         <p:spPr>
           <a:xfrm rot="10800000">
-            <a:off x="1080" y="-14400"/>
-            <a:ext cx="9142920" cy="694800"/>
+            <a:off x="1800" y="-13680"/>
+            <a:ext cx="9142200" cy="694080"/>
           </a:xfrm>
           <a:prstGeom prst="rect">
             <a:avLst/>
@@ -1001,10 +1440,11 @@
                 <a:spcPct val="100000"/>
               </a:lnSpc>
             </a:pPr>
-            <a:endParaRPr b="0" lang="en-US" sz="1800" spc="-1" strike="noStrike">
+            <a:endParaRPr b="0" lang="en-US" sz="1800" strike="noStrike" u="none">
               <a:solidFill>
                 <a:schemeClr val="lt1"/>
               </a:solidFill>
+              <a:uFillTx/>
               <a:latin typeface="Calibri"/>
             </a:endParaRPr>
           </a:p>
@@ -1012,9 +1452,9 @@
       </p:sp>
     </p:spTree>
   </p:cSld>
-  <p:clrMap bg1="lt1" bg2="lt2" tx1="dk1" tx2="dk2" accent1="accent1" accent2="accent2" accent3="accent3" accent4="accent4" accent5="accent5" accent6="accent6" hlink="hlink" folHlink="folHlink"/>
+  <p:clrMap bg1="lt1" tx1="dk1" bg2="lt2" tx2="dk2" accent1="accent1" accent2="accent2" accent3="accent3" accent4="accent4" accent5="accent5" accent6="accent6" hlink="hlink" folHlink="folHlink"/>
   <p:sldLayoutIdLst>
-    <p:sldLayoutId id="2147483667" r:id="rId3"/>
+    <p:sldLayoutId id="2147483669" r:id="rId3"/>
   </p:sldLayoutIdLst>
 </p:sldMaster>
 </file>
@@ -1045,14 +1485,14 @@
       </p:grpSpPr>
       <p:sp>
         <p:nvSpPr>
-          <p:cNvPr id="93" name="Textfeld 15"/>
+          <p:cNvPr id="124" name="Textfeld 15"/>
           <p:cNvSpPr/>
           <p:nvPr/>
         </p:nvSpPr>
         <p:spPr>
           <a:xfrm>
             <a:off x="8711280" y="4803840"/>
-            <a:ext cx="108000" cy="308520"/>
+            <a:ext cx="107280" cy="307800"/>
           </a:xfrm>
           <a:prstGeom prst="rect">
             <a:avLst/>
@@ -1079,33 +1519,35 @@
               </a:lnSpc>
             </a:pPr>
             <a:r>
-              <a:rPr b="0" lang="de-CH" sz="800" spc="-1" strike="noStrike">
+              <a:rPr b="0" lang="de-CH" sz="800" strike="noStrike" u="none">
                 <a:solidFill>
                   <a:schemeClr val="lt1"/>
                 </a:solidFill>
+                <a:uFillTx/>
                 <a:latin typeface="Calibri"/>
               </a:rPr>
               <a:t>|</a:t>
             </a:r>
-            <a:endParaRPr b="0" lang="en-US" sz="800" spc="-1" strike="noStrike">
+            <a:endParaRPr b="0" lang="en-US" sz="800" strike="noStrike" u="none">
               <a:solidFill>
                 <a:srgbClr val="000000"/>
               </a:solidFill>
-              <a:latin typeface="Arial"/>
+              <a:uFillTx/>
+              <a:latin typeface="DejaVu Sans"/>
             </a:endParaRPr>
           </a:p>
         </p:txBody>
       </p:sp>
       <p:sp>
         <p:nvSpPr>
-          <p:cNvPr id="94" name="TextBox 5"/>
+          <p:cNvPr id="125" name="TextBox 5"/>
           <p:cNvSpPr/>
           <p:nvPr/>
         </p:nvSpPr>
         <p:spPr>
           <a:xfrm>
             <a:off x="8800200" y="4897440"/>
-            <a:ext cx="342720" cy="261720"/>
+            <a:ext cx="342000" cy="261720"/>
           </a:xfrm>
           <a:prstGeom prst="rect">
             <a:avLst/>
@@ -1131,27 +1573,29 @@
                 <a:spcPct val="100000"/>
               </a:lnSpc>
             </a:pPr>
-            <a:fld id="{FDEA2CB1-5BE1-4C4D-B99C-A56B37E8DC43}" type="slidenum">
-              <a:rPr b="0" lang="en-US" sz="1000" spc="-1" strike="noStrike">
+            <a:fld id="{FB222159-6CDE-44A1-B565-A0A672C8E20E}" type="slidenum">
+              <a:rPr b="0" lang="en-US" sz="1000" strike="noStrike" u="none">
                 <a:solidFill>
                   <a:schemeClr val="accent1"/>
                 </a:solidFill>
+                <a:uFillTx/>
                 <a:latin typeface="Calibri"/>
               </a:rPr>
-              <a:t>&lt;number&gt;</a:t>
+              <a:t>1</a:t>
             </a:fld>
-            <a:endParaRPr b="0" lang="en-US" sz="1000" spc="-1" strike="noStrike">
+            <a:endParaRPr b="0" lang="en-US" sz="1000" strike="noStrike" u="none">
               <a:solidFill>
                 <a:srgbClr val="000000"/>
               </a:solidFill>
-              <a:latin typeface="Arial"/>
+              <a:uFillTx/>
+              <a:latin typeface="DejaVu Sans"/>
             </a:endParaRPr>
           </a:p>
         </p:txBody>
       </p:sp>
       <p:pic>
         <p:nvPicPr>
-          <p:cNvPr id="95" name="Picture 6" descr="A picture containing text, clipart&#10;&#10;Description automatically generated"/>
+          <p:cNvPr id="126" name="Picture 6" descr="A picture containing text, clipart&#10;&#10;Description automatically generated"/>
           <p:cNvPicPr/>
           <p:nvPr/>
         </p:nvPicPr>
@@ -1163,11 +1607,12 @@
         <p:spPr>
           <a:xfrm>
             <a:off x="6371640" y="157680"/>
-            <a:ext cx="2592000" cy="348840"/>
+            <a:ext cx="2591280" cy="348120"/>
           </a:xfrm>
           <a:prstGeom prst="rect">
             <a:avLst/>
           </a:prstGeom>
+          <a:noFill/>
           <a:ln w="0">
             <a:noFill/>
           </a:ln>
@@ -1175,14 +1620,14 @@
       </p:pic>
       <p:sp>
         <p:nvSpPr>
-          <p:cNvPr id="96" name="Rectangle 10"/>
+          <p:cNvPr id="127" name="Rectangle 10"/>
           <p:cNvSpPr/>
           <p:nvPr/>
         </p:nvSpPr>
         <p:spPr>
           <a:xfrm rot="10800000">
-            <a:off x="1080" y="-14400"/>
-            <a:ext cx="9142920" cy="694800"/>
+            <a:off x="1800" y="-13680"/>
+            <a:ext cx="9142200" cy="694080"/>
           </a:xfrm>
           <a:prstGeom prst="rect">
             <a:avLst/>
@@ -1218,10 +1663,11 @@
                 <a:spcPct val="100000"/>
               </a:lnSpc>
             </a:pPr>
-            <a:endParaRPr b="0" lang="en-US" sz="1800" spc="-1" strike="noStrike">
+            <a:endParaRPr b="0" lang="en-US" sz="1800" strike="noStrike" u="none">
               <a:solidFill>
                 <a:schemeClr val="lt1"/>
               </a:solidFill>
+              <a:uFillTx/>
               <a:latin typeface="Calibri"/>
             </a:endParaRPr>
           </a:p>
@@ -1229,9 +1675,9 @@
       </p:sp>
     </p:spTree>
   </p:cSld>
-  <p:clrMap bg1="lt1" bg2="lt2" tx1="dk1" tx2="dk2" accent1="accent1" accent2="accent2" accent3="accent3" accent4="accent4" accent5="accent5" accent6="accent6" hlink="hlink" folHlink="folHlink"/>
+  <p:clrMap bg1="lt1" tx1="dk1" bg2="lt2" tx2="dk2" accent1="accent1" accent2="accent2" accent3="accent3" accent4="accent4" accent5="accent5" accent6="accent6" hlink="hlink" folHlink="folHlink"/>
   <p:sldLayoutIdLst>
-    <p:sldLayoutId id="2147483669" r:id="rId3"/>
+    <p:sldLayoutId id="2147483671" r:id="rId3"/>
   </p:sldLayoutIdLst>
 </p:sldMaster>
 </file>
@@ -1262,14 +1708,14 @@
       </p:grpSpPr>
       <p:sp>
         <p:nvSpPr>
-          <p:cNvPr id="97" name="Textfeld 15"/>
+          <p:cNvPr id="128" name="Textfeld 15"/>
           <p:cNvSpPr/>
           <p:nvPr/>
         </p:nvSpPr>
         <p:spPr>
           <a:xfrm>
             <a:off x="8711280" y="4803840"/>
-            <a:ext cx="108000" cy="308520"/>
+            <a:ext cx="107280" cy="307800"/>
           </a:xfrm>
           <a:prstGeom prst="rect">
             <a:avLst/>
@@ -1296,33 +1742,35 @@
               </a:lnSpc>
             </a:pPr>
             <a:r>
-              <a:rPr b="0" lang="de-CH" sz="800" spc="-1" strike="noStrike">
+              <a:rPr b="0" lang="de-CH" sz="800" strike="noStrike" u="none">
                 <a:solidFill>
                   <a:schemeClr val="lt1"/>
                 </a:solidFill>
+                <a:uFillTx/>
                 <a:latin typeface="Calibri"/>
               </a:rPr>
               <a:t>|</a:t>
             </a:r>
-            <a:endParaRPr b="0" lang="en-US" sz="800" spc="-1" strike="noStrike">
+            <a:endParaRPr b="0" lang="en-US" sz="800" strike="noStrike" u="none">
               <a:solidFill>
                 <a:srgbClr val="000000"/>
               </a:solidFill>
-              <a:latin typeface="Arial"/>
+              <a:uFillTx/>
+              <a:latin typeface="DejaVu Sans"/>
             </a:endParaRPr>
           </a:p>
         </p:txBody>
       </p:sp>
       <p:sp>
         <p:nvSpPr>
-          <p:cNvPr id="98" name="TextBox 5"/>
+          <p:cNvPr id="129" name="TextBox 5"/>
           <p:cNvSpPr/>
           <p:nvPr/>
         </p:nvSpPr>
         <p:spPr>
           <a:xfrm>
             <a:off x="8800200" y="4897440"/>
-            <a:ext cx="342720" cy="261720"/>
+            <a:ext cx="342000" cy="261720"/>
           </a:xfrm>
           <a:prstGeom prst="rect">
             <a:avLst/>
@@ -1348,27 +1796,29 @@
                 <a:spcPct val="100000"/>
               </a:lnSpc>
             </a:pPr>
-            <a:fld id="{583F0CEE-8523-4F64-BFA8-3362BFCBF874}" type="slidenum">
-              <a:rPr b="0" lang="en-US" sz="1000" spc="-1" strike="noStrike">
+            <a:fld id="{5985DC72-A938-400B-B758-07FFEC99603F}" type="slidenum">
+              <a:rPr b="0" lang="en-US" sz="1000" strike="noStrike" u="none">
                 <a:solidFill>
                   <a:schemeClr val="accent1"/>
                 </a:solidFill>
+                <a:uFillTx/>
                 <a:latin typeface="Calibri"/>
               </a:rPr>
-              <a:t>&lt;number&gt;</a:t>
+              <a:t>1</a:t>
             </a:fld>
-            <a:endParaRPr b="0" lang="en-US" sz="1000" spc="-1" strike="noStrike">
+            <a:endParaRPr b="0" lang="en-US" sz="1000" strike="noStrike" u="none">
               <a:solidFill>
                 <a:srgbClr val="000000"/>
               </a:solidFill>
-              <a:latin typeface="Arial"/>
+              <a:uFillTx/>
+              <a:latin typeface="DejaVu Sans"/>
             </a:endParaRPr>
           </a:p>
         </p:txBody>
       </p:sp>
       <p:pic>
         <p:nvPicPr>
-          <p:cNvPr id="99" name="Picture 6" descr="A picture containing text, clipart&#10;&#10;Description automatically generated"/>
+          <p:cNvPr id="130" name="Picture 6" descr="A picture containing text, clipart&#10;&#10;Description automatically generated"/>
           <p:cNvPicPr/>
           <p:nvPr/>
         </p:nvPicPr>
@@ -1380,11 +1830,12 @@
         <p:spPr>
           <a:xfrm>
             <a:off x="6371640" y="157680"/>
-            <a:ext cx="2592000" cy="348840"/>
+            <a:ext cx="2591280" cy="348120"/>
           </a:xfrm>
           <a:prstGeom prst="rect">
             <a:avLst/>
           </a:prstGeom>
+          <a:noFill/>
           <a:ln w="0">
             <a:noFill/>
           </a:ln>
@@ -1392,14 +1843,14 @@
       </p:pic>
       <p:sp>
         <p:nvSpPr>
-          <p:cNvPr id="100" name="Rectangle 10"/>
+          <p:cNvPr id="131" name="Rectangle 10"/>
           <p:cNvSpPr/>
           <p:nvPr/>
         </p:nvSpPr>
         <p:spPr>
           <a:xfrm rot="10800000">
-            <a:off x="1080" y="-14400"/>
-            <a:ext cx="9142920" cy="694800"/>
+            <a:off x="1800" y="-13680"/>
+            <a:ext cx="9142200" cy="694080"/>
           </a:xfrm>
           <a:prstGeom prst="rect">
             <a:avLst/>
@@ -1435,10 +1886,457 @@
                 <a:spcPct val="100000"/>
               </a:lnSpc>
             </a:pPr>
-            <a:endParaRPr b="0" lang="en-US" sz="1800" spc="-1" strike="noStrike">
+            <a:endParaRPr b="0" lang="en-US" sz="1800" strike="noStrike" u="none">
               <a:solidFill>
                 <a:schemeClr val="lt1"/>
               </a:solidFill>
+              <a:uFillTx/>
+              <a:latin typeface="Calibri"/>
+            </a:endParaRPr>
+          </a:p>
+        </p:txBody>
+      </p:sp>
+    </p:spTree>
+  </p:cSld>
+  <p:clrMap bg1="lt1" tx1="dk1" bg2="lt2" tx2="dk2" accent1="accent1" accent2="accent2" accent3="accent3" accent4="accent4" accent5="accent5" accent6="accent6" hlink="hlink" folHlink="folHlink"/>
+  <p:sldLayoutIdLst>
+    <p:sldLayoutId id="2147483673" r:id="rId3"/>
+  </p:sldLayoutIdLst>
+</p:sldMaster>
+</file>
+
+<file path=ppt/slideMasters/slideMaster13.xml><?xml version="1.0" encoding="utf-8"?>
+<p:sldMaster xmlns:a="http://schemas.openxmlformats.org/drawingml/2006/main" xmlns:p="http://schemas.openxmlformats.org/presentationml/2006/main" xmlns:r="http://schemas.openxmlformats.org/officeDocument/2006/relationships" xmlns:p14="http://schemas.microsoft.com/office/powerpoint/2010/main" xmlns:p15="http://schemas.microsoft.com/office/powerpoint/2012/main" xmlns:mc="http://schemas.openxmlformats.org/markup-compatibility/2006">
+  <p:cSld>
+    <p:bg>
+      <p:bgPr>
+        <a:solidFill>
+          <a:srgbClr val="ffffff"/>
+        </a:solidFill>
+      </p:bgPr>
+    </p:bg>
+    <p:spTree>
+      <p:nvGrpSpPr>
+        <p:cNvPr id="1" name=""/>
+        <p:cNvGrpSpPr/>
+        <p:nvPr/>
+      </p:nvGrpSpPr>
+      <p:grpSpPr>
+        <a:xfrm>
+          <a:off x="0" y="0"/>
+          <a:ext cx="0" cy="0"/>
+          <a:chOff x="0" y="0"/>
+          <a:chExt cx="0" cy="0"/>
+        </a:xfrm>
+      </p:grpSpPr>
+      <p:sp>
+        <p:nvSpPr>
+          <p:cNvPr id="132" name="Textfeld 15"/>
+          <p:cNvSpPr/>
+          <p:nvPr/>
+        </p:nvSpPr>
+        <p:spPr>
+          <a:xfrm>
+            <a:off x="8711280" y="4803840"/>
+            <a:ext cx="107280" cy="307800"/>
+          </a:xfrm>
+          <a:prstGeom prst="rect">
+            <a:avLst/>
+          </a:prstGeom>
+          <a:noFill/>
+          <a:ln w="0">
+            <a:noFill/>
+          </a:ln>
+        </p:spPr>
+        <p:style>
+          <a:lnRef idx="0"/>
+          <a:fillRef idx="0"/>
+          <a:effectRef idx="0"/>
+          <a:fontRef idx="minor"/>
+        </p:style>
+        <p:txBody>
+          <a:bodyPr wrap="none" lIns="36000" rIns="36000" tIns="45000" bIns="45000" anchor="ctr">
+            <a:noAutofit/>
+          </a:bodyPr>
+          <a:p>
+            <a:pPr algn="ctr" defTabSz="914400">
+              <a:lnSpc>
+                <a:spcPct val="100000"/>
+              </a:lnSpc>
+            </a:pPr>
+            <a:r>
+              <a:rPr b="0" lang="de-CH" sz="800" strike="noStrike" u="none">
+                <a:solidFill>
+                  <a:schemeClr val="lt1"/>
+                </a:solidFill>
+                <a:uFillTx/>
+                <a:latin typeface="Calibri"/>
+              </a:rPr>
+              <a:t>|</a:t>
+            </a:r>
+            <a:endParaRPr b="0" lang="en-US" sz="800" strike="noStrike" u="none">
+              <a:solidFill>
+                <a:srgbClr val="000000"/>
+              </a:solidFill>
+              <a:uFillTx/>
+              <a:latin typeface="DejaVu Sans"/>
+            </a:endParaRPr>
+          </a:p>
+        </p:txBody>
+      </p:sp>
+      <p:sp>
+        <p:nvSpPr>
+          <p:cNvPr id="133" name="TextBox 5"/>
+          <p:cNvSpPr/>
+          <p:nvPr/>
+        </p:nvSpPr>
+        <p:spPr>
+          <a:xfrm>
+            <a:off x="8800200" y="4897440"/>
+            <a:ext cx="342000" cy="261720"/>
+          </a:xfrm>
+          <a:prstGeom prst="rect">
+            <a:avLst/>
+          </a:prstGeom>
+          <a:noFill/>
+          <a:ln w="0">
+            <a:noFill/>
+          </a:ln>
+        </p:spPr>
+        <p:style>
+          <a:lnRef idx="0"/>
+          <a:fillRef idx="0"/>
+          <a:effectRef idx="0"/>
+          <a:fontRef idx="minor"/>
+        </p:style>
+        <p:txBody>
+          <a:bodyPr lIns="90000" rIns="90000" tIns="45000" bIns="45000" anchor="t">
+            <a:spAutoFit/>
+          </a:bodyPr>
+          <a:p>
+            <a:pPr defTabSz="914400">
+              <a:lnSpc>
+                <a:spcPct val="100000"/>
+              </a:lnSpc>
+            </a:pPr>
+            <a:fld id="{548AE730-824A-4AF9-A07A-F5E8FF1B64F2}" type="slidenum">
+              <a:rPr b="0" lang="en-US" sz="1000" strike="noStrike" u="none">
+                <a:solidFill>
+                  <a:schemeClr val="accent1"/>
+                </a:solidFill>
+                <a:uFillTx/>
+                <a:latin typeface="Calibri"/>
+              </a:rPr>
+              <a:t>1</a:t>
+            </a:fld>
+            <a:endParaRPr b="0" lang="en-US" sz="1000" strike="noStrike" u="none">
+              <a:solidFill>
+                <a:srgbClr val="000000"/>
+              </a:solidFill>
+              <a:uFillTx/>
+              <a:latin typeface="DejaVu Sans"/>
+            </a:endParaRPr>
+          </a:p>
+        </p:txBody>
+      </p:sp>
+      <p:pic>
+        <p:nvPicPr>
+          <p:cNvPr id="134" name="Picture 6" descr="A picture containing text, clipart&#10;&#10;Description automatically generated"/>
+          <p:cNvPicPr/>
+          <p:nvPr/>
+        </p:nvPicPr>
+        <p:blipFill>
+          <a:blip r:embed="rId2"/>
+          <a:srcRect l="0" t="27256" r="0" b="28304"/>
+          <a:stretch/>
+        </p:blipFill>
+        <p:spPr>
+          <a:xfrm>
+            <a:off x="6371640" y="157680"/>
+            <a:ext cx="2591280" cy="348120"/>
+          </a:xfrm>
+          <a:prstGeom prst="rect">
+            <a:avLst/>
+          </a:prstGeom>
+          <a:noFill/>
+          <a:ln w="0">
+            <a:noFill/>
+          </a:ln>
+        </p:spPr>
+      </p:pic>
+      <p:sp>
+        <p:nvSpPr>
+          <p:cNvPr id="135" name="Rectangle 10"/>
+          <p:cNvSpPr/>
+          <p:nvPr/>
+        </p:nvSpPr>
+        <p:spPr>
+          <a:xfrm rot="10800000">
+            <a:off x="1800" y="-13680"/>
+            <a:ext cx="9142200" cy="694080"/>
+          </a:xfrm>
+          <a:prstGeom prst="rect">
+            <a:avLst/>
+          </a:prstGeom>
+          <a:solidFill>
+            <a:schemeClr val="accent1"/>
+          </a:solidFill>
+          <a:ln>
+            <a:noFill/>
+          </a:ln>
+        </p:spPr>
+        <p:style>
+          <a:lnRef idx="2">
+            <a:schemeClr val="accent1">
+              <a:shade val="50000"/>
+            </a:schemeClr>
+          </a:lnRef>
+          <a:fillRef idx="1">
+            <a:schemeClr val="accent1"/>
+          </a:fillRef>
+          <a:effectRef idx="0">
+            <a:schemeClr val="accent1"/>
+          </a:effectRef>
+          <a:fontRef idx="minor"/>
+        </p:style>
+        <p:txBody>
+          <a:bodyPr lIns="90000" rIns="90000" tIns="45000" bIns="45000" anchor="ctr">
+            <a:noAutofit/>
+          </a:bodyPr>
+          <a:p>
+            <a:pPr algn="ctr" defTabSz="914400">
+              <a:lnSpc>
+                <a:spcPct val="100000"/>
+              </a:lnSpc>
+            </a:pPr>
+            <a:endParaRPr b="0" lang="en-US" sz="1800" strike="noStrike" u="none">
+              <a:solidFill>
+                <a:schemeClr val="lt1"/>
+              </a:solidFill>
+              <a:uFillTx/>
+              <a:latin typeface="Calibri"/>
+            </a:endParaRPr>
+          </a:p>
+        </p:txBody>
+      </p:sp>
+    </p:spTree>
+  </p:cSld>
+  <p:clrMap bg1="lt1" tx1="dk1" bg2="lt2" tx2="dk2" accent1="accent1" accent2="accent2" accent3="accent3" accent4="accent4" accent5="accent5" accent6="accent6" hlink="hlink" folHlink="folHlink"/>
+  <p:sldLayoutIdLst>
+    <p:sldLayoutId id="2147483675" r:id="rId3"/>
+  </p:sldLayoutIdLst>
+</p:sldMaster>
+</file>
+
+<file path=ppt/slideMasters/slideMaster14.xml><?xml version="1.0" encoding="utf-8"?>
+<p:sldMaster xmlns:a="http://schemas.openxmlformats.org/drawingml/2006/main" xmlns:p="http://schemas.openxmlformats.org/presentationml/2006/main" xmlns:r="http://schemas.openxmlformats.org/officeDocument/2006/relationships" xmlns:p14="http://schemas.microsoft.com/office/powerpoint/2010/main" xmlns:p15="http://schemas.microsoft.com/office/powerpoint/2012/main" xmlns:mc="http://schemas.openxmlformats.org/markup-compatibility/2006">
+  <p:cSld>
+    <p:bg>
+      <p:bgPr>
+        <a:solidFill>
+          <a:srgbClr val="ffffff"/>
+        </a:solidFill>
+      </p:bgPr>
+    </p:bg>
+    <p:spTree>
+      <p:nvGrpSpPr>
+        <p:cNvPr id="1" name=""/>
+        <p:cNvGrpSpPr/>
+        <p:nvPr/>
+      </p:nvGrpSpPr>
+      <p:grpSpPr>
+        <a:xfrm>
+          <a:off x="0" y="0"/>
+          <a:ext cx="0" cy="0"/>
+          <a:chOff x="0" y="0"/>
+          <a:chExt cx="0" cy="0"/>
+        </a:xfrm>
+      </p:grpSpPr>
+      <p:sp>
+        <p:nvSpPr>
+          <p:cNvPr id="136" name="Textfeld 15"/>
+          <p:cNvSpPr/>
+          <p:nvPr/>
+        </p:nvSpPr>
+        <p:spPr>
+          <a:xfrm>
+            <a:off x="8711280" y="4803840"/>
+            <a:ext cx="107280" cy="307800"/>
+          </a:xfrm>
+          <a:prstGeom prst="rect">
+            <a:avLst/>
+          </a:prstGeom>
+          <a:noFill/>
+          <a:ln w="0">
+            <a:noFill/>
+          </a:ln>
+        </p:spPr>
+        <p:style>
+          <a:lnRef idx="0"/>
+          <a:fillRef idx="0"/>
+          <a:effectRef idx="0"/>
+          <a:fontRef idx="minor"/>
+        </p:style>
+        <p:txBody>
+          <a:bodyPr wrap="none" lIns="36000" rIns="36000" tIns="45000" bIns="45000" anchor="ctr">
+            <a:noAutofit/>
+          </a:bodyPr>
+          <a:p>
+            <a:pPr algn="ctr" defTabSz="914400">
+              <a:lnSpc>
+                <a:spcPct val="100000"/>
+              </a:lnSpc>
+            </a:pPr>
+            <a:r>
+              <a:rPr b="0" lang="de-CH" sz="800" strike="noStrike" u="none">
+                <a:solidFill>
+                  <a:schemeClr val="lt1"/>
+                </a:solidFill>
+                <a:uFillTx/>
+                <a:latin typeface="Calibri"/>
+              </a:rPr>
+              <a:t>|</a:t>
+            </a:r>
+            <a:endParaRPr b="0" lang="en-US" sz="800" strike="noStrike" u="none">
+              <a:solidFill>
+                <a:srgbClr val="000000"/>
+              </a:solidFill>
+              <a:uFillTx/>
+              <a:latin typeface="DejaVu Sans"/>
+            </a:endParaRPr>
+          </a:p>
+        </p:txBody>
+      </p:sp>
+      <p:sp>
+        <p:nvSpPr>
+          <p:cNvPr id="137" name="TextBox 5"/>
+          <p:cNvSpPr/>
+          <p:nvPr/>
+        </p:nvSpPr>
+        <p:spPr>
+          <a:xfrm>
+            <a:off x="8800200" y="4897440"/>
+            <a:ext cx="342000" cy="261720"/>
+          </a:xfrm>
+          <a:prstGeom prst="rect">
+            <a:avLst/>
+          </a:prstGeom>
+          <a:noFill/>
+          <a:ln w="0">
+            <a:noFill/>
+          </a:ln>
+        </p:spPr>
+        <p:style>
+          <a:lnRef idx="0"/>
+          <a:fillRef idx="0"/>
+          <a:effectRef idx="0"/>
+          <a:fontRef idx="minor"/>
+        </p:style>
+        <p:txBody>
+          <a:bodyPr lIns="90000" rIns="90000" tIns="45000" bIns="45000" anchor="t">
+            <a:spAutoFit/>
+          </a:bodyPr>
+          <a:p>
+            <a:pPr defTabSz="914400">
+              <a:lnSpc>
+                <a:spcPct val="100000"/>
+              </a:lnSpc>
+            </a:pPr>
+            <a:fld id="{6FBA1C19-5B17-49A9-826C-81BFA57D6A24}" type="slidenum">
+              <a:rPr b="0" lang="en-US" sz="1000" strike="noStrike" u="none">
+                <a:solidFill>
+                  <a:schemeClr val="accent1"/>
+                </a:solidFill>
+                <a:uFillTx/>
+                <a:latin typeface="Calibri"/>
+              </a:rPr>
+              <a:t>1</a:t>
+            </a:fld>
+            <a:endParaRPr b="0" lang="en-US" sz="1000" strike="noStrike" u="none">
+              <a:solidFill>
+                <a:srgbClr val="000000"/>
+              </a:solidFill>
+              <a:uFillTx/>
+              <a:latin typeface="DejaVu Sans"/>
+            </a:endParaRPr>
+          </a:p>
+        </p:txBody>
+      </p:sp>
+      <p:pic>
+        <p:nvPicPr>
+          <p:cNvPr id="138" name="Picture 6" descr="A picture containing text, clipart&#10;&#10;Description automatically generated"/>
+          <p:cNvPicPr/>
+          <p:nvPr/>
+        </p:nvPicPr>
+        <p:blipFill>
+          <a:blip r:embed="rId2"/>
+          <a:srcRect l="0" t="27256" r="0" b="28304"/>
+          <a:stretch/>
+        </p:blipFill>
+        <p:spPr>
+          <a:xfrm>
+            <a:off x="6371640" y="157680"/>
+            <a:ext cx="2591280" cy="348120"/>
+          </a:xfrm>
+          <a:prstGeom prst="rect">
+            <a:avLst/>
+          </a:prstGeom>
+          <a:noFill/>
+          <a:ln w="0">
+            <a:noFill/>
+          </a:ln>
+        </p:spPr>
+      </p:pic>
+      <p:sp>
+        <p:nvSpPr>
+          <p:cNvPr id="139" name="Rectangle 10"/>
+          <p:cNvSpPr/>
+          <p:nvPr/>
+        </p:nvSpPr>
+        <p:spPr>
+          <a:xfrm rot="10800000">
+            <a:off x="1800" y="-13680"/>
+            <a:ext cx="9142200" cy="694080"/>
+          </a:xfrm>
+          <a:prstGeom prst="rect">
+            <a:avLst/>
+          </a:prstGeom>
+          <a:solidFill>
+            <a:schemeClr val="accent1"/>
+          </a:solidFill>
+          <a:ln>
+            <a:noFill/>
+          </a:ln>
+        </p:spPr>
+        <p:style>
+          <a:lnRef idx="2">
+            <a:schemeClr val="accent1">
+              <a:shade val="50000"/>
+            </a:schemeClr>
+          </a:lnRef>
+          <a:fillRef idx="1">
+            <a:schemeClr val="accent1"/>
+          </a:fillRef>
+          <a:effectRef idx="0">
+            <a:schemeClr val="accent1"/>
+          </a:effectRef>
+          <a:fontRef idx="minor"/>
+        </p:style>
+        <p:txBody>
+          <a:bodyPr lIns="90000" rIns="90000" tIns="45000" bIns="45000" anchor="ctr">
+            <a:noAutofit/>
+          </a:bodyPr>
+          <a:p>
+            <a:pPr algn="ctr" defTabSz="914400">
+              <a:lnSpc>
+                <a:spcPct val="100000"/>
+              </a:lnSpc>
+            </a:pPr>
+            <a:endParaRPr b="0" lang="en-US" sz="1800" strike="noStrike" u="none">
+              <a:solidFill>
+                <a:schemeClr val="lt1"/>
+              </a:solidFill>
+              <a:uFillTx/>
               <a:latin typeface="Calibri"/>
             </a:endParaRPr>
           </a:p>
@@ -1446,14 +2344,14 @@
       </p:sp>
       <p:sp>
         <p:nvSpPr>
-          <p:cNvPr id="101" name="Rectangle 2"/>
+          <p:cNvPr id="140" name="Rectangle 2"/>
           <p:cNvSpPr/>
           <p:nvPr/>
         </p:nvSpPr>
         <p:spPr>
           <a:xfrm>
             <a:off x="0" y="-20520"/>
-            <a:ext cx="9142920" cy="4751280"/>
+            <a:ext cx="9142200" cy="4750560"/>
           </a:xfrm>
           <a:prstGeom prst="rect">
             <a:avLst/>
@@ -1489,10 +2387,11 @@
                 <a:spcPct val="100000"/>
               </a:lnSpc>
             </a:pPr>
-            <a:endParaRPr b="0" lang="en-US" sz="1800" spc="-1" strike="noStrike">
+            <a:endParaRPr b="0" lang="en-US" sz="1800" strike="noStrike" u="none">
               <a:solidFill>
                 <a:schemeClr val="lt1"/>
               </a:solidFill>
+              <a:uFillTx/>
               <a:latin typeface="Calibri"/>
             </a:endParaRPr>
           </a:p>
@@ -1500,14 +2399,14 @@
       </p:sp>
     </p:spTree>
   </p:cSld>
-  <p:clrMap bg1="lt1" bg2="lt2" tx1="dk1" tx2="dk2" accent1="accent1" accent2="accent2" accent3="accent3" accent4="accent4" accent5="accent5" accent6="accent6" hlink="hlink" folHlink="folHlink"/>
+  <p:clrMap bg1="lt1" tx1="dk1" bg2="lt2" tx2="dk2" accent1="accent1" accent2="accent2" accent3="accent3" accent4="accent4" accent5="accent5" accent6="accent6" hlink="hlink" folHlink="folHlink"/>
   <p:sldLayoutIdLst>
-    <p:sldLayoutId id="2147483671" r:id="rId3"/>
+    <p:sldLayoutId id="2147483677" r:id="rId3"/>
   </p:sldLayoutIdLst>
 </p:sldMaster>
 </file>
 
-<file path=ppt/slideMasters/slideMaster13.xml><?xml version="1.0" encoding="utf-8"?>
+<file path=ppt/slideMasters/slideMaster15.xml><?xml version="1.0" encoding="utf-8"?>
 <p:sldMaster xmlns:a="http://schemas.openxmlformats.org/drawingml/2006/main" xmlns:p="http://schemas.openxmlformats.org/presentationml/2006/main" xmlns:r="http://schemas.openxmlformats.org/officeDocument/2006/relationships" xmlns:p14="http://schemas.microsoft.com/office/powerpoint/2010/main" xmlns:p15="http://schemas.microsoft.com/office/powerpoint/2012/main" xmlns:mc="http://schemas.openxmlformats.org/markup-compatibility/2006">
   <p:cSld>
     <p:bg>
@@ -1533,14 +2432,14 @@
       </p:grpSpPr>
       <p:sp>
         <p:nvSpPr>
-          <p:cNvPr id="102" name="Rectangle 6"/>
+          <p:cNvPr id="141" name="Rectangle 6"/>
           <p:cNvSpPr/>
           <p:nvPr/>
         </p:nvSpPr>
         <p:spPr>
           <a:xfrm rot="10800000">
-            <a:off x="1080" y="-14400"/>
-            <a:ext cx="466560" cy="5157720"/>
+            <a:off x="1800" y="-13680"/>
+            <a:ext cx="465840" cy="5157000"/>
           </a:xfrm>
           <a:prstGeom prst="rect">
             <a:avLst/>
@@ -1576,10 +2475,11 @@
                 <a:spcPct val="100000"/>
               </a:lnSpc>
             </a:pPr>
-            <a:endParaRPr b="0" lang="en-US" sz="1800" spc="-1" strike="noStrike">
+            <a:endParaRPr b="0" lang="en-US" sz="1800" strike="noStrike" u="none">
               <a:solidFill>
                 <a:schemeClr val="lt1"/>
               </a:solidFill>
+              <a:uFillTx/>
               <a:latin typeface="Calibri"/>
             </a:endParaRPr>
           </a:p>
@@ -1587,7 +2487,7 @@
       </p:sp>
       <p:pic>
         <p:nvPicPr>
-          <p:cNvPr id="103" name="Εικόνα 2" descr=""/>
+          <p:cNvPr id="142" name="Εικόνα 2" descr=""/>
           <p:cNvPicPr/>
           <p:nvPr/>
         </p:nvPicPr>
@@ -1598,11 +2498,12 @@
         <p:spPr>
           <a:xfrm>
             <a:off x="8172360" y="4299840"/>
-            <a:ext cx="767160" cy="767160"/>
+            <a:ext cx="766440" cy="766440"/>
           </a:xfrm>
           <a:prstGeom prst="rect">
             <a:avLst/>
           </a:prstGeom>
+          <a:noFill/>
           <a:ln w="0">
             <a:noFill/>
           </a:ln>
@@ -1610,14 +2511,14 @@
       </p:pic>
     </p:spTree>
   </p:cSld>
-  <p:clrMap bg1="lt1" bg2="lt2" tx1="dk1" tx2="dk2" accent1="accent1" accent2="accent2" accent3="accent3" accent4="accent4" accent5="accent5" accent6="accent6" hlink="hlink" folHlink="folHlink"/>
+  <p:clrMap bg1="lt1" tx1="dk1" bg2="lt2" tx2="dk2" accent1="accent1" accent2="accent2" accent3="accent3" accent4="accent4" accent5="accent5" accent6="accent6" hlink="hlink" folHlink="folHlink"/>
   <p:sldLayoutIdLst>
-    <p:sldLayoutId id="2147483673" r:id="rId3"/>
+    <p:sldLayoutId id="2147483679" r:id="rId3"/>
   </p:sldLayoutIdLst>
 </p:sldMaster>
 </file>
 
-<file path=ppt/slideMasters/slideMaster14.xml><?xml version="1.0" encoding="utf-8"?>
+<file path=ppt/slideMasters/slideMaster16.xml><?xml version="1.0" encoding="utf-8"?>
 <p:sldMaster xmlns:a="http://schemas.openxmlformats.org/drawingml/2006/main" xmlns:p="http://schemas.openxmlformats.org/presentationml/2006/main" xmlns:r="http://schemas.openxmlformats.org/officeDocument/2006/relationships" xmlns:p14="http://schemas.microsoft.com/office/powerpoint/2010/main" xmlns:p15="http://schemas.microsoft.com/office/powerpoint/2012/main" xmlns:mc="http://schemas.openxmlformats.org/markup-compatibility/2006">
   <p:cSld>
     <p:bg>
@@ -1643,14 +2544,14 @@
       </p:grpSpPr>
       <p:sp>
         <p:nvSpPr>
-          <p:cNvPr id="104" name="Rectangle 6"/>
+          <p:cNvPr id="143" name="Rectangle 6"/>
           <p:cNvSpPr/>
           <p:nvPr/>
         </p:nvSpPr>
         <p:spPr>
           <a:xfrm rot="10800000">
-            <a:off x="1080" y="-14400"/>
-            <a:ext cx="466560" cy="5157720"/>
+            <a:off x="1800" y="-13680"/>
+            <a:ext cx="465840" cy="5157000"/>
           </a:xfrm>
           <a:prstGeom prst="rect">
             <a:avLst/>
@@ -1686,10 +2587,11 @@
                 <a:spcPct val="100000"/>
               </a:lnSpc>
             </a:pPr>
-            <a:endParaRPr b="0" lang="en-US" sz="1800" spc="-1" strike="noStrike">
+            <a:endParaRPr b="0" lang="en-US" sz="1800" strike="noStrike" u="none">
               <a:solidFill>
                 <a:schemeClr val="lt1"/>
               </a:solidFill>
+              <a:uFillTx/>
               <a:latin typeface="Calibri"/>
             </a:endParaRPr>
           </a:p>
@@ -1697,7 +2599,7 @@
       </p:sp>
       <p:pic>
         <p:nvPicPr>
-          <p:cNvPr id="105" name="Εικόνα 2" descr=""/>
+          <p:cNvPr id="144" name="Εικόνα 2" descr=""/>
           <p:cNvPicPr/>
           <p:nvPr/>
         </p:nvPicPr>
@@ -1708,11 +2610,12 @@
         <p:spPr>
           <a:xfrm>
             <a:off x="8172360" y="4299840"/>
-            <a:ext cx="767160" cy="767160"/>
+            <a:ext cx="766440" cy="766440"/>
           </a:xfrm>
           <a:prstGeom prst="rect">
             <a:avLst/>
           </a:prstGeom>
+          <a:noFill/>
           <a:ln w="0">
             <a:noFill/>
           </a:ln>
@@ -1720,14 +2623,14 @@
       </p:pic>
     </p:spTree>
   </p:cSld>
-  <p:clrMap bg1="lt1" bg2="lt2" tx1="dk1" tx2="dk2" accent1="accent1" accent2="accent2" accent3="accent3" accent4="accent4" accent5="accent5" accent6="accent6" hlink="hlink" folHlink="folHlink"/>
+  <p:clrMap bg1="lt1" tx1="dk1" bg2="lt2" tx2="dk2" accent1="accent1" accent2="accent2" accent3="accent3" accent4="accent4" accent5="accent5" accent6="accent6" hlink="hlink" folHlink="folHlink"/>
   <p:sldLayoutIdLst>
-    <p:sldLayoutId id="2147483675" r:id="rId3"/>
+    <p:sldLayoutId id="2147483681" r:id="rId3"/>
   </p:sldLayoutIdLst>
 </p:sldMaster>
 </file>
 
-<file path=ppt/slideMasters/slideMaster15.xml><?xml version="1.0" encoding="utf-8"?>
+<file path=ppt/slideMasters/slideMaster17.xml><?xml version="1.0" encoding="utf-8"?>
 <p:sldMaster xmlns:a="http://schemas.openxmlformats.org/drawingml/2006/main" xmlns:p="http://schemas.openxmlformats.org/presentationml/2006/main" xmlns:r="http://schemas.openxmlformats.org/officeDocument/2006/relationships" xmlns:p14="http://schemas.microsoft.com/office/powerpoint/2010/main" xmlns:p15="http://schemas.microsoft.com/office/powerpoint/2012/main" xmlns:mc="http://schemas.openxmlformats.org/markup-compatibility/2006">
   <p:cSld>
     <p:bg>
@@ -1753,14 +2656,14 @@
       </p:grpSpPr>
       <p:sp>
         <p:nvSpPr>
-          <p:cNvPr id="106" name="Rectangle 6"/>
+          <p:cNvPr id="145" name="Rectangle 6"/>
           <p:cNvSpPr/>
           <p:nvPr/>
         </p:nvSpPr>
         <p:spPr>
           <a:xfrm rot="10800000">
-            <a:off x="1080" y="-14400"/>
-            <a:ext cx="466560" cy="5157720"/>
+            <a:off x="1800" y="-13680"/>
+            <a:ext cx="465840" cy="5157000"/>
           </a:xfrm>
           <a:prstGeom prst="rect">
             <a:avLst/>
@@ -1796,10 +2699,11 @@
                 <a:spcPct val="100000"/>
               </a:lnSpc>
             </a:pPr>
-            <a:endParaRPr b="0" lang="en-US" sz="1800" spc="-1" strike="noStrike">
+            <a:endParaRPr b="0" lang="en-US" sz="1800" strike="noStrike" u="none">
               <a:solidFill>
                 <a:schemeClr val="lt1"/>
               </a:solidFill>
+              <a:uFillTx/>
               <a:latin typeface="Calibri"/>
             </a:endParaRPr>
           </a:p>
@@ -1807,7 +2711,7 @@
       </p:sp>
       <p:pic>
         <p:nvPicPr>
-          <p:cNvPr id="107" name="Εικόνα 2" descr=""/>
+          <p:cNvPr id="146" name="Εικόνα 2" descr=""/>
           <p:cNvPicPr/>
           <p:nvPr/>
         </p:nvPicPr>
@@ -1818,11 +2722,12 @@
         <p:spPr>
           <a:xfrm>
             <a:off x="8172360" y="4299840"/>
-            <a:ext cx="767160" cy="767160"/>
+            <a:ext cx="766440" cy="766440"/>
           </a:xfrm>
           <a:prstGeom prst="rect">
             <a:avLst/>
           </a:prstGeom>
+          <a:noFill/>
           <a:ln w="0">
             <a:noFill/>
           </a:ln>
@@ -1830,14 +2735,14 @@
       </p:pic>
     </p:spTree>
   </p:cSld>
-  <p:clrMap bg1="lt1" bg2="lt2" tx1="dk1" tx2="dk2" accent1="accent1" accent2="accent2" accent3="accent3" accent4="accent4" accent5="accent5" accent6="accent6" hlink="hlink" folHlink="folHlink"/>
+  <p:clrMap bg1="lt1" tx1="dk1" bg2="lt2" tx2="dk2" accent1="accent1" accent2="accent2" accent3="accent3" accent4="accent4" accent5="accent5" accent6="accent6" hlink="hlink" folHlink="folHlink"/>
   <p:sldLayoutIdLst>
-    <p:sldLayoutId id="2147483677" r:id="rId3"/>
+    <p:sldLayoutId id="2147483683" r:id="rId3"/>
   </p:sldLayoutIdLst>
 </p:sldMaster>
 </file>
 
-<file path=ppt/slideMasters/slideMaster16.xml><?xml version="1.0" encoding="utf-8"?>
+<file path=ppt/slideMasters/slideMaster18.xml><?xml version="1.0" encoding="utf-8"?>
 <p:sldMaster xmlns:a="http://schemas.openxmlformats.org/drawingml/2006/main" xmlns:p="http://schemas.openxmlformats.org/presentationml/2006/main" xmlns:r="http://schemas.openxmlformats.org/officeDocument/2006/relationships" xmlns:p14="http://schemas.microsoft.com/office/powerpoint/2010/main" xmlns:p15="http://schemas.microsoft.com/office/powerpoint/2012/main" xmlns:mc="http://schemas.openxmlformats.org/markup-compatibility/2006">
   <p:cSld>
     <p:bg>
@@ -1863,14 +2768,14 @@
       </p:grpSpPr>
       <p:sp>
         <p:nvSpPr>
-          <p:cNvPr id="108" name="Rectangle 6"/>
+          <p:cNvPr id="147" name="Rectangle 6"/>
           <p:cNvSpPr/>
           <p:nvPr/>
         </p:nvSpPr>
         <p:spPr>
           <a:xfrm rot="10800000">
-            <a:off x="1080" y="-14400"/>
-            <a:ext cx="466560" cy="5157720"/>
+            <a:off x="1800" y="-13680"/>
+            <a:ext cx="465840" cy="5157000"/>
           </a:xfrm>
           <a:prstGeom prst="rect">
             <a:avLst/>
@@ -1906,10 +2811,11 @@
                 <a:spcPct val="100000"/>
               </a:lnSpc>
             </a:pPr>
-            <a:endParaRPr b="0" lang="en-US" sz="1800" spc="-1" strike="noStrike">
+            <a:endParaRPr b="0" lang="en-US" sz="1800" strike="noStrike" u="none">
               <a:solidFill>
                 <a:schemeClr val="lt1"/>
               </a:solidFill>
+              <a:uFillTx/>
               <a:latin typeface="Calibri"/>
             </a:endParaRPr>
           </a:p>
@@ -1917,7 +2823,7 @@
       </p:sp>
       <p:pic>
         <p:nvPicPr>
-          <p:cNvPr id="109" name="Εικόνα 2" descr=""/>
+          <p:cNvPr id="148" name="Εικόνα 2" descr=""/>
           <p:cNvPicPr/>
           <p:nvPr/>
         </p:nvPicPr>
@@ -1928,11 +2834,12 @@
         <p:spPr>
           <a:xfrm>
             <a:off x="8172360" y="4299840"/>
-            <a:ext cx="767160" cy="767160"/>
+            <a:ext cx="766440" cy="766440"/>
           </a:xfrm>
           <a:prstGeom prst="rect">
             <a:avLst/>
           </a:prstGeom>
+          <a:noFill/>
           <a:ln w="0">
             <a:noFill/>
           </a:ln>
@@ -1940,9 +2847,9 @@
       </p:pic>
     </p:spTree>
   </p:cSld>
-  <p:clrMap bg1="lt1" bg2="lt2" tx1="dk1" tx2="dk2" accent1="accent1" accent2="accent2" accent3="accent3" accent4="accent4" accent5="accent5" accent6="accent6" hlink="hlink" folHlink="folHlink"/>
+  <p:clrMap bg1="lt1" tx1="dk1" bg2="lt2" tx2="dk2" accent1="accent1" accent2="accent2" accent3="accent3" accent4="accent4" accent5="accent5" accent6="accent6" hlink="hlink" folHlink="folHlink"/>
   <p:sldLayoutIdLst>
-    <p:sldLayoutId id="2147483679" r:id="rId3"/>
+    <p:sldLayoutId id="2147483685" r:id="rId3"/>
   </p:sldLayoutIdLst>
 </p:sldMaster>
 </file>
@@ -1980,7 +2887,7 @@
         <p:spPr>
           <a:xfrm>
             <a:off x="8711280" y="4803840"/>
-            <a:ext cx="108000" cy="308520"/>
+            <a:ext cx="107280" cy="307800"/>
           </a:xfrm>
           <a:prstGeom prst="rect">
             <a:avLst/>
@@ -2007,19 +2914,21 @@
               </a:lnSpc>
             </a:pPr>
             <a:r>
-              <a:rPr b="0" lang="de-CH" sz="800" spc="-1" strike="noStrike">
+              <a:rPr b="0" lang="de-CH" sz="800" strike="noStrike" u="none">
                 <a:solidFill>
                   <a:schemeClr val="lt1"/>
                 </a:solidFill>
+                <a:uFillTx/>
                 <a:latin typeface="Calibri"/>
               </a:rPr>
               <a:t>|</a:t>
             </a:r>
-            <a:endParaRPr b="0" lang="en-US" sz="800" spc="-1" strike="noStrike">
+            <a:endParaRPr b="0" lang="en-US" sz="800" strike="noStrike" u="none">
               <a:solidFill>
                 <a:srgbClr val="000000"/>
               </a:solidFill>
-              <a:latin typeface="Arial"/>
+              <a:uFillTx/>
+              <a:latin typeface="DejaVu Sans"/>
             </a:endParaRPr>
           </a:p>
         </p:txBody>
@@ -2037,11 +2946,12 @@
         <p:spPr>
           <a:xfrm>
             <a:off x="7932960" y="0"/>
-            <a:ext cx="1202400" cy="1202400"/>
+            <a:ext cx="1201680" cy="1201680"/>
           </a:xfrm>
           <a:prstGeom prst="rect">
             <a:avLst/>
           </a:prstGeom>
+          <a:noFill/>
           <a:ln w="0">
             <a:noFill/>
           </a:ln>
@@ -2079,19 +2989,21 @@
               <a:buNone/>
             </a:pPr>
             <a:r>
-              <a:rPr b="0" lang="en-US" sz="4400" spc="-1" strike="noStrike">
+              <a:rPr b="0" lang="en-US" sz="4400" strike="noStrike" u="none">
                 <a:solidFill>
                   <a:srgbClr val="000000"/>
                 </a:solidFill>
-                <a:latin typeface="Arial"/>
+                <a:uFillTx/>
+                <a:latin typeface="DejaVu Sans"/>
               </a:rPr>
               <a:t>Click to edit the title text format</a:t>
             </a:r>
-            <a:endParaRPr b="0" lang="en-US" sz="4400" spc="-1" strike="noStrike">
+            <a:endParaRPr b="0" lang="en-US" sz="4400" strike="noStrike" u="none">
               <a:solidFill>
                 <a:srgbClr val="000000"/>
               </a:solidFill>
-              <a:latin typeface="Arial"/>
+              <a:uFillTx/>
+              <a:latin typeface="DejaVu Sans"/>
             </a:endParaRPr>
           </a:p>
         </p:txBody>
@@ -2136,19 +3048,21 @@
               <a:buChar char=""/>
             </a:pPr>
             <a:r>
-              <a:rPr b="0" lang="en-US" sz="3200" spc="-1" strike="noStrike">
+              <a:rPr b="0" lang="en-US" sz="3200" strike="noStrike" u="none">
                 <a:solidFill>
                   <a:srgbClr val="000000"/>
                 </a:solidFill>
-                <a:latin typeface="Arial"/>
+                <a:uFillTx/>
+                <a:latin typeface="DejaVu Sans"/>
               </a:rPr>
               <a:t>Click to edit the outline text format</a:t>
             </a:r>
-            <a:endParaRPr b="0" lang="en-US" sz="3200" spc="-1" strike="noStrike">
+            <a:endParaRPr b="0" lang="en-US" sz="3200" strike="noStrike" u="none">
               <a:solidFill>
                 <a:srgbClr val="000000"/>
               </a:solidFill>
-              <a:latin typeface="Arial"/>
+              <a:uFillTx/>
+              <a:latin typeface="DejaVu Sans"/>
             </a:endParaRPr>
           </a:p>
           <a:p>
@@ -2164,19 +3078,21 @@
               <a:buChar char=""/>
             </a:pPr>
             <a:r>
-              <a:rPr b="0" lang="en-US" sz="2800" spc="-1" strike="noStrike">
+              <a:rPr b="0" lang="en-US" sz="2800" strike="noStrike" u="none">
                 <a:solidFill>
                   <a:srgbClr val="000000"/>
                 </a:solidFill>
-                <a:latin typeface="Arial"/>
+                <a:uFillTx/>
+                <a:latin typeface="DejaVu Sans"/>
               </a:rPr>
               <a:t>Second Outline Level</a:t>
             </a:r>
-            <a:endParaRPr b="0" lang="en-US" sz="2800" spc="-1" strike="noStrike">
+            <a:endParaRPr b="0" lang="en-US" sz="2800" strike="noStrike" u="none">
               <a:solidFill>
                 <a:srgbClr val="000000"/>
               </a:solidFill>
-              <a:latin typeface="Arial"/>
+              <a:uFillTx/>
+              <a:latin typeface="DejaVu Sans"/>
             </a:endParaRPr>
           </a:p>
           <a:p>
@@ -2192,19 +3108,21 @@
               <a:buChar char=""/>
             </a:pPr>
             <a:r>
-              <a:rPr b="0" lang="en-US" sz="2400" spc="-1" strike="noStrike">
+              <a:rPr b="0" lang="en-US" sz="2400" strike="noStrike" u="none">
                 <a:solidFill>
                   <a:srgbClr val="000000"/>
                 </a:solidFill>
-                <a:latin typeface="Arial"/>
+                <a:uFillTx/>
+                <a:latin typeface="DejaVu Sans"/>
               </a:rPr>
               <a:t>Third Outline Level</a:t>
             </a:r>
-            <a:endParaRPr b="0" lang="en-US" sz="2400" spc="-1" strike="noStrike">
+            <a:endParaRPr b="0" lang="en-US" sz="2400" strike="noStrike" u="none">
               <a:solidFill>
                 <a:srgbClr val="000000"/>
               </a:solidFill>
-              <a:latin typeface="Arial"/>
+              <a:uFillTx/>
+              <a:latin typeface="DejaVu Sans"/>
             </a:endParaRPr>
           </a:p>
           <a:p>
@@ -2220,19 +3138,21 @@
               <a:buChar char=""/>
             </a:pPr>
             <a:r>
-              <a:rPr b="0" lang="en-US" sz="2000" spc="-1" strike="noStrike">
+              <a:rPr b="0" lang="en-US" sz="2000" strike="noStrike" u="none">
                 <a:solidFill>
                   <a:srgbClr val="000000"/>
                 </a:solidFill>
-                <a:latin typeface="Arial"/>
+                <a:uFillTx/>
+                <a:latin typeface="DejaVu Sans"/>
               </a:rPr>
               <a:t>Fourth Outline Level</a:t>
             </a:r>
-            <a:endParaRPr b="0" lang="en-US" sz="2000" spc="-1" strike="noStrike">
+            <a:endParaRPr b="0" lang="en-US" sz="2000" strike="noStrike" u="none">
               <a:solidFill>
                 <a:srgbClr val="000000"/>
               </a:solidFill>
-              <a:latin typeface="Arial"/>
+              <a:uFillTx/>
+              <a:latin typeface="DejaVu Sans"/>
             </a:endParaRPr>
           </a:p>
           <a:p>
@@ -2248,19 +3168,21 @@
               <a:buChar char=""/>
             </a:pPr>
             <a:r>
-              <a:rPr b="0" lang="en-US" sz="2000" spc="-1" strike="noStrike">
+              <a:rPr b="0" lang="en-US" sz="2000" strike="noStrike" u="none">
                 <a:solidFill>
                   <a:srgbClr val="000000"/>
                 </a:solidFill>
-                <a:latin typeface="Arial"/>
+                <a:uFillTx/>
+                <a:latin typeface="DejaVu Sans"/>
               </a:rPr>
               <a:t>Fifth Outline Level</a:t>
             </a:r>
-            <a:endParaRPr b="0" lang="en-US" sz="2000" spc="-1" strike="noStrike">
+            <a:endParaRPr b="0" lang="en-US" sz="2000" strike="noStrike" u="none">
               <a:solidFill>
                 <a:srgbClr val="000000"/>
               </a:solidFill>
-              <a:latin typeface="Arial"/>
+              <a:uFillTx/>
+              <a:latin typeface="DejaVu Sans"/>
             </a:endParaRPr>
           </a:p>
           <a:p>
@@ -2276,19 +3198,21 @@
               <a:buChar char=""/>
             </a:pPr>
             <a:r>
-              <a:rPr b="0" lang="en-US" sz="2000" spc="-1" strike="noStrike">
+              <a:rPr b="0" lang="en-US" sz="2000" strike="noStrike" u="none">
                 <a:solidFill>
                   <a:srgbClr val="000000"/>
                 </a:solidFill>
-                <a:latin typeface="Arial"/>
+                <a:uFillTx/>
+                <a:latin typeface="DejaVu Sans"/>
               </a:rPr>
               <a:t>Sixth Outline Level</a:t>
             </a:r>
-            <a:endParaRPr b="0" lang="en-US" sz="2000" spc="-1" strike="noStrike">
+            <a:endParaRPr b="0" lang="en-US" sz="2000" strike="noStrike" u="none">
               <a:solidFill>
                 <a:srgbClr val="000000"/>
               </a:solidFill>
-              <a:latin typeface="Arial"/>
+              <a:uFillTx/>
+              <a:latin typeface="DejaVu Sans"/>
             </a:endParaRPr>
           </a:p>
           <a:p>
@@ -2304,26 +3228,28 @@
               <a:buChar char=""/>
             </a:pPr>
             <a:r>
-              <a:rPr b="0" lang="en-US" sz="2000" spc="-1" strike="noStrike">
+              <a:rPr b="0" lang="en-US" sz="2000" strike="noStrike" u="none">
                 <a:solidFill>
                   <a:srgbClr val="000000"/>
                 </a:solidFill>
-                <a:latin typeface="Arial"/>
+                <a:uFillTx/>
+                <a:latin typeface="DejaVu Sans"/>
               </a:rPr>
               <a:t>Seventh Outline Level</a:t>
             </a:r>
-            <a:endParaRPr b="0" lang="en-US" sz="2000" spc="-1" strike="noStrike">
+            <a:endParaRPr b="0" lang="en-US" sz="2000" strike="noStrike" u="none">
               <a:solidFill>
                 <a:srgbClr val="000000"/>
               </a:solidFill>
-              <a:latin typeface="Arial"/>
+              <a:uFillTx/>
+              <a:latin typeface="DejaVu Sans"/>
             </a:endParaRPr>
           </a:p>
         </p:txBody>
       </p:sp>
     </p:spTree>
   </p:cSld>
-  <p:clrMap bg1="lt1" bg2="lt2" tx1="dk1" tx2="dk2" accent1="accent1" accent2="accent2" accent3="accent3" accent4="accent4" accent5="accent5" accent6="accent6" hlink="hlink" folHlink="folHlink"/>
+  <p:clrMap bg1="lt1" tx1="dk1" bg2="lt2" tx2="dk2" accent1="accent1" accent2="accent2" accent3="accent3" accent4="accent4" accent5="accent5" accent6="accent6" hlink="hlink" folHlink="folHlink"/>
   <p:sldLayoutIdLst>
     <p:sldLayoutId id="2147483651" r:id="rId3"/>
   </p:sldLayoutIdLst>
@@ -2363,7 +3289,7 @@
         <p:spPr>
           <a:xfrm>
             <a:off x="8711280" y="4803840"/>
-            <a:ext cx="108000" cy="308520"/>
+            <a:ext cx="107280" cy="307800"/>
           </a:xfrm>
           <a:prstGeom prst="rect">
             <a:avLst/>
@@ -2390,19 +3316,21 @@
               </a:lnSpc>
             </a:pPr>
             <a:r>
-              <a:rPr b="0" lang="de-CH" sz="800" spc="-1" strike="noStrike">
+              <a:rPr b="0" lang="de-CH" sz="800" strike="noStrike" u="none">
                 <a:solidFill>
                   <a:schemeClr val="lt1"/>
                 </a:solidFill>
+                <a:uFillTx/>
                 <a:latin typeface="Calibri"/>
               </a:rPr>
               <a:t>|</a:t>
             </a:r>
-            <a:endParaRPr b="0" lang="en-US" sz="800" spc="-1" strike="noStrike">
+            <a:endParaRPr b="0" lang="en-US" sz="800" strike="noStrike" u="none">
               <a:solidFill>
                 <a:srgbClr val="ffffff"/>
               </a:solidFill>
-              <a:latin typeface="Arial"/>
+              <a:uFillTx/>
+              <a:latin typeface="DejaVu Sans"/>
             </a:endParaRPr>
           </a:p>
         </p:txBody>
@@ -2420,11 +3348,12 @@
         <p:spPr>
           <a:xfrm>
             <a:off x="7932960" y="0"/>
-            <a:ext cx="1202400" cy="1202400"/>
+            <a:ext cx="1201680" cy="1201680"/>
           </a:xfrm>
           <a:prstGeom prst="rect">
             <a:avLst/>
           </a:prstGeom>
+          <a:noFill/>
           <a:ln w="0">
             <a:noFill/>
           </a:ln>
@@ -2438,10 +3367,10 @@
         </p:nvGrpSpPr>
         <p:grpSpPr>
           <a:xfrm>
-            <a:off x="5609160" y="2185920"/>
-            <a:ext cx="3534120" cy="3432600"/>
-            <a:chOff x="5609160" y="2185920"/>
-            <a:chExt cx="3534120" cy="3432600"/>
+            <a:off x="5610600" y="2185920"/>
+            <a:ext cx="3531960" cy="3431880"/>
+            <a:chOff x="5610600" y="2185920"/>
+            <a:chExt cx="3531960" cy="3431880"/>
           </a:xfrm>
         </p:grpSpPr>
         <p:sp>
@@ -2452,8 +3381,8 @@
           </p:nvSpPr>
           <p:spPr>
             <a:xfrm flipH="1" rot="9208200">
-              <a:off x="6242040" y="3915720"/>
-              <a:ext cx="574920" cy="1431720"/>
+              <a:off x="6242400" y="3916080"/>
+              <a:ext cx="574200" cy="1431000"/>
             </a:xfrm>
             <a:prstGeom prst="flowChartManualInput">
               <a:avLst/>
@@ -2481,10 +3410,11 @@
                   <a:spcPct val="100000"/>
                 </a:lnSpc>
               </a:pPr>
-              <a:endParaRPr b="0" lang="en-US" sz="1800" spc="-1" strike="noStrike">
+              <a:endParaRPr b="0" lang="en-US" sz="1800" strike="noStrike" u="none">
                 <a:solidFill>
                   <a:schemeClr val="dk1"/>
                 </a:solidFill>
+                <a:uFillTx/>
                 <a:latin typeface="Calibri"/>
               </a:endParaRPr>
             </a:p>
@@ -2498,8 +3428,8 @@
           </p:nvSpPr>
           <p:spPr>
             <a:xfrm flipH="1" rot="9208200">
-              <a:off x="7550280" y="2927160"/>
-              <a:ext cx="1042920" cy="2594880"/>
+              <a:off x="7549200" y="2927160"/>
+              <a:ext cx="1042200" cy="2594160"/>
             </a:xfrm>
             <a:prstGeom prst="flowChartManualInput">
               <a:avLst/>
@@ -2527,10 +3457,11 @@
                   <a:spcPct val="100000"/>
                 </a:lnSpc>
               </a:pPr>
-              <a:endParaRPr b="0" lang="en-US" sz="1800" spc="-1" strike="noStrike">
+              <a:endParaRPr b="0" lang="en-US" sz="1800" strike="noStrike" u="none">
                 <a:solidFill>
                   <a:schemeClr val="dk1"/>
                 </a:solidFill>
+                <a:uFillTx/>
                 <a:latin typeface="Calibri"/>
               </a:endParaRPr>
             </a:p>
@@ -2544,8 +3475,8 @@
           </p:nvSpPr>
           <p:spPr>
             <a:xfrm flipH="1" rot="9208200">
-              <a:off x="7166880" y="4115160"/>
-              <a:ext cx="485280" cy="1207440"/>
+              <a:off x="7165800" y="4115160"/>
+              <a:ext cx="484560" cy="1206720"/>
             </a:xfrm>
             <a:prstGeom prst="flowChartManualInput">
               <a:avLst/>
@@ -2573,10 +3504,11 @@
                   <a:spcPct val="100000"/>
                 </a:lnSpc>
               </a:pPr>
-              <a:endParaRPr b="0" lang="en-US" sz="1800" spc="-1" strike="noStrike">
+              <a:endParaRPr b="0" lang="en-US" sz="1800" strike="noStrike" u="none">
                 <a:solidFill>
                   <a:schemeClr val="dk1"/>
                 </a:solidFill>
+                <a:uFillTx/>
                 <a:latin typeface="Calibri"/>
               </a:endParaRPr>
             </a:p>
@@ -2590,8 +3522,8 @@
           </p:nvSpPr>
           <p:spPr>
             <a:xfrm flipH="1" rot="9208200">
-              <a:off x="5746320" y="4567680"/>
-              <a:ext cx="272160" cy="677880"/>
+              <a:off x="5747040" y="4568040"/>
+              <a:ext cx="271080" cy="677160"/>
             </a:xfrm>
             <a:prstGeom prst="flowChartManualInput">
               <a:avLst/>
@@ -2619,10 +3551,11 @@
                   <a:spcPct val="100000"/>
                 </a:lnSpc>
               </a:pPr>
-              <a:endParaRPr b="0" lang="en-US" sz="1800" spc="-1" strike="noStrike">
+              <a:endParaRPr b="0" lang="en-US" sz="1800" strike="noStrike" u="none">
                 <a:solidFill>
                   <a:schemeClr val="dk1"/>
                 </a:solidFill>
+                <a:uFillTx/>
                 <a:latin typeface="Calibri"/>
               </a:endParaRPr>
             </a:p>
@@ -2637,15 +3570,15 @@
           <p:spPr>
             <a:xfrm>
               <a:off x="8127720" y="2185920"/>
-              <a:ext cx="1015560" cy="2293200"/>
+              <a:ext cx="1014840" cy="2292480"/>
             </a:xfrm>
             <a:custGeom>
               <a:avLst/>
               <a:gdLst>
-                <a:gd name="textAreaLeft" fmla="*/ 0 w 1015560"/>
-                <a:gd name="textAreaRight" fmla="*/ 1016280 w 1015560"/>
-                <a:gd name="textAreaTop" fmla="*/ 0 h 2293200"/>
-                <a:gd name="textAreaBottom" fmla="*/ 2293920 h 2293200"/>
+                <a:gd name="textAreaLeft" fmla="*/ 0 w 1014840"/>
+                <a:gd name="textAreaRight" fmla="*/ 1016280 w 1014840"/>
+                <a:gd name="textAreaTop" fmla="*/ 0 h 2292480"/>
+                <a:gd name="textAreaBottom" fmla="*/ 2293920 h 2292480"/>
               </a:gdLst>
               <a:ahLst/>
               <a:rect l="textAreaLeft" t="textAreaTop" r="textAreaRight" b="textAreaBottom"/>
@@ -2690,10 +3623,11 @@
                   <a:spcPct val="100000"/>
                 </a:lnSpc>
               </a:pPr>
-              <a:endParaRPr b="0" lang="en-US" sz="1800" spc="-1" strike="noStrike">
+              <a:endParaRPr b="0" lang="en-US" sz="1800" strike="noStrike" u="none">
                 <a:solidFill>
                   <a:srgbClr val="000000"/>
                 </a:solidFill>
+                <a:uFillTx/>
                 <a:latin typeface="Arial"/>
               </a:endParaRPr>
             </a:p>
@@ -2708,10 +3642,10 @@
         </p:nvGrpSpPr>
         <p:grpSpPr>
           <a:xfrm>
-            <a:off x="1080" y="-324000"/>
-            <a:ext cx="3065760" cy="1909440"/>
-            <a:chOff x="1080" y="-324000"/>
-            <a:chExt cx="3065760" cy="1909440"/>
+            <a:off x="1800" y="-323640"/>
+            <a:ext cx="3063240" cy="1908000"/>
+            <a:chOff x="1800" y="-323640"/>
+            <a:chExt cx="3063240" cy="1908000"/>
           </a:xfrm>
         </p:grpSpPr>
         <p:sp>
@@ -2722,8 +3656,8 @@
           </p:nvSpPr>
           <p:spPr>
             <a:xfrm flipH="1" rot="20008800">
-              <a:off x="1930680" y="-107280"/>
-              <a:ext cx="289800" cy="722160"/>
+              <a:off x="1930320" y="-106920"/>
+              <a:ext cx="289440" cy="721440"/>
             </a:xfrm>
             <a:prstGeom prst="flowChartManualInput">
               <a:avLst/>
@@ -2751,10 +3685,11 @@
                   <a:spcPct val="100000"/>
                 </a:lnSpc>
               </a:pPr>
-              <a:endParaRPr b="0" lang="en-US" sz="1800" spc="-1" strike="noStrike">
+              <a:endParaRPr b="0" lang="en-US" sz="1800" strike="noStrike" u="none">
                 <a:solidFill>
                   <a:schemeClr val="dk1"/>
                 </a:solidFill>
+                <a:uFillTx/>
                 <a:latin typeface="Calibri"/>
               </a:endParaRPr>
             </a:p>
@@ -2768,8 +3703,8 @@
           </p:nvSpPr>
           <p:spPr>
             <a:xfrm flipH="1" rot="20008800">
-              <a:off x="338400" y="-232920"/>
-              <a:ext cx="615600" cy="1532160"/>
+              <a:off x="337320" y="-232920"/>
+              <a:ext cx="614880" cy="1531080"/>
             </a:xfrm>
             <a:prstGeom prst="flowChartManualInput">
               <a:avLst/>
@@ -2797,10 +3732,11 @@
                   <a:spcPct val="100000"/>
                 </a:lnSpc>
               </a:pPr>
-              <a:endParaRPr b="0" lang="en-US" sz="1800" spc="-1" strike="noStrike">
+              <a:endParaRPr b="0" lang="en-US" sz="1800" strike="noStrike" u="none">
                 <a:solidFill>
                   <a:schemeClr val="dk1"/>
                 </a:solidFill>
+                <a:uFillTx/>
                 <a:latin typeface="Calibri"/>
               </a:endParaRPr>
             </a:p>
@@ -2814,8 +3750,8 @@
           </p:nvSpPr>
           <p:spPr>
             <a:xfrm flipH="1" rot="20008800">
-              <a:off x="1263960" y="-257760"/>
-              <a:ext cx="714240" cy="1777680"/>
+              <a:off x="1262880" y="-257760"/>
+              <a:ext cx="713520" cy="1776600"/>
             </a:xfrm>
             <a:prstGeom prst="flowChartManualInput">
               <a:avLst/>
@@ -2843,10 +3779,11 @@
                   <a:spcPct val="100000"/>
                 </a:lnSpc>
               </a:pPr>
-              <a:endParaRPr b="0" lang="en-US" sz="1800" spc="-1" strike="noStrike">
+              <a:endParaRPr b="0" lang="en-US" sz="1800" strike="noStrike" u="none">
                 <a:solidFill>
                   <a:schemeClr val="dk1"/>
                 </a:solidFill>
+                <a:uFillTx/>
                 <a:latin typeface="Calibri"/>
               </a:endParaRPr>
             </a:p>
@@ -2860,8 +3797,8 @@
           </p:nvSpPr>
           <p:spPr>
             <a:xfrm flipH="1" rot="20008800">
-              <a:off x="2577960" y="-126000"/>
-              <a:ext cx="324720" cy="809280"/>
+              <a:off x="2576880" y="-126000"/>
+              <a:ext cx="324000" cy="808560"/>
             </a:xfrm>
             <a:prstGeom prst="flowChartManualInput">
               <a:avLst/>
@@ -2889,10 +3826,11 @@
                   <a:spcPct val="100000"/>
                 </a:lnSpc>
               </a:pPr>
-              <a:endParaRPr b="0" lang="en-US" sz="1800" spc="-1" strike="noStrike">
+              <a:endParaRPr b="0" lang="en-US" sz="1800" strike="noStrike" u="none">
                 <a:solidFill>
                   <a:schemeClr val="dk1"/>
                 </a:solidFill>
+                <a:uFillTx/>
                 <a:latin typeface="Calibri"/>
               </a:endParaRPr>
             </a:p>
@@ -2906,16 +3844,16 @@
           </p:nvSpPr>
           <p:spPr>
             <a:xfrm rot="10800000">
-              <a:off x="1080" y="83160"/>
-              <a:ext cx="538200" cy="1216080"/>
+              <a:off x="1800" y="83880"/>
+              <a:ext cx="537480" cy="1215360"/>
             </a:xfrm>
             <a:custGeom>
               <a:avLst/>
               <a:gdLst>
-                <a:gd name="textAreaLeft" fmla="*/ 0 w 538200"/>
-                <a:gd name="textAreaRight" fmla="*/ 538920 w 538200"/>
-                <a:gd name="textAreaTop" fmla="*/ 0 h 1216080"/>
-                <a:gd name="textAreaBottom" fmla="*/ 1216800 h 1216080"/>
+                <a:gd name="textAreaLeft" fmla="*/ 0 w 537480"/>
+                <a:gd name="textAreaRight" fmla="*/ 538920 w 537480"/>
+                <a:gd name="textAreaTop" fmla="*/ 0 h 1215360"/>
+                <a:gd name="textAreaBottom" fmla="*/ 1216800 h 1215360"/>
               </a:gdLst>
               <a:ahLst/>
               <a:rect l="textAreaLeft" t="textAreaTop" r="textAreaRight" b="textAreaBottom"/>
@@ -2960,10 +3898,11 @@
                   <a:spcPct val="100000"/>
                 </a:lnSpc>
               </a:pPr>
-              <a:endParaRPr b="0" lang="en-US" sz="1800" spc="-1" strike="noStrike">
+              <a:endParaRPr b="0" lang="en-US" sz="1800" strike="noStrike" u="none">
                 <a:solidFill>
                   <a:srgbClr val="000000"/>
                 </a:solidFill>
+                <a:uFillTx/>
                 <a:latin typeface="Arial"/>
               </a:endParaRPr>
             </a:p>
@@ -3002,19 +3941,21 @@
               <a:buNone/>
             </a:pPr>
             <a:r>
-              <a:rPr b="0" lang="en-US" sz="1800" spc="-1" strike="noStrike">
+              <a:rPr b="0" lang="en-US" sz="1800" strike="noStrike" u="none">
                 <a:solidFill>
                   <a:srgbClr val="ffffff"/>
                 </a:solidFill>
-                <a:latin typeface="Arial"/>
+                <a:uFillTx/>
+                <a:latin typeface="DejaVu Sans"/>
               </a:rPr>
               <a:t>Click to edit the title text format</a:t>
             </a:r>
-            <a:endParaRPr b="0" lang="en-US" sz="1800" spc="-1" strike="noStrike">
+            <a:endParaRPr b="0" lang="en-US" sz="1800" strike="noStrike" u="none">
               <a:solidFill>
                 <a:srgbClr val="ffffff"/>
               </a:solidFill>
-              <a:latin typeface="Arial"/>
+              <a:uFillTx/>
+              <a:latin typeface="DejaVu Sans"/>
             </a:endParaRPr>
           </a:p>
         </p:txBody>
@@ -3059,19 +4000,21 @@
               <a:buChar char=""/>
             </a:pPr>
             <a:r>
-              <a:rPr b="0" lang="en-US" sz="3200" spc="-1" strike="noStrike">
+              <a:rPr b="0" lang="en-US" sz="3200" strike="noStrike" u="none">
                 <a:solidFill>
                   <a:srgbClr val="ffffff"/>
                 </a:solidFill>
-                <a:latin typeface="Arial"/>
+                <a:uFillTx/>
+                <a:latin typeface="DejaVu Sans"/>
               </a:rPr>
               <a:t>Click to edit the outline text format</a:t>
             </a:r>
-            <a:endParaRPr b="0" lang="en-US" sz="3200" spc="-1" strike="noStrike">
+            <a:endParaRPr b="0" lang="en-US" sz="3200" strike="noStrike" u="none">
               <a:solidFill>
                 <a:srgbClr val="ffffff"/>
               </a:solidFill>
-              <a:latin typeface="Arial"/>
+              <a:uFillTx/>
+              <a:latin typeface="DejaVu Sans"/>
             </a:endParaRPr>
           </a:p>
           <a:p>
@@ -3087,19 +4030,21 @@
               <a:buChar char=""/>
             </a:pPr>
             <a:r>
-              <a:rPr b="0" lang="en-US" sz="2800" spc="-1" strike="noStrike">
+              <a:rPr b="0" lang="en-US" sz="2800" strike="noStrike" u="none">
                 <a:solidFill>
                   <a:srgbClr val="ffffff"/>
                 </a:solidFill>
-                <a:latin typeface="Arial"/>
+                <a:uFillTx/>
+                <a:latin typeface="DejaVu Sans"/>
               </a:rPr>
               <a:t>Second Outline Level</a:t>
             </a:r>
-            <a:endParaRPr b="0" lang="en-US" sz="2800" spc="-1" strike="noStrike">
+            <a:endParaRPr b="0" lang="en-US" sz="2800" strike="noStrike" u="none">
               <a:solidFill>
                 <a:srgbClr val="ffffff"/>
               </a:solidFill>
-              <a:latin typeface="Arial"/>
+              <a:uFillTx/>
+              <a:latin typeface="DejaVu Sans"/>
             </a:endParaRPr>
           </a:p>
           <a:p>
@@ -3115,19 +4060,21 @@
               <a:buChar char=""/>
             </a:pPr>
             <a:r>
-              <a:rPr b="0" lang="en-US" sz="2400" spc="-1" strike="noStrike">
+              <a:rPr b="0" lang="en-US" sz="2400" strike="noStrike" u="none">
                 <a:solidFill>
                   <a:srgbClr val="ffffff"/>
                 </a:solidFill>
-                <a:latin typeface="Arial"/>
+                <a:uFillTx/>
+                <a:latin typeface="DejaVu Sans"/>
               </a:rPr>
               <a:t>Third Outline Level</a:t>
             </a:r>
-            <a:endParaRPr b="0" lang="en-US" sz="2400" spc="-1" strike="noStrike">
+            <a:endParaRPr b="0" lang="en-US" sz="2400" strike="noStrike" u="none">
               <a:solidFill>
                 <a:srgbClr val="ffffff"/>
               </a:solidFill>
-              <a:latin typeface="Arial"/>
+              <a:uFillTx/>
+              <a:latin typeface="DejaVu Sans"/>
             </a:endParaRPr>
           </a:p>
           <a:p>
@@ -3143,19 +4090,21 @@
               <a:buChar char=""/>
             </a:pPr>
             <a:r>
-              <a:rPr b="0" lang="en-US" sz="2000" spc="-1" strike="noStrike">
+              <a:rPr b="0" lang="en-US" sz="2000" strike="noStrike" u="none">
                 <a:solidFill>
                   <a:srgbClr val="ffffff"/>
                 </a:solidFill>
-                <a:latin typeface="Arial"/>
+                <a:uFillTx/>
+                <a:latin typeface="DejaVu Sans"/>
               </a:rPr>
               <a:t>Fourth Outline Level</a:t>
             </a:r>
-            <a:endParaRPr b="0" lang="en-US" sz="2000" spc="-1" strike="noStrike">
+            <a:endParaRPr b="0" lang="en-US" sz="2000" strike="noStrike" u="none">
               <a:solidFill>
                 <a:srgbClr val="ffffff"/>
               </a:solidFill>
-              <a:latin typeface="Arial"/>
+              <a:uFillTx/>
+              <a:latin typeface="DejaVu Sans"/>
             </a:endParaRPr>
           </a:p>
           <a:p>
@@ -3171,19 +4120,21 @@
               <a:buChar char=""/>
             </a:pPr>
             <a:r>
-              <a:rPr b="0" lang="en-US" sz="2000" spc="-1" strike="noStrike">
+              <a:rPr b="0" lang="en-US" sz="2000" strike="noStrike" u="none">
                 <a:solidFill>
                   <a:srgbClr val="ffffff"/>
                 </a:solidFill>
-                <a:latin typeface="Arial"/>
+                <a:uFillTx/>
+                <a:latin typeface="DejaVu Sans"/>
               </a:rPr>
               <a:t>Fifth Outline Level</a:t>
             </a:r>
-            <a:endParaRPr b="0" lang="en-US" sz="2000" spc="-1" strike="noStrike">
+            <a:endParaRPr b="0" lang="en-US" sz="2000" strike="noStrike" u="none">
               <a:solidFill>
                 <a:srgbClr val="ffffff"/>
               </a:solidFill>
-              <a:latin typeface="Arial"/>
+              <a:uFillTx/>
+              <a:latin typeface="DejaVu Sans"/>
             </a:endParaRPr>
           </a:p>
           <a:p>
@@ -3199,19 +4150,21 @@
               <a:buChar char=""/>
             </a:pPr>
             <a:r>
-              <a:rPr b="0" lang="en-US" sz="2000" spc="-1" strike="noStrike">
+              <a:rPr b="0" lang="en-US" sz="2000" strike="noStrike" u="none">
                 <a:solidFill>
                   <a:srgbClr val="ffffff"/>
                 </a:solidFill>
-                <a:latin typeface="Arial"/>
+                <a:uFillTx/>
+                <a:latin typeface="DejaVu Sans"/>
               </a:rPr>
               <a:t>Sixth Outline Level</a:t>
             </a:r>
-            <a:endParaRPr b="0" lang="en-US" sz="2000" spc="-1" strike="noStrike">
+            <a:endParaRPr b="0" lang="en-US" sz="2000" strike="noStrike" u="none">
               <a:solidFill>
                 <a:srgbClr val="ffffff"/>
               </a:solidFill>
-              <a:latin typeface="Arial"/>
+              <a:uFillTx/>
+              <a:latin typeface="DejaVu Sans"/>
             </a:endParaRPr>
           </a:p>
           <a:p>
@@ -3227,26 +4180,28 @@
               <a:buChar char=""/>
             </a:pPr>
             <a:r>
-              <a:rPr b="0" lang="en-US" sz="2000" spc="-1" strike="noStrike">
+              <a:rPr b="0" lang="en-US" sz="2000" strike="noStrike" u="none">
                 <a:solidFill>
                   <a:srgbClr val="ffffff"/>
                 </a:solidFill>
-                <a:latin typeface="Arial"/>
+                <a:uFillTx/>
+                <a:latin typeface="DejaVu Sans"/>
               </a:rPr>
               <a:t>Seventh Outline Level</a:t>
             </a:r>
-            <a:endParaRPr b="0" lang="en-US" sz="2000" spc="-1" strike="noStrike">
+            <a:endParaRPr b="0" lang="en-US" sz="2000" strike="noStrike" u="none">
               <a:solidFill>
                 <a:srgbClr val="ffffff"/>
               </a:solidFill>
-              <a:latin typeface="Arial"/>
+              <a:uFillTx/>
+              <a:latin typeface="DejaVu Sans"/>
             </a:endParaRPr>
           </a:p>
         </p:txBody>
       </p:sp>
     </p:spTree>
   </p:cSld>
-  <p:clrMap bg1="lt1" bg2="lt2" tx1="dk1" tx2="dk2" accent1="accent1" accent2="accent2" accent3="accent3" accent4="accent4" accent5="accent5" accent6="accent6" hlink="hlink" folHlink="folHlink"/>
+  <p:clrMap bg1="lt1" tx1="dk1" bg2="lt2" tx2="dk2" accent1="accent1" accent2="accent2" accent3="accent3" accent4="accent4" accent5="accent5" accent6="accent6" hlink="hlink" folHlink="folHlink"/>
   <p:sldLayoutIdLst>
     <p:sldLayoutId id="2147483653" r:id="rId3"/>
   </p:sldLayoutIdLst>
@@ -3286,7 +4241,7 @@
         <p:spPr>
           <a:xfrm>
             <a:off x="8711280" y="4803840"/>
-            <a:ext cx="108000" cy="308520"/>
+            <a:ext cx="107280" cy="307800"/>
           </a:xfrm>
           <a:prstGeom prst="rect">
             <a:avLst/>
@@ -3313,19 +4268,21 @@
               </a:lnSpc>
             </a:pPr>
             <a:r>
-              <a:rPr b="0" lang="de-CH" sz="800" spc="-1" strike="noStrike">
+              <a:rPr b="0" lang="de-CH" sz="800" strike="noStrike" u="none">
                 <a:solidFill>
                   <a:schemeClr val="lt1"/>
                 </a:solidFill>
+                <a:uFillTx/>
                 <a:latin typeface="Calibri"/>
               </a:rPr>
               <a:t>|</a:t>
             </a:r>
-            <a:endParaRPr b="0" lang="en-US" sz="800" spc="-1" strike="noStrike">
+            <a:endParaRPr b="0" lang="en-US" sz="800" strike="noStrike" u="none">
               <a:solidFill>
                 <a:srgbClr val="000000"/>
               </a:solidFill>
-              <a:latin typeface="Arial"/>
+              <a:uFillTx/>
+              <a:latin typeface="DejaVu Sans"/>
             </a:endParaRPr>
           </a:p>
         </p:txBody>
@@ -3343,11 +4300,12 @@
         <p:spPr>
           <a:xfrm>
             <a:off x="7932960" y="0"/>
-            <a:ext cx="1202400" cy="1202400"/>
+            <a:ext cx="1201680" cy="1201680"/>
           </a:xfrm>
           <a:prstGeom prst="rect">
             <a:avLst/>
           </a:prstGeom>
+          <a:noFill/>
           <a:ln w="0">
             <a:noFill/>
           </a:ln>
@@ -3362,9 +4320,9 @@
         <p:grpSpPr>
           <a:xfrm>
             <a:off x="6172200" y="2656080"/>
-            <a:ext cx="2970720" cy="2885760"/>
+            <a:ext cx="2970000" cy="2885040"/>
             <a:chOff x="6172200" y="2656080"/>
-            <a:chExt cx="2970720" cy="2885760"/>
+            <a:chExt cx="2970000" cy="2885040"/>
           </a:xfrm>
         </p:grpSpPr>
         <p:sp>
@@ -3375,8 +4333,8 @@
           </p:nvSpPr>
           <p:spPr>
             <a:xfrm flipH="1" rot="9208200">
-              <a:off x="6704280" y="4111200"/>
-              <a:ext cx="483120" cy="1203120"/>
+              <a:off x="6703920" y="4111920"/>
+              <a:ext cx="482400" cy="1202400"/>
             </a:xfrm>
             <a:prstGeom prst="flowChartManualInput">
               <a:avLst/>
@@ -3404,10 +4362,11 @@
                   <a:spcPct val="100000"/>
                 </a:lnSpc>
               </a:pPr>
-              <a:endParaRPr b="0" lang="en-US" sz="1800" spc="-1" strike="noStrike">
+              <a:endParaRPr b="0" lang="en-US" sz="1800" strike="noStrike" u="none">
                 <a:solidFill>
                   <a:schemeClr val="dk1"/>
                 </a:solidFill>
+                <a:uFillTx/>
                 <a:latin typeface="Calibri"/>
               </a:endParaRPr>
             </a:p>
@@ -3421,8 +4380,8 @@
           </p:nvSpPr>
           <p:spPr>
             <a:xfrm flipH="1" rot="9208200">
-              <a:off x="7803000" y="3279240"/>
-              <a:ext cx="876960" cy="2181240"/>
+              <a:off x="7801200" y="3279240"/>
+              <a:ext cx="876960" cy="2180520"/>
             </a:xfrm>
             <a:prstGeom prst="flowChartManualInput">
               <a:avLst/>
@@ -3450,10 +4409,11 @@
                   <a:spcPct val="100000"/>
                 </a:lnSpc>
               </a:pPr>
-              <a:endParaRPr b="0" lang="en-US" sz="1800" spc="-1" strike="noStrike">
+              <a:endParaRPr b="0" lang="en-US" sz="1800" strike="noStrike" u="none">
                 <a:solidFill>
                   <a:schemeClr val="dk1"/>
                 </a:solidFill>
+                <a:uFillTx/>
                 <a:latin typeface="Calibri"/>
               </a:endParaRPr>
             </a:p>
@@ -3467,8 +4427,8 @@
           </p:nvSpPr>
           <p:spPr>
             <a:xfrm flipH="1" rot="9208200">
-              <a:off x="7479360" y="4278240"/>
-              <a:ext cx="408600" cy="1014840"/>
+              <a:off x="7477920" y="4278240"/>
+              <a:ext cx="408600" cy="1014120"/>
             </a:xfrm>
             <a:prstGeom prst="flowChartManualInput">
               <a:avLst/>
@@ -3496,10 +4456,11 @@
                   <a:spcPct val="100000"/>
                 </a:lnSpc>
               </a:pPr>
-              <a:endParaRPr b="0" lang="en-US" sz="1800" spc="-1" strike="noStrike">
+              <a:endParaRPr b="0" lang="en-US" sz="1800" strike="noStrike" u="none">
                 <a:solidFill>
                   <a:schemeClr val="dk1"/>
                 </a:solidFill>
+                <a:uFillTx/>
                 <a:latin typeface="Calibri"/>
               </a:endParaRPr>
             </a:p>
@@ -3513,8 +4474,8 @@
           </p:nvSpPr>
           <p:spPr>
             <a:xfrm flipH="1" rot="9208200">
-              <a:off x="6287400" y="4658400"/>
-              <a:ext cx="228600" cy="570240"/>
+              <a:off x="6287040" y="4658760"/>
+              <a:ext cx="227880" cy="569160"/>
             </a:xfrm>
             <a:prstGeom prst="flowChartManualInput">
               <a:avLst/>
@@ -3542,10 +4503,11 @@
                   <a:spcPct val="100000"/>
                 </a:lnSpc>
               </a:pPr>
-              <a:endParaRPr b="0" lang="en-US" sz="1800" spc="-1" strike="noStrike">
+              <a:endParaRPr b="0" lang="en-US" sz="1800" strike="noStrike" u="none">
                 <a:solidFill>
                   <a:schemeClr val="dk1"/>
                 </a:solidFill>
+                <a:uFillTx/>
                 <a:latin typeface="Calibri"/>
               </a:endParaRPr>
             </a:p>
@@ -3560,15 +4522,15 @@
           <p:spPr>
             <a:xfrm>
               <a:off x="8289360" y="2656080"/>
-              <a:ext cx="853560" cy="1928160"/>
+              <a:ext cx="852840" cy="1927440"/>
             </a:xfrm>
             <a:custGeom>
               <a:avLst/>
               <a:gdLst>
-                <a:gd name="textAreaLeft" fmla="*/ 0 w 853560"/>
-                <a:gd name="textAreaRight" fmla="*/ 854280 w 853560"/>
-                <a:gd name="textAreaTop" fmla="*/ 0 h 1928160"/>
-                <a:gd name="textAreaBottom" fmla="*/ 1928880 h 1928160"/>
+                <a:gd name="textAreaLeft" fmla="*/ 0 w 852840"/>
+                <a:gd name="textAreaRight" fmla="*/ 854280 w 852840"/>
+                <a:gd name="textAreaTop" fmla="*/ 0 h 1927440"/>
+                <a:gd name="textAreaBottom" fmla="*/ 1928880 h 1927440"/>
               </a:gdLst>
               <a:ahLst/>
               <a:rect l="textAreaLeft" t="textAreaTop" r="textAreaRight" b="textAreaBottom"/>
@@ -3613,10 +4575,11 @@
                   <a:spcPct val="100000"/>
                 </a:lnSpc>
               </a:pPr>
-              <a:endParaRPr b="0" lang="en-US" sz="1800" spc="-1" strike="noStrike">
+              <a:endParaRPr b="0" lang="en-US" sz="1800" strike="noStrike" u="none">
                 <a:solidFill>
                   <a:srgbClr val="ffffff"/>
                 </a:solidFill>
+                <a:uFillTx/>
                 <a:latin typeface="Arial"/>
               </a:endParaRPr>
             </a:p>
@@ -3631,10 +4594,10 @@
         </p:nvGrpSpPr>
         <p:grpSpPr>
           <a:xfrm>
-            <a:off x="1080" y="-227160"/>
-            <a:ext cx="2159640" cy="1346040"/>
-            <a:chOff x="1080" y="-227160"/>
-            <a:chExt cx="2159640" cy="1346040"/>
+            <a:off x="1800" y="-227160"/>
+            <a:ext cx="2157840" cy="1344960"/>
+            <a:chOff x="1800" y="-227160"/>
+            <a:chExt cx="2157840" cy="1344960"/>
           </a:xfrm>
         </p:grpSpPr>
         <p:sp>
@@ -3645,8 +4608,8 @@
           </p:nvSpPr>
           <p:spPr>
             <a:xfrm flipH="1" rot="20008800">
-              <a:off x="1360800" y="-74880"/>
-              <a:ext cx="204120" cy="509040"/>
+              <a:off x="1360080" y="-74520"/>
+              <a:ext cx="203400" cy="507960"/>
             </a:xfrm>
             <a:prstGeom prst="flowChartManualInput">
               <a:avLst/>
@@ -3674,10 +4637,11 @@
                   <a:spcPct val="100000"/>
                 </a:lnSpc>
               </a:pPr>
-              <a:endParaRPr b="0" lang="en-US" sz="1800" spc="-1" strike="noStrike">
+              <a:endParaRPr b="0" lang="en-US" sz="1800" strike="noStrike" u="none">
                 <a:solidFill>
                   <a:schemeClr val="dk1"/>
                 </a:solidFill>
+                <a:uFillTx/>
                 <a:latin typeface="Calibri"/>
               </a:endParaRPr>
             </a:p>
@@ -3691,8 +4655,8 @@
           </p:nvSpPr>
           <p:spPr>
             <a:xfrm flipH="1" rot="20008800">
-              <a:off x="238680" y="-163440"/>
-              <a:ext cx="433800" cy="1080360"/>
+              <a:off x="236880" y="-163440"/>
+              <a:ext cx="433080" cy="1079280"/>
             </a:xfrm>
             <a:prstGeom prst="flowChartManualInput">
               <a:avLst/>
@@ -3720,10 +4684,11 @@
                   <a:spcPct val="100000"/>
                 </a:lnSpc>
               </a:pPr>
-              <a:endParaRPr b="0" lang="en-US" sz="1800" spc="-1" strike="noStrike">
+              <a:endParaRPr b="0" lang="en-US" sz="1800" strike="noStrike" u="none">
                 <a:solidFill>
                   <a:schemeClr val="dk1"/>
                 </a:solidFill>
+                <a:uFillTx/>
                 <a:latin typeface="Calibri"/>
               </a:endParaRPr>
             </a:p>
@@ -3738,7 +4703,7 @@
           <p:spPr>
             <a:xfrm flipH="1" rot="20008800">
               <a:off x="890280" y="-180720"/>
-              <a:ext cx="503280" cy="1253160"/>
+              <a:ext cx="502560" cy="1252440"/>
             </a:xfrm>
             <a:prstGeom prst="flowChartManualInput">
               <a:avLst/>
@@ -3766,10 +4731,11 @@
                   <a:spcPct val="100000"/>
                 </a:lnSpc>
               </a:pPr>
-              <a:endParaRPr b="0" lang="en-US" sz="1800" spc="-1" strike="noStrike">
+              <a:endParaRPr b="0" lang="en-US" sz="1800" strike="noStrike" u="none">
                 <a:solidFill>
                   <a:schemeClr val="dk1"/>
                 </a:solidFill>
+                <a:uFillTx/>
                 <a:latin typeface="Calibri"/>
               </a:endParaRPr>
             </a:p>
@@ -3783,8 +4749,8 @@
           </p:nvSpPr>
           <p:spPr>
             <a:xfrm flipH="1" rot="20008800">
-              <a:off x="1816560" y="-88200"/>
-              <a:ext cx="228600" cy="570240"/>
+              <a:off x="1816200" y="-87480"/>
+              <a:ext cx="227880" cy="569520"/>
             </a:xfrm>
             <a:prstGeom prst="flowChartManualInput">
               <a:avLst/>
@@ -3812,10 +4778,11 @@
                   <a:spcPct val="100000"/>
                 </a:lnSpc>
               </a:pPr>
-              <a:endParaRPr b="0" lang="en-US" sz="1800" spc="-1" strike="noStrike">
+              <a:endParaRPr b="0" lang="en-US" sz="1800" strike="noStrike" u="none">
                 <a:solidFill>
                   <a:schemeClr val="dk1"/>
                 </a:solidFill>
+                <a:uFillTx/>
                 <a:latin typeface="Calibri"/>
               </a:endParaRPr>
             </a:p>
@@ -3829,16 +4796,16 @@
           </p:nvSpPr>
           <p:spPr>
             <a:xfrm rot="10800000">
-              <a:off x="1080" y="59760"/>
-              <a:ext cx="379080" cy="857160"/>
+              <a:off x="1800" y="60480"/>
+              <a:ext cx="378360" cy="856440"/>
             </a:xfrm>
             <a:custGeom>
               <a:avLst/>
               <a:gdLst>
-                <a:gd name="textAreaLeft" fmla="*/ 0 w 379080"/>
-                <a:gd name="textAreaRight" fmla="*/ 379800 w 379080"/>
-                <a:gd name="textAreaTop" fmla="*/ 0 h 857160"/>
-                <a:gd name="textAreaBottom" fmla="*/ 857880 h 857160"/>
+                <a:gd name="textAreaLeft" fmla="*/ 0 w 378360"/>
+                <a:gd name="textAreaRight" fmla="*/ 379800 w 378360"/>
+                <a:gd name="textAreaTop" fmla="*/ 0 h 856440"/>
+                <a:gd name="textAreaBottom" fmla="*/ 857880 h 856440"/>
               </a:gdLst>
               <a:ahLst/>
               <a:rect l="textAreaLeft" t="textAreaTop" r="textAreaRight" b="textAreaBottom"/>
@@ -3883,10 +4850,11 @@
                   <a:spcPct val="100000"/>
                 </a:lnSpc>
               </a:pPr>
-              <a:endParaRPr b="0" lang="en-US" sz="1800" spc="-1" strike="noStrike">
+              <a:endParaRPr b="0" lang="en-US" sz="1800" strike="noStrike" u="none">
                 <a:solidFill>
                   <a:srgbClr val="ffffff"/>
                 </a:solidFill>
+                <a:uFillTx/>
                 <a:latin typeface="Arial"/>
               </a:endParaRPr>
             </a:p>
@@ -3906,7 +4874,7 @@
         <p:spPr>
           <a:xfrm>
             <a:off x="457200" y="205200"/>
-            <a:ext cx="8229240" cy="858600"/>
+            <a:ext cx="8228880" cy="858240"/>
           </a:xfrm>
           <a:prstGeom prst="rect">
             <a:avLst/>
@@ -3921,23 +4889,25 @@
             <a:noAutofit/>
           </a:bodyPr>
           <a:p>
-            <a:pPr indent="0" algn="ctr">
+            <a:pPr indent="0">
               <a:buNone/>
             </a:pPr>
             <a:r>
-              <a:rPr b="0" lang="en-US" sz="4400" spc="-1" strike="noStrike">
+              <a:rPr b="0" lang="en-US" sz="1800" strike="noStrike" u="none">
                 <a:solidFill>
                   <a:srgbClr val="000000"/>
                 </a:solidFill>
-                <a:latin typeface="Arial"/>
+                <a:uFillTx/>
+                <a:latin typeface="DejaVu Sans"/>
               </a:rPr>
               <a:t>Click to edit the title text format</a:t>
             </a:r>
-            <a:endParaRPr b="0" lang="en-US" sz="4400" spc="-1" strike="noStrike">
+            <a:endParaRPr b="0" lang="en-US" sz="1800" strike="noStrike" u="none">
               <a:solidFill>
                 <a:srgbClr val="000000"/>
               </a:solidFill>
-              <a:latin typeface="Arial"/>
+              <a:uFillTx/>
+              <a:latin typeface="DejaVu Sans"/>
             </a:endParaRPr>
           </a:p>
         </p:txBody>
@@ -3955,7 +4925,7 @@
         <p:spPr>
           <a:xfrm>
             <a:off x="457200" y="1203480"/>
-            <a:ext cx="8229240" cy="2982960"/>
+            <a:ext cx="8228880" cy="2982600"/>
           </a:xfrm>
           <a:prstGeom prst="rect">
             <a:avLst/>
@@ -3982,19 +4952,21 @@
               <a:buChar char=""/>
             </a:pPr>
             <a:r>
-              <a:rPr b="0" lang="en-US" sz="3200" spc="-1" strike="noStrike">
+              <a:rPr b="0" lang="en-US" sz="1800" strike="noStrike" u="none">
                 <a:solidFill>
                   <a:srgbClr val="000000"/>
                 </a:solidFill>
-                <a:latin typeface="Arial"/>
+                <a:uFillTx/>
+                <a:latin typeface="DejaVu Sans"/>
               </a:rPr>
               <a:t>Click to edit the outline text format</a:t>
             </a:r>
-            <a:endParaRPr b="0" lang="en-US" sz="3200" spc="-1" strike="noStrike">
+            <a:endParaRPr b="0" lang="en-US" sz="1800" strike="noStrike" u="none">
               <a:solidFill>
                 <a:srgbClr val="000000"/>
               </a:solidFill>
-              <a:latin typeface="Arial"/>
+              <a:uFillTx/>
+              <a:latin typeface="DejaVu Sans"/>
             </a:endParaRPr>
           </a:p>
           <a:p>
@@ -4010,19 +4982,21 @@
               <a:buChar char=""/>
             </a:pPr>
             <a:r>
-              <a:rPr b="0" lang="en-US" sz="2800" spc="-1" strike="noStrike">
+              <a:rPr b="0" lang="en-US" sz="1800" strike="noStrike" u="none">
                 <a:solidFill>
                   <a:srgbClr val="000000"/>
                 </a:solidFill>
-                <a:latin typeface="Arial"/>
+                <a:uFillTx/>
+                <a:latin typeface="DejaVu Sans"/>
               </a:rPr>
               <a:t>Second Outline Level</a:t>
             </a:r>
-            <a:endParaRPr b="0" lang="en-US" sz="2800" spc="-1" strike="noStrike">
+            <a:endParaRPr b="0" lang="en-US" sz="1800" strike="noStrike" u="none">
               <a:solidFill>
                 <a:srgbClr val="000000"/>
               </a:solidFill>
-              <a:latin typeface="Arial"/>
+              <a:uFillTx/>
+              <a:latin typeface="DejaVu Sans"/>
             </a:endParaRPr>
           </a:p>
           <a:p>
@@ -4038,19 +5012,21 @@
               <a:buChar char=""/>
             </a:pPr>
             <a:r>
-              <a:rPr b="0" lang="en-US" sz="2400" spc="-1" strike="noStrike">
+              <a:rPr b="0" lang="en-US" sz="1800" strike="noStrike" u="none">
                 <a:solidFill>
                   <a:srgbClr val="000000"/>
                 </a:solidFill>
-                <a:latin typeface="Arial"/>
+                <a:uFillTx/>
+                <a:latin typeface="DejaVu Sans"/>
               </a:rPr>
               <a:t>Third Outline Level</a:t>
             </a:r>
-            <a:endParaRPr b="0" lang="en-US" sz="2400" spc="-1" strike="noStrike">
+            <a:endParaRPr b="0" lang="en-US" sz="1800" strike="noStrike" u="none">
               <a:solidFill>
                 <a:srgbClr val="000000"/>
               </a:solidFill>
-              <a:latin typeface="Arial"/>
+              <a:uFillTx/>
+              <a:latin typeface="DejaVu Sans"/>
             </a:endParaRPr>
           </a:p>
           <a:p>
@@ -4066,19 +5042,21 @@
               <a:buChar char=""/>
             </a:pPr>
             <a:r>
-              <a:rPr b="0" lang="en-US" sz="2000" spc="-1" strike="noStrike">
+              <a:rPr b="0" lang="en-US" sz="1800" strike="noStrike" u="none">
                 <a:solidFill>
                   <a:srgbClr val="000000"/>
                 </a:solidFill>
-                <a:latin typeface="Arial"/>
+                <a:uFillTx/>
+                <a:latin typeface="DejaVu Sans"/>
               </a:rPr>
               <a:t>Fourth Outline Level</a:t>
             </a:r>
-            <a:endParaRPr b="0" lang="en-US" sz="2000" spc="-1" strike="noStrike">
+            <a:endParaRPr b="0" lang="en-US" sz="1800" strike="noStrike" u="none">
               <a:solidFill>
                 <a:srgbClr val="000000"/>
               </a:solidFill>
-              <a:latin typeface="Arial"/>
+              <a:uFillTx/>
+              <a:latin typeface="DejaVu Sans"/>
             </a:endParaRPr>
           </a:p>
           <a:p>
@@ -4094,19 +5072,21 @@
               <a:buChar char=""/>
             </a:pPr>
             <a:r>
-              <a:rPr b="0" lang="en-US" sz="2000" spc="-1" strike="noStrike">
+              <a:rPr b="0" lang="en-US" sz="1800" strike="noStrike" u="none">
                 <a:solidFill>
                   <a:srgbClr val="000000"/>
                 </a:solidFill>
-                <a:latin typeface="Arial"/>
+                <a:uFillTx/>
+                <a:latin typeface="DejaVu Sans"/>
               </a:rPr>
               <a:t>Fifth Outline Level</a:t>
             </a:r>
-            <a:endParaRPr b="0" lang="en-US" sz="2000" spc="-1" strike="noStrike">
+            <a:endParaRPr b="0" lang="en-US" sz="1800" strike="noStrike" u="none">
               <a:solidFill>
                 <a:srgbClr val="000000"/>
               </a:solidFill>
-              <a:latin typeface="Arial"/>
+              <a:uFillTx/>
+              <a:latin typeface="DejaVu Sans"/>
             </a:endParaRPr>
           </a:p>
           <a:p>
@@ -4122,19 +5102,21 @@
               <a:buChar char=""/>
             </a:pPr>
             <a:r>
-              <a:rPr b="0" lang="en-US" sz="2000" spc="-1" strike="noStrike">
+              <a:rPr b="0" lang="en-US" sz="1800" strike="noStrike" u="none">
                 <a:solidFill>
                   <a:srgbClr val="000000"/>
                 </a:solidFill>
-                <a:latin typeface="Arial"/>
+                <a:uFillTx/>
+                <a:latin typeface="DejaVu Sans"/>
               </a:rPr>
               <a:t>Sixth Outline Level</a:t>
             </a:r>
-            <a:endParaRPr b="0" lang="en-US" sz="2000" spc="-1" strike="noStrike">
+            <a:endParaRPr b="0" lang="en-US" sz="1800" strike="noStrike" u="none">
               <a:solidFill>
                 <a:srgbClr val="000000"/>
               </a:solidFill>
-              <a:latin typeface="Arial"/>
+              <a:uFillTx/>
+              <a:latin typeface="DejaVu Sans"/>
             </a:endParaRPr>
           </a:p>
           <a:p>
@@ -4150,26 +5132,28 @@
               <a:buChar char=""/>
             </a:pPr>
             <a:r>
-              <a:rPr b="0" lang="en-US" sz="2000" spc="-1" strike="noStrike">
+              <a:rPr b="0" lang="en-US" sz="1800" strike="noStrike" u="none">
                 <a:solidFill>
                   <a:srgbClr val="000000"/>
                 </a:solidFill>
-                <a:latin typeface="Arial"/>
+                <a:uFillTx/>
+                <a:latin typeface="DejaVu Sans"/>
               </a:rPr>
               <a:t>Seventh Outline Level</a:t>
             </a:r>
-            <a:endParaRPr b="0" lang="en-US" sz="2000" spc="-1" strike="noStrike">
+            <a:endParaRPr b="0" lang="en-US" sz="1800" strike="noStrike" u="none">
               <a:solidFill>
                 <a:srgbClr val="000000"/>
               </a:solidFill>
-              <a:latin typeface="Arial"/>
+              <a:uFillTx/>
+              <a:latin typeface="DejaVu Sans"/>
             </a:endParaRPr>
           </a:p>
         </p:txBody>
       </p:sp>
     </p:spTree>
   </p:cSld>
-  <p:clrMap bg1="lt1" bg2="lt2" tx1="dk1" tx2="dk2" accent1="accent1" accent2="accent2" accent3="accent3" accent4="accent4" accent5="accent5" accent6="accent6" hlink="hlink" folHlink="folHlink"/>
+  <p:clrMap bg1="lt1" tx1="dk1" bg2="lt2" tx2="dk2" accent1="accent1" accent2="accent2" accent3="accent3" accent4="accent4" accent5="accent5" accent6="accent6" hlink="hlink" folHlink="folHlink"/>
   <p:sldLayoutIdLst>
     <p:sldLayoutId id="2147483655" r:id="rId3"/>
   </p:sldLayoutIdLst>
@@ -4202,14 +5186,14 @@
       </p:grpSpPr>
       <p:sp>
         <p:nvSpPr>
-          <p:cNvPr id="40" name="Textfeld 15"/>
+          <p:cNvPr id="42" name="Textfeld 15"/>
           <p:cNvSpPr/>
           <p:nvPr/>
         </p:nvSpPr>
         <p:spPr>
           <a:xfrm>
             <a:off x="8711280" y="4803840"/>
-            <a:ext cx="108000" cy="308520"/>
+            <a:ext cx="107280" cy="307800"/>
           </a:xfrm>
           <a:prstGeom prst="rect">
             <a:avLst/>
@@ -4236,26 +5220,28 @@
               </a:lnSpc>
             </a:pPr>
             <a:r>
-              <a:rPr b="0" lang="de-CH" sz="800" spc="-1" strike="noStrike">
+              <a:rPr b="0" lang="de-CH" sz="800" strike="noStrike" u="none">
                 <a:solidFill>
                   <a:schemeClr val="lt1"/>
                 </a:solidFill>
+                <a:uFillTx/>
                 <a:latin typeface="Calibri"/>
               </a:rPr>
               <a:t>|</a:t>
             </a:r>
-            <a:endParaRPr b="0" lang="en-US" sz="800" spc="-1" strike="noStrike">
+            <a:endParaRPr b="0" lang="en-US" sz="800" strike="noStrike" u="none">
               <a:solidFill>
                 <a:srgbClr val="000000"/>
               </a:solidFill>
-              <a:latin typeface="Arial"/>
+              <a:uFillTx/>
+              <a:latin typeface="DejaVu Sans"/>
             </a:endParaRPr>
           </a:p>
         </p:txBody>
       </p:sp>
       <p:pic>
         <p:nvPicPr>
-          <p:cNvPr id="41" name="Εικόνα 2" descr=""/>
+          <p:cNvPr id="43" name="Εικόνα 2" descr=""/>
           <p:cNvPicPr/>
           <p:nvPr/>
         </p:nvPicPr>
@@ -4266,11 +5252,12 @@
         <p:spPr>
           <a:xfrm>
             <a:off x="7932960" y="0"/>
-            <a:ext cx="1202400" cy="1202400"/>
+            <a:ext cx="1201680" cy="1201680"/>
           </a:xfrm>
           <a:prstGeom prst="rect">
             <a:avLst/>
           </a:prstGeom>
+          <a:noFill/>
           <a:ln w="0">
             <a:noFill/>
           </a:ln>
@@ -4278,28 +5265,28 @@
       </p:pic>
       <p:grpSp>
         <p:nvGrpSpPr>
-          <p:cNvPr id="42" name="Shape 52"/>
+          <p:cNvPr id="44" name="Shape 128"/>
           <p:cNvGrpSpPr/>
           <p:nvPr/>
         </p:nvGrpSpPr>
         <p:grpSpPr>
           <a:xfrm>
             <a:off x="6172200" y="2656080"/>
-            <a:ext cx="2970720" cy="2885760"/>
+            <a:ext cx="2970000" cy="2885040"/>
             <a:chOff x="6172200" y="2656080"/>
-            <a:chExt cx="2970720" cy="2885760"/>
+            <a:chExt cx="2970000" cy="2885040"/>
           </a:xfrm>
         </p:grpSpPr>
         <p:sp>
           <p:nvSpPr>
-            <p:cNvPr id="43" name="Shape 53"/>
+            <p:cNvPr id="45" name="Shape 129"/>
             <p:cNvSpPr/>
             <p:nvPr/>
           </p:nvSpPr>
           <p:spPr>
             <a:xfrm flipH="1" rot="9208200">
-              <a:off x="6704280" y="4111200"/>
-              <a:ext cx="483120" cy="1203120"/>
+              <a:off x="6703920" y="4111920"/>
+              <a:ext cx="482400" cy="1202400"/>
             </a:xfrm>
             <a:prstGeom prst="flowChartManualInput">
               <a:avLst/>
@@ -4327,10 +5314,11 @@
                   <a:spcPct val="100000"/>
                 </a:lnSpc>
               </a:pPr>
-              <a:endParaRPr b="0" lang="en-US" sz="1800" spc="-1" strike="noStrike">
+              <a:endParaRPr b="0" lang="en-US" sz="1800" strike="noStrike" u="none">
                 <a:solidFill>
                   <a:schemeClr val="dk1"/>
                 </a:solidFill>
+                <a:uFillTx/>
                 <a:latin typeface="Calibri"/>
               </a:endParaRPr>
             </a:p>
@@ -4338,14 +5326,14 @@
         </p:sp>
         <p:sp>
           <p:nvSpPr>
-            <p:cNvPr id="44" name="Shape 54"/>
+            <p:cNvPr id="46" name="Shape 130"/>
             <p:cNvSpPr/>
             <p:nvPr/>
           </p:nvSpPr>
           <p:spPr>
             <a:xfrm flipH="1" rot="9208200">
-              <a:off x="7803000" y="3279240"/>
-              <a:ext cx="876960" cy="2181240"/>
+              <a:off x="7801200" y="3279240"/>
+              <a:ext cx="876960" cy="2180520"/>
             </a:xfrm>
             <a:prstGeom prst="flowChartManualInput">
               <a:avLst/>
@@ -4373,10 +5361,11 @@
                   <a:spcPct val="100000"/>
                 </a:lnSpc>
               </a:pPr>
-              <a:endParaRPr b="0" lang="en-US" sz="1800" spc="-1" strike="noStrike">
+              <a:endParaRPr b="0" lang="en-US" sz="1800" strike="noStrike" u="none">
                 <a:solidFill>
                   <a:schemeClr val="dk1"/>
                 </a:solidFill>
+                <a:uFillTx/>
                 <a:latin typeface="Calibri"/>
               </a:endParaRPr>
             </a:p>
@@ -4384,14 +5373,14 @@
         </p:sp>
         <p:sp>
           <p:nvSpPr>
-            <p:cNvPr id="45" name="Shape 55"/>
+            <p:cNvPr id="47" name="Shape 131"/>
             <p:cNvSpPr/>
             <p:nvPr/>
           </p:nvSpPr>
           <p:spPr>
             <a:xfrm flipH="1" rot="9208200">
-              <a:off x="7479360" y="4278240"/>
-              <a:ext cx="408600" cy="1014840"/>
+              <a:off x="7477920" y="4278240"/>
+              <a:ext cx="408600" cy="1014120"/>
             </a:xfrm>
             <a:prstGeom prst="flowChartManualInput">
               <a:avLst/>
@@ -4419,10 +5408,11 @@
                   <a:spcPct val="100000"/>
                 </a:lnSpc>
               </a:pPr>
-              <a:endParaRPr b="0" lang="en-US" sz="1800" spc="-1" strike="noStrike">
+              <a:endParaRPr b="0" lang="en-US" sz="1800" strike="noStrike" u="none">
                 <a:solidFill>
                   <a:schemeClr val="dk1"/>
                 </a:solidFill>
+                <a:uFillTx/>
                 <a:latin typeface="Calibri"/>
               </a:endParaRPr>
             </a:p>
@@ -4430,14 +5420,14 @@
         </p:sp>
         <p:sp>
           <p:nvSpPr>
-            <p:cNvPr id="46" name="Shape 56"/>
+            <p:cNvPr id="48" name="Shape 132"/>
             <p:cNvSpPr/>
             <p:nvPr/>
           </p:nvSpPr>
           <p:spPr>
             <a:xfrm flipH="1" rot="9208200">
-              <a:off x="6287400" y="4658400"/>
-              <a:ext cx="228600" cy="570240"/>
+              <a:off x="6287040" y="4658760"/>
+              <a:ext cx="227880" cy="569160"/>
             </a:xfrm>
             <a:prstGeom prst="flowChartManualInput">
               <a:avLst/>
@@ -4465,10 +5455,11 @@
                   <a:spcPct val="100000"/>
                 </a:lnSpc>
               </a:pPr>
-              <a:endParaRPr b="0" lang="en-US" sz="1800" spc="-1" strike="noStrike">
+              <a:endParaRPr b="0" lang="en-US" sz="1800" strike="noStrike" u="none">
                 <a:solidFill>
                   <a:schemeClr val="dk1"/>
                 </a:solidFill>
+                <a:uFillTx/>
                 <a:latin typeface="Calibri"/>
               </a:endParaRPr>
             </a:p>
@@ -4476,22 +5467,22 @@
         </p:sp>
         <p:sp>
           <p:nvSpPr>
-            <p:cNvPr id="47" name="Shape 57"/>
+            <p:cNvPr id="49" name="Shape 133"/>
             <p:cNvSpPr/>
             <p:nvPr/>
           </p:nvSpPr>
           <p:spPr>
             <a:xfrm>
               <a:off x="8289360" y="2656080"/>
-              <a:ext cx="853560" cy="1928160"/>
+              <a:ext cx="852840" cy="1927440"/>
             </a:xfrm>
             <a:custGeom>
               <a:avLst/>
               <a:gdLst>
-                <a:gd name="textAreaLeft" fmla="*/ 0 w 853560"/>
-                <a:gd name="textAreaRight" fmla="*/ 854280 w 853560"/>
-                <a:gd name="textAreaTop" fmla="*/ 0 h 1928160"/>
-                <a:gd name="textAreaBottom" fmla="*/ 1928880 h 1928160"/>
+                <a:gd name="textAreaLeft" fmla="*/ 0 w 852840"/>
+                <a:gd name="textAreaRight" fmla="*/ 854280 w 852840"/>
+                <a:gd name="textAreaTop" fmla="*/ 0 h 1927440"/>
+                <a:gd name="textAreaBottom" fmla="*/ 1928880 h 1927440"/>
               </a:gdLst>
               <a:ahLst/>
               <a:rect l="textAreaLeft" t="textAreaTop" r="textAreaRight" b="textAreaBottom"/>
@@ -4536,10 +5527,11 @@
                   <a:spcPct val="100000"/>
                 </a:lnSpc>
               </a:pPr>
-              <a:endParaRPr b="0" lang="en-US" sz="1800" spc="-1" strike="noStrike">
+              <a:endParaRPr b="0" lang="en-US" sz="1800" strike="noStrike" u="none">
                 <a:solidFill>
                   <a:srgbClr val="ffffff"/>
                 </a:solidFill>
+                <a:uFillTx/>
                 <a:latin typeface="Arial"/>
               </a:endParaRPr>
             </a:p>
@@ -4548,28 +5540,28 @@
       </p:grpSp>
       <p:grpSp>
         <p:nvGrpSpPr>
-          <p:cNvPr id="48" name="Shape 58"/>
+          <p:cNvPr id="50" name="Shape 134"/>
           <p:cNvGrpSpPr/>
           <p:nvPr/>
         </p:nvGrpSpPr>
         <p:grpSpPr>
           <a:xfrm>
-            <a:off x="1080" y="-227160"/>
-            <a:ext cx="2159640" cy="1346040"/>
-            <a:chOff x="1080" y="-227160"/>
-            <a:chExt cx="2159640" cy="1346040"/>
+            <a:off x="1800" y="-227160"/>
+            <a:ext cx="2157840" cy="1344960"/>
+            <a:chOff x="1800" y="-227160"/>
+            <a:chExt cx="2157840" cy="1344960"/>
           </a:xfrm>
         </p:grpSpPr>
         <p:sp>
           <p:nvSpPr>
-            <p:cNvPr id="49" name="Shape 59"/>
+            <p:cNvPr id="51" name="Shape 135"/>
             <p:cNvSpPr/>
             <p:nvPr/>
           </p:nvSpPr>
           <p:spPr>
             <a:xfrm flipH="1" rot="20008800">
-              <a:off x="1360800" y="-74880"/>
-              <a:ext cx="204120" cy="509040"/>
+              <a:off x="1360080" y="-74520"/>
+              <a:ext cx="203400" cy="507960"/>
             </a:xfrm>
             <a:prstGeom prst="flowChartManualInput">
               <a:avLst/>
@@ -4597,10 +5589,11 @@
                   <a:spcPct val="100000"/>
                 </a:lnSpc>
               </a:pPr>
-              <a:endParaRPr b="0" lang="en-US" sz="1800" spc="-1" strike="noStrike">
+              <a:endParaRPr b="0" lang="en-US" sz="1800" strike="noStrike" u="none">
                 <a:solidFill>
                   <a:schemeClr val="dk1"/>
                 </a:solidFill>
+                <a:uFillTx/>
                 <a:latin typeface="Calibri"/>
               </a:endParaRPr>
             </a:p>
@@ -4608,14 +5601,14 @@
         </p:sp>
         <p:sp>
           <p:nvSpPr>
-            <p:cNvPr id="50" name="Shape 60"/>
+            <p:cNvPr id="52" name="Shape 136"/>
             <p:cNvSpPr/>
             <p:nvPr/>
           </p:nvSpPr>
           <p:spPr>
             <a:xfrm flipH="1" rot="20008800">
-              <a:off x="238680" y="-163440"/>
-              <a:ext cx="433800" cy="1080360"/>
+              <a:off x="236880" y="-163440"/>
+              <a:ext cx="433080" cy="1079280"/>
             </a:xfrm>
             <a:prstGeom prst="flowChartManualInput">
               <a:avLst/>
@@ -4643,10 +5636,11 @@
                   <a:spcPct val="100000"/>
                 </a:lnSpc>
               </a:pPr>
-              <a:endParaRPr b="0" lang="en-US" sz="1800" spc="-1" strike="noStrike">
+              <a:endParaRPr b="0" lang="en-US" sz="1800" strike="noStrike" u="none">
                 <a:solidFill>
                   <a:schemeClr val="dk1"/>
                 </a:solidFill>
+                <a:uFillTx/>
                 <a:latin typeface="Calibri"/>
               </a:endParaRPr>
             </a:p>
@@ -4654,14 +5648,14 @@
         </p:sp>
         <p:sp>
           <p:nvSpPr>
-            <p:cNvPr id="51" name="Shape 61"/>
+            <p:cNvPr id="53" name="Shape 137"/>
             <p:cNvSpPr/>
             <p:nvPr/>
           </p:nvSpPr>
           <p:spPr>
             <a:xfrm flipH="1" rot="20008800">
               <a:off x="890280" y="-180720"/>
-              <a:ext cx="503280" cy="1253160"/>
+              <a:ext cx="502560" cy="1252440"/>
             </a:xfrm>
             <a:prstGeom prst="flowChartManualInput">
               <a:avLst/>
@@ -4689,10 +5683,11 @@
                   <a:spcPct val="100000"/>
                 </a:lnSpc>
               </a:pPr>
-              <a:endParaRPr b="0" lang="en-US" sz="1800" spc="-1" strike="noStrike">
+              <a:endParaRPr b="0" lang="en-US" sz="1800" strike="noStrike" u="none">
                 <a:solidFill>
                   <a:schemeClr val="dk1"/>
                 </a:solidFill>
+                <a:uFillTx/>
                 <a:latin typeface="Calibri"/>
               </a:endParaRPr>
             </a:p>
@@ -4700,14 +5695,14 @@
         </p:sp>
         <p:sp>
           <p:nvSpPr>
-            <p:cNvPr id="52" name="Shape 62"/>
+            <p:cNvPr id="54" name="Shape 138"/>
             <p:cNvSpPr/>
             <p:nvPr/>
           </p:nvSpPr>
           <p:spPr>
             <a:xfrm flipH="1" rot="20008800">
-              <a:off x="1816560" y="-88200"/>
-              <a:ext cx="228600" cy="570240"/>
+              <a:off x="1816200" y="-87480"/>
+              <a:ext cx="227880" cy="569520"/>
             </a:xfrm>
             <a:prstGeom prst="flowChartManualInput">
               <a:avLst/>
@@ -4735,10 +5730,11 @@
                   <a:spcPct val="100000"/>
                 </a:lnSpc>
               </a:pPr>
-              <a:endParaRPr b="0" lang="en-US" sz="1800" spc="-1" strike="noStrike">
+              <a:endParaRPr b="0" lang="en-US" sz="1800" strike="noStrike" u="none">
                 <a:solidFill>
                   <a:schemeClr val="dk1"/>
                 </a:solidFill>
+                <a:uFillTx/>
                 <a:latin typeface="Calibri"/>
               </a:endParaRPr>
             </a:p>
@@ -4746,22 +5742,22 @@
         </p:sp>
         <p:sp>
           <p:nvSpPr>
-            <p:cNvPr id="53" name="Shape 63"/>
+            <p:cNvPr id="55" name="Shape 139"/>
             <p:cNvSpPr/>
             <p:nvPr/>
           </p:nvSpPr>
           <p:spPr>
             <a:xfrm rot="10800000">
-              <a:off x="1080" y="59760"/>
-              <a:ext cx="379080" cy="857160"/>
+              <a:off x="1800" y="60480"/>
+              <a:ext cx="378360" cy="856440"/>
             </a:xfrm>
             <a:custGeom>
               <a:avLst/>
               <a:gdLst>
-                <a:gd name="textAreaLeft" fmla="*/ 0 w 379080"/>
-                <a:gd name="textAreaRight" fmla="*/ 379800 w 379080"/>
-                <a:gd name="textAreaTop" fmla="*/ 0 h 857160"/>
-                <a:gd name="textAreaBottom" fmla="*/ 857880 h 857160"/>
+                <a:gd name="textAreaLeft" fmla="*/ 0 w 378360"/>
+                <a:gd name="textAreaRight" fmla="*/ 379800 w 378360"/>
+                <a:gd name="textAreaTop" fmla="*/ 0 h 856440"/>
+                <a:gd name="textAreaBottom" fmla="*/ 857880 h 856440"/>
               </a:gdLst>
               <a:ahLst/>
               <a:rect l="textAreaLeft" t="textAreaTop" r="textAreaRight" b="textAreaBottom"/>
@@ -4806,10 +5802,11 @@
                   <a:spcPct val="100000"/>
                 </a:lnSpc>
               </a:pPr>
-              <a:endParaRPr b="0" lang="en-US" sz="1800" spc="-1" strike="noStrike">
+              <a:endParaRPr b="0" lang="en-US" sz="1800" strike="noStrike" u="none">
                 <a:solidFill>
                   <a:srgbClr val="ffffff"/>
                 </a:solidFill>
+                <a:uFillTx/>
                 <a:latin typeface="Arial"/>
               </a:endParaRPr>
             </a:p>
@@ -4818,7 +5815,7 @@
       </p:grpSp>
       <p:sp>
         <p:nvSpPr>
-          <p:cNvPr id="54" name="PlaceHolder 1"/>
+          <p:cNvPr id="56" name="PlaceHolder 1"/>
           <p:cNvSpPr>
             <a:spLocks noGrp="1"/>
           </p:cNvSpPr>
@@ -4848,251 +5845,28 @@
               <a:buNone/>
             </a:pPr>
             <a:r>
-              <a:rPr b="0" lang="en-US" sz="1800" spc="-1" strike="noStrike">
+              <a:rPr b="0" lang="en-US" sz="1800" strike="noStrike" u="none">
                 <a:solidFill>
                   <a:srgbClr val="000000"/>
                 </a:solidFill>
-                <a:latin typeface="Arial"/>
+                <a:uFillTx/>
+                <a:latin typeface="DejaVu Sans"/>
               </a:rPr>
               <a:t>Click to edit the title text format</a:t>
             </a:r>
-            <a:endParaRPr b="0" lang="en-US" sz="1800" spc="-1" strike="noStrike">
+            <a:endParaRPr b="0" lang="en-US" sz="1800" strike="noStrike" u="none">
               <a:solidFill>
                 <a:srgbClr val="000000"/>
               </a:solidFill>
-              <a:latin typeface="Arial"/>
-            </a:endParaRPr>
-          </a:p>
-        </p:txBody>
-      </p:sp>
-      <p:sp>
-        <p:nvSpPr>
-          <p:cNvPr id="55" name="PlaceHolder 2"/>
-          <p:cNvSpPr>
-            <a:spLocks noGrp="1"/>
-          </p:cNvSpPr>
-          <p:nvPr>
-            <p:ph type="body"/>
-          </p:nvPr>
-        </p:nvSpPr>
-        <p:spPr>
-          <a:xfrm>
-            <a:off x="457200" y="1203480"/>
-            <a:ext cx="8228880" cy="2982600"/>
-          </a:xfrm>
-          <a:prstGeom prst="rect">
-            <a:avLst/>
-          </a:prstGeom>
-          <a:noFill/>
-          <a:ln w="0">
-            <a:noFill/>
-          </a:ln>
-        </p:spPr>
-        <p:txBody>
-          <a:bodyPr lIns="0" rIns="0" tIns="0" bIns="0" anchor="t">
-            <a:normAutofit/>
-          </a:bodyPr>
-          <a:p>
-            <a:pPr marL="432000" indent="-324000">
-              <a:spcBef>
-                <a:spcPts val="1417"/>
-              </a:spcBef>
-              <a:buClr>
-                <a:srgbClr val="000000"/>
-              </a:buClr>
-              <a:buSzPct val="45000"/>
-              <a:buFont typeface="Wingdings" charset="2"/>
-              <a:buChar char=""/>
-            </a:pPr>
-            <a:r>
-              <a:rPr b="0" lang="en-US" sz="1800" spc="-1" strike="noStrike">
-                <a:solidFill>
-                  <a:srgbClr val="000000"/>
-                </a:solidFill>
-                <a:latin typeface="Arial"/>
-              </a:rPr>
-              <a:t>Click to edit the outline text format</a:t>
-            </a:r>
-            <a:endParaRPr b="0" lang="en-US" sz="1800" spc="-1" strike="noStrike">
-              <a:solidFill>
-                <a:srgbClr val="000000"/>
-              </a:solidFill>
-              <a:latin typeface="Arial"/>
-            </a:endParaRPr>
-          </a:p>
-          <a:p>
-            <a:pPr lvl="1" marL="864000" indent="-324000">
-              <a:spcBef>
-                <a:spcPts val="1134"/>
-              </a:spcBef>
-              <a:buClr>
-                <a:srgbClr val="000000"/>
-              </a:buClr>
-              <a:buSzPct val="75000"/>
-              <a:buFont typeface="Symbol" charset="2"/>
-              <a:buChar char=""/>
-            </a:pPr>
-            <a:r>
-              <a:rPr b="0" lang="en-US" sz="1800" spc="-1" strike="noStrike">
-                <a:solidFill>
-                  <a:srgbClr val="000000"/>
-                </a:solidFill>
-                <a:latin typeface="Arial"/>
-              </a:rPr>
-              <a:t>Second Outline Level</a:t>
-            </a:r>
-            <a:endParaRPr b="0" lang="en-US" sz="1800" spc="-1" strike="noStrike">
-              <a:solidFill>
-                <a:srgbClr val="000000"/>
-              </a:solidFill>
-              <a:latin typeface="Arial"/>
-            </a:endParaRPr>
-          </a:p>
-          <a:p>
-            <a:pPr lvl="2" marL="1296000" indent="-288000">
-              <a:spcBef>
-                <a:spcPts val="850"/>
-              </a:spcBef>
-              <a:buClr>
-                <a:srgbClr val="000000"/>
-              </a:buClr>
-              <a:buSzPct val="45000"/>
-              <a:buFont typeface="Wingdings" charset="2"/>
-              <a:buChar char=""/>
-            </a:pPr>
-            <a:r>
-              <a:rPr b="0" lang="en-US" sz="1800" spc="-1" strike="noStrike">
-                <a:solidFill>
-                  <a:srgbClr val="000000"/>
-                </a:solidFill>
-                <a:latin typeface="Arial"/>
-              </a:rPr>
-              <a:t>Third Outline Level</a:t>
-            </a:r>
-            <a:endParaRPr b="0" lang="en-US" sz="1800" spc="-1" strike="noStrike">
-              <a:solidFill>
-                <a:srgbClr val="000000"/>
-              </a:solidFill>
-              <a:latin typeface="Arial"/>
-            </a:endParaRPr>
-          </a:p>
-          <a:p>
-            <a:pPr lvl="3" marL="1728000" indent="-216000">
-              <a:spcBef>
-                <a:spcPts val="567"/>
-              </a:spcBef>
-              <a:buClr>
-                <a:srgbClr val="000000"/>
-              </a:buClr>
-              <a:buSzPct val="75000"/>
-              <a:buFont typeface="Symbol" charset="2"/>
-              <a:buChar char=""/>
-            </a:pPr>
-            <a:r>
-              <a:rPr b="0" lang="en-US" sz="1800" spc="-1" strike="noStrike">
-                <a:solidFill>
-                  <a:srgbClr val="000000"/>
-                </a:solidFill>
-                <a:latin typeface="Arial"/>
-              </a:rPr>
-              <a:t>Fourth Outline Level</a:t>
-            </a:r>
-            <a:endParaRPr b="0" lang="en-US" sz="1800" spc="-1" strike="noStrike">
-              <a:solidFill>
-                <a:srgbClr val="000000"/>
-              </a:solidFill>
-              <a:latin typeface="Arial"/>
-            </a:endParaRPr>
-          </a:p>
-          <a:p>
-            <a:pPr lvl="4" marL="2160000" indent="-216000">
-              <a:spcBef>
-                <a:spcPts val="283"/>
-              </a:spcBef>
-              <a:buClr>
-                <a:srgbClr val="000000"/>
-              </a:buClr>
-              <a:buSzPct val="45000"/>
-              <a:buFont typeface="Wingdings" charset="2"/>
-              <a:buChar char=""/>
-            </a:pPr>
-            <a:r>
-              <a:rPr b="0" lang="en-US" sz="1800" spc="-1" strike="noStrike">
-                <a:solidFill>
-                  <a:srgbClr val="000000"/>
-                </a:solidFill>
-                <a:latin typeface="Arial"/>
-              </a:rPr>
-              <a:t>Fifth Outline Level</a:t>
-            </a:r>
-            <a:endParaRPr b="0" lang="en-US" sz="1800" spc="-1" strike="noStrike">
-              <a:solidFill>
-                <a:srgbClr val="000000"/>
-              </a:solidFill>
-              <a:latin typeface="Arial"/>
-            </a:endParaRPr>
-          </a:p>
-          <a:p>
-            <a:pPr lvl="5" marL="2592000" indent="-216000">
-              <a:spcBef>
-                <a:spcPts val="283"/>
-              </a:spcBef>
-              <a:buClr>
-                <a:srgbClr val="000000"/>
-              </a:buClr>
-              <a:buSzPct val="45000"/>
-              <a:buFont typeface="Wingdings" charset="2"/>
-              <a:buChar char=""/>
-            </a:pPr>
-            <a:r>
-              <a:rPr b="0" lang="en-US" sz="1800" spc="-1" strike="noStrike">
-                <a:solidFill>
-                  <a:srgbClr val="000000"/>
-                </a:solidFill>
-                <a:latin typeface="Arial"/>
-              </a:rPr>
-              <a:t>Sixth Outline Level</a:t>
-            </a:r>
-            <a:endParaRPr b="0" lang="en-US" sz="1800" spc="-1" strike="noStrike">
-              <a:solidFill>
-                <a:srgbClr val="000000"/>
-              </a:solidFill>
-              <a:latin typeface="Arial"/>
-            </a:endParaRPr>
-          </a:p>
-          <a:p>
-            <a:pPr lvl="6" marL="3024000" indent="-216000">
-              <a:spcBef>
-                <a:spcPts val="283"/>
-              </a:spcBef>
-              <a:buClr>
-                <a:srgbClr val="000000"/>
-              </a:buClr>
-              <a:buSzPct val="45000"/>
-              <a:buFont typeface="Wingdings" charset="2"/>
-              <a:buChar char=""/>
-            </a:pPr>
-            <a:r>
-              <a:rPr b="0" lang="en-US" sz="1800" spc="-1" strike="noStrike">
-                <a:solidFill>
-                  <a:srgbClr val="000000"/>
-                </a:solidFill>
-                <a:latin typeface="Arial"/>
-              </a:rPr>
-              <a:t>Seventh Outline Level</a:t>
-            </a:r>
-            <a:endParaRPr b="0" lang="en-US" sz="1800" spc="-1" strike="noStrike">
-              <a:solidFill>
-                <a:srgbClr val="000000"/>
-              </a:solidFill>
-              <a:latin typeface="Arial"/>
+              <a:uFillTx/>
+              <a:latin typeface="DejaVu Sans"/>
             </a:endParaRPr>
           </a:p>
         </p:txBody>
       </p:sp>
     </p:spTree>
   </p:cSld>
-  <p:clrMap bg1="lt1" bg2="lt2" tx1="dk1" tx2="dk2" accent1="accent1" accent2="accent2" accent3="accent3" accent4="accent4" accent5="accent5" accent6="accent6" hlink="hlink" folHlink="folHlink"/>
+  <p:clrMap bg1="lt1" tx1="dk1" bg2="lt2" tx2="dk2" accent1="accent1" accent2="accent2" accent3="accent3" accent4="accent4" accent5="accent5" accent6="accent6" hlink="hlink" folHlink="folHlink"/>
   <p:sldLayoutIdLst>
     <p:sldLayoutId id="2147483657" r:id="rId3"/>
   </p:sldLayoutIdLst>
@@ -5125,14 +5899,14 @@
       </p:grpSpPr>
       <p:sp>
         <p:nvSpPr>
-          <p:cNvPr id="58" name="Textfeld 15"/>
+          <p:cNvPr id="59" name="Textfeld 15"/>
           <p:cNvSpPr/>
           <p:nvPr/>
         </p:nvSpPr>
         <p:spPr>
           <a:xfrm>
             <a:off x="8711280" y="4803840"/>
-            <a:ext cx="108000" cy="308520"/>
+            <a:ext cx="107280" cy="307800"/>
           </a:xfrm>
           <a:prstGeom prst="rect">
             <a:avLst/>
@@ -5159,26 +5933,28 @@
               </a:lnSpc>
             </a:pPr>
             <a:r>
-              <a:rPr b="0" lang="de-CH" sz="800" spc="-1" strike="noStrike">
+              <a:rPr b="0" lang="de-CH" sz="800" strike="noStrike" u="none">
                 <a:solidFill>
                   <a:schemeClr val="lt1"/>
                 </a:solidFill>
+                <a:uFillTx/>
                 <a:latin typeface="Calibri"/>
               </a:rPr>
               <a:t>|</a:t>
             </a:r>
-            <a:endParaRPr b="0" lang="en-US" sz="800" spc="-1" strike="noStrike">
+            <a:endParaRPr b="0" lang="en-US" sz="800" strike="noStrike" u="none">
               <a:solidFill>
                 <a:srgbClr val="000000"/>
               </a:solidFill>
-              <a:latin typeface="Arial"/>
+              <a:uFillTx/>
+              <a:latin typeface="DejaVu Sans"/>
             </a:endParaRPr>
           </a:p>
         </p:txBody>
       </p:sp>
       <p:pic>
         <p:nvPicPr>
-          <p:cNvPr id="59" name="Εικόνα 2" descr=""/>
+          <p:cNvPr id="60" name="Εικόνα 2" descr=""/>
           <p:cNvPicPr/>
           <p:nvPr/>
         </p:nvPicPr>
@@ -5189,11 +5965,12 @@
         <p:spPr>
           <a:xfrm>
             <a:off x="7932960" y="0"/>
-            <a:ext cx="1202400" cy="1202400"/>
+            <a:ext cx="1201680" cy="1201680"/>
           </a:xfrm>
           <a:prstGeom prst="rect">
             <a:avLst/>
           </a:prstGeom>
+          <a:noFill/>
           <a:ln w="0">
             <a:noFill/>
           </a:ln>
@@ -5201,28 +5978,28 @@
       </p:pic>
       <p:grpSp>
         <p:nvGrpSpPr>
-          <p:cNvPr id="60" name="Shape 83"/>
+          <p:cNvPr id="61" name="Shape 128"/>
           <p:cNvGrpSpPr/>
           <p:nvPr/>
         </p:nvGrpSpPr>
         <p:grpSpPr>
           <a:xfrm>
-            <a:off x="6791400" y="3181680"/>
-            <a:ext cx="2351160" cy="2283480"/>
-            <a:chOff x="6791400" y="3181680"/>
-            <a:chExt cx="2351160" cy="2283480"/>
+            <a:off x="6172200" y="2656080"/>
+            <a:ext cx="2970000" cy="2885040"/>
+            <a:chOff x="6172200" y="2656080"/>
+            <a:chExt cx="2970000" cy="2885040"/>
           </a:xfrm>
         </p:grpSpPr>
         <p:sp>
           <p:nvSpPr>
-            <p:cNvPr id="61" name="Shape 84"/>
+            <p:cNvPr id="62" name="Shape 129"/>
             <p:cNvSpPr/>
             <p:nvPr/>
           </p:nvSpPr>
           <p:spPr>
             <a:xfrm flipH="1" rot="9208200">
-              <a:off x="7212240" y="4333320"/>
-              <a:ext cx="382320" cy="951480"/>
+              <a:off x="6703920" y="4111920"/>
+              <a:ext cx="482400" cy="1202400"/>
             </a:xfrm>
             <a:prstGeom prst="flowChartManualInput">
               <a:avLst/>
@@ -5250,10 +6027,11 @@
                   <a:spcPct val="100000"/>
                 </a:lnSpc>
               </a:pPr>
-              <a:endParaRPr b="0" lang="en-US" sz="1800" spc="-1" strike="noStrike">
+              <a:endParaRPr b="0" lang="en-US" sz="1800" strike="noStrike" u="none">
                 <a:solidFill>
                   <a:schemeClr val="dk1"/>
                 </a:solidFill>
+                <a:uFillTx/>
                 <a:latin typeface="Calibri"/>
               </a:endParaRPr>
             </a:p>
@@ -5261,14 +6039,14 @@
         </p:sp>
         <p:sp>
           <p:nvSpPr>
-            <p:cNvPr id="62" name="Shape 85"/>
+            <p:cNvPr id="63" name="Shape 130"/>
             <p:cNvSpPr/>
             <p:nvPr/>
           </p:nvSpPr>
           <p:spPr>
             <a:xfrm flipH="1" rot="9208200">
-              <a:off x="8083080" y="3674520"/>
-              <a:ext cx="693720" cy="1726560"/>
+              <a:off x="7801200" y="3279240"/>
+              <a:ext cx="876960" cy="2180520"/>
             </a:xfrm>
             <a:prstGeom prst="flowChartManualInput">
               <a:avLst/>
@@ -5296,10 +6074,11 @@
                   <a:spcPct val="100000"/>
                 </a:lnSpc>
               </a:pPr>
-              <a:endParaRPr b="0" lang="en-US" sz="1800" spc="-1" strike="noStrike">
+              <a:endParaRPr b="0" lang="en-US" sz="1800" strike="noStrike" u="none">
                 <a:solidFill>
                   <a:schemeClr val="dk1"/>
                 </a:solidFill>
+                <a:uFillTx/>
                 <a:latin typeface="Calibri"/>
               </a:endParaRPr>
             </a:p>
@@ -5307,14 +6086,14 @@
         </p:sp>
         <p:sp>
           <p:nvSpPr>
-            <p:cNvPr id="63" name="Shape 86"/>
+            <p:cNvPr id="64" name="Shape 131"/>
             <p:cNvSpPr/>
             <p:nvPr/>
           </p:nvSpPr>
           <p:spPr>
             <a:xfrm flipH="1" rot="9208200">
-              <a:off x="7826040" y="4465080"/>
-              <a:ext cx="323280" cy="803520"/>
+              <a:off x="7477920" y="4278240"/>
+              <a:ext cx="408600" cy="1014120"/>
             </a:xfrm>
             <a:prstGeom prst="flowChartManualInput">
               <a:avLst/>
@@ -5342,10 +6121,11 @@
                   <a:spcPct val="100000"/>
                 </a:lnSpc>
               </a:pPr>
-              <a:endParaRPr b="0" lang="en-US" sz="1800" spc="-1" strike="noStrike">
+              <a:endParaRPr b="0" lang="en-US" sz="1800" strike="noStrike" u="none">
                 <a:solidFill>
                   <a:schemeClr val="dk1"/>
                 </a:solidFill>
+                <a:uFillTx/>
                 <a:latin typeface="Calibri"/>
               </a:endParaRPr>
             </a:p>
@@ -5353,14 +6133,14 @@
         </p:sp>
         <p:sp>
           <p:nvSpPr>
-            <p:cNvPr id="64" name="Shape 87"/>
+            <p:cNvPr id="65" name="Shape 132"/>
             <p:cNvSpPr/>
             <p:nvPr/>
           </p:nvSpPr>
           <p:spPr>
             <a:xfrm flipH="1" rot="9208200">
-              <a:off x="6882120" y="4766760"/>
-              <a:ext cx="180720" cy="450720"/>
+              <a:off x="6287040" y="4658760"/>
+              <a:ext cx="227880" cy="569160"/>
             </a:xfrm>
             <a:prstGeom prst="flowChartManualInput">
               <a:avLst/>
@@ -5388,10 +6168,11 @@
                   <a:spcPct val="100000"/>
                 </a:lnSpc>
               </a:pPr>
-              <a:endParaRPr b="0" lang="en-US" sz="1800" spc="-1" strike="noStrike">
+              <a:endParaRPr b="0" lang="en-US" sz="1800" strike="noStrike" u="none">
                 <a:solidFill>
                   <a:schemeClr val="dk1"/>
                 </a:solidFill>
+                <a:uFillTx/>
                 <a:latin typeface="Calibri"/>
               </a:endParaRPr>
             </a:p>
@@ -5399,22 +6180,22 @@
         </p:sp>
         <p:sp>
           <p:nvSpPr>
-            <p:cNvPr id="65" name="Shape 88"/>
+            <p:cNvPr id="66" name="Shape 133"/>
             <p:cNvSpPr/>
             <p:nvPr/>
           </p:nvSpPr>
           <p:spPr>
             <a:xfrm>
-              <a:off x="8467200" y="3181680"/>
-              <a:ext cx="675360" cy="1525680"/>
+              <a:off x="8289360" y="2656080"/>
+              <a:ext cx="852840" cy="1927440"/>
             </a:xfrm>
             <a:custGeom>
               <a:avLst/>
               <a:gdLst>
-                <a:gd name="textAreaLeft" fmla="*/ 0 w 675360"/>
-                <a:gd name="textAreaRight" fmla="*/ 676080 w 675360"/>
-                <a:gd name="textAreaTop" fmla="*/ 0 h 1525680"/>
-                <a:gd name="textAreaBottom" fmla="*/ 1526400 h 1525680"/>
+                <a:gd name="textAreaLeft" fmla="*/ 0 w 852840"/>
+                <a:gd name="textAreaRight" fmla="*/ 854280 w 852840"/>
+                <a:gd name="textAreaTop" fmla="*/ 0 h 1927440"/>
+                <a:gd name="textAreaBottom" fmla="*/ 1928880 h 1927440"/>
               </a:gdLst>
               <a:ahLst/>
               <a:rect l="textAreaLeft" t="textAreaTop" r="textAreaRight" b="textAreaBottom"/>
@@ -5459,10 +6240,11 @@
                   <a:spcPct val="100000"/>
                 </a:lnSpc>
               </a:pPr>
-              <a:endParaRPr b="0" lang="en-US" sz="1800" spc="-1" strike="noStrike">
+              <a:endParaRPr b="0" lang="en-US" sz="1800" strike="noStrike" u="none">
                 <a:solidFill>
                   <a:srgbClr val="ffffff"/>
                 </a:solidFill>
+                <a:uFillTx/>
                 <a:latin typeface="Arial"/>
               </a:endParaRPr>
             </a:p>
@@ -5471,28 +6253,28 @@
       </p:grpSp>
       <p:grpSp>
         <p:nvGrpSpPr>
-          <p:cNvPr id="66" name="Shape 89"/>
+          <p:cNvPr id="67" name="Shape 134"/>
           <p:cNvGrpSpPr/>
           <p:nvPr/>
         </p:nvGrpSpPr>
         <p:grpSpPr>
           <a:xfrm>
-            <a:off x="1080" y="-227160"/>
-            <a:ext cx="2159640" cy="1346040"/>
-            <a:chOff x="1080" y="-227160"/>
-            <a:chExt cx="2159640" cy="1346040"/>
+            <a:off x="1800" y="-227160"/>
+            <a:ext cx="2157840" cy="1344960"/>
+            <a:chOff x="1800" y="-227160"/>
+            <a:chExt cx="2157840" cy="1344960"/>
           </a:xfrm>
         </p:grpSpPr>
         <p:sp>
           <p:nvSpPr>
-            <p:cNvPr id="67" name="Shape 90"/>
+            <p:cNvPr id="68" name="Shape 135"/>
             <p:cNvSpPr/>
             <p:nvPr/>
           </p:nvSpPr>
           <p:spPr>
             <a:xfrm flipH="1" rot="20008800">
-              <a:off x="1360800" y="-74880"/>
-              <a:ext cx="204120" cy="509040"/>
+              <a:off x="1360080" y="-74520"/>
+              <a:ext cx="203400" cy="507960"/>
             </a:xfrm>
             <a:prstGeom prst="flowChartManualInput">
               <a:avLst/>
@@ -5520,10 +6302,11 @@
                   <a:spcPct val="100000"/>
                 </a:lnSpc>
               </a:pPr>
-              <a:endParaRPr b="0" lang="en-US" sz="1800" spc="-1" strike="noStrike">
+              <a:endParaRPr b="0" lang="en-US" sz="1800" strike="noStrike" u="none">
                 <a:solidFill>
                   <a:schemeClr val="dk1"/>
                 </a:solidFill>
+                <a:uFillTx/>
                 <a:latin typeface="Calibri"/>
               </a:endParaRPr>
             </a:p>
@@ -5531,14 +6314,14 @@
         </p:sp>
         <p:sp>
           <p:nvSpPr>
-            <p:cNvPr id="68" name="Shape 91"/>
+            <p:cNvPr id="69" name="Shape 136"/>
             <p:cNvSpPr/>
             <p:nvPr/>
           </p:nvSpPr>
           <p:spPr>
             <a:xfrm flipH="1" rot="20008800">
-              <a:off x="238680" y="-163440"/>
-              <a:ext cx="433800" cy="1080360"/>
+              <a:off x="236880" y="-163440"/>
+              <a:ext cx="433080" cy="1079280"/>
             </a:xfrm>
             <a:prstGeom prst="flowChartManualInput">
               <a:avLst/>
@@ -5566,10 +6349,11 @@
                   <a:spcPct val="100000"/>
                 </a:lnSpc>
               </a:pPr>
-              <a:endParaRPr b="0" lang="en-US" sz="1800" spc="-1" strike="noStrike">
+              <a:endParaRPr b="0" lang="en-US" sz="1800" strike="noStrike" u="none">
                 <a:solidFill>
                   <a:schemeClr val="dk1"/>
                 </a:solidFill>
+                <a:uFillTx/>
                 <a:latin typeface="Calibri"/>
               </a:endParaRPr>
             </a:p>
@@ -5577,14 +6361,14 @@
         </p:sp>
         <p:sp>
           <p:nvSpPr>
-            <p:cNvPr id="69" name="Shape 92"/>
+            <p:cNvPr id="70" name="Shape 137"/>
             <p:cNvSpPr/>
             <p:nvPr/>
           </p:nvSpPr>
           <p:spPr>
             <a:xfrm flipH="1" rot="20008800">
               <a:off x="890280" y="-180720"/>
-              <a:ext cx="503280" cy="1253160"/>
+              <a:ext cx="502560" cy="1252440"/>
             </a:xfrm>
             <a:prstGeom prst="flowChartManualInput">
               <a:avLst/>
@@ -5612,10 +6396,11 @@
                   <a:spcPct val="100000"/>
                 </a:lnSpc>
               </a:pPr>
-              <a:endParaRPr b="0" lang="en-US" sz="1800" spc="-1" strike="noStrike">
+              <a:endParaRPr b="0" lang="en-US" sz="1800" strike="noStrike" u="none">
                 <a:solidFill>
                   <a:schemeClr val="dk1"/>
                 </a:solidFill>
+                <a:uFillTx/>
                 <a:latin typeface="Calibri"/>
               </a:endParaRPr>
             </a:p>
@@ -5623,14 +6408,14 @@
         </p:sp>
         <p:sp>
           <p:nvSpPr>
-            <p:cNvPr id="70" name="Shape 93"/>
+            <p:cNvPr id="71" name="Shape 138"/>
             <p:cNvSpPr/>
             <p:nvPr/>
           </p:nvSpPr>
           <p:spPr>
             <a:xfrm flipH="1" rot="20008800">
-              <a:off x="1816560" y="-88200"/>
-              <a:ext cx="228600" cy="570240"/>
+              <a:off x="1816200" y="-87480"/>
+              <a:ext cx="227880" cy="569520"/>
             </a:xfrm>
             <a:prstGeom prst="flowChartManualInput">
               <a:avLst/>
@@ -5658,10 +6443,11 @@
                   <a:spcPct val="100000"/>
                 </a:lnSpc>
               </a:pPr>
-              <a:endParaRPr b="0" lang="en-US" sz="1800" spc="-1" strike="noStrike">
+              <a:endParaRPr b="0" lang="en-US" sz="1800" strike="noStrike" u="none">
                 <a:solidFill>
                   <a:schemeClr val="dk1"/>
                 </a:solidFill>
+                <a:uFillTx/>
                 <a:latin typeface="Calibri"/>
               </a:endParaRPr>
             </a:p>
@@ -5669,22 +6455,22 @@
         </p:sp>
         <p:sp>
           <p:nvSpPr>
-            <p:cNvPr id="71" name="Shape 94"/>
+            <p:cNvPr id="72" name="Shape 139"/>
             <p:cNvSpPr/>
             <p:nvPr/>
           </p:nvSpPr>
           <p:spPr>
             <a:xfrm rot="10800000">
-              <a:off x="1080" y="59760"/>
-              <a:ext cx="379080" cy="857160"/>
+              <a:off x="1800" y="60480"/>
+              <a:ext cx="378360" cy="856440"/>
             </a:xfrm>
             <a:custGeom>
               <a:avLst/>
               <a:gdLst>
-                <a:gd name="textAreaLeft" fmla="*/ 0 w 379080"/>
-                <a:gd name="textAreaRight" fmla="*/ 379800 w 379080"/>
-                <a:gd name="textAreaTop" fmla="*/ 0 h 857160"/>
-                <a:gd name="textAreaBottom" fmla="*/ 857880 h 857160"/>
+                <a:gd name="textAreaLeft" fmla="*/ 0 w 378360"/>
+                <a:gd name="textAreaRight" fmla="*/ 379800 w 378360"/>
+                <a:gd name="textAreaTop" fmla="*/ 0 h 856440"/>
+                <a:gd name="textAreaBottom" fmla="*/ 857880 h 856440"/>
               </a:gdLst>
               <a:ahLst/>
               <a:rect l="textAreaLeft" t="textAreaTop" r="textAreaRight" b="textAreaBottom"/>
@@ -5729,21 +6515,314 @@
                   <a:spcPct val="100000"/>
                 </a:lnSpc>
               </a:pPr>
-              <a:endParaRPr b="0" lang="en-US" sz="1800" spc="-1" strike="noStrike">
+              <a:endParaRPr b="0" lang="en-US" sz="1800" strike="noStrike" u="none">
                 <a:solidFill>
                   <a:srgbClr val="ffffff"/>
                 </a:solidFill>
+                <a:uFillTx/>
                 <a:latin typeface="Arial"/>
               </a:endParaRPr>
             </a:p>
           </p:txBody>
         </p:sp>
       </p:grpSp>
+      <p:sp>
+        <p:nvSpPr>
+          <p:cNvPr id="73" name="PlaceHolder 1"/>
+          <p:cNvSpPr>
+            <a:spLocks noGrp="1"/>
+          </p:cNvSpPr>
+          <p:nvPr>
+            <p:ph type="title"/>
+          </p:nvPr>
+        </p:nvSpPr>
+        <p:spPr>
+          <a:xfrm>
+            <a:off x="457200" y="205200"/>
+            <a:ext cx="8229240" cy="858600"/>
+          </a:xfrm>
+          <a:prstGeom prst="rect">
+            <a:avLst/>
+          </a:prstGeom>
+          <a:noFill/>
+          <a:ln w="0">
+            <a:noFill/>
+          </a:ln>
+        </p:spPr>
+        <p:txBody>
+          <a:bodyPr lIns="0" rIns="0" tIns="0" bIns="0" anchor="ctr">
+            <a:noAutofit/>
+          </a:bodyPr>
+          <a:p>
+            <a:pPr indent="0" algn="ctr">
+              <a:buNone/>
+            </a:pPr>
+            <a:r>
+              <a:rPr b="0" lang="en-US" sz="4400" strike="noStrike" u="none">
+                <a:solidFill>
+                  <a:srgbClr val="000000"/>
+                </a:solidFill>
+                <a:uFillTx/>
+                <a:latin typeface="DejaVu Sans"/>
+              </a:rPr>
+              <a:t>Click to edit the title text format</a:t>
+            </a:r>
+            <a:endParaRPr b="0" lang="en-US" sz="4400" strike="noStrike" u="none">
+              <a:solidFill>
+                <a:srgbClr val="000000"/>
+              </a:solidFill>
+              <a:uFillTx/>
+              <a:latin typeface="DejaVu Sans"/>
+            </a:endParaRPr>
+          </a:p>
+        </p:txBody>
+      </p:sp>
+      <p:sp>
+        <p:nvSpPr>
+          <p:cNvPr id="74" name="PlaceHolder 2"/>
+          <p:cNvSpPr>
+            <a:spLocks noGrp="1"/>
+          </p:cNvSpPr>
+          <p:nvPr>
+            <p:ph type="body"/>
+          </p:nvPr>
+        </p:nvSpPr>
+        <p:spPr>
+          <a:xfrm>
+            <a:off x="457200" y="1203480"/>
+            <a:ext cx="8229240" cy="2982960"/>
+          </a:xfrm>
+          <a:prstGeom prst="rect">
+            <a:avLst/>
+          </a:prstGeom>
+          <a:noFill/>
+          <a:ln w="0">
+            <a:noFill/>
+          </a:ln>
+        </p:spPr>
+        <p:txBody>
+          <a:bodyPr lIns="0" rIns="0" tIns="0" bIns="0" anchor="t">
+            <a:normAutofit/>
+          </a:bodyPr>
+          <a:p>
+            <a:pPr marL="432000" indent="-324000">
+              <a:spcBef>
+                <a:spcPts val="1417"/>
+              </a:spcBef>
+              <a:buClr>
+                <a:srgbClr val="000000"/>
+              </a:buClr>
+              <a:buSzPct val="45000"/>
+              <a:buFont typeface="Wingdings" charset="2"/>
+              <a:buChar char=""/>
+            </a:pPr>
+            <a:r>
+              <a:rPr b="0" lang="en-US" sz="3200" strike="noStrike" u="none">
+                <a:solidFill>
+                  <a:srgbClr val="000000"/>
+                </a:solidFill>
+                <a:uFillTx/>
+                <a:latin typeface="DejaVu Sans"/>
+              </a:rPr>
+              <a:t>Click to edit the outline text format</a:t>
+            </a:r>
+            <a:endParaRPr b="0" lang="en-US" sz="3200" strike="noStrike" u="none">
+              <a:solidFill>
+                <a:srgbClr val="000000"/>
+              </a:solidFill>
+              <a:uFillTx/>
+              <a:latin typeface="DejaVu Sans"/>
+            </a:endParaRPr>
+          </a:p>
+          <a:p>
+            <a:pPr lvl="1" marL="864000" indent="-324000">
+              <a:spcBef>
+                <a:spcPts val="1134"/>
+              </a:spcBef>
+              <a:buClr>
+                <a:srgbClr val="000000"/>
+              </a:buClr>
+              <a:buSzPct val="75000"/>
+              <a:buFont typeface="Symbol" charset="2"/>
+              <a:buChar char=""/>
+            </a:pPr>
+            <a:r>
+              <a:rPr b="0" lang="en-US" sz="2800" strike="noStrike" u="none">
+                <a:solidFill>
+                  <a:srgbClr val="000000"/>
+                </a:solidFill>
+                <a:uFillTx/>
+                <a:latin typeface="DejaVu Sans"/>
+              </a:rPr>
+              <a:t>Second Outline Level</a:t>
+            </a:r>
+            <a:endParaRPr b="0" lang="en-US" sz="2800" strike="noStrike" u="none">
+              <a:solidFill>
+                <a:srgbClr val="000000"/>
+              </a:solidFill>
+              <a:uFillTx/>
+              <a:latin typeface="DejaVu Sans"/>
+            </a:endParaRPr>
+          </a:p>
+          <a:p>
+            <a:pPr lvl="2" marL="1296000" indent="-288000">
+              <a:spcBef>
+                <a:spcPts val="850"/>
+              </a:spcBef>
+              <a:buClr>
+                <a:srgbClr val="000000"/>
+              </a:buClr>
+              <a:buSzPct val="45000"/>
+              <a:buFont typeface="Wingdings" charset="2"/>
+              <a:buChar char=""/>
+            </a:pPr>
+            <a:r>
+              <a:rPr b="0" lang="en-US" sz="2400" strike="noStrike" u="none">
+                <a:solidFill>
+                  <a:srgbClr val="000000"/>
+                </a:solidFill>
+                <a:uFillTx/>
+                <a:latin typeface="DejaVu Sans"/>
+              </a:rPr>
+              <a:t>Third Outline Level</a:t>
+            </a:r>
+            <a:endParaRPr b="0" lang="en-US" sz="2400" strike="noStrike" u="none">
+              <a:solidFill>
+                <a:srgbClr val="000000"/>
+              </a:solidFill>
+              <a:uFillTx/>
+              <a:latin typeface="DejaVu Sans"/>
+            </a:endParaRPr>
+          </a:p>
+          <a:p>
+            <a:pPr lvl="3" marL="1728000" indent="-216000">
+              <a:spcBef>
+                <a:spcPts val="567"/>
+              </a:spcBef>
+              <a:buClr>
+                <a:srgbClr val="000000"/>
+              </a:buClr>
+              <a:buSzPct val="75000"/>
+              <a:buFont typeface="Symbol" charset="2"/>
+              <a:buChar char=""/>
+            </a:pPr>
+            <a:r>
+              <a:rPr b="0" lang="en-US" sz="2000" strike="noStrike" u="none">
+                <a:solidFill>
+                  <a:srgbClr val="000000"/>
+                </a:solidFill>
+                <a:uFillTx/>
+                <a:latin typeface="DejaVu Sans"/>
+              </a:rPr>
+              <a:t>Fourth Outline Level</a:t>
+            </a:r>
+            <a:endParaRPr b="0" lang="en-US" sz="2000" strike="noStrike" u="none">
+              <a:solidFill>
+                <a:srgbClr val="000000"/>
+              </a:solidFill>
+              <a:uFillTx/>
+              <a:latin typeface="DejaVu Sans"/>
+            </a:endParaRPr>
+          </a:p>
+          <a:p>
+            <a:pPr lvl="4" marL="2160000" indent="-216000">
+              <a:spcBef>
+                <a:spcPts val="283"/>
+              </a:spcBef>
+              <a:buClr>
+                <a:srgbClr val="000000"/>
+              </a:buClr>
+              <a:buSzPct val="45000"/>
+              <a:buFont typeface="Wingdings" charset="2"/>
+              <a:buChar char=""/>
+            </a:pPr>
+            <a:r>
+              <a:rPr b="0" lang="en-US" sz="2000" strike="noStrike" u="none">
+                <a:solidFill>
+                  <a:srgbClr val="000000"/>
+                </a:solidFill>
+                <a:uFillTx/>
+                <a:latin typeface="DejaVu Sans"/>
+              </a:rPr>
+              <a:t>Fifth Outline Level</a:t>
+            </a:r>
+            <a:endParaRPr b="0" lang="en-US" sz="2000" strike="noStrike" u="none">
+              <a:solidFill>
+                <a:srgbClr val="000000"/>
+              </a:solidFill>
+              <a:uFillTx/>
+              <a:latin typeface="DejaVu Sans"/>
+            </a:endParaRPr>
+          </a:p>
+          <a:p>
+            <a:pPr lvl="5" marL="2592000" indent="-216000">
+              <a:spcBef>
+                <a:spcPts val="283"/>
+              </a:spcBef>
+              <a:buClr>
+                <a:srgbClr val="000000"/>
+              </a:buClr>
+              <a:buSzPct val="45000"/>
+              <a:buFont typeface="Wingdings" charset="2"/>
+              <a:buChar char=""/>
+            </a:pPr>
+            <a:r>
+              <a:rPr b="0" lang="en-US" sz="2000" strike="noStrike" u="none">
+                <a:solidFill>
+                  <a:srgbClr val="000000"/>
+                </a:solidFill>
+                <a:uFillTx/>
+                <a:latin typeface="DejaVu Sans"/>
+              </a:rPr>
+              <a:t>Sixth Outline Level</a:t>
+            </a:r>
+            <a:endParaRPr b="0" lang="en-US" sz="2000" strike="noStrike" u="none">
+              <a:solidFill>
+                <a:srgbClr val="000000"/>
+              </a:solidFill>
+              <a:uFillTx/>
+              <a:latin typeface="DejaVu Sans"/>
+            </a:endParaRPr>
+          </a:p>
+          <a:p>
+            <a:pPr lvl="6" marL="3024000" indent="-216000">
+              <a:spcBef>
+                <a:spcPts val="283"/>
+              </a:spcBef>
+              <a:buClr>
+                <a:srgbClr val="000000"/>
+              </a:buClr>
+              <a:buSzPct val="45000"/>
+              <a:buFont typeface="Wingdings" charset="2"/>
+              <a:buChar char=""/>
+            </a:pPr>
+            <a:r>
+              <a:rPr b="0" lang="en-US" sz="2000" strike="noStrike" u="none">
+                <a:solidFill>
+                  <a:srgbClr val="000000"/>
+                </a:solidFill>
+                <a:uFillTx/>
+                <a:latin typeface="DejaVu Sans"/>
+              </a:rPr>
+              <a:t>Seventh Outline Level</a:t>
+            </a:r>
+            <a:endParaRPr b="0" lang="en-US" sz="2000" strike="noStrike" u="none">
+              <a:solidFill>
+                <a:srgbClr val="000000"/>
+              </a:solidFill>
+              <a:uFillTx/>
+              <a:latin typeface="DejaVu Sans"/>
+            </a:endParaRPr>
+          </a:p>
+        </p:txBody>
+      </p:sp>
     </p:spTree>
   </p:cSld>
-  <p:clrMap bg1="lt1" bg2="lt2" tx1="dk1" tx2="dk2" accent1="accent1" accent2="accent2" accent3="accent3" accent4="accent4" accent5="accent5" accent6="accent6" hlink="hlink" folHlink="folHlink"/>
+  <p:clrMap bg1="lt1" tx1="dk1" bg2="lt2" tx2="dk2" accent1="accent1" accent2="accent2" accent3="accent3" accent4="accent4" accent5="accent5" accent6="accent6" hlink="hlink" folHlink="folHlink"/>
   <p:sldLayoutIdLst>
     <p:sldLayoutId id="2147483659" r:id="rId3"/>
+    <p:sldLayoutId id="2147483660" r:id="rId4"/>
+    <p:sldLayoutId id="2147483661" r:id="rId5"/>
   </p:sldLayoutIdLst>
 </p:sldMaster>
 </file>
@@ -5774,14 +6853,14 @@
       </p:grpSpPr>
       <p:sp>
         <p:nvSpPr>
-          <p:cNvPr id="72" name="Textfeld 15"/>
+          <p:cNvPr id="79" name="Textfeld 15"/>
           <p:cNvSpPr/>
           <p:nvPr/>
         </p:nvSpPr>
         <p:spPr>
           <a:xfrm>
             <a:off x="8711280" y="4803840"/>
-            <a:ext cx="108000" cy="308520"/>
+            <a:ext cx="107280" cy="307800"/>
           </a:xfrm>
           <a:prstGeom prst="rect">
             <a:avLst/>
@@ -5808,26 +6887,28 @@
               </a:lnSpc>
             </a:pPr>
             <a:r>
-              <a:rPr b="0" lang="de-CH" sz="800" spc="-1" strike="noStrike">
+              <a:rPr b="0" lang="de-CH" sz="800" strike="noStrike" u="none">
                 <a:solidFill>
                   <a:schemeClr val="lt1"/>
                 </a:solidFill>
+                <a:uFillTx/>
                 <a:latin typeface="Calibri"/>
               </a:rPr>
               <a:t>|</a:t>
             </a:r>
-            <a:endParaRPr b="0" lang="en-US" sz="800" spc="-1" strike="noStrike">
+            <a:endParaRPr b="0" lang="en-US" sz="800" strike="noStrike" u="none">
               <a:solidFill>
                 <a:srgbClr val="000000"/>
               </a:solidFill>
-              <a:latin typeface="Arial"/>
+              <a:uFillTx/>
+              <a:latin typeface="DejaVu Sans"/>
             </a:endParaRPr>
           </a:p>
         </p:txBody>
       </p:sp>
       <p:pic>
         <p:nvPicPr>
-          <p:cNvPr id="73" name="Εικόνα 2" descr=""/>
+          <p:cNvPr id="80" name="Εικόνα 2" descr=""/>
           <p:cNvPicPr/>
           <p:nvPr/>
         </p:nvPicPr>
@@ -5838,19 +6919,570 @@
         <p:spPr>
           <a:xfrm>
             <a:off x="7932960" y="0"/>
-            <a:ext cx="1202400" cy="1202400"/>
+            <a:ext cx="1201680" cy="1201680"/>
           </a:xfrm>
           <a:prstGeom prst="rect">
             <a:avLst/>
           </a:prstGeom>
+          <a:noFill/>
           <a:ln w="0">
             <a:noFill/>
           </a:ln>
         </p:spPr>
       </p:pic>
+      <p:grpSp>
+        <p:nvGrpSpPr>
+          <p:cNvPr id="81" name="Shape 52"/>
+          <p:cNvGrpSpPr/>
+          <p:nvPr/>
+        </p:nvGrpSpPr>
+        <p:grpSpPr>
+          <a:xfrm>
+            <a:off x="6172200" y="2656080"/>
+            <a:ext cx="2970000" cy="2885040"/>
+            <a:chOff x="6172200" y="2656080"/>
+            <a:chExt cx="2970000" cy="2885040"/>
+          </a:xfrm>
+        </p:grpSpPr>
+        <p:sp>
+          <p:nvSpPr>
+            <p:cNvPr id="82" name="Shape 53"/>
+            <p:cNvSpPr/>
+            <p:nvPr/>
+          </p:nvSpPr>
+          <p:spPr>
+            <a:xfrm flipH="1" rot="9208200">
+              <a:off x="6703920" y="4111920"/>
+              <a:ext cx="482400" cy="1202400"/>
+            </a:xfrm>
+            <a:prstGeom prst="flowChartManualInput">
+              <a:avLst/>
+            </a:prstGeom>
+            <a:solidFill>
+              <a:srgbClr val="4bb5d9"/>
+            </a:solidFill>
+            <a:ln w="0">
+              <a:noFill/>
+            </a:ln>
+          </p:spPr>
+          <p:style>
+            <a:lnRef idx="0"/>
+            <a:fillRef idx="0"/>
+            <a:effectRef idx="0"/>
+            <a:fontRef idx="minor"/>
+          </p:style>
+          <p:txBody>
+            <a:bodyPr lIns="90000" rIns="90000" tIns="91440" bIns="91440" anchor="ctr">
+              <a:noAutofit/>
+            </a:bodyPr>
+            <a:p>
+              <a:pPr defTabSz="914400">
+                <a:lnSpc>
+                  <a:spcPct val="100000"/>
+                </a:lnSpc>
+              </a:pPr>
+              <a:endParaRPr b="0" lang="en-US" sz="1800" strike="noStrike" u="none">
+                <a:solidFill>
+                  <a:schemeClr val="dk1"/>
+                </a:solidFill>
+                <a:uFillTx/>
+                <a:latin typeface="Calibri"/>
+              </a:endParaRPr>
+            </a:p>
+          </p:txBody>
+        </p:sp>
+        <p:sp>
+          <p:nvSpPr>
+            <p:cNvPr id="83" name="Shape 54"/>
+            <p:cNvSpPr/>
+            <p:nvPr/>
+          </p:nvSpPr>
+          <p:spPr>
+            <a:xfrm flipH="1" rot="9208200">
+              <a:off x="7801200" y="3279240"/>
+              <a:ext cx="876960" cy="2180520"/>
+            </a:xfrm>
+            <a:prstGeom prst="flowChartManualInput">
+              <a:avLst/>
+            </a:prstGeom>
+            <a:solidFill>
+              <a:srgbClr val="81d1ec"/>
+            </a:solidFill>
+            <a:ln w="0">
+              <a:noFill/>
+            </a:ln>
+          </p:spPr>
+          <p:style>
+            <a:lnRef idx="0"/>
+            <a:fillRef idx="0"/>
+            <a:effectRef idx="0"/>
+            <a:fontRef idx="minor"/>
+          </p:style>
+          <p:txBody>
+            <a:bodyPr lIns="90000" rIns="90000" tIns="91440" bIns="91440" anchor="ctr">
+              <a:noAutofit/>
+            </a:bodyPr>
+            <a:p>
+              <a:pPr defTabSz="914400">
+                <a:lnSpc>
+                  <a:spcPct val="100000"/>
+                </a:lnSpc>
+              </a:pPr>
+              <a:endParaRPr b="0" lang="en-US" sz="1800" strike="noStrike" u="none">
+                <a:solidFill>
+                  <a:schemeClr val="dk1"/>
+                </a:solidFill>
+                <a:uFillTx/>
+                <a:latin typeface="Calibri"/>
+              </a:endParaRPr>
+            </a:p>
+          </p:txBody>
+        </p:sp>
+        <p:sp>
+          <p:nvSpPr>
+            <p:cNvPr id="84" name="Shape 55"/>
+            <p:cNvSpPr/>
+            <p:nvPr/>
+          </p:nvSpPr>
+          <p:spPr>
+            <a:xfrm flipH="1" rot="9208200">
+              <a:off x="7477920" y="4278240"/>
+              <a:ext cx="408600" cy="1014120"/>
+            </a:xfrm>
+            <a:prstGeom prst="flowChartManualInput">
+              <a:avLst/>
+            </a:prstGeom>
+            <a:solidFill>
+              <a:srgbClr val="ff9900"/>
+            </a:solidFill>
+            <a:ln w="0">
+              <a:noFill/>
+            </a:ln>
+          </p:spPr>
+          <p:style>
+            <a:lnRef idx="0"/>
+            <a:fillRef idx="0"/>
+            <a:effectRef idx="0"/>
+            <a:fontRef idx="minor"/>
+          </p:style>
+          <p:txBody>
+            <a:bodyPr lIns="90000" rIns="90000" tIns="91440" bIns="91440" anchor="ctr">
+              <a:noAutofit/>
+            </a:bodyPr>
+            <a:p>
+              <a:pPr defTabSz="914400">
+                <a:lnSpc>
+                  <a:spcPct val="100000"/>
+                </a:lnSpc>
+              </a:pPr>
+              <a:endParaRPr b="0" lang="en-US" sz="1800" strike="noStrike" u="none">
+                <a:solidFill>
+                  <a:schemeClr val="dk1"/>
+                </a:solidFill>
+                <a:uFillTx/>
+                <a:latin typeface="Calibri"/>
+              </a:endParaRPr>
+            </a:p>
+          </p:txBody>
+        </p:sp>
+        <p:sp>
+          <p:nvSpPr>
+            <p:cNvPr id="85" name="Shape 56"/>
+            <p:cNvSpPr/>
+            <p:nvPr/>
+          </p:nvSpPr>
+          <p:spPr>
+            <a:xfrm flipH="1" rot="9208200">
+              <a:off x="6287040" y="4658760"/>
+              <a:ext cx="227880" cy="569160"/>
+            </a:xfrm>
+            <a:prstGeom prst="flowChartManualInput">
+              <a:avLst/>
+            </a:prstGeom>
+            <a:solidFill>
+              <a:srgbClr val="3796bf"/>
+            </a:solidFill>
+            <a:ln w="0">
+              <a:noFill/>
+            </a:ln>
+          </p:spPr>
+          <p:style>
+            <a:lnRef idx="0"/>
+            <a:fillRef idx="0"/>
+            <a:effectRef idx="0"/>
+            <a:fontRef idx="minor"/>
+          </p:style>
+          <p:txBody>
+            <a:bodyPr lIns="90000" rIns="90000" tIns="91440" bIns="91440" anchor="ctr">
+              <a:noAutofit/>
+            </a:bodyPr>
+            <a:p>
+              <a:pPr defTabSz="914400">
+                <a:lnSpc>
+                  <a:spcPct val="100000"/>
+                </a:lnSpc>
+              </a:pPr>
+              <a:endParaRPr b="0" lang="en-US" sz="1800" strike="noStrike" u="none">
+                <a:solidFill>
+                  <a:schemeClr val="dk1"/>
+                </a:solidFill>
+                <a:uFillTx/>
+                <a:latin typeface="Calibri"/>
+              </a:endParaRPr>
+            </a:p>
+          </p:txBody>
+        </p:sp>
+        <p:sp>
+          <p:nvSpPr>
+            <p:cNvPr id="86" name="Shape 57"/>
+            <p:cNvSpPr/>
+            <p:nvPr/>
+          </p:nvSpPr>
+          <p:spPr>
+            <a:xfrm>
+              <a:off x="8289360" y="2656080"/>
+              <a:ext cx="852840" cy="1927440"/>
+            </a:xfrm>
+            <a:custGeom>
+              <a:avLst/>
+              <a:gdLst>
+                <a:gd name="textAreaLeft" fmla="*/ 0 w 852840"/>
+                <a:gd name="textAreaRight" fmla="*/ 854280 w 852840"/>
+                <a:gd name="textAreaTop" fmla="*/ 0 h 1927440"/>
+                <a:gd name="textAreaBottom" fmla="*/ 1928880 h 1927440"/>
+              </a:gdLst>
+              <a:ahLst/>
+              <a:rect l="textAreaLeft" t="textAreaTop" r="textAreaRight" b="textAreaBottom"/>
+              <a:pathLst>
+                <a:path w="37596" h="84860">
+                  <a:moveTo>
+                    <a:pt x="19066" y="0"/>
+                  </a:moveTo>
+                  <a:lnTo>
+                    <a:pt x="0" y="9130"/>
+                  </a:lnTo>
+                  <a:lnTo>
+                    <a:pt x="37596" y="84860"/>
+                  </a:lnTo>
+                  <a:lnTo>
+                    <a:pt x="37596" y="37328"/>
+                  </a:lnTo>
+                  <a:close/>
+                </a:path>
+              </a:pathLst>
+            </a:custGeom>
+            <a:solidFill>
+              <a:srgbClr val="3796bf"/>
+            </a:solidFill>
+            <a:ln w="0">
+              <a:noFill/>
+            </a:ln>
+          </p:spPr>
+          <p:style>
+            <a:lnRef idx="0"/>
+            <a:fillRef idx="0"/>
+            <a:effectRef idx="0"/>
+            <a:fontRef idx="minor"/>
+          </p:style>
+          <p:txBody>
+            <a:bodyPr lIns="90000" rIns="90000" tIns="45000" bIns="45000" anchor="t">
+              <a:noAutofit/>
+            </a:bodyPr>
+            <a:p>
+              <a:pPr>
+                <a:lnSpc>
+                  <a:spcPct val="100000"/>
+                </a:lnSpc>
+              </a:pPr>
+              <a:endParaRPr b="0" lang="en-US" sz="1800" strike="noStrike" u="none">
+                <a:solidFill>
+                  <a:srgbClr val="ffffff"/>
+                </a:solidFill>
+                <a:uFillTx/>
+                <a:latin typeface="Arial"/>
+              </a:endParaRPr>
+            </a:p>
+          </p:txBody>
+        </p:sp>
+      </p:grpSp>
+      <p:grpSp>
+        <p:nvGrpSpPr>
+          <p:cNvPr id="87" name="Shape 58"/>
+          <p:cNvGrpSpPr/>
+          <p:nvPr/>
+        </p:nvGrpSpPr>
+        <p:grpSpPr>
+          <a:xfrm>
+            <a:off x="1800" y="-227160"/>
+            <a:ext cx="2157840" cy="1344960"/>
+            <a:chOff x="1800" y="-227160"/>
+            <a:chExt cx="2157840" cy="1344960"/>
+          </a:xfrm>
+        </p:grpSpPr>
+        <p:sp>
+          <p:nvSpPr>
+            <p:cNvPr id="88" name="Shape 59"/>
+            <p:cNvSpPr/>
+            <p:nvPr/>
+          </p:nvSpPr>
+          <p:spPr>
+            <a:xfrm flipH="1" rot="20008800">
+              <a:off x="1360080" y="-74520"/>
+              <a:ext cx="203400" cy="507960"/>
+            </a:xfrm>
+            <a:prstGeom prst="flowChartManualInput">
+              <a:avLst/>
+            </a:prstGeom>
+            <a:solidFill>
+              <a:srgbClr val="3796bf"/>
+            </a:solidFill>
+            <a:ln w="0">
+              <a:noFill/>
+            </a:ln>
+          </p:spPr>
+          <p:style>
+            <a:lnRef idx="0"/>
+            <a:fillRef idx="0"/>
+            <a:effectRef idx="0"/>
+            <a:fontRef idx="minor"/>
+          </p:style>
+          <p:txBody>
+            <a:bodyPr lIns="90000" rIns="90000" tIns="91440" bIns="91440" anchor="ctr">
+              <a:noAutofit/>
+            </a:bodyPr>
+            <a:p>
+              <a:pPr defTabSz="914400">
+                <a:lnSpc>
+                  <a:spcPct val="100000"/>
+                </a:lnSpc>
+              </a:pPr>
+              <a:endParaRPr b="0" lang="en-US" sz="1800" strike="noStrike" u="none">
+                <a:solidFill>
+                  <a:schemeClr val="dk1"/>
+                </a:solidFill>
+                <a:uFillTx/>
+                <a:latin typeface="Calibri"/>
+              </a:endParaRPr>
+            </a:p>
+          </p:txBody>
+        </p:sp>
+        <p:sp>
+          <p:nvSpPr>
+            <p:cNvPr id="89" name="Shape 60"/>
+            <p:cNvSpPr/>
+            <p:nvPr/>
+          </p:nvSpPr>
+          <p:spPr>
+            <a:xfrm flipH="1" rot="20008800">
+              <a:off x="236880" y="-163440"/>
+              <a:ext cx="433080" cy="1079280"/>
+            </a:xfrm>
+            <a:prstGeom prst="flowChartManualInput">
+              <a:avLst/>
+            </a:prstGeom>
+            <a:solidFill>
+              <a:srgbClr val="ff9900"/>
+            </a:solidFill>
+            <a:ln w="0">
+              <a:noFill/>
+            </a:ln>
+          </p:spPr>
+          <p:style>
+            <a:lnRef idx="0"/>
+            <a:fillRef idx="0"/>
+            <a:effectRef idx="0"/>
+            <a:fontRef idx="minor"/>
+          </p:style>
+          <p:txBody>
+            <a:bodyPr lIns="90000" rIns="90000" tIns="91440" bIns="91440" anchor="ctr">
+              <a:noAutofit/>
+            </a:bodyPr>
+            <a:p>
+              <a:pPr defTabSz="914400">
+                <a:lnSpc>
+                  <a:spcPct val="100000"/>
+                </a:lnSpc>
+              </a:pPr>
+              <a:endParaRPr b="0" lang="en-US" sz="1800" strike="noStrike" u="none">
+                <a:solidFill>
+                  <a:schemeClr val="dk1"/>
+                </a:solidFill>
+                <a:uFillTx/>
+                <a:latin typeface="Calibri"/>
+              </a:endParaRPr>
+            </a:p>
+          </p:txBody>
+        </p:sp>
+        <p:sp>
+          <p:nvSpPr>
+            <p:cNvPr id="90" name="Shape 61"/>
+            <p:cNvSpPr/>
+            <p:nvPr/>
+          </p:nvSpPr>
+          <p:spPr>
+            <a:xfrm flipH="1" rot="20008800">
+              <a:off x="890280" y="-180720"/>
+              <a:ext cx="502560" cy="1252440"/>
+            </a:xfrm>
+            <a:prstGeom prst="flowChartManualInput">
+              <a:avLst/>
+            </a:prstGeom>
+            <a:solidFill>
+              <a:srgbClr val="81d1ec"/>
+            </a:solidFill>
+            <a:ln w="0">
+              <a:noFill/>
+            </a:ln>
+          </p:spPr>
+          <p:style>
+            <a:lnRef idx="0"/>
+            <a:fillRef idx="0"/>
+            <a:effectRef idx="0"/>
+            <a:fontRef idx="minor"/>
+          </p:style>
+          <p:txBody>
+            <a:bodyPr lIns="90000" rIns="90000" tIns="91440" bIns="91440" anchor="ctr">
+              <a:noAutofit/>
+            </a:bodyPr>
+            <a:p>
+              <a:pPr defTabSz="914400">
+                <a:lnSpc>
+                  <a:spcPct val="100000"/>
+                </a:lnSpc>
+              </a:pPr>
+              <a:endParaRPr b="0" lang="en-US" sz="1800" strike="noStrike" u="none">
+                <a:solidFill>
+                  <a:schemeClr val="dk1"/>
+                </a:solidFill>
+                <a:uFillTx/>
+                <a:latin typeface="Calibri"/>
+              </a:endParaRPr>
+            </a:p>
+          </p:txBody>
+        </p:sp>
+        <p:sp>
+          <p:nvSpPr>
+            <p:cNvPr id="91" name="Shape 62"/>
+            <p:cNvSpPr/>
+            <p:nvPr/>
+          </p:nvSpPr>
+          <p:spPr>
+            <a:xfrm flipH="1" rot="20008800">
+              <a:off x="1816200" y="-87480"/>
+              <a:ext cx="227880" cy="569520"/>
+            </a:xfrm>
+            <a:prstGeom prst="flowChartManualInput">
+              <a:avLst/>
+            </a:prstGeom>
+            <a:solidFill>
+              <a:srgbClr val="4bb5d9"/>
+            </a:solidFill>
+            <a:ln w="0">
+              <a:noFill/>
+            </a:ln>
+          </p:spPr>
+          <p:style>
+            <a:lnRef idx="0"/>
+            <a:fillRef idx="0"/>
+            <a:effectRef idx="0"/>
+            <a:fontRef idx="minor"/>
+          </p:style>
+          <p:txBody>
+            <a:bodyPr lIns="90000" rIns="90000" tIns="91440" bIns="91440" anchor="ctr">
+              <a:noAutofit/>
+            </a:bodyPr>
+            <a:p>
+              <a:pPr defTabSz="914400">
+                <a:lnSpc>
+                  <a:spcPct val="100000"/>
+                </a:lnSpc>
+              </a:pPr>
+              <a:endParaRPr b="0" lang="en-US" sz="1800" strike="noStrike" u="none">
+                <a:solidFill>
+                  <a:schemeClr val="dk1"/>
+                </a:solidFill>
+                <a:uFillTx/>
+                <a:latin typeface="Calibri"/>
+              </a:endParaRPr>
+            </a:p>
+          </p:txBody>
+        </p:sp>
+        <p:sp>
+          <p:nvSpPr>
+            <p:cNvPr id="92" name="Shape 63"/>
+            <p:cNvSpPr/>
+            <p:nvPr/>
+          </p:nvSpPr>
+          <p:spPr>
+            <a:xfrm rot="10800000">
+              <a:off x="1800" y="60480"/>
+              <a:ext cx="378360" cy="856440"/>
+            </a:xfrm>
+            <a:custGeom>
+              <a:avLst/>
+              <a:gdLst>
+                <a:gd name="textAreaLeft" fmla="*/ 0 w 378360"/>
+                <a:gd name="textAreaRight" fmla="*/ 379800 w 378360"/>
+                <a:gd name="textAreaTop" fmla="*/ 0 h 856440"/>
+                <a:gd name="textAreaBottom" fmla="*/ 857880 h 856440"/>
+              </a:gdLst>
+              <a:ahLst/>
+              <a:rect l="textAreaLeft" t="textAreaTop" r="textAreaRight" b="textAreaBottom"/>
+              <a:pathLst>
+                <a:path w="37596" h="84860">
+                  <a:moveTo>
+                    <a:pt x="19066" y="0"/>
+                  </a:moveTo>
+                  <a:lnTo>
+                    <a:pt x="0" y="9130"/>
+                  </a:lnTo>
+                  <a:lnTo>
+                    <a:pt x="37596" y="84860"/>
+                  </a:lnTo>
+                  <a:lnTo>
+                    <a:pt x="37596" y="37328"/>
+                  </a:lnTo>
+                  <a:close/>
+                </a:path>
+              </a:pathLst>
+            </a:custGeom>
+            <a:solidFill>
+              <a:srgbClr val="4bb5d9"/>
+            </a:solidFill>
+            <a:ln w="0">
+              <a:noFill/>
+            </a:ln>
+          </p:spPr>
+          <p:style>
+            <a:lnRef idx="0"/>
+            <a:fillRef idx="0"/>
+            <a:effectRef idx="0"/>
+            <a:fontRef idx="minor"/>
+          </p:style>
+          <p:txBody>
+            <a:bodyPr lIns="90000" rIns="90000" tIns="45000" bIns="45000" anchor="t">
+              <a:noAutofit/>
+            </a:bodyPr>
+            <a:p>
+              <a:pPr>
+                <a:lnSpc>
+                  <a:spcPct val="100000"/>
+                </a:lnSpc>
+              </a:pPr>
+              <a:endParaRPr b="0" lang="en-US" sz="1800" strike="noStrike" u="none">
+                <a:solidFill>
+                  <a:srgbClr val="ffffff"/>
+                </a:solidFill>
+                <a:uFillTx/>
+                <a:latin typeface="Arial"/>
+              </a:endParaRPr>
+            </a:p>
+          </p:txBody>
+        </p:sp>
+      </p:grpSp>
       <p:sp>
         <p:nvSpPr>
-          <p:cNvPr id="74" name="PlaceHolder 1"/>
+          <p:cNvPr id="93" name="PlaceHolder 1"/>
           <p:cNvSpPr>
             <a:spLocks noGrp="1"/>
           </p:cNvSpPr>
@@ -5880,26 +7512,28 @@
               <a:buNone/>
             </a:pPr>
             <a:r>
-              <a:rPr b="0" lang="en-US" sz="1800" spc="-1" strike="noStrike">
+              <a:rPr b="0" lang="en-US" sz="1800" strike="noStrike" u="none">
                 <a:solidFill>
                   <a:srgbClr val="000000"/>
                 </a:solidFill>
-                <a:latin typeface="Arial"/>
+                <a:uFillTx/>
+                <a:latin typeface="DejaVu Sans"/>
               </a:rPr>
               <a:t>Click to edit the title text format</a:t>
             </a:r>
-            <a:endParaRPr b="0" lang="en-US" sz="1800" spc="-1" strike="noStrike">
+            <a:endParaRPr b="0" lang="en-US" sz="1800" strike="noStrike" u="none">
               <a:solidFill>
                 <a:srgbClr val="000000"/>
               </a:solidFill>
-              <a:latin typeface="Arial"/>
+              <a:uFillTx/>
+              <a:latin typeface="DejaVu Sans"/>
             </a:endParaRPr>
           </a:p>
         </p:txBody>
       </p:sp>
       <p:sp>
         <p:nvSpPr>
-          <p:cNvPr id="75" name="PlaceHolder 2"/>
+          <p:cNvPr id="94" name="PlaceHolder 2"/>
           <p:cNvSpPr>
             <a:spLocks noGrp="1"/>
           </p:cNvSpPr>
@@ -5937,19 +7571,21 @@
               <a:buChar char=""/>
             </a:pPr>
             <a:r>
-              <a:rPr b="0" lang="en-US" sz="1800" spc="-1" strike="noStrike">
+              <a:rPr b="0" lang="en-US" sz="1800" strike="noStrike" u="none">
                 <a:solidFill>
                   <a:srgbClr val="000000"/>
                 </a:solidFill>
-                <a:latin typeface="Arial"/>
+                <a:uFillTx/>
+                <a:latin typeface="DejaVu Sans"/>
               </a:rPr>
               <a:t>Click to edit the outline text format</a:t>
             </a:r>
-            <a:endParaRPr b="0" lang="en-US" sz="1800" spc="-1" strike="noStrike">
+            <a:endParaRPr b="0" lang="en-US" sz="1800" strike="noStrike" u="none">
               <a:solidFill>
                 <a:srgbClr val="000000"/>
               </a:solidFill>
-              <a:latin typeface="Arial"/>
+              <a:uFillTx/>
+              <a:latin typeface="DejaVu Sans"/>
             </a:endParaRPr>
           </a:p>
           <a:p>
@@ -5965,19 +7601,21 @@
               <a:buChar char=""/>
             </a:pPr>
             <a:r>
-              <a:rPr b="0" lang="en-US" sz="1800" spc="-1" strike="noStrike">
+              <a:rPr b="0" lang="en-US" sz="1800" strike="noStrike" u="none">
                 <a:solidFill>
                   <a:srgbClr val="000000"/>
                 </a:solidFill>
-                <a:latin typeface="Arial"/>
+                <a:uFillTx/>
+                <a:latin typeface="DejaVu Sans"/>
               </a:rPr>
               <a:t>Second Outline Level</a:t>
             </a:r>
-            <a:endParaRPr b="0" lang="en-US" sz="1800" spc="-1" strike="noStrike">
+            <a:endParaRPr b="0" lang="en-US" sz="1800" strike="noStrike" u="none">
               <a:solidFill>
                 <a:srgbClr val="000000"/>
               </a:solidFill>
-              <a:latin typeface="Arial"/>
+              <a:uFillTx/>
+              <a:latin typeface="DejaVu Sans"/>
             </a:endParaRPr>
           </a:p>
           <a:p>
@@ -5993,19 +7631,21 @@
               <a:buChar char=""/>
             </a:pPr>
             <a:r>
-              <a:rPr b="0" lang="en-US" sz="1800" spc="-1" strike="noStrike">
+              <a:rPr b="0" lang="en-US" sz="1800" strike="noStrike" u="none">
                 <a:solidFill>
                   <a:srgbClr val="000000"/>
                 </a:solidFill>
-                <a:latin typeface="Arial"/>
+                <a:uFillTx/>
+                <a:latin typeface="DejaVu Sans"/>
               </a:rPr>
               <a:t>Third Outline Level</a:t>
             </a:r>
-            <a:endParaRPr b="0" lang="en-US" sz="1800" spc="-1" strike="noStrike">
+            <a:endParaRPr b="0" lang="en-US" sz="1800" strike="noStrike" u="none">
               <a:solidFill>
                 <a:srgbClr val="000000"/>
               </a:solidFill>
-              <a:latin typeface="Arial"/>
+              <a:uFillTx/>
+              <a:latin typeface="DejaVu Sans"/>
             </a:endParaRPr>
           </a:p>
           <a:p>
@@ -6021,19 +7661,21 @@
               <a:buChar char=""/>
             </a:pPr>
             <a:r>
-              <a:rPr b="0" lang="en-US" sz="1800" spc="-1" strike="noStrike">
+              <a:rPr b="0" lang="en-US" sz="1800" strike="noStrike" u="none">
                 <a:solidFill>
                   <a:srgbClr val="000000"/>
                 </a:solidFill>
-                <a:latin typeface="Arial"/>
+                <a:uFillTx/>
+                <a:latin typeface="DejaVu Sans"/>
               </a:rPr>
               <a:t>Fourth Outline Level</a:t>
             </a:r>
-            <a:endParaRPr b="0" lang="en-US" sz="1800" spc="-1" strike="noStrike">
+            <a:endParaRPr b="0" lang="en-US" sz="1800" strike="noStrike" u="none">
               <a:solidFill>
                 <a:srgbClr val="000000"/>
               </a:solidFill>
-              <a:latin typeface="Arial"/>
+              <a:uFillTx/>
+              <a:latin typeface="DejaVu Sans"/>
             </a:endParaRPr>
           </a:p>
           <a:p>
@@ -6049,19 +7691,21 @@
               <a:buChar char=""/>
             </a:pPr>
             <a:r>
-              <a:rPr b="0" lang="en-US" sz="1800" spc="-1" strike="noStrike">
+              <a:rPr b="0" lang="en-US" sz="1800" strike="noStrike" u="none">
                 <a:solidFill>
                   <a:srgbClr val="000000"/>
                 </a:solidFill>
-                <a:latin typeface="Arial"/>
+                <a:uFillTx/>
+                <a:latin typeface="DejaVu Sans"/>
               </a:rPr>
               <a:t>Fifth Outline Level</a:t>
             </a:r>
-            <a:endParaRPr b="0" lang="en-US" sz="1800" spc="-1" strike="noStrike">
+            <a:endParaRPr b="0" lang="en-US" sz="1800" strike="noStrike" u="none">
               <a:solidFill>
                 <a:srgbClr val="000000"/>
               </a:solidFill>
-              <a:latin typeface="Arial"/>
+              <a:uFillTx/>
+              <a:latin typeface="DejaVu Sans"/>
             </a:endParaRPr>
           </a:p>
           <a:p>
@@ -6077,19 +7721,21 @@
               <a:buChar char=""/>
             </a:pPr>
             <a:r>
-              <a:rPr b="0" lang="en-US" sz="1800" spc="-1" strike="noStrike">
+              <a:rPr b="0" lang="en-US" sz="1800" strike="noStrike" u="none">
                 <a:solidFill>
                   <a:srgbClr val="000000"/>
                 </a:solidFill>
-                <a:latin typeface="Arial"/>
+                <a:uFillTx/>
+                <a:latin typeface="DejaVu Sans"/>
               </a:rPr>
               <a:t>Sixth Outline Level</a:t>
             </a:r>
-            <a:endParaRPr b="0" lang="en-US" sz="1800" spc="-1" strike="noStrike">
+            <a:endParaRPr b="0" lang="en-US" sz="1800" strike="noStrike" u="none">
               <a:solidFill>
                 <a:srgbClr val="000000"/>
               </a:solidFill>
-              <a:latin typeface="Arial"/>
+              <a:uFillTx/>
+              <a:latin typeface="DejaVu Sans"/>
             </a:endParaRPr>
           </a:p>
           <a:p>
@@ -6105,26 +7751,1092 @@
               <a:buChar char=""/>
             </a:pPr>
             <a:r>
-              <a:rPr b="0" lang="en-US" sz="1800" spc="-1" strike="noStrike">
+              <a:rPr b="0" lang="en-US" sz="1800" strike="noStrike" u="none">
                 <a:solidFill>
                   <a:srgbClr val="000000"/>
                 </a:solidFill>
-                <a:latin typeface="Arial"/>
+                <a:uFillTx/>
+                <a:latin typeface="DejaVu Sans"/>
               </a:rPr>
               <a:t>Seventh Outline Level</a:t>
             </a:r>
-            <a:endParaRPr b="0" lang="en-US" sz="1800" spc="-1" strike="noStrike">
+            <a:endParaRPr b="0" lang="en-US" sz="1800" strike="noStrike" u="none">
               <a:solidFill>
                 <a:srgbClr val="000000"/>
               </a:solidFill>
-              <a:latin typeface="Arial"/>
+              <a:uFillTx/>
+              <a:latin typeface="DejaVu Sans"/>
+            </a:endParaRPr>
+          </a:p>
+        </p:txBody>
+      </p:sp>
+    </p:spTree>
+  </p:cSld>
+  <p:clrMap bg1="lt1" tx1="dk1" bg2="lt2" tx2="dk2" accent1="accent1" accent2="accent2" accent3="accent3" accent4="accent4" accent5="accent5" accent6="accent6" hlink="hlink" folHlink="folHlink"/>
+  <p:sldLayoutIdLst>
+    <p:sldLayoutId id="2147483663" r:id="rId3"/>
+  </p:sldLayoutIdLst>
+</p:sldMaster>
+</file>
+
+<file path=ppt/slideMasters/slideMaster8.xml><?xml version="1.0" encoding="utf-8"?>
+<p:sldMaster xmlns:a="http://schemas.openxmlformats.org/drawingml/2006/main" xmlns:p="http://schemas.openxmlformats.org/presentationml/2006/main" xmlns:r="http://schemas.openxmlformats.org/officeDocument/2006/relationships" xmlns:p14="http://schemas.microsoft.com/office/powerpoint/2010/main" xmlns:p15="http://schemas.microsoft.com/office/powerpoint/2012/main" xmlns:mc="http://schemas.openxmlformats.org/markup-compatibility/2006">
+  <p:cSld>
+    <p:bg>
+      <p:bgPr>
+        <a:solidFill>
+          <a:srgbClr val="ffffff"/>
+        </a:solidFill>
+      </p:bgPr>
+    </p:bg>
+    <p:spTree>
+      <p:nvGrpSpPr>
+        <p:cNvPr id="1" name=""/>
+        <p:cNvGrpSpPr/>
+        <p:nvPr/>
+      </p:nvGrpSpPr>
+      <p:grpSpPr>
+        <a:xfrm>
+          <a:off x="0" y="0"/>
+          <a:ext cx="0" cy="0"/>
+          <a:chOff x="0" y="0"/>
+          <a:chExt cx="0" cy="0"/>
+        </a:xfrm>
+      </p:grpSpPr>
+      <p:sp>
+        <p:nvSpPr>
+          <p:cNvPr id="97" name="Textfeld 15"/>
+          <p:cNvSpPr/>
+          <p:nvPr/>
+        </p:nvSpPr>
+        <p:spPr>
+          <a:xfrm>
+            <a:off x="8711280" y="4803840"/>
+            <a:ext cx="107280" cy="307800"/>
+          </a:xfrm>
+          <a:prstGeom prst="rect">
+            <a:avLst/>
+          </a:prstGeom>
+          <a:noFill/>
+          <a:ln w="0">
+            <a:noFill/>
+          </a:ln>
+        </p:spPr>
+        <p:style>
+          <a:lnRef idx="0"/>
+          <a:fillRef idx="0"/>
+          <a:effectRef idx="0"/>
+          <a:fontRef idx="minor"/>
+        </p:style>
+        <p:txBody>
+          <a:bodyPr wrap="none" lIns="36000" rIns="36000" tIns="45000" bIns="45000" anchor="ctr">
+            <a:noAutofit/>
+          </a:bodyPr>
+          <a:p>
+            <a:pPr algn="ctr" defTabSz="914400">
+              <a:lnSpc>
+                <a:spcPct val="100000"/>
+              </a:lnSpc>
+            </a:pPr>
+            <a:r>
+              <a:rPr b="0" lang="de-CH" sz="800" strike="noStrike" u="none">
+                <a:solidFill>
+                  <a:schemeClr val="lt1"/>
+                </a:solidFill>
+                <a:uFillTx/>
+                <a:latin typeface="Calibri"/>
+              </a:rPr>
+              <a:t>|</a:t>
+            </a:r>
+            <a:endParaRPr b="0" lang="en-US" sz="800" strike="noStrike" u="none">
+              <a:solidFill>
+                <a:srgbClr val="000000"/>
+              </a:solidFill>
+              <a:uFillTx/>
+              <a:latin typeface="DejaVu Sans"/>
+            </a:endParaRPr>
+          </a:p>
+        </p:txBody>
+      </p:sp>
+      <p:pic>
+        <p:nvPicPr>
+          <p:cNvPr id="98" name="Εικόνα 2" descr=""/>
+          <p:cNvPicPr/>
+          <p:nvPr/>
+        </p:nvPicPr>
+        <p:blipFill>
+          <a:blip r:embed="rId2"/>
+          <a:stretch/>
+        </p:blipFill>
+        <p:spPr>
+          <a:xfrm>
+            <a:off x="7932960" y="0"/>
+            <a:ext cx="1201680" cy="1201680"/>
+          </a:xfrm>
+          <a:prstGeom prst="rect">
+            <a:avLst/>
+          </a:prstGeom>
+          <a:noFill/>
+          <a:ln w="0">
+            <a:noFill/>
+          </a:ln>
+        </p:spPr>
+      </p:pic>
+      <p:grpSp>
+        <p:nvGrpSpPr>
+          <p:cNvPr id="99" name="Shape 83"/>
+          <p:cNvGrpSpPr/>
+          <p:nvPr/>
+        </p:nvGrpSpPr>
+        <p:grpSpPr>
+          <a:xfrm>
+            <a:off x="6790680" y="3181680"/>
+            <a:ext cx="2351160" cy="2283480"/>
+            <a:chOff x="6790680" y="3181680"/>
+            <a:chExt cx="2351160" cy="2283480"/>
+          </a:xfrm>
+        </p:grpSpPr>
+        <p:sp>
+          <p:nvSpPr>
+            <p:cNvPr id="100" name="Shape 84"/>
+            <p:cNvSpPr/>
+            <p:nvPr/>
+          </p:nvSpPr>
+          <p:spPr>
+            <a:xfrm flipH="1" rot="9208200">
+              <a:off x="7212240" y="4334040"/>
+              <a:ext cx="381240" cy="950760"/>
+            </a:xfrm>
+            <a:prstGeom prst="flowChartManualInput">
+              <a:avLst/>
+            </a:prstGeom>
+            <a:solidFill>
+              <a:srgbClr val="4bb5d9"/>
+            </a:solidFill>
+            <a:ln w="0">
+              <a:noFill/>
+            </a:ln>
+          </p:spPr>
+          <p:style>
+            <a:lnRef idx="0"/>
+            <a:fillRef idx="0"/>
+            <a:effectRef idx="0"/>
+            <a:fontRef idx="minor"/>
+          </p:style>
+          <p:txBody>
+            <a:bodyPr lIns="90000" rIns="90000" tIns="91440" bIns="91440" anchor="ctr">
+              <a:noAutofit/>
+            </a:bodyPr>
+            <a:p>
+              <a:pPr defTabSz="914400">
+                <a:lnSpc>
+                  <a:spcPct val="100000"/>
+                </a:lnSpc>
+              </a:pPr>
+              <a:endParaRPr b="0" lang="en-US" sz="1800" strike="noStrike" u="none">
+                <a:solidFill>
+                  <a:schemeClr val="dk1"/>
+                </a:solidFill>
+                <a:uFillTx/>
+                <a:latin typeface="Calibri"/>
+              </a:endParaRPr>
+            </a:p>
+          </p:txBody>
+        </p:sp>
+        <p:sp>
+          <p:nvSpPr>
+            <p:cNvPr id="101" name="Shape 85"/>
+            <p:cNvSpPr/>
+            <p:nvPr/>
+          </p:nvSpPr>
+          <p:spPr>
+            <a:xfrm flipH="1" rot="9208200">
+              <a:off x="8082000" y="3675240"/>
+              <a:ext cx="693000" cy="1725840"/>
+            </a:xfrm>
+            <a:prstGeom prst="flowChartManualInput">
+              <a:avLst/>
+            </a:prstGeom>
+            <a:solidFill>
+              <a:srgbClr val="81d1ec"/>
+            </a:solidFill>
+            <a:ln w="0">
+              <a:noFill/>
+            </a:ln>
+          </p:spPr>
+          <p:style>
+            <a:lnRef idx="0"/>
+            <a:fillRef idx="0"/>
+            <a:effectRef idx="0"/>
+            <a:fontRef idx="minor"/>
+          </p:style>
+          <p:txBody>
+            <a:bodyPr lIns="90000" rIns="90000" tIns="91440" bIns="91440" anchor="ctr">
+              <a:noAutofit/>
+            </a:bodyPr>
+            <a:p>
+              <a:pPr defTabSz="914400">
+                <a:lnSpc>
+                  <a:spcPct val="100000"/>
+                </a:lnSpc>
+              </a:pPr>
+              <a:endParaRPr b="0" lang="en-US" sz="1800" strike="noStrike" u="none">
+                <a:solidFill>
+                  <a:schemeClr val="dk1"/>
+                </a:solidFill>
+                <a:uFillTx/>
+                <a:latin typeface="Calibri"/>
+              </a:endParaRPr>
+            </a:p>
+          </p:txBody>
+        </p:sp>
+        <p:sp>
+          <p:nvSpPr>
+            <p:cNvPr id="102" name="Shape 86"/>
+            <p:cNvSpPr/>
+            <p:nvPr/>
+          </p:nvSpPr>
+          <p:spPr>
+            <a:xfrm flipH="1" rot="9208200">
+              <a:off x="7824600" y="4465080"/>
+              <a:ext cx="323280" cy="802800"/>
+            </a:xfrm>
+            <a:prstGeom prst="flowChartManualInput">
+              <a:avLst/>
+            </a:prstGeom>
+            <a:solidFill>
+              <a:srgbClr val="ff9900"/>
+            </a:solidFill>
+            <a:ln w="0">
+              <a:noFill/>
+            </a:ln>
+          </p:spPr>
+          <p:style>
+            <a:lnRef idx="0"/>
+            <a:fillRef idx="0"/>
+            <a:effectRef idx="0"/>
+            <a:fontRef idx="minor"/>
+          </p:style>
+          <p:txBody>
+            <a:bodyPr lIns="90000" rIns="90000" tIns="91440" bIns="91440" anchor="ctr">
+              <a:noAutofit/>
+            </a:bodyPr>
+            <a:p>
+              <a:pPr defTabSz="914400">
+                <a:lnSpc>
+                  <a:spcPct val="100000"/>
+                </a:lnSpc>
+              </a:pPr>
+              <a:endParaRPr b="0" lang="en-US" sz="1800" strike="noStrike" u="none">
+                <a:solidFill>
+                  <a:schemeClr val="dk1"/>
+                </a:solidFill>
+                <a:uFillTx/>
+                <a:latin typeface="Calibri"/>
+              </a:endParaRPr>
+            </a:p>
+          </p:txBody>
+        </p:sp>
+        <p:sp>
+          <p:nvSpPr>
+            <p:cNvPr id="103" name="Shape 87"/>
+            <p:cNvSpPr/>
+            <p:nvPr/>
+          </p:nvSpPr>
+          <p:spPr>
+            <a:xfrm flipH="1" rot="9208200">
+              <a:off x="6881040" y="4767480"/>
+              <a:ext cx="180000" cy="450000"/>
+            </a:xfrm>
+            <a:prstGeom prst="flowChartManualInput">
+              <a:avLst/>
+            </a:prstGeom>
+            <a:solidFill>
+              <a:srgbClr val="3796bf"/>
+            </a:solidFill>
+            <a:ln w="0">
+              <a:noFill/>
+            </a:ln>
+          </p:spPr>
+          <p:style>
+            <a:lnRef idx="0"/>
+            <a:fillRef idx="0"/>
+            <a:effectRef idx="0"/>
+            <a:fontRef idx="minor"/>
+          </p:style>
+          <p:txBody>
+            <a:bodyPr lIns="90000" rIns="90000" tIns="91440" bIns="91440" anchor="ctr">
+              <a:noAutofit/>
+            </a:bodyPr>
+            <a:p>
+              <a:pPr defTabSz="914400">
+                <a:lnSpc>
+                  <a:spcPct val="100000"/>
+                </a:lnSpc>
+              </a:pPr>
+              <a:endParaRPr b="0" lang="en-US" sz="1800" strike="noStrike" u="none">
+                <a:solidFill>
+                  <a:schemeClr val="dk1"/>
+                </a:solidFill>
+                <a:uFillTx/>
+                <a:latin typeface="Calibri"/>
+              </a:endParaRPr>
+            </a:p>
+          </p:txBody>
+        </p:sp>
+        <p:sp>
+          <p:nvSpPr>
+            <p:cNvPr id="104" name="Shape 88"/>
+            <p:cNvSpPr/>
+            <p:nvPr/>
+          </p:nvSpPr>
+          <p:spPr>
+            <a:xfrm>
+              <a:off x="8467200" y="3181680"/>
+              <a:ext cx="674640" cy="1524960"/>
+            </a:xfrm>
+            <a:custGeom>
+              <a:avLst/>
+              <a:gdLst>
+                <a:gd name="textAreaLeft" fmla="*/ 0 w 674640"/>
+                <a:gd name="textAreaRight" fmla="*/ 676080 w 674640"/>
+                <a:gd name="textAreaTop" fmla="*/ 0 h 1524960"/>
+                <a:gd name="textAreaBottom" fmla="*/ 1526400 h 1524960"/>
+              </a:gdLst>
+              <a:ahLst/>
+              <a:rect l="textAreaLeft" t="textAreaTop" r="textAreaRight" b="textAreaBottom"/>
+              <a:pathLst>
+                <a:path w="37596" h="84860">
+                  <a:moveTo>
+                    <a:pt x="19066" y="0"/>
+                  </a:moveTo>
+                  <a:lnTo>
+                    <a:pt x="0" y="9130"/>
+                  </a:lnTo>
+                  <a:lnTo>
+                    <a:pt x="37596" y="84860"/>
+                  </a:lnTo>
+                  <a:lnTo>
+                    <a:pt x="37596" y="37328"/>
+                  </a:lnTo>
+                  <a:close/>
+                </a:path>
+              </a:pathLst>
+            </a:custGeom>
+            <a:solidFill>
+              <a:srgbClr val="3796bf"/>
+            </a:solidFill>
+            <a:ln w="0">
+              <a:noFill/>
+            </a:ln>
+          </p:spPr>
+          <p:style>
+            <a:lnRef idx="0"/>
+            <a:fillRef idx="0"/>
+            <a:effectRef idx="0"/>
+            <a:fontRef idx="minor"/>
+          </p:style>
+          <p:txBody>
+            <a:bodyPr lIns="90000" rIns="90000" tIns="45000" bIns="45000" anchor="t">
+              <a:noAutofit/>
+            </a:bodyPr>
+            <a:p>
+              <a:pPr>
+                <a:lnSpc>
+                  <a:spcPct val="100000"/>
+                </a:lnSpc>
+              </a:pPr>
+              <a:endParaRPr b="0" lang="en-US" sz="1800" strike="noStrike" u="none">
+                <a:solidFill>
+                  <a:srgbClr val="ffffff"/>
+                </a:solidFill>
+                <a:uFillTx/>
+                <a:latin typeface="Arial"/>
+              </a:endParaRPr>
+            </a:p>
+          </p:txBody>
+        </p:sp>
+      </p:grpSp>
+      <p:grpSp>
+        <p:nvGrpSpPr>
+          <p:cNvPr id="105" name="Shape 89"/>
+          <p:cNvGrpSpPr/>
+          <p:nvPr/>
+        </p:nvGrpSpPr>
+        <p:grpSpPr>
+          <a:xfrm>
+            <a:off x="1800" y="-227160"/>
+            <a:ext cx="2157840" cy="1344960"/>
+            <a:chOff x="1800" y="-227160"/>
+            <a:chExt cx="2157840" cy="1344960"/>
+          </a:xfrm>
+        </p:grpSpPr>
+        <p:sp>
+          <p:nvSpPr>
+            <p:cNvPr id="106" name="Shape 90"/>
+            <p:cNvSpPr/>
+            <p:nvPr/>
+          </p:nvSpPr>
+          <p:spPr>
+            <a:xfrm flipH="1" rot="20008800">
+              <a:off x="1360080" y="-74520"/>
+              <a:ext cx="203400" cy="507960"/>
+            </a:xfrm>
+            <a:prstGeom prst="flowChartManualInput">
+              <a:avLst/>
+            </a:prstGeom>
+            <a:solidFill>
+              <a:srgbClr val="3796bf"/>
+            </a:solidFill>
+            <a:ln w="0">
+              <a:noFill/>
+            </a:ln>
+          </p:spPr>
+          <p:style>
+            <a:lnRef idx="0"/>
+            <a:fillRef idx="0"/>
+            <a:effectRef idx="0"/>
+            <a:fontRef idx="minor"/>
+          </p:style>
+          <p:txBody>
+            <a:bodyPr lIns="90000" rIns="90000" tIns="91440" bIns="91440" anchor="ctr">
+              <a:noAutofit/>
+            </a:bodyPr>
+            <a:p>
+              <a:pPr defTabSz="914400">
+                <a:lnSpc>
+                  <a:spcPct val="100000"/>
+                </a:lnSpc>
+              </a:pPr>
+              <a:endParaRPr b="0" lang="en-US" sz="1800" strike="noStrike" u="none">
+                <a:solidFill>
+                  <a:schemeClr val="dk1"/>
+                </a:solidFill>
+                <a:uFillTx/>
+                <a:latin typeface="Calibri"/>
+              </a:endParaRPr>
+            </a:p>
+          </p:txBody>
+        </p:sp>
+        <p:sp>
+          <p:nvSpPr>
+            <p:cNvPr id="107" name="Shape 91"/>
+            <p:cNvSpPr/>
+            <p:nvPr/>
+          </p:nvSpPr>
+          <p:spPr>
+            <a:xfrm flipH="1" rot="20008800">
+              <a:off x="236880" y="-163440"/>
+              <a:ext cx="433080" cy="1079280"/>
+            </a:xfrm>
+            <a:prstGeom prst="flowChartManualInput">
+              <a:avLst/>
+            </a:prstGeom>
+            <a:solidFill>
+              <a:srgbClr val="ff9900"/>
+            </a:solidFill>
+            <a:ln w="0">
+              <a:noFill/>
+            </a:ln>
+          </p:spPr>
+          <p:style>
+            <a:lnRef idx="0"/>
+            <a:fillRef idx="0"/>
+            <a:effectRef idx="0"/>
+            <a:fontRef idx="minor"/>
+          </p:style>
+          <p:txBody>
+            <a:bodyPr lIns="90000" rIns="90000" tIns="91440" bIns="91440" anchor="ctr">
+              <a:noAutofit/>
+            </a:bodyPr>
+            <a:p>
+              <a:pPr defTabSz="914400">
+                <a:lnSpc>
+                  <a:spcPct val="100000"/>
+                </a:lnSpc>
+              </a:pPr>
+              <a:endParaRPr b="0" lang="en-US" sz="1800" strike="noStrike" u="none">
+                <a:solidFill>
+                  <a:schemeClr val="dk1"/>
+                </a:solidFill>
+                <a:uFillTx/>
+                <a:latin typeface="Calibri"/>
+              </a:endParaRPr>
+            </a:p>
+          </p:txBody>
+        </p:sp>
+        <p:sp>
+          <p:nvSpPr>
+            <p:cNvPr id="108" name="Shape 92"/>
+            <p:cNvSpPr/>
+            <p:nvPr/>
+          </p:nvSpPr>
+          <p:spPr>
+            <a:xfrm flipH="1" rot="20008800">
+              <a:off x="890280" y="-180720"/>
+              <a:ext cx="502560" cy="1252440"/>
+            </a:xfrm>
+            <a:prstGeom prst="flowChartManualInput">
+              <a:avLst/>
+            </a:prstGeom>
+            <a:solidFill>
+              <a:srgbClr val="81d1ec"/>
+            </a:solidFill>
+            <a:ln w="0">
+              <a:noFill/>
+            </a:ln>
+          </p:spPr>
+          <p:style>
+            <a:lnRef idx="0"/>
+            <a:fillRef idx="0"/>
+            <a:effectRef idx="0"/>
+            <a:fontRef idx="minor"/>
+          </p:style>
+          <p:txBody>
+            <a:bodyPr lIns="90000" rIns="90000" tIns="91440" bIns="91440" anchor="ctr">
+              <a:noAutofit/>
+            </a:bodyPr>
+            <a:p>
+              <a:pPr defTabSz="914400">
+                <a:lnSpc>
+                  <a:spcPct val="100000"/>
+                </a:lnSpc>
+              </a:pPr>
+              <a:endParaRPr b="0" lang="en-US" sz="1800" strike="noStrike" u="none">
+                <a:solidFill>
+                  <a:schemeClr val="dk1"/>
+                </a:solidFill>
+                <a:uFillTx/>
+                <a:latin typeface="Calibri"/>
+              </a:endParaRPr>
+            </a:p>
+          </p:txBody>
+        </p:sp>
+        <p:sp>
+          <p:nvSpPr>
+            <p:cNvPr id="109" name="Shape 93"/>
+            <p:cNvSpPr/>
+            <p:nvPr/>
+          </p:nvSpPr>
+          <p:spPr>
+            <a:xfrm flipH="1" rot="20008800">
+              <a:off x="1816200" y="-87480"/>
+              <a:ext cx="227880" cy="569520"/>
+            </a:xfrm>
+            <a:prstGeom prst="flowChartManualInput">
+              <a:avLst/>
+            </a:prstGeom>
+            <a:solidFill>
+              <a:srgbClr val="4bb5d9"/>
+            </a:solidFill>
+            <a:ln w="0">
+              <a:noFill/>
+            </a:ln>
+          </p:spPr>
+          <p:style>
+            <a:lnRef idx="0"/>
+            <a:fillRef idx="0"/>
+            <a:effectRef idx="0"/>
+            <a:fontRef idx="minor"/>
+          </p:style>
+          <p:txBody>
+            <a:bodyPr lIns="90000" rIns="90000" tIns="91440" bIns="91440" anchor="ctr">
+              <a:noAutofit/>
+            </a:bodyPr>
+            <a:p>
+              <a:pPr defTabSz="914400">
+                <a:lnSpc>
+                  <a:spcPct val="100000"/>
+                </a:lnSpc>
+              </a:pPr>
+              <a:endParaRPr b="0" lang="en-US" sz="1800" strike="noStrike" u="none">
+                <a:solidFill>
+                  <a:schemeClr val="dk1"/>
+                </a:solidFill>
+                <a:uFillTx/>
+                <a:latin typeface="Calibri"/>
+              </a:endParaRPr>
+            </a:p>
+          </p:txBody>
+        </p:sp>
+        <p:sp>
+          <p:nvSpPr>
+            <p:cNvPr id="110" name="Shape 94"/>
+            <p:cNvSpPr/>
+            <p:nvPr/>
+          </p:nvSpPr>
+          <p:spPr>
+            <a:xfrm rot="10800000">
+              <a:off x="1800" y="60480"/>
+              <a:ext cx="378360" cy="856440"/>
+            </a:xfrm>
+            <a:custGeom>
+              <a:avLst/>
+              <a:gdLst>
+                <a:gd name="textAreaLeft" fmla="*/ 0 w 378360"/>
+                <a:gd name="textAreaRight" fmla="*/ 379800 w 378360"/>
+                <a:gd name="textAreaTop" fmla="*/ 0 h 856440"/>
+                <a:gd name="textAreaBottom" fmla="*/ 857880 h 856440"/>
+              </a:gdLst>
+              <a:ahLst/>
+              <a:rect l="textAreaLeft" t="textAreaTop" r="textAreaRight" b="textAreaBottom"/>
+              <a:pathLst>
+                <a:path w="37596" h="84860">
+                  <a:moveTo>
+                    <a:pt x="19066" y="0"/>
+                  </a:moveTo>
+                  <a:lnTo>
+                    <a:pt x="0" y="9130"/>
+                  </a:lnTo>
+                  <a:lnTo>
+                    <a:pt x="37596" y="84860"/>
+                  </a:lnTo>
+                  <a:lnTo>
+                    <a:pt x="37596" y="37328"/>
+                  </a:lnTo>
+                  <a:close/>
+                </a:path>
+              </a:pathLst>
+            </a:custGeom>
+            <a:solidFill>
+              <a:srgbClr val="4bb5d9"/>
+            </a:solidFill>
+            <a:ln w="0">
+              <a:noFill/>
+            </a:ln>
+          </p:spPr>
+          <p:style>
+            <a:lnRef idx="0"/>
+            <a:fillRef idx="0"/>
+            <a:effectRef idx="0"/>
+            <a:fontRef idx="minor"/>
+          </p:style>
+          <p:txBody>
+            <a:bodyPr lIns="90000" rIns="90000" tIns="45000" bIns="45000" anchor="t">
+              <a:noAutofit/>
+            </a:bodyPr>
+            <a:p>
+              <a:pPr>
+                <a:lnSpc>
+                  <a:spcPct val="100000"/>
+                </a:lnSpc>
+              </a:pPr>
+              <a:endParaRPr b="0" lang="en-US" sz="1800" strike="noStrike" u="none">
+                <a:solidFill>
+                  <a:srgbClr val="ffffff"/>
+                </a:solidFill>
+                <a:uFillTx/>
+                <a:latin typeface="Arial"/>
+              </a:endParaRPr>
+            </a:p>
+          </p:txBody>
+        </p:sp>
+      </p:grpSp>
+    </p:spTree>
+  </p:cSld>
+  <p:clrMap bg1="lt1" tx1="dk1" bg2="lt2" tx2="dk2" accent1="accent1" accent2="accent2" accent3="accent3" accent4="accent4" accent5="accent5" accent6="accent6" hlink="hlink" folHlink="folHlink"/>
+  <p:sldLayoutIdLst>
+    <p:sldLayoutId id="2147483665" r:id="rId3"/>
+  </p:sldLayoutIdLst>
+</p:sldMaster>
+</file>
+
+<file path=ppt/slideMasters/slideMaster9.xml><?xml version="1.0" encoding="utf-8"?>
+<p:sldMaster xmlns:a="http://schemas.openxmlformats.org/drawingml/2006/main" xmlns:p="http://schemas.openxmlformats.org/presentationml/2006/main" xmlns:r="http://schemas.openxmlformats.org/officeDocument/2006/relationships" xmlns:p14="http://schemas.microsoft.com/office/powerpoint/2010/main" xmlns:p15="http://schemas.microsoft.com/office/powerpoint/2012/main" xmlns:mc="http://schemas.openxmlformats.org/markup-compatibility/2006">
+  <p:cSld>
+    <p:bg>
+      <p:bgPr>
+        <a:solidFill>
+          <a:srgbClr val="ffffff"/>
+        </a:solidFill>
+      </p:bgPr>
+    </p:bg>
+    <p:spTree>
+      <p:nvGrpSpPr>
+        <p:cNvPr id="1" name=""/>
+        <p:cNvGrpSpPr/>
+        <p:nvPr/>
+      </p:nvGrpSpPr>
+      <p:grpSpPr>
+        <a:xfrm>
+          <a:off x="0" y="0"/>
+          <a:ext cx="0" cy="0"/>
+          <a:chOff x="0" y="0"/>
+          <a:chExt cx="0" cy="0"/>
+        </a:xfrm>
+      </p:grpSpPr>
+      <p:sp>
+        <p:nvSpPr>
+          <p:cNvPr id="111" name="Textfeld 15"/>
+          <p:cNvSpPr/>
+          <p:nvPr/>
+        </p:nvSpPr>
+        <p:spPr>
+          <a:xfrm>
+            <a:off x="8711280" y="4803840"/>
+            <a:ext cx="107280" cy="307800"/>
+          </a:xfrm>
+          <a:prstGeom prst="rect">
+            <a:avLst/>
+          </a:prstGeom>
+          <a:noFill/>
+          <a:ln w="0">
+            <a:noFill/>
+          </a:ln>
+        </p:spPr>
+        <p:style>
+          <a:lnRef idx="0"/>
+          <a:fillRef idx="0"/>
+          <a:effectRef idx="0"/>
+          <a:fontRef idx="minor"/>
+        </p:style>
+        <p:txBody>
+          <a:bodyPr wrap="none" lIns="36000" rIns="36000" tIns="45000" bIns="45000" anchor="ctr">
+            <a:noAutofit/>
+          </a:bodyPr>
+          <a:p>
+            <a:pPr algn="ctr" defTabSz="914400">
+              <a:lnSpc>
+                <a:spcPct val="100000"/>
+              </a:lnSpc>
+            </a:pPr>
+            <a:r>
+              <a:rPr b="0" lang="de-CH" sz="800" strike="noStrike" u="none">
+                <a:solidFill>
+                  <a:schemeClr val="lt1"/>
+                </a:solidFill>
+                <a:uFillTx/>
+                <a:latin typeface="Calibri"/>
+              </a:rPr>
+              <a:t>|</a:t>
+            </a:r>
+            <a:endParaRPr b="0" lang="en-US" sz="800" strike="noStrike" u="none">
+              <a:solidFill>
+                <a:srgbClr val="000000"/>
+              </a:solidFill>
+              <a:uFillTx/>
+              <a:latin typeface="DejaVu Sans"/>
+            </a:endParaRPr>
+          </a:p>
+        </p:txBody>
+      </p:sp>
+      <p:pic>
+        <p:nvPicPr>
+          <p:cNvPr id="112" name="Εικόνα 2" descr=""/>
+          <p:cNvPicPr/>
+          <p:nvPr/>
+        </p:nvPicPr>
+        <p:blipFill>
+          <a:blip r:embed="rId2"/>
+          <a:stretch/>
+        </p:blipFill>
+        <p:spPr>
+          <a:xfrm>
+            <a:off x="7932960" y="0"/>
+            <a:ext cx="1201680" cy="1201680"/>
+          </a:xfrm>
+          <a:prstGeom prst="rect">
+            <a:avLst/>
+          </a:prstGeom>
+          <a:noFill/>
+          <a:ln w="0">
+            <a:noFill/>
+          </a:ln>
+        </p:spPr>
+      </p:pic>
+      <p:sp>
+        <p:nvSpPr>
+          <p:cNvPr id="113" name="PlaceHolder 1"/>
+          <p:cNvSpPr>
+            <a:spLocks noGrp="1"/>
+          </p:cNvSpPr>
+          <p:nvPr>
+            <p:ph type="title"/>
+          </p:nvPr>
+        </p:nvSpPr>
+        <p:spPr>
+          <a:xfrm>
+            <a:off x="457200" y="205200"/>
+            <a:ext cx="8228880" cy="858240"/>
+          </a:xfrm>
+          <a:prstGeom prst="rect">
+            <a:avLst/>
+          </a:prstGeom>
+          <a:noFill/>
+          <a:ln w="0">
+            <a:noFill/>
+          </a:ln>
+        </p:spPr>
+        <p:txBody>
+          <a:bodyPr lIns="0" rIns="0" tIns="0" bIns="0" anchor="ctr">
+            <a:noAutofit/>
+          </a:bodyPr>
+          <a:p>
+            <a:pPr indent="0">
+              <a:buNone/>
+            </a:pPr>
+            <a:r>
+              <a:rPr b="0" lang="en-US" sz="1800" strike="noStrike" u="none">
+                <a:solidFill>
+                  <a:srgbClr val="000000"/>
+                </a:solidFill>
+                <a:uFillTx/>
+                <a:latin typeface="DejaVu Sans"/>
+              </a:rPr>
+              <a:t>Click to edit the title text format</a:t>
+            </a:r>
+            <a:endParaRPr b="0" lang="en-US" sz="1800" strike="noStrike" u="none">
+              <a:solidFill>
+                <a:srgbClr val="000000"/>
+              </a:solidFill>
+              <a:uFillTx/>
+              <a:latin typeface="DejaVu Sans"/>
             </a:endParaRPr>
           </a:p>
         </p:txBody>
       </p:sp>
       <p:sp>
         <p:nvSpPr>
-          <p:cNvPr id="76" name="PlaceHolder 3"/>
+          <p:cNvPr id="114" name="PlaceHolder 2"/>
+          <p:cNvSpPr>
+            <a:spLocks noGrp="1"/>
+          </p:cNvSpPr>
+          <p:nvPr>
+            <p:ph type="body"/>
+          </p:nvPr>
+        </p:nvSpPr>
+        <p:spPr>
+          <a:xfrm>
+            <a:off x="457200" y="1203480"/>
+            <a:ext cx="8228880" cy="2982600"/>
+          </a:xfrm>
+          <a:prstGeom prst="rect">
+            <a:avLst/>
+          </a:prstGeom>
+          <a:noFill/>
+          <a:ln w="0">
+            <a:noFill/>
+          </a:ln>
+        </p:spPr>
+        <p:txBody>
+          <a:bodyPr lIns="0" rIns="0" tIns="0" bIns="0" anchor="t">
+            <a:normAutofit/>
+          </a:bodyPr>
+          <a:p>
+            <a:pPr marL="432000" indent="-324000">
+              <a:spcBef>
+                <a:spcPts val="1417"/>
+              </a:spcBef>
+              <a:buClr>
+                <a:srgbClr val="000000"/>
+              </a:buClr>
+              <a:buSzPct val="45000"/>
+              <a:buFont typeface="Wingdings" charset="2"/>
+              <a:buChar char=""/>
+            </a:pPr>
+            <a:r>
+              <a:rPr b="0" lang="en-US" sz="1800" strike="noStrike" u="none">
+                <a:solidFill>
+                  <a:srgbClr val="000000"/>
+                </a:solidFill>
+                <a:uFillTx/>
+                <a:latin typeface="DejaVu Sans"/>
+              </a:rPr>
+              <a:t>Click to edit the outline text format</a:t>
+            </a:r>
+            <a:endParaRPr b="0" lang="en-US" sz="1800" strike="noStrike" u="none">
+              <a:solidFill>
+                <a:srgbClr val="000000"/>
+              </a:solidFill>
+              <a:uFillTx/>
+              <a:latin typeface="DejaVu Sans"/>
+            </a:endParaRPr>
+          </a:p>
+          <a:p>
+            <a:pPr lvl="1" marL="864000" indent="-324000">
+              <a:spcBef>
+                <a:spcPts val="1134"/>
+              </a:spcBef>
+              <a:buClr>
+                <a:srgbClr val="000000"/>
+              </a:buClr>
+              <a:buSzPct val="75000"/>
+              <a:buFont typeface="Symbol" charset="2"/>
+              <a:buChar char=""/>
+            </a:pPr>
+            <a:r>
+              <a:rPr b="0" lang="en-US" sz="1800" strike="noStrike" u="none">
+                <a:solidFill>
+                  <a:srgbClr val="000000"/>
+                </a:solidFill>
+                <a:uFillTx/>
+                <a:latin typeface="DejaVu Sans"/>
+              </a:rPr>
+              <a:t>Second Outline Level</a:t>
+            </a:r>
+            <a:endParaRPr b="0" lang="en-US" sz="1800" strike="noStrike" u="none">
+              <a:solidFill>
+                <a:srgbClr val="000000"/>
+              </a:solidFill>
+              <a:uFillTx/>
+              <a:latin typeface="DejaVu Sans"/>
+            </a:endParaRPr>
+          </a:p>
+          <a:p>
+            <a:pPr lvl="2" marL="1296000" indent="-288000">
+              <a:spcBef>
+                <a:spcPts val="850"/>
+              </a:spcBef>
+              <a:buClr>
+                <a:srgbClr val="000000"/>
+              </a:buClr>
+              <a:buSzPct val="45000"/>
+              <a:buFont typeface="Wingdings" charset="2"/>
+              <a:buChar char=""/>
+            </a:pPr>
+            <a:r>
+              <a:rPr b="0" lang="en-US" sz="1800" strike="noStrike" u="none">
+                <a:solidFill>
+                  <a:srgbClr val="000000"/>
+                </a:solidFill>
+                <a:uFillTx/>
+                <a:latin typeface="DejaVu Sans"/>
+              </a:rPr>
+              <a:t>Third Outline Level</a:t>
+            </a:r>
+            <a:endParaRPr b="0" lang="en-US" sz="1800" strike="noStrike" u="none">
+              <a:solidFill>
+                <a:srgbClr val="000000"/>
+              </a:solidFill>
+              <a:uFillTx/>
+              <a:latin typeface="DejaVu Sans"/>
+            </a:endParaRPr>
+          </a:p>
+          <a:p>
+            <a:pPr lvl="3" marL="1728000" indent="-216000">
+              <a:spcBef>
+                <a:spcPts val="567"/>
+              </a:spcBef>
+              <a:buClr>
+                <a:srgbClr val="000000"/>
+              </a:buClr>
+              <a:buSzPct val="75000"/>
+              <a:buFont typeface="Symbol" charset="2"/>
+              <a:buChar char=""/>
+            </a:pPr>
+            <a:r>
+              <a:rPr b="0" lang="en-US" sz="1800" strike="noStrike" u="none">
+                <a:solidFill>
+                  <a:srgbClr val="000000"/>
+                </a:solidFill>
+                <a:uFillTx/>
+                <a:latin typeface="DejaVu Sans"/>
+              </a:rPr>
+              <a:t>Fourth Outline Level</a:t>
+            </a:r>
+            <a:endParaRPr b="0" lang="en-US" sz="1800" strike="noStrike" u="none">
+              <a:solidFill>
+                <a:srgbClr val="000000"/>
+              </a:solidFill>
+              <a:uFillTx/>
+              <a:latin typeface="DejaVu Sans"/>
+            </a:endParaRPr>
+          </a:p>
+          <a:p>
+            <a:pPr lvl="4" marL="2160000" indent="-216000">
+              <a:spcBef>
+                <a:spcPts val="283"/>
+              </a:spcBef>
+              <a:buClr>
+                <a:srgbClr val="000000"/>
+              </a:buClr>
+              <a:buSzPct val="45000"/>
+              <a:buFont typeface="Wingdings" charset="2"/>
+              <a:buChar char=""/>
+            </a:pPr>
+            <a:r>
+              <a:rPr b="0" lang="en-US" sz="1800" strike="noStrike" u="none">
+                <a:solidFill>
+                  <a:srgbClr val="000000"/>
+                </a:solidFill>
+                <a:uFillTx/>
+                <a:latin typeface="DejaVu Sans"/>
+              </a:rPr>
+              <a:t>Fifth Outline Level</a:t>
+            </a:r>
+            <a:endParaRPr b="0" lang="en-US" sz="1800" strike="noStrike" u="none">
+              <a:solidFill>
+                <a:srgbClr val="000000"/>
+              </a:solidFill>
+              <a:uFillTx/>
+              <a:latin typeface="DejaVu Sans"/>
+            </a:endParaRPr>
+          </a:p>
+          <a:p>
+            <a:pPr lvl="5" marL="2592000" indent="-216000">
+              <a:spcBef>
+                <a:spcPts val="283"/>
+              </a:spcBef>
+              <a:buClr>
+                <a:srgbClr val="000000"/>
+              </a:buClr>
+              <a:buSzPct val="45000"/>
+              <a:buFont typeface="Wingdings" charset="2"/>
+              <a:buChar char=""/>
+            </a:pPr>
+            <a:r>
+              <a:rPr b="0" lang="en-US" sz="1800" strike="noStrike" u="none">
+                <a:solidFill>
+                  <a:srgbClr val="000000"/>
+                </a:solidFill>
+                <a:uFillTx/>
+                <a:latin typeface="DejaVu Sans"/>
+              </a:rPr>
+              <a:t>Sixth Outline Level</a:t>
+            </a:r>
+            <a:endParaRPr b="0" lang="en-US" sz="1800" strike="noStrike" u="none">
+              <a:solidFill>
+                <a:srgbClr val="000000"/>
+              </a:solidFill>
+              <a:uFillTx/>
+              <a:latin typeface="DejaVu Sans"/>
+            </a:endParaRPr>
+          </a:p>
+          <a:p>
+            <a:pPr lvl="6" marL="3024000" indent="-216000">
+              <a:spcBef>
+                <a:spcPts val="283"/>
+              </a:spcBef>
+              <a:buClr>
+                <a:srgbClr val="000000"/>
+              </a:buClr>
+              <a:buSzPct val="45000"/>
+              <a:buFont typeface="Wingdings" charset="2"/>
+              <a:buChar char=""/>
+            </a:pPr>
+            <a:r>
+              <a:rPr b="0" lang="en-US" sz="1800" strike="noStrike" u="none">
+                <a:solidFill>
+                  <a:srgbClr val="000000"/>
+                </a:solidFill>
+                <a:uFillTx/>
+                <a:latin typeface="DejaVu Sans"/>
+              </a:rPr>
+              <a:t>Seventh Outline Level</a:t>
+            </a:r>
+            <a:endParaRPr b="0" lang="en-US" sz="1800" strike="noStrike" u="none">
+              <a:solidFill>
+                <a:srgbClr val="000000"/>
+              </a:solidFill>
+              <a:uFillTx/>
+              <a:latin typeface="DejaVu Sans"/>
+            </a:endParaRPr>
+          </a:p>
+        </p:txBody>
+      </p:sp>
+      <p:sp>
+        <p:nvSpPr>
+          <p:cNvPr id="115" name="PlaceHolder 3"/>
           <p:cNvSpPr>
             <a:spLocks noGrp="1"/>
           </p:cNvSpPr>
@@ -6158,10 +8870,11 @@
               <a:tabLst>
                 <a:tab algn="l" pos="0"/>
               </a:tabLst>
-              <a:defRPr b="0" lang="en-US" sz="1400" spc="-1" strike="noStrike">
+              <a:defRPr b="0" lang="en-US" sz="1400" strike="noStrike" u="none">
                 <a:solidFill>
                   <a:srgbClr val="000000"/>
                 </a:solidFill>
+                <a:uFillTx/>
                 <a:latin typeface="Times New Roman"/>
               </a:defRPr>
             </a:lvl1pPr>
@@ -6177,26 +8890,28 @@
               </a:tabLst>
             </a:pPr>
             <a:r>
-              <a:rPr b="0" lang="en-US" sz="1400" spc="-1" strike="noStrike">
+              <a:rPr b="0" lang="en-US" sz="1400" strike="noStrike" u="none">
                 <a:solidFill>
                   <a:srgbClr val="000000"/>
                 </a:solidFill>
+                <a:uFillTx/>
                 <a:latin typeface="Times New Roman"/>
               </a:rPr>
               <a:t>&lt;footer&gt;</a:t>
             </a:r>
-            <a:endParaRPr b="0" lang="en-US" sz="1400" spc="-1" strike="noStrike">
+            <a:endParaRPr b="0" lang="en-US" sz="1400" strike="noStrike" u="none">
               <a:solidFill>
                 <a:srgbClr val="000000"/>
               </a:solidFill>
-              <a:latin typeface="Times New Roman"/>
+              <a:uFillTx/>
+              <a:latin typeface="DejaVu Serif"/>
             </a:endParaRPr>
           </a:p>
         </p:txBody>
       </p:sp>
       <p:sp>
         <p:nvSpPr>
-          <p:cNvPr id="77" name="PlaceHolder 4"/>
+          <p:cNvPr id="116" name="PlaceHolder 4"/>
           <p:cNvSpPr>
             <a:spLocks noGrp="1"/>
           </p:cNvSpPr>
@@ -6230,10 +8945,11 @@
               <a:tabLst>
                 <a:tab algn="l" pos="0"/>
               </a:tabLst>
-              <a:defRPr b="0" lang="en-US" sz="1800" spc="-1" strike="noStrike">
+              <a:defRPr b="0" lang="en-US" sz="1800" strike="noStrike" u="none">
                 <a:solidFill>
                   <a:schemeClr val="dk1"/>
                 </a:solidFill>
+                <a:uFillTx/>
                 <a:latin typeface="Calibri"/>
               </a:defRPr>
             </a:lvl1pPr>
@@ -6248,27 +8964,29 @@
                 <a:tab algn="l" pos="0"/>
               </a:tabLst>
             </a:pPr>
-            <a:fld id="{BFDA1223-2135-4AAD-953F-9FB371519239}" type="slidenum">
-              <a:rPr b="0" lang="en-US" sz="1800" spc="-1" strike="noStrike">
+            <a:fld id="{2EE7D1F3-33A5-4192-B531-40FF7D0B74BF}" type="slidenum">
+              <a:rPr b="0" lang="en-US" sz="1800" strike="noStrike" u="none">
                 <a:solidFill>
                   <a:schemeClr val="dk1"/>
                 </a:solidFill>
+                <a:uFillTx/>
                 <a:latin typeface="Calibri"/>
               </a:rPr>
               <a:t>&lt;number&gt;</a:t>
             </a:fld>
-            <a:endParaRPr b="0" lang="en-US" sz="1800" spc="-1" strike="noStrike">
+            <a:endParaRPr b="0" lang="en-US" sz="1800" strike="noStrike" u="none">
               <a:solidFill>
                 <a:srgbClr val="000000"/>
               </a:solidFill>
-              <a:latin typeface="Times New Roman"/>
+              <a:uFillTx/>
+              <a:latin typeface="DejaVu Serif"/>
             </a:endParaRPr>
           </a:p>
         </p:txBody>
       </p:sp>
       <p:sp>
         <p:nvSpPr>
-          <p:cNvPr id="78" name="PlaceHolder 5"/>
+          <p:cNvPr id="117" name="PlaceHolder 5"/>
           <p:cNvSpPr>
             <a:spLocks noGrp="1"/>
           </p:cNvSpPr>
@@ -6296,11 +9014,12 @@
           <a:lstStyle>
             <a:lvl1pPr indent="0">
               <a:buNone/>
-              <a:defRPr b="0" lang="en-US" sz="1400" spc="-1" strike="noStrike">
+              <a:defRPr b="0" lang="en-US" sz="1400" strike="noStrike" u="none">
                 <a:solidFill>
                   <a:srgbClr val="000000"/>
                 </a:solidFill>
-                <a:latin typeface="Times New Roman"/>
+                <a:uFillTx/>
+                <a:latin typeface="DejaVu Serif"/>
               </a:defRPr>
             </a:lvl1pPr>
           </a:lstStyle>
@@ -6309,462 +9028,30 @@
               <a:buNone/>
             </a:pPr>
             <a:r>
-              <a:rPr b="0" lang="en-US" sz="1400" spc="-1" strike="noStrike">
+              <a:rPr b="0" lang="en-US" sz="1400" strike="noStrike" u="none">
                 <a:solidFill>
                   <a:srgbClr val="000000"/>
                 </a:solidFill>
-                <a:latin typeface="Times New Roman"/>
+                <a:uFillTx/>
+                <a:latin typeface="DejaVu Serif"/>
               </a:rPr>
               <a:t>&lt;date/time&gt;</a:t>
             </a:r>
-            <a:endParaRPr b="0" lang="en-US" sz="1400" spc="-1" strike="noStrike">
+            <a:endParaRPr b="0" lang="en-US" sz="1400" strike="noStrike" u="none">
               <a:solidFill>
                 <a:srgbClr val="000000"/>
               </a:solidFill>
-              <a:latin typeface="Times New Roman"/>
+              <a:uFillTx/>
+              <a:latin typeface="DejaVu Serif"/>
             </a:endParaRPr>
           </a:p>
         </p:txBody>
       </p:sp>
     </p:spTree>
   </p:cSld>
-  <p:clrMap bg1="lt1" bg2="lt2" tx1="dk1" tx2="dk2" accent1="accent1" accent2="accent2" accent3="accent3" accent4="accent4" accent5="accent5" accent6="accent6" hlink="hlink" folHlink="folHlink"/>
+  <p:clrMap bg1="lt1" tx1="dk1" bg2="lt2" tx2="dk2" accent1="accent1" accent2="accent2" accent3="accent3" accent4="accent4" accent5="accent5" accent6="accent6" hlink="hlink" folHlink="folHlink"/>
   <p:sldLayoutIdLst>
-    <p:sldLayoutId id="2147483661" r:id="rId3"/>
-  </p:sldLayoutIdLst>
-</p:sldMaster>
-</file>
-
-<file path=ppt/slideMasters/slideMaster8.xml><?xml version="1.0" encoding="utf-8"?>
-<p:sldMaster xmlns:a="http://schemas.openxmlformats.org/drawingml/2006/main" xmlns:p="http://schemas.openxmlformats.org/presentationml/2006/main" xmlns:r="http://schemas.openxmlformats.org/officeDocument/2006/relationships" xmlns:p14="http://schemas.microsoft.com/office/powerpoint/2010/main" xmlns:p15="http://schemas.microsoft.com/office/powerpoint/2012/main" xmlns:mc="http://schemas.openxmlformats.org/markup-compatibility/2006">
-  <p:cSld>
-    <p:bg>
-      <p:bgPr>
-        <a:solidFill>
-          <a:srgbClr val="ffffff"/>
-        </a:solidFill>
-      </p:bgPr>
-    </p:bg>
-    <p:spTree>
-      <p:nvGrpSpPr>
-        <p:cNvPr id="1" name=""/>
-        <p:cNvGrpSpPr/>
-        <p:nvPr/>
-      </p:nvGrpSpPr>
-      <p:grpSpPr>
-        <a:xfrm>
-          <a:off x="0" y="0"/>
-          <a:ext cx="0" cy="0"/>
-          <a:chOff x="0" y="0"/>
-          <a:chExt cx="0" cy="0"/>
-        </a:xfrm>
-      </p:grpSpPr>
-      <p:sp>
-        <p:nvSpPr>
-          <p:cNvPr id="81" name="Textfeld 15"/>
-          <p:cNvSpPr/>
-          <p:nvPr/>
-        </p:nvSpPr>
-        <p:spPr>
-          <a:xfrm>
-            <a:off x="8711280" y="4803840"/>
-            <a:ext cx="108000" cy="308520"/>
-          </a:xfrm>
-          <a:prstGeom prst="rect">
-            <a:avLst/>
-          </a:prstGeom>
-          <a:noFill/>
-          <a:ln w="0">
-            <a:noFill/>
-          </a:ln>
-        </p:spPr>
-        <p:style>
-          <a:lnRef idx="0"/>
-          <a:fillRef idx="0"/>
-          <a:effectRef idx="0"/>
-          <a:fontRef idx="minor"/>
-        </p:style>
-        <p:txBody>
-          <a:bodyPr wrap="none" lIns="36000" rIns="36000" tIns="45000" bIns="45000" anchor="ctr">
-            <a:noAutofit/>
-          </a:bodyPr>
-          <a:p>
-            <a:pPr algn="ctr" defTabSz="914400">
-              <a:lnSpc>
-                <a:spcPct val="100000"/>
-              </a:lnSpc>
-            </a:pPr>
-            <a:r>
-              <a:rPr b="0" lang="de-CH" sz="800" spc="-1" strike="noStrike">
-                <a:solidFill>
-                  <a:schemeClr val="lt1"/>
-                </a:solidFill>
-                <a:latin typeface="Calibri"/>
-              </a:rPr>
-              <a:t>|</a:t>
-            </a:r>
-            <a:endParaRPr b="0" lang="en-US" sz="800" spc="-1" strike="noStrike">
-              <a:solidFill>
-                <a:srgbClr val="000000"/>
-              </a:solidFill>
-              <a:latin typeface="Arial"/>
-            </a:endParaRPr>
-          </a:p>
-        </p:txBody>
-      </p:sp>
-      <p:sp>
-        <p:nvSpPr>
-          <p:cNvPr id="82" name="TextBox 5"/>
-          <p:cNvSpPr/>
-          <p:nvPr/>
-        </p:nvSpPr>
-        <p:spPr>
-          <a:xfrm>
-            <a:off x="8800200" y="4897440"/>
-            <a:ext cx="342720" cy="261720"/>
-          </a:xfrm>
-          <a:prstGeom prst="rect">
-            <a:avLst/>
-          </a:prstGeom>
-          <a:noFill/>
-          <a:ln w="0">
-            <a:noFill/>
-          </a:ln>
-        </p:spPr>
-        <p:style>
-          <a:lnRef idx="0"/>
-          <a:fillRef idx="0"/>
-          <a:effectRef idx="0"/>
-          <a:fontRef idx="minor"/>
-        </p:style>
-        <p:txBody>
-          <a:bodyPr lIns="90000" rIns="90000" tIns="45000" bIns="45000" anchor="t">
-            <a:spAutoFit/>
-          </a:bodyPr>
-          <a:p>
-            <a:pPr defTabSz="914400">
-              <a:lnSpc>
-                <a:spcPct val="100000"/>
-              </a:lnSpc>
-            </a:pPr>
-            <a:fld id="{74C74A80-F6AD-4B76-B032-1C11E672C478}" type="slidenum">
-              <a:rPr b="0" lang="en-US" sz="1000" spc="-1" strike="noStrike">
-                <a:solidFill>
-                  <a:schemeClr val="accent1"/>
-                </a:solidFill>
-                <a:latin typeface="Calibri"/>
-              </a:rPr>
-              <a:t>&lt;number&gt;</a:t>
-            </a:fld>
-            <a:endParaRPr b="0" lang="en-US" sz="1000" spc="-1" strike="noStrike">
-              <a:solidFill>
-                <a:srgbClr val="000000"/>
-              </a:solidFill>
-              <a:latin typeface="Arial"/>
-            </a:endParaRPr>
-          </a:p>
-        </p:txBody>
-      </p:sp>
-      <p:pic>
-        <p:nvPicPr>
-          <p:cNvPr id="83" name="Picture 6" descr="A picture containing text, clipart&#10;&#10;Description automatically generated"/>
-          <p:cNvPicPr/>
-          <p:nvPr/>
-        </p:nvPicPr>
-        <p:blipFill>
-          <a:blip r:embed="rId2"/>
-          <a:srcRect l="0" t="27256" r="0" b="28304"/>
-          <a:stretch/>
-        </p:blipFill>
-        <p:spPr>
-          <a:xfrm>
-            <a:off x="6371640" y="157680"/>
-            <a:ext cx="2592000" cy="348840"/>
-          </a:xfrm>
-          <a:prstGeom prst="rect">
-            <a:avLst/>
-          </a:prstGeom>
-          <a:ln w="0">
-            <a:noFill/>
-          </a:ln>
-        </p:spPr>
-      </p:pic>
-      <p:sp>
-        <p:nvSpPr>
-          <p:cNvPr id="84" name="Rectangle 10"/>
-          <p:cNvSpPr/>
-          <p:nvPr/>
-        </p:nvSpPr>
-        <p:spPr>
-          <a:xfrm rot="10800000">
-            <a:off x="1080" y="-14400"/>
-            <a:ext cx="9142920" cy="694800"/>
-          </a:xfrm>
-          <a:prstGeom prst="rect">
-            <a:avLst/>
-          </a:prstGeom>
-          <a:solidFill>
-            <a:schemeClr val="accent1"/>
-          </a:solidFill>
-          <a:ln>
-            <a:noFill/>
-          </a:ln>
-        </p:spPr>
-        <p:style>
-          <a:lnRef idx="2">
-            <a:schemeClr val="accent1">
-              <a:shade val="50000"/>
-            </a:schemeClr>
-          </a:lnRef>
-          <a:fillRef idx="1">
-            <a:schemeClr val="accent1"/>
-          </a:fillRef>
-          <a:effectRef idx="0">
-            <a:schemeClr val="accent1"/>
-          </a:effectRef>
-          <a:fontRef idx="minor"/>
-        </p:style>
-        <p:txBody>
-          <a:bodyPr lIns="90000" rIns="90000" tIns="45000" bIns="45000" anchor="ctr">
-            <a:noAutofit/>
-          </a:bodyPr>
-          <a:p>
-            <a:pPr algn="ctr" defTabSz="914400">
-              <a:lnSpc>
-                <a:spcPct val="100000"/>
-              </a:lnSpc>
-            </a:pPr>
-            <a:endParaRPr b="0" lang="en-US" sz="1800" spc="-1" strike="noStrike">
-              <a:solidFill>
-                <a:schemeClr val="lt1"/>
-              </a:solidFill>
-              <a:latin typeface="Calibri"/>
-            </a:endParaRPr>
-          </a:p>
-        </p:txBody>
-      </p:sp>
-    </p:spTree>
-  </p:cSld>
-  <p:clrMap bg1="lt1" bg2="lt2" tx1="dk1" tx2="dk2" accent1="accent1" accent2="accent2" accent3="accent3" accent4="accent4" accent5="accent5" accent6="accent6" hlink="hlink" folHlink="folHlink"/>
-  <p:sldLayoutIdLst>
-    <p:sldLayoutId id="2147483663" r:id="rId3"/>
-  </p:sldLayoutIdLst>
-</p:sldMaster>
-</file>
-
-<file path=ppt/slideMasters/slideMaster9.xml><?xml version="1.0" encoding="utf-8"?>
-<p:sldMaster xmlns:a="http://schemas.openxmlformats.org/drawingml/2006/main" xmlns:p="http://schemas.openxmlformats.org/presentationml/2006/main" xmlns:r="http://schemas.openxmlformats.org/officeDocument/2006/relationships" xmlns:p14="http://schemas.microsoft.com/office/powerpoint/2010/main" xmlns:p15="http://schemas.microsoft.com/office/powerpoint/2012/main" xmlns:mc="http://schemas.openxmlformats.org/markup-compatibility/2006">
-  <p:cSld>
-    <p:bg>
-      <p:bgPr>
-        <a:solidFill>
-          <a:srgbClr val="ffffff"/>
-        </a:solidFill>
-      </p:bgPr>
-    </p:bg>
-    <p:spTree>
-      <p:nvGrpSpPr>
-        <p:cNvPr id="1" name=""/>
-        <p:cNvGrpSpPr/>
-        <p:nvPr/>
-      </p:nvGrpSpPr>
-      <p:grpSpPr>
-        <a:xfrm>
-          <a:off x="0" y="0"/>
-          <a:ext cx="0" cy="0"/>
-          <a:chOff x="0" y="0"/>
-          <a:chExt cx="0" cy="0"/>
-        </a:xfrm>
-      </p:grpSpPr>
-      <p:sp>
-        <p:nvSpPr>
-          <p:cNvPr id="85" name="Textfeld 15"/>
-          <p:cNvSpPr/>
-          <p:nvPr/>
-        </p:nvSpPr>
-        <p:spPr>
-          <a:xfrm>
-            <a:off x="8711280" y="4803840"/>
-            <a:ext cx="108000" cy="308520"/>
-          </a:xfrm>
-          <a:prstGeom prst="rect">
-            <a:avLst/>
-          </a:prstGeom>
-          <a:noFill/>
-          <a:ln w="0">
-            <a:noFill/>
-          </a:ln>
-        </p:spPr>
-        <p:style>
-          <a:lnRef idx="0"/>
-          <a:fillRef idx="0"/>
-          <a:effectRef idx="0"/>
-          <a:fontRef idx="minor"/>
-        </p:style>
-        <p:txBody>
-          <a:bodyPr wrap="none" lIns="36000" rIns="36000" tIns="45000" bIns="45000" anchor="ctr">
-            <a:noAutofit/>
-          </a:bodyPr>
-          <a:p>
-            <a:pPr algn="ctr" defTabSz="914400">
-              <a:lnSpc>
-                <a:spcPct val="100000"/>
-              </a:lnSpc>
-            </a:pPr>
-            <a:r>
-              <a:rPr b="0" lang="de-CH" sz="800" spc="-1" strike="noStrike">
-                <a:solidFill>
-                  <a:schemeClr val="lt1"/>
-                </a:solidFill>
-                <a:latin typeface="Calibri"/>
-              </a:rPr>
-              <a:t>|</a:t>
-            </a:r>
-            <a:endParaRPr b="0" lang="en-US" sz="800" spc="-1" strike="noStrike">
-              <a:solidFill>
-                <a:srgbClr val="000000"/>
-              </a:solidFill>
-              <a:latin typeface="Arial"/>
-            </a:endParaRPr>
-          </a:p>
-        </p:txBody>
-      </p:sp>
-      <p:sp>
-        <p:nvSpPr>
-          <p:cNvPr id="86" name="TextBox 5"/>
-          <p:cNvSpPr/>
-          <p:nvPr/>
-        </p:nvSpPr>
-        <p:spPr>
-          <a:xfrm>
-            <a:off x="8800200" y="4897440"/>
-            <a:ext cx="342720" cy="261720"/>
-          </a:xfrm>
-          <a:prstGeom prst="rect">
-            <a:avLst/>
-          </a:prstGeom>
-          <a:noFill/>
-          <a:ln w="0">
-            <a:noFill/>
-          </a:ln>
-        </p:spPr>
-        <p:style>
-          <a:lnRef idx="0"/>
-          <a:fillRef idx="0"/>
-          <a:effectRef idx="0"/>
-          <a:fontRef idx="minor"/>
-        </p:style>
-        <p:txBody>
-          <a:bodyPr lIns="90000" rIns="90000" tIns="45000" bIns="45000" anchor="t">
-            <a:spAutoFit/>
-          </a:bodyPr>
-          <a:p>
-            <a:pPr defTabSz="914400">
-              <a:lnSpc>
-                <a:spcPct val="100000"/>
-              </a:lnSpc>
-            </a:pPr>
-            <a:fld id="{3932D141-AE49-49CB-B57C-43152B096750}" type="slidenum">
-              <a:rPr b="0" lang="en-US" sz="1000" spc="-1" strike="noStrike">
-                <a:solidFill>
-                  <a:schemeClr val="accent1"/>
-                </a:solidFill>
-                <a:latin typeface="Calibri"/>
-              </a:rPr>
-              <a:t>&lt;number&gt;</a:t>
-            </a:fld>
-            <a:endParaRPr b="0" lang="en-US" sz="1000" spc="-1" strike="noStrike">
-              <a:solidFill>
-                <a:srgbClr val="000000"/>
-              </a:solidFill>
-              <a:latin typeface="Arial"/>
-            </a:endParaRPr>
-          </a:p>
-        </p:txBody>
-      </p:sp>
-      <p:pic>
-        <p:nvPicPr>
-          <p:cNvPr id="87" name="Picture 6" descr="A picture containing text, clipart&#10;&#10;Description automatically generated"/>
-          <p:cNvPicPr/>
-          <p:nvPr/>
-        </p:nvPicPr>
-        <p:blipFill>
-          <a:blip r:embed="rId2"/>
-          <a:srcRect l="0" t="27256" r="0" b="28304"/>
-          <a:stretch/>
-        </p:blipFill>
-        <p:spPr>
-          <a:xfrm>
-            <a:off x="6371640" y="157680"/>
-            <a:ext cx="2592000" cy="348840"/>
-          </a:xfrm>
-          <a:prstGeom prst="rect">
-            <a:avLst/>
-          </a:prstGeom>
-          <a:ln w="0">
-            <a:noFill/>
-          </a:ln>
-        </p:spPr>
-      </p:pic>
-      <p:sp>
-        <p:nvSpPr>
-          <p:cNvPr id="88" name="Rectangle 10"/>
-          <p:cNvSpPr/>
-          <p:nvPr/>
-        </p:nvSpPr>
-        <p:spPr>
-          <a:xfrm rot="10800000">
-            <a:off x="1080" y="-14400"/>
-            <a:ext cx="9142920" cy="694800"/>
-          </a:xfrm>
-          <a:prstGeom prst="rect">
-            <a:avLst/>
-          </a:prstGeom>
-          <a:solidFill>
-            <a:schemeClr val="accent1"/>
-          </a:solidFill>
-          <a:ln>
-            <a:noFill/>
-          </a:ln>
-        </p:spPr>
-        <p:style>
-          <a:lnRef idx="2">
-            <a:schemeClr val="accent1">
-              <a:shade val="50000"/>
-            </a:schemeClr>
-          </a:lnRef>
-          <a:fillRef idx="1">
-            <a:schemeClr val="accent1"/>
-          </a:fillRef>
-          <a:effectRef idx="0">
-            <a:schemeClr val="accent1"/>
-          </a:effectRef>
-          <a:fontRef idx="minor"/>
-        </p:style>
-        <p:txBody>
-          <a:bodyPr lIns="90000" rIns="90000" tIns="45000" bIns="45000" anchor="ctr">
-            <a:noAutofit/>
-          </a:bodyPr>
-          <a:p>
-            <a:pPr algn="ctr" defTabSz="914400">
-              <a:lnSpc>
-                <a:spcPct val="100000"/>
-              </a:lnSpc>
-            </a:pPr>
-            <a:endParaRPr b="0" lang="en-US" sz="1800" spc="-1" strike="noStrike">
-              <a:solidFill>
-                <a:schemeClr val="lt1"/>
-              </a:solidFill>
-              <a:latin typeface="Calibri"/>
-            </a:endParaRPr>
-          </a:p>
-        </p:txBody>
-      </p:sp>
-    </p:spTree>
-  </p:cSld>
-  <p:clrMap bg1="lt1" bg2="lt2" tx1="dk1" tx2="dk2" accent1="accent1" accent2="accent2" accent3="accent3" accent4="accent4" accent5="accent5" accent6="accent6" hlink="hlink" folHlink="folHlink"/>
-  <p:sldLayoutIdLst>
-    <p:sldLayoutId id="2147483665" r:id="rId3"/>
+    <p:sldLayoutId id="2147483667" r:id="rId3"/>
   </p:sldLayoutIdLst>
 </p:sldMaster>
 </file>
@@ -6788,7 +9075,7 @@
       </p:grpSpPr>
       <p:sp>
         <p:nvSpPr>
-          <p:cNvPr id="110" name="PlaceHolder 1"/>
+          <p:cNvPr id="149" name="PlaceHolder 1"/>
           <p:cNvSpPr>
             <a:spLocks noGrp="1"/>
           </p:cNvSpPr>
@@ -6799,7 +9086,7 @@
         <p:spPr>
           <a:xfrm>
             <a:off x="685800" y="2754000"/>
-            <a:ext cx="5670360" cy="1158840"/>
+            <a:ext cx="5669640" cy="1158120"/>
           </a:xfrm>
           <a:prstGeom prst="rect">
             <a:avLst/>
@@ -6824,10 +9111,11 @@
               </a:tabLst>
             </a:pPr>
             <a:r>
-              <a:rPr b="0" lang="el-GR" sz="2400" spc="-1" strike="noStrike">
+              <a:rPr b="0" lang="el-GR" sz="2400" strike="noStrike" u="none">
                 <a:solidFill>
                   <a:srgbClr val="ffffff"/>
                 </a:solidFill>
+                <a:uFillTx/>
                 <a:latin typeface="Calibri"/>
               </a:rPr>
               <a:t>Τμήμα Ψηφιακών Συστημάτων, Πανεπιστήμιο Θεσσαλίας</a:t>
@@ -6836,10 +9124,11 @@
               <a:rPr sz="2400"/>
             </a:br>
             <a:r>
-              <a:rPr b="0" lang="el-GR" sz="2400" spc="-1" strike="noStrike">
+              <a:rPr b="0" lang="el-GR" sz="2400" strike="noStrike" u="none">
                 <a:solidFill>
                   <a:srgbClr val="ffffff"/>
                 </a:solidFill>
+                <a:uFillTx/>
                 <a:latin typeface="Calibri"/>
               </a:rPr>
               <a:t>Ενδιάμεση Παρουσίαση Πτυχιακών Εργασιών</a:t>
@@ -6851,10 +9140,11 @@
               <a:rPr sz="2400"/>
             </a:br>
             <a:r>
-              <a:rPr b="0" lang="el-GR" sz="2400" spc="-1" strike="noStrike">
+              <a:rPr b="0" lang="el-GR" sz="2400" strike="noStrike" u="none">
                 <a:solidFill>
                   <a:srgbClr val="ffffff"/>
                 </a:solidFill>
+                <a:uFillTx/>
                 <a:latin typeface="Calibri"/>
               </a:rPr>
               <a:t>«Τίτλος Πτυχιακής Εργασία»</a:t>
@@ -6866,10 +9156,11 @@
               <a:rPr sz="2400"/>
             </a:br>
             <a:r>
-              <a:rPr b="0" lang="el-GR" sz="2400" spc="-1" strike="noStrike">
+              <a:rPr b="0" lang="el-GR" sz="2400" strike="noStrike" u="none">
                 <a:solidFill>
                   <a:srgbClr val="ffffff"/>
                 </a:solidFill>
+                <a:uFillTx/>
                 <a:latin typeface="Calibri"/>
               </a:rPr>
               <a:t>Ονοματεπώνυμο,</a:t>
@@ -6878,33 +9169,35 @@
               <a:rPr sz="2400"/>
             </a:br>
             <a:r>
-              <a:rPr b="0" lang="el-GR" sz="2400" spc="-1" strike="noStrike">
+              <a:rPr b="0" lang="el-GR" sz="2400" strike="noStrike" u="none">
                 <a:solidFill>
                   <a:srgbClr val="ffffff"/>
                 </a:solidFill>
+                <a:uFillTx/>
                 <a:latin typeface="Calibri"/>
               </a:rPr>
               <a:t>ΑΜ</a:t>
             </a:r>
-            <a:endParaRPr b="0" lang="en-US" sz="2400" spc="-1" strike="noStrike">
+            <a:endParaRPr b="0" lang="en-US" sz="2400" strike="noStrike" u="none">
               <a:solidFill>
                 <a:srgbClr val="ffffff"/>
               </a:solidFill>
-              <a:latin typeface="Arial"/>
+              <a:uFillTx/>
+              <a:latin typeface="DejaVu Sans"/>
             </a:endParaRPr>
           </a:p>
         </p:txBody>
       </p:sp>
       <p:sp>
         <p:nvSpPr>
-          <p:cNvPr id="111" name="TextBox 2"/>
+          <p:cNvPr id="150" name="TextBox 2"/>
           <p:cNvSpPr/>
           <p:nvPr/>
         </p:nvSpPr>
         <p:spPr>
           <a:xfrm>
             <a:off x="1523160" y="4443840"/>
-            <a:ext cx="6096600" cy="363960"/>
+            <a:ext cx="6095880" cy="363960"/>
           </a:xfrm>
           <a:prstGeom prst="rect">
             <a:avLst/>
@@ -6931,19 +9224,21 @@
               </a:lnSpc>
             </a:pPr>
             <a:r>
-              <a:rPr b="1" lang="el-GR" sz="1800" spc="-1" strike="noStrike">
+              <a:rPr b="1" lang="el-GR" sz="1800" strike="noStrike" u="none">
                 <a:solidFill>
                   <a:schemeClr val="lt1"/>
                 </a:solidFill>
+                <a:uFillTx/>
                 <a:latin typeface="Calibri"/>
               </a:rPr>
               <a:t>Μάρτιος 2023</a:t>
             </a:r>
-            <a:endParaRPr b="0" lang="en-US" sz="1800" spc="-1" strike="noStrike">
+            <a:endParaRPr b="0" lang="en-US" sz="1800" strike="noStrike" u="none">
               <a:solidFill>
                 <a:srgbClr val="ffffff"/>
               </a:solidFill>
-              <a:latin typeface="Arial"/>
+              <a:uFillTx/>
+              <a:latin typeface="DejaVu Sans"/>
             </a:endParaRPr>
           </a:p>
         </p:txBody>
@@ -6980,7 +9275,7 @@
       </p:grpSpPr>
       <p:sp>
         <p:nvSpPr>
-          <p:cNvPr id="112" name="PlaceHolder 1"/>
+          <p:cNvPr id="151" name="PlaceHolder 1"/>
           <p:cNvSpPr>
             <a:spLocks noGrp="1"/>
           </p:cNvSpPr>
@@ -6991,7 +9286,7 @@
         <p:spPr>
           <a:xfrm>
             <a:off x="532080" y="785880"/>
-            <a:ext cx="3750840" cy="3945240"/>
+            <a:ext cx="3750120" cy="3944520"/>
           </a:xfrm>
           <a:prstGeom prst="rect">
             <a:avLst/>
@@ -7006,24 +9301,99 @@
             <a:noAutofit/>
           </a:bodyPr>
           <a:p>
-            <a:pPr indent="0">
+            <a:pPr marL="432000" indent="-324000">
+              <a:lnSpc>
+                <a:spcPct val="100000"/>
+              </a:lnSpc>
               <a:spcBef>
-                <a:spcPts val="1417"/>
+                <a:spcPts val="1191"/>
               </a:spcBef>
-              <a:buNone/>
+              <a:spcAft>
+                <a:spcPts val="992"/>
+              </a:spcAft>
+              <a:buClr>
+                <a:srgbClr val="000000"/>
+              </a:buClr>
+              <a:buFont typeface="Wingdings" charset="2"/>
+              <a:buChar char=""/>
             </a:pPr>
-            <a:endParaRPr b="0" lang="en-US" sz="1800" spc="-1" strike="noStrike">
+            <a:r>
+              <a:rPr b="0" lang="en-US" sz="1800" strike="noStrike" u="none">
+                <a:solidFill>
+                  <a:srgbClr val="000000"/>
+                </a:solidFill>
+                <a:uFillTx/>
+                <a:latin typeface="DejaVu Sans"/>
+              </a:rPr>
+              <a:t> </a:t>
+            </a:r>
+            <a:r>
+              <a:rPr b="0" lang="en-US" sz="1800" strike="noStrike" u="none">
+                <a:solidFill>
+                  <a:srgbClr val="000000"/>
+                </a:solidFill>
+                <a:uFillTx/>
+                <a:latin typeface="DejaVu Sans"/>
+              </a:rPr>
+              <a:t>Αντικέιμενο της πτυχιακής  είναι η ανάπτυξη μιας προσομοίωσης ενεργής μετακίνησης σε δομημένο περιβάλλον με Unity, καθώς και η </a:t>
+            </a:r>
+            <a:r>
+              <a:rPr b="1" lang="en-US" sz="1800" strike="noStrike" u="none">
+                <a:solidFill>
+                  <a:srgbClr val="000000"/>
+                </a:solidFill>
+                <a:uFillTx/>
+                <a:latin typeface="DejaVu Sans"/>
+              </a:rPr>
+              <a:t>δυναμική</a:t>
+            </a:r>
+            <a:r>
+              <a:rPr b="0" lang="en-US" sz="1800" strike="noStrike" u="none">
+                <a:solidFill>
+                  <a:srgbClr val="000000"/>
+                </a:solidFill>
+                <a:uFillTx/>
+                <a:latin typeface="DejaVu Sans"/>
+              </a:rPr>
+              <a:t> δημιουργία ρεαλιστικών 3D μοντέλων ποδηλάτων.</a:t>
+            </a:r>
+            <a:endParaRPr b="0" lang="en-US" sz="1800" strike="noStrike" u="none">
               <a:solidFill>
                 <a:srgbClr val="000000"/>
               </a:solidFill>
-              <a:latin typeface="Arial"/>
+              <a:uFillTx/>
+              <a:latin typeface="DejaVu Sans"/>
+            </a:endParaRPr>
+          </a:p>
+          <a:p>
+            <a:pPr indent="0">
+              <a:lnSpc>
+                <a:spcPct val="100000"/>
+              </a:lnSpc>
+              <a:spcBef>
+                <a:spcPts val="1191"/>
+              </a:spcBef>
+              <a:spcAft>
+                <a:spcPts val="992"/>
+              </a:spcAft>
+              <a:buNone/>
+              <a:tabLst>
+                <a:tab algn="l" pos="0"/>
+              </a:tabLst>
+            </a:pPr>
+            <a:endParaRPr b="0" lang="en-US" sz="1800" strike="noStrike" u="none">
+              <a:solidFill>
+                <a:srgbClr val="000000"/>
+              </a:solidFill>
+              <a:uFillTx/>
+              <a:latin typeface="DejaVu Sans"/>
             </a:endParaRPr>
           </a:p>
         </p:txBody>
       </p:sp>
       <p:sp>
         <p:nvSpPr>
-          <p:cNvPr id="113" name="PlaceHolder 2"/>
+          <p:cNvPr id="152" name="PlaceHolder 2"/>
           <p:cNvSpPr>
             <a:spLocks noGrp="1"/>
           </p:cNvSpPr>
@@ -7034,7 +9404,7 @@
         <p:spPr>
           <a:xfrm>
             <a:off x="532080" y="51480"/>
-            <a:ext cx="7885800" cy="574920"/>
+            <a:ext cx="7885080" cy="574200"/>
           </a:xfrm>
           <a:prstGeom prst="rect">
             <a:avLst/>
@@ -7059,26 +9429,28 @@
               </a:tabLst>
             </a:pPr>
             <a:r>
-              <a:rPr b="1" lang="el-GR" sz="2400" spc="-1" strike="noStrike">
+              <a:rPr b="1" lang="el-GR" sz="2400" strike="noStrike" u="none">
                 <a:solidFill>
                   <a:schemeClr val="accent1"/>
                 </a:solidFill>
+                <a:uFillTx/>
                 <a:latin typeface="Calibri"/>
               </a:rPr>
               <a:t>Αντικείμενο και στόχοι της εργασίας</a:t>
             </a:r>
-            <a:endParaRPr b="0" lang="en-US" sz="2400" spc="-1" strike="noStrike">
+            <a:endParaRPr b="0" lang="en-US" sz="2400" strike="noStrike" u="none">
               <a:solidFill>
                 <a:srgbClr val="000000"/>
               </a:solidFill>
-              <a:latin typeface="Arial"/>
+              <a:uFillTx/>
+              <a:latin typeface="DejaVu Sans"/>
             </a:endParaRPr>
           </a:p>
         </p:txBody>
       </p:sp>
       <p:sp>
         <p:nvSpPr>
-          <p:cNvPr id="114" name="PlaceHolder 3"/>
+          <p:cNvPr id="153" name="PlaceHolder 3"/>
           <p:cNvSpPr>
             <a:spLocks noGrp="1"/>
           </p:cNvSpPr>
@@ -7089,7 +9461,7 @@
         <p:spPr>
           <a:xfrm>
             <a:off x="4660920" y="785880"/>
-            <a:ext cx="3750840" cy="3945240"/>
+            <a:ext cx="3750120" cy="3944520"/>
           </a:xfrm>
           <a:prstGeom prst="rect">
             <a:avLst/>
@@ -7110,11 +9482,12 @@
               </a:spcBef>
               <a:buNone/>
             </a:pPr>
-            <a:endParaRPr b="0" lang="en-US" sz="1800" spc="-1" strike="noStrike">
+            <a:endParaRPr b="0" lang="en-US" sz="1800" strike="noStrike" u="none">
               <a:solidFill>
                 <a:srgbClr val="000000"/>
               </a:solidFill>
-              <a:latin typeface="Arial"/>
+              <a:uFillTx/>
+              <a:latin typeface="DejaVu Sans"/>
             </a:endParaRPr>
           </a:p>
         </p:txBody>
@@ -7151,7 +9524,7 @@
       </p:grpSpPr>
       <p:sp>
         <p:nvSpPr>
-          <p:cNvPr id="115" name="PlaceHolder 1"/>
+          <p:cNvPr id="154" name="PlaceHolder 1"/>
           <p:cNvSpPr>
             <a:spLocks noGrp="1"/>
           </p:cNvSpPr>
@@ -7162,7 +9535,7 @@
         <p:spPr>
           <a:xfrm>
             <a:off x="532080" y="51480"/>
-            <a:ext cx="7885800" cy="574920"/>
+            <a:ext cx="7885080" cy="574200"/>
           </a:xfrm>
           <a:prstGeom prst="rect">
             <a:avLst/>
@@ -7187,26 +9560,28 @@
               </a:tabLst>
             </a:pPr>
             <a:r>
-              <a:rPr b="1" lang="el-GR" sz="2400" spc="-1" strike="noStrike">
+              <a:rPr b="1" lang="el-GR" sz="2400" strike="noStrike" u="none">
                 <a:solidFill>
                   <a:schemeClr val="accent1"/>
                 </a:solidFill>
+                <a:uFillTx/>
                 <a:latin typeface="Calibri"/>
               </a:rPr>
               <a:t>Εξοπλισμός-Λογισμικό</a:t>
             </a:r>
-            <a:endParaRPr b="0" lang="en-US" sz="2400" spc="-1" strike="noStrike">
+            <a:endParaRPr b="0" lang="en-US" sz="2400" strike="noStrike" u="none">
               <a:solidFill>
                 <a:srgbClr val="000000"/>
               </a:solidFill>
-              <a:latin typeface="Arial"/>
+              <a:uFillTx/>
+              <a:latin typeface="DejaVu Sans"/>
             </a:endParaRPr>
           </a:p>
         </p:txBody>
       </p:sp>
       <p:pic>
         <p:nvPicPr>
-          <p:cNvPr id="116" name="" descr=""/>
+          <p:cNvPr id="155" name="" descr=""/>
           <p:cNvPicPr/>
           <p:nvPr/>
         </p:nvPicPr>
@@ -7216,12 +9591,13 @@
         </p:blipFill>
         <p:spPr>
           <a:xfrm>
-            <a:off x="5029200" y="1143000"/>
-            <a:ext cx="2285280" cy="831960"/>
+            <a:off x="5030280" y="2514600"/>
+            <a:ext cx="2284560" cy="831240"/>
           </a:xfrm>
           <a:prstGeom prst="rect">
             <a:avLst/>
           </a:prstGeom>
+          <a:noFill/>
           <a:ln w="0">
             <a:noFill/>
           </a:ln>
@@ -7229,7 +9605,7 @@
       </p:pic>
       <p:pic>
         <p:nvPicPr>
-          <p:cNvPr id="117" name="" descr=""/>
+          <p:cNvPr id="156" name="" descr=""/>
           <p:cNvPicPr/>
           <p:nvPr/>
         </p:nvPicPr>
@@ -7239,12 +9615,13 @@
         </p:blipFill>
         <p:spPr>
           <a:xfrm>
-            <a:off x="457200" y="685800"/>
-            <a:ext cx="2971080" cy="1485000"/>
+            <a:off x="915480" y="685800"/>
+            <a:ext cx="2970360" cy="1484280"/>
           </a:xfrm>
           <a:prstGeom prst="rect">
             <a:avLst/>
           </a:prstGeom>
+          <a:noFill/>
           <a:ln w="0">
             <a:noFill/>
           </a:ln>
@@ -7252,7 +9629,7 @@
       </p:pic>
       <p:pic>
         <p:nvPicPr>
-          <p:cNvPr id="118" name="" descr=""/>
+          <p:cNvPr id="157" name="" descr=""/>
           <p:cNvPicPr/>
           <p:nvPr/>
         </p:nvPicPr>
@@ -7262,12 +9639,13 @@
         </p:blipFill>
         <p:spPr>
           <a:xfrm>
-            <a:off x="459000" y="4114800"/>
-            <a:ext cx="2740680" cy="912960"/>
+            <a:off x="917280" y="3886200"/>
+            <a:ext cx="2739960" cy="912240"/>
           </a:xfrm>
           <a:prstGeom prst="rect">
             <a:avLst/>
           </a:prstGeom>
+          <a:noFill/>
           <a:ln w="0">
             <a:noFill/>
           </a:ln>
@@ -7275,7 +9653,7 @@
       </p:pic>
       <p:pic>
         <p:nvPicPr>
-          <p:cNvPr id="119" name="" descr=""/>
+          <p:cNvPr id="158" name="" descr=""/>
           <p:cNvPicPr/>
           <p:nvPr/>
         </p:nvPicPr>
@@ -7285,12 +9663,13 @@
         </p:blipFill>
         <p:spPr>
           <a:xfrm>
-            <a:off x="3657600" y="2743200"/>
-            <a:ext cx="1370880" cy="1370880"/>
+            <a:off x="5716080" y="686880"/>
+            <a:ext cx="1370160" cy="1370160"/>
           </a:xfrm>
           <a:prstGeom prst="rect">
             <a:avLst/>
           </a:prstGeom>
+          <a:noFill/>
           <a:ln w="0">
             <a:noFill/>
           </a:ln>
@@ -7298,7 +9677,7 @@
       </p:pic>
       <p:pic>
         <p:nvPicPr>
-          <p:cNvPr id="120" name="" descr=""/>
+          <p:cNvPr id="159" name="" descr=""/>
           <p:cNvPicPr/>
           <p:nvPr/>
         </p:nvPicPr>
@@ -7308,12 +9687,13 @@
         </p:blipFill>
         <p:spPr>
           <a:xfrm>
-            <a:off x="488880" y="2462760"/>
-            <a:ext cx="2710800" cy="1422720"/>
+            <a:off x="1175760" y="2475000"/>
+            <a:ext cx="2252880" cy="1182240"/>
           </a:xfrm>
           <a:prstGeom prst="rect">
             <a:avLst/>
           </a:prstGeom>
+          <a:noFill/>
           <a:ln w="0">
             <a:noFill/>
           </a:ln>
@@ -7321,7 +9701,7 @@
       </p:pic>
       <p:pic>
         <p:nvPicPr>
-          <p:cNvPr id="121" name="" descr=""/>
+          <p:cNvPr id="160" name="" descr=""/>
           <p:cNvPicPr/>
           <p:nvPr/>
         </p:nvPicPr>
@@ -7331,12 +9711,13 @@
         </p:blipFill>
         <p:spPr>
           <a:xfrm>
-            <a:off x="5486400" y="2623320"/>
-            <a:ext cx="3255840" cy="1719360"/>
+            <a:off x="4745520" y="3429000"/>
+            <a:ext cx="3255120" cy="1718640"/>
           </a:xfrm>
           <a:prstGeom prst="rect">
             <a:avLst/>
           </a:prstGeom>
+          <a:noFill/>
           <a:ln w="0">
             <a:noFill/>
           </a:ln>
@@ -7374,7 +9755,7 @@
       </p:grpSpPr>
       <p:sp>
         <p:nvSpPr>
-          <p:cNvPr id="122" name="PlaceHolder 1"/>
+          <p:cNvPr id="161" name="PlaceHolder 1"/>
           <p:cNvSpPr>
             <a:spLocks noGrp="1"/>
           </p:cNvSpPr>
@@ -7385,7 +9766,7 @@
         <p:spPr>
           <a:xfrm>
             <a:off x="138600" y="2971800"/>
-            <a:ext cx="4661640" cy="2057040"/>
+            <a:ext cx="4660920" cy="2056320"/>
           </a:xfrm>
           <a:prstGeom prst="rect">
             <a:avLst/>
@@ -7410,35 +9791,38 @@
               </a:tabLst>
             </a:pPr>
             <a:r>
-              <a:rPr b="0" lang="el-GR" sz="1800" spc="-1" strike="noStrike">
+              <a:rPr b="0" lang="el-GR" sz="1800" strike="noStrike" u="none">
                 <a:solidFill>
                   <a:srgbClr val="000000"/>
                 </a:solidFill>
+                <a:uFillTx/>
                 <a:latin typeface="Arial"/>
               </a:rPr>
               <a:t>Παίρνοντας</a:t>
             </a:r>
             <a:r>
-              <a:rPr b="0" lang="en-US" sz="1800" spc="-1" strike="noStrike">
+              <a:rPr b="0" lang="en-US" sz="1800" strike="noStrike" u="none">
                 <a:solidFill>
                   <a:srgbClr val="000000"/>
                 </a:solidFill>
+                <a:uFillTx/>
                 <a:latin typeface="Arial"/>
               </a:rPr>
               <a:t> δεδομένα για την γεωμετρία του ποδηλάτου μέσω του yaml file μπορούμε να υπολογίσουμε την θέση των βασικών σημείων και να τα μετακινήσουμε στο τελικό μοντέλο.</a:t>
             </a:r>
-            <a:endParaRPr b="0" lang="en-US" sz="1800" spc="-1" strike="noStrike">
+            <a:endParaRPr b="0" lang="en-US" sz="1800" strike="noStrike" u="none">
               <a:solidFill>
                 <a:srgbClr val="000000"/>
               </a:solidFill>
-              <a:latin typeface="Arial"/>
+              <a:uFillTx/>
+              <a:latin typeface="DejaVu Sans"/>
             </a:endParaRPr>
           </a:p>
         </p:txBody>
       </p:sp>
       <p:sp>
         <p:nvSpPr>
-          <p:cNvPr id="123" name="PlaceHolder 2"/>
+          <p:cNvPr id="162" name="PlaceHolder 2"/>
           <p:cNvSpPr>
             <a:spLocks noGrp="1"/>
           </p:cNvSpPr>
@@ -7449,7 +9833,7 @@
         <p:spPr>
           <a:xfrm>
             <a:off x="532080" y="51480"/>
-            <a:ext cx="7885800" cy="574920"/>
+            <a:ext cx="7885080" cy="574200"/>
           </a:xfrm>
           <a:prstGeom prst="rect">
             <a:avLst/>
@@ -7474,26 +9858,28 @@
               </a:tabLst>
             </a:pPr>
             <a:r>
-              <a:rPr b="1" lang="el-GR" sz="2400" spc="-1" strike="noStrike">
+              <a:rPr b="1" lang="el-GR" sz="2400" strike="noStrike" u="none">
                 <a:solidFill>
                   <a:schemeClr val="accent1"/>
                 </a:solidFill>
+                <a:uFillTx/>
                 <a:latin typeface="Calibri"/>
               </a:rPr>
               <a:t>Μεθοδολογία</a:t>
             </a:r>
-            <a:endParaRPr b="0" lang="en-US" sz="2400" spc="-1" strike="noStrike">
+            <a:endParaRPr b="0" lang="en-US" sz="2400" strike="noStrike" u="none">
               <a:solidFill>
                 <a:srgbClr val="000000"/>
               </a:solidFill>
-              <a:latin typeface="Arial"/>
+              <a:uFillTx/>
+              <a:latin typeface="DejaVu Sans"/>
             </a:endParaRPr>
           </a:p>
         </p:txBody>
       </p:sp>
       <p:pic>
         <p:nvPicPr>
-          <p:cNvPr id="124" name="" descr=""/>
+          <p:cNvPr id="163" name="" descr=""/>
           <p:cNvPicPr/>
           <p:nvPr/>
         </p:nvPicPr>
@@ -7504,11 +9890,12 @@
         <p:spPr>
           <a:xfrm>
             <a:off x="138600" y="518400"/>
-            <a:ext cx="8279280" cy="4656960"/>
+            <a:ext cx="8278560" cy="4656240"/>
           </a:xfrm>
           <a:prstGeom prst="rect">
             <a:avLst/>
           </a:prstGeom>
+          <a:noFill/>
           <a:ln w="0">
             <a:noFill/>
           </a:ln>
@@ -7546,7 +9933,7 @@
       </p:grpSpPr>
       <p:pic>
         <p:nvPicPr>
-          <p:cNvPr id="125" name="" descr=""/>
+          <p:cNvPr id="164" name="" descr=""/>
           <p:cNvPicPr/>
           <p:nvPr/>
         </p:nvPicPr>
@@ -7557,11 +9944,12 @@
         <p:spPr>
           <a:xfrm>
             <a:off x="228600" y="2665800"/>
-            <a:ext cx="3886200" cy="2363400"/>
+            <a:ext cx="3885480" cy="2362680"/>
           </a:xfrm>
           <a:prstGeom prst="rect">
             <a:avLst/>
           </a:prstGeom>
+          <a:noFill/>
           <a:ln w="0">
             <a:noFill/>
           </a:ln>
@@ -7569,7 +9957,7 @@
       </p:pic>
       <p:pic>
         <p:nvPicPr>
-          <p:cNvPr id="126" name="" descr=""/>
+          <p:cNvPr id="165" name="" descr=""/>
           <p:cNvPicPr/>
           <p:nvPr/>
         </p:nvPicPr>
@@ -7580,11 +9968,12 @@
         <p:spPr>
           <a:xfrm>
             <a:off x="4343400" y="228600"/>
-            <a:ext cx="3200400" cy="2329920"/>
+            <a:ext cx="3199680" cy="2329200"/>
           </a:xfrm>
           <a:prstGeom prst="rect">
             <a:avLst/>
           </a:prstGeom>
+          <a:noFill/>
           <a:ln w="0">
             <a:noFill/>
           </a:ln>
@@ -7592,7 +9981,7 @@
       </p:pic>
       <p:pic>
         <p:nvPicPr>
-          <p:cNvPr id="127" name="" descr=""/>
+          <p:cNvPr id="166" name="" descr=""/>
           <p:cNvPicPr/>
           <p:nvPr/>
         </p:nvPicPr>
@@ -7603,11 +9992,12 @@
         <p:spPr>
           <a:xfrm>
             <a:off x="228600" y="181080"/>
-            <a:ext cx="3886200" cy="2333520"/>
+            <a:ext cx="3885480" cy="2332800"/>
           </a:xfrm>
           <a:prstGeom prst="rect">
             <a:avLst/>
           </a:prstGeom>
+          <a:noFill/>
           <a:ln w="0">
             <a:noFill/>
           </a:ln>
@@ -7615,7 +10005,7 @@
       </p:pic>
       <p:pic>
         <p:nvPicPr>
-          <p:cNvPr id="128" name="" descr=""/>
+          <p:cNvPr id="167" name="" descr=""/>
           <p:cNvPicPr/>
           <p:nvPr/>
         </p:nvPicPr>
@@ -7626,11 +10016,12 @@
         <p:spPr>
           <a:xfrm>
             <a:off x="4343400" y="2659680"/>
-            <a:ext cx="3429000" cy="2369520"/>
+            <a:ext cx="3428280" cy="2368800"/>
           </a:xfrm>
           <a:prstGeom prst="rect">
             <a:avLst/>
           </a:prstGeom>
+          <a:noFill/>
           <a:ln w="0">
             <a:noFill/>
           </a:ln>
@@ -7666,147 +10057,6 @@
           <a:chExt cx="0" cy="0"/>
         </a:xfrm>
       </p:grpSpPr>
-      <p:sp>
-        <p:nvSpPr>
-          <p:cNvPr id="129" name="PlaceHolder 1"/>
-          <p:cNvSpPr>
-            <a:spLocks noGrp="1"/>
-          </p:cNvSpPr>
-          <p:nvPr>
-            <p:ph/>
-          </p:nvPr>
-        </p:nvSpPr>
-        <p:spPr>
-          <a:xfrm>
-            <a:off x="532080" y="785880"/>
-            <a:ext cx="3750840" cy="3945240"/>
-          </a:xfrm>
-          <a:prstGeom prst="rect">
-            <a:avLst/>
-          </a:prstGeom>
-          <a:noFill/>
-          <a:ln w="0">
-            <a:noFill/>
-          </a:ln>
-        </p:spPr>
-        <p:txBody>
-          <a:bodyPr lIns="90000" rIns="90000" tIns="45000" bIns="45000" anchor="t">
-            <a:noAutofit/>
-          </a:bodyPr>
-          <a:p>
-            <a:pPr indent="0">
-              <a:spcBef>
-                <a:spcPts val="1417"/>
-              </a:spcBef>
-              <a:buNone/>
-            </a:pPr>
-            <a:endParaRPr b="0" lang="en-US" sz="1800" spc="-1" strike="noStrike">
-              <a:solidFill>
-                <a:srgbClr val="000000"/>
-              </a:solidFill>
-              <a:latin typeface="Arial"/>
-            </a:endParaRPr>
-          </a:p>
-        </p:txBody>
-      </p:sp>
-      <p:sp>
-        <p:nvSpPr>
-          <p:cNvPr id="130" name="PlaceHolder 2"/>
-          <p:cNvSpPr>
-            <a:spLocks noGrp="1"/>
-          </p:cNvSpPr>
-          <p:nvPr>
-            <p:ph type="title"/>
-          </p:nvPr>
-        </p:nvSpPr>
-        <p:spPr>
-          <a:xfrm>
-            <a:off x="532080" y="51480"/>
-            <a:ext cx="7885800" cy="574920"/>
-          </a:xfrm>
-          <a:prstGeom prst="rect">
-            <a:avLst/>
-          </a:prstGeom>
-          <a:noFill/>
-          <a:ln w="0">
-            <a:noFill/>
-          </a:ln>
-        </p:spPr>
-        <p:txBody>
-          <a:bodyPr lIns="90000" rIns="90000" tIns="45000" bIns="45000" anchor="t">
-            <a:noAutofit/>
-          </a:bodyPr>
-          <a:p>
-            <a:pPr indent="0" defTabSz="914400">
-              <a:lnSpc>
-                <a:spcPct val="100000"/>
-              </a:lnSpc>
-              <a:buNone/>
-              <a:tabLst>
-                <a:tab algn="l" pos="0"/>
-              </a:tabLst>
-            </a:pPr>
-            <a:r>
-              <a:rPr b="1" lang="el-GR" sz="2400" spc="-1" strike="noStrike">
-                <a:solidFill>
-                  <a:schemeClr val="accent1"/>
-                </a:solidFill>
-                <a:latin typeface="Calibri"/>
-              </a:rPr>
-              <a:t>Ενδεικτικά αποτελέσματα και πρώτα συμπεράσματα</a:t>
-            </a:r>
-            <a:endParaRPr b="0" lang="en-US" sz="2400" spc="-1" strike="noStrike">
-              <a:solidFill>
-                <a:srgbClr val="000000"/>
-              </a:solidFill>
-              <a:latin typeface="Arial"/>
-            </a:endParaRPr>
-          </a:p>
-        </p:txBody>
-      </p:sp>
-      <p:sp>
-        <p:nvSpPr>
-          <p:cNvPr id="131" name="PlaceHolder 3"/>
-          <p:cNvSpPr>
-            <a:spLocks noGrp="1"/>
-          </p:cNvSpPr>
-          <p:nvPr>
-            <p:ph/>
-          </p:nvPr>
-        </p:nvSpPr>
-        <p:spPr>
-          <a:xfrm>
-            <a:off x="4660920" y="785880"/>
-            <a:ext cx="3750840" cy="3945240"/>
-          </a:xfrm>
-          <a:prstGeom prst="rect">
-            <a:avLst/>
-          </a:prstGeom>
-          <a:noFill/>
-          <a:ln w="0">
-            <a:noFill/>
-          </a:ln>
-        </p:spPr>
-        <p:txBody>
-          <a:bodyPr lIns="90000" rIns="90000" tIns="45000" bIns="45000" anchor="t">
-            <a:noAutofit/>
-          </a:bodyPr>
-          <a:p>
-            <a:pPr indent="0">
-              <a:spcBef>
-                <a:spcPts val="1417"/>
-              </a:spcBef>
-              <a:buNone/>
-            </a:pPr>
-            <a:endParaRPr b="0" lang="en-US" sz="1800" spc="-1" strike="noStrike">
-              <a:solidFill>
-                <a:srgbClr val="000000"/>
-              </a:solidFill>
-              <a:latin typeface="Arial"/>
-            </a:endParaRPr>
-          </a:p>
-        </p:txBody>
-      </p:sp>
     </p:spTree>
   </p:cSld>
   <mc:AlternateContent>
@@ -7839,7 +10089,7 @@
       </p:grpSpPr>
       <p:sp>
         <p:nvSpPr>
-          <p:cNvPr id="132" name="PlaceHolder 1"/>
+          <p:cNvPr id="168" name="PlaceHolder 1"/>
           <p:cNvSpPr>
             <a:spLocks noGrp="1"/>
           </p:cNvSpPr>
@@ -7849,8 +10099,8 @@
         </p:nvSpPr>
         <p:spPr>
           <a:xfrm>
-            <a:off x="532080" y="785880"/>
-            <a:ext cx="3750840" cy="3945240"/>
+            <a:off x="532080" y="855720"/>
+            <a:ext cx="7239960" cy="3944520"/>
           </a:xfrm>
           <a:prstGeom prst="rect">
             <a:avLst/>
@@ -7866,23 +10116,53 @@
           </a:bodyPr>
           <a:p>
             <a:pPr indent="0">
-              <a:spcBef>
-                <a:spcPts val="1417"/>
-              </a:spcBef>
+              <a:lnSpc>
+                <a:spcPct val="100000"/>
+              </a:lnSpc>
               <a:buNone/>
             </a:pPr>
-            <a:endParaRPr b="0" lang="en-US" sz="1800" spc="-1" strike="noStrike">
+            <a:endParaRPr b="0" lang="en-US" sz="1800" strike="noStrike" u="none">
               <a:solidFill>
                 <a:srgbClr val="000000"/>
               </a:solidFill>
-              <a:latin typeface="Arial"/>
+              <a:uFillTx/>
+              <a:latin typeface="DejaVu Sans"/>
+            </a:endParaRPr>
+          </a:p>
+          <a:p>
+            <a:pPr indent="-324000">
+              <a:lnSpc>
+                <a:spcPct val="100000"/>
+              </a:lnSpc>
+              <a:buClr>
+                <a:srgbClr val="000000"/>
+              </a:buClr>
+              <a:buFont typeface="Wingdings" charset="2"/>
+              <a:buChar char=""/>
+            </a:pPr>
+            <a:r>
+              <a:rPr b="0" lang="en-US" sz="1800" strike="noStrike" u="none">
+                <a:solidFill>
+                  <a:srgbClr val="000000"/>
+                </a:solidFill>
+                <a:uFillTx/>
+                <a:latin typeface="DejaVu Sans"/>
+              </a:rPr>
+              <a:t>https://greendigital.uth.gr/posts/videos/</a:t>
+            </a:r>
+            <a:endParaRPr b="0" lang="en-US" sz="1800" strike="noStrike" u="none">
+              <a:solidFill>
+                <a:srgbClr val="000000"/>
+              </a:solidFill>
+              <a:uFillTx/>
+              <a:latin typeface="DejaVu Sans"/>
             </a:endParaRPr>
           </a:p>
         </p:txBody>
       </p:sp>
       <p:sp>
         <p:nvSpPr>
-          <p:cNvPr id="133" name="PlaceHolder 2"/>
+          <p:cNvPr id="169" name="PlaceHolder 2"/>
           <p:cNvSpPr>
             <a:spLocks noGrp="1"/>
           </p:cNvSpPr>
@@ -7893,7 +10173,7 @@
         <p:spPr>
           <a:xfrm>
             <a:off x="532080" y="51480"/>
-            <a:ext cx="7885800" cy="574920"/>
+            <a:ext cx="7885080" cy="574200"/>
           </a:xfrm>
           <a:prstGeom prst="rect">
             <a:avLst/>
@@ -7918,62 +10198,21 @@
               </a:tabLst>
             </a:pPr>
             <a:r>
-              <a:rPr b="1" lang="el-GR" sz="2400" spc="-1" strike="noStrike">
+              <a:rPr b="1" lang="el-GR" sz="2400" strike="noStrike" u="none">
                 <a:solidFill>
                   <a:schemeClr val="accent1"/>
                 </a:solidFill>
+                <a:uFillTx/>
                 <a:latin typeface="Calibri"/>
               </a:rPr>
-              <a:t>Επόμενα βήματα</a:t>
+              <a:t>Ενδεικτικά αποτελέσματα και πρώτα συμπεράσματα</a:t>
             </a:r>
-            <a:endParaRPr b="0" lang="en-US" sz="2400" spc="-1" strike="noStrike">
+            <a:endParaRPr b="0" lang="en-US" sz="2400" strike="noStrike" u="none">
               <a:solidFill>
                 <a:srgbClr val="000000"/>
               </a:solidFill>
-              <a:latin typeface="Arial"/>
-            </a:endParaRPr>
-          </a:p>
-        </p:txBody>
-      </p:sp>
-      <p:sp>
-        <p:nvSpPr>
-          <p:cNvPr id="134" name="PlaceHolder 3"/>
-          <p:cNvSpPr>
-            <a:spLocks noGrp="1"/>
-          </p:cNvSpPr>
-          <p:nvPr>
-            <p:ph/>
-          </p:nvPr>
-        </p:nvSpPr>
-        <p:spPr>
-          <a:xfrm>
-            <a:off x="4660920" y="785880"/>
-            <a:ext cx="3750840" cy="3945240"/>
-          </a:xfrm>
-          <a:prstGeom prst="rect">
-            <a:avLst/>
-          </a:prstGeom>
-          <a:noFill/>
-          <a:ln w="0">
-            <a:noFill/>
-          </a:ln>
-        </p:spPr>
-        <p:txBody>
-          <a:bodyPr lIns="90000" rIns="90000" tIns="45000" bIns="45000" anchor="t">
-            <a:noAutofit/>
-          </a:bodyPr>
-          <a:p>
-            <a:pPr indent="0">
-              <a:spcBef>
-                <a:spcPts val="1417"/>
-              </a:spcBef>
-              <a:buNone/>
-            </a:pPr>
-            <a:endParaRPr b="0" lang="en-US" sz="1800" spc="-1" strike="noStrike">
-              <a:solidFill>
-                <a:srgbClr val="000000"/>
-              </a:solidFill>
-              <a:latin typeface="Arial"/>
+              <a:uFillTx/>
+              <a:latin typeface="DejaVu Sans"/>
             </a:endParaRPr>
           </a:p>
         </p:txBody>
@@ -8010,7 +10249,182 @@
       </p:grpSpPr>
       <p:sp>
         <p:nvSpPr>
-          <p:cNvPr id="135" name="PlaceHolder 1"/>
+          <p:cNvPr id="170" name="PlaceHolder 1"/>
+          <p:cNvSpPr>
+            <a:spLocks noGrp="1"/>
+          </p:cNvSpPr>
+          <p:nvPr>
+            <p:ph/>
+          </p:nvPr>
+        </p:nvSpPr>
+        <p:spPr>
+          <a:xfrm>
+            <a:off x="532080" y="785880"/>
+            <a:ext cx="3750120" cy="3944520"/>
+          </a:xfrm>
+          <a:prstGeom prst="rect">
+            <a:avLst/>
+          </a:prstGeom>
+          <a:noFill/>
+          <a:ln w="0">
+            <a:noFill/>
+          </a:ln>
+        </p:spPr>
+        <p:txBody>
+          <a:bodyPr lIns="90000" rIns="90000" tIns="45000" bIns="45000" anchor="t">
+            <a:noAutofit/>
+          </a:bodyPr>
+          <a:p>
+            <a:pPr indent="0">
+              <a:spcBef>
+                <a:spcPts val="1417"/>
+              </a:spcBef>
+              <a:buNone/>
+            </a:pPr>
+            <a:endParaRPr b="0" lang="en-US" sz="1800" strike="noStrike" u="none">
+              <a:solidFill>
+                <a:srgbClr val="000000"/>
+              </a:solidFill>
+              <a:uFillTx/>
+              <a:latin typeface="DejaVu Sans"/>
+            </a:endParaRPr>
+          </a:p>
+        </p:txBody>
+      </p:sp>
+      <p:sp>
+        <p:nvSpPr>
+          <p:cNvPr id="171" name="PlaceHolder 2"/>
+          <p:cNvSpPr>
+            <a:spLocks noGrp="1"/>
+          </p:cNvSpPr>
+          <p:nvPr>
+            <p:ph type="title"/>
+          </p:nvPr>
+        </p:nvSpPr>
+        <p:spPr>
+          <a:xfrm>
+            <a:off x="532080" y="51480"/>
+            <a:ext cx="7885080" cy="574200"/>
+          </a:xfrm>
+          <a:prstGeom prst="rect">
+            <a:avLst/>
+          </a:prstGeom>
+          <a:noFill/>
+          <a:ln w="0">
+            <a:noFill/>
+          </a:ln>
+        </p:spPr>
+        <p:txBody>
+          <a:bodyPr lIns="90000" rIns="90000" tIns="45000" bIns="45000" anchor="t">
+            <a:noAutofit/>
+          </a:bodyPr>
+          <a:p>
+            <a:pPr indent="0" defTabSz="914400">
+              <a:lnSpc>
+                <a:spcPct val="100000"/>
+              </a:lnSpc>
+              <a:buNone/>
+              <a:tabLst>
+                <a:tab algn="l" pos="0"/>
+              </a:tabLst>
+            </a:pPr>
+            <a:r>
+              <a:rPr b="1" lang="el-GR" sz="2400" strike="noStrike" u="none">
+                <a:solidFill>
+                  <a:schemeClr val="accent1"/>
+                </a:solidFill>
+                <a:uFillTx/>
+                <a:latin typeface="Calibri"/>
+              </a:rPr>
+              <a:t>Επόμενα βήματα</a:t>
+            </a:r>
+            <a:endParaRPr b="0" lang="en-US" sz="2400" strike="noStrike" u="none">
+              <a:solidFill>
+                <a:srgbClr val="000000"/>
+              </a:solidFill>
+              <a:uFillTx/>
+              <a:latin typeface="DejaVu Sans"/>
+            </a:endParaRPr>
+          </a:p>
+        </p:txBody>
+      </p:sp>
+      <p:sp>
+        <p:nvSpPr>
+          <p:cNvPr id="172" name="PlaceHolder 3"/>
+          <p:cNvSpPr>
+            <a:spLocks noGrp="1"/>
+          </p:cNvSpPr>
+          <p:nvPr>
+            <p:ph/>
+          </p:nvPr>
+        </p:nvSpPr>
+        <p:spPr>
+          <a:xfrm>
+            <a:off x="4660920" y="785880"/>
+            <a:ext cx="3750120" cy="3944520"/>
+          </a:xfrm>
+          <a:prstGeom prst="rect">
+            <a:avLst/>
+          </a:prstGeom>
+          <a:noFill/>
+          <a:ln w="0">
+            <a:noFill/>
+          </a:ln>
+        </p:spPr>
+        <p:txBody>
+          <a:bodyPr lIns="90000" rIns="90000" tIns="45000" bIns="45000" anchor="t">
+            <a:noAutofit/>
+          </a:bodyPr>
+          <a:p>
+            <a:pPr indent="0">
+              <a:spcBef>
+                <a:spcPts val="1417"/>
+              </a:spcBef>
+              <a:buNone/>
+            </a:pPr>
+            <a:endParaRPr b="0" lang="en-US" sz="1800" strike="noStrike" u="none">
+              <a:solidFill>
+                <a:srgbClr val="000000"/>
+              </a:solidFill>
+              <a:uFillTx/>
+              <a:latin typeface="DejaVu Sans"/>
+            </a:endParaRPr>
+          </a:p>
+        </p:txBody>
+      </p:sp>
+    </p:spTree>
+  </p:cSld>
+  <mc:AlternateContent>
+    <mc:Choice Requires="p14">
+      <p:transition spd="slow" p14:dur="2000"/>
+    </mc:Choice>
+    <mc:Fallback>
+      <p:transition spd="slow"/>
+    </mc:Fallback>
+  </mc:AlternateContent>
+</p:sld>
+</file>
+
+<file path=ppt/slides/slide9.xml><?xml version="1.0" encoding="utf-8"?>
+<p:sld xmlns:a="http://schemas.openxmlformats.org/drawingml/2006/main" xmlns:p="http://schemas.openxmlformats.org/presentationml/2006/main" xmlns:r="http://schemas.openxmlformats.org/officeDocument/2006/relationships" xmlns:p14="http://schemas.microsoft.com/office/powerpoint/2010/main" xmlns:p15="http://schemas.microsoft.com/office/powerpoint/2012/main" xmlns:mc="http://schemas.openxmlformats.org/markup-compatibility/2006">
+  <p:cSld>
+    <p:spTree>
+      <p:nvGrpSpPr>
+        <p:cNvPr id="1" name=""/>
+        <p:cNvGrpSpPr/>
+        <p:nvPr/>
+      </p:nvGrpSpPr>
+      <p:grpSpPr>
+        <a:xfrm>
+          <a:off x="0" y="0"/>
+          <a:ext cx="0" cy="0"/>
+          <a:chOff x="0" y="0"/>
+          <a:chExt cx="0" cy="0"/>
+        </a:xfrm>
+      </p:grpSpPr>
+      <p:sp>
+        <p:nvSpPr>
+          <p:cNvPr id="173" name="PlaceHolder 1"/>
           <p:cNvSpPr>
             <a:spLocks noGrp="1"/>
           </p:cNvSpPr>
@@ -8021,7 +10435,7 @@
         <p:spPr>
           <a:xfrm>
             <a:off x="0" y="2093760"/>
-            <a:ext cx="7529760" cy="718200"/>
+            <a:ext cx="7529040" cy="717480"/>
           </a:xfrm>
           <a:prstGeom prst="rect">
             <a:avLst/>
@@ -8046,37 +10460,40 @@
               </a:tabLst>
             </a:pPr>
             <a:r>
-              <a:rPr b="0" lang="el-GR" sz="3200" spc="-1" strike="noStrike">
+              <a:rPr b="0" lang="el-GR" sz="3200" strike="noStrike" u="none">
                 <a:solidFill>
                   <a:srgbClr val="ff9900"/>
                 </a:solidFill>
+                <a:uFillTx/>
                 <a:latin typeface="Verdana"/>
                 <a:ea typeface="Verdana"/>
               </a:rPr>
               <a:t>Ευχαριστώ για την προσοχή σας</a:t>
             </a:r>
             <a:r>
-              <a:rPr b="0" lang="en" sz="3200" spc="-1" strike="noStrike">
+              <a:rPr b="0" lang="en" sz="3200" strike="noStrike" u="none">
                 <a:solidFill>
                   <a:srgbClr val="ff9900"/>
                 </a:solidFill>
+                <a:uFillTx/>
                 <a:latin typeface="Verdana"/>
                 <a:ea typeface="Verdana"/>
               </a:rPr>
               <a:t>!</a:t>
             </a:r>
-            <a:endParaRPr b="0" lang="en-US" sz="3200" spc="-1" strike="noStrike">
+            <a:endParaRPr b="0" lang="en-US" sz="3200" strike="noStrike" u="none">
               <a:solidFill>
                 <a:srgbClr val="000000"/>
               </a:solidFill>
-              <a:latin typeface="Arial"/>
+              <a:uFillTx/>
+              <a:latin typeface="DejaVu Sans"/>
             </a:endParaRPr>
           </a:p>
         </p:txBody>
       </p:sp>
       <p:sp>
         <p:nvSpPr>
-          <p:cNvPr id="136" name="PlaceHolder 2"/>
+          <p:cNvPr id="174" name="PlaceHolder 2"/>
           <p:cNvSpPr>
             <a:spLocks noGrp="1"/>
           </p:cNvSpPr>
@@ -8087,7 +10504,7 @@
         <p:spPr>
           <a:xfrm>
             <a:off x="939600" y="2813040"/>
-            <a:ext cx="4923360" cy="1953000"/>
+            <a:ext cx="4922640" cy="1952280"/>
           </a:xfrm>
           <a:prstGeom prst="rect">
             <a:avLst/>
@@ -8112,20 +10529,22 @@
               </a:tabLst>
             </a:pPr>
             <a:r>
-              <a:rPr b="0" lang="el-GR" sz="2800" spc="-1" strike="noStrike">
+              <a:rPr b="0" lang="el-GR" sz="2800" strike="noStrike" u="none">
                 <a:solidFill>
                   <a:srgbClr val="3796bf"/>
                 </a:solidFill>
+                <a:uFillTx/>
                 <a:latin typeface="Verdana"/>
                 <a:ea typeface="Verdana"/>
               </a:rPr>
               <a:t>Ερωτήσεις;</a:t>
             </a:r>
-            <a:endParaRPr b="0" lang="en-US" sz="2800" spc="-1" strike="noStrike">
+            <a:endParaRPr b="0" lang="en-US" sz="2800" strike="noStrike" u="none">
               <a:solidFill>
                 <a:srgbClr val="000000"/>
               </a:solidFill>
-              <a:latin typeface="Arial"/>
+              <a:uFillTx/>
+              <a:latin typeface="DejaVu Sans"/>
             </a:endParaRPr>
           </a:p>
         </p:txBody>
@@ -8844,7 +11263,7 @@
 </file>
 
 <file path=ppt/theme/theme13.xml><?xml version="1.0" encoding="utf-8"?>
-<a:theme xmlns:a="http://schemas.openxmlformats.org/drawingml/2006/main" xmlns:r="http://schemas.openxmlformats.org/officeDocument/2006/relationships" name="Slides2">
+<a:theme xmlns:a="http://schemas.openxmlformats.org/drawingml/2006/main" xmlns:r="http://schemas.openxmlformats.org/officeDocument/2006/relationships" name="Slides">
   <a:themeElements>
     <a:clrScheme name="Office">
       <a:dk1>
@@ -8884,14 +11303,14 @@
         <a:srgbClr val="954f72"/>
       </a:folHlink>
     </a:clrScheme>
-    <a:fontScheme name="Office">
+    <a:fontScheme name="Custom 1">
       <a:majorFont>
-        <a:latin typeface="Calibri Light" panose="020F0302020204030204" pitchFamily="0" charset="1"/>
+        <a:latin typeface="Calibri" pitchFamily="0" charset="1"/>
         <a:ea typeface=""/>
         <a:cs typeface=""/>
       </a:majorFont>
       <a:minorFont>
-        <a:latin typeface="Calibri" panose="020F0502020204030204" pitchFamily="0" charset="1"/>
+        <a:latin typeface="Calibri" pitchFamily="0" charset="1"/>
         <a:ea typeface=""/>
         <a:cs typeface=""/>
       </a:minorFont>
@@ -8905,63 +11324,54 @@
           <a:gsLst>
             <a:gs pos="0">
               <a:schemeClr val="phClr">
-                <a:lumMod val="110000"/>
-                <a:tint val="67000"/>
-              </a:schemeClr>
-            </a:gs>
-            <a:gs pos="50000">
-              <a:schemeClr val="phClr">
-                <a:lumMod val="105000"/>
-                <a:tint val="73000"/>
+                <a:tint val="50000"/>
+              </a:schemeClr>
+            </a:gs>
+            <a:gs pos="35000">
+              <a:schemeClr val="phClr">
+                <a:tint val="37000"/>
               </a:schemeClr>
             </a:gs>
             <a:gs pos="100000">
               <a:schemeClr val="phClr">
-                <a:lumMod val="105000"/>
-                <a:tint val="81000"/>
+                <a:tint val="15000"/>
               </a:schemeClr>
             </a:gs>
           </a:gsLst>
-          <a:lin ang="5400000" scaled="0"/>
+          <a:lin ang="16200000" scaled="1"/>
           <a:tileRect l="0" t="0" r="0" b="0"/>
         </a:gradFill>
         <a:gradFill>
           <a:gsLst>
             <a:gs pos="0">
               <a:schemeClr val="phClr">
-                <a:lumMod val="102000"/>
-                <a:tint val="94000"/>
-              </a:schemeClr>
-            </a:gs>
-            <a:gs pos="50000">
-              <a:schemeClr val="phClr">
-                <a:lumMod val="100000"/>
-                <a:shade val="100000"/>
+                <a:shade val="51000"/>
+              </a:schemeClr>
+            </a:gs>
+            <a:gs pos="80000">
+              <a:schemeClr val="phClr">
+                <a:shade val="93000"/>
               </a:schemeClr>
             </a:gs>
             <a:gs pos="100000">
               <a:schemeClr val="phClr">
-                <a:lumMod val="99000"/>
-                <a:shade val="78000"/>
+                <a:shade val="94000"/>
               </a:schemeClr>
             </a:gs>
           </a:gsLst>
-          <a:lin ang="5400000" scaled="0"/>
+          <a:lin ang="16200000" scaled="0"/>
           <a:tileRect l="0" t="0" r="0" b="0"/>
         </a:gradFill>
       </a:fillStyleLst>
       <a:lnStyleLst>
-        <a:ln w="6350" cap="flat" cmpd="sng" algn="ctr">
+        <a:ln w="9525" cap="flat" cmpd="sng" algn="ctr">
           <a:prstDash val="solid"/>
-          <a:miter lim="800000"/>
         </a:ln>
-        <a:ln w="12700" cap="flat" cmpd="sng" algn="ctr">
+        <a:ln w="25400" cap="flat" cmpd="sng" algn="ctr">
           <a:prstDash val="solid"/>
-          <a:miter lim="800000"/>
         </a:ln>
-        <a:ln w="19050" cap="flat" cmpd="sng" algn="ctr">
+        <a:ln w="38100" cap="flat" cmpd="sng" algn="ctr">
           <a:prstDash val="solid"/>
-          <a:miter lim="800000"/>
         </a:ln>
       </a:lnStyleLst>
       <a:effectStyleLst>
@@ -8979,34 +11389,46 @@
         <a:solidFill>
           <a:schemeClr val="phClr"/>
         </a:solidFill>
-        <a:solidFill>
-          <a:schemeClr val="phClr">
-            <a:tint val="95000"/>
-          </a:schemeClr>
-        </a:solidFill>
         <a:gradFill>
           <a:gsLst>
             <a:gs pos="0">
               <a:schemeClr val="phClr">
-                <a:tint val="93000"/>
-                <a:shade val="98000"/>
-                <a:lumMod val="102000"/>
-              </a:schemeClr>
-            </a:gs>
-            <a:gs pos="50000">
-              <a:schemeClr val="phClr">
-                <a:tint val="98000"/>
-                <a:shade val="90000"/>
-                <a:lumMod val="103000"/>
+                <a:tint val="40000"/>
+              </a:schemeClr>
+            </a:gs>
+            <a:gs pos="40000">
+              <a:schemeClr val="phClr">
+                <a:tint val="45000"/>
+                <a:shade val="99000"/>
               </a:schemeClr>
             </a:gs>
             <a:gs pos="100000">
               <a:schemeClr val="phClr">
-                <a:shade val="63000"/>
+                <a:shade val="20000"/>
               </a:schemeClr>
             </a:gs>
           </a:gsLst>
-          <a:lin ang="5400000" scaled="0"/>
+          <a:path path="circle">
+            <a:fillToRect l="50000" t="-80000" r="50000" b="180000"/>
+          </a:path>
+          <a:tileRect l="0" t="0" r="0" b="0"/>
+        </a:gradFill>
+        <a:gradFill>
+          <a:gsLst>
+            <a:gs pos="0">
+              <a:schemeClr val="phClr">
+                <a:tint val="80000"/>
+              </a:schemeClr>
+            </a:gs>
+            <a:gs pos="100000">
+              <a:schemeClr val="phClr">
+                <a:shade val="30000"/>
+              </a:schemeClr>
+            </a:gs>
+          </a:gsLst>
+          <a:path path="circle">
+            <a:fillToRect l="50000" t="50000" r="50000" b="50000"/>
+          </a:path>
           <a:tileRect l="0" t="0" r="0" b="0"/>
         </a:gradFill>
       </a:bgFillStyleLst>
@@ -9016,7 +11438,7 @@
 </file>
 
 <file path=ppt/theme/theme14.xml><?xml version="1.0" encoding="utf-8"?>
-<a:theme xmlns:a="http://schemas.openxmlformats.org/drawingml/2006/main" xmlns:r="http://schemas.openxmlformats.org/officeDocument/2006/relationships" name="Slides2">
+<a:theme xmlns:a="http://schemas.openxmlformats.org/drawingml/2006/main" xmlns:r="http://schemas.openxmlformats.org/officeDocument/2006/relationships" name="Slides">
   <a:themeElements>
     <a:clrScheme name="Office">
       <a:dk1>
@@ -9056,14 +11478,14 @@
         <a:srgbClr val="954f72"/>
       </a:folHlink>
     </a:clrScheme>
-    <a:fontScheme name="Office">
+    <a:fontScheme name="Custom 1">
       <a:majorFont>
-        <a:latin typeface="Calibri Light" panose="020F0302020204030204" pitchFamily="0" charset="1"/>
+        <a:latin typeface="Calibri" pitchFamily="0" charset="1"/>
         <a:ea typeface=""/>
         <a:cs typeface=""/>
       </a:majorFont>
       <a:minorFont>
-        <a:latin typeface="Calibri" panose="020F0502020204030204" pitchFamily="0" charset="1"/>
+        <a:latin typeface="Calibri" pitchFamily="0" charset="1"/>
         <a:ea typeface=""/>
         <a:cs typeface=""/>
       </a:minorFont>
@@ -9077,63 +11499,54 @@
           <a:gsLst>
             <a:gs pos="0">
               <a:schemeClr val="phClr">
-                <a:lumMod val="110000"/>
-                <a:tint val="67000"/>
-              </a:schemeClr>
-            </a:gs>
-            <a:gs pos="50000">
-              <a:schemeClr val="phClr">
-                <a:lumMod val="105000"/>
-                <a:tint val="73000"/>
+                <a:tint val="50000"/>
+              </a:schemeClr>
+            </a:gs>
+            <a:gs pos="35000">
+              <a:schemeClr val="phClr">
+                <a:tint val="37000"/>
               </a:schemeClr>
             </a:gs>
             <a:gs pos="100000">
               <a:schemeClr val="phClr">
-                <a:lumMod val="105000"/>
-                <a:tint val="81000"/>
+                <a:tint val="15000"/>
               </a:schemeClr>
             </a:gs>
           </a:gsLst>
-          <a:lin ang="5400000" scaled="0"/>
+          <a:lin ang="16200000" scaled="1"/>
           <a:tileRect l="0" t="0" r="0" b="0"/>
         </a:gradFill>
         <a:gradFill>
           <a:gsLst>
             <a:gs pos="0">
               <a:schemeClr val="phClr">
-                <a:lumMod val="102000"/>
-                <a:tint val="94000"/>
-              </a:schemeClr>
-            </a:gs>
-            <a:gs pos="50000">
-              <a:schemeClr val="phClr">
-                <a:lumMod val="100000"/>
-                <a:shade val="100000"/>
+                <a:shade val="51000"/>
+              </a:schemeClr>
+            </a:gs>
+            <a:gs pos="80000">
+              <a:schemeClr val="phClr">
+                <a:shade val="93000"/>
               </a:schemeClr>
             </a:gs>
             <a:gs pos="100000">
               <a:schemeClr val="phClr">
-                <a:lumMod val="99000"/>
-                <a:shade val="78000"/>
+                <a:shade val="94000"/>
               </a:schemeClr>
             </a:gs>
           </a:gsLst>
-          <a:lin ang="5400000" scaled="0"/>
+          <a:lin ang="16200000" scaled="0"/>
           <a:tileRect l="0" t="0" r="0" b="0"/>
         </a:gradFill>
       </a:fillStyleLst>
       <a:lnStyleLst>
-        <a:ln w="6350" cap="flat" cmpd="sng" algn="ctr">
+        <a:ln w="9525" cap="flat" cmpd="sng" algn="ctr">
           <a:prstDash val="solid"/>
-          <a:miter lim="800000"/>
         </a:ln>
-        <a:ln w="12700" cap="flat" cmpd="sng" algn="ctr">
+        <a:ln w="25400" cap="flat" cmpd="sng" algn="ctr">
           <a:prstDash val="solid"/>
-          <a:miter lim="800000"/>
         </a:ln>
-        <a:ln w="19050" cap="flat" cmpd="sng" algn="ctr">
+        <a:ln w="38100" cap="flat" cmpd="sng" algn="ctr">
           <a:prstDash val="solid"/>
-          <a:miter lim="800000"/>
         </a:ln>
       </a:lnStyleLst>
       <a:effectStyleLst>
@@ -9151,34 +11564,46 @@
         <a:solidFill>
           <a:schemeClr val="phClr"/>
         </a:solidFill>
-        <a:solidFill>
-          <a:schemeClr val="phClr">
-            <a:tint val="95000"/>
-          </a:schemeClr>
-        </a:solidFill>
         <a:gradFill>
           <a:gsLst>
             <a:gs pos="0">
               <a:schemeClr val="phClr">
-                <a:tint val="93000"/>
-                <a:shade val="98000"/>
-                <a:lumMod val="102000"/>
-              </a:schemeClr>
-            </a:gs>
-            <a:gs pos="50000">
-              <a:schemeClr val="phClr">
-                <a:tint val="98000"/>
-                <a:shade val="90000"/>
-                <a:lumMod val="103000"/>
+                <a:tint val="40000"/>
+              </a:schemeClr>
+            </a:gs>
+            <a:gs pos="40000">
+              <a:schemeClr val="phClr">
+                <a:tint val="45000"/>
+                <a:shade val="99000"/>
               </a:schemeClr>
             </a:gs>
             <a:gs pos="100000">
               <a:schemeClr val="phClr">
-                <a:shade val="63000"/>
+                <a:shade val="20000"/>
               </a:schemeClr>
             </a:gs>
           </a:gsLst>
-          <a:lin ang="5400000" scaled="0"/>
+          <a:path path="circle">
+            <a:fillToRect l="50000" t="-80000" r="50000" b="180000"/>
+          </a:path>
+          <a:tileRect l="0" t="0" r="0" b="0"/>
+        </a:gradFill>
+        <a:gradFill>
+          <a:gsLst>
+            <a:gs pos="0">
+              <a:schemeClr val="phClr">
+                <a:tint val="80000"/>
+              </a:schemeClr>
+            </a:gs>
+            <a:gs pos="100000">
+              <a:schemeClr val="phClr">
+                <a:shade val="30000"/>
+              </a:schemeClr>
+            </a:gs>
+          </a:gsLst>
+          <a:path path="circle">
+            <a:fillToRect l="50000" t="50000" r="50000" b="50000"/>
+          </a:path>
           <a:tileRect l="0" t="0" r="0" b="0"/>
         </a:gradFill>
       </a:bgFillStyleLst>
@@ -9360,6 +11785,350 @@
 </file>
 
 <file path=ppt/theme/theme16.xml><?xml version="1.0" encoding="utf-8"?>
+<a:theme xmlns:a="http://schemas.openxmlformats.org/drawingml/2006/main" xmlns:r="http://schemas.openxmlformats.org/officeDocument/2006/relationships" name="Slides2">
+  <a:themeElements>
+    <a:clrScheme name="Office">
+      <a:dk1>
+        <a:srgbClr val="000000"/>
+      </a:dk1>
+      <a:lt1>
+        <a:srgbClr val="ffffff"/>
+      </a:lt1>
+      <a:dk2>
+        <a:srgbClr val="44546a"/>
+      </a:dk2>
+      <a:lt2>
+        <a:srgbClr val="e7e6e6"/>
+      </a:lt2>
+      <a:accent1>
+        <a:srgbClr val="4472c4"/>
+      </a:accent1>
+      <a:accent2>
+        <a:srgbClr val="ed7d31"/>
+      </a:accent2>
+      <a:accent3>
+        <a:srgbClr val="a5a5a5"/>
+      </a:accent3>
+      <a:accent4>
+        <a:srgbClr val="ffc000"/>
+      </a:accent4>
+      <a:accent5>
+        <a:srgbClr val="5b9bd5"/>
+      </a:accent5>
+      <a:accent6>
+        <a:srgbClr val="70ad47"/>
+      </a:accent6>
+      <a:hlink>
+        <a:srgbClr val="0563c1"/>
+      </a:hlink>
+      <a:folHlink>
+        <a:srgbClr val="954f72"/>
+      </a:folHlink>
+    </a:clrScheme>
+    <a:fontScheme name="Office">
+      <a:majorFont>
+        <a:latin typeface="Calibri Light" panose="020F0302020204030204" pitchFamily="0" charset="1"/>
+        <a:ea typeface=""/>
+        <a:cs typeface=""/>
+      </a:majorFont>
+      <a:minorFont>
+        <a:latin typeface="Calibri" panose="020F0502020204030204" pitchFamily="0" charset="1"/>
+        <a:ea typeface=""/>
+        <a:cs typeface=""/>
+      </a:minorFont>
+    </a:fontScheme>
+    <a:fmtScheme>
+      <a:fillStyleLst>
+        <a:solidFill>
+          <a:schemeClr val="phClr"/>
+        </a:solidFill>
+        <a:gradFill>
+          <a:gsLst>
+            <a:gs pos="0">
+              <a:schemeClr val="phClr">
+                <a:lumMod val="110000"/>
+                <a:tint val="67000"/>
+              </a:schemeClr>
+            </a:gs>
+            <a:gs pos="50000">
+              <a:schemeClr val="phClr">
+                <a:lumMod val="105000"/>
+                <a:tint val="73000"/>
+              </a:schemeClr>
+            </a:gs>
+            <a:gs pos="100000">
+              <a:schemeClr val="phClr">
+                <a:lumMod val="105000"/>
+                <a:tint val="81000"/>
+              </a:schemeClr>
+            </a:gs>
+          </a:gsLst>
+          <a:lin ang="5400000" scaled="0"/>
+          <a:tileRect l="0" t="0" r="0" b="0"/>
+        </a:gradFill>
+        <a:gradFill>
+          <a:gsLst>
+            <a:gs pos="0">
+              <a:schemeClr val="phClr">
+                <a:lumMod val="102000"/>
+                <a:tint val="94000"/>
+              </a:schemeClr>
+            </a:gs>
+            <a:gs pos="50000">
+              <a:schemeClr val="phClr">
+                <a:lumMod val="100000"/>
+                <a:shade val="100000"/>
+              </a:schemeClr>
+            </a:gs>
+            <a:gs pos="100000">
+              <a:schemeClr val="phClr">
+                <a:lumMod val="99000"/>
+                <a:shade val="78000"/>
+              </a:schemeClr>
+            </a:gs>
+          </a:gsLst>
+          <a:lin ang="5400000" scaled="0"/>
+          <a:tileRect l="0" t="0" r="0" b="0"/>
+        </a:gradFill>
+      </a:fillStyleLst>
+      <a:lnStyleLst>
+        <a:ln w="6350" cap="flat" cmpd="sng" algn="ctr">
+          <a:prstDash val="solid"/>
+          <a:miter lim="800000"/>
+        </a:ln>
+        <a:ln w="12700" cap="flat" cmpd="sng" algn="ctr">
+          <a:prstDash val="solid"/>
+          <a:miter lim="800000"/>
+        </a:ln>
+        <a:ln w="19050" cap="flat" cmpd="sng" algn="ctr">
+          <a:prstDash val="solid"/>
+          <a:miter lim="800000"/>
+        </a:ln>
+      </a:lnStyleLst>
+      <a:effectStyleLst>
+        <a:effectStyle>
+          <a:effectLst/>
+        </a:effectStyle>
+        <a:effectStyle>
+          <a:effectLst/>
+        </a:effectStyle>
+        <a:effectStyle>
+          <a:effectLst/>
+        </a:effectStyle>
+      </a:effectStyleLst>
+      <a:bgFillStyleLst>
+        <a:solidFill>
+          <a:schemeClr val="phClr"/>
+        </a:solidFill>
+        <a:solidFill>
+          <a:schemeClr val="phClr">
+            <a:tint val="95000"/>
+          </a:schemeClr>
+        </a:solidFill>
+        <a:gradFill>
+          <a:gsLst>
+            <a:gs pos="0">
+              <a:schemeClr val="phClr">
+                <a:tint val="93000"/>
+                <a:shade val="98000"/>
+                <a:lumMod val="102000"/>
+              </a:schemeClr>
+            </a:gs>
+            <a:gs pos="50000">
+              <a:schemeClr val="phClr">
+                <a:tint val="98000"/>
+                <a:shade val="90000"/>
+                <a:lumMod val="103000"/>
+              </a:schemeClr>
+            </a:gs>
+            <a:gs pos="100000">
+              <a:schemeClr val="phClr">
+                <a:shade val="63000"/>
+              </a:schemeClr>
+            </a:gs>
+          </a:gsLst>
+          <a:lin ang="5400000" scaled="0"/>
+          <a:tileRect l="0" t="0" r="0" b="0"/>
+        </a:gradFill>
+      </a:bgFillStyleLst>
+    </a:fmtScheme>
+  </a:themeElements>
+</a:theme>
+</file>
+
+<file path=ppt/theme/theme17.xml><?xml version="1.0" encoding="utf-8"?>
+<a:theme xmlns:a="http://schemas.openxmlformats.org/drawingml/2006/main" xmlns:r="http://schemas.openxmlformats.org/officeDocument/2006/relationships" name="Slides2">
+  <a:themeElements>
+    <a:clrScheme name="Office">
+      <a:dk1>
+        <a:srgbClr val="000000"/>
+      </a:dk1>
+      <a:lt1>
+        <a:srgbClr val="ffffff"/>
+      </a:lt1>
+      <a:dk2>
+        <a:srgbClr val="44546a"/>
+      </a:dk2>
+      <a:lt2>
+        <a:srgbClr val="e7e6e6"/>
+      </a:lt2>
+      <a:accent1>
+        <a:srgbClr val="4472c4"/>
+      </a:accent1>
+      <a:accent2>
+        <a:srgbClr val="ed7d31"/>
+      </a:accent2>
+      <a:accent3>
+        <a:srgbClr val="a5a5a5"/>
+      </a:accent3>
+      <a:accent4>
+        <a:srgbClr val="ffc000"/>
+      </a:accent4>
+      <a:accent5>
+        <a:srgbClr val="5b9bd5"/>
+      </a:accent5>
+      <a:accent6>
+        <a:srgbClr val="70ad47"/>
+      </a:accent6>
+      <a:hlink>
+        <a:srgbClr val="0563c1"/>
+      </a:hlink>
+      <a:folHlink>
+        <a:srgbClr val="954f72"/>
+      </a:folHlink>
+    </a:clrScheme>
+    <a:fontScheme name="Office">
+      <a:majorFont>
+        <a:latin typeface="Calibri Light" panose="020F0302020204030204" pitchFamily="0" charset="1"/>
+        <a:ea typeface=""/>
+        <a:cs typeface=""/>
+      </a:majorFont>
+      <a:minorFont>
+        <a:latin typeface="Calibri" panose="020F0502020204030204" pitchFamily="0" charset="1"/>
+        <a:ea typeface=""/>
+        <a:cs typeface=""/>
+      </a:minorFont>
+    </a:fontScheme>
+    <a:fmtScheme>
+      <a:fillStyleLst>
+        <a:solidFill>
+          <a:schemeClr val="phClr"/>
+        </a:solidFill>
+        <a:gradFill>
+          <a:gsLst>
+            <a:gs pos="0">
+              <a:schemeClr val="phClr">
+                <a:lumMod val="110000"/>
+                <a:tint val="67000"/>
+              </a:schemeClr>
+            </a:gs>
+            <a:gs pos="50000">
+              <a:schemeClr val="phClr">
+                <a:lumMod val="105000"/>
+                <a:tint val="73000"/>
+              </a:schemeClr>
+            </a:gs>
+            <a:gs pos="100000">
+              <a:schemeClr val="phClr">
+                <a:lumMod val="105000"/>
+                <a:tint val="81000"/>
+              </a:schemeClr>
+            </a:gs>
+          </a:gsLst>
+          <a:lin ang="5400000" scaled="0"/>
+          <a:tileRect l="0" t="0" r="0" b="0"/>
+        </a:gradFill>
+        <a:gradFill>
+          <a:gsLst>
+            <a:gs pos="0">
+              <a:schemeClr val="phClr">
+                <a:lumMod val="102000"/>
+                <a:tint val="94000"/>
+              </a:schemeClr>
+            </a:gs>
+            <a:gs pos="50000">
+              <a:schemeClr val="phClr">
+                <a:lumMod val="100000"/>
+                <a:shade val="100000"/>
+              </a:schemeClr>
+            </a:gs>
+            <a:gs pos="100000">
+              <a:schemeClr val="phClr">
+                <a:lumMod val="99000"/>
+                <a:shade val="78000"/>
+              </a:schemeClr>
+            </a:gs>
+          </a:gsLst>
+          <a:lin ang="5400000" scaled="0"/>
+          <a:tileRect l="0" t="0" r="0" b="0"/>
+        </a:gradFill>
+      </a:fillStyleLst>
+      <a:lnStyleLst>
+        <a:ln w="6350" cap="flat" cmpd="sng" algn="ctr">
+          <a:prstDash val="solid"/>
+          <a:miter lim="800000"/>
+        </a:ln>
+        <a:ln w="12700" cap="flat" cmpd="sng" algn="ctr">
+          <a:prstDash val="solid"/>
+          <a:miter lim="800000"/>
+        </a:ln>
+        <a:ln w="19050" cap="flat" cmpd="sng" algn="ctr">
+          <a:prstDash val="solid"/>
+          <a:miter lim="800000"/>
+        </a:ln>
+      </a:lnStyleLst>
+      <a:effectStyleLst>
+        <a:effectStyle>
+          <a:effectLst/>
+        </a:effectStyle>
+        <a:effectStyle>
+          <a:effectLst/>
+        </a:effectStyle>
+        <a:effectStyle>
+          <a:effectLst/>
+        </a:effectStyle>
+      </a:effectStyleLst>
+      <a:bgFillStyleLst>
+        <a:solidFill>
+          <a:schemeClr val="phClr"/>
+        </a:solidFill>
+        <a:solidFill>
+          <a:schemeClr val="phClr">
+            <a:tint val="95000"/>
+          </a:schemeClr>
+        </a:solidFill>
+        <a:gradFill>
+          <a:gsLst>
+            <a:gs pos="0">
+              <a:schemeClr val="phClr">
+                <a:tint val="93000"/>
+                <a:shade val="98000"/>
+                <a:lumMod val="102000"/>
+              </a:schemeClr>
+            </a:gs>
+            <a:gs pos="50000">
+              <a:schemeClr val="phClr">
+                <a:tint val="98000"/>
+                <a:shade val="90000"/>
+                <a:lumMod val="103000"/>
+              </a:schemeClr>
+            </a:gs>
+            <a:gs pos="100000">
+              <a:schemeClr val="phClr">
+                <a:shade val="63000"/>
+              </a:schemeClr>
+            </a:gs>
+          </a:gsLst>
+          <a:lin ang="5400000" scaled="0"/>
+          <a:tileRect l="0" t="0" r="0" b="0"/>
+        </a:gradFill>
+      </a:bgFillStyleLst>
+    </a:fmtScheme>
+  </a:themeElements>
+</a:theme>
+</file>
+
+<file path=ppt/theme/theme18.xml><?xml version="1.0" encoding="utf-8"?>
 <a:theme xmlns:a="http://schemas.openxmlformats.org/drawingml/2006/main" xmlns:r="http://schemas.openxmlformats.org/officeDocument/2006/relationships" name="Slides2">
   <a:themeElements>
     <a:clrScheme name="Office">
@@ -10582,9 +13351,9 @@
 </file>
 
 <file path=ppt/theme/theme8.xml><?xml version="1.0" encoding="utf-8"?>
-<a:theme xmlns:a="http://schemas.openxmlformats.org/drawingml/2006/main" xmlns:r="http://schemas.openxmlformats.org/officeDocument/2006/relationships" name="Slides">
+<a:theme xmlns:a="http://schemas.openxmlformats.org/drawingml/2006/main" xmlns:r="http://schemas.openxmlformats.org/officeDocument/2006/relationships" name="Cover">
   <a:themeElements>
-    <a:clrScheme name="Office">
+    <a:clrScheme name="Office 2007-2010">
       <a:dk1>
         <a:srgbClr val="000000"/>
       </a:dk1>
@@ -10592,34 +13361,34 @@
         <a:srgbClr val="ffffff"/>
       </a:lt1>
       <a:dk2>
-        <a:srgbClr val="44546a"/>
+        <a:srgbClr val="1f497d"/>
       </a:dk2>
       <a:lt2>
-        <a:srgbClr val="e7e6e6"/>
+        <a:srgbClr val="eeece1"/>
       </a:lt2>
       <a:accent1>
-        <a:srgbClr val="4472c4"/>
+        <a:srgbClr val="4f81bd"/>
       </a:accent1>
       <a:accent2>
-        <a:srgbClr val="ed7d31"/>
+        <a:srgbClr val="c0504d"/>
       </a:accent2>
       <a:accent3>
-        <a:srgbClr val="a5a5a5"/>
+        <a:srgbClr val="9bbb59"/>
       </a:accent3>
       <a:accent4>
-        <a:srgbClr val="ffc000"/>
+        <a:srgbClr val="8064a2"/>
       </a:accent4>
       <a:accent5>
-        <a:srgbClr val="5b9bd5"/>
+        <a:srgbClr val="4bacc6"/>
       </a:accent5>
       <a:accent6>
-        <a:srgbClr val="70ad47"/>
+        <a:srgbClr val="f79646"/>
       </a:accent6>
       <a:hlink>
-        <a:srgbClr val="0563c1"/>
+        <a:srgbClr val="0000ff"/>
       </a:hlink>
       <a:folHlink>
-        <a:srgbClr val="954f72"/>
+        <a:srgbClr val="800080"/>
       </a:folHlink>
     </a:clrScheme>
     <a:fontScheme name="Custom 1">
@@ -10757,9 +13526,9 @@
 </file>
 
 <file path=ppt/theme/theme9.xml><?xml version="1.0" encoding="utf-8"?>
-<a:theme xmlns:a="http://schemas.openxmlformats.org/drawingml/2006/main" xmlns:r="http://schemas.openxmlformats.org/officeDocument/2006/relationships" name="Slides">
+<a:theme xmlns:a="http://schemas.openxmlformats.org/drawingml/2006/main" xmlns:r="http://schemas.openxmlformats.org/officeDocument/2006/relationships" name="Cover">
   <a:themeElements>
-    <a:clrScheme name="Office">
+    <a:clrScheme name="Office 2007-2010">
       <a:dk1>
         <a:srgbClr val="000000"/>
       </a:dk1>
@@ -10767,34 +13536,34 @@
         <a:srgbClr val="ffffff"/>
       </a:lt1>
       <a:dk2>
-        <a:srgbClr val="44546a"/>
+        <a:srgbClr val="1f497d"/>
       </a:dk2>
       <a:lt2>
-        <a:srgbClr val="e7e6e6"/>
+        <a:srgbClr val="eeece1"/>
       </a:lt2>
       <a:accent1>
-        <a:srgbClr val="4472c4"/>
+        <a:srgbClr val="4f81bd"/>
       </a:accent1>
       <a:accent2>
-        <a:srgbClr val="ed7d31"/>
+        <a:srgbClr val="c0504d"/>
       </a:accent2>
       <a:accent3>
-        <a:srgbClr val="a5a5a5"/>
+        <a:srgbClr val="9bbb59"/>
       </a:accent3>
       <a:accent4>
-        <a:srgbClr val="ffc000"/>
+        <a:srgbClr val="8064a2"/>
       </a:accent4>
       <a:accent5>
-        <a:srgbClr val="5b9bd5"/>
+        <a:srgbClr val="4bacc6"/>
       </a:accent5>
       <a:accent6>
-        <a:srgbClr val="70ad47"/>
+        <a:srgbClr val="f79646"/>
       </a:accent6>
       <a:hlink>
-        <a:srgbClr val="0563c1"/>
+        <a:srgbClr val="0000ff"/>
       </a:hlink>
       <a:folHlink>
-        <a:srgbClr val="954f72"/>
+        <a:srgbClr val="800080"/>
       </a:folHlink>
     </a:clrScheme>
     <a:fontScheme name="Custom 1">

--- a/Presentations/interim_presentation_template-ds.pptx
+++ b/Presentations/interim_presentation_template-ds.pptx
@@ -8,32 +8,34 @@
     <p:sldMasterId id="2147483654" r:id="rId5"/>
     <p:sldMasterId id="2147483656" r:id="rId6"/>
     <p:sldMasterId id="2147483658" r:id="rId7"/>
-    <p:sldMasterId id="2147483662" r:id="rId8"/>
-    <p:sldMasterId id="2147483664" r:id="rId9"/>
-    <p:sldMasterId id="2147483666" r:id="rId10"/>
-    <p:sldMasterId id="2147483668" r:id="rId11"/>
-    <p:sldMasterId id="2147483670" r:id="rId12"/>
-    <p:sldMasterId id="2147483672" r:id="rId13"/>
-    <p:sldMasterId id="2147483674" r:id="rId14"/>
-    <p:sldMasterId id="2147483676" r:id="rId15"/>
-    <p:sldMasterId id="2147483678" r:id="rId16"/>
-    <p:sldMasterId id="2147483680" r:id="rId17"/>
-    <p:sldMasterId id="2147483682" r:id="rId18"/>
-    <p:sldMasterId id="2147483684" r:id="rId19"/>
+    <p:sldMasterId id="2147483660" r:id="rId8"/>
+    <p:sldMasterId id="2147483662" r:id="rId9"/>
+    <p:sldMasterId id="2147483664" r:id="rId10"/>
+    <p:sldMasterId id="2147483666" r:id="rId11"/>
+    <p:sldMasterId id="2147483668" r:id="rId12"/>
+    <p:sldMasterId id="2147483670" r:id="rId13"/>
+    <p:sldMasterId id="2147483672" r:id="rId14"/>
+    <p:sldMasterId id="2147483674" r:id="rId15"/>
+    <p:sldMasterId id="2147483676" r:id="rId16"/>
+    <p:sldMasterId id="2147483678" r:id="rId17"/>
+    <p:sldMasterId id="2147483680" r:id="rId18"/>
+    <p:sldMasterId id="2147483682" r:id="rId19"/>
+    <p:sldMasterId id="2147483684" r:id="rId20"/>
+    <p:sldMasterId id="2147483686" r:id="rId21"/>
   </p:sldMasterIdLst>
   <p:sldIdLst>
-    <p:sldId id="256" r:id="rId20"/>
-    <p:sldId id="257" r:id="rId21"/>
-    <p:sldId id="258" r:id="rId22"/>
-    <p:sldId id="259" r:id="rId23"/>
-    <p:sldId id="260" r:id="rId24"/>
-    <p:sldId id="261" r:id="rId25"/>
-    <p:sldId id="262" r:id="rId26"/>
-    <p:sldId id="263" r:id="rId27"/>
-    <p:sldId id="264" r:id="rId28"/>
+    <p:sldId id="256" r:id="rId22"/>
+    <p:sldId id="257" r:id="rId23"/>
+    <p:sldId id="258" r:id="rId24"/>
+    <p:sldId id="259" r:id="rId25"/>
+    <p:sldId id="260" r:id="rId26"/>
+    <p:sldId id="261" r:id="rId27"/>
+    <p:sldId id="262" r:id="rId28"/>
+    <p:sldId id="263" r:id="rId29"/>
+    <p:sldId id="264" r:id="rId30"/>
   </p:sldIdLst>
   <p:sldSz cx="9144000" cy="5143500"/>
-  <p:notesSz cx="7772400" cy="10058400"/>
+  <p:notesSz cx="7559675" cy="10691813"/>
 </p:presentation>
 </file>
 
@@ -100,7 +102,7 @@
       </p:grpSpPr>
       <p:sp>
         <p:nvSpPr>
-          <p:cNvPr id="118" name="PlaceHolder 1"/>
+          <p:cNvPr id="149" name="PlaceHolder 1"/>
           <p:cNvSpPr>
             <a:spLocks noGrp="1"/>
           </p:cNvSpPr>
@@ -129,19 +131,18 @@
             <a:pPr indent="0" algn="ctr">
               <a:buNone/>
             </a:pPr>
-            <a:endParaRPr b="0" lang="en-US" sz="4400" strike="noStrike" u="none">
+            <a:endParaRPr b="0" lang="en-US" sz="4400" spc="-1" strike="noStrike">
               <a:solidFill>
                 <a:srgbClr val="000000"/>
               </a:solidFill>
-              <a:uFillTx/>
-              <a:latin typeface="DejaVu Sans"/>
+              <a:latin typeface="Arial"/>
             </a:endParaRPr>
           </a:p>
         </p:txBody>
       </p:sp>
       <p:sp>
         <p:nvSpPr>
-          <p:cNvPr id="119" name="PlaceHolder 2"/>
+          <p:cNvPr id="150" name="PlaceHolder 2"/>
           <p:cNvSpPr>
             <a:spLocks noGrp="1"/>
           </p:cNvSpPr>
@@ -173,12 +174,11 @@
               </a:spcBef>
               <a:buNone/>
             </a:pPr>
-            <a:endParaRPr b="0" lang="en-US" sz="3200" strike="noStrike" u="none">
+            <a:endParaRPr b="0" lang="en-US" sz="3200" spc="-1" strike="noStrike">
               <a:solidFill>
                 <a:srgbClr val="000000"/>
               </a:solidFill>
-              <a:uFillTx/>
-              <a:latin typeface="DejaVu Sans"/>
+              <a:latin typeface="Arial"/>
             </a:endParaRPr>
           </a:p>
         </p:txBody>
@@ -217,7 +217,7 @@
         <p:txBody>
           <a:bodyPr/>
           <a:p>
-            <a:fld id="{555C0076-1C8C-458B-A1BB-8B2C9BAA623F}" type="slidenum">
+            <a:fld id="{C9E5F3F3-3940-452E-9700-1ED4DFB396B3}" type="slidenum">
               <a:t>&lt;#&gt;</a:t>
             </a:fld>
           </a:p>
@@ -251,7 +251,7 @@
 
 <file path=ppt/slideLayouts/slideLayout12.xml><?xml version="1.0" encoding="utf-8"?>
 <p:sldLayout xmlns:a="http://schemas.openxmlformats.org/drawingml/2006/main" xmlns:p="http://schemas.openxmlformats.org/presentationml/2006/main" xmlns:r="http://schemas.openxmlformats.org/officeDocument/2006/relationships" xmlns:p14="http://schemas.microsoft.com/office/powerpoint/2010/main" xmlns:p15="http://schemas.microsoft.com/office/powerpoint/2012/main" xmlns:mc="http://schemas.openxmlformats.org/markup-compatibility/2006" type="blank" preserve="1">
-  <p:cSld name="Default 2">
+  <p:cSld name="Default 4">
     <p:spTree>
       <p:nvGrpSpPr>
         <p:cNvPr id="1" name=""/>
@@ -339,7 +339,7 @@
 
 <file path=ppt/slideLayouts/slideLayout16.xml><?xml version="1.0" encoding="utf-8"?>
 <p:sldLayout xmlns:a="http://schemas.openxmlformats.org/drawingml/2006/main" xmlns:p="http://schemas.openxmlformats.org/presentationml/2006/main" xmlns:r="http://schemas.openxmlformats.org/officeDocument/2006/relationships" xmlns:p14="http://schemas.microsoft.com/office/powerpoint/2010/main" xmlns:p15="http://schemas.microsoft.com/office/powerpoint/2012/main" xmlns:mc="http://schemas.openxmlformats.org/markup-compatibility/2006" type="blank" preserve="1">
-  <p:cSld name="Default 3">
+  <p:cSld name="Default 5">
     <p:spTree>
       <p:nvGrpSpPr>
         <p:cNvPr id="1" name=""/>
@@ -361,7 +361,7 @@
 
 <file path=ppt/slideLayouts/slideLayout17.xml><?xml version="1.0" encoding="utf-8"?>
 <p:sldLayout xmlns:a="http://schemas.openxmlformats.org/drawingml/2006/main" xmlns:p="http://schemas.openxmlformats.org/presentationml/2006/main" xmlns:r="http://schemas.openxmlformats.org/officeDocument/2006/relationships" xmlns:p14="http://schemas.microsoft.com/office/powerpoint/2010/main" xmlns:p15="http://schemas.microsoft.com/office/powerpoint/2012/main" xmlns:mc="http://schemas.openxmlformats.org/markup-compatibility/2006" type="blank" preserve="1">
-  <p:cSld name="Default 4">
+  <p:cSld name="Default 6">
     <p:spTree>
       <p:nvGrpSpPr>
         <p:cNvPr id="1" name=""/>
@@ -517,12 +517,11 @@
             <a:pPr indent="0" algn="ctr">
               <a:buNone/>
             </a:pPr>
-            <a:endParaRPr b="0" lang="en-US" sz="4400" strike="noStrike" u="none">
+            <a:endParaRPr b="0" lang="en-US" sz="4400" spc="-1" strike="noStrike">
               <a:solidFill>
                 <a:srgbClr val="ffffff"/>
               </a:solidFill>
-              <a:uFillTx/>
-              <a:latin typeface="DejaVu Sans"/>
+              <a:latin typeface="Arial"/>
             </a:endParaRPr>
           </a:p>
         </p:txBody>
@@ -558,12 +557,11 @@
             <a:pPr indent="0" algn="ctr">
               <a:buNone/>
             </a:pPr>
-            <a:endParaRPr b="0" lang="en-US" sz="3200" strike="noStrike" u="none">
+            <a:endParaRPr b="0" lang="en-US" sz="3200" spc="-1" strike="noStrike">
               <a:solidFill>
                 <a:srgbClr val="ffffff"/>
               </a:solidFill>
-              <a:uFillTx/>
-              <a:latin typeface="DejaVu Sans"/>
+              <a:latin typeface="Arial"/>
             </a:endParaRPr>
           </a:p>
         </p:txBody>
@@ -621,12 +619,11 @@
             <a:pPr indent="0" algn="ctr">
               <a:buNone/>
             </a:pPr>
-            <a:endParaRPr b="0" lang="en-US" sz="4400" strike="noStrike" u="none">
+            <a:endParaRPr b="0" lang="en-US" sz="4400" spc="-1" strike="noStrike">
               <a:solidFill>
                 <a:srgbClr val="000000"/>
               </a:solidFill>
-              <a:uFillTx/>
-              <a:latin typeface="DejaVu Sans"/>
+              <a:latin typeface="Arial"/>
             </a:endParaRPr>
           </a:p>
         </p:txBody>
@@ -665,12 +662,11 @@
               </a:spcBef>
               <a:buNone/>
             </a:pPr>
-            <a:endParaRPr b="0" lang="en-US" sz="3200" strike="noStrike" u="none">
+            <a:endParaRPr b="0" lang="en-US" sz="3200" spc="-1" strike="noStrike">
               <a:solidFill>
                 <a:srgbClr val="000000"/>
               </a:solidFill>
-              <a:uFillTx/>
-              <a:latin typeface="DejaVu Sans"/>
+              <a:latin typeface="Arial"/>
             </a:endParaRPr>
           </a:p>
         </p:txBody>
@@ -728,12 +724,11 @@
             <a:pPr indent="0" algn="ctr">
               <a:buNone/>
             </a:pPr>
-            <a:endParaRPr b="0" lang="en-US" sz="4400" strike="noStrike" u="none">
+            <a:endParaRPr b="0" lang="en-US" sz="4400" spc="-1" strike="noStrike">
               <a:solidFill>
                 <a:srgbClr val="000000"/>
               </a:solidFill>
-              <a:uFillTx/>
-              <a:latin typeface="DejaVu Sans"/>
+              <a:latin typeface="Arial"/>
             </a:endParaRPr>
           </a:p>
         </p:txBody>
@@ -769,12 +764,11 @@
             <a:pPr indent="0" algn="ctr">
               <a:buNone/>
             </a:pPr>
-            <a:endParaRPr b="0" lang="en-US" sz="3200" strike="noStrike" u="none">
+            <a:endParaRPr b="0" lang="en-US" sz="3200" spc="-1" strike="noStrike">
               <a:solidFill>
                 <a:srgbClr val="000000"/>
               </a:solidFill>
-              <a:uFillTx/>
-              <a:latin typeface="DejaVu Sans"/>
+              <a:latin typeface="Arial"/>
             </a:endParaRPr>
           </a:p>
         </p:txBody>
@@ -832,12 +826,11 @@
             <a:pPr indent="0" algn="ctr">
               <a:buNone/>
             </a:pPr>
-            <a:endParaRPr b="0" lang="en-US" sz="4400" strike="noStrike" u="none">
+            <a:endParaRPr b="0" lang="en-US" sz="4400" spc="-1" strike="noStrike">
               <a:solidFill>
                 <a:srgbClr val="000000"/>
               </a:solidFill>
-              <a:uFillTx/>
-              <a:latin typeface="DejaVu Sans"/>
+              <a:latin typeface="Arial"/>
             </a:endParaRPr>
           </a:p>
         </p:txBody>
@@ -876,12 +869,11 @@
               </a:spcBef>
               <a:buNone/>
             </a:pPr>
-            <a:endParaRPr b="0" lang="en-US" sz="3200" strike="noStrike" u="none">
+            <a:endParaRPr b="0" lang="en-US" sz="3200" spc="-1" strike="noStrike">
               <a:solidFill>
                 <a:srgbClr val="000000"/>
               </a:solidFill>
-              <a:uFillTx/>
-              <a:latin typeface="DejaVu Sans"/>
+              <a:latin typeface="Arial"/>
             </a:endParaRPr>
           </a:p>
         </p:txBody>
@@ -893,7 +885,7 @@
 
 <file path=ppt/slideLayouts/slideLayout7.xml><?xml version="1.0" encoding="utf-8"?>
 <p:sldLayout xmlns:a="http://schemas.openxmlformats.org/drawingml/2006/main" xmlns:p="http://schemas.openxmlformats.org/presentationml/2006/main" xmlns:r="http://schemas.openxmlformats.org/officeDocument/2006/relationships" xmlns:p14="http://schemas.microsoft.com/office/powerpoint/2010/main" xmlns:p15="http://schemas.microsoft.com/office/powerpoint/2012/main" xmlns:mc="http://schemas.openxmlformats.org/markup-compatibility/2006" type="title" preserve="1">
-  <p:cSld name="Default 1">
+  <p:cSld name="Default 2">
     <p:spTree>
       <p:nvGrpSpPr>
         <p:cNvPr id="1" name=""/>
@@ -910,7 +902,7 @@
       </p:grpSpPr>
       <p:sp>
         <p:nvSpPr>
-          <p:cNvPr id="77" name="PlaceHolder 1"/>
+          <p:cNvPr id="92" name="PlaceHolder 1"/>
           <p:cNvSpPr>
             <a:spLocks noGrp="1"/>
           </p:cNvSpPr>
@@ -939,19 +931,18 @@
             <a:pPr indent="0" algn="ctr">
               <a:buNone/>
             </a:pPr>
-            <a:endParaRPr b="0" lang="en-US" sz="4400" strike="noStrike" u="none">
+            <a:endParaRPr b="0" lang="en-US" sz="4400" spc="-1" strike="noStrike">
               <a:solidFill>
                 <a:srgbClr val="000000"/>
               </a:solidFill>
-              <a:uFillTx/>
-              <a:latin typeface="DejaVu Sans"/>
+              <a:latin typeface="Arial"/>
             </a:endParaRPr>
           </a:p>
         </p:txBody>
       </p:sp>
       <p:sp>
         <p:nvSpPr>
-          <p:cNvPr id="78" name="PlaceHolder 2"/>
+          <p:cNvPr id="93" name="PlaceHolder 2"/>
           <p:cNvSpPr>
             <a:spLocks noGrp="1"/>
           </p:cNvSpPr>
@@ -980,12 +971,11 @@
             <a:pPr indent="0" algn="ctr">
               <a:buNone/>
             </a:pPr>
-            <a:endParaRPr b="0" lang="en-US" sz="3200" strike="noStrike" u="none">
+            <a:endParaRPr b="0" lang="en-US" sz="3200" spc="-1" strike="noStrike">
               <a:solidFill>
                 <a:srgbClr val="000000"/>
               </a:solidFill>
-              <a:uFillTx/>
-              <a:latin typeface="DejaVu Sans"/>
+              <a:latin typeface="Arial"/>
             </a:endParaRPr>
           </a:p>
         </p:txBody>
@@ -997,7 +987,7 @@
 
 <file path=ppt/slideLayouts/slideLayout8.xml><?xml version="1.0" encoding="utf-8"?>
 <p:sldLayout xmlns:a="http://schemas.openxmlformats.org/drawingml/2006/main" xmlns:p="http://schemas.openxmlformats.org/presentationml/2006/main" xmlns:r="http://schemas.openxmlformats.org/officeDocument/2006/relationships" xmlns:p14="http://schemas.microsoft.com/office/powerpoint/2010/main" xmlns:p15="http://schemas.microsoft.com/office/powerpoint/2012/main" xmlns:mc="http://schemas.openxmlformats.org/markup-compatibility/2006" type="blank" preserve="1">
-  <p:cSld name="Default 1">
+  <p:cSld name="Default 3">
     <p:spTree>
       <p:nvGrpSpPr>
         <p:cNvPr id="1" name=""/>
@@ -1036,7 +1026,7 @@
       </p:grpSpPr>
       <p:sp>
         <p:nvSpPr>
-          <p:cNvPr id="95" name="PlaceHolder 1"/>
+          <p:cNvPr id="126" name="PlaceHolder 1"/>
           <p:cNvSpPr>
             <a:spLocks noGrp="1"/>
           </p:cNvSpPr>
@@ -1065,19 +1055,18 @@
             <a:pPr indent="0" algn="ctr">
               <a:buNone/>
             </a:pPr>
-            <a:endParaRPr b="0" lang="en-US" sz="4400" strike="noStrike" u="none">
+            <a:endParaRPr b="0" lang="en-US" sz="4400" spc="-1" strike="noStrike">
               <a:solidFill>
                 <a:srgbClr val="000000"/>
               </a:solidFill>
-              <a:uFillTx/>
-              <a:latin typeface="DejaVu Sans"/>
+              <a:latin typeface="Arial"/>
             </a:endParaRPr>
           </a:p>
         </p:txBody>
       </p:sp>
       <p:sp>
         <p:nvSpPr>
-          <p:cNvPr id="96" name="PlaceHolder 2"/>
+          <p:cNvPr id="127" name="PlaceHolder 2"/>
           <p:cNvSpPr>
             <a:spLocks noGrp="1"/>
           </p:cNvSpPr>
@@ -1109,12 +1098,11 @@
               </a:spcBef>
               <a:buNone/>
             </a:pPr>
-            <a:endParaRPr b="0" lang="en-US" sz="3200" strike="noStrike" u="none">
+            <a:endParaRPr b="0" lang="en-US" sz="3200" spc="-1" strike="noStrike">
               <a:solidFill>
                 <a:srgbClr val="000000"/>
               </a:solidFill>
-              <a:uFillTx/>
-              <a:latin typeface="DejaVu Sans"/>
+              <a:latin typeface="Arial"/>
             </a:endParaRPr>
           </a:p>
         </p:txBody>
@@ -1157,7 +1145,7 @@
         <p:spPr>
           <a:xfrm>
             <a:off x="8711280" y="4803840"/>
-            <a:ext cx="107280" cy="307800"/>
+            <a:ext cx="106920" cy="307440"/>
           </a:xfrm>
           <a:prstGeom prst="rect">
             <a:avLst/>
@@ -1184,21 +1172,19 @@
               </a:lnSpc>
             </a:pPr>
             <a:r>
-              <a:rPr b="0" lang="de-CH" sz="800" strike="noStrike" u="none">
+              <a:rPr b="0" lang="de-CH" sz="800" spc="-1" strike="noStrike">
                 <a:solidFill>
                   <a:schemeClr val="lt1"/>
                 </a:solidFill>
-                <a:uFillTx/>
                 <a:latin typeface="Calibri"/>
               </a:rPr>
               <a:t>|</a:t>
             </a:r>
-            <a:endParaRPr b="0" lang="en-US" sz="800" strike="noStrike" u="none">
+            <a:endParaRPr b="0" lang="en-US" sz="800" spc="-1" strike="noStrike">
               <a:solidFill>
                 <a:srgbClr val="000000"/>
               </a:solidFill>
-              <a:uFillTx/>
-              <a:latin typeface="DejaVu Sans"/>
+              <a:latin typeface="Arial"/>
             </a:endParaRPr>
           </a:p>
         </p:txBody>
@@ -1216,12 +1202,11 @@
         <p:spPr>
           <a:xfrm>
             <a:off x="7932960" y="0"/>
-            <a:ext cx="1201680" cy="1201680"/>
+            <a:ext cx="1201320" cy="1201320"/>
           </a:xfrm>
           <a:prstGeom prst="rect">
             <a:avLst/>
           </a:prstGeom>
-          <a:noFill/>
           <a:ln w="0">
             <a:noFill/>
           </a:ln>
@@ -1229,7 +1214,7 @@
       </p:pic>
     </p:spTree>
   </p:cSld>
-  <p:clrMap bg1="lt1" tx1="dk1" bg2="lt2" tx2="dk2" accent1="accent1" accent2="accent2" accent3="accent3" accent4="accent4" accent5="accent5" accent6="accent6" hlink="hlink" folHlink="folHlink"/>
+  <p:clrMap bg1="lt1" bg2="lt2" tx1="dk1" tx2="dk2" accent1="accent1" accent2="accent2" accent3="accent3" accent4="accent4" accent5="accent5" accent6="accent6" hlink="hlink" folHlink="folHlink"/>
   <p:sldLayoutIdLst>
     <p:sldLayoutId id="2147483649" r:id="rId3"/>
   </p:sldLayoutIdLst>
@@ -1262,14 +1247,14 @@
       </p:grpSpPr>
       <p:sp>
         <p:nvSpPr>
-          <p:cNvPr id="120" name="Textfeld 15"/>
+          <p:cNvPr id="128" name="Textfeld 15"/>
           <p:cNvSpPr/>
           <p:nvPr/>
         </p:nvSpPr>
         <p:spPr>
           <a:xfrm>
             <a:off x="8711280" y="4803840"/>
-            <a:ext cx="107280" cy="307800"/>
+            <a:ext cx="106920" cy="307440"/>
           </a:xfrm>
           <a:prstGeom prst="rect">
             <a:avLst/>
@@ -1296,35 +1281,1269 @@
               </a:lnSpc>
             </a:pPr>
             <a:r>
-              <a:rPr b="0" lang="de-CH" sz="800" strike="noStrike" u="none">
+              <a:rPr b="0" lang="de-CH" sz="800" spc="-1" strike="noStrike">
                 <a:solidFill>
                   <a:schemeClr val="lt1"/>
                 </a:solidFill>
-                <a:uFillTx/>
                 <a:latin typeface="Calibri"/>
               </a:rPr>
               <a:t>|</a:t>
             </a:r>
-            <a:endParaRPr b="0" lang="en-US" sz="800" strike="noStrike" u="none">
+            <a:endParaRPr b="0" lang="en-US" sz="800" spc="-1" strike="noStrike">
               <a:solidFill>
                 <a:srgbClr val="000000"/>
               </a:solidFill>
-              <a:uFillTx/>
-              <a:latin typeface="DejaVu Sans"/>
+              <a:latin typeface="Arial"/>
+            </a:endParaRPr>
+          </a:p>
+        </p:txBody>
+      </p:sp>
+      <p:pic>
+        <p:nvPicPr>
+          <p:cNvPr id="129" name="Εικόνα 2" descr=""/>
+          <p:cNvPicPr/>
+          <p:nvPr/>
+        </p:nvPicPr>
+        <p:blipFill>
+          <a:blip r:embed="rId2"/>
+          <a:stretch/>
+        </p:blipFill>
+        <p:spPr>
+          <a:xfrm>
+            <a:off x="7932960" y="0"/>
+            <a:ext cx="1201320" cy="1201320"/>
+          </a:xfrm>
+          <a:prstGeom prst="rect">
+            <a:avLst/>
+          </a:prstGeom>
+          <a:ln w="0">
+            <a:noFill/>
+          </a:ln>
+        </p:spPr>
+      </p:pic>
+      <p:grpSp>
+        <p:nvGrpSpPr>
+          <p:cNvPr id="130" name="Shape 83"/>
+          <p:cNvGrpSpPr/>
+          <p:nvPr/>
+        </p:nvGrpSpPr>
+        <p:grpSpPr>
+          <a:xfrm>
+            <a:off x="6790320" y="3181680"/>
+            <a:ext cx="2351160" cy="2283480"/>
+            <a:chOff x="6790320" y="3181680"/>
+            <a:chExt cx="2351160" cy="2283480"/>
+          </a:xfrm>
+        </p:grpSpPr>
+        <p:sp>
+          <p:nvSpPr>
+            <p:cNvPr id="131" name="Shape 84"/>
+            <p:cNvSpPr/>
+            <p:nvPr/>
+          </p:nvSpPr>
+          <p:spPr>
+            <a:xfrm flipH="1" rot="9208200">
+              <a:off x="7211160" y="4334040"/>
+              <a:ext cx="381240" cy="950400"/>
+            </a:xfrm>
+            <a:prstGeom prst="flowChartManualInput">
+              <a:avLst/>
+            </a:prstGeom>
+            <a:solidFill>
+              <a:srgbClr val="4bb5d9"/>
+            </a:solidFill>
+            <a:ln w="0">
+              <a:noFill/>
+            </a:ln>
+          </p:spPr>
+          <p:style>
+            <a:lnRef idx="0"/>
+            <a:fillRef idx="0"/>
+            <a:effectRef idx="0"/>
+            <a:fontRef idx="minor"/>
+          </p:style>
+          <p:txBody>
+            <a:bodyPr lIns="90000" rIns="90000" tIns="91440" bIns="91440" anchor="ctr">
+              <a:noAutofit/>
+            </a:bodyPr>
+            <a:p>
+              <a:pPr defTabSz="914400">
+                <a:lnSpc>
+                  <a:spcPct val="100000"/>
+                </a:lnSpc>
+              </a:pPr>
+              <a:endParaRPr b="0" lang="en-US" sz="1800" spc="-1" strike="noStrike">
+                <a:solidFill>
+                  <a:schemeClr val="dk1"/>
+                </a:solidFill>
+                <a:latin typeface="Calibri"/>
+              </a:endParaRPr>
+            </a:p>
+          </p:txBody>
+        </p:sp>
+        <p:sp>
+          <p:nvSpPr>
+            <p:cNvPr id="132" name="Shape 85"/>
+            <p:cNvSpPr/>
+            <p:nvPr/>
+          </p:nvSpPr>
+          <p:spPr>
+            <a:xfrm flipH="1" rot="9208200">
+              <a:off x="8082360" y="3675600"/>
+              <a:ext cx="692280" cy="1725480"/>
+            </a:xfrm>
+            <a:prstGeom prst="flowChartManualInput">
+              <a:avLst/>
+            </a:prstGeom>
+            <a:solidFill>
+              <a:srgbClr val="81d1ec"/>
+            </a:solidFill>
+            <a:ln w="0">
+              <a:noFill/>
+            </a:ln>
+          </p:spPr>
+          <p:style>
+            <a:lnRef idx="0"/>
+            <a:fillRef idx="0"/>
+            <a:effectRef idx="0"/>
+            <a:fontRef idx="minor"/>
+          </p:style>
+          <p:txBody>
+            <a:bodyPr lIns="90000" rIns="90000" tIns="91440" bIns="91440" anchor="ctr">
+              <a:noAutofit/>
+            </a:bodyPr>
+            <a:p>
+              <a:pPr defTabSz="914400">
+                <a:lnSpc>
+                  <a:spcPct val="100000"/>
+                </a:lnSpc>
+              </a:pPr>
+              <a:endParaRPr b="0" lang="en-US" sz="1800" spc="-1" strike="noStrike">
+                <a:solidFill>
+                  <a:schemeClr val="dk1"/>
+                </a:solidFill>
+                <a:latin typeface="Calibri"/>
+              </a:endParaRPr>
+            </a:p>
+          </p:txBody>
+        </p:sp>
+        <p:sp>
+          <p:nvSpPr>
+            <p:cNvPr id="133" name="Shape 86"/>
+            <p:cNvSpPr/>
+            <p:nvPr/>
+          </p:nvSpPr>
+          <p:spPr>
+            <a:xfrm flipH="1" rot="9208200">
+              <a:off x="7823880" y="4465080"/>
+              <a:ext cx="323280" cy="802440"/>
+            </a:xfrm>
+            <a:prstGeom prst="flowChartManualInput">
+              <a:avLst/>
+            </a:prstGeom>
+            <a:solidFill>
+              <a:srgbClr val="ff9900"/>
+            </a:solidFill>
+            <a:ln w="0">
+              <a:noFill/>
+            </a:ln>
+          </p:spPr>
+          <p:style>
+            <a:lnRef idx="0"/>
+            <a:fillRef idx="0"/>
+            <a:effectRef idx="0"/>
+            <a:fontRef idx="minor"/>
+          </p:style>
+          <p:txBody>
+            <a:bodyPr lIns="90000" rIns="90000" tIns="91440" bIns="91440" anchor="ctr">
+              <a:noAutofit/>
+            </a:bodyPr>
+            <a:p>
+              <a:pPr defTabSz="914400">
+                <a:lnSpc>
+                  <a:spcPct val="100000"/>
+                </a:lnSpc>
+              </a:pPr>
+              <a:endParaRPr b="0" lang="en-US" sz="1800" spc="-1" strike="noStrike">
+                <a:solidFill>
+                  <a:schemeClr val="dk1"/>
+                </a:solidFill>
+                <a:latin typeface="Calibri"/>
+              </a:endParaRPr>
+            </a:p>
+          </p:txBody>
+        </p:sp>
+        <p:sp>
+          <p:nvSpPr>
+            <p:cNvPr id="134" name="Shape 87"/>
+            <p:cNvSpPr/>
+            <p:nvPr/>
+          </p:nvSpPr>
+          <p:spPr>
+            <a:xfrm flipH="1" rot="9208200">
+              <a:off x="6880680" y="4768200"/>
+              <a:ext cx="179640" cy="449280"/>
+            </a:xfrm>
+            <a:prstGeom prst="flowChartManualInput">
+              <a:avLst/>
+            </a:prstGeom>
+            <a:solidFill>
+              <a:srgbClr val="3796bf"/>
+            </a:solidFill>
+            <a:ln w="0">
+              <a:noFill/>
+            </a:ln>
+          </p:spPr>
+          <p:style>
+            <a:lnRef idx="0"/>
+            <a:fillRef idx="0"/>
+            <a:effectRef idx="0"/>
+            <a:fontRef idx="minor"/>
+          </p:style>
+          <p:txBody>
+            <a:bodyPr lIns="90000" rIns="90000" tIns="91440" bIns="91440" anchor="ctr">
+              <a:noAutofit/>
+            </a:bodyPr>
+            <a:p>
+              <a:pPr defTabSz="914400">
+                <a:lnSpc>
+                  <a:spcPct val="100000"/>
+                </a:lnSpc>
+              </a:pPr>
+              <a:endParaRPr b="0" lang="en-US" sz="1800" spc="-1" strike="noStrike">
+                <a:solidFill>
+                  <a:schemeClr val="dk1"/>
+                </a:solidFill>
+                <a:latin typeface="Calibri"/>
+              </a:endParaRPr>
+            </a:p>
+          </p:txBody>
+        </p:sp>
+        <p:sp>
+          <p:nvSpPr>
+            <p:cNvPr id="135" name="Shape 88"/>
+            <p:cNvSpPr/>
+            <p:nvPr/>
+          </p:nvSpPr>
+          <p:spPr>
+            <a:xfrm>
+              <a:off x="8467200" y="3181680"/>
+              <a:ext cx="674280" cy="1524600"/>
+            </a:xfrm>
+            <a:custGeom>
+              <a:avLst/>
+              <a:gdLst>
+                <a:gd name="textAreaLeft" fmla="*/ 0 w 674280"/>
+                <a:gd name="textAreaRight" fmla="*/ 676080 w 674280"/>
+                <a:gd name="textAreaTop" fmla="*/ 0 h 1524600"/>
+                <a:gd name="textAreaBottom" fmla="*/ 1526400 h 1524600"/>
+              </a:gdLst>
+              <a:ahLst/>
+              <a:rect l="textAreaLeft" t="textAreaTop" r="textAreaRight" b="textAreaBottom"/>
+              <a:pathLst>
+                <a:path w="37596" h="84860">
+                  <a:moveTo>
+                    <a:pt x="19066" y="0"/>
+                  </a:moveTo>
+                  <a:lnTo>
+                    <a:pt x="0" y="9130"/>
+                  </a:lnTo>
+                  <a:lnTo>
+                    <a:pt x="37596" y="84860"/>
+                  </a:lnTo>
+                  <a:lnTo>
+                    <a:pt x="37596" y="37328"/>
+                  </a:lnTo>
+                  <a:close/>
+                </a:path>
+              </a:pathLst>
+            </a:custGeom>
+            <a:solidFill>
+              <a:srgbClr val="3796bf"/>
+            </a:solidFill>
+            <a:ln w="0">
+              <a:noFill/>
+            </a:ln>
+          </p:spPr>
+          <p:style>
+            <a:lnRef idx="0"/>
+            <a:fillRef idx="0"/>
+            <a:effectRef idx="0"/>
+            <a:fontRef idx="minor"/>
+          </p:style>
+          <p:txBody>
+            <a:bodyPr lIns="90000" rIns="90000" tIns="45000" bIns="45000" anchor="t">
+              <a:noAutofit/>
+            </a:bodyPr>
+            <a:p>
+              <a:pPr>
+                <a:lnSpc>
+                  <a:spcPct val="100000"/>
+                </a:lnSpc>
+              </a:pPr>
+              <a:endParaRPr b="0" lang="en-US" sz="1800" spc="-1" strike="noStrike">
+                <a:solidFill>
+                  <a:srgbClr val="ffffff"/>
+                </a:solidFill>
+                <a:latin typeface="Arial"/>
+              </a:endParaRPr>
+            </a:p>
+          </p:txBody>
+        </p:sp>
+      </p:grpSp>
+      <p:grpSp>
+        <p:nvGrpSpPr>
+          <p:cNvPr id="136" name="Shape 89"/>
+          <p:cNvGrpSpPr/>
+          <p:nvPr/>
+        </p:nvGrpSpPr>
+        <p:grpSpPr>
+          <a:xfrm>
+            <a:off x="2160" y="-227160"/>
+            <a:ext cx="2156400" cy="1344600"/>
+            <a:chOff x="2160" y="-227160"/>
+            <a:chExt cx="2156400" cy="1344600"/>
+          </a:xfrm>
+        </p:grpSpPr>
+        <p:sp>
+          <p:nvSpPr>
+            <p:cNvPr id="137" name="Shape 90"/>
+            <p:cNvSpPr/>
+            <p:nvPr/>
+          </p:nvSpPr>
+          <p:spPr>
+            <a:xfrm flipH="1" rot="20008800">
+              <a:off x="1359360" y="-74520"/>
+              <a:ext cx="203040" cy="507600"/>
+            </a:xfrm>
+            <a:prstGeom prst="flowChartManualInput">
+              <a:avLst/>
+            </a:prstGeom>
+            <a:solidFill>
+              <a:srgbClr val="3796bf"/>
+            </a:solidFill>
+            <a:ln w="0">
+              <a:noFill/>
+            </a:ln>
+          </p:spPr>
+          <p:style>
+            <a:lnRef idx="0"/>
+            <a:fillRef idx="0"/>
+            <a:effectRef idx="0"/>
+            <a:fontRef idx="minor"/>
+          </p:style>
+          <p:txBody>
+            <a:bodyPr lIns="90000" rIns="90000" tIns="91440" bIns="91440" anchor="ctr">
+              <a:noAutofit/>
+            </a:bodyPr>
+            <a:p>
+              <a:pPr defTabSz="914400">
+                <a:lnSpc>
+                  <a:spcPct val="100000"/>
+                </a:lnSpc>
+              </a:pPr>
+              <a:endParaRPr b="0" lang="en-US" sz="1800" spc="-1" strike="noStrike">
+                <a:solidFill>
+                  <a:schemeClr val="dk1"/>
+                </a:solidFill>
+                <a:latin typeface="Calibri"/>
+              </a:endParaRPr>
+            </a:p>
+          </p:txBody>
+        </p:sp>
+        <p:sp>
+          <p:nvSpPr>
+            <p:cNvPr id="138" name="Shape 91"/>
+            <p:cNvSpPr/>
+            <p:nvPr/>
+          </p:nvSpPr>
+          <p:spPr>
+            <a:xfrm flipH="1" rot="20008800">
+              <a:off x="236880" y="-163440"/>
+              <a:ext cx="433080" cy="1078920"/>
+            </a:xfrm>
+            <a:prstGeom prst="flowChartManualInput">
+              <a:avLst/>
+            </a:prstGeom>
+            <a:solidFill>
+              <a:srgbClr val="ff9900"/>
+            </a:solidFill>
+            <a:ln w="0">
+              <a:noFill/>
+            </a:ln>
+          </p:spPr>
+          <p:style>
+            <a:lnRef idx="0"/>
+            <a:fillRef idx="0"/>
+            <a:effectRef idx="0"/>
+            <a:fontRef idx="minor"/>
+          </p:style>
+          <p:txBody>
+            <a:bodyPr lIns="90000" rIns="90000" tIns="91440" bIns="91440" anchor="ctr">
+              <a:noAutofit/>
+            </a:bodyPr>
+            <a:p>
+              <a:pPr defTabSz="914400">
+                <a:lnSpc>
+                  <a:spcPct val="100000"/>
+                </a:lnSpc>
+              </a:pPr>
+              <a:endParaRPr b="0" lang="en-US" sz="1800" spc="-1" strike="noStrike">
+                <a:solidFill>
+                  <a:schemeClr val="dk1"/>
+                </a:solidFill>
+                <a:latin typeface="Calibri"/>
+              </a:endParaRPr>
+            </a:p>
+          </p:txBody>
+        </p:sp>
+        <p:sp>
+          <p:nvSpPr>
+            <p:cNvPr id="139" name="Shape 92"/>
+            <p:cNvSpPr/>
+            <p:nvPr/>
+          </p:nvSpPr>
+          <p:spPr>
+            <a:xfrm flipH="1" rot="20008800">
+              <a:off x="889920" y="-180720"/>
+              <a:ext cx="502200" cy="1252080"/>
+            </a:xfrm>
+            <a:prstGeom prst="flowChartManualInput">
+              <a:avLst/>
+            </a:prstGeom>
+            <a:solidFill>
+              <a:srgbClr val="81d1ec"/>
+            </a:solidFill>
+            <a:ln w="0">
+              <a:noFill/>
+            </a:ln>
+          </p:spPr>
+          <p:style>
+            <a:lnRef idx="0"/>
+            <a:fillRef idx="0"/>
+            <a:effectRef idx="0"/>
+            <a:fontRef idx="minor"/>
+          </p:style>
+          <p:txBody>
+            <a:bodyPr lIns="90000" rIns="90000" tIns="91440" bIns="91440" anchor="ctr">
+              <a:noAutofit/>
+            </a:bodyPr>
+            <a:p>
+              <a:pPr defTabSz="914400">
+                <a:lnSpc>
+                  <a:spcPct val="100000"/>
+                </a:lnSpc>
+              </a:pPr>
+              <a:endParaRPr b="0" lang="en-US" sz="1800" spc="-1" strike="noStrike">
+                <a:solidFill>
+                  <a:schemeClr val="dk1"/>
+                </a:solidFill>
+                <a:latin typeface="Calibri"/>
+              </a:endParaRPr>
+            </a:p>
+          </p:txBody>
+        </p:sp>
+        <p:sp>
+          <p:nvSpPr>
+            <p:cNvPr id="140" name="Shape 93"/>
+            <p:cNvSpPr/>
+            <p:nvPr/>
+          </p:nvSpPr>
+          <p:spPr>
+            <a:xfrm flipH="1" rot="20008800">
+              <a:off x="1815480" y="-87480"/>
+              <a:ext cx="227520" cy="569160"/>
+            </a:xfrm>
+            <a:prstGeom prst="flowChartManualInput">
+              <a:avLst/>
+            </a:prstGeom>
+            <a:solidFill>
+              <a:srgbClr val="4bb5d9"/>
+            </a:solidFill>
+            <a:ln w="0">
+              <a:noFill/>
+            </a:ln>
+          </p:spPr>
+          <p:style>
+            <a:lnRef idx="0"/>
+            <a:fillRef idx="0"/>
+            <a:effectRef idx="0"/>
+            <a:fontRef idx="minor"/>
+          </p:style>
+          <p:txBody>
+            <a:bodyPr lIns="90000" rIns="90000" tIns="91440" bIns="91440" anchor="ctr">
+              <a:noAutofit/>
+            </a:bodyPr>
+            <a:p>
+              <a:pPr defTabSz="914400">
+                <a:lnSpc>
+                  <a:spcPct val="100000"/>
+                </a:lnSpc>
+              </a:pPr>
+              <a:endParaRPr b="0" lang="en-US" sz="1800" spc="-1" strike="noStrike">
+                <a:solidFill>
+                  <a:schemeClr val="dk1"/>
+                </a:solidFill>
+                <a:latin typeface="Calibri"/>
+              </a:endParaRPr>
+            </a:p>
+          </p:txBody>
+        </p:sp>
+        <p:sp>
+          <p:nvSpPr>
+            <p:cNvPr id="141" name="Shape 94"/>
+            <p:cNvSpPr/>
+            <p:nvPr/>
+          </p:nvSpPr>
+          <p:spPr>
+            <a:xfrm rot="10800000">
+              <a:off x="2160" y="60840"/>
+              <a:ext cx="378000" cy="856080"/>
+            </a:xfrm>
+            <a:custGeom>
+              <a:avLst/>
+              <a:gdLst>
+                <a:gd name="textAreaLeft" fmla="*/ 0 w 378000"/>
+                <a:gd name="textAreaRight" fmla="*/ 379800 w 378000"/>
+                <a:gd name="textAreaTop" fmla="*/ 0 h 856080"/>
+                <a:gd name="textAreaBottom" fmla="*/ 857880 h 856080"/>
+              </a:gdLst>
+              <a:ahLst/>
+              <a:rect l="textAreaLeft" t="textAreaTop" r="textAreaRight" b="textAreaBottom"/>
+              <a:pathLst>
+                <a:path w="37596" h="84860">
+                  <a:moveTo>
+                    <a:pt x="19066" y="0"/>
+                  </a:moveTo>
+                  <a:lnTo>
+                    <a:pt x="0" y="9130"/>
+                  </a:lnTo>
+                  <a:lnTo>
+                    <a:pt x="37596" y="84860"/>
+                  </a:lnTo>
+                  <a:lnTo>
+                    <a:pt x="37596" y="37328"/>
+                  </a:lnTo>
+                  <a:close/>
+                </a:path>
+              </a:pathLst>
+            </a:custGeom>
+            <a:solidFill>
+              <a:srgbClr val="4bb5d9"/>
+            </a:solidFill>
+            <a:ln w="0">
+              <a:noFill/>
+            </a:ln>
+          </p:spPr>
+          <p:style>
+            <a:lnRef idx="0"/>
+            <a:fillRef idx="0"/>
+            <a:effectRef idx="0"/>
+            <a:fontRef idx="minor"/>
+          </p:style>
+          <p:txBody>
+            <a:bodyPr lIns="90000" rIns="90000" tIns="45000" bIns="45000" anchor="t">
+              <a:noAutofit/>
+            </a:bodyPr>
+            <a:p>
+              <a:pPr>
+                <a:lnSpc>
+                  <a:spcPct val="100000"/>
+                </a:lnSpc>
+              </a:pPr>
+              <a:endParaRPr b="0" lang="en-US" sz="1800" spc="-1" strike="noStrike">
+                <a:solidFill>
+                  <a:srgbClr val="ffffff"/>
+                </a:solidFill>
+                <a:latin typeface="Arial"/>
+              </a:endParaRPr>
+            </a:p>
+          </p:txBody>
+        </p:sp>
+      </p:grpSp>
+    </p:spTree>
+  </p:cSld>
+  <p:clrMap bg1="lt1" bg2="lt2" tx1="dk1" tx2="dk2" accent1="accent1" accent2="accent2" accent3="accent3" accent4="accent4" accent5="accent5" accent6="accent6" hlink="hlink" folHlink="folHlink"/>
+  <p:sldLayoutIdLst>
+    <p:sldLayoutId id="2147483667" r:id="rId3"/>
+  </p:sldLayoutIdLst>
+</p:sldMaster>
+</file>
+
+<file path=ppt/slideMasters/slideMaster11.xml><?xml version="1.0" encoding="utf-8"?>
+<p:sldMaster xmlns:a="http://schemas.openxmlformats.org/drawingml/2006/main" xmlns:p="http://schemas.openxmlformats.org/presentationml/2006/main" xmlns:r="http://schemas.openxmlformats.org/officeDocument/2006/relationships" xmlns:p14="http://schemas.microsoft.com/office/powerpoint/2010/main" xmlns:p15="http://schemas.microsoft.com/office/powerpoint/2012/main" xmlns:mc="http://schemas.openxmlformats.org/markup-compatibility/2006">
+  <p:cSld>
+    <p:bg>
+      <p:bgPr>
+        <a:solidFill>
+          <a:srgbClr val="ffffff"/>
+        </a:solidFill>
+      </p:bgPr>
+    </p:bg>
+    <p:spTree>
+      <p:nvGrpSpPr>
+        <p:cNvPr id="1" name=""/>
+        <p:cNvGrpSpPr/>
+        <p:nvPr/>
+      </p:nvGrpSpPr>
+      <p:grpSpPr>
+        <a:xfrm>
+          <a:off x="0" y="0"/>
+          <a:ext cx="0" cy="0"/>
+          <a:chOff x="0" y="0"/>
+          <a:chExt cx="0" cy="0"/>
+        </a:xfrm>
+      </p:grpSpPr>
+      <p:sp>
+        <p:nvSpPr>
+          <p:cNvPr id="142" name="Textfeld 15"/>
+          <p:cNvSpPr/>
+          <p:nvPr/>
+        </p:nvSpPr>
+        <p:spPr>
+          <a:xfrm>
+            <a:off x="8711280" y="4803840"/>
+            <a:ext cx="106920" cy="307440"/>
+          </a:xfrm>
+          <a:prstGeom prst="rect">
+            <a:avLst/>
+          </a:prstGeom>
+          <a:noFill/>
+          <a:ln w="0">
+            <a:noFill/>
+          </a:ln>
+        </p:spPr>
+        <p:style>
+          <a:lnRef idx="0"/>
+          <a:fillRef idx="0"/>
+          <a:effectRef idx="0"/>
+          <a:fontRef idx="minor"/>
+        </p:style>
+        <p:txBody>
+          <a:bodyPr wrap="none" lIns="36000" rIns="36000" tIns="45000" bIns="45000" anchor="ctr">
+            <a:noAutofit/>
+          </a:bodyPr>
+          <a:p>
+            <a:pPr algn="ctr" defTabSz="914400">
+              <a:lnSpc>
+                <a:spcPct val="100000"/>
+              </a:lnSpc>
+            </a:pPr>
+            <a:r>
+              <a:rPr b="0" lang="de-CH" sz="800" spc="-1" strike="noStrike">
+                <a:solidFill>
+                  <a:schemeClr val="lt1"/>
+                </a:solidFill>
+                <a:latin typeface="Calibri"/>
+              </a:rPr>
+              <a:t>|</a:t>
+            </a:r>
+            <a:endParaRPr b="0" lang="en-US" sz="800" spc="-1" strike="noStrike">
+              <a:solidFill>
+                <a:srgbClr val="000000"/>
+              </a:solidFill>
+              <a:latin typeface="Arial"/>
+            </a:endParaRPr>
+          </a:p>
+        </p:txBody>
+      </p:sp>
+      <p:pic>
+        <p:nvPicPr>
+          <p:cNvPr id="143" name="Εικόνα 2" descr=""/>
+          <p:cNvPicPr/>
+          <p:nvPr/>
+        </p:nvPicPr>
+        <p:blipFill>
+          <a:blip r:embed="rId2"/>
+          <a:stretch/>
+        </p:blipFill>
+        <p:spPr>
+          <a:xfrm>
+            <a:off x="7932960" y="0"/>
+            <a:ext cx="1201320" cy="1201320"/>
+          </a:xfrm>
+          <a:prstGeom prst="rect">
+            <a:avLst/>
+          </a:prstGeom>
+          <a:ln w="0">
+            <a:noFill/>
+          </a:ln>
+        </p:spPr>
+      </p:pic>
+      <p:sp>
+        <p:nvSpPr>
+          <p:cNvPr id="144" name="PlaceHolder 1"/>
+          <p:cNvSpPr>
+            <a:spLocks noGrp="1"/>
+          </p:cNvSpPr>
+          <p:nvPr>
+            <p:ph type="title"/>
+          </p:nvPr>
+        </p:nvSpPr>
+        <p:spPr>
+          <a:xfrm>
+            <a:off x="457200" y="205200"/>
+            <a:ext cx="8228880" cy="858240"/>
+          </a:xfrm>
+          <a:prstGeom prst="rect">
+            <a:avLst/>
+          </a:prstGeom>
+          <a:noFill/>
+          <a:ln w="0">
+            <a:noFill/>
+          </a:ln>
+        </p:spPr>
+        <p:txBody>
+          <a:bodyPr lIns="0" rIns="0" tIns="0" bIns="0" anchor="ctr">
+            <a:noAutofit/>
+          </a:bodyPr>
+          <a:p>
+            <a:pPr indent="0">
+              <a:buNone/>
+            </a:pPr>
+            <a:r>
+              <a:rPr b="0" lang="en-US" sz="1800" spc="-1" strike="noStrike">
+                <a:solidFill>
+                  <a:srgbClr val="000000"/>
+                </a:solidFill>
+                <a:latin typeface="Arial"/>
+              </a:rPr>
+              <a:t>Click to edit the title text format</a:t>
+            </a:r>
+            <a:endParaRPr b="0" lang="en-US" sz="1800" spc="-1" strike="noStrike">
+              <a:solidFill>
+                <a:srgbClr val="000000"/>
+              </a:solidFill>
+              <a:latin typeface="Arial"/>
             </a:endParaRPr>
           </a:p>
         </p:txBody>
       </p:sp>
       <p:sp>
         <p:nvSpPr>
-          <p:cNvPr id="121" name="TextBox 5"/>
+          <p:cNvPr id="145" name="PlaceHolder 2"/>
+          <p:cNvSpPr>
+            <a:spLocks noGrp="1"/>
+          </p:cNvSpPr>
+          <p:nvPr>
+            <p:ph type="body"/>
+          </p:nvPr>
+        </p:nvSpPr>
+        <p:spPr>
+          <a:xfrm>
+            <a:off x="457200" y="1203480"/>
+            <a:ext cx="8228880" cy="2982600"/>
+          </a:xfrm>
+          <a:prstGeom prst="rect">
+            <a:avLst/>
+          </a:prstGeom>
+          <a:noFill/>
+          <a:ln w="0">
+            <a:noFill/>
+          </a:ln>
+        </p:spPr>
+        <p:txBody>
+          <a:bodyPr lIns="0" rIns="0" tIns="0" bIns="0" anchor="t">
+            <a:normAutofit/>
+          </a:bodyPr>
+          <a:p>
+            <a:pPr marL="432000" indent="-324000">
+              <a:spcBef>
+                <a:spcPts val="1417"/>
+              </a:spcBef>
+              <a:buClr>
+                <a:srgbClr val="000000"/>
+              </a:buClr>
+              <a:buSzPct val="45000"/>
+              <a:buFont typeface="Wingdings" charset="2"/>
+              <a:buChar char=""/>
+            </a:pPr>
+            <a:r>
+              <a:rPr b="0" lang="en-US" sz="1800" spc="-1" strike="noStrike">
+                <a:solidFill>
+                  <a:srgbClr val="000000"/>
+                </a:solidFill>
+                <a:latin typeface="Arial"/>
+              </a:rPr>
+              <a:t>Click to edit the outline text format</a:t>
+            </a:r>
+            <a:endParaRPr b="0" lang="en-US" sz="1800" spc="-1" strike="noStrike">
+              <a:solidFill>
+                <a:srgbClr val="000000"/>
+              </a:solidFill>
+              <a:latin typeface="Arial"/>
+            </a:endParaRPr>
+          </a:p>
+          <a:p>
+            <a:pPr lvl="1" marL="864000" indent="-324000">
+              <a:spcBef>
+                <a:spcPts val="1134"/>
+              </a:spcBef>
+              <a:buClr>
+                <a:srgbClr val="000000"/>
+              </a:buClr>
+              <a:buSzPct val="75000"/>
+              <a:buFont typeface="Symbol" charset="2"/>
+              <a:buChar char=""/>
+            </a:pPr>
+            <a:r>
+              <a:rPr b="0" lang="en-US" sz="1800" spc="-1" strike="noStrike">
+                <a:solidFill>
+                  <a:srgbClr val="000000"/>
+                </a:solidFill>
+                <a:latin typeface="Arial"/>
+              </a:rPr>
+              <a:t>Second Outline Level</a:t>
+            </a:r>
+            <a:endParaRPr b="0" lang="en-US" sz="1800" spc="-1" strike="noStrike">
+              <a:solidFill>
+                <a:srgbClr val="000000"/>
+              </a:solidFill>
+              <a:latin typeface="Arial"/>
+            </a:endParaRPr>
+          </a:p>
+          <a:p>
+            <a:pPr lvl="2" marL="1296000" indent="-288000">
+              <a:spcBef>
+                <a:spcPts val="850"/>
+              </a:spcBef>
+              <a:buClr>
+                <a:srgbClr val="000000"/>
+              </a:buClr>
+              <a:buSzPct val="45000"/>
+              <a:buFont typeface="Wingdings" charset="2"/>
+              <a:buChar char=""/>
+            </a:pPr>
+            <a:r>
+              <a:rPr b="0" lang="en-US" sz="1800" spc="-1" strike="noStrike">
+                <a:solidFill>
+                  <a:srgbClr val="000000"/>
+                </a:solidFill>
+                <a:latin typeface="Arial"/>
+              </a:rPr>
+              <a:t>Third Outline Level</a:t>
+            </a:r>
+            <a:endParaRPr b="0" lang="en-US" sz="1800" spc="-1" strike="noStrike">
+              <a:solidFill>
+                <a:srgbClr val="000000"/>
+              </a:solidFill>
+              <a:latin typeface="Arial"/>
+            </a:endParaRPr>
+          </a:p>
+          <a:p>
+            <a:pPr lvl="3" marL="1728000" indent="-216000">
+              <a:spcBef>
+                <a:spcPts val="567"/>
+              </a:spcBef>
+              <a:buClr>
+                <a:srgbClr val="000000"/>
+              </a:buClr>
+              <a:buSzPct val="75000"/>
+              <a:buFont typeface="Symbol" charset="2"/>
+              <a:buChar char=""/>
+            </a:pPr>
+            <a:r>
+              <a:rPr b="0" lang="en-US" sz="1800" spc="-1" strike="noStrike">
+                <a:solidFill>
+                  <a:srgbClr val="000000"/>
+                </a:solidFill>
+                <a:latin typeface="Arial"/>
+              </a:rPr>
+              <a:t>Fourth Outline Level</a:t>
+            </a:r>
+            <a:endParaRPr b="0" lang="en-US" sz="1800" spc="-1" strike="noStrike">
+              <a:solidFill>
+                <a:srgbClr val="000000"/>
+              </a:solidFill>
+              <a:latin typeface="Arial"/>
+            </a:endParaRPr>
+          </a:p>
+          <a:p>
+            <a:pPr lvl="4" marL="2160000" indent="-216000">
+              <a:spcBef>
+                <a:spcPts val="283"/>
+              </a:spcBef>
+              <a:buClr>
+                <a:srgbClr val="000000"/>
+              </a:buClr>
+              <a:buSzPct val="45000"/>
+              <a:buFont typeface="Wingdings" charset="2"/>
+              <a:buChar char=""/>
+            </a:pPr>
+            <a:r>
+              <a:rPr b="0" lang="en-US" sz="1800" spc="-1" strike="noStrike">
+                <a:solidFill>
+                  <a:srgbClr val="000000"/>
+                </a:solidFill>
+                <a:latin typeface="Arial"/>
+              </a:rPr>
+              <a:t>Fifth Outline Level</a:t>
+            </a:r>
+            <a:endParaRPr b="0" lang="en-US" sz="1800" spc="-1" strike="noStrike">
+              <a:solidFill>
+                <a:srgbClr val="000000"/>
+              </a:solidFill>
+              <a:latin typeface="Arial"/>
+            </a:endParaRPr>
+          </a:p>
+          <a:p>
+            <a:pPr lvl="5" marL="2592000" indent="-216000">
+              <a:spcBef>
+                <a:spcPts val="283"/>
+              </a:spcBef>
+              <a:buClr>
+                <a:srgbClr val="000000"/>
+              </a:buClr>
+              <a:buSzPct val="45000"/>
+              <a:buFont typeface="Wingdings" charset="2"/>
+              <a:buChar char=""/>
+            </a:pPr>
+            <a:r>
+              <a:rPr b="0" lang="en-US" sz="1800" spc="-1" strike="noStrike">
+                <a:solidFill>
+                  <a:srgbClr val="000000"/>
+                </a:solidFill>
+                <a:latin typeface="Arial"/>
+              </a:rPr>
+              <a:t>Sixth Outline Level</a:t>
+            </a:r>
+            <a:endParaRPr b="0" lang="en-US" sz="1800" spc="-1" strike="noStrike">
+              <a:solidFill>
+                <a:srgbClr val="000000"/>
+              </a:solidFill>
+              <a:latin typeface="Arial"/>
+            </a:endParaRPr>
+          </a:p>
+          <a:p>
+            <a:pPr lvl="6" marL="3024000" indent="-216000">
+              <a:spcBef>
+                <a:spcPts val="283"/>
+              </a:spcBef>
+              <a:buClr>
+                <a:srgbClr val="000000"/>
+              </a:buClr>
+              <a:buSzPct val="45000"/>
+              <a:buFont typeface="Wingdings" charset="2"/>
+              <a:buChar char=""/>
+            </a:pPr>
+            <a:r>
+              <a:rPr b="0" lang="en-US" sz="1800" spc="-1" strike="noStrike">
+                <a:solidFill>
+                  <a:srgbClr val="000000"/>
+                </a:solidFill>
+                <a:latin typeface="Arial"/>
+              </a:rPr>
+              <a:t>Seventh Outline Level</a:t>
+            </a:r>
+            <a:endParaRPr b="0" lang="en-US" sz="1800" spc="-1" strike="noStrike">
+              <a:solidFill>
+                <a:srgbClr val="000000"/>
+              </a:solidFill>
+              <a:latin typeface="Arial"/>
+            </a:endParaRPr>
+          </a:p>
+        </p:txBody>
+      </p:sp>
+      <p:sp>
+        <p:nvSpPr>
+          <p:cNvPr id="146" name="PlaceHolder 3"/>
+          <p:cNvSpPr>
+            <a:spLocks noGrp="1"/>
+          </p:cNvSpPr>
+          <p:nvPr>
+            <p:ph type="ftr" idx="1"/>
+          </p:nvPr>
+        </p:nvSpPr>
+        <p:spPr>
+          <a:xfrm>
+            <a:off x="0" y="0"/>
+            <a:ext cx="0" cy="0"/>
+          </a:xfrm>
+          <a:prstGeom prst="rect">
+            <a:avLst/>
+          </a:prstGeom>
+          <a:noFill/>
+          <a:ln w="0">
+            <a:noFill/>
+          </a:ln>
+        </p:spPr>
+        <p:txBody>
+          <a:bodyPr lIns="90000" rIns="90000" tIns="-45000" bIns="-45000" anchor="t">
+            <a:noAutofit/>
+          </a:bodyPr>
+          <a:lstStyle>
+            <a:lvl1pPr indent="0" algn="ctr">
+              <a:lnSpc>
+                <a:spcPct val="100000"/>
+              </a:lnSpc>
+              <a:buNone/>
+              <a:tabLst>
+                <a:tab algn="l" pos="0"/>
+              </a:tabLst>
+              <a:defRPr b="0" lang="en-US" sz="1400" spc="-1" strike="noStrike">
+                <a:solidFill>
+                  <a:srgbClr val="000000"/>
+                </a:solidFill>
+                <a:latin typeface="Times New Roman"/>
+              </a:defRPr>
+            </a:lvl1pPr>
+          </a:lstStyle>
+          <a:p>
+            <a:pPr indent="0" algn="ctr">
+              <a:lnSpc>
+                <a:spcPct val="100000"/>
+              </a:lnSpc>
+              <a:buNone/>
+              <a:tabLst>
+                <a:tab algn="l" pos="0"/>
+              </a:tabLst>
+            </a:pPr>
+            <a:r>
+              <a:rPr b="0" lang="en-US" sz="1400" spc="-1" strike="noStrike">
+                <a:solidFill>
+                  <a:srgbClr val="000000"/>
+                </a:solidFill>
+                <a:latin typeface="Times New Roman"/>
+              </a:rPr>
+              <a:t>&lt;footer&gt;</a:t>
+            </a:r>
+            <a:endParaRPr b="0" lang="en-US" sz="1400" spc="-1" strike="noStrike">
+              <a:solidFill>
+                <a:srgbClr val="000000"/>
+              </a:solidFill>
+              <a:latin typeface="Times New Roman"/>
+            </a:endParaRPr>
+          </a:p>
+        </p:txBody>
+      </p:sp>
+      <p:sp>
+        <p:nvSpPr>
+          <p:cNvPr id="147" name="PlaceHolder 4"/>
+          <p:cNvSpPr>
+            <a:spLocks noGrp="1"/>
+          </p:cNvSpPr>
+          <p:nvPr>
+            <p:ph type="sldNum" idx="2"/>
+          </p:nvPr>
+        </p:nvSpPr>
+        <p:spPr>
+          <a:xfrm>
+            <a:off x="0" y="0"/>
+            <a:ext cx="0" cy="0"/>
+          </a:xfrm>
+          <a:prstGeom prst="rect">
+            <a:avLst/>
+          </a:prstGeom>
+          <a:noFill/>
+          <a:ln w="0">
+            <a:noFill/>
+          </a:ln>
+        </p:spPr>
+        <p:txBody>
+          <a:bodyPr lIns="90000" rIns="90000" tIns="-45000" bIns="-45000" anchor="t">
+            <a:noAutofit/>
+          </a:bodyPr>
+          <a:lstStyle>
+            <a:lvl1pPr indent="0" defTabSz="914400">
+              <a:lnSpc>
+                <a:spcPct val="100000"/>
+              </a:lnSpc>
+              <a:buNone/>
+              <a:tabLst>
+                <a:tab algn="l" pos="0"/>
+              </a:tabLst>
+              <a:defRPr b="0" lang="en-US" sz="1800" spc="-1" strike="noStrike">
+                <a:solidFill>
+                  <a:schemeClr val="dk1"/>
+                </a:solidFill>
+                <a:latin typeface="Calibri"/>
+              </a:defRPr>
+            </a:lvl1pPr>
+          </a:lstStyle>
+          <a:p>
+            <a:pPr indent="0" defTabSz="914400">
+              <a:lnSpc>
+                <a:spcPct val="100000"/>
+              </a:lnSpc>
+              <a:buNone/>
+              <a:tabLst>
+                <a:tab algn="l" pos="0"/>
+              </a:tabLst>
+            </a:pPr>
+            <a:fld id="{AF37EAFA-63AD-4F2A-B6CA-C38F499D8E82}" type="slidenum">
+              <a:rPr b="0" lang="en-US" sz="1800" spc="-1" strike="noStrike">
+                <a:solidFill>
+                  <a:schemeClr val="dk1"/>
+                </a:solidFill>
+                <a:latin typeface="Calibri"/>
+              </a:rPr>
+              <a:t>&lt;number&gt;</a:t>
+            </a:fld>
+            <a:endParaRPr b="0" lang="en-US" sz="1800" spc="-1" strike="noStrike">
+              <a:solidFill>
+                <a:srgbClr val="000000"/>
+              </a:solidFill>
+              <a:latin typeface="Times New Roman"/>
+            </a:endParaRPr>
+          </a:p>
+        </p:txBody>
+      </p:sp>
+      <p:sp>
+        <p:nvSpPr>
+          <p:cNvPr id="148" name="PlaceHolder 5"/>
+          <p:cNvSpPr>
+            <a:spLocks noGrp="1"/>
+          </p:cNvSpPr>
+          <p:nvPr>
+            <p:ph type="dt" idx="3"/>
+          </p:nvPr>
+        </p:nvSpPr>
+        <p:spPr>
+          <a:xfrm>
+            <a:off x="0" y="0"/>
+            <a:ext cx="0" cy="0"/>
+          </a:xfrm>
+          <a:prstGeom prst="rect">
+            <a:avLst/>
+          </a:prstGeom>
+          <a:noFill/>
+          <a:ln w="0">
+            <a:noFill/>
+          </a:ln>
+        </p:spPr>
+        <p:txBody>
+          <a:bodyPr lIns="90000" rIns="90000" tIns="-45000" bIns="-45000" anchor="t">
+            <a:noAutofit/>
+          </a:bodyPr>
+          <a:lstStyle>
+            <a:lvl1pPr indent="0">
+              <a:buNone/>
+              <a:defRPr b="0" lang="en-US" sz="1400" spc="-1" strike="noStrike">
+                <a:solidFill>
+                  <a:srgbClr val="000000"/>
+                </a:solidFill>
+                <a:latin typeface="Times New Roman"/>
+              </a:defRPr>
+            </a:lvl1pPr>
+          </a:lstStyle>
+          <a:p>
+            <a:pPr indent="0">
+              <a:buNone/>
+            </a:pPr>
+            <a:r>
+              <a:rPr b="0" lang="en-US" sz="1400" spc="-1" strike="noStrike">
+                <a:solidFill>
+                  <a:srgbClr val="000000"/>
+                </a:solidFill>
+                <a:latin typeface="Times New Roman"/>
+              </a:rPr>
+              <a:t>&lt;date/time&gt;</a:t>
+            </a:r>
+            <a:endParaRPr b="0" lang="en-US" sz="1400" spc="-1" strike="noStrike">
+              <a:solidFill>
+                <a:srgbClr val="000000"/>
+              </a:solidFill>
+              <a:latin typeface="Times New Roman"/>
+            </a:endParaRPr>
+          </a:p>
+        </p:txBody>
+      </p:sp>
+    </p:spTree>
+  </p:cSld>
+  <p:clrMap bg1="lt1" bg2="lt2" tx1="dk1" tx2="dk2" accent1="accent1" accent2="accent2" accent3="accent3" accent4="accent4" accent5="accent5" accent6="accent6" hlink="hlink" folHlink="folHlink"/>
+  <p:sldLayoutIdLst>
+    <p:sldLayoutId id="2147483669" r:id="rId3"/>
+  </p:sldLayoutIdLst>
+</p:sldMaster>
+</file>
+
+<file path=ppt/slideMasters/slideMaster12.xml><?xml version="1.0" encoding="utf-8"?>
+<p:sldMaster xmlns:a="http://schemas.openxmlformats.org/drawingml/2006/main" xmlns:p="http://schemas.openxmlformats.org/presentationml/2006/main" xmlns:r="http://schemas.openxmlformats.org/officeDocument/2006/relationships" xmlns:p14="http://schemas.microsoft.com/office/powerpoint/2010/main" xmlns:p15="http://schemas.microsoft.com/office/powerpoint/2012/main" xmlns:mc="http://schemas.openxmlformats.org/markup-compatibility/2006">
+  <p:cSld>
+    <p:bg>
+      <p:bgPr>
+        <a:solidFill>
+          <a:srgbClr val="ffffff"/>
+        </a:solidFill>
+      </p:bgPr>
+    </p:bg>
+    <p:spTree>
+      <p:nvGrpSpPr>
+        <p:cNvPr id="1" name=""/>
+        <p:cNvGrpSpPr/>
+        <p:nvPr/>
+      </p:nvGrpSpPr>
+      <p:grpSpPr>
+        <a:xfrm>
+          <a:off x="0" y="0"/>
+          <a:ext cx="0" cy="0"/>
+          <a:chOff x="0" y="0"/>
+          <a:chExt cx="0" cy="0"/>
+        </a:xfrm>
+      </p:grpSpPr>
+      <p:sp>
+        <p:nvSpPr>
+          <p:cNvPr id="151" name="Textfeld 15"/>
+          <p:cNvSpPr/>
+          <p:nvPr/>
+        </p:nvSpPr>
+        <p:spPr>
+          <a:xfrm>
+            <a:off x="8711280" y="4803840"/>
+            <a:ext cx="106920" cy="307440"/>
+          </a:xfrm>
+          <a:prstGeom prst="rect">
+            <a:avLst/>
+          </a:prstGeom>
+          <a:noFill/>
+          <a:ln w="0">
+            <a:noFill/>
+          </a:ln>
+        </p:spPr>
+        <p:style>
+          <a:lnRef idx="0"/>
+          <a:fillRef idx="0"/>
+          <a:effectRef idx="0"/>
+          <a:fontRef idx="minor"/>
+        </p:style>
+        <p:txBody>
+          <a:bodyPr wrap="none" lIns="36000" rIns="36000" tIns="45000" bIns="45000" anchor="ctr">
+            <a:noAutofit/>
+          </a:bodyPr>
+          <a:p>
+            <a:pPr algn="ctr" defTabSz="914400">
+              <a:lnSpc>
+                <a:spcPct val="100000"/>
+              </a:lnSpc>
+            </a:pPr>
+            <a:r>
+              <a:rPr b="0" lang="de-CH" sz="800" spc="-1" strike="noStrike">
+                <a:solidFill>
+                  <a:schemeClr val="lt1"/>
+                </a:solidFill>
+                <a:latin typeface="Calibri"/>
+              </a:rPr>
+              <a:t>|</a:t>
+            </a:r>
+            <a:endParaRPr b="0" lang="en-US" sz="800" spc="-1" strike="noStrike">
+              <a:solidFill>
+                <a:srgbClr val="000000"/>
+              </a:solidFill>
+              <a:latin typeface="Arial"/>
+            </a:endParaRPr>
+          </a:p>
+        </p:txBody>
+      </p:sp>
+      <p:sp>
+        <p:nvSpPr>
+          <p:cNvPr id="152" name="TextBox 5"/>
           <p:cNvSpPr/>
           <p:nvPr/>
         </p:nvSpPr>
         <p:spPr>
           <a:xfrm>
             <a:off x="8800200" y="4897440"/>
-            <a:ext cx="342000" cy="261720"/>
+            <a:ext cx="341640" cy="261720"/>
           </a:xfrm>
           <a:prstGeom prst="rect">
             <a:avLst/>
@@ -1350,29 +2569,27 @@
                 <a:spcPct val="100000"/>
               </a:lnSpc>
             </a:pPr>
-            <a:fld id="{44CE9CC7-D582-4CBF-A603-A36FACCBCE23}" type="slidenum">
-              <a:rPr b="0" lang="en-US" sz="1000" strike="noStrike" u="none">
+            <a:fld id="{8D093227-D0A5-4230-A54C-6D4871F66B79}" type="slidenum">
+              <a:rPr b="0" lang="en-US" sz="1000" spc="-1" strike="noStrike">
                 <a:solidFill>
                   <a:schemeClr val="accent1"/>
                 </a:solidFill>
-                <a:uFillTx/>
                 <a:latin typeface="Calibri"/>
               </a:rPr>
               <a:t>&lt;number&gt;</a:t>
             </a:fld>
-            <a:endParaRPr b="0" lang="en-US" sz="1000" strike="noStrike" u="none">
+            <a:endParaRPr b="0" lang="en-US" sz="1000" spc="-1" strike="noStrike">
               <a:solidFill>
                 <a:srgbClr val="000000"/>
               </a:solidFill>
-              <a:uFillTx/>
-              <a:latin typeface="DejaVu Sans"/>
+              <a:latin typeface="Arial"/>
             </a:endParaRPr>
           </a:p>
         </p:txBody>
       </p:sp>
       <p:pic>
         <p:nvPicPr>
-          <p:cNvPr id="122" name="Picture 6" descr="A picture containing text, clipart&#10;&#10;Description automatically generated"/>
+          <p:cNvPr id="153" name="Picture 6" descr="A picture containing text, clipart&#10;&#10;Description automatically generated"/>
           <p:cNvPicPr/>
           <p:nvPr/>
         </p:nvPicPr>
@@ -1384,12 +2601,11 @@
         <p:spPr>
           <a:xfrm>
             <a:off x="6371640" y="157680"/>
-            <a:ext cx="2591280" cy="348120"/>
+            <a:ext cx="2590920" cy="347760"/>
           </a:xfrm>
           <a:prstGeom prst="rect">
             <a:avLst/>
           </a:prstGeom>
-          <a:noFill/>
           <a:ln w="0">
             <a:noFill/>
           </a:ln>
@@ -1397,14 +2613,14 @@
       </p:pic>
       <p:sp>
         <p:nvSpPr>
-          <p:cNvPr id="123" name="Rectangle 10"/>
+          <p:cNvPr id="154" name="Rectangle 10"/>
           <p:cNvSpPr/>
           <p:nvPr/>
         </p:nvSpPr>
         <p:spPr>
           <a:xfrm rot="10800000">
-            <a:off x="1800" y="-13680"/>
-            <a:ext cx="9142200" cy="694080"/>
+            <a:off x="2160" y="-13320"/>
+            <a:ext cx="9141840" cy="693720"/>
           </a:xfrm>
           <a:prstGeom prst="rect">
             <a:avLst/>
@@ -1440,11 +2656,10 @@
                 <a:spcPct val="100000"/>
               </a:lnSpc>
             </a:pPr>
-            <a:endParaRPr b="0" lang="en-US" sz="1800" strike="noStrike" u="none">
+            <a:endParaRPr b="0" lang="en-US" sz="1800" spc="-1" strike="noStrike">
               <a:solidFill>
                 <a:schemeClr val="lt1"/>
               </a:solidFill>
-              <a:uFillTx/>
               <a:latin typeface="Calibri"/>
             </a:endParaRPr>
           </a:p>
@@ -1452,14 +2667,14 @@
       </p:sp>
     </p:spTree>
   </p:cSld>
-  <p:clrMap bg1="lt1" tx1="dk1" bg2="lt2" tx2="dk2" accent1="accent1" accent2="accent2" accent3="accent3" accent4="accent4" accent5="accent5" accent6="accent6" hlink="hlink" folHlink="folHlink"/>
+  <p:clrMap bg1="lt1" bg2="lt2" tx1="dk1" tx2="dk2" accent1="accent1" accent2="accent2" accent3="accent3" accent4="accent4" accent5="accent5" accent6="accent6" hlink="hlink" folHlink="folHlink"/>
   <p:sldLayoutIdLst>
-    <p:sldLayoutId id="2147483669" r:id="rId3"/>
+    <p:sldLayoutId id="2147483671" r:id="rId3"/>
   </p:sldLayoutIdLst>
 </p:sldMaster>
 </file>
 
-<file path=ppt/slideMasters/slideMaster11.xml><?xml version="1.0" encoding="utf-8"?>
+<file path=ppt/slideMasters/slideMaster13.xml><?xml version="1.0" encoding="utf-8"?>
 <p:sldMaster xmlns:a="http://schemas.openxmlformats.org/drawingml/2006/main" xmlns:p="http://schemas.openxmlformats.org/presentationml/2006/main" xmlns:r="http://schemas.openxmlformats.org/officeDocument/2006/relationships" xmlns:p14="http://schemas.microsoft.com/office/powerpoint/2010/main" xmlns:p15="http://schemas.microsoft.com/office/powerpoint/2012/main" xmlns:mc="http://schemas.openxmlformats.org/markup-compatibility/2006">
   <p:cSld>
     <p:bg>
@@ -1485,14 +2700,14 @@
       </p:grpSpPr>
       <p:sp>
         <p:nvSpPr>
-          <p:cNvPr id="124" name="Textfeld 15"/>
+          <p:cNvPr id="155" name="Textfeld 15"/>
           <p:cNvSpPr/>
           <p:nvPr/>
         </p:nvSpPr>
         <p:spPr>
           <a:xfrm>
             <a:off x="8711280" y="4803840"/>
-            <a:ext cx="107280" cy="307800"/>
+            <a:ext cx="106920" cy="307440"/>
           </a:xfrm>
           <a:prstGeom prst="rect">
             <a:avLst/>
@@ -1519,35 +2734,33 @@
               </a:lnSpc>
             </a:pPr>
             <a:r>
-              <a:rPr b="0" lang="de-CH" sz="800" strike="noStrike" u="none">
+              <a:rPr b="0" lang="de-CH" sz="800" spc="-1" strike="noStrike">
                 <a:solidFill>
                   <a:schemeClr val="lt1"/>
                 </a:solidFill>
-                <a:uFillTx/>
                 <a:latin typeface="Calibri"/>
               </a:rPr>
               <a:t>|</a:t>
             </a:r>
-            <a:endParaRPr b="0" lang="en-US" sz="800" strike="noStrike" u="none">
+            <a:endParaRPr b="0" lang="en-US" sz="800" spc="-1" strike="noStrike">
               <a:solidFill>
                 <a:srgbClr val="000000"/>
               </a:solidFill>
-              <a:uFillTx/>
-              <a:latin typeface="DejaVu Sans"/>
+              <a:latin typeface="Arial"/>
             </a:endParaRPr>
           </a:p>
         </p:txBody>
       </p:sp>
       <p:sp>
         <p:nvSpPr>
-          <p:cNvPr id="125" name="TextBox 5"/>
+          <p:cNvPr id="156" name="TextBox 5"/>
           <p:cNvSpPr/>
           <p:nvPr/>
         </p:nvSpPr>
         <p:spPr>
           <a:xfrm>
             <a:off x="8800200" y="4897440"/>
-            <a:ext cx="342000" cy="261720"/>
+            <a:ext cx="341640" cy="261720"/>
           </a:xfrm>
           <a:prstGeom prst="rect">
             <a:avLst/>
@@ -1573,29 +2786,27 @@
                 <a:spcPct val="100000"/>
               </a:lnSpc>
             </a:pPr>
-            <a:fld id="{FB222159-6CDE-44A1-B565-A0A672C8E20E}" type="slidenum">
-              <a:rPr b="0" lang="en-US" sz="1000" strike="noStrike" u="none">
+            <a:fld id="{9F430807-FE37-4579-B0BB-C5EFD8A2B6D9}" type="slidenum">
+              <a:rPr b="0" lang="en-US" sz="1000" spc="-1" strike="noStrike">
                 <a:solidFill>
                   <a:schemeClr val="accent1"/>
                 </a:solidFill>
-                <a:uFillTx/>
                 <a:latin typeface="Calibri"/>
               </a:rPr>
-              <a:t>1</a:t>
+              <a:t>&lt;number&gt;</a:t>
             </a:fld>
-            <a:endParaRPr b="0" lang="en-US" sz="1000" strike="noStrike" u="none">
+            <a:endParaRPr b="0" lang="en-US" sz="1000" spc="-1" strike="noStrike">
               <a:solidFill>
                 <a:srgbClr val="000000"/>
               </a:solidFill>
-              <a:uFillTx/>
-              <a:latin typeface="DejaVu Sans"/>
+              <a:latin typeface="Arial"/>
             </a:endParaRPr>
           </a:p>
         </p:txBody>
       </p:sp>
       <p:pic>
         <p:nvPicPr>
-          <p:cNvPr id="126" name="Picture 6" descr="A picture containing text, clipart&#10;&#10;Description automatically generated"/>
+          <p:cNvPr id="157" name="Picture 6" descr="A picture containing text, clipart&#10;&#10;Description automatically generated"/>
           <p:cNvPicPr/>
           <p:nvPr/>
         </p:nvPicPr>
@@ -1607,12 +2818,11 @@
         <p:spPr>
           <a:xfrm>
             <a:off x="6371640" y="157680"/>
-            <a:ext cx="2591280" cy="348120"/>
+            <a:ext cx="2590920" cy="347760"/>
           </a:xfrm>
           <a:prstGeom prst="rect">
             <a:avLst/>
           </a:prstGeom>
-          <a:noFill/>
           <a:ln w="0">
             <a:noFill/>
           </a:ln>
@@ -1620,14 +2830,14 @@
       </p:pic>
       <p:sp>
         <p:nvSpPr>
-          <p:cNvPr id="127" name="Rectangle 10"/>
+          <p:cNvPr id="158" name="Rectangle 10"/>
           <p:cNvSpPr/>
           <p:nvPr/>
         </p:nvSpPr>
         <p:spPr>
           <a:xfrm rot="10800000">
-            <a:off x="1800" y="-13680"/>
-            <a:ext cx="9142200" cy="694080"/>
+            <a:off x="2160" y="-13320"/>
+            <a:ext cx="9141840" cy="693720"/>
           </a:xfrm>
           <a:prstGeom prst="rect">
             <a:avLst/>
@@ -1663,11 +2873,10 @@
                 <a:spcPct val="100000"/>
               </a:lnSpc>
             </a:pPr>
-            <a:endParaRPr b="0" lang="en-US" sz="1800" strike="noStrike" u="none">
+            <a:endParaRPr b="0" lang="en-US" sz="1800" spc="-1" strike="noStrike">
               <a:solidFill>
                 <a:schemeClr val="lt1"/>
               </a:solidFill>
-              <a:uFillTx/>
               <a:latin typeface="Calibri"/>
             </a:endParaRPr>
           </a:p>
@@ -1675,14 +2884,14 @@
       </p:sp>
     </p:spTree>
   </p:cSld>
-  <p:clrMap bg1="lt1" tx1="dk1" bg2="lt2" tx2="dk2" accent1="accent1" accent2="accent2" accent3="accent3" accent4="accent4" accent5="accent5" accent6="accent6" hlink="hlink" folHlink="folHlink"/>
+  <p:clrMap bg1="lt1" bg2="lt2" tx1="dk1" tx2="dk2" accent1="accent1" accent2="accent2" accent3="accent3" accent4="accent4" accent5="accent5" accent6="accent6" hlink="hlink" folHlink="folHlink"/>
   <p:sldLayoutIdLst>
-    <p:sldLayoutId id="2147483671" r:id="rId3"/>
+    <p:sldLayoutId id="2147483673" r:id="rId3"/>
   </p:sldLayoutIdLst>
 </p:sldMaster>
 </file>
 
-<file path=ppt/slideMasters/slideMaster12.xml><?xml version="1.0" encoding="utf-8"?>
+<file path=ppt/slideMasters/slideMaster14.xml><?xml version="1.0" encoding="utf-8"?>
 <p:sldMaster xmlns:a="http://schemas.openxmlformats.org/drawingml/2006/main" xmlns:p="http://schemas.openxmlformats.org/presentationml/2006/main" xmlns:r="http://schemas.openxmlformats.org/officeDocument/2006/relationships" xmlns:p14="http://schemas.microsoft.com/office/powerpoint/2010/main" xmlns:p15="http://schemas.microsoft.com/office/powerpoint/2012/main" xmlns:mc="http://schemas.openxmlformats.org/markup-compatibility/2006">
   <p:cSld>
     <p:bg>
@@ -1708,14 +2917,14 @@
       </p:grpSpPr>
       <p:sp>
         <p:nvSpPr>
-          <p:cNvPr id="128" name="Textfeld 15"/>
+          <p:cNvPr id="159" name="Textfeld 15"/>
           <p:cNvSpPr/>
           <p:nvPr/>
         </p:nvSpPr>
         <p:spPr>
           <a:xfrm>
             <a:off x="8711280" y="4803840"/>
-            <a:ext cx="107280" cy="307800"/>
+            <a:ext cx="106920" cy="307440"/>
           </a:xfrm>
           <a:prstGeom prst="rect">
             <a:avLst/>
@@ -1742,35 +2951,33 @@
               </a:lnSpc>
             </a:pPr>
             <a:r>
-              <a:rPr b="0" lang="de-CH" sz="800" strike="noStrike" u="none">
+              <a:rPr b="0" lang="de-CH" sz="800" spc="-1" strike="noStrike">
                 <a:solidFill>
                   <a:schemeClr val="lt1"/>
                 </a:solidFill>
-                <a:uFillTx/>
                 <a:latin typeface="Calibri"/>
               </a:rPr>
               <a:t>|</a:t>
             </a:r>
-            <a:endParaRPr b="0" lang="en-US" sz="800" strike="noStrike" u="none">
+            <a:endParaRPr b="0" lang="en-US" sz="800" spc="-1" strike="noStrike">
               <a:solidFill>
                 <a:srgbClr val="000000"/>
               </a:solidFill>
-              <a:uFillTx/>
-              <a:latin typeface="DejaVu Sans"/>
+              <a:latin typeface="Arial"/>
             </a:endParaRPr>
           </a:p>
         </p:txBody>
       </p:sp>
       <p:sp>
         <p:nvSpPr>
-          <p:cNvPr id="129" name="TextBox 5"/>
+          <p:cNvPr id="160" name="TextBox 5"/>
           <p:cNvSpPr/>
           <p:nvPr/>
         </p:nvSpPr>
         <p:spPr>
           <a:xfrm>
             <a:off x="8800200" y="4897440"/>
-            <a:ext cx="342000" cy="261720"/>
+            <a:ext cx="341640" cy="261720"/>
           </a:xfrm>
           <a:prstGeom prst="rect">
             <a:avLst/>
@@ -1796,29 +3003,27 @@
                 <a:spcPct val="100000"/>
               </a:lnSpc>
             </a:pPr>
-            <a:fld id="{5985DC72-A938-400B-B758-07FFEC99603F}" type="slidenum">
-              <a:rPr b="0" lang="en-US" sz="1000" strike="noStrike" u="none">
+            <a:fld id="{6D19B08C-75C9-4041-9E07-54CE6A5CFF3C}" type="slidenum">
+              <a:rPr b="0" lang="en-US" sz="1000" spc="-1" strike="noStrike">
                 <a:solidFill>
                   <a:schemeClr val="accent1"/>
                 </a:solidFill>
-                <a:uFillTx/>
                 <a:latin typeface="Calibri"/>
               </a:rPr>
-              <a:t>1</a:t>
+              <a:t>&lt;number&gt;</a:t>
             </a:fld>
-            <a:endParaRPr b="0" lang="en-US" sz="1000" strike="noStrike" u="none">
+            <a:endParaRPr b="0" lang="en-US" sz="1000" spc="-1" strike="noStrike">
               <a:solidFill>
                 <a:srgbClr val="000000"/>
               </a:solidFill>
-              <a:uFillTx/>
-              <a:latin typeface="DejaVu Sans"/>
+              <a:latin typeface="Arial"/>
             </a:endParaRPr>
           </a:p>
         </p:txBody>
       </p:sp>
       <p:pic>
         <p:nvPicPr>
-          <p:cNvPr id="130" name="Picture 6" descr="A picture containing text, clipart&#10;&#10;Description automatically generated"/>
+          <p:cNvPr id="161" name="Picture 6" descr="A picture containing text, clipart&#10;&#10;Description automatically generated"/>
           <p:cNvPicPr/>
           <p:nvPr/>
         </p:nvPicPr>
@@ -1830,12 +3035,11 @@
         <p:spPr>
           <a:xfrm>
             <a:off x="6371640" y="157680"/>
-            <a:ext cx="2591280" cy="348120"/>
+            <a:ext cx="2590920" cy="347760"/>
           </a:xfrm>
           <a:prstGeom prst="rect">
             <a:avLst/>
           </a:prstGeom>
-          <a:noFill/>
           <a:ln w="0">
             <a:noFill/>
           </a:ln>
@@ -1843,14 +3047,14 @@
       </p:pic>
       <p:sp>
         <p:nvSpPr>
-          <p:cNvPr id="131" name="Rectangle 10"/>
+          <p:cNvPr id="162" name="Rectangle 10"/>
           <p:cNvSpPr/>
           <p:nvPr/>
         </p:nvSpPr>
         <p:spPr>
           <a:xfrm rot="10800000">
-            <a:off x="1800" y="-13680"/>
-            <a:ext cx="9142200" cy="694080"/>
+            <a:off x="2160" y="-13320"/>
+            <a:ext cx="9141840" cy="693720"/>
           </a:xfrm>
           <a:prstGeom prst="rect">
             <a:avLst/>
@@ -1886,11 +3090,10 @@
                 <a:spcPct val="100000"/>
               </a:lnSpc>
             </a:pPr>
-            <a:endParaRPr b="0" lang="en-US" sz="1800" strike="noStrike" u="none">
+            <a:endParaRPr b="0" lang="en-US" sz="1800" spc="-1" strike="noStrike">
               <a:solidFill>
                 <a:schemeClr val="lt1"/>
               </a:solidFill>
-              <a:uFillTx/>
               <a:latin typeface="Calibri"/>
             </a:endParaRPr>
           </a:p>
@@ -1898,14 +3101,14 @@
       </p:sp>
     </p:spTree>
   </p:cSld>
-  <p:clrMap bg1="lt1" tx1="dk1" bg2="lt2" tx2="dk2" accent1="accent1" accent2="accent2" accent3="accent3" accent4="accent4" accent5="accent5" accent6="accent6" hlink="hlink" folHlink="folHlink"/>
+  <p:clrMap bg1="lt1" bg2="lt2" tx1="dk1" tx2="dk2" accent1="accent1" accent2="accent2" accent3="accent3" accent4="accent4" accent5="accent5" accent6="accent6" hlink="hlink" folHlink="folHlink"/>
   <p:sldLayoutIdLst>
-    <p:sldLayoutId id="2147483673" r:id="rId3"/>
+    <p:sldLayoutId id="2147483675" r:id="rId3"/>
   </p:sldLayoutIdLst>
 </p:sldMaster>
 </file>
 
-<file path=ppt/slideMasters/slideMaster13.xml><?xml version="1.0" encoding="utf-8"?>
+<file path=ppt/slideMasters/slideMaster15.xml><?xml version="1.0" encoding="utf-8"?>
 <p:sldMaster xmlns:a="http://schemas.openxmlformats.org/drawingml/2006/main" xmlns:p="http://schemas.openxmlformats.org/presentationml/2006/main" xmlns:r="http://schemas.openxmlformats.org/officeDocument/2006/relationships" xmlns:p14="http://schemas.microsoft.com/office/powerpoint/2010/main" xmlns:p15="http://schemas.microsoft.com/office/powerpoint/2012/main" xmlns:mc="http://schemas.openxmlformats.org/markup-compatibility/2006">
   <p:cSld>
     <p:bg>
@@ -1931,14 +3134,14 @@
       </p:grpSpPr>
       <p:sp>
         <p:nvSpPr>
-          <p:cNvPr id="132" name="Textfeld 15"/>
+          <p:cNvPr id="163" name="Textfeld 15"/>
           <p:cNvSpPr/>
           <p:nvPr/>
         </p:nvSpPr>
         <p:spPr>
           <a:xfrm>
             <a:off x="8711280" y="4803840"/>
-            <a:ext cx="107280" cy="307800"/>
+            <a:ext cx="106920" cy="307440"/>
           </a:xfrm>
           <a:prstGeom prst="rect">
             <a:avLst/>
@@ -1965,35 +3168,33 @@
               </a:lnSpc>
             </a:pPr>
             <a:r>
-              <a:rPr b="0" lang="de-CH" sz="800" strike="noStrike" u="none">
+              <a:rPr b="0" lang="de-CH" sz="800" spc="-1" strike="noStrike">
                 <a:solidFill>
                   <a:schemeClr val="lt1"/>
                 </a:solidFill>
-                <a:uFillTx/>
                 <a:latin typeface="Calibri"/>
               </a:rPr>
               <a:t>|</a:t>
             </a:r>
-            <a:endParaRPr b="0" lang="en-US" sz="800" strike="noStrike" u="none">
+            <a:endParaRPr b="0" lang="en-US" sz="800" spc="-1" strike="noStrike">
               <a:solidFill>
                 <a:srgbClr val="000000"/>
               </a:solidFill>
-              <a:uFillTx/>
-              <a:latin typeface="DejaVu Sans"/>
+              <a:latin typeface="Arial"/>
             </a:endParaRPr>
           </a:p>
         </p:txBody>
       </p:sp>
       <p:sp>
         <p:nvSpPr>
-          <p:cNvPr id="133" name="TextBox 5"/>
+          <p:cNvPr id="164" name="TextBox 5"/>
           <p:cNvSpPr/>
           <p:nvPr/>
         </p:nvSpPr>
         <p:spPr>
           <a:xfrm>
             <a:off x="8800200" y="4897440"/>
-            <a:ext cx="342000" cy="261720"/>
+            <a:ext cx="341640" cy="261720"/>
           </a:xfrm>
           <a:prstGeom prst="rect">
             <a:avLst/>
@@ -2019,29 +3220,27 @@
                 <a:spcPct val="100000"/>
               </a:lnSpc>
             </a:pPr>
-            <a:fld id="{548AE730-824A-4AF9-A07A-F5E8FF1B64F2}" type="slidenum">
-              <a:rPr b="0" lang="en-US" sz="1000" strike="noStrike" u="none">
+            <a:fld id="{6652740C-D554-4C26-B526-D34192ABFC58}" type="slidenum">
+              <a:rPr b="0" lang="en-US" sz="1000" spc="-1" strike="noStrike">
                 <a:solidFill>
                   <a:schemeClr val="accent1"/>
                 </a:solidFill>
-                <a:uFillTx/>
                 <a:latin typeface="Calibri"/>
               </a:rPr>
-              <a:t>1</a:t>
+              <a:t>&lt;number&gt;</a:t>
             </a:fld>
-            <a:endParaRPr b="0" lang="en-US" sz="1000" strike="noStrike" u="none">
+            <a:endParaRPr b="0" lang="en-US" sz="1000" spc="-1" strike="noStrike">
               <a:solidFill>
                 <a:srgbClr val="000000"/>
               </a:solidFill>
-              <a:uFillTx/>
-              <a:latin typeface="DejaVu Sans"/>
+              <a:latin typeface="Arial"/>
             </a:endParaRPr>
           </a:p>
         </p:txBody>
       </p:sp>
       <p:pic>
         <p:nvPicPr>
-          <p:cNvPr id="134" name="Picture 6" descr="A picture containing text, clipart&#10;&#10;Description automatically generated"/>
+          <p:cNvPr id="165" name="Picture 6" descr="A picture containing text, clipart&#10;&#10;Description automatically generated"/>
           <p:cNvPicPr/>
           <p:nvPr/>
         </p:nvPicPr>
@@ -2053,12 +3252,11 @@
         <p:spPr>
           <a:xfrm>
             <a:off x="6371640" y="157680"/>
-            <a:ext cx="2591280" cy="348120"/>
+            <a:ext cx="2590920" cy="347760"/>
           </a:xfrm>
           <a:prstGeom prst="rect">
             <a:avLst/>
           </a:prstGeom>
-          <a:noFill/>
           <a:ln w="0">
             <a:noFill/>
           </a:ln>
@@ -2066,14 +3264,14 @@
       </p:pic>
       <p:sp>
         <p:nvSpPr>
-          <p:cNvPr id="135" name="Rectangle 10"/>
+          <p:cNvPr id="166" name="Rectangle 10"/>
           <p:cNvSpPr/>
           <p:nvPr/>
         </p:nvSpPr>
         <p:spPr>
           <a:xfrm rot="10800000">
-            <a:off x="1800" y="-13680"/>
-            <a:ext cx="9142200" cy="694080"/>
+            <a:off x="2160" y="-13320"/>
+            <a:ext cx="9141840" cy="693720"/>
           </a:xfrm>
           <a:prstGeom prst="rect">
             <a:avLst/>
@@ -2109,11 +3307,10 @@
                 <a:spcPct val="100000"/>
               </a:lnSpc>
             </a:pPr>
-            <a:endParaRPr b="0" lang="en-US" sz="1800" strike="noStrike" u="none">
+            <a:endParaRPr b="0" lang="en-US" sz="1800" spc="-1" strike="noStrike">
               <a:solidFill>
                 <a:schemeClr val="lt1"/>
               </a:solidFill>
-              <a:uFillTx/>
               <a:latin typeface="Calibri"/>
             </a:endParaRPr>
           </a:p>
@@ -2121,14 +3318,14 @@
       </p:sp>
     </p:spTree>
   </p:cSld>
-  <p:clrMap bg1="lt1" tx1="dk1" bg2="lt2" tx2="dk2" accent1="accent1" accent2="accent2" accent3="accent3" accent4="accent4" accent5="accent5" accent6="accent6" hlink="hlink" folHlink="folHlink"/>
+  <p:clrMap bg1="lt1" bg2="lt2" tx1="dk1" tx2="dk2" accent1="accent1" accent2="accent2" accent3="accent3" accent4="accent4" accent5="accent5" accent6="accent6" hlink="hlink" folHlink="folHlink"/>
   <p:sldLayoutIdLst>
-    <p:sldLayoutId id="2147483675" r:id="rId3"/>
+    <p:sldLayoutId id="2147483677" r:id="rId3"/>
   </p:sldLayoutIdLst>
 </p:sldMaster>
 </file>
 
-<file path=ppt/slideMasters/slideMaster14.xml><?xml version="1.0" encoding="utf-8"?>
+<file path=ppt/slideMasters/slideMaster16.xml><?xml version="1.0" encoding="utf-8"?>
 <p:sldMaster xmlns:a="http://schemas.openxmlformats.org/drawingml/2006/main" xmlns:p="http://schemas.openxmlformats.org/presentationml/2006/main" xmlns:r="http://schemas.openxmlformats.org/officeDocument/2006/relationships" xmlns:p14="http://schemas.microsoft.com/office/powerpoint/2010/main" xmlns:p15="http://schemas.microsoft.com/office/powerpoint/2012/main" xmlns:mc="http://schemas.openxmlformats.org/markup-compatibility/2006">
   <p:cSld>
     <p:bg>
@@ -2154,14 +3351,14 @@
       </p:grpSpPr>
       <p:sp>
         <p:nvSpPr>
-          <p:cNvPr id="136" name="Textfeld 15"/>
+          <p:cNvPr id="167" name="Textfeld 15"/>
           <p:cNvSpPr/>
           <p:nvPr/>
         </p:nvSpPr>
         <p:spPr>
           <a:xfrm>
             <a:off x="8711280" y="4803840"/>
-            <a:ext cx="107280" cy="307800"/>
+            <a:ext cx="106920" cy="307440"/>
           </a:xfrm>
           <a:prstGeom prst="rect">
             <a:avLst/>
@@ -2188,35 +3385,33 @@
               </a:lnSpc>
             </a:pPr>
             <a:r>
-              <a:rPr b="0" lang="de-CH" sz="800" strike="noStrike" u="none">
+              <a:rPr b="0" lang="de-CH" sz="800" spc="-1" strike="noStrike">
                 <a:solidFill>
                   <a:schemeClr val="lt1"/>
                 </a:solidFill>
-                <a:uFillTx/>
                 <a:latin typeface="Calibri"/>
               </a:rPr>
               <a:t>|</a:t>
             </a:r>
-            <a:endParaRPr b="0" lang="en-US" sz="800" strike="noStrike" u="none">
+            <a:endParaRPr b="0" lang="en-US" sz="800" spc="-1" strike="noStrike">
               <a:solidFill>
                 <a:srgbClr val="000000"/>
               </a:solidFill>
-              <a:uFillTx/>
-              <a:latin typeface="DejaVu Sans"/>
+              <a:latin typeface="Arial"/>
             </a:endParaRPr>
           </a:p>
         </p:txBody>
       </p:sp>
       <p:sp>
         <p:nvSpPr>
-          <p:cNvPr id="137" name="TextBox 5"/>
+          <p:cNvPr id="168" name="TextBox 5"/>
           <p:cNvSpPr/>
           <p:nvPr/>
         </p:nvSpPr>
         <p:spPr>
           <a:xfrm>
             <a:off x="8800200" y="4897440"/>
-            <a:ext cx="342000" cy="261720"/>
+            <a:ext cx="341640" cy="261720"/>
           </a:xfrm>
           <a:prstGeom prst="rect">
             <a:avLst/>
@@ -2242,29 +3437,27 @@
                 <a:spcPct val="100000"/>
               </a:lnSpc>
             </a:pPr>
-            <a:fld id="{6FBA1C19-5B17-49A9-826C-81BFA57D6A24}" type="slidenum">
-              <a:rPr b="0" lang="en-US" sz="1000" strike="noStrike" u="none">
+            <a:fld id="{F4D05CA2-DF77-4555-B39D-BBCAAA2551A4}" type="slidenum">
+              <a:rPr b="0" lang="en-US" sz="1000" spc="-1" strike="noStrike">
                 <a:solidFill>
                   <a:schemeClr val="accent1"/>
                 </a:solidFill>
-                <a:uFillTx/>
                 <a:latin typeface="Calibri"/>
               </a:rPr>
-              <a:t>1</a:t>
+              <a:t>&lt;number&gt;</a:t>
             </a:fld>
-            <a:endParaRPr b="0" lang="en-US" sz="1000" strike="noStrike" u="none">
+            <a:endParaRPr b="0" lang="en-US" sz="1000" spc="-1" strike="noStrike">
               <a:solidFill>
                 <a:srgbClr val="000000"/>
               </a:solidFill>
-              <a:uFillTx/>
-              <a:latin typeface="DejaVu Sans"/>
+              <a:latin typeface="Arial"/>
             </a:endParaRPr>
           </a:p>
         </p:txBody>
       </p:sp>
       <p:pic>
         <p:nvPicPr>
-          <p:cNvPr id="138" name="Picture 6" descr="A picture containing text, clipart&#10;&#10;Description automatically generated"/>
+          <p:cNvPr id="169" name="Picture 6" descr="A picture containing text, clipart&#10;&#10;Description automatically generated"/>
           <p:cNvPicPr/>
           <p:nvPr/>
         </p:nvPicPr>
@@ -2276,12 +3469,11 @@
         <p:spPr>
           <a:xfrm>
             <a:off x="6371640" y="157680"/>
-            <a:ext cx="2591280" cy="348120"/>
+            <a:ext cx="2590920" cy="347760"/>
           </a:xfrm>
           <a:prstGeom prst="rect">
             <a:avLst/>
           </a:prstGeom>
-          <a:noFill/>
           <a:ln w="0">
             <a:noFill/>
           </a:ln>
@@ -2289,14 +3481,14 @@
       </p:pic>
       <p:sp>
         <p:nvSpPr>
-          <p:cNvPr id="139" name="Rectangle 10"/>
+          <p:cNvPr id="170" name="Rectangle 10"/>
           <p:cNvSpPr/>
           <p:nvPr/>
         </p:nvSpPr>
         <p:spPr>
           <a:xfrm rot="10800000">
-            <a:off x="1800" y="-13680"/>
-            <a:ext cx="9142200" cy="694080"/>
+            <a:off x="2160" y="-13320"/>
+            <a:ext cx="9141840" cy="693720"/>
           </a:xfrm>
           <a:prstGeom prst="rect">
             <a:avLst/>
@@ -2332,11 +3524,10 @@
                 <a:spcPct val="100000"/>
               </a:lnSpc>
             </a:pPr>
-            <a:endParaRPr b="0" lang="en-US" sz="1800" strike="noStrike" u="none">
+            <a:endParaRPr b="0" lang="en-US" sz="1800" spc="-1" strike="noStrike">
               <a:solidFill>
                 <a:schemeClr val="lt1"/>
               </a:solidFill>
-              <a:uFillTx/>
               <a:latin typeface="Calibri"/>
             </a:endParaRPr>
           </a:p>
@@ -2344,14 +3535,14 @@
       </p:sp>
       <p:sp>
         <p:nvSpPr>
-          <p:cNvPr id="140" name="Rectangle 2"/>
+          <p:cNvPr id="171" name="Rectangle 2"/>
           <p:cNvSpPr/>
           <p:nvPr/>
         </p:nvSpPr>
         <p:spPr>
           <a:xfrm>
             <a:off x="0" y="-20520"/>
-            <a:ext cx="9142200" cy="4750560"/>
+            <a:ext cx="9141840" cy="4750200"/>
           </a:xfrm>
           <a:prstGeom prst="rect">
             <a:avLst/>
@@ -2387,11 +3578,10 @@
                 <a:spcPct val="100000"/>
               </a:lnSpc>
             </a:pPr>
-            <a:endParaRPr b="0" lang="en-US" sz="1800" strike="noStrike" u="none">
+            <a:endParaRPr b="0" lang="en-US" sz="1800" spc="-1" strike="noStrike">
               <a:solidFill>
                 <a:schemeClr val="lt1"/>
               </a:solidFill>
-              <a:uFillTx/>
               <a:latin typeface="Calibri"/>
             </a:endParaRPr>
           </a:p>
@@ -2399,14 +3589,14 @@
       </p:sp>
     </p:spTree>
   </p:cSld>
-  <p:clrMap bg1="lt1" tx1="dk1" bg2="lt2" tx2="dk2" accent1="accent1" accent2="accent2" accent3="accent3" accent4="accent4" accent5="accent5" accent6="accent6" hlink="hlink" folHlink="folHlink"/>
+  <p:clrMap bg1="lt1" bg2="lt2" tx1="dk1" tx2="dk2" accent1="accent1" accent2="accent2" accent3="accent3" accent4="accent4" accent5="accent5" accent6="accent6" hlink="hlink" folHlink="folHlink"/>
   <p:sldLayoutIdLst>
-    <p:sldLayoutId id="2147483677" r:id="rId3"/>
+    <p:sldLayoutId id="2147483679" r:id="rId3"/>
   </p:sldLayoutIdLst>
 </p:sldMaster>
 </file>
 
-<file path=ppt/slideMasters/slideMaster15.xml><?xml version="1.0" encoding="utf-8"?>
+<file path=ppt/slideMasters/slideMaster17.xml><?xml version="1.0" encoding="utf-8"?>
 <p:sldMaster xmlns:a="http://schemas.openxmlformats.org/drawingml/2006/main" xmlns:p="http://schemas.openxmlformats.org/presentationml/2006/main" xmlns:r="http://schemas.openxmlformats.org/officeDocument/2006/relationships" xmlns:p14="http://schemas.microsoft.com/office/powerpoint/2010/main" xmlns:p15="http://schemas.microsoft.com/office/powerpoint/2012/main" xmlns:mc="http://schemas.openxmlformats.org/markup-compatibility/2006">
   <p:cSld>
     <p:bg>
@@ -2432,14 +3622,14 @@
       </p:grpSpPr>
       <p:sp>
         <p:nvSpPr>
-          <p:cNvPr id="141" name="Rectangle 6"/>
+          <p:cNvPr id="172" name="Rectangle 6"/>
           <p:cNvSpPr/>
           <p:nvPr/>
         </p:nvSpPr>
         <p:spPr>
           <a:xfrm rot="10800000">
-            <a:off x="1800" y="-13680"/>
-            <a:ext cx="465840" cy="5157000"/>
+            <a:off x="2160" y="-13320"/>
+            <a:ext cx="465480" cy="5156640"/>
           </a:xfrm>
           <a:prstGeom prst="rect">
             <a:avLst/>
@@ -2475,11 +3665,10 @@
                 <a:spcPct val="100000"/>
               </a:lnSpc>
             </a:pPr>
-            <a:endParaRPr b="0" lang="en-US" sz="1800" strike="noStrike" u="none">
+            <a:endParaRPr b="0" lang="en-US" sz="1800" spc="-1" strike="noStrike">
               <a:solidFill>
                 <a:schemeClr val="lt1"/>
               </a:solidFill>
-              <a:uFillTx/>
               <a:latin typeface="Calibri"/>
             </a:endParaRPr>
           </a:p>
@@ -2487,7 +3676,7 @@
       </p:sp>
       <p:pic>
         <p:nvPicPr>
-          <p:cNvPr id="142" name="Εικόνα 2" descr=""/>
+          <p:cNvPr id="173" name="Εικόνα 2" descr=""/>
           <p:cNvPicPr/>
           <p:nvPr/>
         </p:nvPicPr>
@@ -2498,12 +3687,11 @@
         <p:spPr>
           <a:xfrm>
             <a:off x="8172360" y="4299840"/>
-            <a:ext cx="766440" cy="766440"/>
+            <a:ext cx="766080" cy="766080"/>
           </a:xfrm>
           <a:prstGeom prst="rect">
             <a:avLst/>
           </a:prstGeom>
-          <a:noFill/>
           <a:ln w="0">
             <a:noFill/>
           </a:ln>
@@ -2511,14 +3699,14 @@
       </p:pic>
     </p:spTree>
   </p:cSld>
-  <p:clrMap bg1="lt1" tx1="dk1" bg2="lt2" tx2="dk2" accent1="accent1" accent2="accent2" accent3="accent3" accent4="accent4" accent5="accent5" accent6="accent6" hlink="hlink" folHlink="folHlink"/>
+  <p:clrMap bg1="lt1" bg2="lt2" tx1="dk1" tx2="dk2" accent1="accent1" accent2="accent2" accent3="accent3" accent4="accent4" accent5="accent5" accent6="accent6" hlink="hlink" folHlink="folHlink"/>
   <p:sldLayoutIdLst>
-    <p:sldLayoutId id="2147483679" r:id="rId3"/>
+    <p:sldLayoutId id="2147483681" r:id="rId3"/>
   </p:sldLayoutIdLst>
 </p:sldMaster>
 </file>
 
-<file path=ppt/slideMasters/slideMaster16.xml><?xml version="1.0" encoding="utf-8"?>
+<file path=ppt/slideMasters/slideMaster18.xml><?xml version="1.0" encoding="utf-8"?>
 <p:sldMaster xmlns:a="http://schemas.openxmlformats.org/drawingml/2006/main" xmlns:p="http://schemas.openxmlformats.org/presentationml/2006/main" xmlns:r="http://schemas.openxmlformats.org/officeDocument/2006/relationships" xmlns:p14="http://schemas.microsoft.com/office/powerpoint/2010/main" xmlns:p15="http://schemas.microsoft.com/office/powerpoint/2012/main" xmlns:mc="http://schemas.openxmlformats.org/markup-compatibility/2006">
   <p:cSld>
     <p:bg>
@@ -2544,14 +3732,14 @@
       </p:grpSpPr>
       <p:sp>
         <p:nvSpPr>
-          <p:cNvPr id="143" name="Rectangle 6"/>
+          <p:cNvPr id="174" name="Rectangle 6"/>
           <p:cNvSpPr/>
           <p:nvPr/>
         </p:nvSpPr>
         <p:spPr>
           <a:xfrm rot="10800000">
-            <a:off x="1800" y="-13680"/>
-            <a:ext cx="465840" cy="5157000"/>
+            <a:off x="2160" y="-13320"/>
+            <a:ext cx="465480" cy="5156640"/>
           </a:xfrm>
           <a:prstGeom prst="rect">
             <a:avLst/>
@@ -2587,11 +3775,10 @@
                 <a:spcPct val="100000"/>
               </a:lnSpc>
             </a:pPr>
-            <a:endParaRPr b="0" lang="en-US" sz="1800" strike="noStrike" u="none">
+            <a:endParaRPr b="0" lang="en-US" sz="1800" spc="-1" strike="noStrike">
               <a:solidFill>
                 <a:schemeClr val="lt1"/>
               </a:solidFill>
-              <a:uFillTx/>
               <a:latin typeface="Calibri"/>
             </a:endParaRPr>
           </a:p>
@@ -2599,7 +3786,7 @@
       </p:sp>
       <p:pic>
         <p:nvPicPr>
-          <p:cNvPr id="144" name="Εικόνα 2" descr=""/>
+          <p:cNvPr id="175" name="Εικόνα 2" descr=""/>
           <p:cNvPicPr/>
           <p:nvPr/>
         </p:nvPicPr>
@@ -2610,12 +3797,11 @@
         <p:spPr>
           <a:xfrm>
             <a:off x="8172360" y="4299840"/>
-            <a:ext cx="766440" cy="766440"/>
+            <a:ext cx="766080" cy="766080"/>
           </a:xfrm>
           <a:prstGeom prst="rect">
             <a:avLst/>
           </a:prstGeom>
-          <a:noFill/>
           <a:ln w="0">
             <a:noFill/>
           </a:ln>
@@ -2623,14 +3809,14 @@
       </p:pic>
     </p:spTree>
   </p:cSld>
-  <p:clrMap bg1="lt1" tx1="dk1" bg2="lt2" tx2="dk2" accent1="accent1" accent2="accent2" accent3="accent3" accent4="accent4" accent5="accent5" accent6="accent6" hlink="hlink" folHlink="folHlink"/>
+  <p:clrMap bg1="lt1" bg2="lt2" tx1="dk1" tx2="dk2" accent1="accent1" accent2="accent2" accent3="accent3" accent4="accent4" accent5="accent5" accent6="accent6" hlink="hlink" folHlink="folHlink"/>
   <p:sldLayoutIdLst>
-    <p:sldLayoutId id="2147483681" r:id="rId3"/>
+    <p:sldLayoutId id="2147483683" r:id="rId3"/>
   </p:sldLayoutIdLst>
 </p:sldMaster>
 </file>
 
-<file path=ppt/slideMasters/slideMaster17.xml><?xml version="1.0" encoding="utf-8"?>
+<file path=ppt/slideMasters/slideMaster19.xml><?xml version="1.0" encoding="utf-8"?>
 <p:sldMaster xmlns:a="http://schemas.openxmlformats.org/drawingml/2006/main" xmlns:p="http://schemas.openxmlformats.org/presentationml/2006/main" xmlns:r="http://schemas.openxmlformats.org/officeDocument/2006/relationships" xmlns:p14="http://schemas.microsoft.com/office/powerpoint/2010/main" xmlns:p15="http://schemas.microsoft.com/office/powerpoint/2012/main" xmlns:mc="http://schemas.openxmlformats.org/markup-compatibility/2006">
   <p:cSld>
     <p:bg>
@@ -2656,14 +3842,14 @@
       </p:grpSpPr>
       <p:sp>
         <p:nvSpPr>
-          <p:cNvPr id="145" name="Rectangle 6"/>
+          <p:cNvPr id="176" name="Rectangle 6"/>
           <p:cNvSpPr/>
           <p:nvPr/>
         </p:nvSpPr>
         <p:spPr>
           <a:xfrm rot="10800000">
-            <a:off x="1800" y="-13680"/>
-            <a:ext cx="465840" cy="5157000"/>
+            <a:off x="2160" y="-13320"/>
+            <a:ext cx="465480" cy="5156640"/>
           </a:xfrm>
           <a:prstGeom prst="rect">
             <a:avLst/>
@@ -2699,11 +3885,10 @@
                 <a:spcPct val="100000"/>
               </a:lnSpc>
             </a:pPr>
-            <a:endParaRPr b="0" lang="en-US" sz="1800" strike="noStrike" u="none">
+            <a:endParaRPr b="0" lang="en-US" sz="1800" spc="-1" strike="noStrike">
               <a:solidFill>
                 <a:schemeClr val="lt1"/>
               </a:solidFill>
-              <a:uFillTx/>
               <a:latin typeface="Calibri"/>
             </a:endParaRPr>
           </a:p>
@@ -2711,7 +3896,7 @@
       </p:sp>
       <p:pic>
         <p:nvPicPr>
-          <p:cNvPr id="146" name="Εικόνα 2" descr=""/>
+          <p:cNvPr id="177" name="Εικόνα 2" descr=""/>
           <p:cNvPicPr/>
           <p:nvPr/>
         </p:nvPicPr>
@@ -2722,12 +3907,11 @@
         <p:spPr>
           <a:xfrm>
             <a:off x="8172360" y="4299840"/>
-            <a:ext cx="766440" cy="766440"/>
+            <a:ext cx="766080" cy="766080"/>
           </a:xfrm>
           <a:prstGeom prst="rect">
             <a:avLst/>
           </a:prstGeom>
-          <a:noFill/>
           <a:ln w="0">
             <a:noFill/>
           </a:ln>
@@ -2735,119 +3919,7 @@
       </p:pic>
     </p:spTree>
   </p:cSld>
-  <p:clrMap bg1="lt1" tx1="dk1" bg2="lt2" tx2="dk2" accent1="accent1" accent2="accent2" accent3="accent3" accent4="accent4" accent5="accent5" accent6="accent6" hlink="hlink" folHlink="folHlink"/>
-  <p:sldLayoutIdLst>
-    <p:sldLayoutId id="2147483683" r:id="rId3"/>
-  </p:sldLayoutIdLst>
-</p:sldMaster>
-</file>
-
-<file path=ppt/slideMasters/slideMaster18.xml><?xml version="1.0" encoding="utf-8"?>
-<p:sldMaster xmlns:a="http://schemas.openxmlformats.org/drawingml/2006/main" xmlns:p="http://schemas.openxmlformats.org/presentationml/2006/main" xmlns:r="http://schemas.openxmlformats.org/officeDocument/2006/relationships" xmlns:p14="http://schemas.microsoft.com/office/powerpoint/2010/main" xmlns:p15="http://schemas.microsoft.com/office/powerpoint/2012/main" xmlns:mc="http://schemas.openxmlformats.org/markup-compatibility/2006">
-  <p:cSld>
-    <p:bg>
-      <p:bgPr>
-        <a:solidFill>
-          <a:srgbClr val="ffffff"/>
-        </a:solidFill>
-      </p:bgPr>
-    </p:bg>
-    <p:spTree>
-      <p:nvGrpSpPr>
-        <p:cNvPr id="1" name=""/>
-        <p:cNvGrpSpPr/>
-        <p:nvPr/>
-      </p:nvGrpSpPr>
-      <p:grpSpPr>
-        <a:xfrm>
-          <a:off x="0" y="0"/>
-          <a:ext cx="0" cy="0"/>
-          <a:chOff x="0" y="0"/>
-          <a:chExt cx="0" cy="0"/>
-        </a:xfrm>
-      </p:grpSpPr>
-      <p:sp>
-        <p:nvSpPr>
-          <p:cNvPr id="147" name="Rectangle 6"/>
-          <p:cNvSpPr/>
-          <p:nvPr/>
-        </p:nvSpPr>
-        <p:spPr>
-          <a:xfrm rot="10800000">
-            <a:off x="1800" y="-13680"/>
-            <a:ext cx="465840" cy="5157000"/>
-          </a:xfrm>
-          <a:prstGeom prst="rect">
-            <a:avLst/>
-          </a:prstGeom>
-          <a:solidFill>
-            <a:schemeClr val="accent1"/>
-          </a:solidFill>
-          <a:ln>
-            <a:noFill/>
-          </a:ln>
-        </p:spPr>
-        <p:style>
-          <a:lnRef idx="2">
-            <a:schemeClr val="accent1">
-              <a:shade val="50000"/>
-            </a:schemeClr>
-          </a:lnRef>
-          <a:fillRef idx="1">
-            <a:schemeClr val="accent1"/>
-          </a:fillRef>
-          <a:effectRef idx="0">
-            <a:schemeClr val="accent1"/>
-          </a:effectRef>
-          <a:fontRef idx="minor"/>
-        </p:style>
-        <p:txBody>
-          <a:bodyPr lIns="90000" rIns="90000" tIns="45000" bIns="45000" anchor="ctr">
-            <a:noAutofit/>
-          </a:bodyPr>
-          <a:p>
-            <a:pPr algn="ctr" defTabSz="914400">
-              <a:lnSpc>
-                <a:spcPct val="100000"/>
-              </a:lnSpc>
-            </a:pPr>
-            <a:endParaRPr b="0" lang="en-US" sz="1800" strike="noStrike" u="none">
-              <a:solidFill>
-                <a:schemeClr val="lt1"/>
-              </a:solidFill>
-              <a:uFillTx/>
-              <a:latin typeface="Calibri"/>
-            </a:endParaRPr>
-          </a:p>
-        </p:txBody>
-      </p:sp>
-      <p:pic>
-        <p:nvPicPr>
-          <p:cNvPr id="148" name="Εικόνα 2" descr=""/>
-          <p:cNvPicPr/>
-          <p:nvPr/>
-        </p:nvPicPr>
-        <p:blipFill>
-          <a:blip r:embed="rId2"/>
-          <a:stretch/>
-        </p:blipFill>
-        <p:spPr>
-          <a:xfrm>
-            <a:off x="8172360" y="4299840"/>
-            <a:ext cx="766440" cy="766440"/>
-          </a:xfrm>
-          <a:prstGeom prst="rect">
-            <a:avLst/>
-          </a:prstGeom>
-          <a:noFill/>
-          <a:ln w="0">
-            <a:noFill/>
-          </a:ln>
-        </p:spPr>
-      </p:pic>
-    </p:spTree>
-  </p:cSld>
-  <p:clrMap bg1="lt1" tx1="dk1" bg2="lt2" tx2="dk2" accent1="accent1" accent2="accent2" accent3="accent3" accent4="accent4" accent5="accent5" accent6="accent6" hlink="hlink" folHlink="folHlink"/>
+  <p:clrMap bg1="lt1" bg2="lt2" tx1="dk1" tx2="dk2" accent1="accent1" accent2="accent2" accent3="accent3" accent4="accent4" accent5="accent5" accent6="accent6" hlink="hlink" folHlink="folHlink"/>
   <p:sldLayoutIdLst>
     <p:sldLayoutId id="2147483685" r:id="rId3"/>
   </p:sldLayoutIdLst>
@@ -2887,7 +3959,7 @@
         <p:spPr>
           <a:xfrm>
             <a:off x="8711280" y="4803840"/>
-            <a:ext cx="107280" cy="307800"/>
+            <a:ext cx="106920" cy="307440"/>
           </a:xfrm>
           <a:prstGeom prst="rect">
             <a:avLst/>
@@ -2914,21 +3986,19 @@
               </a:lnSpc>
             </a:pPr>
             <a:r>
-              <a:rPr b="0" lang="de-CH" sz="800" strike="noStrike" u="none">
+              <a:rPr b="0" lang="de-CH" sz="800" spc="-1" strike="noStrike">
                 <a:solidFill>
                   <a:schemeClr val="lt1"/>
                 </a:solidFill>
-                <a:uFillTx/>
                 <a:latin typeface="Calibri"/>
               </a:rPr>
               <a:t>|</a:t>
             </a:r>
-            <a:endParaRPr b="0" lang="en-US" sz="800" strike="noStrike" u="none">
+            <a:endParaRPr b="0" lang="en-US" sz="800" spc="-1" strike="noStrike">
               <a:solidFill>
                 <a:srgbClr val="000000"/>
               </a:solidFill>
-              <a:uFillTx/>
-              <a:latin typeface="DejaVu Sans"/>
+              <a:latin typeface="Arial"/>
             </a:endParaRPr>
           </a:p>
         </p:txBody>
@@ -2946,12 +4016,11 @@
         <p:spPr>
           <a:xfrm>
             <a:off x="7932960" y="0"/>
-            <a:ext cx="1201680" cy="1201680"/>
+            <a:ext cx="1201320" cy="1201320"/>
           </a:xfrm>
           <a:prstGeom prst="rect">
             <a:avLst/>
           </a:prstGeom>
-          <a:noFill/>
           <a:ln w="0">
             <a:noFill/>
           </a:ln>
@@ -2989,21 +4058,19 @@
               <a:buNone/>
             </a:pPr>
             <a:r>
-              <a:rPr b="0" lang="en-US" sz="4400" strike="noStrike" u="none">
+              <a:rPr b="0" lang="en-US" sz="4400" spc="-1" strike="noStrike">
                 <a:solidFill>
                   <a:srgbClr val="000000"/>
                 </a:solidFill>
-                <a:uFillTx/>
-                <a:latin typeface="DejaVu Sans"/>
+                <a:latin typeface="Arial"/>
               </a:rPr>
               <a:t>Click to edit the title text format</a:t>
             </a:r>
-            <a:endParaRPr b="0" lang="en-US" sz="4400" strike="noStrike" u="none">
+            <a:endParaRPr b="0" lang="en-US" sz="4400" spc="-1" strike="noStrike">
               <a:solidFill>
                 <a:srgbClr val="000000"/>
               </a:solidFill>
-              <a:uFillTx/>
-              <a:latin typeface="DejaVu Sans"/>
+              <a:latin typeface="Arial"/>
             </a:endParaRPr>
           </a:p>
         </p:txBody>
@@ -3048,21 +4115,19 @@
               <a:buChar char=""/>
             </a:pPr>
             <a:r>
-              <a:rPr b="0" lang="en-US" sz="3200" strike="noStrike" u="none">
+              <a:rPr b="0" lang="en-US" sz="3200" spc="-1" strike="noStrike">
                 <a:solidFill>
                   <a:srgbClr val="000000"/>
                 </a:solidFill>
-                <a:uFillTx/>
-                <a:latin typeface="DejaVu Sans"/>
+                <a:latin typeface="Arial"/>
               </a:rPr>
               <a:t>Click to edit the outline text format</a:t>
             </a:r>
-            <a:endParaRPr b="0" lang="en-US" sz="3200" strike="noStrike" u="none">
+            <a:endParaRPr b="0" lang="en-US" sz="3200" spc="-1" strike="noStrike">
               <a:solidFill>
                 <a:srgbClr val="000000"/>
               </a:solidFill>
-              <a:uFillTx/>
-              <a:latin typeface="DejaVu Sans"/>
+              <a:latin typeface="Arial"/>
             </a:endParaRPr>
           </a:p>
           <a:p>
@@ -3078,21 +4143,19 @@
               <a:buChar char=""/>
             </a:pPr>
             <a:r>
-              <a:rPr b="0" lang="en-US" sz="2800" strike="noStrike" u="none">
+              <a:rPr b="0" lang="en-US" sz="2800" spc="-1" strike="noStrike">
                 <a:solidFill>
                   <a:srgbClr val="000000"/>
                 </a:solidFill>
-                <a:uFillTx/>
-                <a:latin typeface="DejaVu Sans"/>
+                <a:latin typeface="Arial"/>
               </a:rPr>
               <a:t>Second Outline Level</a:t>
             </a:r>
-            <a:endParaRPr b="0" lang="en-US" sz="2800" strike="noStrike" u="none">
+            <a:endParaRPr b="0" lang="en-US" sz="2800" spc="-1" strike="noStrike">
               <a:solidFill>
                 <a:srgbClr val="000000"/>
               </a:solidFill>
-              <a:uFillTx/>
-              <a:latin typeface="DejaVu Sans"/>
+              <a:latin typeface="Arial"/>
             </a:endParaRPr>
           </a:p>
           <a:p>
@@ -3108,21 +4171,19 @@
               <a:buChar char=""/>
             </a:pPr>
             <a:r>
-              <a:rPr b="0" lang="en-US" sz="2400" strike="noStrike" u="none">
+              <a:rPr b="0" lang="en-US" sz="2400" spc="-1" strike="noStrike">
                 <a:solidFill>
                   <a:srgbClr val="000000"/>
                 </a:solidFill>
-                <a:uFillTx/>
-                <a:latin typeface="DejaVu Sans"/>
+                <a:latin typeface="Arial"/>
               </a:rPr>
               <a:t>Third Outline Level</a:t>
             </a:r>
-            <a:endParaRPr b="0" lang="en-US" sz="2400" strike="noStrike" u="none">
+            <a:endParaRPr b="0" lang="en-US" sz="2400" spc="-1" strike="noStrike">
               <a:solidFill>
                 <a:srgbClr val="000000"/>
               </a:solidFill>
-              <a:uFillTx/>
-              <a:latin typeface="DejaVu Sans"/>
+              <a:latin typeface="Arial"/>
             </a:endParaRPr>
           </a:p>
           <a:p>
@@ -3138,21 +4199,19 @@
               <a:buChar char=""/>
             </a:pPr>
             <a:r>
-              <a:rPr b="0" lang="en-US" sz="2000" strike="noStrike" u="none">
+              <a:rPr b="0" lang="en-US" sz="2000" spc="-1" strike="noStrike">
                 <a:solidFill>
                   <a:srgbClr val="000000"/>
                 </a:solidFill>
-                <a:uFillTx/>
-                <a:latin typeface="DejaVu Sans"/>
+                <a:latin typeface="Arial"/>
               </a:rPr>
               <a:t>Fourth Outline Level</a:t>
             </a:r>
-            <a:endParaRPr b="0" lang="en-US" sz="2000" strike="noStrike" u="none">
+            <a:endParaRPr b="0" lang="en-US" sz="2000" spc="-1" strike="noStrike">
               <a:solidFill>
                 <a:srgbClr val="000000"/>
               </a:solidFill>
-              <a:uFillTx/>
-              <a:latin typeface="DejaVu Sans"/>
+              <a:latin typeface="Arial"/>
             </a:endParaRPr>
           </a:p>
           <a:p>
@@ -3168,21 +4227,19 @@
               <a:buChar char=""/>
             </a:pPr>
             <a:r>
-              <a:rPr b="0" lang="en-US" sz="2000" strike="noStrike" u="none">
+              <a:rPr b="0" lang="en-US" sz="2000" spc="-1" strike="noStrike">
                 <a:solidFill>
                   <a:srgbClr val="000000"/>
                 </a:solidFill>
-                <a:uFillTx/>
-                <a:latin typeface="DejaVu Sans"/>
+                <a:latin typeface="Arial"/>
               </a:rPr>
               <a:t>Fifth Outline Level</a:t>
             </a:r>
-            <a:endParaRPr b="0" lang="en-US" sz="2000" strike="noStrike" u="none">
+            <a:endParaRPr b="0" lang="en-US" sz="2000" spc="-1" strike="noStrike">
               <a:solidFill>
                 <a:srgbClr val="000000"/>
               </a:solidFill>
-              <a:uFillTx/>
-              <a:latin typeface="DejaVu Sans"/>
+              <a:latin typeface="Arial"/>
             </a:endParaRPr>
           </a:p>
           <a:p>
@@ -3198,21 +4255,19 @@
               <a:buChar char=""/>
             </a:pPr>
             <a:r>
-              <a:rPr b="0" lang="en-US" sz="2000" strike="noStrike" u="none">
+              <a:rPr b="0" lang="en-US" sz="2000" spc="-1" strike="noStrike">
                 <a:solidFill>
                   <a:srgbClr val="000000"/>
                 </a:solidFill>
-                <a:uFillTx/>
-                <a:latin typeface="DejaVu Sans"/>
+                <a:latin typeface="Arial"/>
               </a:rPr>
               <a:t>Sixth Outline Level</a:t>
             </a:r>
-            <a:endParaRPr b="0" lang="en-US" sz="2000" strike="noStrike" u="none">
+            <a:endParaRPr b="0" lang="en-US" sz="2000" spc="-1" strike="noStrike">
               <a:solidFill>
                 <a:srgbClr val="000000"/>
               </a:solidFill>
-              <a:uFillTx/>
-              <a:latin typeface="DejaVu Sans"/>
+              <a:latin typeface="Arial"/>
             </a:endParaRPr>
           </a:p>
           <a:p>
@@ -3228,30 +4283,138 @@
               <a:buChar char=""/>
             </a:pPr>
             <a:r>
-              <a:rPr b="0" lang="en-US" sz="2000" strike="noStrike" u="none">
+              <a:rPr b="0" lang="en-US" sz="2000" spc="-1" strike="noStrike">
                 <a:solidFill>
                   <a:srgbClr val="000000"/>
                 </a:solidFill>
-                <a:uFillTx/>
-                <a:latin typeface="DejaVu Sans"/>
+                <a:latin typeface="Arial"/>
               </a:rPr>
               <a:t>Seventh Outline Level</a:t>
             </a:r>
-            <a:endParaRPr b="0" lang="en-US" sz="2000" strike="noStrike" u="none">
+            <a:endParaRPr b="0" lang="en-US" sz="2000" spc="-1" strike="noStrike">
               <a:solidFill>
                 <a:srgbClr val="000000"/>
               </a:solidFill>
-              <a:uFillTx/>
-              <a:latin typeface="DejaVu Sans"/>
+              <a:latin typeface="Arial"/>
             </a:endParaRPr>
           </a:p>
         </p:txBody>
       </p:sp>
     </p:spTree>
   </p:cSld>
-  <p:clrMap bg1="lt1" tx1="dk1" bg2="lt2" tx2="dk2" accent1="accent1" accent2="accent2" accent3="accent3" accent4="accent4" accent5="accent5" accent6="accent6" hlink="hlink" folHlink="folHlink"/>
+  <p:clrMap bg1="lt1" bg2="lt2" tx1="dk1" tx2="dk2" accent1="accent1" accent2="accent2" accent3="accent3" accent4="accent4" accent5="accent5" accent6="accent6" hlink="hlink" folHlink="folHlink"/>
   <p:sldLayoutIdLst>
     <p:sldLayoutId id="2147483651" r:id="rId3"/>
+  </p:sldLayoutIdLst>
+</p:sldMaster>
+</file>
+
+<file path=ppt/slideMasters/slideMaster20.xml><?xml version="1.0" encoding="utf-8"?>
+<p:sldMaster xmlns:a="http://schemas.openxmlformats.org/drawingml/2006/main" xmlns:p="http://schemas.openxmlformats.org/presentationml/2006/main" xmlns:r="http://schemas.openxmlformats.org/officeDocument/2006/relationships" xmlns:p14="http://schemas.microsoft.com/office/powerpoint/2010/main" xmlns:p15="http://schemas.microsoft.com/office/powerpoint/2012/main" xmlns:mc="http://schemas.openxmlformats.org/markup-compatibility/2006">
+  <p:cSld>
+    <p:bg>
+      <p:bgPr>
+        <a:solidFill>
+          <a:srgbClr val="ffffff"/>
+        </a:solidFill>
+      </p:bgPr>
+    </p:bg>
+    <p:spTree>
+      <p:nvGrpSpPr>
+        <p:cNvPr id="1" name=""/>
+        <p:cNvGrpSpPr/>
+        <p:nvPr/>
+      </p:nvGrpSpPr>
+      <p:grpSpPr>
+        <a:xfrm>
+          <a:off x="0" y="0"/>
+          <a:ext cx="0" cy="0"/>
+          <a:chOff x="0" y="0"/>
+          <a:chExt cx="0" cy="0"/>
+        </a:xfrm>
+      </p:grpSpPr>
+      <p:sp>
+        <p:nvSpPr>
+          <p:cNvPr id="178" name="Rectangle 6"/>
+          <p:cNvSpPr/>
+          <p:nvPr/>
+        </p:nvSpPr>
+        <p:spPr>
+          <a:xfrm rot="10800000">
+            <a:off x="2160" y="-13320"/>
+            <a:ext cx="465480" cy="5156640"/>
+          </a:xfrm>
+          <a:prstGeom prst="rect">
+            <a:avLst/>
+          </a:prstGeom>
+          <a:solidFill>
+            <a:schemeClr val="accent1"/>
+          </a:solidFill>
+          <a:ln>
+            <a:noFill/>
+          </a:ln>
+        </p:spPr>
+        <p:style>
+          <a:lnRef idx="2">
+            <a:schemeClr val="accent1">
+              <a:shade val="50000"/>
+            </a:schemeClr>
+          </a:lnRef>
+          <a:fillRef idx="1">
+            <a:schemeClr val="accent1"/>
+          </a:fillRef>
+          <a:effectRef idx="0">
+            <a:schemeClr val="accent1"/>
+          </a:effectRef>
+          <a:fontRef idx="minor"/>
+        </p:style>
+        <p:txBody>
+          <a:bodyPr lIns="90000" rIns="90000" tIns="45000" bIns="45000" anchor="ctr">
+            <a:noAutofit/>
+          </a:bodyPr>
+          <a:p>
+            <a:pPr algn="ctr" defTabSz="914400">
+              <a:lnSpc>
+                <a:spcPct val="100000"/>
+              </a:lnSpc>
+            </a:pPr>
+            <a:endParaRPr b="0" lang="en-US" sz="1800" spc="-1" strike="noStrike">
+              <a:solidFill>
+                <a:schemeClr val="lt1"/>
+              </a:solidFill>
+              <a:latin typeface="Calibri"/>
+            </a:endParaRPr>
+          </a:p>
+        </p:txBody>
+      </p:sp>
+      <p:pic>
+        <p:nvPicPr>
+          <p:cNvPr id="179" name="Εικόνα 2" descr=""/>
+          <p:cNvPicPr/>
+          <p:nvPr/>
+        </p:nvPicPr>
+        <p:blipFill>
+          <a:blip r:embed="rId2"/>
+          <a:stretch/>
+        </p:blipFill>
+        <p:spPr>
+          <a:xfrm>
+            <a:off x="8172360" y="4299840"/>
+            <a:ext cx="766080" cy="766080"/>
+          </a:xfrm>
+          <a:prstGeom prst="rect">
+            <a:avLst/>
+          </a:prstGeom>
+          <a:ln w="0">
+            <a:noFill/>
+          </a:ln>
+        </p:spPr>
+      </p:pic>
+    </p:spTree>
+  </p:cSld>
+  <p:clrMap bg1="lt1" bg2="lt2" tx1="dk1" tx2="dk2" accent1="accent1" accent2="accent2" accent3="accent3" accent4="accent4" accent5="accent5" accent6="accent6" hlink="hlink" folHlink="folHlink"/>
+  <p:sldLayoutIdLst>
+    <p:sldLayoutId id="2147483687" r:id="rId3"/>
   </p:sldLayoutIdLst>
 </p:sldMaster>
 </file>
@@ -3289,7 +4452,7 @@
         <p:spPr>
           <a:xfrm>
             <a:off x="8711280" y="4803840"/>
-            <a:ext cx="107280" cy="307800"/>
+            <a:ext cx="106920" cy="307440"/>
           </a:xfrm>
           <a:prstGeom prst="rect">
             <a:avLst/>
@@ -3316,21 +4479,19 @@
               </a:lnSpc>
             </a:pPr>
             <a:r>
-              <a:rPr b="0" lang="de-CH" sz="800" strike="noStrike" u="none">
+              <a:rPr b="0" lang="de-CH" sz="800" spc="-1" strike="noStrike">
                 <a:solidFill>
                   <a:schemeClr val="lt1"/>
                 </a:solidFill>
-                <a:uFillTx/>
                 <a:latin typeface="Calibri"/>
               </a:rPr>
               <a:t>|</a:t>
             </a:r>
-            <a:endParaRPr b="0" lang="en-US" sz="800" strike="noStrike" u="none">
+            <a:endParaRPr b="0" lang="en-US" sz="800" spc="-1" strike="noStrike">
               <a:solidFill>
                 <a:srgbClr val="ffffff"/>
               </a:solidFill>
-              <a:uFillTx/>
-              <a:latin typeface="DejaVu Sans"/>
+              <a:latin typeface="Arial"/>
             </a:endParaRPr>
           </a:p>
         </p:txBody>
@@ -3348,12 +4509,11 @@
         <p:spPr>
           <a:xfrm>
             <a:off x="7932960" y="0"/>
-            <a:ext cx="1201680" cy="1201680"/>
+            <a:ext cx="1201320" cy="1201320"/>
           </a:xfrm>
           <a:prstGeom prst="rect">
             <a:avLst/>
           </a:prstGeom>
-          <a:noFill/>
           <a:ln w="0">
             <a:noFill/>
           </a:ln>
@@ -3367,10 +4527,10 @@
         </p:nvGrpSpPr>
         <p:grpSpPr>
           <a:xfrm>
-            <a:off x="5610600" y="2185920"/>
-            <a:ext cx="3531960" cy="3431880"/>
-            <a:chOff x="5610600" y="2185920"/>
-            <a:chExt cx="3531960" cy="3431880"/>
+            <a:off x="5609880" y="2185920"/>
+            <a:ext cx="3532320" cy="3431520"/>
+            <a:chOff x="5609880" y="2185920"/>
+            <a:chExt cx="3532320" cy="3431520"/>
           </a:xfrm>
         </p:grpSpPr>
         <p:sp>
@@ -3381,8 +4541,8 @@
           </p:nvSpPr>
           <p:spPr>
             <a:xfrm flipH="1" rot="9208200">
-              <a:off x="6242400" y="3916080"/>
-              <a:ext cx="574200" cy="1431000"/>
+              <a:off x="6241680" y="3916440"/>
+              <a:ext cx="573840" cy="1430640"/>
             </a:xfrm>
             <a:prstGeom prst="flowChartManualInput">
               <a:avLst/>
@@ -3410,11 +4570,10 @@
                   <a:spcPct val="100000"/>
                 </a:lnSpc>
               </a:pPr>
-              <a:endParaRPr b="0" lang="en-US" sz="1800" strike="noStrike" u="none">
+              <a:endParaRPr b="0" lang="en-US" sz="1800" spc="-1" strike="noStrike">
                 <a:solidFill>
                   <a:schemeClr val="dk1"/>
                 </a:solidFill>
-                <a:uFillTx/>
                 <a:latin typeface="Calibri"/>
               </a:endParaRPr>
             </a:p>
@@ -3428,8 +4587,8 @@
           </p:nvSpPr>
           <p:spPr>
             <a:xfrm flipH="1" rot="9208200">
-              <a:off x="7549200" y="2927160"/>
-              <a:ext cx="1042200" cy="2594160"/>
+              <a:off x="7548840" y="2927520"/>
+              <a:ext cx="1041840" cy="2593800"/>
             </a:xfrm>
             <a:prstGeom prst="flowChartManualInput">
               <a:avLst/>
@@ -3457,11 +4616,10 @@
                   <a:spcPct val="100000"/>
                 </a:lnSpc>
               </a:pPr>
-              <a:endParaRPr b="0" lang="en-US" sz="1800" strike="noStrike" u="none">
+              <a:endParaRPr b="0" lang="en-US" sz="1800" spc="-1" strike="noStrike">
                 <a:solidFill>
                   <a:schemeClr val="dk1"/>
                 </a:solidFill>
-                <a:uFillTx/>
                 <a:latin typeface="Calibri"/>
               </a:endParaRPr>
             </a:p>
@@ -3475,8 +4633,8 @@
           </p:nvSpPr>
           <p:spPr>
             <a:xfrm flipH="1" rot="9208200">
-              <a:off x="7165800" y="4115160"/>
-              <a:ext cx="484560" cy="1206720"/>
+              <a:off x="7165440" y="4115520"/>
+              <a:ext cx="484200" cy="1206360"/>
             </a:xfrm>
             <a:prstGeom prst="flowChartManualInput">
               <a:avLst/>
@@ -3504,11 +4662,10 @@
                   <a:spcPct val="100000"/>
                 </a:lnSpc>
               </a:pPr>
-              <a:endParaRPr b="0" lang="en-US" sz="1800" strike="noStrike" u="none">
+              <a:endParaRPr b="0" lang="en-US" sz="1800" spc="-1" strike="noStrike">
                 <a:solidFill>
                   <a:schemeClr val="dk1"/>
                 </a:solidFill>
-                <a:uFillTx/>
                 <a:latin typeface="Calibri"/>
               </a:endParaRPr>
             </a:p>
@@ -3522,8 +4679,8 @@
           </p:nvSpPr>
           <p:spPr>
             <a:xfrm flipH="1" rot="9208200">
-              <a:off x="5747040" y="4568040"/>
-              <a:ext cx="271080" cy="677160"/>
+              <a:off x="5746320" y="4568400"/>
+              <a:ext cx="270720" cy="676800"/>
             </a:xfrm>
             <a:prstGeom prst="flowChartManualInput">
               <a:avLst/>
@@ -3551,11 +4708,10 @@
                   <a:spcPct val="100000"/>
                 </a:lnSpc>
               </a:pPr>
-              <a:endParaRPr b="0" lang="en-US" sz="1800" strike="noStrike" u="none">
+              <a:endParaRPr b="0" lang="en-US" sz="1800" spc="-1" strike="noStrike">
                 <a:solidFill>
                   <a:schemeClr val="dk1"/>
                 </a:solidFill>
-                <a:uFillTx/>
                 <a:latin typeface="Calibri"/>
               </a:endParaRPr>
             </a:p>
@@ -3570,15 +4726,15 @@
           <p:spPr>
             <a:xfrm>
               <a:off x="8127720" y="2185920"/>
-              <a:ext cx="1014840" cy="2292480"/>
+              <a:ext cx="1014480" cy="2292120"/>
             </a:xfrm>
             <a:custGeom>
               <a:avLst/>
               <a:gdLst>
-                <a:gd name="textAreaLeft" fmla="*/ 0 w 1014840"/>
-                <a:gd name="textAreaRight" fmla="*/ 1016280 w 1014840"/>
-                <a:gd name="textAreaTop" fmla="*/ 0 h 2292480"/>
-                <a:gd name="textAreaBottom" fmla="*/ 2293920 h 2292480"/>
+                <a:gd name="textAreaLeft" fmla="*/ 0 w 1014480"/>
+                <a:gd name="textAreaRight" fmla="*/ 1016280 w 1014480"/>
+                <a:gd name="textAreaTop" fmla="*/ 0 h 2292120"/>
+                <a:gd name="textAreaBottom" fmla="*/ 2293920 h 2292120"/>
               </a:gdLst>
               <a:ahLst/>
               <a:rect l="textAreaLeft" t="textAreaTop" r="textAreaRight" b="textAreaBottom"/>
@@ -3623,11 +4779,10 @@
                   <a:spcPct val="100000"/>
                 </a:lnSpc>
               </a:pPr>
-              <a:endParaRPr b="0" lang="en-US" sz="1800" strike="noStrike" u="none">
+              <a:endParaRPr b="0" lang="en-US" sz="1800" spc="-1" strike="noStrike">
                 <a:solidFill>
                   <a:srgbClr val="000000"/>
                 </a:solidFill>
-                <a:uFillTx/>
                 <a:latin typeface="Arial"/>
               </a:endParaRPr>
             </a:p>
@@ -3642,10 +4797,10 @@
         </p:nvGrpSpPr>
         <p:grpSpPr>
           <a:xfrm>
-            <a:off x="1800" y="-323640"/>
-            <a:ext cx="3063240" cy="1908000"/>
-            <a:chOff x="1800" y="-323640"/>
-            <a:chExt cx="3063240" cy="1908000"/>
+            <a:off x="2160" y="-323640"/>
+            <a:ext cx="3061800" cy="1907640"/>
+            <a:chOff x="2160" y="-323640"/>
+            <a:chExt cx="3061800" cy="1907640"/>
           </a:xfrm>
         </p:grpSpPr>
         <p:sp>
@@ -3656,8 +4811,8 @@
           </p:nvSpPr>
           <p:spPr>
             <a:xfrm flipH="1" rot="20008800">
-              <a:off x="1930320" y="-106920"/>
-              <a:ext cx="289440" cy="721440"/>
+              <a:off x="1930320" y="-106560"/>
+              <a:ext cx="289440" cy="721080"/>
             </a:xfrm>
             <a:prstGeom prst="flowChartManualInput">
               <a:avLst/>
@@ -3685,11 +4840,10 @@
                   <a:spcPct val="100000"/>
                 </a:lnSpc>
               </a:pPr>
-              <a:endParaRPr b="0" lang="en-US" sz="1800" strike="noStrike" u="none">
+              <a:endParaRPr b="0" lang="en-US" sz="1800" spc="-1" strike="noStrike">
                 <a:solidFill>
                   <a:schemeClr val="dk1"/>
                 </a:solidFill>
-                <a:uFillTx/>
                 <a:latin typeface="Calibri"/>
               </a:endParaRPr>
             </a:p>
@@ -3703,8 +4857,8 @@
           </p:nvSpPr>
           <p:spPr>
             <a:xfrm flipH="1" rot="20008800">
-              <a:off x="337320" y="-232920"/>
-              <a:ext cx="614880" cy="1531080"/>
+              <a:off x="336960" y="-232920"/>
+              <a:ext cx="614520" cy="1530720"/>
             </a:xfrm>
             <a:prstGeom prst="flowChartManualInput">
               <a:avLst/>
@@ -3732,11 +4886,10 @@
                   <a:spcPct val="100000"/>
                 </a:lnSpc>
               </a:pPr>
-              <a:endParaRPr b="0" lang="en-US" sz="1800" strike="noStrike" u="none">
+              <a:endParaRPr b="0" lang="en-US" sz="1800" spc="-1" strike="noStrike">
                 <a:solidFill>
                   <a:schemeClr val="dk1"/>
                 </a:solidFill>
-                <a:uFillTx/>
                 <a:latin typeface="Calibri"/>
               </a:endParaRPr>
             </a:p>
@@ -3750,8 +4903,8 @@
           </p:nvSpPr>
           <p:spPr>
             <a:xfrm flipH="1" rot="20008800">
-              <a:off x="1262880" y="-257760"/>
-              <a:ext cx="713520" cy="1776600"/>
+              <a:off x="1262520" y="-257760"/>
+              <a:ext cx="713520" cy="1776240"/>
             </a:xfrm>
             <a:prstGeom prst="flowChartManualInput">
               <a:avLst/>
@@ -3779,11 +4932,10 @@
                   <a:spcPct val="100000"/>
                 </a:lnSpc>
               </a:pPr>
-              <a:endParaRPr b="0" lang="en-US" sz="1800" strike="noStrike" u="none">
+              <a:endParaRPr b="0" lang="en-US" sz="1800" spc="-1" strike="noStrike">
                 <a:solidFill>
                   <a:schemeClr val="dk1"/>
                 </a:solidFill>
-                <a:uFillTx/>
                 <a:latin typeface="Calibri"/>
               </a:endParaRPr>
             </a:p>
@@ -3798,7 +4950,7 @@
           <p:spPr>
             <a:xfrm flipH="1" rot="20008800">
               <a:off x="2576880" y="-126000"/>
-              <a:ext cx="324000" cy="808560"/>
+              <a:ext cx="323280" cy="808200"/>
             </a:xfrm>
             <a:prstGeom prst="flowChartManualInput">
               <a:avLst/>
@@ -3826,11 +4978,10 @@
                   <a:spcPct val="100000"/>
                 </a:lnSpc>
               </a:pPr>
-              <a:endParaRPr b="0" lang="en-US" sz="1800" strike="noStrike" u="none">
+              <a:endParaRPr b="0" lang="en-US" sz="1800" spc="-1" strike="noStrike">
                 <a:solidFill>
                   <a:schemeClr val="dk1"/>
                 </a:solidFill>
-                <a:uFillTx/>
                 <a:latin typeface="Calibri"/>
               </a:endParaRPr>
             </a:p>
@@ -3844,16 +4995,16 @@
           </p:nvSpPr>
           <p:spPr>
             <a:xfrm rot="10800000">
-              <a:off x="1800" y="83880"/>
-              <a:ext cx="537480" cy="1215360"/>
+              <a:off x="2160" y="84240"/>
+              <a:ext cx="537120" cy="1215000"/>
             </a:xfrm>
             <a:custGeom>
               <a:avLst/>
               <a:gdLst>
-                <a:gd name="textAreaLeft" fmla="*/ 0 w 537480"/>
-                <a:gd name="textAreaRight" fmla="*/ 538920 w 537480"/>
-                <a:gd name="textAreaTop" fmla="*/ 0 h 1215360"/>
-                <a:gd name="textAreaBottom" fmla="*/ 1216800 h 1215360"/>
+                <a:gd name="textAreaLeft" fmla="*/ 0 w 537120"/>
+                <a:gd name="textAreaRight" fmla="*/ 538920 w 537120"/>
+                <a:gd name="textAreaTop" fmla="*/ 0 h 1215000"/>
+                <a:gd name="textAreaBottom" fmla="*/ 1216800 h 1215000"/>
               </a:gdLst>
               <a:ahLst/>
               <a:rect l="textAreaLeft" t="textAreaTop" r="textAreaRight" b="textAreaBottom"/>
@@ -3898,11 +5049,10 @@
                   <a:spcPct val="100000"/>
                 </a:lnSpc>
               </a:pPr>
-              <a:endParaRPr b="0" lang="en-US" sz="1800" strike="noStrike" u="none">
+              <a:endParaRPr b="0" lang="en-US" sz="1800" spc="-1" strike="noStrike">
                 <a:solidFill>
                   <a:srgbClr val="000000"/>
                 </a:solidFill>
-                <a:uFillTx/>
                 <a:latin typeface="Arial"/>
               </a:endParaRPr>
             </a:p>
@@ -3941,21 +5091,19 @@
               <a:buNone/>
             </a:pPr>
             <a:r>
-              <a:rPr b="0" lang="en-US" sz="1800" strike="noStrike" u="none">
+              <a:rPr b="0" lang="en-US" sz="1800" spc="-1" strike="noStrike">
                 <a:solidFill>
                   <a:srgbClr val="ffffff"/>
                 </a:solidFill>
-                <a:uFillTx/>
-                <a:latin typeface="DejaVu Sans"/>
+                <a:latin typeface="Arial"/>
               </a:rPr>
               <a:t>Click to edit the title text format</a:t>
             </a:r>
-            <a:endParaRPr b="0" lang="en-US" sz="1800" strike="noStrike" u="none">
+            <a:endParaRPr b="0" lang="en-US" sz="1800" spc="-1" strike="noStrike">
               <a:solidFill>
                 <a:srgbClr val="ffffff"/>
               </a:solidFill>
-              <a:uFillTx/>
-              <a:latin typeface="DejaVu Sans"/>
+              <a:latin typeface="Arial"/>
             </a:endParaRPr>
           </a:p>
         </p:txBody>
@@ -4000,21 +5148,19 @@
               <a:buChar char=""/>
             </a:pPr>
             <a:r>
-              <a:rPr b="0" lang="en-US" sz="3200" strike="noStrike" u="none">
+              <a:rPr b="0" lang="en-US" sz="3200" spc="-1" strike="noStrike">
                 <a:solidFill>
                   <a:srgbClr val="ffffff"/>
                 </a:solidFill>
-                <a:uFillTx/>
-                <a:latin typeface="DejaVu Sans"/>
+                <a:latin typeface="Arial"/>
               </a:rPr>
               <a:t>Click to edit the outline text format</a:t>
             </a:r>
-            <a:endParaRPr b="0" lang="en-US" sz="3200" strike="noStrike" u="none">
+            <a:endParaRPr b="0" lang="en-US" sz="3200" spc="-1" strike="noStrike">
               <a:solidFill>
                 <a:srgbClr val="ffffff"/>
               </a:solidFill>
-              <a:uFillTx/>
-              <a:latin typeface="DejaVu Sans"/>
+              <a:latin typeface="Arial"/>
             </a:endParaRPr>
           </a:p>
           <a:p>
@@ -4030,21 +5176,19 @@
               <a:buChar char=""/>
             </a:pPr>
             <a:r>
-              <a:rPr b="0" lang="en-US" sz="2800" strike="noStrike" u="none">
+              <a:rPr b="0" lang="en-US" sz="2800" spc="-1" strike="noStrike">
                 <a:solidFill>
                   <a:srgbClr val="ffffff"/>
                 </a:solidFill>
-                <a:uFillTx/>
-                <a:latin typeface="DejaVu Sans"/>
+                <a:latin typeface="Arial"/>
               </a:rPr>
               <a:t>Second Outline Level</a:t>
             </a:r>
-            <a:endParaRPr b="0" lang="en-US" sz="2800" strike="noStrike" u="none">
+            <a:endParaRPr b="0" lang="en-US" sz="2800" spc="-1" strike="noStrike">
               <a:solidFill>
                 <a:srgbClr val="ffffff"/>
               </a:solidFill>
-              <a:uFillTx/>
-              <a:latin typeface="DejaVu Sans"/>
+              <a:latin typeface="Arial"/>
             </a:endParaRPr>
           </a:p>
           <a:p>
@@ -4060,21 +5204,19 @@
               <a:buChar char=""/>
             </a:pPr>
             <a:r>
-              <a:rPr b="0" lang="en-US" sz="2400" strike="noStrike" u="none">
+              <a:rPr b="0" lang="en-US" sz="2400" spc="-1" strike="noStrike">
                 <a:solidFill>
                   <a:srgbClr val="ffffff"/>
                 </a:solidFill>
-                <a:uFillTx/>
-                <a:latin typeface="DejaVu Sans"/>
+                <a:latin typeface="Arial"/>
               </a:rPr>
               <a:t>Third Outline Level</a:t>
             </a:r>
-            <a:endParaRPr b="0" lang="en-US" sz="2400" strike="noStrike" u="none">
+            <a:endParaRPr b="0" lang="en-US" sz="2400" spc="-1" strike="noStrike">
               <a:solidFill>
                 <a:srgbClr val="ffffff"/>
               </a:solidFill>
-              <a:uFillTx/>
-              <a:latin typeface="DejaVu Sans"/>
+              <a:latin typeface="Arial"/>
             </a:endParaRPr>
           </a:p>
           <a:p>
@@ -4090,21 +5232,19 @@
               <a:buChar char=""/>
             </a:pPr>
             <a:r>
-              <a:rPr b="0" lang="en-US" sz="2000" strike="noStrike" u="none">
+              <a:rPr b="0" lang="en-US" sz="2000" spc="-1" strike="noStrike">
                 <a:solidFill>
                   <a:srgbClr val="ffffff"/>
                 </a:solidFill>
-                <a:uFillTx/>
-                <a:latin typeface="DejaVu Sans"/>
+                <a:latin typeface="Arial"/>
               </a:rPr>
               <a:t>Fourth Outline Level</a:t>
             </a:r>
-            <a:endParaRPr b="0" lang="en-US" sz="2000" strike="noStrike" u="none">
+            <a:endParaRPr b="0" lang="en-US" sz="2000" spc="-1" strike="noStrike">
               <a:solidFill>
                 <a:srgbClr val="ffffff"/>
               </a:solidFill>
-              <a:uFillTx/>
-              <a:latin typeface="DejaVu Sans"/>
+              <a:latin typeface="Arial"/>
             </a:endParaRPr>
           </a:p>
           <a:p>
@@ -4120,21 +5260,19 @@
               <a:buChar char=""/>
             </a:pPr>
             <a:r>
-              <a:rPr b="0" lang="en-US" sz="2000" strike="noStrike" u="none">
+              <a:rPr b="0" lang="en-US" sz="2000" spc="-1" strike="noStrike">
                 <a:solidFill>
                   <a:srgbClr val="ffffff"/>
                 </a:solidFill>
-                <a:uFillTx/>
-                <a:latin typeface="DejaVu Sans"/>
+                <a:latin typeface="Arial"/>
               </a:rPr>
               <a:t>Fifth Outline Level</a:t>
             </a:r>
-            <a:endParaRPr b="0" lang="en-US" sz="2000" strike="noStrike" u="none">
+            <a:endParaRPr b="0" lang="en-US" sz="2000" spc="-1" strike="noStrike">
               <a:solidFill>
                 <a:srgbClr val="ffffff"/>
               </a:solidFill>
-              <a:uFillTx/>
-              <a:latin typeface="DejaVu Sans"/>
+              <a:latin typeface="Arial"/>
             </a:endParaRPr>
           </a:p>
           <a:p>
@@ -4150,21 +5288,19 @@
               <a:buChar char=""/>
             </a:pPr>
             <a:r>
-              <a:rPr b="0" lang="en-US" sz="2000" strike="noStrike" u="none">
+              <a:rPr b="0" lang="en-US" sz="2000" spc="-1" strike="noStrike">
                 <a:solidFill>
                   <a:srgbClr val="ffffff"/>
                 </a:solidFill>
-                <a:uFillTx/>
-                <a:latin typeface="DejaVu Sans"/>
+                <a:latin typeface="Arial"/>
               </a:rPr>
               <a:t>Sixth Outline Level</a:t>
             </a:r>
-            <a:endParaRPr b="0" lang="en-US" sz="2000" strike="noStrike" u="none">
+            <a:endParaRPr b="0" lang="en-US" sz="2000" spc="-1" strike="noStrike">
               <a:solidFill>
                 <a:srgbClr val="ffffff"/>
               </a:solidFill>
-              <a:uFillTx/>
-              <a:latin typeface="DejaVu Sans"/>
+              <a:latin typeface="Arial"/>
             </a:endParaRPr>
           </a:p>
           <a:p>
@@ -4180,28 +5316,26 @@
               <a:buChar char=""/>
             </a:pPr>
             <a:r>
-              <a:rPr b="0" lang="en-US" sz="2000" strike="noStrike" u="none">
+              <a:rPr b="0" lang="en-US" sz="2000" spc="-1" strike="noStrike">
                 <a:solidFill>
                   <a:srgbClr val="ffffff"/>
                 </a:solidFill>
-                <a:uFillTx/>
-                <a:latin typeface="DejaVu Sans"/>
+                <a:latin typeface="Arial"/>
               </a:rPr>
               <a:t>Seventh Outline Level</a:t>
             </a:r>
-            <a:endParaRPr b="0" lang="en-US" sz="2000" strike="noStrike" u="none">
+            <a:endParaRPr b="0" lang="en-US" sz="2000" spc="-1" strike="noStrike">
               <a:solidFill>
                 <a:srgbClr val="ffffff"/>
               </a:solidFill>
-              <a:uFillTx/>
-              <a:latin typeface="DejaVu Sans"/>
+              <a:latin typeface="Arial"/>
             </a:endParaRPr>
           </a:p>
         </p:txBody>
       </p:sp>
     </p:spTree>
   </p:cSld>
-  <p:clrMap bg1="lt1" tx1="dk1" bg2="lt2" tx2="dk2" accent1="accent1" accent2="accent2" accent3="accent3" accent4="accent4" accent5="accent5" accent6="accent6" hlink="hlink" folHlink="folHlink"/>
+  <p:clrMap bg1="lt1" bg2="lt2" tx1="dk1" tx2="dk2" accent1="accent1" accent2="accent2" accent3="accent3" accent4="accent4" accent5="accent5" accent6="accent6" hlink="hlink" folHlink="folHlink"/>
   <p:sldLayoutIdLst>
     <p:sldLayoutId id="2147483653" r:id="rId3"/>
   </p:sldLayoutIdLst>
@@ -4241,7 +5375,7 @@
         <p:spPr>
           <a:xfrm>
             <a:off x="8711280" y="4803840"/>
-            <a:ext cx="107280" cy="307800"/>
+            <a:ext cx="106920" cy="307440"/>
           </a:xfrm>
           <a:prstGeom prst="rect">
             <a:avLst/>
@@ -4268,21 +5402,19 @@
               </a:lnSpc>
             </a:pPr>
             <a:r>
-              <a:rPr b="0" lang="de-CH" sz="800" strike="noStrike" u="none">
+              <a:rPr b="0" lang="de-CH" sz="800" spc="-1" strike="noStrike">
                 <a:solidFill>
                   <a:schemeClr val="lt1"/>
                 </a:solidFill>
-                <a:uFillTx/>
                 <a:latin typeface="Calibri"/>
               </a:rPr>
               <a:t>|</a:t>
             </a:r>
-            <a:endParaRPr b="0" lang="en-US" sz="800" strike="noStrike" u="none">
+            <a:endParaRPr b="0" lang="en-US" sz="800" spc="-1" strike="noStrike">
               <a:solidFill>
                 <a:srgbClr val="000000"/>
               </a:solidFill>
-              <a:uFillTx/>
-              <a:latin typeface="DejaVu Sans"/>
+              <a:latin typeface="Arial"/>
             </a:endParaRPr>
           </a:p>
         </p:txBody>
@@ -4300,12 +5432,11 @@
         <p:spPr>
           <a:xfrm>
             <a:off x="7932960" y="0"/>
-            <a:ext cx="1201680" cy="1201680"/>
+            <a:ext cx="1201320" cy="1201320"/>
           </a:xfrm>
           <a:prstGeom prst="rect">
             <a:avLst/>
           </a:prstGeom>
-          <a:noFill/>
           <a:ln w="0">
             <a:noFill/>
           </a:ln>
@@ -4319,10 +5450,10 @@
         </p:nvGrpSpPr>
         <p:grpSpPr>
           <a:xfrm>
-            <a:off x="6172200" y="2656080"/>
-            <a:ext cx="2970000" cy="2885040"/>
-            <a:chOff x="6172200" y="2656080"/>
-            <a:chExt cx="2970000" cy="2885040"/>
+            <a:off x="6172560" y="2656080"/>
+            <a:ext cx="2969280" cy="2884680"/>
+            <a:chOff x="6172560" y="2656080"/>
+            <a:chExt cx="2969280" cy="2884680"/>
           </a:xfrm>
         </p:grpSpPr>
         <p:sp>
@@ -4333,8 +5464,8 @@
           </p:nvSpPr>
           <p:spPr>
             <a:xfrm flipH="1" rot="9208200">
-              <a:off x="6703920" y="4111920"/>
-              <a:ext cx="482400" cy="1202400"/>
+              <a:off x="6703200" y="4112280"/>
+              <a:ext cx="482040" cy="1201680"/>
             </a:xfrm>
             <a:prstGeom prst="flowChartManualInput">
               <a:avLst/>
@@ -4362,11 +5493,10 @@
                   <a:spcPct val="100000"/>
                 </a:lnSpc>
               </a:pPr>
-              <a:endParaRPr b="0" lang="en-US" sz="1800" strike="noStrike" u="none">
+              <a:endParaRPr b="0" lang="en-US" sz="1800" spc="-1" strike="noStrike">
                 <a:solidFill>
                   <a:schemeClr val="dk1"/>
                 </a:solidFill>
-                <a:uFillTx/>
                 <a:latin typeface="Calibri"/>
               </a:endParaRPr>
             </a:p>
@@ -4380,8 +5510,8 @@
           </p:nvSpPr>
           <p:spPr>
             <a:xfrm flipH="1" rot="9208200">
-              <a:off x="7801200" y="3279240"/>
-              <a:ext cx="876960" cy="2180520"/>
+              <a:off x="7800120" y="3279240"/>
+              <a:ext cx="876960" cy="2180160"/>
             </a:xfrm>
             <a:prstGeom prst="flowChartManualInput">
               <a:avLst/>
@@ -4409,11 +5539,10 @@
                   <a:spcPct val="100000"/>
                 </a:lnSpc>
               </a:pPr>
-              <a:endParaRPr b="0" lang="en-US" sz="1800" strike="noStrike" u="none">
+              <a:endParaRPr b="0" lang="en-US" sz="1800" spc="-1" strike="noStrike">
                 <a:solidFill>
                   <a:schemeClr val="dk1"/>
                 </a:solidFill>
-                <a:uFillTx/>
                 <a:latin typeface="Calibri"/>
               </a:endParaRPr>
             </a:p>
@@ -4427,8 +5556,8 @@
           </p:nvSpPr>
           <p:spPr>
             <a:xfrm flipH="1" rot="9208200">
-              <a:off x="7477920" y="4278240"/>
-              <a:ext cx="408600" cy="1014120"/>
+              <a:off x="7476840" y="4278240"/>
+              <a:ext cx="408600" cy="1013760"/>
             </a:xfrm>
             <a:prstGeom prst="flowChartManualInput">
               <a:avLst/>
@@ -4456,11 +5585,10 @@
                   <a:spcPct val="100000"/>
                 </a:lnSpc>
               </a:pPr>
-              <a:endParaRPr b="0" lang="en-US" sz="1800" strike="noStrike" u="none">
+              <a:endParaRPr b="0" lang="en-US" sz="1800" spc="-1" strike="noStrike">
                 <a:solidFill>
                   <a:schemeClr val="dk1"/>
                 </a:solidFill>
-                <a:uFillTx/>
                 <a:latin typeface="Calibri"/>
               </a:endParaRPr>
             </a:p>
@@ -4474,8 +5602,8 @@
           </p:nvSpPr>
           <p:spPr>
             <a:xfrm flipH="1" rot="9208200">
-              <a:off x="6287040" y="4658760"/>
-              <a:ext cx="227880" cy="569160"/>
+              <a:off x="6287400" y="4659120"/>
+              <a:ext cx="227160" cy="568800"/>
             </a:xfrm>
             <a:prstGeom prst="flowChartManualInput">
               <a:avLst/>
@@ -4503,11 +5631,10 @@
                   <a:spcPct val="100000"/>
                 </a:lnSpc>
               </a:pPr>
-              <a:endParaRPr b="0" lang="en-US" sz="1800" strike="noStrike" u="none">
+              <a:endParaRPr b="0" lang="en-US" sz="1800" spc="-1" strike="noStrike">
                 <a:solidFill>
                   <a:schemeClr val="dk1"/>
                 </a:solidFill>
-                <a:uFillTx/>
                 <a:latin typeface="Calibri"/>
               </a:endParaRPr>
             </a:p>
@@ -4522,15 +5649,15 @@
           <p:spPr>
             <a:xfrm>
               <a:off x="8289360" y="2656080"/>
-              <a:ext cx="852840" cy="1927440"/>
+              <a:ext cx="852480" cy="1927080"/>
             </a:xfrm>
             <a:custGeom>
               <a:avLst/>
               <a:gdLst>
-                <a:gd name="textAreaLeft" fmla="*/ 0 w 852840"/>
-                <a:gd name="textAreaRight" fmla="*/ 854280 w 852840"/>
-                <a:gd name="textAreaTop" fmla="*/ 0 h 1927440"/>
-                <a:gd name="textAreaBottom" fmla="*/ 1928880 h 1927440"/>
+                <a:gd name="textAreaLeft" fmla="*/ 0 w 852480"/>
+                <a:gd name="textAreaRight" fmla="*/ 854280 w 852480"/>
+                <a:gd name="textAreaTop" fmla="*/ 0 h 1927080"/>
+                <a:gd name="textAreaBottom" fmla="*/ 1928880 h 1927080"/>
               </a:gdLst>
               <a:ahLst/>
               <a:rect l="textAreaLeft" t="textAreaTop" r="textAreaRight" b="textAreaBottom"/>
@@ -4575,11 +5702,10 @@
                   <a:spcPct val="100000"/>
                 </a:lnSpc>
               </a:pPr>
-              <a:endParaRPr b="0" lang="en-US" sz="1800" strike="noStrike" u="none">
+              <a:endParaRPr b="0" lang="en-US" sz="1800" spc="-1" strike="noStrike">
                 <a:solidFill>
                   <a:srgbClr val="ffffff"/>
                 </a:solidFill>
-                <a:uFillTx/>
                 <a:latin typeface="Arial"/>
               </a:endParaRPr>
             </a:p>
@@ -4594,10 +5720,10 @@
         </p:nvGrpSpPr>
         <p:grpSpPr>
           <a:xfrm>
-            <a:off x="1800" y="-227160"/>
-            <a:ext cx="2157840" cy="1344960"/>
-            <a:chOff x="1800" y="-227160"/>
-            <a:chExt cx="2157840" cy="1344960"/>
+            <a:off x="2160" y="-227160"/>
+            <a:ext cx="2156400" cy="1344600"/>
+            <a:chOff x="2160" y="-227160"/>
+            <a:chExt cx="2156400" cy="1344600"/>
           </a:xfrm>
         </p:grpSpPr>
         <p:sp>
@@ -4608,8 +5734,8 @@
           </p:nvSpPr>
           <p:spPr>
             <a:xfrm flipH="1" rot="20008800">
-              <a:off x="1360080" y="-74520"/>
-              <a:ext cx="203400" cy="507960"/>
+              <a:off x="1359360" y="-74520"/>
+              <a:ext cx="203040" cy="507600"/>
             </a:xfrm>
             <a:prstGeom prst="flowChartManualInput">
               <a:avLst/>
@@ -4637,11 +5763,10 @@
                   <a:spcPct val="100000"/>
                 </a:lnSpc>
               </a:pPr>
-              <a:endParaRPr b="0" lang="en-US" sz="1800" strike="noStrike" u="none">
+              <a:endParaRPr b="0" lang="en-US" sz="1800" spc="-1" strike="noStrike">
                 <a:solidFill>
                   <a:schemeClr val="dk1"/>
                 </a:solidFill>
-                <a:uFillTx/>
                 <a:latin typeface="Calibri"/>
               </a:endParaRPr>
             </a:p>
@@ -4656,7 +5781,7 @@
           <p:spPr>
             <a:xfrm flipH="1" rot="20008800">
               <a:off x="236880" y="-163440"/>
-              <a:ext cx="433080" cy="1079280"/>
+              <a:ext cx="433080" cy="1078920"/>
             </a:xfrm>
             <a:prstGeom prst="flowChartManualInput">
               <a:avLst/>
@@ -4684,11 +5809,10 @@
                   <a:spcPct val="100000"/>
                 </a:lnSpc>
               </a:pPr>
-              <a:endParaRPr b="0" lang="en-US" sz="1800" strike="noStrike" u="none">
+              <a:endParaRPr b="0" lang="en-US" sz="1800" spc="-1" strike="noStrike">
                 <a:solidFill>
                   <a:schemeClr val="dk1"/>
                 </a:solidFill>
-                <a:uFillTx/>
                 <a:latin typeface="Calibri"/>
               </a:endParaRPr>
             </a:p>
@@ -4702,8 +5826,8 @@
           </p:nvSpPr>
           <p:spPr>
             <a:xfrm flipH="1" rot="20008800">
-              <a:off x="890280" y="-180720"/>
-              <a:ext cx="502560" cy="1252440"/>
+              <a:off x="889920" y="-180720"/>
+              <a:ext cx="502200" cy="1252080"/>
             </a:xfrm>
             <a:prstGeom prst="flowChartManualInput">
               <a:avLst/>
@@ -4731,11 +5855,10 @@
                   <a:spcPct val="100000"/>
                 </a:lnSpc>
               </a:pPr>
-              <a:endParaRPr b="0" lang="en-US" sz="1800" strike="noStrike" u="none">
+              <a:endParaRPr b="0" lang="en-US" sz="1800" spc="-1" strike="noStrike">
                 <a:solidFill>
                   <a:schemeClr val="dk1"/>
                 </a:solidFill>
-                <a:uFillTx/>
                 <a:latin typeface="Calibri"/>
               </a:endParaRPr>
             </a:p>
@@ -4749,8 +5872,8 @@
           </p:nvSpPr>
           <p:spPr>
             <a:xfrm flipH="1" rot="20008800">
-              <a:off x="1816200" y="-87480"/>
-              <a:ext cx="227880" cy="569520"/>
+              <a:off x="1815480" y="-87480"/>
+              <a:ext cx="227520" cy="569160"/>
             </a:xfrm>
             <a:prstGeom prst="flowChartManualInput">
               <a:avLst/>
@@ -4778,11 +5901,10 @@
                   <a:spcPct val="100000"/>
                 </a:lnSpc>
               </a:pPr>
-              <a:endParaRPr b="0" lang="en-US" sz="1800" strike="noStrike" u="none">
+              <a:endParaRPr b="0" lang="en-US" sz="1800" spc="-1" strike="noStrike">
                 <a:solidFill>
                   <a:schemeClr val="dk1"/>
                 </a:solidFill>
-                <a:uFillTx/>
                 <a:latin typeface="Calibri"/>
               </a:endParaRPr>
             </a:p>
@@ -4796,16 +5918,16 @@
           </p:nvSpPr>
           <p:spPr>
             <a:xfrm rot="10800000">
-              <a:off x="1800" y="60480"/>
-              <a:ext cx="378360" cy="856440"/>
+              <a:off x="2160" y="60840"/>
+              <a:ext cx="378000" cy="856080"/>
             </a:xfrm>
             <a:custGeom>
               <a:avLst/>
               <a:gdLst>
-                <a:gd name="textAreaLeft" fmla="*/ 0 w 378360"/>
-                <a:gd name="textAreaRight" fmla="*/ 379800 w 378360"/>
-                <a:gd name="textAreaTop" fmla="*/ 0 h 856440"/>
-                <a:gd name="textAreaBottom" fmla="*/ 857880 h 856440"/>
+                <a:gd name="textAreaLeft" fmla="*/ 0 w 378000"/>
+                <a:gd name="textAreaRight" fmla="*/ 379800 w 378000"/>
+                <a:gd name="textAreaTop" fmla="*/ 0 h 856080"/>
+                <a:gd name="textAreaBottom" fmla="*/ 857880 h 856080"/>
               </a:gdLst>
               <a:ahLst/>
               <a:rect l="textAreaLeft" t="textAreaTop" r="textAreaRight" b="textAreaBottom"/>
@@ -4850,11 +5972,10 @@
                   <a:spcPct val="100000"/>
                 </a:lnSpc>
               </a:pPr>
-              <a:endParaRPr b="0" lang="en-US" sz="1800" strike="noStrike" u="none">
+              <a:endParaRPr b="0" lang="en-US" sz="1800" spc="-1" strike="noStrike">
                 <a:solidFill>
                   <a:srgbClr val="ffffff"/>
                 </a:solidFill>
-                <a:uFillTx/>
                 <a:latin typeface="Arial"/>
               </a:endParaRPr>
             </a:p>
@@ -4893,21 +6014,19 @@
               <a:buNone/>
             </a:pPr>
             <a:r>
-              <a:rPr b="0" lang="en-US" sz="1800" strike="noStrike" u="none">
+              <a:rPr b="0" lang="en-US" sz="1800" spc="-1" strike="noStrike">
                 <a:solidFill>
                   <a:srgbClr val="000000"/>
                 </a:solidFill>
-                <a:uFillTx/>
-                <a:latin typeface="DejaVu Sans"/>
+                <a:latin typeface="Arial"/>
               </a:rPr>
               <a:t>Click to edit the title text format</a:t>
             </a:r>
-            <a:endParaRPr b="0" lang="en-US" sz="1800" strike="noStrike" u="none">
+            <a:endParaRPr b="0" lang="en-US" sz="1800" spc="-1" strike="noStrike">
               <a:solidFill>
                 <a:srgbClr val="000000"/>
               </a:solidFill>
-              <a:uFillTx/>
-              <a:latin typeface="DejaVu Sans"/>
+              <a:latin typeface="Arial"/>
             </a:endParaRPr>
           </a:p>
         </p:txBody>
@@ -4952,21 +6071,19 @@
               <a:buChar char=""/>
             </a:pPr>
             <a:r>
-              <a:rPr b="0" lang="en-US" sz="1800" strike="noStrike" u="none">
+              <a:rPr b="0" lang="en-US" sz="1800" spc="-1" strike="noStrike">
                 <a:solidFill>
                   <a:srgbClr val="000000"/>
                 </a:solidFill>
-                <a:uFillTx/>
-                <a:latin typeface="DejaVu Sans"/>
+                <a:latin typeface="Arial"/>
               </a:rPr>
               <a:t>Click to edit the outline text format</a:t>
             </a:r>
-            <a:endParaRPr b="0" lang="en-US" sz="1800" strike="noStrike" u="none">
+            <a:endParaRPr b="0" lang="en-US" sz="1800" spc="-1" strike="noStrike">
               <a:solidFill>
                 <a:srgbClr val="000000"/>
               </a:solidFill>
-              <a:uFillTx/>
-              <a:latin typeface="DejaVu Sans"/>
+              <a:latin typeface="Arial"/>
             </a:endParaRPr>
           </a:p>
           <a:p>
@@ -4982,21 +6099,19 @@
               <a:buChar char=""/>
             </a:pPr>
             <a:r>
-              <a:rPr b="0" lang="en-US" sz="1800" strike="noStrike" u="none">
+              <a:rPr b="0" lang="en-US" sz="1800" spc="-1" strike="noStrike">
                 <a:solidFill>
                   <a:srgbClr val="000000"/>
                 </a:solidFill>
-                <a:uFillTx/>
-                <a:latin typeface="DejaVu Sans"/>
+                <a:latin typeface="Arial"/>
               </a:rPr>
               <a:t>Second Outline Level</a:t>
             </a:r>
-            <a:endParaRPr b="0" lang="en-US" sz="1800" strike="noStrike" u="none">
+            <a:endParaRPr b="0" lang="en-US" sz="1800" spc="-1" strike="noStrike">
               <a:solidFill>
                 <a:srgbClr val="000000"/>
               </a:solidFill>
-              <a:uFillTx/>
-              <a:latin typeface="DejaVu Sans"/>
+              <a:latin typeface="Arial"/>
             </a:endParaRPr>
           </a:p>
           <a:p>
@@ -5012,21 +6127,19 @@
               <a:buChar char=""/>
             </a:pPr>
             <a:r>
-              <a:rPr b="0" lang="en-US" sz="1800" strike="noStrike" u="none">
+              <a:rPr b="0" lang="en-US" sz="1800" spc="-1" strike="noStrike">
                 <a:solidFill>
                   <a:srgbClr val="000000"/>
                 </a:solidFill>
-                <a:uFillTx/>
-                <a:latin typeface="DejaVu Sans"/>
+                <a:latin typeface="Arial"/>
               </a:rPr>
               <a:t>Third Outline Level</a:t>
             </a:r>
-            <a:endParaRPr b="0" lang="en-US" sz="1800" strike="noStrike" u="none">
+            <a:endParaRPr b="0" lang="en-US" sz="1800" spc="-1" strike="noStrike">
               <a:solidFill>
                 <a:srgbClr val="000000"/>
               </a:solidFill>
-              <a:uFillTx/>
-              <a:latin typeface="DejaVu Sans"/>
+              <a:latin typeface="Arial"/>
             </a:endParaRPr>
           </a:p>
           <a:p>
@@ -5042,21 +6155,19 @@
               <a:buChar char=""/>
             </a:pPr>
             <a:r>
-              <a:rPr b="0" lang="en-US" sz="1800" strike="noStrike" u="none">
+              <a:rPr b="0" lang="en-US" sz="1800" spc="-1" strike="noStrike">
                 <a:solidFill>
                   <a:srgbClr val="000000"/>
                 </a:solidFill>
-                <a:uFillTx/>
-                <a:latin typeface="DejaVu Sans"/>
+                <a:latin typeface="Arial"/>
               </a:rPr>
               <a:t>Fourth Outline Level</a:t>
             </a:r>
-            <a:endParaRPr b="0" lang="en-US" sz="1800" strike="noStrike" u="none">
+            <a:endParaRPr b="0" lang="en-US" sz="1800" spc="-1" strike="noStrike">
               <a:solidFill>
                 <a:srgbClr val="000000"/>
               </a:solidFill>
-              <a:uFillTx/>
-              <a:latin typeface="DejaVu Sans"/>
+              <a:latin typeface="Arial"/>
             </a:endParaRPr>
           </a:p>
           <a:p>
@@ -5072,21 +6183,19 @@
               <a:buChar char=""/>
             </a:pPr>
             <a:r>
-              <a:rPr b="0" lang="en-US" sz="1800" strike="noStrike" u="none">
+              <a:rPr b="0" lang="en-US" sz="1800" spc="-1" strike="noStrike">
                 <a:solidFill>
                   <a:srgbClr val="000000"/>
                 </a:solidFill>
-                <a:uFillTx/>
-                <a:latin typeface="DejaVu Sans"/>
+                <a:latin typeface="Arial"/>
               </a:rPr>
               <a:t>Fifth Outline Level</a:t>
             </a:r>
-            <a:endParaRPr b="0" lang="en-US" sz="1800" strike="noStrike" u="none">
+            <a:endParaRPr b="0" lang="en-US" sz="1800" spc="-1" strike="noStrike">
               <a:solidFill>
                 <a:srgbClr val="000000"/>
               </a:solidFill>
-              <a:uFillTx/>
-              <a:latin typeface="DejaVu Sans"/>
+              <a:latin typeface="Arial"/>
             </a:endParaRPr>
           </a:p>
           <a:p>
@@ -5102,21 +6211,19 @@
               <a:buChar char=""/>
             </a:pPr>
             <a:r>
-              <a:rPr b="0" lang="en-US" sz="1800" strike="noStrike" u="none">
+              <a:rPr b="0" lang="en-US" sz="1800" spc="-1" strike="noStrike">
                 <a:solidFill>
                   <a:srgbClr val="000000"/>
                 </a:solidFill>
-                <a:uFillTx/>
-                <a:latin typeface="DejaVu Sans"/>
+                <a:latin typeface="Arial"/>
               </a:rPr>
               <a:t>Sixth Outline Level</a:t>
             </a:r>
-            <a:endParaRPr b="0" lang="en-US" sz="1800" strike="noStrike" u="none">
+            <a:endParaRPr b="0" lang="en-US" sz="1800" spc="-1" strike="noStrike">
               <a:solidFill>
                 <a:srgbClr val="000000"/>
               </a:solidFill>
-              <a:uFillTx/>
-              <a:latin typeface="DejaVu Sans"/>
+              <a:latin typeface="Arial"/>
             </a:endParaRPr>
           </a:p>
           <a:p>
@@ -5132,28 +6239,26 @@
               <a:buChar char=""/>
             </a:pPr>
             <a:r>
-              <a:rPr b="0" lang="en-US" sz="1800" strike="noStrike" u="none">
+              <a:rPr b="0" lang="en-US" sz="1800" spc="-1" strike="noStrike">
                 <a:solidFill>
                   <a:srgbClr val="000000"/>
                 </a:solidFill>
-                <a:uFillTx/>
-                <a:latin typeface="DejaVu Sans"/>
+                <a:latin typeface="Arial"/>
               </a:rPr>
               <a:t>Seventh Outline Level</a:t>
             </a:r>
-            <a:endParaRPr b="0" lang="en-US" sz="1800" strike="noStrike" u="none">
+            <a:endParaRPr b="0" lang="en-US" sz="1800" spc="-1" strike="noStrike">
               <a:solidFill>
                 <a:srgbClr val="000000"/>
               </a:solidFill>
-              <a:uFillTx/>
-              <a:latin typeface="DejaVu Sans"/>
+              <a:latin typeface="Arial"/>
             </a:endParaRPr>
           </a:p>
         </p:txBody>
       </p:sp>
     </p:spTree>
   </p:cSld>
-  <p:clrMap bg1="lt1" tx1="dk1" bg2="lt2" tx2="dk2" accent1="accent1" accent2="accent2" accent3="accent3" accent4="accent4" accent5="accent5" accent6="accent6" hlink="hlink" folHlink="folHlink"/>
+  <p:clrMap bg1="lt1" bg2="lt2" tx1="dk1" tx2="dk2" accent1="accent1" accent2="accent2" accent3="accent3" accent4="accent4" accent5="accent5" accent6="accent6" hlink="hlink" folHlink="folHlink"/>
   <p:sldLayoutIdLst>
     <p:sldLayoutId id="2147483655" r:id="rId3"/>
   </p:sldLayoutIdLst>
@@ -5193,7 +6298,7 @@
         <p:spPr>
           <a:xfrm>
             <a:off x="8711280" y="4803840"/>
-            <a:ext cx="107280" cy="307800"/>
+            <a:ext cx="106920" cy="307440"/>
           </a:xfrm>
           <a:prstGeom prst="rect">
             <a:avLst/>
@@ -5220,21 +6325,19 @@
               </a:lnSpc>
             </a:pPr>
             <a:r>
-              <a:rPr b="0" lang="de-CH" sz="800" strike="noStrike" u="none">
+              <a:rPr b="0" lang="de-CH" sz="800" spc="-1" strike="noStrike">
                 <a:solidFill>
                   <a:schemeClr val="lt1"/>
                 </a:solidFill>
-                <a:uFillTx/>
                 <a:latin typeface="Calibri"/>
               </a:rPr>
               <a:t>|</a:t>
             </a:r>
-            <a:endParaRPr b="0" lang="en-US" sz="800" strike="noStrike" u="none">
+            <a:endParaRPr b="0" lang="en-US" sz="800" spc="-1" strike="noStrike">
               <a:solidFill>
                 <a:srgbClr val="000000"/>
               </a:solidFill>
-              <a:uFillTx/>
-              <a:latin typeface="DejaVu Sans"/>
+              <a:latin typeface="Arial"/>
             </a:endParaRPr>
           </a:p>
         </p:txBody>
@@ -5252,12 +6355,11 @@
         <p:spPr>
           <a:xfrm>
             <a:off x="7932960" y="0"/>
-            <a:ext cx="1201680" cy="1201680"/>
+            <a:ext cx="1201320" cy="1201320"/>
           </a:xfrm>
           <a:prstGeom prst="rect">
             <a:avLst/>
           </a:prstGeom>
-          <a:noFill/>
           <a:ln w="0">
             <a:noFill/>
           </a:ln>
@@ -5271,10 +6373,10 @@
         </p:nvGrpSpPr>
         <p:grpSpPr>
           <a:xfrm>
-            <a:off x="6172200" y="2656080"/>
-            <a:ext cx="2970000" cy="2885040"/>
-            <a:chOff x="6172200" y="2656080"/>
-            <a:chExt cx="2970000" cy="2885040"/>
+            <a:off x="6172560" y="2656080"/>
+            <a:ext cx="2969280" cy="2884680"/>
+            <a:chOff x="6172560" y="2656080"/>
+            <a:chExt cx="2969280" cy="2884680"/>
           </a:xfrm>
         </p:grpSpPr>
         <p:sp>
@@ -5285,8 +6387,8 @@
           </p:nvSpPr>
           <p:spPr>
             <a:xfrm flipH="1" rot="9208200">
-              <a:off x="6703920" y="4111920"/>
-              <a:ext cx="482400" cy="1202400"/>
+              <a:off x="6703200" y="4112280"/>
+              <a:ext cx="482040" cy="1201680"/>
             </a:xfrm>
             <a:prstGeom prst="flowChartManualInput">
               <a:avLst/>
@@ -5314,11 +6416,10 @@
                   <a:spcPct val="100000"/>
                 </a:lnSpc>
               </a:pPr>
-              <a:endParaRPr b="0" lang="en-US" sz="1800" strike="noStrike" u="none">
+              <a:endParaRPr b="0" lang="en-US" sz="1800" spc="-1" strike="noStrike">
                 <a:solidFill>
                   <a:schemeClr val="dk1"/>
                 </a:solidFill>
-                <a:uFillTx/>
                 <a:latin typeface="Calibri"/>
               </a:endParaRPr>
             </a:p>
@@ -5332,8 +6433,8 @@
           </p:nvSpPr>
           <p:spPr>
             <a:xfrm flipH="1" rot="9208200">
-              <a:off x="7801200" y="3279240"/>
-              <a:ext cx="876960" cy="2180520"/>
+              <a:off x="7800120" y="3279240"/>
+              <a:ext cx="876960" cy="2180160"/>
             </a:xfrm>
             <a:prstGeom prst="flowChartManualInput">
               <a:avLst/>
@@ -5361,11 +6462,10 @@
                   <a:spcPct val="100000"/>
                 </a:lnSpc>
               </a:pPr>
-              <a:endParaRPr b="0" lang="en-US" sz="1800" strike="noStrike" u="none">
+              <a:endParaRPr b="0" lang="en-US" sz="1800" spc="-1" strike="noStrike">
                 <a:solidFill>
                   <a:schemeClr val="dk1"/>
                 </a:solidFill>
-                <a:uFillTx/>
                 <a:latin typeface="Calibri"/>
               </a:endParaRPr>
             </a:p>
@@ -5379,8 +6479,8 @@
           </p:nvSpPr>
           <p:spPr>
             <a:xfrm flipH="1" rot="9208200">
-              <a:off x="7477920" y="4278240"/>
-              <a:ext cx="408600" cy="1014120"/>
+              <a:off x="7476840" y="4278240"/>
+              <a:ext cx="408600" cy="1013760"/>
             </a:xfrm>
             <a:prstGeom prst="flowChartManualInput">
               <a:avLst/>
@@ -5408,11 +6508,10 @@
                   <a:spcPct val="100000"/>
                 </a:lnSpc>
               </a:pPr>
-              <a:endParaRPr b="0" lang="en-US" sz="1800" strike="noStrike" u="none">
+              <a:endParaRPr b="0" lang="en-US" sz="1800" spc="-1" strike="noStrike">
                 <a:solidFill>
                   <a:schemeClr val="dk1"/>
                 </a:solidFill>
-                <a:uFillTx/>
                 <a:latin typeface="Calibri"/>
               </a:endParaRPr>
             </a:p>
@@ -5426,8 +6525,8 @@
           </p:nvSpPr>
           <p:spPr>
             <a:xfrm flipH="1" rot="9208200">
-              <a:off x="6287040" y="4658760"/>
-              <a:ext cx="227880" cy="569160"/>
+              <a:off x="6287400" y="4659120"/>
+              <a:ext cx="227160" cy="568800"/>
             </a:xfrm>
             <a:prstGeom prst="flowChartManualInput">
               <a:avLst/>
@@ -5455,11 +6554,10 @@
                   <a:spcPct val="100000"/>
                 </a:lnSpc>
               </a:pPr>
-              <a:endParaRPr b="0" lang="en-US" sz="1800" strike="noStrike" u="none">
+              <a:endParaRPr b="0" lang="en-US" sz="1800" spc="-1" strike="noStrike">
                 <a:solidFill>
                   <a:schemeClr val="dk1"/>
                 </a:solidFill>
-                <a:uFillTx/>
                 <a:latin typeface="Calibri"/>
               </a:endParaRPr>
             </a:p>
@@ -5474,15 +6572,15 @@
           <p:spPr>
             <a:xfrm>
               <a:off x="8289360" y="2656080"/>
-              <a:ext cx="852840" cy="1927440"/>
+              <a:ext cx="852480" cy="1927080"/>
             </a:xfrm>
             <a:custGeom>
               <a:avLst/>
               <a:gdLst>
-                <a:gd name="textAreaLeft" fmla="*/ 0 w 852840"/>
-                <a:gd name="textAreaRight" fmla="*/ 854280 w 852840"/>
-                <a:gd name="textAreaTop" fmla="*/ 0 h 1927440"/>
-                <a:gd name="textAreaBottom" fmla="*/ 1928880 h 1927440"/>
+                <a:gd name="textAreaLeft" fmla="*/ 0 w 852480"/>
+                <a:gd name="textAreaRight" fmla="*/ 854280 w 852480"/>
+                <a:gd name="textAreaTop" fmla="*/ 0 h 1927080"/>
+                <a:gd name="textAreaBottom" fmla="*/ 1928880 h 1927080"/>
               </a:gdLst>
               <a:ahLst/>
               <a:rect l="textAreaLeft" t="textAreaTop" r="textAreaRight" b="textAreaBottom"/>
@@ -5527,11 +6625,10 @@
                   <a:spcPct val="100000"/>
                 </a:lnSpc>
               </a:pPr>
-              <a:endParaRPr b="0" lang="en-US" sz="1800" strike="noStrike" u="none">
+              <a:endParaRPr b="0" lang="en-US" sz="1800" spc="-1" strike="noStrike">
                 <a:solidFill>
                   <a:srgbClr val="ffffff"/>
                 </a:solidFill>
-                <a:uFillTx/>
                 <a:latin typeface="Arial"/>
               </a:endParaRPr>
             </a:p>
@@ -5546,10 +6643,10 @@
         </p:nvGrpSpPr>
         <p:grpSpPr>
           <a:xfrm>
-            <a:off x="1800" y="-227160"/>
-            <a:ext cx="2157840" cy="1344960"/>
-            <a:chOff x="1800" y="-227160"/>
-            <a:chExt cx="2157840" cy="1344960"/>
+            <a:off x="2160" y="-227160"/>
+            <a:ext cx="2156400" cy="1344600"/>
+            <a:chOff x="2160" y="-227160"/>
+            <a:chExt cx="2156400" cy="1344600"/>
           </a:xfrm>
         </p:grpSpPr>
         <p:sp>
@@ -5560,8 +6657,8 @@
           </p:nvSpPr>
           <p:spPr>
             <a:xfrm flipH="1" rot="20008800">
-              <a:off x="1360080" y="-74520"/>
-              <a:ext cx="203400" cy="507960"/>
+              <a:off x="1359360" y="-74520"/>
+              <a:ext cx="203040" cy="507600"/>
             </a:xfrm>
             <a:prstGeom prst="flowChartManualInput">
               <a:avLst/>
@@ -5589,11 +6686,10 @@
                   <a:spcPct val="100000"/>
                 </a:lnSpc>
               </a:pPr>
-              <a:endParaRPr b="0" lang="en-US" sz="1800" strike="noStrike" u="none">
+              <a:endParaRPr b="0" lang="en-US" sz="1800" spc="-1" strike="noStrike">
                 <a:solidFill>
                   <a:schemeClr val="dk1"/>
                 </a:solidFill>
-                <a:uFillTx/>
                 <a:latin typeface="Calibri"/>
               </a:endParaRPr>
             </a:p>
@@ -5608,7 +6704,7 @@
           <p:spPr>
             <a:xfrm flipH="1" rot="20008800">
               <a:off x="236880" y="-163440"/>
-              <a:ext cx="433080" cy="1079280"/>
+              <a:ext cx="433080" cy="1078920"/>
             </a:xfrm>
             <a:prstGeom prst="flowChartManualInput">
               <a:avLst/>
@@ -5636,11 +6732,10 @@
                   <a:spcPct val="100000"/>
                 </a:lnSpc>
               </a:pPr>
-              <a:endParaRPr b="0" lang="en-US" sz="1800" strike="noStrike" u="none">
+              <a:endParaRPr b="0" lang="en-US" sz="1800" spc="-1" strike="noStrike">
                 <a:solidFill>
                   <a:schemeClr val="dk1"/>
                 </a:solidFill>
-                <a:uFillTx/>
                 <a:latin typeface="Calibri"/>
               </a:endParaRPr>
             </a:p>
@@ -5654,8 +6749,8 @@
           </p:nvSpPr>
           <p:spPr>
             <a:xfrm flipH="1" rot="20008800">
-              <a:off x="890280" y="-180720"/>
-              <a:ext cx="502560" cy="1252440"/>
+              <a:off x="889920" y="-180720"/>
+              <a:ext cx="502200" cy="1252080"/>
             </a:xfrm>
             <a:prstGeom prst="flowChartManualInput">
               <a:avLst/>
@@ -5683,11 +6778,10 @@
                   <a:spcPct val="100000"/>
                 </a:lnSpc>
               </a:pPr>
-              <a:endParaRPr b="0" lang="en-US" sz="1800" strike="noStrike" u="none">
+              <a:endParaRPr b="0" lang="en-US" sz="1800" spc="-1" strike="noStrike">
                 <a:solidFill>
                   <a:schemeClr val="dk1"/>
                 </a:solidFill>
-                <a:uFillTx/>
                 <a:latin typeface="Calibri"/>
               </a:endParaRPr>
             </a:p>
@@ -5701,8 +6795,8 @@
           </p:nvSpPr>
           <p:spPr>
             <a:xfrm flipH="1" rot="20008800">
-              <a:off x="1816200" y="-87480"/>
-              <a:ext cx="227880" cy="569520"/>
+              <a:off x="1815480" y="-87480"/>
+              <a:ext cx="227520" cy="569160"/>
             </a:xfrm>
             <a:prstGeom prst="flowChartManualInput">
               <a:avLst/>
@@ -5730,11 +6824,10 @@
                   <a:spcPct val="100000"/>
                 </a:lnSpc>
               </a:pPr>
-              <a:endParaRPr b="0" lang="en-US" sz="1800" strike="noStrike" u="none">
+              <a:endParaRPr b="0" lang="en-US" sz="1800" spc="-1" strike="noStrike">
                 <a:solidFill>
                   <a:schemeClr val="dk1"/>
                 </a:solidFill>
-                <a:uFillTx/>
                 <a:latin typeface="Calibri"/>
               </a:endParaRPr>
             </a:p>
@@ -5748,16 +6841,16 @@
           </p:nvSpPr>
           <p:spPr>
             <a:xfrm rot="10800000">
-              <a:off x="1800" y="60480"/>
-              <a:ext cx="378360" cy="856440"/>
+              <a:off x="2160" y="60840"/>
+              <a:ext cx="378000" cy="856080"/>
             </a:xfrm>
             <a:custGeom>
               <a:avLst/>
               <a:gdLst>
-                <a:gd name="textAreaLeft" fmla="*/ 0 w 378360"/>
-                <a:gd name="textAreaRight" fmla="*/ 379800 w 378360"/>
-                <a:gd name="textAreaTop" fmla="*/ 0 h 856440"/>
-                <a:gd name="textAreaBottom" fmla="*/ 857880 h 856440"/>
+                <a:gd name="textAreaLeft" fmla="*/ 0 w 378000"/>
+                <a:gd name="textAreaRight" fmla="*/ 379800 w 378000"/>
+                <a:gd name="textAreaTop" fmla="*/ 0 h 856080"/>
+                <a:gd name="textAreaBottom" fmla="*/ 857880 h 856080"/>
               </a:gdLst>
               <a:ahLst/>
               <a:rect l="textAreaLeft" t="textAreaTop" r="textAreaRight" b="textAreaBottom"/>
@@ -5802,11 +6895,10 @@
                   <a:spcPct val="100000"/>
                 </a:lnSpc>
               </a:pPr>
-              <a:endParaRPr b="0" lang="en-US" sz="1800" strike="noStrike" u="none">
+              <a:endParaRPr b="0" lang="en-US" sz="1800" spc="-1" strike="noStrike">
                 <a:solidFill>
                   <a:srgbClr val="ffffff"/>
                 </a:solidFill>
-                <a:uFillTx/>
                 <a:latin typeface="Arial"/>
               </a:endParaRPr>
             </a:p>
@@ -5845,28 +6937,26 @@
               <a:buNone/>
             </a:pPr>
             <a:r>
-              <a:rPr b="0" lang="en-US" sz="1800" strike="noStrike" u="none">
+              <a:rPr b="0" lang="en-US" sz="1800" spc="-1" strike="noStrike">
                 <a:solidFill>
                   <a:srgbClr val="000000"/>
                 </a:solidFill>
-                <a:uFillTx/>
-                <a:latin typeface="DejaVu Sans"/>
+                <a:latin typeface="Arial"/>
               </a:rPr>
               <a:t>Click to edit the title text format</a:t>
             </a:r>
-            <a:endParaRPr b="0" lang="en-US" sz="1800" strike="noStrike" u="none">
+            <a:endParaRPr b="0" lang="en-US" sz="1800" spc="-1" strike="noStrike">
               <a:solidFill>
                 <a:srgbClr val="000000"/>
               </a:solidFill>
-              <a:uFillTx/>
-              <a:latin typeface="DejaVu Sans"/>
+              <a:latin typeface="Arial"/>
             </a:endParaRPr>
           </a:p>
         </p:txBody>
       </p:sp>
     </p:spTree>
   </p:cSld>
-  <p:clrMap bg1="lt1" tx1="dk1" bg2="lt2" tx2="dk2" accent1="accent1" accent2="accent2" accent3="accent3" accent4="accent4" accent5="accent5" accent6="accent6" hlink="hlink" folHlink="folHlink"/>
+  <p:clrMap bg1="lt1" bg2="lt2" tx1="dk1" tx2="dk2" accent1="accent1" accent2="accent2" accent3="accent3" accent4="accent4" accent5="accent5" accent6="accent6" hlink="hlink" folHlink="folHlink"/>
   <p:sldLayoutIdLst>
     <p:sldLayoutId id="2147483657" r:id="rId3"/>
   </p:sldLayoutIdLst>
@@ -5906,7 +6996,7 @@
         <p:spPr>
           <a:xfrm>
             <a:off x="8711280" y="4803840"/>
-            <a:ext cx="107280" cy="307800"/>
+            <a:ext cx="106920" cy="307440"/>
           </a:xfrm>
           <a:prstGeom prst="rect">
             <a:avLst/>
@@ -5933,21 +7023,19 @@
               </a:lnSpc>
             </a:pPr>
             <a:r>
-              <a:rPr b="0" lang="de-CH" sz="800" strike="noStrike" u="none">
+              <a:rPr b="0" lang="de-CH" sz="800" spc="-1" strike="noStrike">
                 <a:solidFill>
                   <a:schemeClr val="lt1"/>
                 </a:solidFill>
-                <a:uFillTx/>
                 <a:latin typeface="Calibri"/>
               </a:rPr>
               <a:t>|</a:t>
             </a:r>
-            <a:endParaRPr b="0" lang="en-US" sz="800" strike="noStrike" u="none">
+            <a:endParaRPr b="0" lang="en-US" sz="800" spc="-1" strike="noStrike">
               <a:solidFill>
                 <a:srgbClr val="000000"/>
               </a:solidFill>
-              <a:uFillTx/>
-              <a:latin typeface="DejaVu Sans"/>
+              <a:latin typeface="Arial"/>
             </a:endParaRPr>
           </a:p>
         </p:txBody>
@@ -5965,12 +7053,11 @@
         <p:spPr>
           <a:xfrm>
             <a:off x="7932960" y="0"/>
-            <a:ext cx="1201680" cy="1201680"/>
+            <a:ext cx="1201320" cy="1201320"/>
           </a:xfrm>
           <a:prstGeom prst="rect">
             <a:avLst/>
           </a:prstGeom>
-          <a:noFill/>
           <a:ln w="0">
             <a:noFill/>
           </a:ln>
@@ -5984,10 +7071,10 @@
         </p:nvGrpSpPr>
         <p:grpSpPr>
           <a:xfrm>
-            <a:off x="6172200" y="2656080"/>
-            <a:ext cx="2970000" cy="2885040"/>
-            <a:chOff x="6172200" y="2656080"/>
-            <a:chExt cx="2970000" cy="2885040"/>
+            <a:off x="6172560" y="2656080"/>
+            <a:ext cx="2969280" cy="2884680"/>
+            <a:chOff x="6172560" y="2656080"/>
+            <a:chExt cx="2969280" cy="2884680"/>
           </a:xfrm>
         </p:grpSpPr>
         <p:sp>
@@ -5998,8 +7085,8 @@
           </p:nvSpPr>
           <p:spPr>
             <a:xfrm flipH="1" rot="9208200">
-              <a:off x="6703920" y="4111920"/>
-              <a:ext cx="482400" cy="1202400"/>
+              <a:off x="6703200" y="4112280"/>
+              <a:ext cx="482040" cy="1201680"/>
             </a:xfrm>
             <a:prstGeom prst="flowChartManualInput">
               <a:avLst/>
@@ -6027,11 +7114,10 @@
                   <a:spcPct val="100000"/>
                 </a:lnSpc>
               </a:pPr>
-              <a:endParaRPr b="0" lang="en-US" sz="1800" strike="noStrike" u="none">
+              <a:endParaRPr b="0" lang="en-US" sz="1800" spc="-1" strike="noStrike">
                 <a:solidFill>
                   <a:schemeClr val="dk1"/>
                 </a:solidFill>
-                <a:uFillTx/>
                 <a:latin typeface="Calibri"/>
               </a:endParaRPr>
             </a:p>
@@ -6045,8 +7131,8 @@
           </p:nvSpPr>
           <p:spPr>
             <a:xfrm flipH="1" rot="9208200">
-              <a:off x="7801200" y="3279240"/>
-              <a:ext cx="876960" cy="2180520"/>
+              <a:off x="7800120" y="3279240"/>
+              <a:ext cx="876960" cy="2180160"/>
             </a:xfrm>
             <a:prstGeom prst="flowChartManualInput">
               <a:avLst/>
@@ -6074,11 +7160,10 @@
                   <a:spcPct val="100000"/>
                 </a:lnSpc>
               </a:pPr>
-              <a:endParaRPr b="0" lang="en-US" sz="1800" strike="noStrike" u="none">
+              <a:endParaRPr b="0" lang="en-US" sz="1800" spc="-1" strike="noStrike">
                 <a:solidFill>
                   <a:schemeClr val="dk1"/>
                 </a:solidFill>
-                <a:uFillTx/>
                 <a:latin typeface="Calibri"/>
               </a:endParaRPr>
             </a:p>
@@ -6092,8 +7177,8 @@
           </p:nvSpPr>
           <p:spPr>
             <a:xfrm flipH="1" rot="9208200">
-              <a:off x="7477920" y="4278240"/>
-              <a:ext cx="408600" cy="1014120"/>
+              <a:off x="7476840" y="4278240"/>
+              <a:ext cx="408600" cy="1013760"/>
             </a:xfrm>
             <a:prstGeom prst="flowChartManualInput">
               <a:avLst/>
@@ -6121,11 +7206,10 @@
                   <a:spcPct val="100000"/>
                 </a:lnSpc>
               </a:pPr>
-              <a:endParaRPr b="0" lang="en-US" sz="1800" strike="noStrike" u="none">
+              <a:endParaRPr b="0" lang="en-US" sz="1800" spc="-1" strike="noStrike">
                 <a:solidFill>
                   <a:schemeClr val="dk1"/>
                 </a:solidFill>
-                <a:uFillTx/>
                 <a:latin typeface="Calibri"/>
               </a:endParaRPr>
             </a:p>
@@ -6139,8 +7223,8 @@
           </p:nvSpPr>
           <p:spPr>
             <a:xfrm flipH="1" rot="9208200">
-              <a:off x="6287040" y="4658760"/>
-              <a:ext cx="227880" cy="569160"/>
+              <a:off x="6287400" y="4659120"/>
+              <a:ext cx="227160" cy="568800"/>
             </a:xfrm>
             <a:prstGeom prst="flowChartManualInput">
               <a:avLst/>
@@ -6168,11 +7252,10 @@
                   <a:spcPct val="100000"/>
                 </a:lnSpc>
               </a:pPr>
-              <a:endParaRPr b="0" lang="en-US" sz="1800" strike="noStrike" u="none">
+              <a:endParaRPr b="0" lang="en-US" sz="1800" spc="-1" strike="noStrike">
                 <a:solidFill>
                   <a:schemeClr val="dk1"/>
                 </a:solidFill>
-                <a:uFillTx/>
                 <a:latin typeface="Calibri"/>
               </a:endParaRPr>
             </a:p>
@@ -6187,15 +7270,15 @@
           <p:spPr>
             <a:xfrm>
               <a:off x="8289360" y="2656080"/>
-              <a:ext cx="852840" cy="1927440"/>
+              <a:ext cx="852480" cy="1927080"/>
             </a:xfrm>
             <a:custGeom>
               <a:avLst/>
               <a:gdLst>
-                <a:gd name="textAreaLeft" fmla="*/ 0 w 852840"/>
-                <a:gd name="textAreaRight" fmla="*/ 854280 w 852840"/>
-                <a:gd name="textAreaTop" fmla="*/ 0 h 1927440"/>
-                <a:gd name="textAreaBottom" fmla="*/ 1928880 h 1927440"/>
+                <a:gd name="textAreaLeft" fmla="*/ 0 w 852480"/>
+                <a:gd name="textAreaRight" fmla="*/ 854280 w 852480"/>
+                <a:gd name="textAreaTop" fmla="*/ 0 h 1927080"/>
+                <a:gd name="textAreaBottom" fmla="*/ 1928880 h 1927080"/>
               </a:gdLst>
               <a:ahLst/>
               <a:rect l="textAreaLeft" t="textAreaTop" r="textAreaRight" b="textAreaBottom"/>
@@ -6240,11 +7323,10 @@
                   <a:spcPct val="100000"/>
                 </a:lnSpc>
               </a:pPr>
-              <a:endParaRPr b="0" lang="en-US" sz="1800" strike="noStrike" u="none">
+              <a:endParaRPr b="0" lang="en-US" sz="1800" spc="-1" strike="noStrike">
                 <a:solidFill>
                   <a:srgbClr val="ffffff"/>
                 </a:solidFill>
-                <a:uFillTx/>
                 <a:latin typeface="Arial"/>
               </a:endParaRPr>
             </a:p>
@@ -6259,10 +7341,10 @@
         </p:nvGrpSpPr>
         <p:grpSpPr>
           <a:xfrm>
-            <a:off x="1800" y="-227160"/>
-            <a:ext cx="2157840" cy="1344960"/>
-            <a:chOff x="1800" y="-227160"/>
-            <a:chExt cx="2157840" cy="1344960"/>
+            <a:off x="2160" y="-227160"/>
+            <a:ext cx="2156400" cy="1344600"/>
+            <a:chOff x="2160" y="-227160"/>
+            <a:chExt cx="2156400" cy="1344600"/>
           </a:xfrm>
         </p:grpSpPr>
         <p:sp>
@@ -6273,8 +7355,8 @@
           </p:nvSpPr>
           <p:spPr>
             <a:xfrm flipH="1" rot="20008800">
-              <a:off x="1360080" y="-74520"/>
-              <a:ext cx="203400" cy="507960"/>
+              <a:off x="1359360" y="-74520"/>
+              <a:ext cx="203040" cy="507600"/>
             </a:xfrm>
             <a:prstGeom prst="flowChartManualInput">
               <a:avLst/>
@@ -6302,11 +7384,10 @@
                   <a:spcPct val="100000"/>
                 </a:lnSpc>
               </a:pPr>
-              <a:endParaRPr b="0" lang="en-US" sz="1800" strike="noStrike" u="none">
+              <a:endParaRPr b="0" lang="en-US" sz="1800" spc="-1" strike="noStrike">
                 <a:solidFill>
                   <a:schemeClr val="dk1"/>
                 </a:solidFill>
-                <a:uFillTx/>
                 <a:latin typeface="Calibri"/>
               </a:endParaRPr>
             </a:p>
@@ -6321,7 +7402,7 @@
           <p:spPr>
             <a:xfrm flipH="1" rot="20008800">
               <a:off x="236880" y="-163440"/>
-              <a:ext cx="433080" cy="1079280"/>
+              <a:ext cx="433080" cy="1078920"/>
             </a:xfrm>
             <a:prstGeom prst="flowChartManualInput">
               <a:avLst/>
@@ -6349,11 +7430,10 @@
                   <a:spcPct val="100000"/>
                 </a:lnSpc>
               </a:pPr>
-              <a:endParaRPr b="0" lang="en-US" sz="1800" strike="noStrike" u="none">
+              <a:endParaRPr b="0" lang="en-US" sz="1800" spc="-1" strike="noStrike">
                 <a:solidFill>
                   <a:schemeClr val="dk1"/>
                 </a:solidFill>
-                <a:uFillTx/>
                 <a:latin typeface="Calibri"/>
               </a:endParaRPr>
             </a:p>
@@ -6367,8 +7447,8 @@
           </p:nvSpPr>
           <p:spPr>
             <a:xfrm flipH="1" rot="20008800">
-              <a:off x="890280" y="-180720"/>
-              <a:ext cx="502560" cy="1252440"/>
+              <a:off x="889920" y="-180720"/>
+              <a:ext cx="502200" cy="1252080"/>
             </a:xfrm>
             <a:prstGeom prst="flowChartManualInput">
               <a:avLst/>
@@ -6396,11 +7476,10 @@
                   <a:spcPct val="100000"/>
                 </a:lnSpc>
               </a:pPr>
-              <a:endParaRPr b="0" lang="en-US" sz="1800" strike="noStrike" u="none">
+              <a:endParaRPr b="0" lang="en-US" sz="1800" spc="-1" strike="noStrike">
                 <a:solidFill>
                   <a:schemeClr val="dk1"/>
                 </a:solidFill>
-                <a:uFillTx/>
                 <a:latin typeface="Calibri"/>
               </a:endParaRPr>
             </a:p>
@@ -6414,8 +7493,8 @@
           </p:nvSpPr>
           <p:spPr>
             <a:xfrm flipH="1" rot="20008800">
-              <a:off x="1816200" y="-87480"/>
-              <a:ext cx="227880" cy="569520"/>
+              <a:off x="1815480" y="-87480"/>
+              <a:ext cx="227520" cy="569160"/>
             </a:xfrm>
             <a:prstGeom prst="flowChartManualInput">
               <a:avLst/>
@@ -6443,11 +7522,10 @@
                   <a:spcPct val="100000"/>
                 </a:lnSpc>
               </a:pPr>
-              <a:endParaRPr b="0" lang="en-US" sz="1800" strike="noStrike" u="none">
+              <a:endParaRPr b="0" lang="en-US" sz="1800" spc="-1" strike="noStrike">
                 <a:solidFill>
                   <a:schemeClr val="dk1"/>
                 </a:solidFill>
-                <a:uFillTx/>
                 <a:latin typeface="Calibri"/>
               </a:endParaRPr>
             </a:p>
@@ -6461,16 +7539,16 @@
           </p:nvSpPr>
           <p:spPr>
             <a:xfrm rot="10800000">
-              <a:off x="1800" y="60480"/>
-              <a:ext cx="378360" cy="856440"/>
+              <a:off x="2160" y="60840"/>
+              <a:ext cx="378000" cy="856080"/>
             </a:xfrm>
             <a:custGeom>
               <a:avLst/>
               <a:gdLst>
-                <a:gd name="textAreaLeft" fmla="*/ 0 w 378360"/>
-                <a:gd name="textAreaRight" fmla="*/ 379800 w 378360"/>
-                <a:gd name="textAreaTop" fmla="*/ 0 h 856440"/>
-                <a:gd name="textAreaBottom" fmla="*/ 857880 h 856440"/>
+                <a:gd name="textAreaLeft" fmla="*/ 0 w 378000"/>
+                <a:gd name="textAreaRight" fmla="*/ 379800 w 378000"/>
+                <a:gd name="textAreaTop" fmla="*/ 0 h 856080"/>
+                <a:gd name="textAreaBottom" fmla="*/ 857880 h 856080"/>
               </a:gdLst>
               <a:ahLst/>
               <a:rect l="textAreaLeft" t="textAreaTop" r="textAreaRight" b="textAreaBottom"/>
@@ -6515,11 +7593,10 @@
                   <a:spcPct val="100000"/>
                 </a:lnSpc>
               </a:pPr>
-              <a:endParaRPr b="0" lang="en-US" sz="1800" strike="noStrike" u="none">
+              <a:endParaRPr b="0" lang="en-US" sz="1800" spc="-1" strike="noStrike">
                 <a:solidFill>
                   <a:srgbClr val="ffffff"/>
                 </a:solidFill>
-                <a:uFillTx/>
                 <a:latin typeface="Arial"/>
               </a:endParaRPr>
             </a:p>
@@ -6539,7 +7616,7 @@
         <p:spPr>
           <a:xfrm>
             <a:off x="457200" y="205200"/>
-            <a:ext cx="8229240" cy="858600"/>
+            <a:ext cx="8228880" cy="858240"/>
           </a:xfrm>
           <a:prstGeom prst="rect">
             <a:avLst/>
@@ -6554,25 +7631,23 @@
             <a:noAutofit/>
           </a:bodyPr>
           <a:p>
-            <a:pPr indent="0" algn="ctr">
+            <a:pPr indent="0">
               <a:buNone/>
             </a:pPr>
             <a:r>
-              <a:rPr b="0" lang="en-US" sz="4400" strike="noStrike" u="none">
+              <a:rPr b="0" lang="en-US" sz="1800" spc="-1" strike="noStrike">
                 <a:solidFill>
                   <a:srgbClr val="000000"/>
                 </a:solidFill>
-                <a:uFillTx/>
-                <a:latin typeface="DejaVu Sans"/>
+                <a:latin typeface="Arial"/>
               </a:rPr>
               <a:t>Click to edit the title text format</a:t>
             </a:r>
-            <a:endParaRPr b="0" lang="en-US" sz="4400" strike="noStrike" u="none">
+            <a:endParaRPr b="0" lang="en-US" sz="1800" spc="-1" strike="noStrike">
               <a:solidFill>
                 <a:srgbClr val="000000"/>
               </a:solidFill>
-              <a:uFillTx/>
-              <a:latin typeface="DejaVu Sans"/>
+              <a:latin typeface="Arial"/>
             </a:endParaRPr>
           </a:p>
         </p:txBody>
@@ -6590,7 +7665,7 @@
         <p:spPr>
           <a:xfrm>
             <a:off x="457200" y="1203480"/>
-            <a:ext cx="8229240" cy="2982960"/>
+            <a:ext cx="8228880" cy="2982600"/>
           </a:xfrm>
           <a:prstGeom prst="rect">
             <a:avLst/>
@@ -6617,21 +7692,19 @@
               <a:buChar char=""/>
             </a:pPr>
             <a:r>
-              <a:rPr b="0" lang="en-US" sz="3200" strike="noStrike" u="none">
+              <a:rPr b="0" lang="en-US" sz="1800" spc="-1" strike="noStrike">
                 <a:solidFill>
                   <a:srgbClr val="000000"/>
                 </a:solidFill>
-                <a:uFillTx/>
-                <a:latin typeface="DejaVu Sans"/>
+                <a:latin typeface="Arial"/>
               </a:rPr>
               <a:t>Click to edit the outline text format</a:t>
             </a:r>
-            <a:endParaRPr b="0" lang="en-US" sz="3200" strike="noStrike" u="none">
+            <a:endParaRPr b="0" lang="en-US" sz="1800" spc="-1" strike="noStrike">
               <a:solidFill>
                 <a:srgbClr val="000000"/>
               </a:solidFill>
-              <a:uFillTx/>
-              <a:latin typeface="DejaVu Sans"/>
+              <a:latin typeface="Arial"/>
             </a:endParaRPr>
           </a:p>
           <a:p>
@@ -6647,21 +7720,19 @@
               <a:buChar char=""/>
             </a:pPr>
             <a:r>
-              <a:rPr b="0" lang="en-US" sz="2800" strike="noStrike" u="none">
+              <a:rPr b="0" lang="en-US" sz="1800" spc="-1" strike="noStrike">
                 <a:solidFill>
                   <a:srgbClr val="000000"/>
                 </a:solidFill>
-                <a:uFillTx/>
-                <a:latin typeface="DejaVu Sans"/>
+                <a:latin typeface="Arial"/>
               </a:rPr>
               <a:t>Second Outline Level</a:t>
             </a:r>
-            <a:endParaRPr b="0" lang="en-US" sz="2800" strike="noStrike" u="none">
+            <a:endParaRPr b="0" lang="en-US" sz="1800" spc="-1" strike="noStrike">
               <a:solidFill>
                 <a:srgbClr val="000000"/>
               </a:solidFill>
-              <a:uFillTx/>
-              <a:latin typeface="DejaVu Sans"/>
+              <a:latin typeface="Arial"/>
             </a:endParaRPr>
           </a:p>
           <a:p>
@@ -6677,21 +7748,19 @@
               <a:buChar char=""/>
             </a:pPr>
             <a:r>
-              <a:rPr b="0" lang="en-US" sz="2400" strike="noStrike" u="none">
+              <a:rPr b="0" lang="en-US" sz="1800" spc="-1" strike="noStrike">
                 <a:solidFill>
                   <a:srgbClr val="000000"/>
                 </a:solidFill>
-                <a:uFillTx/>
-                <a:latin typeface="DejaVu Sans"/>
+                <a:latin typeface="Arial"/>
               </a:rPr>
               <a:t>Third Outline Level</a:t>
             </a:r>
-            <a:endParaRPr b="0" lang="en-US" sz="2400" strike="noStrike" u="none">
+            <a:endParaRPr b="0" lang="en-US" sz="1800" spc="-1" strike="noStrike">
               <a:solidFill>
                 <a:srgbClr val="000000"/>
               </a:solidFill>
-              <a:uFillTx/>
-              <a:latin typeface="DejaVu Sans"/>
+              <a:latin typeface="Arial"/>
             </a:endParaRPr>
           </a:p>
           <a:p>
@@ -6707,21 +7776,19 @@
               <a:buChar char=""/>
             </a:pPr>
             <a:r>
-              <a:rPr b="0" lang="en-US" sz="2000" strike="noStrike" u="none">
+              <a:rPr b="0" lang="en-US" sz="1800" spc="-1" strike="noStrike">
                 <a:solidFill>
                   <a:srgbClr val="000000"/>
                 </a:solidFill>
-                <a:uFillTx/>
-                <a:latin typeface="DejaVu Sans"/>
+                <a:latin typeface="Arial"/>
               </a:rPr>
               <a:t>Fourth Outline Level</a:t>
             </a:r>
-            <a:endParaRPr b="0" lang="en-US" sz="2000" strike="noStrike" u="none">
+            <a:endParaRPr b="0" lang="en-US" sz="1800" spc="-1" strike="noStrike">
               <a:solidFill>
                 <a:srgbClr val="000000"/>
               </a:solidFill>
-              <a:uFillTx/>
-              <a:latin typeface="DejaVu Sans"/>
+              <a:latin typeface="Arial"/>
             </a:endParaRPr>
           </a:p>
           <a:p>
@@ -6737,21 +7804,19 @@
               <a:buChar char=""/>
             </a:pPr>
             <a:r>
-              <a:rPr b="0" lang="en-US" sz="2000" strike="noStrike" u="none">
+              <a:rPr b="0" lang="en-US" sz="1800" spc="-1" strike="noStrike">
                 <a:solidFill>
                   <a:srgbClr val="000000"/>
                 </a:solidFill>
-                <a:uFillTx/>
-                <a:latin typeface="DejaVu Sans"/>
+                <a:latin typeface="Arial"/>
               </a:rPr>
               <a:t>Fifth Outline Level</a:t>
             </a:r>
-            <a:endParaRPr b="0" lang="en-US" sz="2000" strike="noStrike" u="none">
+            <a:endParaRPr b="0" lang="en-US" sz="1800" spc="-1" strike="noStrike">
               <a:solidFill>
                 <a:srgbClr val="000000"/>
               </a:solidFill>
-              <a:uFillTx/>
-              <a:latin typeface="DejaVu Sans"/>
+              <a:latin typeface="Arial"/>
             </a:endParaRPr>
           </a:p>
           <a:p>
@@ -6767,21 +7832,19 @@
               <a:buChar char=""/>
             </a:pPr>
             <a:r>
-              <a:rPr b="0" lang="en-US" sz="2000" strike="noStrike" u="none">
+              <a:rPr b="0" lang="en-US" sz="1800" spc="-1" strike="noStrike">
                 <a:solidFill>
                   <a:srgbClr val="000000"/>
                 </a:solidFill>
-                <a:uFillTx/>
-                <a:latin typeface="DejaVu Sans"/>
+                <a:latin typeface="Arial"/>
               </a:rPr>
               <a:t>Sixth Outline Level</a:t>
             </a:r>
-            <a:endParaRPr b="0" lang="en-US" sz="2000" strike="noStrike" u="none">
+            <a:endParaRPr b="0" lang="en-US" sz="1800" spc="-1" strike="noStrike">
               <a:solidFill>
                 <a:srgbClr val="000000"/>
               </a:solidFill>
-              <a:uFillTx/>
-              <a:latin typeface="DejaVu Sans"/>
+              <a:latin typeface="Arial"/>
             </a:endParaRPr>
           </a:p>
           <a:p>
@@ -6797,32 +7860,28 @@
               <a:buChar char=""/>
             </a:pPr>
             <a:r>
-              <a:rPr b="0" lang="en-US" sz="2000" strike="noStrike" u="none">
+              <a:rPr b="0" lang="en-US" sz="1800" spc="-1" strike="noStrike">
                 <a:solidFill>
                   <a:srgbClr val="000000"/>
                 </a:solidFill>
-                <a:uFillTx/>
-                <a:latin typeface="DejaVu Sans"/>
+                <a:latin typeface="Arial"/>
               </a:rPr>
               <a:t>Seventh Outline Level</a:t>
             </a:r>
-            <a:endParaRPr b="0" lang="en-US" sz="2000" strike="noStrike" u="none">
+            <a:endParaRPr b="0" lang="en-US" sz="1800" spc="-1" strike="noStrike">
               <a:solidFill>
                 <a:srgbClr val="000000"/>
               </a:solidFill>
-              <a:uFillTx/>
-              <a:latin typeface="DejaVu Sans"/>
+              <a:latin typeface="Arial"/>
             </a:endParaRPr>
           </a:p>
         </p:txBody>
       </p:sp>
     </p:spTree>
   </p:cSld>
-  <p:clrMap bg1="lt1" tx1="dk1" bg2="lt2" tx2="dk2" accent1="accent1" accent2="accent2" accent3="accent3" accent4="accent4" accent5="accent5" accent6="accent6" hlink="hlink" folHlink="folHlink"/>
+  <p:clrMap bg1="lt1" bg2="lt2" tx1="dk1" tx2="dk2" accent1="accent1" accent2="accent2" accent3="accent3" accent4="accent4" accent5="accent5" accent6="accent6" hlink="hlink" folHlink="folHlink"/>
   <p:sldLayoutIdLst>
     <p:sldLayoutId id="2147483659" r:id="rId3"/>
-    <p:sldLayoutId id="2147483660" r:id="rId4"/>
-    <p:sldLayoutId id="2147483661" r:id="rId5"/>
   </p:sldLayoutIdLst>
 </p:sldMaster>
 </file>
@@ -6853,14 +7912,14 @@
       </p:grpSpPr>
       <p:sp>
         <p:nvSpPr>
-          <p:cNvPr id="79" name="Textfeld 15"/>
+          <p:cNvPr id="77" name="Textfeld 15"/>
           <p:cNvSpPr/>
           <p:nvPr/>
         </p:nvSpPr>
         <p:spPr>
           <a:xfrm>
             <a:off x="8711280" y="4803840"/>
-            <a:ext cx="107280" cy="307800"/>
+            <a:ext cx="106920" cy="307440"/>
           </a:xfrm>
           <a:prstGeom prst="rect">
             <a:avLst/>
@@ -6887,28 +7946,26 @@
               </a:lnSpc>
             </a:pPr>
             <a:r>
-              <a:rPr b="0" lang="de-CH" sz="800" strike="noStrike" u="none">
+              <a:rPr b="0" lang="de-CH" sz="800" spc="-1" strike="noStrike">
                 <a:solidFill>
                   <a:schemeClr val="lt1"/>
                 </a:solidFill>
-                <a:uFillTx/>
                 <a:latin typeface="Calibri"/>
               </a:rPr>
               <a:t>|</a:t>
             </a:r>
-            <a:endParaRPr b="0" lang="en-US" sz="800" strike="noStrike" u="none">
+            <a:endParaRPr b="0" lang="en-US" sz="800" spc="-1" strike="noStrike">
               <a:solidFill>
                 <a:srgbClr val="000000"/>
               </a:solidFill>
-              <a:uFillTx/>
-              <a:latin typeface="DejaVu Sans"/>
+              <a:latin typeface="Arial"/>
             </a:endParaRPr>
           </a:p>
         </p:txBody>
       </p:sp>
       <p:pic>
         <p:nvPicPr>
-          <p:cNvPr id="80" name="Εικόνα 2" descr=""/>
+          <p:cNvPr id="78" name="Εικόνα 2" descr=""/>
           <p:cNvPicPr/>
           <p:nvPr/>
         </p:nvPicPr>
@@ -6919,12 +7976,11 @@
         <p:spPr>
           <a:xfrm>
             <a:off x="7932960" y="0"/>
-            <a:ext cx="1201680" cy="1201680"/>
+            <a:ext cx="1201320" cy="1201320"/>
           </a:xfrm>
           <a:prstGeom prst="rect">
             <a:avLst/>
           </a:prstGeom>
-          <a:noFill/>
           <a:ln w="0">
             <a:noFill/>
           </a:ln>
@@ -6932,28 +7988,28 @@
       </p:pic>
       <p:grpSp>
         <p:nvGrpSpPr>
-          <p:cNvPr id="81" name="Shape 52"/>
+          <p:cNvPr id="79" name="Shape 128"/>
           <p:cNvGrpSpPr/>
           <p:nvPr/>
         </p:nvGrpSpPr>
         <p:grpSpPr>
           <a:xfrm>
-            <a:off x="6172200" y="2656080"/>
-            <a:ext cx="2970000" cy="2885040"/>
-            <a:chOff x="6172200" y="2656080"/>
-            <a:chExt cx="2970000" cy="2885040"/>
+            <a:off x="6172560" y="2656080"/>
+            <a:ext cx="2969280" cy="2884680"/>
+            <a:chOff x="6172560" y="2656080"/>
+            <a:chExt cx="2969280" cy="2884680"/>
           </a:xfrm>
         </p:grpSpPr>
         <p:sp>
           <p:nvSpPr>
-            <p:cNvPr id="82" name="Shape 53"/>
+            <p:cNvPr id="80" name="Shape 129"/>
             <p:cNvSpPr/>
             <p:nvPr/>
           </p:nvSpPr>
           <p:spPr>
             <a:xfrm flipH="1" rot="9208200">
-              <a:off x="6703920" y="4111920"/>
-              <a:ext cx="482400" cy="1202400"/>
+              <a:off x="6703200" y="4112280"/>
+              <a:ext cx="482040" cy="1201680"/>
             </a:xfrm>
             <a:prstGeom prst="flowChartManualInput">
               <a:avLst/>
@@ -6981,11 +8037,10 @@
                   <a:spcPct val="100000"/>
                 </a:lnSpc>
               </a:pPr>
-              <a:endParaRPr b="0" lang="en-US" sz="1800" strike="noStrike" u="none">
+              <a:endParaRPr b="0" lang="en-US" sz="1800" spc="-1" strike="noStrike">
                 <a:solidFill>
                   <a:schemeClr val="dk1"/>
                 </a:solidFill>
-                <a:uFillTx/>
                 <a:latin typeface="Calibri"/>
               </a:endParaRPr>
             </a:p>
@@ -6993,14 +8048,14 @@
         </p:sp>
         <p:sp>
           <p:nvSpPr>
-            <p:cNvPr id="83" name="Shape 54"/>
+            <p:cNvPr id="81" name="Shape 130"/>
             <p:cNvSpPr/>
             <p:nvPr/>
           </p:nvSpPr>
           <p:spPr>
             <a:xfrm flipH="1" rot="9208200">
-              <a:off x="7801200" y="3279240"/>
-              <a:ext cx="876960" cy="2180520"/>
+              <a:off x="7800120" y="3279240"/>
+              <a:ext cx="876960" cy="2180160"/>
             </a:xfrm>
             <a:prstGeom prst="flowChartManualInput">
               <a:avLst/>
@@ -7028,11 +8083,10 @@
                   <a:spcPct val="100000"/>
                 </a:lnSpc>
               </a:pPr>
-              <a:endParaRPr b="0" lang="en-US" sz="1800" strike="noStrike" u="none">
+              <a:endParaRPr b="0" lang="en-US" sz="1800" spc="-1" strike="noStrike">
                 <a:solidFill>
                   <a:schemeClr val="dk1"/>
                 </a:solidFill>
-                <a:uFillTx/>
                 <a:latin typeface="Calibri"/>
               </a:endParaRPr>
             </a:p>
@@ -7040,14 +8094,14 @@
         </p:sp>
         <p:sp>
           <p:nvSpPr>
-            <p:cNvPr id="84" name="Shape 55"/>
+            <p:cNvPr id="82" name="Shape 131"/>
             <p:cNvSpPr/>
             <p:nvPr/>
           </p:nvSpPr>
           <p:spPr>
             <a:xfrm flipH="1" rot="9208200">
-              <a:off x="7477920" y="4278240"/>
-              <a:ext cx="408600" cy="1014120"/>
+              <a:off x="7476840" y="4278240"/>
+              <a:ext cx="408600" cy="1013760"/>
             </a:xfrm>
             <a:prstGeom prst="flowChartManualInput">
               <a:avLst/>
@@ -7075,11 +8129,10 @@
                   <a:spcPct val="100000"/>
                 </a:lnSpc>
               </a:pPr>
-              <a:endParaRPr b="0" lang="en-US" sz="1800" strike="noStrike" u="none">
+              <a:endParaRPr b="0" lang="en-US" sz="1800" spc="-1" strike="noStrike">
                 <a:solidFill>
                   <a:schemeClr val="dk1"/>
                 </a:solidFill>
-                <a:uFillTx/>
                 <a:latin typeface="Calibri"/>
               </a:endParaRPr>
             </a:p>
@@ -7087,14 +8140,14 @@
         </p:sp>
         <p:sp>
           <p:nvSpPr>
-            <p:cNvPr id="85" name="Shape 56"/>
+            <p:cNvPr id="83" name="Shape 132"/>
             <p:cNvSpPr/>
             <p:nvPr/>
           </p:nvSpPr>
           <p:spPr>
             <a:xfrm flipH="1" rot="9208200">
-              <a:off x="6287040" y="4658760"/>
-              <a:ext cx="227880" cy="569160"/>
+              <a:off x="6287400" y="4659120"/>
+              <a:ext cx="227160" cy="568800"/>
             </a:xfrm>
             <a:prstGeom prst="flowChartManualInput">
               <a:avLst/>
@@ -7122,11 +8175,10 @@
                   <a:spcPct val="100000"/>
                 </a:lnSpc>
               </a:pPr>
-              <a:endParaRPr b="0" lang="en-US" sz="1800" strike="noStrike" u="none">
+              <a:endParaRPr b="0" lang="en-US" sz="1800" spc="-1" strike="noStrike">
                 <a:solidFill>
                   <a:schemeClr val="dk1"/>
                 </a:solidFill>
-                <a:uFillTx/>
                 <a:latin typeface="Calibri"/>
               </a:endParaRPr>
             </a:p>
@@ -7134,22 +8186,22 @@
         </p:sp>
         <p:sp>
           <p:nvSpPr>
-            <p:cNvPr id="86" name="Shape 57"/>
+            <p:cNvPr id="84" name="Shape 133"/>
             <p:cNvSpPr/>
             <p:nvPr/>
           </p:nvSpPr>
           <p:spPr>
             <a:xfrm>
               <a:off x="8289360" y="2656080"/>
-              <a:ext cx="852840" cy="1927440"/>
+              <a:ext cx="852480" cy="1927080"/>
             </a:xfrm>
             <a:custGeom>
               <a:avLst/>
               <a:gdLst>
-                <a:gd name="textAreaLeft" fmla="*/ 0 w 852840"/>
-                <a:gd name="textAreaRight" fmla="*/ 854280 w 852840"/>
-                <a:gd name="textAreaTop" fmla="*/ 0 h 1927440"/>
-                <a:gd name="textAreaBottom" fmla="*/ 1928880 h 1927440"/>
+                <a:gd name="textAreaLeft" fmla="*/ 0 w 852480"/>
+                <a:gd name="textAreaRight" fmla="*/ 854280 w 852480"/>
+                <a:gd name="textAreaTop" fmla="*/ 0 h 1927080"/>
+                <a:gd name="textAreaBottom" fmla="*/ 1928880 h 1927080"/>
               </a:gdLst>
               <a:ahLst/>
               <a:rect l="textAreaLeft" t="textAreaTop" r="textAreaRight" b="textAreaBottom"/>
@@ -7194,11 +8246,10 @@
                   <a:spcPct val="100000"/>
                 </a:lnSpc>
               </a:pPr>
-              <a:endParaRPr b="0" lang="en-US" sz="1800" strike="noStrike" u="none">
+              <a:endParaRPr b="0" lang="en-US" sz="1800" spc="-1" strike="noStrike">
                 <a:solidFill>
                   <a:srgbClr val="ffffff"/>
                 </a:solidFill>
-                <a:uFillTx/>
                 <a:latin typeface="Arial"/>
               </a:endParaRPr>
             </a:p>
@@ -7207,28 +8258,28 @@
       </p:grpSp>
       <p:grpSp>
         <p:nvGrpSpPr>
-          <p:cNvPr id="87" name="Shape 58"/>
+          <p:cNvPr id="85" name="Shape 134"/>
           <p:cNvGrpSpPr/>
           <p:nvPr/>
         </p:nvGrpSpPr>
         <p:grpSpPr>
           <a:xfrm>
-            <a:off x="1800" y="-227160"/>
-            <a:ext cx="2157840" cy="1344960"/>
-            <a:chOff x="1800" y="-227160"/>
-            <a:chExt cx="2157840" cy="1344960"/>
+            <a:off x="2160" y="-227160"/>
+            <a:ext cx="2156400" cy="1344600"/>
+            <a:chOff x="2160" y="-227160"/>
+            <a:chExt cx="2156400" cy="1344600"/>
           </a:xfrm>
         </p:grpSpPr>
         <p:sp>
           <p:nvSpPr>
-            <p:cNvPr id="88" name="Shape 59"/>
+            <p:cNvPr id="86" name="Shape 135"/>
             <p:cNvSpPr/>
             <p:nvPr/>
           </p:nvSpPr>
           <p:spPr>
             <a:xfrm flipH="1" rot="20008800">
-              <a:off x="1360080" y="-74520"/>
-              <a:ext cx="203400" cy="507960"/>
+              <a:off x="1359360" y="-74520"/>
+              <a:ext cx="203040" cy="507600"/>
             </a:xfrm>
             <a:prstGeom prst="flowChartManualInput">
               <a:avLst/>
@@ -7256,11 +8307,10 @@
                   <a:spcPct val="100000"/>
                 </a:lnSpc>
               </a:pPr>
-              <a:endParaRPr b="0" lang="en-US" sz="1800" strike="noStrike" u="none">
+              <a:endParaRPr b="0" lang="en-US" sz="1800" spc="-1" strike="noStrike">
                 <a:solidFill>
                   <a:schemeClr val="dk1"/>
                 </a:solidFill>
-                <a:uFillTx/>
                 <a:latin typeface="Calibri"/>
               </a:endParaRPr>
             </a:p>
@@ -7268,14 +8318,14 @@
         </p:sp>
         <p:sp>
           <p:nvSpPr>
-            <p:cNvPr id="89" name="Shape 60"/>
+            <p:cNvPr id="87" name="Shape 136"/>
             <p:cNvSpPr/>
             <p:nvPr/>
           </p:nvSpPr>
           <p:spPr>
             <a:xfrm flipH="1" rot="20008800">
               <a:off x="236880" y="-163440"/>
-              <a:ext cx="433080" cy="1079280"/>
+              <a:ext cx="433080" cy="1078920"/>
             </a:xfrm>
             <a:prstGeom prst="flowChartManualInput">
               <a:avLst/>
@@ -7303,11 +8353,10 @@
                   <a:spcPct val="100000"/>
                 </a:lnSpc>
               </a:pPr>
-              <a:endParaRPr b="0" lang="en-US" sz="1800" strike="noStrike" u="none">
+              <a:endParaRPr b="0" lang="en-US" sz="1800" spc="-1" strike="noStrike">
                 <a:solidFill>
                   <a:schemeClr val="dk1"/>
                 </a:solidFill>
-                <a:uFillTx/>
                 <a:latin typeface="Calibri"/>
               </a:endParaRPr>
             </a:p>
@@ -7315,14 +8364,14 @@
         </p:sp>
         <p:sp>
           <p:nvSpPr>
-            <p:cNvPr id="90" name="Shape 61"/>
+            <p:cNvPr id="88" name="Shape 137"/>
             <p:cNvSpPr/>
             <p:nvPr/>
           </p:nvSpPr>
           <p:spPr>
             <a:xfrm flipH="1" rot="20008800">
-              <a:off x="890280" y="-180720"/>
-              <a:ext cx="502560" cy="1252440"/>
+              <a:off x="889920" y="-180720"/>
+              <a:ext cx="502200" cy="1252080"/>
             </a:xfrm>
             <a:prstGeom prst="flowChartManualInput">
               <a:avLst/>
@@ -7350,11 +8399,10 @@
                   <a:spcPct val="100000"/>
                 </a:lnSpc>
               </a:pPr>
-              <a:endParaRPr b="0" lang="en-US" sz="1800" strike="noStrike" u="none">
+              <a:endParaRPr b="0" lang="en-US" sz="1800" spc="-1" strike="noStrike">
                 <a:solidFill>
                   <a:schemeClr val="dk1"/>
                 </a:solidFill>
-                <a:uFillTx/>
                 <a:latin typeface="Calibri"/>
               </a:endParaRPr>
             </a:p>
@@ -7362,14 +8410,14 @@
         </p:sp>
         <p:sp>
           <p:nvSpPr>
-            <p:cNvPr id="91" name="Shape 62"/>
+            <p:cNvPr id="89" name="Shape 138"/>
             <p:cNvSpPr/>
             <p:nvPr/>
           </p:nvSpPr>
           <p:spPr>
             <a:xfrm flipH="1" rot="20008800">
-              <a:off x="1816200" y="-87480"/>
-              <a:ext cx="227880" cy="569520"/>
+              <a:off x="1815480" y="-87480"/>
+              <a:ext cx="227520" cy="569160"/>
             </a:xfrm>
             <a:prstGeom prst="flowChartManualInput">
               <a:avLst/>
@@ -7397,11 +8445,10 @@
                   <a:spcPct val="100000"/>
                 </a:lnSpc>
               </a:pPr>
-              <a:endParaRPr b="0" lang="en-US" sz="1800" strike="noStrike" u="none">
+              <a:endParaRPr b="0" lang="en-US" sz="1800" spc="-1" strike="noStrike">
                 <a:solidFill>
                   <a:schemeClr val="dk1"/>
                 </a:solidFill>
-                <a:uFillTx/>
                 <a:latin typeface="Calibri"/>
               </a:endParaRPr>
             </a:p>
@@ -7409,22 +8456,22 @@
         </p:sp>
         <p:sp>
           <p:nvSpPr>
-            <p:cNvPr id="92" name="Shape 63"/>
+            <p:cNvPr id="90" name="Shape 139"/>
             <p:cNvSpPr/>
             <p:nvPr/>
           </p:nvSpPr>
           <p:spPr>
             <a:xfrm rot="10800000">
-              <a:off x="1800" y="60480"/>
-              <a:ext cx="378360" cy="856440"/>
+              <a:off x="2160" y="60840"/>
+              <a:ext cx="378000" cy="856080"/>
             </a:xfrm>
             <a:custGeom>
               <a:avLst/>
               <a:gdLst>
-                <a:gd name="textAreaLeft" fmla="*/ 0 w 378360"/>
-                <a:gd name="textAreaRight" fmla="*/ 379800 w 378360"/>
-                <a:gd name="textAreaTop" fmla="*/ 0 h 856440"/>
-                <a:gd name="textAreaBottom" fmla="*/ 857880 h 856440"/>
+                <a:gd name="textAreaLeft" fmla="*/ 0 w 378000"/>
+                <a:gd name="textAreaRight" fmla="*/ 379800 w 378000"/>
+                <a:gd name="textAreaTop" fmla="*/ 0 h 856080"/>
+                <a:gd name="textAreaBottom" fmla="*/ 857880 h 856080"/>
               </a:gdLst>
               <a:ahLst/>
               <a:rect l="textAreaLeft" t="textAreaTop" r="textAreaRight" b="textAreaBottom"/>
@@ -7469,11 +8516,10 @@
                   <a:spcPct val="100000"/>
                 </a:lnSpc>
               </a:pPr>
-              <a:endParaRPr b="0" lang="en-US" sz="1800" strike="noStrike" u="none">
+              <a:endParaRPr b="0" lang="en-US" sz="1800" spc="-1" strike="noStrike">
                 <a:solidFill>
                   <a:srgbClr val="ffffff"/>
                 </a:solidFill>
-                <a:uFillTx/>
                 <a:latin typeface="Arial"/>
               </a:endParaRPr>
             </a:p>
@@ -7482,7 +8528,7 @@
       </p:grpSp>
       <p:sp>
         <p:nvSpPr>
-          <p:cNvPr id="93" name="PlaceHolder 1"/>
+          <p:cNvPr id="91" name="PlaceHolder 1"/>
           <p:cNvSpPr>
             <a:spLocks noGrp="1"/>
           </p:cNvSpPr>
@@ -7512,269 +8558,28 @@
               <a:buNone/>
             </a:pPr>
             <a:r>
-              <a:rPr b="0" lang="en-US" sz="1800" strike="noStrike" u="none">
+              <a:rPr b="0" lang="en-US" sz="1800" spc="-1" strike="noStrike">
                 <a:solidFill>
                   <a:srgbClr val="000000"/>
                 </a:solidFill>
-                <a:uFillTx/>
-                <a:latin typeface="DejaVu Sans"/>
+                <a:latin typeface="Arial"/>
               </a:rPr>
               <a:t>Click to edit the title text format</a:t>
             </a:r>
-            <a:endParaRPr b="0" lang="en-US" sz="1800" strike="noStrike" u="none">
+            <a:endParaRPr b="0" lang="en-US" sz="1800" spc="-1" strike="noStrike">
               <a:solidFill>
                 <a:srgbClr val="000000"/>
               </a:solidFill>
-              <a:uFillTx/>
-              <a:latin typeface="DejaVu Sans"/>
-            </a:endParaRPr>
-          </a:p>
-        </p:txBody>
-      </p:sp>
-      <p:sp>
-        <p:nvSpPr>
-          <p:cNvPr id="94" name="PlaceHolder 2"/>
-          <p:cNvSpPr>
-            <a:spLocks noGrp="1"/>
-          </p:cNvSpPr>
-          <p:nvPr>
-            <p:ph type="body"/>
-          </p:nvPr>
-        </p:nvSpPr>
-        <p:spPr>
-          <a:xfrm>
-            <a:off x="457200" y="1203480"/>
-            <a:ext cx="8228880" cy="2982600"/>
-          </a:xfrm>
-          <a:prstGeom prst="rect">
-            <a:avLst/>
-          </a:prstGeom>
-          <a:noFill/>
-          <a:ln w="0">
-            <a:noFill/>
-          </a:ln>
-        </p:spPr>
-        <p:txBody>
-          <a:bodyPr lIns="0" rIns="0" tIns="0" bIns="0" anchor="t">
-            <a:normAutofit/>
-          </a:bodyPr>
-          <a:p>
-            <a:pPr marL="432000" indent="-324000">
-              <a:spcBef>
-                <a:spcPts val="1417"/>
-              </a:spcBef>
-              <a:buClr>
-                <a:srgbClr val="000000"/>
-              </a:buClr>
-              <a:buSzPct val="45000"/>
-              <a:buFont typeface="Wingdings" charset="2"/>
-              <a:buChar char=""/>
-            </a:pPr>
-            <a:r>
-              <a:rPr b="0" lang="en-US" sz="1800" strike="noStrike" u="none">
-                <a:solidFill>
-                  <a:srgbClr val="000000"/>
-                </a:solidFill>
-                <a:uFillTx/>
-                <a:latin typeface="DejaVu Sans"/>
-              </a:rPr>
-              <a:t>Click to edit the outline text format</a:t>
-            </a:r>
-            <a:endParaRPr b="0" lang="en-US" sz="1800" strike="noStrike" u="none">
-              <a:solidFill>
-                <a:srgbClr val="000000"/>
-              </a:solidFill>
-              <a:uFillTx/>
-              <a:latin typeface="DejaVu Sans"/>
-            </a:endParaRPr>
-          </a:p>
-          <a:p>
-            <a:pPr lvl="1" marL="864000" indent="-324000">
-              <a:spcBef>
-                <a:spcPts val="1134"/>
-              </a:spcBef>
-              <a:buClr>
-                <a:srgbClr val="000000"/>
-              </a:buClr>
-              <a:buSzPct val="75000"/>
-              <a:buFont typeface="Symbol" charset="2"/>
-              <a:buChar char=""/>
-            </a:pPr>
-            <a:r>
-              <a:rPr b="0" lang="en-US" sz="1800" strike="noStrike" u="none">
-                <a:solidFill>
-                  <a:srgbClr val="000000"/>
-                </a:solidFill>
-                <a:uFillTx/>
-                <a:latin typeface="DejaVu Sans"/>
-              </a:rPr>
-              <a:t>Second Outline Level</a:t>
-            </a:r>
-            <a:endParaRPr b="0" lang="en-US" sz="1800" strike="noStrike" u="none">
-              <a:solidFill>
-                <a:srgbClr val="000000"/>
-              </a:solidFill>
-              <a:uFillTx/>
-              <a:latin typeface="DejaVu Sans"/>
-            </a:endParaRPr>
-          </a:p>
-          <a:p>
-            <a:pPr lvl="2" marL="1296000" indent="-288000">
-              <a:spcBef>
-                <a:spcPts val="850"/>
-              </a:spcBef>
-              <a:buClr>
-                <a:srgbClr val="000000"/>
-              </a:buClr>
-              <a:buSzPct val="45000"/>
-              <a:buFont typeface="Wingdings" charset="2"/>
-              <a:buChar char=""/>
-            </a:pPr>
-            <a:r>
-              <a:rPr b="0" lang="en-US" sz="1800" strike="noStrike" u="none">
-                <a:solidFill>
-                  <a:srgbClr val="000000"/>
-                </a:solidFill>
-                <a:uFillTx/>
-                <a:latin typeface="DejaVu Sans"/>
-              </a:rPr>
-              <a:t>Third Outline Level</a:t>
-            </a:r>
-            <a:endParaRPr b="0" lang="en-US" sz="1800" strike="noStrike" u="none">
-              <a:solidFill>
-                <a:srgbClr val="000000"/>
-              </a:solidFill>
-              <a:uFillTx/>
-              <a:latin typeface="DejaVu Sans"/>
-            </a:endParaRPr>
-          </a:p>
-          <a:p>
-            <a:pPr lvl="3" marL="1728000" indent="-216000">
-              <a:spcBef>
-                <a:spcPts val="567"/>
-              </a:spcBef>
-              <a:buClr>
-                <a:srgbClr val="000000"/>
-              </a:buClr>
-              <a:buSzPct val="75000"/>
-              <a:buFont typeface="Symbol" charset="2"/>
-              <a:buChar char=""/>
-            </a:pPr>
-            <a:r>
-              <a:rPr b="0" lang="en-US" sz="1800" strike="noStrike" u="none">
-                <a:solidFill>
-                  <a:srgbClr val="000000"/>
-                </a:solidFill>
-                <a:uFillTx/>
-                <a:latin typeface="DejaVu Sans"/>
-              </a:rPr>
-              <a:t>Fourth Outline Level</a:t>
-            </a:r>
-            <a:endParaRPr b="0" lang="en-US" sz="1800" strike="noStrike" u="none">
-              <a:solidFill>
-                <a:srgbClr val="000000"/>
-              </a:solidFill>
-              <a:uFillTx/>
-              <a:latin typeface="DejaVu Sans"/>
-            </a:endParaRPr>
-          </a:p>
-          <a:p>
-            <a:pPr lvl="4" marL="2160000" indent="-216000">
-              <a:spcBef>
-                <a:spcPts val="283"/>
-              </a:spcBef>
-              <a:buClr>
-                <a:srgbClr val="000000"/>
-              </a:buClr>
-              <a:buSzPct val="45000"/>
-              <a:buFont typeface="Wingdings" charset="2"/>
-              <a:buChar char=""/>
-            </a:pPr>
-            <a:r>
-              <a:rPr b="0" lang="en-US" sz="1800" strike="noStrike" u="none">
-                <a:solidFill>
-                  <a:srgbClr val="000000"/>
-                </a:solidFill>
-                <a:uFillTx/>
-                <a:latin typeface="DejaVu Sans"/>
-              </a:rPr>
-              <a:t>Fifth Outline Level</a:t>
-            </a:r>
-            <a:endParaRPr b="0" lang="en-US" sz="1800" strike="noStrike" u="none">
-              <a:solidFill>
-                <a:srgbClr val="000000"/>
-              </a:solidFill>
-              <a:uFillTx/>
-              <a:latin typeface="DejaVu Sans"/>
-            </a:endParaRPr>
-          </a:p>
-          <a:p>
-            <a:pPr lvl="5" marL="2592000" indent="-216000">
-              <a:spcBef>
-                <a:spcPts val="283"/>
-              </a:spcBef>
-              <a:buClr>
-                <a:srgbClr val="000000"/>
-              </a:buClr>
-              <a:buSzPct val="45000"/>
-              <a:buFont typeface="Wingdings" charset="2"/>
-              <a:buChar char=""/>
-            </a:pPr>
-            <a:r>
-              <a:rPr b="0" lang="en-US" sz="1800" strike="noStrike" u="none">
-                <a:solidFill>
-                  <a:srgbClr val="000000"/>
-                </a:solidFill>
-                <a:uFillTx/>
-                <a:latin typeface="DejaVu Sans"/>
-              </a:rPr>
-              <a:t>Sixth Outline Level</a:t>
-            </a:r>
-            <a:endParaRPr b="0" lang="en-US" sz="1800" strike="noStrike" u="none">
-              <a:solidFill>
-                <a:srgbClr val="000000"/>
-              </a:solidFill>
-              <a:uFillTx/>
-              <a:latin typeface="DejaVu Sans"/>
-            </a:endParaRPr>
-          </a:p>
-          <a:p>
-            <a:pPr lvl="6" marL="3024000" indent="-216000">
-              <a:spcBef>
-                <a:spcPts val="283"/>
-              </a:spcBef>
-              <a:buClr>
-                <a:srgbClr val="000000"/>
-              </a:buClr>
-              <a:buSzPct val="45000"/>
-              <a:buFont typeface="Wingdings" charset="2"/>
-              <a:buChar char=""/>
-            </a:pPr>
-            <a:r>
-              <a:rPr b="0" lang="en-US" sz="1800" strike="noStrike" u="none">
-                <a:solidFill>
-                  <a:srgbClr val="000000"/>
-                </a:solidFill>
-                <a:uFillTx/>
-                <a:latin typeface="DejaVu Sans"/>
-              </a:rPr>
-              <a:t>Seventh Outline Level</a:t>
-            </a:r>
-            <a:endParaRPr b="0" lang="en-US" sz="1800" strike="noStrike" u="none">
-              <a:solidFill>
-                <a:srgbClr val="000000"/>
-              </a:solidFill>
-              <a:uFillTx/>
-              <a:latin typeface="DejaVu Sans"/>
+              <a:latin typeface="Arial"/>
             </a:endParaRPr>
           </a:p>
         </p:txBody>
       </p:sp>
     </p:spTree>
   </p:cSld>
-  <p:clrMap bg1="lt1" tx1="dk1" bg2="lt2" tx2="dk2" accent1="accent1" accent2="accent2" accent3="accent3" accent4="accent4" accent5="accent5" accent6="accent6" hlink="hlink" folHlink="folHlink"/>
+  <p:clrMap bg1="lt1" bg2="lt2" tx1="dk1" tx2="dk2" accent1="accent1" accent2="accent2" accent3="accent3" accent4="accent4" accent5="accent5" accent6="accent6" hlink="hlink" folHlink="folHlink"/>
   <p:sldLayoutIdLst>
-    <p:sldLayoutId id="2147483663" r:id="rId3"/>
+    <p:sldLayoutId id="2147483661" r:id="rId3"/>
   </p:sldLayoutIdLst>
 </p:sldMaster>
 </file>
@@ -7805,14 +8610,14 @@
       </p:grpSpPr>
       <p:sp>
         <p:nvSpPr>
-          <p:cNvPr id="97" name="Textfeld 15"/>
+          <p:cNvPr id="94" name="Textfeld 15"/>
           <p:cNvSpPr/>
           <p:nvPr/>
         </p:nvSpPr>
         <p:spPr>
           <a:xfrm>
             <a:off x="8711280" y="4803840"/>
-            <a:ext cx="107280" cy="307800"/>
+            <a:ext cx="106920" cy="307440"/>
           </a:xfrm>
           <a:prstGeom prst="rect">
             <a:avLst/>
@@ -7839,28 +8644,26 @@
               </a:lnSpc>
             </a:pPr>
             <a:r>
-              <a:rPr b="0" lang="de-CH" sz="800" strike="noStrike" u="none">
+              <a:rPr b="0" lang="de-CH" sz="800" spc="-1" strike="noStrike">
                 <a:solidFill>
                   <a:schemeClr val="lt1"/>
                 </a:solidFill>
-                <a:uFillTx/>
                 <a:latin typeface="Calibri"/>
               </a:rPr>
               <a:t>|</a:t>
             </a:r>
-            <a:endParaRPr b="0" lang="en-US" sz="800" strike="noStrike" u="none">
+            <a:endParaRPr b="0" lang="en-US" sz="800" spc="-1" strike="noStrike">
               <a:solidFill>
                 <a:srgbClr val="000000"/>
               </a:solidFill>
-              <a:uFillTx/>
-              <a:latin typeface="DejaVu Sans"/>
+              <a:latin typeface="Arial"/>
             </a:endParaRPr>
           </a:p>
         </p:txBody>
       </p:sp>
       <p:pic>
         <p:nvPicPr>
-          <p:cNvPr id="98" name="Εικόνα 2" descr=""/>
+          <p:cNvPr id="95" name="Εικόνα 2" descr=""/>
           <p:cNvPicPr/>
           <p:nvPr/>
         </p:nvPicPr>
@@ -7871,12 +8674,11 @@
         <p:spPr>
           <a:xfrm>
             <a:off x="7932960" y="0"/>
-            <a:ext cx="1201680" cy="1201680"/>
+            <a:ext cx="1201320" cy="1201320"/>
           </a:xfrm>
           <a:prstGeom prst="rect">
             <a:avLst/>
           </a:prstGeom>
-          <a:noFill/>
           <a:ln w="0">
             <a:noFill/>
           </a:ln>
@@ -7884,28 +8686,28 @@
       </p:pic>
       <p:grpSp>
         <p:nvGrpSpPr>
-          <p:cNvPr id="99" name="Shape 83"/>
+          <p:cNvPr id="96" name="Shape 128"/>
           <p:cNvGrpSpPr/>
           <p:nvPr/>
         </p:nvGrpSpPr>
         <p:grpSpPr>
           <a:xfrm>
-            <a:off x="6790680" y="3181680"/>
-            <a:ext cx="2351160" cy="2283480"/>
-            <a:chOff x="6790680" y="3181680"/>
-            <a:chExt cx="2351160" cy="2283480"/>
+            <a:off x="6172560" y="2656080"/>
+            <a:ext cx="2969280" cy="2884680"/>
+            <a:chOff x="6172560" y="2656080"/>
+            <a:chExt cx="2969280" cy="2884680"/>
           </a:xfrm>
         </p:grpSpPr>
         <p:sp>
           <p:nvSpPr>
-            <p:cNvPr id="100" name="Shape 84"/>
+            <p:cNvPr id="97" name="Shape 129"/>
             <p:cNvSpPr/>
             <p:nvPr/>
           </p:nvSpPr>
           <p:spPr>
             <a:xfrm flipH="1" rot="9208200">
-              <a:off x="7212240" y="4334040"/>
-              <a:ext cx="381240" cy="950760"/>
+              <a:off x="6703200" y="4112280"/>
+              <a:ext cx="482040" cy="1201680"/>
             </a:xfrm>
             <a:prstGeom prst="flowChartManualInput">
               <a:avLst/>
@@ -7933,11 +8735,10 @@
                   <a:spcPct val="100000"/>
                 </a:lnSpc>
               </a:pPr>
-              <a:endParaRPr b="0" lang="en-US" sz="1800" strike="noStrike" u="none">
+              <a:endParaRPr b="0" lang="en-US" sz="1800" spc="-1" strike="noStrike">
                 <a:solidFill>
                   <a:schemeClr val="dk1"/>
                 </a:solidFill>
-                <a:uFillTx/>
                 <a:latin typeface="Calibri"/>
               </a:endParaRPr>
             </a:p>
@@ -7945,14 +8746,14 @@
         </p:sp>
         <p:sp>
           <p:nvSpPr>
-            <p:cNvPr id="101" name="Shape 85"/>
+            <p:cNvPr id="98" name="Shape 130"/>
             <p:cNvSpPr/>
             <p:nvPr/>
           </p:nvSpPr>
           <p:spPr>
             <a:xfrm flipH="1" rot="9208200">
-              <a:off x="8082000" y="3675240"/>
-              <a:ext cx="693000" cy="1725840"/>
+              <a:off x="7800120" y="3279240"/>
+              <a:ext cx="876960" cy="2180160"/>
             </a:xfrm>
             <a:prstGeom prst="flowChartManualInput">
               <a:avLst/>
@@ -7980,11 +8781,10 @@
                   <a:spcPct val="100000"/>
                 </a:lnSpc>
               </a:pPr>
-              <a:endParaRPr b="0" lang="en-US" sz="1800" strike="noStrike" u="none">
+              <a:endParaRPr b="0" lang="en-US" sz="1800" spc="-1" strike="noStrike">
                 <a:solidFill>
                   <a:schemeClr val="dk1"/>
                 </a:solidFill>
-                <a:uFillTx/>
                 <a:latin typeface="Calibri"/>
               </a:endParaRPr>
             </a:p>
@@ -7992,14 +8792,14 @@
         </p:sp>
         <p:sp>
           <p:nvSpPr>
-            <p:cNvPr id="102" name="Shape 86"/>
+            <p:cNvPr id="99" name="Shape 131"/>
             <p:cNvSpPr/>
             <p:nvPr/>
           </p:nvSpPr>
           <p:spPr>
             <a:xfrm flipH="1" rot="9208200">
-              <a:off x="7824600" y="4465080"/>
-              <a:ext cx="323280" cy="802800"/>
+              <a:off x="7476840" y="4278240"/>
+              <a:ext cx="408600" cy="1013760"/>
             </a:xfrm>
             <a:prstGeom prst="flowChartManualInput">
               <a:avLst/>
@@ -8027,11 +8827,10 @@
                   <a:spcPct val="100000"/>
                 </a:lnSpc>
               </a:pPr>
-              <a:endParaRPr b="0" lang="en-US" sz="1800" strike="noStrike" u="none">
+              <a:endParaRPr b="0" lang="en-US" sz="1800" spc="-1" strike="noStrike">
                 <a:solidFill>
                   <a:schemeClr val="dk1"/>
                 </a:solidFill>
-                <a:uFillTx/>
                 <a:latin typeface="Calibri"/>
               </a:endParaRPr>
             </a:p>
@@ -8039,14 +8838,14 @@
         </p:sp>
         <p:sp>
           <p:nvSpPr>
-            <p:cNvPr id="103" name="Shape 87"/>
+            <p:cNvPr id="100" name="Shape 132"/>
             <p:cNvSpPr/>
             <p:nvPr/>
           </p:nvSpPr>
           <p:spPr>
             <a:xfrm flipH="1" rot="9208200">
-              <a:off x="6881040" y="4767480"/>
-              <a:ext cx="180000" cy="450000"/>
+              <a:off x="6287400" y="4659120"/>
+              <a:ext cx="227160" cy="568800"/>
             </a:xfrm>
             <a:prstGeom prst="flowChartManualInput">
               <a:avLst/>
@@ -8074,11 +8873,10 @@
                   <a:spcPct val="100000"/>
                 </a:lnSpc>
               </a:pPr>
-              <a:endParaRPr b="0" lang="en-US" sz="1800" strike="noStrike" u="none">
+              <a:endParaRPr b="0" lang="en-US" sz="1800" spc="-1" strike="noStrike">
                 <a:solidFill>
                   <a:schemeClr val="dk1"/>
                 </a:solidFill>
-                <a:uFillTx/>
                 <a:latin typeface="Calibri"/>
               </a:endParaRPr>
             </a:p>
@@ -8086,22 +8884,22 @@
         </p:sp>
         <p:sp>
           <p:nvSpPr>
-            <p:cNvPr id="104" name="Shape 88"/>
+            <p:cNvPr id="101" name="Shape 133"/>
             <p:cNvSpPr/>
             <p:nvPr/>
           </p:nvSpPr>
           <p:spPr>
             <a:xfrm>
-              <a:off x="8467200" y="3181680"/>
-              <a:ext cx="674640" cy="1524960"/>
+              <a:off x="8289360" y="2656080"/>
+              <a:ext cx="852480" cy="1927080"/>
             </a:xfrm>
             <a:custGeom>
               <a:avLst/>
               <a:gdLst>
-                <a:gd name="textAreaLeft" fmla="*/ 0 w 674640"/>
-                <a:gd name="textAreaRight" fmla="*/ 676080 w 674640"/>
-                <a:gd name="textAreaTop" fmla="*/ 0 h 1524960"/>
-                <a:gd name="textAreaBottom" fmla="*/ 1526400 h 1524960"/>
+                <a:gd name="textAreaLeft" fmla="*/ 0 w 852480"/>
+                <a:gd name="textAreaRight" fmla="*/ 854280 w 852480"/>
+                <a:gd name="textAreaTop" fmla="*/ 0 h 1927080"/>
+                <a:gd name="textAreaBottom" fmla="*/ 1928880 h 1927080"/>
               </a:gdLst>
               <a:ahLst/>
               <a:rect l="textAreaLeft" t="textAreaTop" r="textAreaRight" b="textAreaBottom"/>
@@ -8146,11 +8944,10 @@
                   <a:spcPct val="100000"/>
                 </a:lnSpc>
               </a:pPr>
-              <a:endParaRPr b="0" lang="en-US" sz="1800" strike="noStrike" u="none">
+              <a:endParaRPr b="0" lang="en-US" sz="1800" spc="-1" strike="noStrike">
                 <a:solidFill>
                   <a:srgbClr val="ffffff"/>
                 </a:solidFill>
-                <a:uFillTx/>
                 <a:latin typeface="Arial"/>
               </a:endParaRPr>
             </a:p>
@@ -8159,28 +8956,28 @@
       </p:grpSp>
       <p:grpSp>
         <p:nvGrpSpPr>
-          <p:cNvPr id="105" name="Shape 89"/>
+          <p:cNvPr id="102" name="Shape 134"/>
           <p:cNvGrpSpPr/>
           <p:nvPr/>
         </p:nvGrpSpPr>
         <p:grpSpPr>
           <a:xfrm>
-            <a:off x="1800" y="-227160"/>
-            <a:ext cx="2157840" cy="1344960"/>
-            <a:chOff x="1800" y="-227160"/>
-            <a:chExt cx="2157840" cy="1344960"/>
+            <a:off x="2160" y="-227160"/>
+            <a:ext cx="2156400" cy="1344600"/>
+            <a:chOff x="2160" y="-227160"/>
+            <a:chExt cx="2156400" cy="1344600"/>
           </a:xfrm>
         </p:grpSpPr>
         <p:sp>
           <p:nvSpPr>
-            <p:cNvPr id="106" name="Shape 90"/>
+            <p:cNvPr id="103" name="Shape 135"/>
             <p:cNvSpPr/>
             <p:nvPr/>
           </p:nvSpPr>
           <p:spPr>
             <a:xfrm flipH="1" rot="20008800">
-              <a:off x="1360080" y="-74520"/>
-              <a:ext cx="203400" cy="507960"/>
+              <a:off x="1359360" y="-74520"/>
+              <a:ext cx="203040" cy="507600"/>
             </a:xfrm>
             <a:prstGeom prst="flowChartManualInput">
               <a:avLst/>
@@ -8208,11 +9005,10 @@
                   <a:spcPct val="100000"/>
                 </a:lnSpc>
               </a:pPr>
-              <a:endParaRPr b="0" lang="en-US" sz="1800" strike="noStrike" u="none">
+              <a:endParaRPr b="0" lang="en-US" sz="1800" spc="-1" strike="noStrike">
                 <a:solidFill>
                   <a:schemeClr val="dk1"/>
                 </a:solidFill>
-                <a:uFillTx/>
                 <a:latin typeface="Calibri"/>
               </a:endParaRPr>
             </a:p>
@@ -8220,14 +9016,14 @@
         </p:sp>
         <p:sp>
           <p:nvSpPr>
-            <p:cNvPr id="107" name="Shape 91"/>
+            <p:cNvPr id="104" name="Shape 136"/>
             <p:cNvSpPr/>
             <p:nvPr/>
           </p:nvSpPr>
           <p:spPr>
             <a:xfrm flipH="1" rot="20008800">
               <a:off x="236880" y="-163440"/>
-              <a:ext cx="433080" cy="1079280"/>
+              <a:ext cx="433080" cy="1078920"/>
             </a:xfrm>
             <a:prstGeom prst="flowChartManualInput">
               <a:avLst/>
@@ -8255,11 +9051,10 @@
                   <a:spcPct val="100000"/>
                 </a:lnSpc>
               </a:pPr>
-              <a:endParaRPr b="0" lang="en-US" sz="1800" strike="noStrike" u="none">
+              <a:endParaRPr b="0" lang="en-US" sz="1800" spc="-1" strike="noStrike">
                 <a:solidFill>
                   <a:schemeClr val="dk1"/>
                 </a:solidFill>
-                <a:uFillTx/>
                 <a:latin typeface="Calibri"/>
               </a:endParaRPr>
             </a:p>
@@ -8267,14 +9062,14 @@
         </p:sp>
         <p:sp>
           <p:nvSpPr>
-            <p:cNvPr id="108" name="Shape 92"/>
+            <p:cNvPr id="105" name="Shape 137"/>
             <p:cNvSpPr/>
             <p:nvPr/>
           </p:nvSpPr>
           <p:spPr>
             <a:xfrm flipH="1" rot="20008800">
-              <a:off x="890280" y="-180720"/>
-              <a:ext cx="502560" cy="1252440"/>
+              <a:off x="889920" y="-180720"/>
+              <a:ext cx="502200" cy="1252080"/>
             </a:xfrm>
             <a:prstGeom prst="flowChartManualInput">
               <a:avLst/>
@@ -8302,11 +9097,10 @@
                   <a:spcPct val="100000"/>
                 </a:lnSpc>
               </a:pPr>
-              <a:endParaRPr b="0" lang="en-US" sz="1800" strike="noStrike" u="none">
+              <a:endParaRPr b="0" lang="en-US" sz="1800" spc="-1" strike="noStrike">
                 <a:solidFill>
                   <a:schemeClr val="dk1"/>
                 </a:solidFill>
-                <a:uFillTx/>
                 <a:latin typeface="Calibri"/>
               </a:endParaRPr>
             </a:p>
@@ -8314,14 +9108,14 @@
         </p:sp>
         <p:sp>
           <p:nvSpPr>
-            <p:cNvPr id="109" name="Shape 93"/>
+            <p:cNvPr id="106" name="Shape 138"/>
             <p:cNvSpPr/>
             <p:nvPr/>
           </p:nvSpPr>
           <p:spPr>
             <a:xfrm flipH="1" rot="20008800">
-              <a:off x="1816200" y="-87480"/>
-              <a:ext cx="227880" cy="569520"/>
+              <a:off x="1815480" y="-87480"/>
+              <a:ext cx="227520" cy="569160"/>
             </a:xfrm>
             <a:prstGeom prst="flowChartManualInput">
               <a:avLst/>
@@ -8349,11 +9143,10 @@
                   <a:spcPct val="100000"/>
                 </a:lnSpc>
               </a:pPr>
-              <a:endParaRPr b="0" lang="en-US" sz="1800" strike="noStrike" u="none">
+              <a:endParaRPr b="0" lang="en-US" sz="1800" spc="-1" strike="noStrike">
                 <a:solidFill>
                   <a:schemeClr val="dk1"/>
                 </a:solidFill>
-                <a:uFillTx/>
                 <a:latin typeface="Calibri"/>
               </a:endParaRPr>
             </a:p>
@@ -8361,22 +9154,22 @@
         </p:sp>
         <p:sp>
           <p:nvSpPr>
-            <p:cNvPr id="110" name="Shape 94"/>
+            <p:cNvPr id="107" name="Shape 139"/>
             <p:cNvSpPr/>
             <p:nvPr/>
           </p:nvSpPr>
           <p:spPr>
             <a:xfrm rot="10800000">
-              <a:off x="1800" y="60480"/>
-              <a:ext cx="378360" cy="856440"/>
+              <a:off x="2160" y="60840"/>
+              <a:ext cx="378000" cy="856080"/>
             </a:xfrm>
             <a:custGeom>
               <a:avLst/>
               <a:gdLst>
-                <a:gd name="textAreaLeft" fmla="*/ 0 w 378360"/>
-                <a:gd name="textAreaRight" fmla="*/ 379800 w 378360"/>
-                <a:gd name="textAreaTop" fmla="*/ 0 h 856440"/>
-                <a:gd name="textAreaBottom" fmla="*/ 857880 h 856440"/>
+                <a:gd name="textAreaLeft" fmla="*/ 0 w 378000"/>
+                <a:gd name="textAreaRight" fmla="*/ 379800 w 378000"/>
+                <a:gd name="textAreaTop" fmla="*/ 0 h 856080"/>
+                <a:gd name="textAreaBottom" fmla="*/ 857880 h 856080"/>
               </a:gdLst>
               <a:ahLst/>
               <a:rect l="textAreaLeft" t="textAreaTop" r="textAreaRight" b="textAreaBottom"/>
@@ -8421,22 +9214,295 @@
                   <a:spcPct val="100000"/>
                 </a:lnSpc>
               </a:pPr>
-              <a:endParaRPr b="0" lang="en-US" sz="1800" strike="noStrike" u="none">
+              <a:endParaRPr b="0" lang="en-US" sz="1800" spc="-1" strike="noStrike">
                 <a:solidFill>
                   <a:srgbClr val="ffffff"/>
                 </a:solidFill>
-                <a:uFillTx/>
                 <a:latin typeface="Arial"/>
               </a:endParaRPr>
             </a:p>
           </p:txBody>
         </p:sp>
       </p:grpSp>
+      <p:sp>
+        <p:nvSpPr>
+          <p:cNvPr id="108" name="PlaceHolder 1"/>
+          <p:cNvSpPr>
+            <a:spLocks noGrp="1"/>
+          </p:cNvSpPr>
+          <p:nvPr>
+            <p:ph type="title"/>
+          </p:nvPr>
+        </p:nvSpPr>
+        <p:spPr>
+          <a:xfrm>
+            <a:off x="457200" y="205200"/>
+            <a:ext cx="8229240" cy="858600"/>
+          </a:xfrm>
+          <a:prstGeom prst="rect">
+            <a:avLst/>
+          </a:prstGeom>
+          <a:noFill/>
+          <a:ln w="0">
+            <a:noFill/>
+          </a:ln>
+        </p:spPr>
+        <p:txBody>
+          <a:bodyPr lIns="0" rIns="0" tIns="0" bIns="0" anchor="ctr">
+            <a:noAutofit/>
+          </a:bodyPr>
+          <a:p>
+            <a:pPr indent="0" algn="ctr">
+              <a:buNone/>
+            </a:pPr>
+            <a:r>
+              <a:rPr b="0" lang="en-US" sz="4400" spc="-1" strike="noStrike">
+                <a:solidFill>
+                  <a:srgbClr val="000000"/>
+                </a:solidFill>
+                <a:latin typeface="Arial"/>
+              </a:rPr>
+              <a:t>Click to edit the title text format</a:t>
+            </a:r>
+            <a:endParaRPr b="0" lang="en-US" sz="4400" spc="-1" strike="noStrike">
+              <a:solidFill>
+                <a:srgbClr val="000000"/>
+              </a:solidFill>
+              <a:latin typeface="Arial"/>
+            </a:endParaRPr>
+          </a:p>
+        </p:txBody>
+      </p:sp>
+      <p:sp>
+        <p:nvSpPr>
+          <p:cNvPr id="109" name="PlaceHolder 2"/>
+          <p:cNvSpPr>
+            <a:spLocks noGrp="1"/>
+          </p:cNvSpPr>
+          <p:nvPr>
+            <p:ph type="body"/>
+          </p:nvPr>
+        </p:nvSpPr>
+        <p:spPr>
+          <a:xfrm>
+            <a:off x="457200" y="1203480"/>
+            <a:ext cx="8229240" cy="2982960"/>
+          </a:xfrm>
+          <a:prstGeom prst="rect">
+            <a:avLst/>
+          </a:prstGeom>
+          <a:noFill/>
+          <a:ln w="0">
+            <a:noFill/>
+          </a:ln>
+        </p:spPr>
+        <p:txBody>
+          <a:bodyPr lIns="0" rIns="0" tIns="0" bIns="0" anchor="t">
+            <a:normAutofit/>
+          </a:bodyPr>
+          <a:p>
+            <a:pPr marL="432000" indent="-324000">
+              <a:spcBef>
+                <a:spcPts val="1417"/>
+              </a:spcBef>
+              <a:buClr>
+                <a:srgbClr val="000000"/>
+              </a:buClr>
+              <a:buSzPct val="45000"/>
+              <a:buFont typeface="Wingdings" charset="2"/>
+              <a:buChar char=""/>
+            </a:pPr>
+            <a:r>
+              <a:rPr b="0" lang="en-US" sz="3200" spc="-1" strike="noStrike">
+                <a:solidFill>
+                  <a:srgbClr val="000000"/>
+                </a:solidFill>
+                <a:latin typeface="Arial"/>
+              </a:rPr>
+              <a:t>Click to edit the outline text format</a:t>
+            </a:r>
+            <a:endParaRPr b="0" lang="en-US" sz="3200" spc="-1" strike="noStrike">
+              <a:solidFill>
+                <a:srgbClr val="000000"/>
+              </a:solidFill>
+              <a:latin typeface="Arial"/>
+            </a:endParaRPr>
+          </a:p>
+          <a:p>
+            <a:pPr lvl="1" marL="864000" indent="-324000">
+              <a:spcBef>
+                <a:spcPts val="1134"/>
+              </a:spcBef>
+              <a:buClr>
+                <a:srgbClr val="000000"/>
+              </a:buClr>
+              <a:buSzPct val="75000"/>
+              <a:buFont typeface="Symbol" charset="2"/>
+              <a:buChar char=""/>
+            </a:pPr>
+            <a:r>
+              <a:rPr b="0" lang="en-US" sz="2800" spc="-1" strike="noStrike">
+                <a:solidFill>
+                  <a:srgbClr val="000000"/>
+                </a:solidFill>
+                <a:latin typeface="Arial"/>
+              </a:rPr>
+              <a:t>Second Outline Level</a:t>
+            </a:r>
+            <a:endParaRPr b="0" lang="en-US" sz="2800" spc="-1" strike="noStrike">
+              <a:solidFill>
+                <a:srgbClr val="000000"/>
+              </a:solidFill>
+              <a:latin typeface="Arial"/>
+            </a:endParaRPr>
+          </a:p>
+          <a:p>
+            <a:pPr lvl="2" marL="1296000" indent="-288000">
+              <a:spcBef>
+                <a:spcPts val="850"/>
+              </a:spcBef>
+              <a:buClr>
+                <a:srgbClr val="000000"/>
+              </a:buClr>
+              <a:buSzPct val="45000"/>
+              <a:buFont typeface="Wingdings" charset="2"/>
+              <a:buChar char=""/>
+            </a:pPr>
+            <a:r>
+              <a:rPr b="0" lang="en-US" sz="2400" spc="-1" strike="noStrike">
+                <a:solidFill>
+                  <a:srgbClr val="000000"/>
+                </a:solidFill>
+                <a:latin typeface="Arial"/>
+              </a:rPr>
+              <a:t>Third Outline Level</a:t>
+            </a:r>
+            <a:endParaRPr b="0" lang="en-US" sz="2400" spc="-1" strike="noStrike">
+              <a:solidFill>
+                <a:srgbClr val="000000"/>
+              </a:solidFill>
+              <a:latin typeface="Arial"/>
+            </a:endParaRPr>
+          </a:p>
+          <a:p>
+            <a:pPr lvl="3" marL="1728000" indent="-216000">
+              <a:spcBef>
+                <a:spcPts val="567"/>
+              </a:spcBef>
+              <a:buClr>
+                <a:srgbClr val="000000"/>
+              </a:buClr>
+              <a:buSzPct val="75000"/>
+              <a:buFont typeface="Symbol" charset="2"/>
+              <a:buChar char=""/>
+            </a:pPr>
+            <a:r>
+              <a:rPr b="0" lang="en-US" sz="2000" spc="-1" strike="noStrike">
+                <a:solidFill>
+                  <a:srgbClr val="000000"/>
+                </a:solidFill>
+                <a:latin typeface="Arial"/>
+              </a:rPr>
+              <a:t>Fourth Outline Level</a:t>
+            </a:r>
+            <a:endParaRPr b="0" lang="en-US" sz="2000" spc="-1" strike="noStrike">
+              <a:solidFill>
+                <a:srgbClr val="000000"/>
+              </a:solidFill>
+              <a:latin typeface="Arial"/>
+            </a:endParaRPr>
+          </a:p>
+          <a:p>
+            <a:pPr lvl="4" marL="2160000" indent="-216000">
+              <a:spcBef>
+                <a:spcPts val="283"/>
+              </a:spcBef>
+              <a:buClr>
+                <a:srgbClr val="000000"/>
+              </a:buClr>
+              <a:buSzPct val="45000"/>
+              <a:buFont typeface="Wingdings" charset="2"/>
+              <a:buChar char=""/>
+            </a:pPr>
+            <a:r>
+              <a:rPr b="0" lang="en-US" sz="2000" spc="-1" strike="noStrike">
+                <a:solidFill>
+                  <a:srgbClr val="000000"/>
+                </a:solidFill>
+                <a:latin typeface="Arial"/>
+              </a:rPr>
+              <a:t>Fifth Outline Level</a:t>
+            </a:r>
+            <a:endParaRPr b="0" lang="en-US" sz="2000" spc="-1" strike="noStrike">
+              <a:solidFill>
+                <a:srgbClr val="000000"/>
+              </a:solidFill>
+              <a:latin typeface="Arial"/>
+            </a:endParaRPr>
+          </a:p>
+          <a:p>
+            <a:pPr lvl="5" marL="2592000" indent="-216000">
+              <a:spcBef>
+                <a:spcPts val="283"/>
+              </a:spcBef>
+              <a:buClr>
+                <a:srgbClr val="000000"/>
+              </a:buClr>
+              <a:buSzPct val="45000"/>
+              <a:buFont typeface="Wingdings" charset="2"/>
+              <a:buChar char=""/>
+            </a:pPr>
+            <a:r>
+              <a:rPr b="0" lang="en-US" sz="2000" spc="-1" strike="noStrike">
+                <a:solidFill>
+                  <a:srgbClr val="000000"/>
+                </a:solidFill>
+                <a:latin typeface="Arial"/>
+              </a:rPr>
+              <a:t>Sixth Outline Level</a:t>
+            </a:r>
+            <a:endParaRPr b="0" lang="en-US" sz="2000" spc="-1" strike="noStrike">
+              <a:solidFill>
+                <a:srgbClr val="000000"/>
+              </a:solidFill>
+              <a:latin typeface="Arial"/>
+            </a:endParaRPr>
+          </a:p>
+          <a:p>
+            <a:pPr lvl="6" marL="3024000" indent="-216000">
+              <a:spcBef>
+                <a:spcPts val="283"/>
+              </a:spcBef>
+              <a:buClr>
+                <a:srgbClr val="000000"/>
+              </a:buClr>
+              <a:buSzPct val="45000"/>
+              <a:buFont typeface="Wingdings" charset="2"/>
+              <a:buChar char=""/>
+            </a:pPr>
+            <a:r>
+              <a:rPr b="0" lang="en-US" sz="2000" spc="-1" strike="noStrike">
+                <a:solidFill>
+                  <a:srgbClr val="000000"/>
+                </a:solidFill>
+                <a:latin typeface="Arial"/>
+              </a:rPr>
+              <a:t>Seventh Outline Level</a:t>
+            </a:r>
+            <a:endParaRPr b="0" lang="en-US" sz="2000" spc="-1" strike="noStrike">
+              <a:solidFill>
+                <a:srgbClr val="000000"/>
+              </a:solidFill>
+              <a:latin typeface="Arial"/>
+            </a:endParaRPr>
+          </a:p>
+        </p:txBody>
+      </p:sp>
     </p:spTree>
   </p:cSld>
-  <p:clrMap bg1="lt1" tx1="dk1" bg2="lt2" tx2="dk2" accent1="accent1" accent2="accent2" accent3="accent3" accent4="accent4" accent5="accent5" accent6="accent6" hlink="hlink" folHlink="folHlink"/>
+  <p:clrMap bg1="lt1" bg2="lt2" tx1="dk1" tx2="dk2" accent1="accent1" accent2="accent2" accent3="accent3" accent4="accent4" accent5="accent5" accent6="accent6" hlink="hlink" folHlink="folHlink"/>
   <p:sldLayoutIdLst>
-    <p:sldLayoutId id="2147483665" r:id="rId3"/>
+    <p:sldLayoutId id="2147483663" r:id="rId3"/>
   </p:sldLayoutIdLst>
 </p:sldMaster>
 </file>
@@ -8467,14 +9533,14 @@
       </p:grpSpPr>
       <p:sp>
         <p:nvSpPr>
-          <p:cNvPr id="111" name="Textfeld 15"/>
+          <p:cNvPr id="110" name="Textfeld 15"/>
           <p:cNvSpPr/>
           <p:nvPr/>
         </p:nvSpPr>
         <p:spPr>
           <a:xfrm>
             <a:off x="8711280" y="4803840"/>
-            <a:ext cx="107280" cy="307800"/>
+            <a:ext cx="106920" cy="307440"/>
           </a:xfrm>
           <a:prstGeom prst="rect">
             <a:avLst/>
@@ -8501,28 +9567,26 @@
               </a:lnSpc>
             </a:pPr>
             <a:r>
-              <a:rPr b="0" lang="de-CH" sz="800" strike="noStrike" u="none">
+              <a:rPr b="0" lang="de-CH" sz="800" spc="-1" strike="noStrike">
                 <a:solidFill>
                   <a:schemeClr val="lt1"/>
                 </a:solidFill>
-                <a:uFillTx/>
                 <a:latin typeface="Calibri"/>
               </a:rPr>
               <a:t>|</a:t>
             </a:r>
-            <a:endParaRPr b="0" lang="en-US" sz="800" strike="noStrike" u="none">
+            <a:endParaRPr b="0" lang="en-US" sz="800" spc="-1" strike="noStrike">
               <a:solidFill>
                 <a:srgbClr val="000000"/>
               </a:solidFill>
-              <a:uFillTx/>
-              <a:latin typeface="DejaVu Sans"/>
+              <a:latin typeface="Arial"/>
             </a:endParaRPr>
           </a:p>
         </p:txBody>
       </p:sp>
       <p:pic>
         <p:nvPicPr>
-          <p:cNvPr id="112" name="Εικόνα 2" descr=""/>
+          <p:cNvPr id="111" name="Εικόνα 2" descr=""/>
           <p:cNvPicPr/>
           <p:nvPr/>
         </p:nvPicPr>
@@ -8533,20 +9597,559 @@
         <p:spPr>
           <a:xfrm>
             <a:off x="7932960" y="0"/>
-            <a:ext cx="1201680" cy="1201680"/>
+            <a:ext cx="1201320" cy="1201320"/>
           </a:xfrm>
           <a:prstGeom prst="rect">
             <a:avLst/>
           </a:prstGeom>
-          <a:noFill/>
           <a:ln w="0">
             <a:noFill/>
           </a:ln>
         </p:spPr>
       </p:pic>
+      <p:grpSp>
+        <p:nvGrpSpPr>
+          <p:cNvPr id="112" name="Shape 52"/>
+          <p:cNvGrpSpPr/>
+          <p:nvPr/>
+        </p:nvGrpSpPr>
+        <p:grpSpPr>
+          <a:xfrm>
+            <a:off x="6172560" y="2656080"/>
+            <a:ext cx="2969280" cy="2884680"/>
+            <a:chOff x="6172560" y="2656080"/>
+            <a:chExt cx="2969280" cy="2884680"/>
+          </a:xfrm>
+        </p:grpSpPr>
+        <p:sp>
+          <p:nvSpPr>
+            <p:cNvPr id="113" name="Shape 53"/>
+            <p:cNvSpPr/>
+            <p:nvPr/>
+          </p:nvSpPr>
+          <p:spPr>
+            <a:xfrm flipH="1" rot="9208200">
+              <a:off x="6703200" y="4112280"/>
+              <a:ext cx="482040" cy="1201680"/>
+            </a:xfrm>
+            <a:prstGeom prst="flowChartManualInput">
+              <a:avLst/>
+            </a:prstGeom>
+            <a:solidFill>
+              <a:srgbClr val="4bb5d9"/>
+            </a:solidFill>
+            <a:ln w="0">
+              <a:noFill/>
+            </a:ln>
+          </p:spPr>
+          <p:style>
+            <a:lnRef idx="0"/>
+            <a:fillRef idx="0"/>
+            <a:effectRef idx="0"/>
+            <a:fontRef idx="minor"/>
+          </p:style>
+          <p:txBody>
+            <a:bodyPr lIns="90000" rIns="90000" tIns="91440" bIns="91440" anchor="ctr">
+              <a:noAutofit/>
+            </a:bodyPr>
+            <a:p>
+              <a:pPr defTabSz="914400">
+                <a:lnSpc>
+                  <a:spcPct val="100000"/>
+                </a:lnSpc>
+              </a:pPr>
+              <a:endParaRPr b="0" lang="en-US" sz="1800" spc="-1" strike="noStrike">
+                <a:solidFill>
+                  <a:schemeClr val="dk1"/>
+                </a:solidFill>
+                <a:latin typeface="Calibri"/>
+              </a:endParaRPr>
+            </a:p>
+          </p:txBody>
+        </p:sp>
+        <p:sp>
+          <p:nvSpPr>
+            <p:cNvPr id="114" name="Shape 54"/>
+            <p:cNvSpPr/>
+            <p:nvPr/>
+          </p:nvSpPr>
+          <p:spPr>
+            <a:xfrm flipH="1" rot="9208200">
+              <a:off x="7800120" y="3279240"/>
+              <a:ext cx="876960" cy="2180160"/>
+            </a:xfrm>
+            <a:prstGeom prst="flowChartManualInput">
+              <a:avLst/>
+            </a:prstGeom>
+            <a:solidFill>
+              <a:srgbClr val="81d1ec"/>
+            </a:solidFill>
+            <a:ln w="0">
+              <a:noFill/>
+            </a:ln>
+          </p:spPr>
+          <p:style>
+            <a:lnRef idx="0"/>
+            <a:fillRef idx="0"/>
+            <a:effectRef idx="0"/>
+            <a:fontRef idx="minor"/>
+          </p:style>
+          <p:txBody>
+            <a:bodyPr lIns="90000" rIns="90000" tIns="91440" bIns="91440" anchor="ctr">
+              <a:noAutofit/>
+            </a:bodyPr>
+            <a:p>
+              <a:pPr defTabSz="914400">
+                <a:lnSpc>
+                  <a:spcPct val="100000"/>
+                </a:lnSpc>
+              </a:pPr>
+              <a:endParaRPr b="0" lang="en-US" sz="1800" spc="-1" strike="noStrike">
+                <a:solidFill>
+                  <a:schemeClr val="dk1"/>
+                </a:solidFill>
+                <a:latin typeface="Calibri"/>
+              </a:endParaRPr>
+            </a:p>
+          </p:txBody>
+        </p:sp>
+        <p:sp>
+          <p:nvSpPr>
+            <p:cNvPr id="115" name="Shape 55"/>
+            <p:cNvSpPr/>
+            <p:nvPr/>
+          </p:nvSpPr>
+          <p:spPr>
+            <a:xfrm flipH="1" rot="9208200">
+              <a:off x="7476840" y="4278240"/>
+              <a:ext cx="408600" cy="1013760"/>
+            </a:xfrm>
+            <a:prstGeom prst="flowChartManualInput">
+              <a:avLst/>
+            </a:prstGeom>
+            <a:solidFill>
+              <a:srgbClr val="ff9900"/>
+            </a:solidFill>
+            <a:ln w="0">
+              <a:noFill/>
+            </a:ln>
+          </p:spPr>
+          <p:style>
+            <a:lnRef idx="0"/>
+            <a:fillRef idx="0"/>
+            <a:effectRef idx="0"/>
+            <a:fontRef idx="minor"/>
+          </p:style>
+          <p:txBody>
+            <a:bodyPr lIns="90000" rIns="90000" tIns="91440" bIns="91440" anchor="ctr">
+              <a:noAutofit/>
+            </a:bodyPr>
+            <a:p>
+              <a:pPr defTabSz="914400">
+                <a:lnSpc>
+                  <a:spcPct val="100000"/>
+                </a:lnSpc>
+              </a:pPr>
+              <a:endParaRPr b="0" lang="en-US" sz="1800" spc="-1" strike="noStrike">
+                <a:solidFill>
+                  <a:schemeClr val="dk1"/>
+                </a:solidFill>
+                <a:latin typeface="Calibri"/>
+              </a:endParaRPr>
+            </a:p>
+          </p:txBody>
+        </p:sp>
+        <p:sp>
+          <p:nvSpPr>
+            <p:cNvPr id="116" name="Shape 56"/>
+            <p:cNvSpPr/>
+            <p:nvPr/>
+          </p:nvSpPr>
+          <p:spPr>
+            <a:xfrm flipH="1" rot="9208200">
+              <a:off x="6287400" y="4659120"/>
+              <a:ext cx="227160" cy="568800"/>
+            </a:xfrm>
+            <a:prstGeom prst="flowChartManualInput">
+              <a:avLst/>
+            </a:prstGeom>
+            <a:solidFill>
+              <a:srgbClr val="3796bf"/>
+            </a:solidFill>
+            <a:ln w="0">
+              <a:noFill/>
+            </a:ln>
+          </p:spPr>
+          <p:style>
+            <a:lnRef idx="0"/>
+            <a:fillRef idx="0"/>
+            <a:effectRef idx="0"/>
+            <a:fontRef idx="minor"/>
+          </p:style>
+          <p:txBody>
+            <a:bodyPr lIns="90000" rIns="90000" tIns="91440" bIns="91440" anchor="ctr">
+              <a:noAutofit/>
+            </a:bodyPr>
+            <a:p>
+              <a:pPr defTabSz="914400">
+                <a:lnSpc>
+                  <a:spcPct val="100000"/>
+                </a:lnSpc>
+              </a:pPr>
+              <a:endParaRPr b="0" lang="en-US" sz="1800" spc="-1" strike="noStrike">
+                <a:solidFill>
+                  <a:schemeClr val="dk1"/>
+                </a:solidFill>
+                <a:latin typeface="Calibri"/>
+              </a:endParaRPr>
+            </a:p>
+          </p:txBody>
+        </p:sp>
+        <p:sp>
+          <p:nvSpPr>
+            <p:cNvPr id="117" name="Shape 57"/>
+            <p:cNvSpPr/>
+            <p:nvPr/>
+          </p:nvSpPr>
+          <p:spPr>
+            <a:xfrm>
+              <a:off x="8289360" y="2656080"/>
+              <a:ext cx="852480" cy="1927080"/>
+            </a:xfrm>
+            <a:custGeom>
+              <a:avLst/>
+              <a:gdLst>
+                <a:gd name="textAreaLeft" fmla="*/ 0 w 852480"/>
+                <a:gd name="textAreaRight" fmla="*/ 854280 w 852480"/>
+                <a:gd name="textAreaTop" fmla="*/ 0 h 1927080"/>
+                <a:gd name="textAreaBottom" fmla="*/ 1928880 h 1927080"/>
+              </a:gdLst>
+              <a:ahLst/>
+              <a:rect l="textAreaLeft" t="textAreaTop" r="textAreaRight" b="textAreaBottom"/>
+              <a:pathLst>
+                <a:path w="37596" h="84860">
+                  <a:moveTo>
+                    <a:pt x="19066" y="0"/>
+                  </a:moveTo>
+                  <a:lnTo>
+                    <a:pt x="0" y="9130"/>
+                  </a:lnTo>
+                  <a:lnTo>
+                    <a:pt x="37596" y="84860"/>
+                  </a:lnTo>
+                  <a:lnTo>
+                    <a:pt x="37596" y="37328"/>
+                  </a:lnTo>
+                  <a:close/>
+                </a:path>
+              </a:pathLst>
+            </a:custGeom>
+            <a:solidFill>
+              <a:srgbClr val="3796bf"/>
+            </a:solidFill>
+            <a:ln w="0">
+              <a:noFill/>
+            </a:ln>
+          </p:spPr>
+          <p:style>
+            <a:lnRef idx="0"/>
+            <a:fillRef idx="0"/>
+            <a:effectRef idx="0"/>
+            <a:fontRef idx="minor"/>
+          </p:style>
+          <p:txBody>
+            <a:bodyPr lIns="90000" rIns="90000" tIns="45000" bIns="45000" anchor="t">
+              <a:noAutofit/>
+            </a:bodyPr>
+            <a:p>
+              <a:pPr>
+                <a:lnSpc>
+                  <a:spcPct val="100000"/>
+                </a:lnSpc>
+              </a:pPr>
+              <a:endParaRPr b="0" lang="en-US" sz="1800" spc="-1" strike="noStrike">
+                <a:solidFill>
+                  <a:srgbClr val="ffffff"/>
+                </a:solidFill>
+                <a:latin typeface="Arial"/>
+              </a:endParaRPr>
+            </a:p>
+          </p:txBody>
+        </p:sp>
+      </p:grpSp>
+      <p:grpSp>
+        <p:nvGrpSpPr>
+          <p:cNvPr id="118" name="Shape 58"/>
+          <p:cNvGrpSpPr/>
+          <p:nvPr/>
+        </p:nvGrpSpPr>
+        <p:grpSpPr>
+          <a:xfrm>
+            <a:off x="2160" y="-227160"/>
+            <a:ext cx="2156400" cy="1344600"/>
+            <a:chOff x="2160" y="-227160"/>
+            <a:chExt cx="2156400" cy="1344600"/>
+          </a:xfrm>
+        </p:grpSpPr>
+        <p:sp>
+          <p:nvSpPr>
+            <p:cNvPr id="119" name="Shape 59"/>
+            <p:cNvSpPr/>
+            <p:nvPr/>
+          </p:nvSpPr>
+          <p:spPr>
+            <a:xfrm flipH="1" rot="20008800">
+              <a:off x="1359360" y="-74520"/>
+              <a:ext cx="203040" cy="507600"/>
+            </a:xfrm>
+            <a:prstGeom prst="flowChartManualInput">
+              <a:avLst/>
+            </a:prstGeom>
+            <a:solidFill>
+              <a:srgbClr val="3796bf"/>
+            </a:solidFill>
+            <a:ln w="0">
+              <a:noFill/>
+            </a:ln>
+          </p:spPr>
+          <p:style>
+            <a:lnRef idx="0"/>
+            <a:fillRef idx="0"/>
+            <a:effectRef idx="0"/>
+            <a:fontRef idx="minor"/>
+          </p:style>
+          <p:txBody>
+            <a:bodyPr lIns="90000" rIns="90000" tIns="91440" bIns="91440" anchor="ctr">
+              <a:noAutofit/>
+            </a:bodyPr>
+            <a:p>
+              <a:pPr defTabSz="914400">
+                <a:lnSpc>
+                  <a:spcPct val="100000"/>
+                </a:lnSpc>
+              </a:pPr>
+              <a:endParaRPr b="0" lang="en-US" sz="1800" spc="-1" strike="noStrike">
+                <a:solidFill>
+                  <a:schemeClr val="dk1"/>
+                </a:solidFill>
+                <a:latin typeface="Calibri"/>
+              </a:endParaRPr>
+            </a:p>
+          </p:txBody>
+        </p:sp>
+        <p:sp>
+          <p:nvSpPr>
+            <p:cNvPr id="120" name="Shape 60"/>
+            <p:cNvSpPr/>
+            <p:nvPr/>
+          </p:nvSpPr>
+          <p:spPr>
+            <a:xfrm flipH="1" rot="20008800">
+              <a:off x="236880" y="-163440"/>
+              <a:ext cx="433080" cy="1078920"/>
+            </a:xfrm>
+            <a:prstGeom prst="flowChartManualInput">
+              <a:avLst/>
+            </a:prstGeom>
+            <a:solidFill>
+              <a:srgbClr val="ff9900"/>
+            </a:solidFill>
+            <a:ln w="0">
+              <a:noFill/>
+            </a:ln>
+          </p:spPr>
+          <p:style>
+            <a:lnRef idx="0"/>
+            <a:fillRef idx="0"/>
+            <a:effectRef idx="0"/>
+            <a:fontRef idx="minor"/>
+          </p:style>
+          <p:txBody>
+            <a:bodyPr lIns="90000" rIns="90000" tIns="91440" bIns="91440" anchor="ctr">
+              <a:noAutofit/>
+            </a:bodyPr>
+            <a:p>
+              <a:pPr defTabSz="914400">
+                <a:lnSpc>
+                  <a:spcPct val="100000"/>
+                </a:lnSpc>
+              </a:pPr>
+              <a:endParaRPr b="0" lang="en-US" sz="1800" spc="-1" strike="noStrike">
+                <a:solidFill>
+                  <a:schemeClr val="dk1"/>
+                </a:solidFill>
+                <a:latin typeface="Calibri"/>
+              </a:endParaRPr>
+            </a:p>
+          </p:txBody>
+        </p:sp>
+        <p:sp>
+          <p:nvSpPr>
+            <p:cNvPr id="121" name="Shape 61"/>
+            <p:cNvSpPr/>
+            <p:nvPr/>
+          </p:nvSpPr>
+          <p:spPr>
+            <a:xfrm flipH="1" rot="20008800">
+              <a:off x="889920" y="-180720"/>
+              <a:ext cx="502200" cy="1252080"/>
+            </a:xfrm>
+            <a:prstGeom prst="flowChartManualInput">
+              <a:avLst/>
+            </a:prstGeom>
+            <a:solidFill>
+              <a:srgbClr val="81d1ec"/>
+            </a:solidFill>
+            <a:ln w="0">
+              <a:noFill/>
+            </a:ln>
+          </p:spPr>
+          <p:style>
+            <a:lnRef idx="0"/>
+            <a:fillRef idx="0"/>
+            <a:effectRef idx="0"/>
+            <a:fontRef idx="minor"/>
+          </p:style>
+          <p:txBody>
+            <a:bodyPr lIns="90000" rIns="90000" tIns="91440" bIns="91440" anchor="ctr">
+              <a:noAutofit/>
+            </a:bodyPr>
+            <a:p>
+              <a:pPr defTabSz="914400">
+                <a:lnSpc>
+                  <a:spcPct val="100000"/>
+                </a:lnSpc>
+              </a:pPr>
+              <a:endParaRPr b="0" lang="en-US" sz="1800" spc="-1" strike="noStrike">
+                <a:solidFill>
+                  <a:schemeClr val="dk1"/>
+                </a:solidFill>
+                <a:latin typeface="Calibri"/>
+              </a:endParaRPr>
+            </a:p>
+          </p:txBody>
+        </p:sp>
+        <p:sp>
+          <p:nvSpPr>
+            <p:cNvPr id="122" name="Shape 62"/>
+            <p:cNvSpPr/>
+            <p:nvPr/>
+          </p:nvSpPr>
+          <p:spPr>
+            <a:xfrm flipH="1" rot="20008800">
+              <a:off x="1815480" y="-87480"/>
+              <a:ext cx="227520" cy="569160"/>
+            </a:xfrm>
+            <a:prstGeom prst="flowChartManualInput">
+              <a:avLst/>
+            </a:prstGeom>
+            <a:solidFill>
+              <a:srgbClr val="4bb5d9"/>
+            </a:solidFill>
+            <a:ln w="0">
+              <a:noFill/>
+            </a:ln>
+          </p:spPr>
+          <p:style>
+            <a:lnRef idx="0"/>
+            <a:fillRef idx="0"/>
+            <a:effectRef idx="0"/>
+            <a:fontRef idx="minor"/>
+          </p:style>
+          <p:txBody>
+            <a:bodyPr lIns="90000" rIns="90000" tIns="91440" bIns="91440" anchor="ctr">
+              <a:noAutofit/>
+            </a:bodyPr>
+            <a:p>
+              <a:pPr defTabSz="914400">
+                <a:lnSpc>
+                  <a:spcPct val="100000"/>
+                </a:lnSpc>
+              </a:pPr>
+              <a:endParaRPr b="0" lang="en-US" sz="1800" spc="-1" strike="noStrike">
+                <a:solidFill>
+                  <a:schemeClr val="dk1"/>
+                </a:solidFill>
+                <a:latin typeface="Calibri"/>
+              </a:endParaRPr>
+            </a:p>
+          </p:txBody>
+        </p:sp>
+        <p:sp>
+          <p:nvSpPr>
+            <p:cNvPr id="123" name="Shape 63"/>
+            <p:cNvSpPr/>
+            <p:nvPr/>
+          </p:nvSpPr>
+          <p:spPr>
+            <a:xfrm rot="10800000">
+              <a:off x="2160" y="60840"/>
+              <a:ext cx="378000" cy="856080"/>
+            </a:xfrm>
+            <a:custGeom>
+              <a:avLst/>
+              <a:gdLst>
+                <a:gd name="textAreaLeft" fmla="*/ 0 w 378000"/>
+                <a:gd name="textAreaRight" fmla="*/ 379800 w 378000"/>
+                <a:gd name="textAreaTop" fmla="*/ 0 h 856080"/>
+                <a:gd name="textAreaBottom" fmla="*/ 857880 h 856080"/>
+              </a:gdLst>
+              <a:ahLst/>
+              <a:rect l="textAreaLeft" t="textAreaTop" r="textAreaRight" b="textAreaBottom"/>
+              <a:pathLst>
+                <a:path w="37596" h="84860">
+                  <a:moveTo>
+                    <a:pt x="19066" y="0"/>
+                  </a:moveTo>
+                  <a:lnTo>
+                    <a:pt x="0" y="9130"/>
+                  </a:lnTo>
+                  <a:lnTo>
+                    <a:pt x="37596" y="84860"/>
+                  </a:lnTo>
+                  <a:lnTo>
+                    <a:pt x="37596" y="37328"/>
+                  </a:lnTo>
+                  <a:close/>
+                </a:path>
+              </a:pathLst>
+            </a:custGeom>
+            <a:solidFill>
+              <a:srgbClr val="4bb5d9"/>
+            </a:solidFill>
+            <a:ln w="0">
+              <a:noFill/>
+            </a:ln>
+          </p:spPr>
+          <p:style>
+            <a:lnRef idx="0"/>
+            <a:fillRef idx="0"/>
+            <a:effectRef idx="0"/>
+            <a:fontRef idx="minor"/>
+          </p:style>
+          <p:txBody>
+            <a:bodyPr lIns="90000" rIns="90000" tIns="45000" bIns="45000" anchor="t">
+              <a:noAutofit/>
+            </a:bodyPr>
+            <a:p>
+              <a:pPr>
+                <a:lnSpc>
+                  <a:spcPct val="100000"/>
+                </a:lnSpc>
+              </a:pPr>
+              <a:endParaRPr b="0" lang="en-US" sz="1800" spc="-1" strike="noStrike">
+                <a:solidFill>
+                  <a:srgbClr val="ffffff"/>
+                </a:solidFill>
+                <a:latin typeface="Arial"/>
+              </a:endParaRPr>
+            </a:p>
+          </p:txBody>
+        </p:sp>
+      </p:grpSp>
       <p:sp>
         <p:nvSpPr>
-          <p:cNvPr id="113" name="PlaceHolder 1"/>
+          <p:cNvPr id="124" name="PlaceHolder 1"/>
           <p:cNvSpPr>
             <a:spLocks noGrp="1"/>
           </p:cNvSpPr>
@@ -8576,28 +10179,26 @@
               <a:buNone/>
             </a:pPr>
             <a:r>
-              <a:rPr b="0" lang="en-US" sz="1800" strike="noStrike" u="none">
+              <a:rPr b="0" lang="en-US" sz="1800" spc="-1" strike="noStrike">
                 <a:solidFill>
                   <a:srgbClr val="000000"/>
                 </a:solidFill>
-                <a:uFillTx/>
-                <a:latin typeface="DejaVu Sans"/>
+                <a:latin typeface="Arial"/>
               </a:rPr>
               <a:t>Click to edit the title text format</a:t>
             </a:r>
-            <a:endParaRPr b="0" lang="en-US" sz="1800" strike="noStrike" u="none">
+            <a:endParaRPr b="0" lang="en-US" sz="1800" spc="-1" strike="noStrike">
               <a:solidFill>
                 <a:srgbClr val="000000"/>
               </a:solidFill>
-              <a:uFillTx/>
-              <a:latin typeface="DejaVu Sans"/>
+              <a:latin typeface="Arial"/>
             </a:endParaRPr>
           </a:p>
         </p:txBody>
       </p:sp>
       <p:sp>
         <p:nvSpPr>
-          <p:cNvPr id="114" name="PlaceHolder 2"/>
+          <p:cNvPr id="125" name="PlaceHolder 2"/>
           <p:cNvSpPr>
             <a:spLocks noGrp="1"/>
           </p:cNvSpPr>
@@ -8635,21 +10236,19 @@
               <a:buChar char=""/>
             </a:pPr>
             <a:r>
-              <a:rPr b="0" lang="en-US" sz="1800" strike="noStrike" u="none">
+              <a:rPr b="0" lang="en-US" sz="1800" spc="-1" strike="noStrike">
                 <a:solidFill>
                   <a:srgbClr val="000000"/>
                 </a:solidFill>
-                <a:uFillTx/>
-                <a:latin typeface="DejaVu Sans"/>
+                <a:latin typeface="Arial"/>
               </a:rPr>
               <a:t>Click to edit the outline text format</a:t>
             </a:r>
-            <a:endParaRPr b="0" lang="en-US" sz="1800" strike="noStrike" u="none">
+            <a:endParaRPr b="0" lang="en-US" sz="1800" spc="-1" strike="noStrike">
               <a:solidFill>
                 <a:srgbClr val="000000"/>
               </a:solidFill>
-              <a:uFillTx/>
-              <a:latin typeface="DejaVu Sans"/>
+              <a:latin typeface="Arial"/>
             </a:endParaRPr>
           </a:p>
           <a:p>
@@ -8665,21 +10264,19 @@
               <a:buChar char=""/>
             </a:pPr>
             <a:r>
-              <a:rPr b="0" lang="en-US" sz="1800" strike="noStrike" u="none">
+              <a:rPr b="0" lang="en-US" sz="1800" spc="-1" strike="noStrike">
                 <a:solidFill>
                   <a:srgbClr val="000000"/>
                 </a:solidFill>
-                <a:uFillTx/>
-                <a:latin typeface="DejaVu Sans"/>
+                <a:latin typeface="Arial"/>
               </a:rPr>
               <a:t>Second Outline Level</a:t>
             </a:r>
-            <a:endParaRPr b="0" lang="en-US" sz="1800" strike="noStrike" u="none">
+            <a:endParaRPr b="0" lang="en-US" sz="1800" spc="-1" strike="noStrike">
               <a:solidFill>
                 <a:srgbClr val="000000"/>
               </a:solidFill>
-              <a:uFillTx/>
-              <a:latin typeface="DejaVu Sans"/>
+              <a:latin typeface="Arial"/>
             </a:endParaRPr>
           </a:p>
           <a:p>
@@ -8695,21 +10292,19 @@
               <a:buChar char=""/>
             </a:pPr>
             <a:r>
-              <a:rPr b="0" lang="en-US" sz="1800" strike="noStrike" u="none">
+              <a:rPr b="0" lang="en-US" sz="1800" spc="-1" strike="noStrike">
                 <a:solidFill>
                   <a:srgbClr val="000000"/>
                 </a:solidFill>
-                <a:uFillTx/>
-                <a:latin typeface="DejaVu Sans"/>
+                <a:latin typeface="Arial"/>
               </a:rPr>
               <a:t>Third Outline Level</a:t>
             </a:r>
-            <a:endParaRPr b="0" lang="en-US" sz="1800" strike="noStrike" u="none">
+            <a:endParaRPr b="0" lang="en-US" sz="1800" spc="-1" strike="noStrike">
               <a:solidFill>
                 <a:srgbClr val="000000"/>
               </a:solidFill>
-              <a:uFillTx/>
-              <a:latin typeface="DejaVu Sans"/>
+              <a:latin typeface="Arial"/>
             </a:endParaRPr>
           </a:p>
           <a:p>
@@ -8725,21 +10320,19 @@
               <a:buChar char=""/>
             </a:pPr>
             <a:r>
-              <a:rPr b="0" lang="en-US" sz="1800" strike="noStrike" u="none">
+              <a:rPr b="0" lang="en-US" sz="1800" spc="-1" strike="noStrike">
                 <a:solidFill>
                   <a:srgbClr val="000000"/>
                 </a:solidFill>
-                <a:uFillTx/>
-                <a:latin typeface="DejaVu Sans"/>
+                <a:latin typeface="Arial"/>
               </a:rPr>
               <a:t>Fourth Outline Level</a:t>
             </a:r>
-            <a:endParaRPr b="0" lang="en-US" sz="1800" strike="noStrike" u="none">
+            <a:endParaRPr b="0" lang="en-US" sz="1800" spc="-1" strike="noStrike">
               <a:solidFill>
                 <a:srgbClr val="000000"/>
               </a:solidFill>
-              <a:uFillTx/>
-              <a:latin typeface="DejaVu Sans"/>
+              <a:latin typeface="Arial"/>
             </a:endParaRPr>
           </a:p>
           <a:p>
@@ -8755,21 +10348,19 @@
               <a:buChar char=""/>
             </a:pPr>
             <a:r>
-              <a:rPr b="0" lang="en-US" sz="1800" strike="noStrike" u="none">
+              <a:rPr b="0" lang="en-US" sz="1800" spc="-1" strike="noStrike">
                 <a:solidFill>
                   <a:srgbClr val="000000"/>
                 </a:solidFill>
-                <a:uFillTx/>
-                <a:latin typeface="DejaVu Sans"/>
+                <a:latin typeface="Arial"/>
               </a:rPr>
               <a:t>Fifth Outline Level</a:t>
             </a:r>
-            <a:endParaRPr b="0" lang="en-US" sz="1800" strike="noStrike" u="none">
+            <a:endParaRPr b="0" lang="en-US" sz="1800" spc="-1" strike="noStrike">
               <a:solidFill>
                 <a:srgbClr val="000000"/>
               </a:solidFill>
-              <a:uFillTx/>
-              <a:latin typeface="DejaVu Sans"/>
+              <a:latin typeface="Arial"/>
             </a:endParaRPr>
           </a:p>
           <a:p>
@@ -8785,21 +10376,19 @@
               <a:buChar char=""/>
             </a:pPr>
             <a:r>
-              <a:rPr b="0" lang="en-US" sz="1800" strike="noStrike" u="none">
+              <a:rPr b="0" lang="en-US" sz="1800" spc="-1" strike="noStrike">
                 <a:solidFill>
                   <a:srgbClr val="000000"/>
                 </a:solidFill>
-                <a:uFillTx/>
-                <a:latin typeface="DejaVu Sans"/>
+                <a:latin typeface="Arial"/>
               </a:rPr>
               <a:t>Sixth Outline Level</a:t>
             </a:r>
-            <a:endParaRPr b="0" lang="en-US" sz="1800" strike="noStrike" u="none">
+            <a:endParaRPr b="0" lang="en-US" sz="1800" spc="-1" strike="noStrike">
               <a:solidFill>
                 <a:srgbClr val="000000"/>
               </a:solidFill>
-              <a:uFillTx/>
-              <a:latin typeface="DejaVu Sans"/>
+              <a:latin typeface="Arial"/>
             </a:endParaRPr>
           </a:p>
           <a:p>
@@ -8815,243 +10404,28 @@
               <a:buChar char=""/>
             </a:pPr>
             <a:r>
-              <a:rPr b="0" lang="en-US" sz="1800" strike="noStrike" u="none">
+              <a:rPr b="0" lang="en-US" sz="1800" spc="-1" strike="noStrike">
                 <a:solidFill>
                   <a:srgbClr val="000000"/>
                 </a:solidFill>
-                <a:uFillTx/>
-                <a:latin typeface="DejaVu Sans"/>
+                <a:latin typeface="Arial"/>
               </a:rPr>
               <a:t>Seventh Outline Level</a:t>
             </a:r>
-            <a:endParaRPr b="0" lang="en-US" sz="1800" strike="noStrike" u="none">
+            <a:endParaRPr b="0" lang="en-US" sz="1800" spc="-1" strike="noStrike">
               <a:solidFill>
                 <a:srgbClr val="000000"/>
               </a:solidFill>
-              <a:uFillTx/>
-              <a:latin typeface="DejaVu Sans"/>
-            </a:endParaRPr>
-          </a:p>
-        </p:txBody>
-      </p:sp>
-      <p:sp>
-        <p:nvSpPr>
-          <p:cNvPr id="115" name="PlaceHolder 3"/>
-          <p:cNvSpPr>
-            <a:spLocks noGrp="1"/>
-          </p:cNvSpPr>
-          <p:nvPr>
-            <p:ph type="ftr" idx="1"/>
-          </p:nvPr>
-        </p:nvSpPr>
-        <p:spPr>
-          <a:xfrm>
-            <a:off x="0" y="0"/>
-            <a:ext cx="0" cy="0"/>
-          </a:xfrm>
-          <a:prstGeom prst="rect">
-            <a:avLst/>
-          </a:prstGeom>
-          <a:noFill/>
-          <a:ln w="0">
-            <a:noFill/>
-          </a:ln>
-        </p:spPr>
-        <p:txBody>
-          <a:bodyPr lIns="90000" rIns="90000" tIns="-45000" bIns="-45000" anchor="t">
-            <a:noAutofit/>
-          </a:bodyPr>
-          <a:lstStyle>
-            <a:lvl1pPr indent="0" algn="ctr">
-              <a:lnSpc>
-                <a:spcPct val="100000"/>
-              </a:lnSpc>
-              <a:buNone/>
-              <a:tabLst>
-                <a:tab algn="l" pos="0"/>
-              </a:tabLst>
-              <a:defRPr b="0" lang="en-US" sz="1400" strike="noStrike" u="none">
-                <a:solidFill>
-                  <a:srgbClr val="000000"/>
-                </a:solidFill>
-                <a:uFillTx/>
-                <a:latin typeface="Times New Roman"/>
-              </a:defRPr>
-            </a:lvl1pPr>
-          </a:lstStyle>
-          <a:p>
-            <a:pPr indent="0" algn="ctr">
-              <a:lnSpc>
-                <a:spcPct val="100000"/>
-              </a:lnSpc>
-              <a:buNone/>
-              <a:tabLst>
-                <a:tab algn="l" pos="0"/>
-              </a:tabLst>
-            </a:pPr>
-            <a:r>
-              <a:rPr b="0" lang="en-US" sz="1400" strike="noStrike" u="none">
-                <a:solidFill>
-                  <a:srgbClr val="000000"/>
-                </a:solidFill>
-                <a:uFillTx/>
-                <a:latin typeface="Times New Roman"/>
-              </a:rPr>
-              <a:t>&lt;footer&gt;</a:t>
-            </a:r>
-            <a:endParaRPr b="0" lang="en-US" sz="1400" strike="noStrike" u="none">
-              <a:solidFill>
-                <a:srgbClr val="000000"/>
-              </a:solidFill>
-              <a:uFillTx/>
-              <a:latin typeface="DejaVu Serif"/>
-            </a:endParaRPr>
-          </a:p>
-        </p:txBody>
-      </p:sp>
-      <p:sp>
-        <p:nvSpPr>
-          <p:cNvPr id="116" name="PlaceHolder 4"/>
-          <p:cNvSpPr>
-            <a:spLocks noGrp="1"/>
-          </p:cNvSpPr>
-          <p:nvPr>
-            <p:ph type="sldNum" idx="2"/>
-          </p:nvPr>
-        </p:nvSpPr>
-        <p:spPr>
-          <a:xfrm>
-            <a:off x="0" y="0"/>
-            <a:ext cx="0" cy="0"/>
-          </a:xfrm>
-          <a:prstGeom prst="rect">
-            <a:avLst/>
-          </a:prstGeom>
-          <a:noFill/>
-          <a:ln w="0">
-            <a:noFill/>
-          </a:ln>
-        </p:spPr>
-        <p:txBody>
-          <a:bodyPr lIns="90000" rIns="90000" tIns="-45000" bIns="-45000" anchor="t">
-            <a:noAutofit/>
-          </a:bodyPr>
-          <a:lstStyle>
-            <a:lvl1pPr indent="0" defTabSz="914400">
-              <a:lnSpc>
-                <a:spcPct val="100000"/>
-              </a:lnSpc>
-              <a:buNone/>
-              <a:tabLst>
-                <a:tab algn="l" pos="0"/>
-              </a:tabLst>
-              <a:defRPr b="0" lang="en-US" sz="1800" strike="noStrike" u="none">
-                <a:solidFill>
-                  <a:schemeClr val="dk1"/>
-                </a:solidFill>
-                <a:uFillTx/>
-                <a:latin typeface="Calibri"/>
-              </a:defRPr>
-            </a:lvl1pPr>
-          </a:lstStyle>
-          <a:p>
-            <a:pPr indent="0" defTabSz="914400">
-              <a:lnSpc>
-                <a:spcPct val="100000"/>
-              </a:lnSpc>
-              <a:buNone/>
-              <a:tabLst>
-                <a:tab algn="l" pos="0"/>
-              </a:tabLst>
-            </a:pPr>
-            <a:fld id="{2EE7D1F3-33A5-4192-B531-40FF7D0B74BF}" type="slidenum">
-              <a:rPr b="0" lang="en-US" sz="1800" strike="noStrike" u="none">
-                <a:solidFill>
-                  <a:schemeClr val="dk1"/>
-                </a:solidFill>
-                <a:uFillTx/>
-                <a:latin typeface="Calibri"/>
-              </a:rPr>
-              <a:t>&lt;number&gt;</a:t>
-            </a:fld>
-            <a:endParaRPr b="0" lang="en-US" sz="1800" strike="noStrike" u="none">
-              <a:solidFill>
-                <a:srgbClr val="000000"/>
-              </a:solidFill>
-              <a:uFillTx/>
-              <a:latin typeface="DejaVu Serif"/>
-            </a:endParaRPr>
-          </a:p>
-        </p:txBody>
-      </p:sp>
-      <p:sp>
-        <p:nvSpPr>
-          <p:cNvPr id="117" name="PlaceHolder 5"/>
-          <p:cNvSpPr>
-            <a:spLocks noGrp="1"/>
-          </p:cNvSpPr>
-          <p:nvPr>
-            <p:ph type="dt" idx="3"/>
-          </p:nvPr>
-        </p:nvSpPr>
-        <p:spPr>
-          <a:xfrm>
-            <a:off x="0" y="0"/>
-            <a:ext cx="0" cy="0"/>
-          </a:xfrm>
-          <a:prstGeom prst="rect">
-            <a:avLst/>
-          </a:prstGeom>
-          <a:noFill/>
-          <a:ln w="0">
-            <a:noFill/>
-          </a:ln>
-        </p:spPr>
-        <p:txBody>
-          <a:bodyPr lIns="90000" rIns="90000" tIns="-45000" bIns="-45000" anchor="t">
-            <a:noAutofit/>
-          </a:bodyPr>
-          <a:lstStyle>
-            <a:lvl1pPr indent="0">
-              <a:buNone/>
-              <a:defRPr b="0" lang="en-US" sz="1400" strike="noStrike" u="none">
-                <a:solidFill>
-                  <a:srgbClr val="000000"/>
-                </a:solidFill>
-                <a:uFillTx/>
-                <a:latin typeface="DejaVu Serif"/>
-              </a:defRPr>
-            </a:lvl1pPr>
-          </a:lstStyle>
-          <a:p>
-            <a:pPr indent="0">
-              <a:buNone/>
-            </a:pPr>
-            <a:r>
-              <a:rPr b="0" lang="en-US" sz="1400" strike="noStrike" u="none">
-                <a:solidFill>
-                  <a:srgbClr val="000000"/>
-                </a:solidFill>
-                <a:uFillTx/>
-                <a:latin typeface="DejaVu Serif"/>
-              </a:rPr>
-              <a:t>&lt;date/time&gt;</a:t>
-            </a:r>
-            <a:endParaRPr b="0" lang="en-US" sz="1400" strike="noStrike" u="none">
-              <a:solidFill>
-                <a:srgbClr val="000000"/>
-              </a:solidFill>
-              <a:uFillTx/>
-              <a:latin typeface="DejaVu Serif"/>
+              <a:latin typeface="Arial"/>
             </a:endParaRPr>
           </a:p>
         </p:txBody>
       </p:sp>
     </p:spTree>
   </p:cSld>
-  <p:clrMap bg1="lt1" tx1="dk1" bg2="lt2" tx2="dk2" accent1="accent1" accent2="accent2" accent3="accent3" accent4="accent4" accent5="accent5" accent6="accent6" hlink="hlink" folHlink="folHlink"/>
+  <p:clrMap bg1="lt1" bg2="lt2" tx1="dk1" tx2="dk2" accent1="accent1" accent2="accent2" accent3="accent3" accent4="accent4" accent5="accent5" accent6="accent6" hlink="hlink" folHlink="folHlink"/>
   <p:sldLayoutIdLst>
-    <p:sldLayoutId id="2147483667" r:id="rId3"/>
+    <p:sldLayoutId id="2147483665" r:id="rId3"/>
   </p:sldLayoutIdLst>
 </p:sldMaster>
 </file>
@@ -9075,7 +10449,7 @@
       </p:grpSpPr>
       <p:sp>
         <p:nvSpPr>
-          <p:cNvPr id="149" name="PlaceHolder 1"/>
+          <p:cNvPr id="180" name="PlaceHolder 1"/>
           <p:cNvSpPr>
             <a:spLocks noGrp="1"/>
           </p:cNvSpPr>
@@ -9086,7 +10460,7 @@
         <p:spPr>
           <a:xfrm>
             <a:off x="685800" y="2754000"/>
-            <a:ext cx="5669640" cy="1158120"/>
+            <a:ext cx="5669280" cy="1157760"/>
           </a:xfrm>
           <a:prstGeom prst="rect">
             <a:avLst/>
@@ -9111,11 +10485,10 @@
               </a:tabLst>
             </a:pPr>
             <a:r>
-              <a:rPr b="0" lang="el-GR" sz="2400" strike="noStrike" u="none">
+              <a:rPr b="0" lang="el-GR" sz="2400" spc="-1" strike="noStrike">
                 <a:solidFill>
                   <a:srgbClr val="ffffff"/>
                 </a:solidFill>
-                <a:uFillTx/>
                 <a:latin typeface="Calibri"/>
               </a:rPr>
               <a:t>Τμήμα Ψηφιακών Συστημάτων, Πανεπιστήμιο Θεσσαλίας</a:t>
@@ -9124,11 +10497,10 @@
               <a:rPr sz="2400"/>
             </a:br>
             <a:r>
-              <a:rPr b="0" lang="el-GR" sz="2400" strike="noStrike" u="none">
+              <a:rPr b="0" lang="el-GR" sz="2400" spc="-1" strike="noStrike">
                 <a:solidFill>
                   <a:srgbClr val="ffffff"/>
                 </a:solidFill>
-                <a:uFillTx/>
                 <a:latin typeface="Calibri"/>
               </a:rPr>
               <a:t>Ενδιάμεση Παρουσίαση Πτυχιακών Εργασιών</a:t>
@@ -9140,11 +10512,10 @@
               <a:rPr sz="2400"/>
             </a:br>
             <a:r>
-              <a:rPr b="0" lang="el-GR" sz="2400" strike="noStrike" u="none">
+              <a:rPr b="0" lang="el-GR" sz="2400" spc="-1" strike="noStrike">
                 <a:solidFill>
                   <a:srgbClr val="ffffff"/>
                 </a:solidFill>
-                <a:uFillTx/>
                 <a:latin typeface="Calibri"/>
               </a:rPr>
               <a:t>«Τίτλος Πτυχιακής Εργασία»</a:t>
@@ -9156,11 +10527,10 @@
               <a:rPr sz="2400"/>
             </a:br>
             <a:r>
-              <a:rPr b="0" lang="el-GR" sz="2400" strike="noStrike" u="none">
+              <a:rPr b="0" lang="el-GR" sz="2400" spc="-1" strike="noStrike">
                 <a:solidFill>
                   <a:srgbClr val="ffffff"/>
                 </a:solidFill>
-                <a:uFillTx/>
                 <a:latin typeface="Calibri"/>
               </a:rPr>
               <a:t>Ονοματεπώνυμο,</a:t>
@@ -9169,35 +10539,33 @@
               <a:rPr sz="2400"/>
             </a:br>
             <a:r>
-              <a:rPr b="0" lang="el-GR" sz="2400" strike="noStrike" u="none">
+              <a:rPr b="0" lang="el-GR" sz="2400" spc="-1" strike="noStrike">
                 <a:solidFill>
                   <a:srgbClr val="ffffff"/>
                 </a:solidFill>
-                <a:uFillTx/>
                 <a:latin typeface="Calibri"/>
               </a:rPr>
               <a:t>ΑΜ</a:t>
             </a:r>
-            <a:endParaRPr b="0" lang="en-US" sz="2400" strike="noStrike" u="none">
+            <a:endParaRPr b="0" lang="en-US" sz="2400" spc="-1" strike="noStrike">
               <a:solidFill>
                 <a:srgbClr val="ffffff"/>
               </a:solidFill>
-              <a:uFillTx/>
-              <a:latin typeface="DejaVu Sans"/>
+              <a:latin typeface="Arial"/>
             </a:endParaRPr>
           </a:p>
         </p:txBody>
       </p:sp>
       <p:sp>
         <p:nvSpPr>
-          <p:cNvPr id="150" name="TextBox 2"/>
+          <p:cNvPr id="181" name="TextBox 2"/>
           <p:cNvSpPr/>
           <p:nvPr/>
         </p:nvSpPr>
         <p:spPr>
           <a:xfrm>
             <a:off x="1523160" y="4443840"/>
-            <a:ext cx="6095880" cy="363960"/>
+            <a:ext cx="6095520" cy="363960"/>
           </a:xfrm>
           <a:prstGeom prst="rect">
             <a:avLst/>
@@ -9224,21 +10592,19 @@
               </a:lnSpc>
             </a:pPr>
             <a:r>
-              <a:rPr b="1" lang="el-GR" sz="1800" strike="noStrike" u="none">
+              <a:rPr b="1" lang="el-GR" sz="1800" spc="-1" strike="noStrike">
                 <a:solidFill>
                   <a:schemeClr val="lt1"/>
                 </a:solidFill>
-                <a:uFillTx/>
                 <a:latin typeface="Calibri"/>
               </a:rPr>
               <a:t>Μάρτιος 2023</a:t>
             </a:r>
-            <a:endParaRPr b="0" lang="en-US" sz="1800" strike="noStrike" u="none">
+            <a:endParaRPr b="0" lang="en-US" sz="1800" spc="-1" strike="noStrike">
               <a:solidFill>
                 <a:srgbClr val="ffffff"/>
               </a:solidFill>
-              <a:uFillTx/>
-              <a:latin typeface="DejaVu Sans"/>
+              <a:latin typeface="Arial"/>
             </a:endParaRPr>
           </a:p>
         </p:txBody>
@@ -9275,7 +10641,7 @@
       </p:grpSpPr>
       <p:sp>
         <p:nvSpPr>
-          <p:cNvPr id="151" name="PlaceHolder 1"/>
+          <p:cNvPr id="182" name="PlaceHolder 1"/>
           <p:cNvSpPr>
             <a:spLocks noGrp="1"/>
           </p:cNvSpPr>
@@ -9286,7 +10652,7 @@
         <p:spPr>
           <a:xfrm>
             <a:off x="532080" y="785880"/>
-            <a:ext cx="3750120" cy="3944520"/>
+            <a:ext cx="3749760" cy="3944160"/>
           </a:xfrm>
           <a:prstGeom prst="rect">
             <a:avLst/>
@@ -9318,51 +10684,46 @@
               <a:buChar char=""/>
             </a:pPr>
             <a:r>
-              <a:rPr b="0" lang="en-US" sz="1800" strike="noStrike" u="none">
+              <a:rPr b="0" lang="el-GR" sz="1800" spc="-1" strike="noStrike">
                 <a:solidFill>
                   <a:srgbClr val="000000"/>
                 </a:solidFill>
-                <a:uFillTx/>
                 <a:latin typeface="DejaVu Sans"/>
               </a:rPr>
               <a:t> </a:t>
             </a:r>
             <a:r>
-              <a:rPr b="0" lang="en-US" sz="1800" strike="noStrike" u="none">
+              <a:rPr b="0" lang="el-GR" sz="1800" spc="-1" strike="noStrike">
                 <a:solidFill>
                   <a:srgbClr val="000000"/>
                 </a:solidFill>
-                <a:uFillTx/>
                 <a:latin typeface="DejaVu Sans"/>
               </a:rPr>
               <a:t>Αντικέιμενο της πτυχιακής  είναι η ανάπτυξη μιας προσομοίωσης ενεργής μετακίνησης σε δομημένο περιβάλλον με Unity, καθώς και η </a:t>
             </a:r>
             <a:r>
-              <a:rPr b="1" lang="en-US" sz="1800" strike="noStrike" u="none">
+              <a:rPr b="1" lang="el-GR" sz="1800" spc="-1" strike="noStrike">
                 <a:solidFill>
                   <a:srgbClr val="000000"/>
                 </a:solidFill>
-                <a:uFillTx/>
                 <a:latin typeface="DejaVu Sans"/>
               </a:rPr>
               <a:t>δυναμική</a:t>
             </a:r>
             <a:r>
-              <a:rPr b="0" lang="en-US" sz="1800" strike="noStrike" u="none">
+              <a:rPr b="0" lang="el-GR" sz="1800" spc="-1" strike="noStrike">
                 <a:solidFill>
                   <a:srgbClr val="000000"/>
                 </a:solidFill>
-                <a:uFillTx/>
                 <a:latin typeface="DejaVu Sans"/>
               </a:rPr>
               <a:t> δημιουργία ρεαλιστικών 3D μοντέλων ποδηλάτων.</a:t>
             </a:r>
-            <a:endParaRPr b="0" lang="en-US" sz="1800" strike="noStrike" u="none">
+            <a:endParaRPr b="0" lang="en-US" sz="1800" spc="-1" strike="noStrike">
               <a:solidFill>
                 <a:srgbClr val="000000"/>
               </a:solidFill>
-              <a:uFillTx/>
-              <a:latin typeface="DejaVu Sans"/>
+              <a:latin typeface="Arial"/>
             </a:endParaRPr>
           </a:p>
           <a:p>
@@ -9381,19 +10742,18 @@
                 <a:tab algn="l" pos="0"/>
               </a:tabLst>
             </a:pPr>
-            <a:endParaRPr b="0" lang="en-US" sz="1800" strike="noStrike" u="none">
+            <a:endParaRPr b="0" lang="en-US" sz="1800" spc="-1" strike="noStrike">
               <a:solidFill>
                 <a:srgbClr val="000000"/>
               </a:solidFill>
-              <a:uFillTx/>
-              <a:latin typeface="DejaVu Sans"/>
+              <a:latin typeface="Arial"/>
             </a:endParaRPr>
           </a:p>
         </p:txBody>
       </p:sp>
       <p:sp>
         <p:nvSpPr>
-          <p:cNvPr id="152" name="PlaceHolder 2"/>
+          <p:cNvPr id="183" name="PlaceHolder 2"/>
           <p:cNvSpPr>
             <a:spLocks noGrp="1"/>
           </p:cNvSpPr>
@@ -9404,7 +10764,7 @@
         <p:spPr>
           <a:xfrm>
             <a:off x="532080" y="51480"/>
-            <a:ext cx="7885080" cy="574200"/>
+            <a:ext cx="7884720" cy="573840"/>
           </a:xfrm>
           <a:prstGeom prst="rect">
             <a:avLst/>
@@ -9429,28 +10789,26 @@
               </a:tabLst>
             </a:pPr>
             <a:r>
-              <a:rPr b="1" lang="el-GR" sz="2400" strike="noStrike" u="none">
+              <a:rPr b="1" lang="el-GR" sz="2400" spc="-1" strike="noStrike">
                 <a:solidFill>
                   <a:schemeClr val="accent1"/>
                 </a:solidFill>
-                <a:uFillTx/>
                 <a:latin typeface="Calibri"/>
               </a:rPr>
               <a:t>Αντικείμενο και στόχοι της εργασίας</a:t>
             </a:r>
-            <a:endParaRPr b="0" lang="en-US" sz="2400" strike="noStrike" u="none">
+            <a:endParaRPr b="0" lang="en-US" sz="2400" spc="-1" strike="noStrike">
               <a:solidFill>
                 <a:srgbClr val="000000"/>
               </a:solidFill>
-              <a:uFillTx/>
-              <a:latin typeface="DejaVu Sans"/>
+              <a:latin typeface="Arial"/>
             </a:endParaRPr>
           </a:p>
         </p:txBody>
       </p:sp>
       <p:sp>
         <p:nvSpPr>
-          <p:cNvPr id="153" name="PlaceHolder 3"/>
+          <p:cNvPr id="184" name="PlaceHolder 3"/>
           <p:cNvSpPr>
             <a:spLocks noGrp="1"/>
           </p:cNvSpPr>
@@ -9461,7 +10819,7 @@
         <p:spPr>
           <a:xfrm>
             <a:off x="4660920" y="785880"/>
-            <a:ext cx="3750120" cy="3944520"/>
+            <a:ext cx="3749760" cy="3944160"/>
           </a:xfrm>
           <a:prstGeom prst="rect">
             <a:avLst/>
@@ -9476,18 +10834,56 @@
             <a:noAutofit/>
           </a:bodyPr>
           <a:p>
-            <a:pPr indent="0">
+            <a:pPr indent="-324000">
+              <a:lnSpc>
+                <a:spcPct val="100000"/>
+              </a:lnSpc>
               <a:spcBef>
-                <a:spcPts val="1417"/>
+                <a:spcPts val="1191"/>
               </a:spcBef>
-              <a:buNone/>
+              <a:spcAft>
+                <a:spcPts val="992"/>
+              </a:spcAft>
+              <a:buClr>
+                <a:srgbClr val="000000"/>
+              </a:buClr>
+              <a:buFont typeface="Wingdings" charset="2"/>
+              <a:buChar char=""/>
             </a:pPr>
-            <a:endParaRPr b="0" lang="en-US" sz="1800" strike="noStrike" u="none">
+            <a:r>
+              <a:rPr b="0" lang="el-GR" sz="1800" spc="-1" strike="noStrike">
+                <a:solidFill>
+                  <a:srgbClr val="000000"/>
+                </a:solidFill>
+                <a:latin typeface="Arial"/>
+              </a:rPr>
+              <a:t>Στόχος της εφαρμογής είναι να παρέχει στους επιστήμονες του κλάδου τη δυνατότητα εξαγωγής δεδομένων και συμπερασμάτων από σενάρια ενεργής μετακίνησης.</a:t>
+            </a:r>
+            <a:endParaRPr b="0" lang="en-US" sz="1800" spc="-1" strike="noStrike">
               <a:solidFill>
                 <a:srgbClr val="000000"/>
               </a:solidFill>
-              <a:uFillTx/>
-              <a:latin typeface="DejaVu Sans"/>
+              <a:latin typeface="Arial"/>
+            </a:endParaRPr>
+          </a:p>
+          <a:p>
+            <a:pPr indent="0">
+              <a:lnSpc>
+                <a:spcPct val="100000"/>
+              </a:lnSpc>
+              <a:spcBef>
+                <a:spcPts val="1191"/>
+              </a:spcBef>
+              <a:spcAft>
+                <a:spcPts val="992"/>
+              </a:spcAft>
+              <a:buNone/>
+            </a:pPr>
+            <a:endParaRPr b="0" lang="en-US" sz="1800" spc="-1" strike="noStrike">
+              <a:solidFill>
+                <a:srgbClr val="000000"/>
+              </a:solidFill>
+              <a:latin typeface="Arial"/>
             </a:endParaRPr>
           </a:p>
         </p:txBody>
@@ -9524,7 +10920,7 @@
       </p:grpSpPr>
       <p:sp>
         <p:nvSpPr>
-          <p:cNvPr id="154" name="PlaceHolder 1"/>
+          <p:cNvPr id="185" name="PlaceHolder 1"/>
           <p:cNvSpPr>
             <a:spLocks noGrp="1"/>
           </p:cNvSpPr>
@@ -9535,7 +10931,7 @@
         <p:spPr>
           <a:xfrm>
             <a:off x="532080" y="51480"/>
-            <a:ext cx="7885080" cy="574200"/>
+            <a:ext cx="7884720" cy="573840"/>
           </a:xfrm>
           <a:prstGeom prst="rect">
             <a:avLst/>
@@ -9560,28 +10956,26 @@
               </a:tabLst>
             </a:pPr>
             <a:r>
-              <a:rPr b="1" lang="el-GR" sz="2400" strike="noStrike" u="none">
+              <a:rPr b="1" lang="el-GR" sz="2400" spc="-1" strike="noStrike">
                 <a:solidFill>
                   <a:schemeClr val="accent1"/>
                 </a:solidFill>
-                <a:uFillTx/>
                 <a:latin typeface="Calibri"/>
               </a:rPr>
               <a:t>Εξοπλισμός-Λογισμικό</a:t>
             </a:r>
-            <a:endParaRPr b="0" lang="en-US" sz="2400" strike="noStrike" u="none">
+            <a:endParaRPr b="0" lang="en-US" sz="2400" spc="-1" strike="noStrike">
               <a:solidFill>
                 <a:srgbClr val="000000"/>
               </a:solidFill>
-              <a:uFillTx/>
-              <a:latin typeface="DejaVu Sans"/>
+              <a:latin typeface="Arial"/>
             </a:endParaRPr>
           </a:p>
         </p:txBody>
       </p:sp>
       <p:pic>
         <p:nvPicPr>
-          <p:cNvPr id="155" name="" descr=""/>
+          <p:cNvPr id="186" name="" descr=""/>
           <p:cNvPicPr/>
           <p:nvPr/>
         </p:nvPicPr>
@@ -9592,12 +10986,11 @@
         <p:spPr>
           <a:xfrm>
             <a:off x="5030280" y="2514600"/>
-            <a:ext cx="2284560" cy="831240"/>
+            <a:ext cx="2284200" cy="830880"/>
           </a:xfrm>
           <a:prstGeom prst="rect">
             <a:avLst/>
           </a:prstGeom>
-          <a:noFill/>
           <a:ln w="0">
             <a:noFill/>
           </a:ln>
@@ -9605,7 +10998,7 @@
       </p:pic>
       <p:pic>
         <p:nvPicPr>
-          <p:cNvPr id="156" name="" descr=""/>
+          <p:cNvPr id="187" name="" descr=""/>
           <p:cNvPicPr/>
           <p:nvPr/>
         </p:nvPicPr>
@@ -9616,12 +11009,11 @@
         <p:spPr>
           <a:xfrm>
             <a:off x="915480" y="685800"/>
-            <a:ext cx="2970360" cy="1484280"/>
+            <a:ext cx="2970000" cy="1483920"/>
           </a:xfrm>
           <a:prstGeom prst="rect">
             <a:avLst/>
           </a:prstGeom>
-          <a:noFill/>
           <a:ln w="0">
             <a:noFill/>
           </a:ln>
@@ -9629,7 +11021,7 @@
       </p:pic>
       <p:pic>
         <p:nvPicPr>
-          <p:cNvPr id="157" name="" descr=""/>
+          <p:cNvPr id="188" name="" descr=""/>
           <p:cNvPicPr/>
           <p:nvPr/>
         </p:nvPicPr>
@@ -9640,12 +11032,11 @@
         <p:spPr>
           <a:xfrm>
             <a:off x="917280" y="3886200"/>
-            <a:ext cx="2739960" cy="912240"/>
+            <a:ext cx="2739600" cy="911880"/>
           </a:xfrm>
           <a:prstGeom prst="rect">
             <a:avLst/>
           </a:prstGeom>
-          <a:noFill/>
           <a:ln w="0">
             <a:noFill/>
           </a:ln>
@@ -9653,7 +11044,7 @@
       </p:pic>
       <p:pic>
         <p:nvPicPr>
-          <p:cNvPr id="158" name="" descr=""/>
+          <p:cNvPr id="189" name="" descr=""/>
           <p:cNvPicPr/>
           <p:nvPr/>
         </p:nvPicPr>
@@ -9664,12 +11055,11 @@
         <p:spPr>
           <a:xfrm>
             <a:off x="5716080" y="686880"/>
-            <a:ext cx="1370160" cy="1370160"/>
+            <a:ext cx="1369800" cy="1369800"/>
           </a:xfrm>
           <a:prstGeom prst="rect">
             <a:avLst/>
           </a:prstGeom>
-          <a:noFill/>
           <a:ln w="0">
             <a:noFill/>
           </a:ln>
@@ -9677,7 +11067,7 @@
       </p:pic>
       <p:pic>
         <p:nvPicPr>
-          <p:cNvPr id="159" name="" descr=""/>
+          <p:cNvPr id="190" name="" descr=""/>
           <p:cNvPicPr/>
           <p:nvPr/>
         </p:nvPicPr>
@@ -9688,12 +11078,11 @@
         <p:spPr>
           <a:xfrm>
             <a:off x="1175760" y="2475000"/>
-            <a:ext cx="2252880" cy="1182240"/>
+            <a:ext cx="2252520" cy="1181880"/>
           </a:xfrm>
           <a:prstGeom prst="rect">
             <a:avLst/>
           </a:prstGeom>
-          <a:noFill/>
           <a:ln w="0">
             <a:noFill/>
           </a:ln>
@@ -9701,7 +11090,7 @@
       </p:pic>
       <p:pic>
         <p:nvPicPr>
-          <p:cNvPr id="160" name="" descr=""/>
+          <p:cNvPr id="191" name="" descr=""/>
           <p:cNvPicPr/>
           <p:nvPr/>
         </p:nvPicPr>
@@ -9712,12 +11101,11 @@
         <p:spPr>
           <a:xfrm>
             <a:off x="4745520" y="3429000"/>
-            <a:ext cx="3255120" cy="1718640"/>
+            <a:ext cx="3254760" cy="1718280"/>
           </a:xfrm>
           <a:prstGeom prst="rect">
             <a:avLst/>
           </a:prstGeom>
-          <a:noFill/>
           <a:ln w="0">
             <a:noFill/>
           </a:ln>
@@ -9755,7 +11143,7 @@
       </p:grpSpPr>
       <p:sp>
         <p:nvSpPr>
-          <p:cNvPr id="161" name="PlaceHolder 1"/>
+          <p:cNvPr id="192" name="PlaceHolder 1"/>
           <p:cNvSpPr>
             <a:spLocks noGrp="1"/>
           </p:cNvSpPr>
@@ -9766,7 +11154,7 @@
         <p:spPr>
           <a:xfrm>
             <a:off x="138600" y="2971800"/>
-            <a:ext cx="4660920" cy="2056320"/>
+            <a:ext cx="4660560" cy="2055960"/>
           </a:xfrm>
           <a:prstGeom prst="rect">
             <a:avLst/>
@@ -9791,38 +11179,35 @@
               </a:tabLst>
             </a:pPr>
             <a:r>
-              <a:rPr b="0" lang="el-GR" sz="1800" strike="noStrike" u="none">
+              <a:rPr b="0" lang="el-GR" sz="1800" spc="-1" strike="noStrike">
                 <a:solidFill>
                   <a:srgbClr val="000000"/>
                 </a:solidFill>
-                <a:uFillTx/>
                 <a:latin typeface="Arial"/>
               </a:rPr>
               <a:t>Παίρνοντας</a:t>
             </a:r>
             <a:r>
-              <a:rPr b="0" lang="en-US" sz="1800" strike="noStrike" u="none">
+              <a:rPr b="0" lang="en-US" sz="1800" spc="-1" strike="noStrike">
                 <a:solidFill>
                   <a:srgbClr val="000000"/>
                 </a:solidFill>
-                <a:uFillTx/>
                 <a:latin typeface="Arial"/>
               </a:rPr>
               <a:t> δεδομένα για την γεωμετρία του ποδηλάτου μέσω του yaml file μπορούμε να υπολογίσουμε την θέση των βασικών σημείων και να τα μετακινήσουμε στο τελικό μοντέλο.</a:t>
             </a:r>
-            <a:endParaRPr b="0" lang="en-US" sz="1800" strike="noStrike" u="none">
+            <a:endParaRPr b="0" lang="en-US" sz="1800" spc="-1" strike="noStrike">
               <a:solidFill>
                 <a:srgbClr val="000000"/>
               </a:solidFill>
-              <a:uFillTx/>
-              <a:latin typeface="DejaVu Sans"/>
+              <a:latin typeface="Arial"/>
             </a:endParaRPr>
           </a:p>
         </p:txBody>
       </p:sp>
       <p:sp>
         <p:nvSpPr>
-          <p:cNvPr id="162" name="PlaceHolder 2"/>
+          <p:cNvPr id="193" name="PlaceHolder 2"/>
           <p:cNvSpPr>
             <a:spLocks noGrp="1"/>
           </p:cNvSpPr>
@@ -9833,7 +11218,7 @@
         <p:spPr>
           <a:xfrm>
             <a:off x="532080" y="51480"/>
-            <a:ext cx="7885080" cy="574200"/>
+            <a:ext cx="7884720" cy="573840"/>
           </a:xfrm>
           <a:prstGeom prst="rect">
             <a:avLst/>
@@ -9858,28 +11243,26 @@
               </a:tabLst>
             </a:pPr>
             <a:r>
-              <a:rPr b="1" lang="el-GR" sz="2400" strike="noStrike" u="none">
+              <a:rPr b="1" lang="el-GR" sz="2400" spc="-1" strike="noStrike">
                 <a:solidFill>
                   <a:schemeClr val="accent1"/>
                 </a:solidFill>
-                <a:uFillTx/>
                 <a:latin typeface="Calibri"/>
               </a:rPr>
               <a:t>Μεθοδολογία</a:t>
             </a:r>
-            <a:endParaRPr b="0" lang="en-US" sz="2400" strike="noStrike" u="none">
+            <a:endParaRPr b="0" lang="en-US" sz="2400" spc="-1" strike="noStrike">
               <a:solidFill>
                 <a:srgbClr val="000000"/>
               </a:solidFill>
-              <a:uFillTx/>
-              <a:latin typeface="DejaVu Sans"/>
+              <a:latin typeface="Arial"/>
             </a:endParaRPr>
           </a:p>
         </p:txBody>
       </p:sp>
       <p:pic>
         <p:nvPicPr>
-          <p:cNvPr id="163" name="" descr=""/>
+          <p:cNvPr id="194" name="" descr=""/>
           <p:cNvPicPr/>
           <p:nvPr/>
         </p:nvPicPr>
@@ -9890,12 +11273,11 @@
         <p:spPr>
           <a:xfrm>
             <a:off x="138600" y="518400"/>
-            <a:ext cx="8278560" cy="4656240"/>
+            <a:ext cx="8278200" cy="4655880"/>
           </a:xfrm>
           <a:prstGeom prst="rect">
             <a:avLst/>
           </a:prstGeom>
-          <a:noFill/>
           <a:ln w="0">
             <a:noFill/>
           </a:ln>
@@ -9933,7 +11315,7 @@
       </p:grpSpPr>
       <p:pic>
         <p:nvPicPr>
-          <p:cNvPr id="164" name="" descr=""/>
+          <p:cNvPr id="195" name="" descr=""/>
           <p:cNvPicPr/>
           <p:nvPr/>
         </p:nvPicPr>
@@ -9944,12 +11326,11 @@
         <p:spPr>
           <a:xfrm>
             <a:off x="228600" y="2665800"/>
-            <a:ext cx="3885480" cy="2362680"/>
+            <a:ext cx="3885120" cy="2362320"/>
           </a:xfrm>
           <a:prstGeom prst="rect">
             <a:avLst/>
           </a:prstGeom>
-          <a:noFill/>
           <a:ln w="0">
             <a:noFill/>
           </a:ln>
@@ -9957,7 +11338,7 @@
       </p:pic>
       <p:pic>
         <p:nvPicPr>
-          <p:cNvPr id="165" name="" descr=""/>
+          <p:cNvPr id="196" name="" descr=""/>
           <p:cNvPicPr/>
           <p:nvPr/>
         </p:nvPicPr>
@@ -9968,12 +11349,11 @@
         <p:spPr>
           <a:xfrm>
             <a:off x="4343400" y="228600"/>
-            <a:ext cx="3199680" cy="2329200"/>
+            <a:ext cx="3199320" cy="2328840"/>
           </a:xfrm>
           <a:prstGeom prst="rect">
             <a:avLst/>
           </a:prstGeom>
-          <a:noFill/>
           <a:ln w="0">
             <a:noFill/>
           </a:ln>
@@ -9981,7 +11361,7 @@
       </p:pic>
       <p:pic>
         <p:nvPicPr>
-          <p:cNvPr id="166" name="" descr=""/>
+          <p:cNvPr id="197" name="" descr=""/>
           <p:cNvPicPr/>
           <p:nvPr/>
         </p:nvPicPr>
@@ -9992,12 +11372,11 @@
         <p:spPr>
           <a:xfrm>
             <a:off x="228600" y="181080"/>
-            <a:ext cx="3885480" cy="2332800"/>
+            <a:ext cx="3885120" cy="2332440"/>
           </a:xfrm>
           <a:prstGeom prst="rect">
             <a:avLst/>
           </a:prstGeom>
-          <a:noFill/>
           <a:ln w="0">
             <a:noFill/>
           </a:ln>
@@ -10005,7 +11384,7 @@
       </p:pic>
       <p:pic>
         <p:nvPicPr>
-          <p:cNvPr id="167" name="" descr=""/>
+          <p:cNvPr id="198" name="" descr=""/>
           <p:cNvPicPr/>
           <p:nvPr/>
         </p:nvPicPr>
@@ -10016,12 +11395,11 @@
         <p:spPr>
           <a:xfrm>
             <a:off x="4343400" y="2659680"/>
-            <a:ext cx="3428280" cy="2368800"/>
+            <a:ext cx="3427920" cy="2368440"/>
           </a:xfrm>
           <a:prstGeom prst="rect">
             <a:avLst/>
           </a:prstGeom>
-          <a:noFill/>
           <a:ln w="0">
             <a:noFill/>
           </a:ln>
@@ -10089,7 +11467,7 @@
       </p:grpSpPr>
       <p:sp>
         <p:nvSpPr>
-          <p:cNvPr id="168" name="PlaceHolder 1"/>
+          <p:cNvPr id="199" name="PlaceHolder 1"/>
           <p:cNvSpPr>
             <a:spLocks noGrp="1"/>
           </p:cNvSpPr>
@@ -10100,7 +11478,7 @@
         <p:spPr>
           <a:xfrm>
             <a:off x="532080" y="855720"/>
-            <a:ext cx="7239960" cy="3944520"/>
+            <a:ext cx="7239600" cy="3944160"/>
           </a:xfrm>
           <a:prstGeom prst="rect">
             <a:avLst/>
@@ -10120,17 +11498,19 @@
                 <a:spcPct val="100000"/>
               </a:lnSpc>
               <a:buNone/>
+              <a:tabLst>
+                <a:tab algn="l" pos="0"/>
+              </a:tabLst>
             </a:pPr>
-            <a:endParaRPr b="0" lang="en-US" sz="1800" strike="noStrike" u="none">
+            <a:endParaRPr b="0" lang="en-US" sz="1800" spc="-1" strike="noStrike">
               <a:solidFill>
                 <a:srgbClr val="000000"/>
               </a:solidFill>
-              <a:uFillTx/>
-              <a:latin typeface="DejaVu Sans"/>
+              <a:latin typeface="Arial"/>
             </a:endParaRPr>
           </a:p>
           <a:p>
-            <a:pPr indent="-324000">
+            <a:pPr marL="432000" indent="-324000">
               <a:lnSpc>
                 <a:spcPct val="100000"/>
               </a:lnSpc>
@@ -10139,30 +11519,31 @@
               </a:buClr>
               <a:buFont typeface="Wingdings" charset="2"/>
               <a:buChar char=""/>
+              <a:tabLst>
+                <a:tab algn="l" pos="0"/>
+              </a:tabLst>
             </a:pPr>
             <a:r>
-              <a:rPr b="0" lang="en-US" sz="1800" strike="noStrike" u="none">
+              <a:rPr b="0" lang="en-US" sz="1800" spc="-1" strike="noStrike">
                 <a:solidFill>
                   <a:srgbClr val="000000"/>
                 </a:solidFill>
-                <a:uFillTx/>
                 <a:latin typeface="DejaVu Sans"/>
               </a:rPr>
               <a:t>https://greendigital.uth.gr/posts/videos/</a:t>
             </a:r>
-            <a:endParaRPr b="0" lang="en-US" sz="1800" strike="noStrike" u="none">
+            <a:endParaRPr b="0" lang="en-US" sz="1800" spc="-1" strike="noStrike">
               <a:solidFill>
                 <a:srgbClr val="000000"/>
               </a:solidFill>
-              <a:uFillTx/>
-              <a:latin typeface="DejaVu Sans"/>
+              <a:latin typeface="Arial"/>
             </a:endParaRPr>
           </a:p>
         </p:txBody>
       </p:sp>
       <p:sp>
         <p:nvSpPr>
-          <p:cNvPr id="169" name="PlaceHolder 2"/>
+          <p:cNvPr id="200" name="PlaceHolder 2"/>
           <p:cNvSpPr>
             <a:spLocks noGrp="1"/>
           </p:cNvSpPr>
@@ -10173,7 +11554,7 @@
         <p:spPr>
           <a:xfrm>
             <a:off x="532080" y="51480"/>
-            <a:ext cx="7885080" cy="574200"/>
+            <a:ext cx="7884720" cy="573840"/>
           </a:xfrm>
           <a:prstGeom prst="rect">
             <a:avLst/>
@@ -10198,21 +11579,19 @@
               </a:tabLst>
             </a:pPr>
             <a:r>
-              <a:rPr b="1" lang="el-GR" sz="2400" strike="noStrike" u="none">
+              <a:rPr b="1" lang="el-GR" sz="2400" spc="-1" strike="noStrike">
                 <a:solidFill>
                   <a:schemeClr val="accent1"/>
                 </a:solidFill>
-                <a:uFillTx/>
                 <a:latin typeface="Calibri"/>
               </a:rPr>
               <a:t>Ενδεικτικά αποτελέσματα και πρώτα συμπεράσματα</a:t>
             </a:r>
-            <a:endParaRPr b="0" lang="en-US" sz="2400" strike="noStrike" u="none">
+            <a:endParaRPr b="0" lang="en-US" sz="2400" spc="-1" strike="noStrike">
               <a:solidFill>
                 <a:srgbClr val="000000"/>
               </a:solidFill>
-              <a:uFillTx/>
-              <a:latin typeface="DejaVu Sans"/>
+              <a:latin typeface="Arial"/>
             </a:endParaRPr>
           </a:p>
         </p:txBody>
@@ -10249,7 +11628,7 @@
       </p:grpSpPr>
       <p:sp>
         <p:nvSpPr>
-          <p:cNvPr id="170" name="PlaceHolder 1"/>
+          <p:cNvPr id="201" name="PlaceHolder 1"/>
           <p:cNvSpPr>
             <a:spLocks noGrp="1"/>
           </p:cNvSpPr>
@@ -10260,7 +11639,7 @@
         <p:spPr>
           <a:xfrm>
             <a:off x="532080" y="785880"/>
-            <a:ext cx="3750120" cy="3944520"/>
+            <a:ext cx="3749760" cy="3944160"/>
           </a:xfrm>
           <a:prstGeom prst="rect">
             <a:avLst/>
@@ -10275,25 +11654,96 @@
             <a:noAutofit/>
           </a:bodyPr>
           <a:p>
-            <a:pPr indent="0">
-              <a:spcBef>
-                <a:spcPts val="1417"/>
-              </a:spcBef>
-              <a:buNone/>
+            <a:pPr indent="-324000">
+              <a:lnSpc>
+                <a:spcPct val="100000"/>
+              </a:lnSpc>
+              <a:buClr>
+                <a:srgbClr val="000000"/>
+              </a:buClr>
+              <a:buFont typeface="Wingdings" charset="2"/>
+              <a:buChar char=""/>
             </a:pPr>
-            <a:endParaRPr b="0" lang="en-US" sz="1800" strike="noStrike" u="none">
+            <a:r>
+              <a:rPr b="0" lang="el-GR" sz="1800" spc="-1" strike="noStrike">
+                <a:solidFill>
+                  <a:srgbClr val="000000"/>
+                </a:solidFill>
+                <a:latin typeface="Arial"/>
+              </a:rPr>
+              <a:t>Δημιουργία σεναρίων </a:t>
+            </a:r>
+            <a:endParaRPr b="0" lang="en-US" sz="1800" spc="-1" strike="noStrike">
               <a:solidFill>
                 <a:srgbClr val="000000"/>
               </a:solidFill>
-              <a:uFillTx/>
-              <a:latin typeface="DejaVu Sans"/>
+              <a:latin typeface="Arial"/>
+            </a:endParaRPr>
+          </a:p>
+          <a:p>
+            <a:pPr indent="-324000">
+              <a:lnSpc>
+                <a:spcPct val="100000"/>
+              </a:lnSpc>
+              <a:buClr>
+                <a:srgbClr val="000000"/>
+              </a:buClr>
+              <a:buFont typeface="Wingdings" charset="2"/>
+              <a:buChar char=""/>
+            </a:pPr>
+            <a:r>
+              <a:rPr b="0" lang="el-GR" sz="1800" spc="-1" strike="noStrike">
+                <a:solidFill>
+                  <a:srgbClr val="000000"/>
+                </a:solidFill>
+                <a:latin typeface="Arial"/>
+              </a:rPr>
+              <a:t>Βελτιστοποίση πλοήγησης </a:t>
+            </a:r>
+            <a:r>
+              <a:rPr b="0" lang="el-GR" sz="1800" spc="-1" strike="noStrike">
+                <a:solidFill>
+                  <a:srgbClr val="000000"/>
+                </a:solidFill>
+                <a:latin typeface="Arial"/>
+              </a:rPr>
+              <a:t>ανθρώπων </a:t>
+            </a:r>
+            <a:endParaRPr b="0" lang="en-US" sz="1800" spc="-1" strike="noStrike">
+              <a:solidFill>
+                <a:srgbClr val="000000"/>
+              </a:solidFill>
+              <a:latin typeface="Arial"/>
+            </a:endParaRPr>
+          </a:p>
+          <a:p>
+            <a:pPr indent="0">
+              <a:lnSpc>
+                <a:spcPct val="100000"/>
+              </a:lnSpc>
+              <a:buNone/>
+            </a:pPr>
+            <a:r>
+              <a:rPr b="0" lang="el-GR" sz="1800" spc="-1" strike="noStrike">
+                <a:solidFill>
+                  <a:srgbClr val="000000"/>
+                </a:solidFill>
+                <a:latin typeface="Arial"/>
+              </a:rPr>
+              <a:t> </a:t>
+            </a:r>
+            <a:endParaRPr b="0" lang="en-US" sz="1800" spc="-1" strike="noStrike">
+              <a:solidFill>
+                <a:srgbClr val="000000"/>
+              </a:solidFill>
+              <a:latin typeface="Arial"/>
             </a:endParaRPr>
           </a:p>
         </p:txBody>
       </p:sp>
       <p:sp>
         <p:nvSpPr>
-          <p:cNvPr id="171" name="PlaceHolder 2"/>
+          <p:cNvPr id="202" name="PlaceHolder 2"/>
           <p:cNvSpPr>
             <a:spLocks noGrp="1"/>
           </p:cNvSpPr>
@@ -10304,7 +11754,7 @@
         <p:spPr>
           <a:xfrm>
             <a:off x="532080" y="51480"/>
-            <a:ext cx="7885080" cy="574200"/>
+            <a:ext cx="7884720" cy="573840"/>
           </a:xfrm>
           <a:prstGeom prst="rect">
             <a:avLst/>
@@ -10329,28 +11779,26 @@
               </a:tabLst>
             </a:pPr>
             <a:r>
-              <a:rPr b="1" lang="el-GR" sz="2400" strike="noStrike" u="none">
+              <a:rPr b="1" lang="el-GR" sz="2400" spc="-1" strike="noStrike">
                 <a:solidFill>
                   <a:schemeClr val="accent1"/>
                 </a:solidFill>
-                <a:uFillTx/>
                 <a:latin typeface="Calibri"/>
               </a:rPr>
               <a:t>Επόμενα βήματα</a:t>
             </a:r>
-            <a:endParaRPr b="0" lang="en-US" sz="2400" strike="noStrike" u="none">
+            <a:endParaRPr b="0" lang="en-US" sz="2400" spc="-1" strike="noStrike">
               <a:solidFill>
                 <a:srgbClr val="000000"/>
               </a:solidFill>
-              <a:uFillTx/>
-              <a:latin typeface="DejaVu Sans"/>
+              <a:latin typeface="Arial"/>
             </a:endParaRPr>
           </a:p>
         </p:txBody>
       </p:sp>
       <p:sp>
         <p:nvSpPr>
-          <p:cNvPr id="172" name="PlaceHolder 3"/>
+          <p:cNvPr id="203" name="PlaceHolder 3"/>
           <p:cNvSpPr>
             <a:spLocks noGrp="1"/>
           </p:cNvSpPr>
@@ -10361,7 +11809,7 @@
         <p:spPr>
           <a:xfrm>
             <a:off x="4660920" y="785880"/>
-            <a:ext cx="3750120" cy="3944520"/>
+            <a:ext cx="3749760" cy="3944160"/>
           </a:xfrm>
           <a:prstGeom prst="rect">
             <a:avLst/>
@@ -10382,12 +11830,11 @@
               </a:spcBef>
               <a:buNone/>
             </a:pPr>
-            <a:endParaRPr b="0" lang="en-US" sz="1800" strike="noStrike" u="none">
+            <a:endParaRPr b="0" lang="en-US" sz="1800" spc="-1" strike="noStrike">
               <a:solidFill>
                 <a:srgbClr val="000000"/>
               </a:solidFill>
-              <a:uFillTx/>
-              <a:latin typeface="DejaVu Sans"/>
+              <a:latin typeface="Arial"/>
             </a:endParaRPr>
           </a:p>
         </p:txBody>
@@ -10424,7 +11871,7 @@
       </p:grpSpPr>
       <p:sp>
         <p:nvSpPr>
-          <p:cNvPr id="173" name="PlaceHolder 1"/>
+          <p:cNvPr id="204" name="PlaceHolder 1"/>
           <p:cNvSpPr>
             <a:spLocks noGrp="1"/>
           </p:cNvSpPr>
@@ -10435,7 +11882,7 @@
         <p:spPr>
           <a:xfrm>
             <a:off x="0" y="2093760"/>
-            <a:ext cx="7529040" cy="717480"/>
+            <a:ext cx="7528680" cy="717120"/>
           </a:xfrm>
           <a:prstGeom prst="rect">
             <a:avLst/>
@@ -10460,40 +11907,37 @@
               </a:tabLst>
             </a:pPr>
             <a:r>
-              <a:rPr b="0" lang="el-GR" sz="3200" strike="noStrike" u="none">
+              <a:rPr b="0" lang="el-GR" sz="3200" spc="-1" strike="noStrike">
                 <a:solidFill>
                   <a:srgbClr val="ff9900"/>
                 </a:solidFill>
-                <a:uFillTx/>
                 <a:latin typeface="Verdana"/>
                 <a:ea typeface="Verdana"/>
               </a:rPr>
               <a:t>Ευχαριστώ για την προσοχή σας</a:t>
             </a:r>
             <a:r>
-              <a:rPr b="0" lang="en" sz="3200" strike="noStrike" u="none">
+              <a:rPr b="0" lang="en" sz="3200" spc="-1" strike="noStrike">
                 <a:solidFill>
                   <a:srgbClr val="ff9900"/>
                 </a:solidFill>
-                <a:uFillTx/>
                 <a:latin typeface="Verdana"/>
                 <a:ea typeface="Verdana"/>
               </a:rPr>
               <a:t>!</a:t>
             </a:r>
-            <a:endParaRPr b="0" lang="en-US" sz="3200" strike="noStrike" u="none">
+            <a:endParaRPr b="0" lang="en-US" sz="3200" spc="-1" strike="noStrike">
               <a:solidFill>
                 <a:srgbClr val="000000"/>
               </a:solidFill>
-              <a:uFillTx/>
-              <a:latin typeface="DejaVu Sans"/>
+              <a:latin typeface="Arial"/>
             </a:endParaRPr>
           </a:p>
         </p:txBody>
       </p:sp>
       <p:sp>
         <p:nvSpPr>
-          <p:cNvPr id="174" name="PlaceHolder 2"/>
+          <p:cNvPr id="205" name="PlaceHolder 2"/>
           <p:cNvSpPr>
             <a:spLocks noGrp="1"/>
           </p:cNvSpPr>
@@ -10504,7 +11948,7 @@
         <p:spPr>
           <a:xfrm>
             <a:off x="939600" y="2813040"/>
-            <a:ext cx="4922640" cy="1952280"/>
+            <a:ext cx="4922280" cy="1951920"/>
           </a:xfrm>
           <a:prstGeom prst="rect">
             <a:avLst/>
@@ -10529,22 +11973,20 @@
               </a:tabLst>
             </a:pPr>
             <a:r>
-              <a:rPr b="0" lang="el-GR" sz="2800" strike="noStrike" u="none">
+              <a:rPr b="0" lang="el-GR" sz="2800" spc="-1" strike="noStrike">
                 <a:solidFill>
                   <a:srgbClr val="3796bf"/>
                 </a:solidFill>
-                <a:uFillTx/>
                 <a:latin typeface="Verdana"/>
                 <a:ea typeface="Verdana"/>
               </a:rPr>
               <a:t>Ερωτήσεις;</a:t>
             </a:r>
-            <a:endParaRPr b="0" lang="en-US" sz="2800" strike="noStrike" u="none">
+            <a:endParaRPr b="0" lang="en-US" sz="2800" spc="-1" strike="noStrike">
               <a:solidFill>
                 <a:srgbClr val="000000"/>
               </a:solidFill>
-              <a:uFillTx/>
-              <a:latin typeface="DejaVu Sans"/>
+              <a:latin typeface="Arial"/>
             </a:endParaRPr>
           </a:p>
         </p:txBody>
@@ -10738,9 +12180,9 @@
 </file>
 
 <file path=ppt/theme/theme10.xml><?xml version="1.0" encoding="utf-8"?>
-<a:theme xmlns:a="http://schemas.openxmlformats.org/drawingml/2006/main" xmlns:r="http://schemas.openxmlformats.org/officeDocument/2006/relationships" name="Slides">
+<a:theme xmlns:a="http://schemas.openxmlformats.org/drawingml/2006/main" xmlns:r="http://schemas.openxmlformats.org/officeDocument/2006/relationships" name="Cover">
   <a:themeElements>
-    <a:clrScheme name="Office">
+    <a:clrScheme name="Office 2007-2010">
       <a:dk1>
         <a:srgbClr val="000000"/>
       </a:dk1>
@@ -10748,34 +12190,34 @@
         <a:srgbClr val="ffffff"/>
       </a:lt1>
       <a:dk2>
-        <a:srgbClr val="44546a"/>
+        <a:srgbClr val="1f497d"/>
       </a:dk2>
       <a:lt2>
-        <a:srgbClr val="e7e6e6"/>
+        <a:srgbClr val="eeece1"/>
       </a:lt2>
       <a:accent1>
-        <a:srgbClr val="4472c4"/>
+        <a:srgbClr val="4f81bd"/>
       </a:accent1>
       <a:accent2>
-        <a:srgbClr val="ed7d31"/>
+        <a:srgbClr val="c0504d"/>
       </a:accent2>
       <a:accent3>
-        <a:srgbClr val="a5a5a5"/>
+        <a:srgbClr val="9bbb59"/>
       </a:accent3>
       <a:accent4>
-        <a:srgbClr val="ffc000"/>
+        <a:srgbClr val="8064a2"/>
       </a:accent4>
       <a:accent5>
-        <a:srgbClr val="5b9bd5"/>
+        <a:srgbClr val="4bacc6"/>
       </a:accent5>
       <a:accent6>
-        <a:srgbClr val="70ad47"/>
+        <a:srgbClr val="f79646"/>
       </a:accent6>
       <a:hlink>
-        <a:srgbClr val="0563c1"/>
+        <a:srgbClr val="0000ff"/>
       </a:hlink>
       <a:folHlink>
-        <a:srgbClr val="954f72"/>
+        <a:srgbClr val="800080"/>
       </a:folHlink>
     </a:clrScheme>
     <a:fontScheme name="Custom 1">
@@ -10913,9 +12355,9 @@
 </file>
 
 <file path=ppt/theme/theme11.xml><?xml version="1.0" encoding="utf-8"?>
-<a:theme xmlns:a="http://schemas.openxmlformats.org/drawingml/2006/main" xmlns:r="http://schemas.openxmlformats.org/officeDocument/2006/relationships" name="Slides">
+<a:theme xmlns:a="http://schemas.openxmlformats.org/drawingml/2006/main" xmlns:r="http://schemas.openxmlformats.org/officeDocument/2006/relationships" name="Cover">
   <a:themeElements>
-    <a:clrScheme name="Office">
+    <a:clrScheme name="Office 2007-2010">
       <a:dk1>
         <a:srgbClr val="000000"/>
       </a:dk1>
@@ -10923,34 +12365,34 @@
         <a:srgbClr val="ffffff"/>
       </a:lt1>
       <a:dk2>
-        <a:srgbClr val="44546a"/>
+        <a:srgbClr val="1f497d"/>
       </a:dk2>
       <a:lt2>
-        <a:srgbClr val="e7e6e6"/>
+        <a:srgbClr val="eeece1"/>
       </a:lt2>
       <a:accent1>
-        <a:srgbClr val="4472c4"/>
+        <a:srgbClr val="4f81bd"/>
       </a:accent1>
       <a:accent2>
-        <a:srgbClr val="ed7d31"/>
+        <a:srgbClr val="c0504d"/>
       </a:accent2>
       <a:accent3>
-        <a:srgbClr val="a5a5a5"/>
+        <a:srgbClr val="9bbb59"/>
       </a:accent3>
       <a:accent4>
-        <a:srgbClr val="ffc000"/>
+        <a:srgbClr val="8064a2"/>
       </a:accent4>
       <a:accent5>
-        <a:srgbClr val="5b9bd5"/>
+        <a:srgbClr val="4bacc6"/>
       </a:accent5>
       <a:accent6>
-        <a:srgbClr val="70ad47"/>
+        <a:srgbClr val="f79646"/>
       </a:accent6>
       <a:hlink>
-        <a:srgbClr val="0563c1"/>
+        <a:srgbClr val="0000ff"/>
       </a:hlink>
       <a:folHlink>
-        <a:srgbClr val="954f72"/>
+        <a:srgbClr val="800080"/>
       </a:folHlink>
     </a:clrScheme>
     <a:fontScheme name="Custom 1">
@@ -11613,7 +13055,7 @@
 </file>
 
 <file path=ppt/theme/theme15.xml><?xml version="1.0" encoding="utf-8"?>
-<a:theme xmlns:a="http://schemas.openxmlformats.org/drawingml/2006/main" xmlns:r="http://schemas.openxmlformats.org/officeDocument/2006/relationships" name="Slides2">
+<a:theme xmlns:a="http://schemas.openxmlformats.org/drawingml/2006/main" xmlns:r="http://schemas.openxmlformats.org/officeDocument/2006/relationships" name="Slides">
   <a:themeElements>
     <a:clrScheme name="Office">
       <a:dk1>
@@ -11653,14 +13095,14 @@
         <a:srgbClr val="954f72"/>
       </a:folHlink>
     </a:clrScheme>
-    <a:fontScheme name="Office">
+    <a:fontScheme name="Custom 1">
       <a:majorFont>
-        <a:latin typeface="Calibri Light" panose="020F0302020204030204" pitchFamily="0" charset="1"/>
+        <a:latin typeface="Calibri" pitchFamily="0" charset="1"/>
         <a:ea typeface=""/>
         <a:cs typeface=""/>
       </a:majorFont>
       <a:minorFont>
-        <a:latin typeface="Calibri" panose="020F0502020204030204" pitchFamily="0" charset="1"/>
+        <a:latin typeface="Calibri" pitchFamily="0" charset="1"/>
         <a:ea typeface=""/>
         <a:cs typeface=""/>
       </a:minorFont>
@@ -11674,63 +13116,54 @@
           <a:gsLst>
             <a:gs pos="0">
               <a:schemeClr val="phClr">
-                <a:lumMod val="110000"/>
-                <a:tint val="67000"/>
-              </a:schemeClr>
-            </a:gs>
-            <a:gs pos="50000">
-              <a:schemeClr val="phClr">
-                <a:lumMod val="105000"/>
-                <a:tint val="73000"/>
+                <a:tint val="50000"/>
+              </a:schemeClr>
+            </a:gs>
+            <a:gs pos="35000">
+              <a:schemeClr val="phClr">
+                <a:tint val="37000"/>
               </a:schemeClr>
             </a:gs>
             <a:gs pos="100000">
               <a:schemeClr val="phClr">
-                <a:lumMod val="105000"/>
-                <a:tint val="81000"/>
+                <a:tint val="15000"/>
               </a:schemeClr>
             </a:gs>
           </a:gsLst>
-          <a:lin ang="5400000" scaled="0"/>
+          <a:lin ang="16200000" scaled="1"/>
           <a:tileRect l="0" t="0" r="0" b="0"/>
         </a:gradFill>
         <a:gradFill>
           <a:gsLst>
             <a:gs pos="0">
               <a:schemeClr val="phClr">
-                <a:lumMod val="102000"/>
-                <a:tint val="94000"/>
-              </a:schemeClr>
-            </a:gs>
-            <a:gs pos="50000">
-              <a:schemeClr val="phClr">
-                <a:lumMod val="100000"/>
-                <a:shade val="100000"/>
+                <a:shade val="51000"/>
+              </a:schemeClr>
+            </a:gs>
+            <a:gs pos="80000">
+              <a:schemeClr val="phClr">
+                <a:shade val="93000"/>
               </a:schemeClr>
             </a:gs>
             <a:gs pos="100000">
               <a:schemeClr val="phClr">
-                <a:lumMod val="99000"/>
-                <a:shade val="78000"/>
+                <a:shade val="94000"/>
               </a:schemeClr>
             </a:gs>
           </a:gsLst>
-          <a:lin ang="5400000" scaled="0"/>
+          <a:lin ang="16200000" scaled="0"/>
           <a:tileRect l="0" t="0" r="0" b="0"/>
         </a:gradFill>
       </a:fillStyleLst>
       <a:lnStyleLst>
-        <a:ln w="6350" cap="flat" cmpd="sng" algn="ctr">
+        <a:ln w="9525" cap="flat" cmpd="sng" algn="ctr">
           <a:prstDash val="solid"/>
-          <a:miter lim="800000"/>
         </a:ln>
-        <a:ln w="12700" cap="flat" cmpd="sng" algn="ctr">
+        <a:ln w="25400" cap="flat" cmpd="sng" algn="ctr">
           <a:prstDash val="solid"/>
-          <a:miter lim="800000"/>
         </a:ln>
-        <a:ln w="19050" cap="flat" cmpd="sng" algn="ctr">
+        <a:ln w="38100" cap="flat" cmpd="sng" algn="ctr">
           <a:prstDash val="solid"/>
-          <a:miter lim="800000"/>
         </a:ln>
       </a:lnStyleLst>
       <a:effectStyleLst>
@@ -11748,34 +13181,46 @@
         <a:solidFill>
           <a:schemeClr val="phClr"/>
         </a:solidFill>
-        <a:solidFill>
-          <a:schemeClr val="phClr">
-            <a:tint val="95000"/>
-          </a:schemeClr>
-        </a:solidFill>
         <a:gradFill>
           <a:gsLst>
             <a:gs pos="0">
               <a:schemeClr val="phClr">
-                <a:tint val="93000"/>
-                <a:shade val="98000"/>
-                <a:lumMod val="102000"/>
-              </a:schemeClr>
-            </a:gs>
-            <a:gs pos="50000">
-              <a:schemeClr val="phClr">
-                <a:tint val="98000"/>
-                <a:shade val="90000"/>
-                <a:lumMod val="103000"/>
+                <a:tint val="40000"/>
+              </a:schemeClr>
+            </a:gs>
+            <a:gs pos="40000">
+              <a:schemeClr val="phClr">
+                <a:tint val="45000"/>
+                <a:shade val="99000"/>
               </a:schemeClr>
             </a:gs>
             <a:gs pos="100000">
               <a:schemeClr val="phClr">
-                <a:shade val="63000"/>
+                <a:shade val="20000"/>
               </a:schemeClr>
             </a:gs>
           </a:gsLst>
-          <a:lin ang="5400000" scaled="0"/>
+          <a:path path="circle">
+            <a:fillToRect l="50000" t="-80000" r="50000" b="180000"/>
+          </a:path>
+          <a:tileRect l="0" t="0" r="0" b="0"/>
+        </a:gradFill>
+        <a:gradFill>
+          <a:gsLst>
+            <a:gs pos="0">
+              <a:schemeClr val="phClr">
+                <a:tint val="80000"/>
+              </a:schemeClr>
+            </a:gs>
+            <a:gs pos="100000">
+              <a:schemeClr val="phClr">
+                <a:shade val="30000"/>
+              </a:schemeClr>
+            </a:gs>
+          </a:gsLst>
+          <a:path path="circle">
+            <a:fillToRect l="50000" t="50000" r="50000" b="50000"/>
+          </a:path>
           <a:tileRect l="0" t="0" r="0" b="0"/>
         </a:gradFill>
       </a:bgFillStyleLst>
@@ -11785,7 +13230,7 @@
 </file>
 
 <file path=ppt/theme/theme16.xml><?xml version="1.0" encoding="utf-8"?>
-<a:theme xmlns:a="http://schemas.openxmlformats.org/drawingml/2006/main" xmlns:r="http://schemas.openxmlformats.org/officeDocument/2006/relationships" name="Slides2">
+<a:theme xmlns:a="http://schemas.openxmlformats.org/drawingml/2006/main" xmlns:r="http://schemas.openxmlformats.org/officeDocument/2006/relationships" name="Slides">
   <a:themeElements>
     <a:clrScheme name="Office">
       <a:dk1>
@@ -11825,14 +13270,14 @@
         <a:srgbClr val="954f72"/>
       </a:folHlink>
     </a:clrScheme>
-    <a:fontScheme name="Office">
+    <a:fontScheme name="Custom 1">
       <a:majorFont>
-        <a:latin typeface="Calibri Light" panose="020F0302020204030204" pitchFamily="0" charset="1"/>
+        <a:latin typeface="Calibri" pitchFamily="0" charset="1"/>
         <a:ea typeface=""/>
         <a:cs typeface=""/>
       </a:majorFont>
       <a:minorFont>
-        <a:latin typeface="Calibri" panose="020F0502020204030204" pitchFamily="0" charset="1"/>
+        <a:latin typeface="Calibri" pitchFamily="0" charset="1"/>
         <a:ea typeface=""/>
         <a:cs typeface=""/>
       </a:minorFont>
@@ -11846,63 +13291,54 @@
           <a:gsLst>
             <a:gs pos="0">
               <a:schemeClr val="phClr">
-                <a:lumMod val="110000"/>
-                <a:tint val="67000"/>
-              </a:schemeClr>
-            </a:gs>
-            <a:gs pos="50000">
-              <a:schemeClr val="phClr">
-                <a:lumMod val="105000"/>
-                <a:tint val="73000"/>
+                <a:tint val="50000"/>
+              </a:schemeClr>
+            </a:gs>
+            <a:gs pos="35000">
+              <a:schemeClr val="phClr">
+                <a:tint val="37000"/>
               </a:schemeClr>
             </a:gs>
             <a:gs pos="100000">
               <a:schemeClr val="phClr">
-                <a:lumMod val="105000"/>
-                <a:tint val="81000"/>
+                <a:tint val="15000"/>
               </a:schemeClr>
             </a:gs>
           </a:gsLst>
-          <a:lin ang="5400000" scaled="0"/>
+          <a:lin ang="16200000" scaled="1"/>
           <a:tileRect l="0" t="0" r="0" b="0"/>
         </a:gradFill>
         <a:gradFill>
           <a:gsLst>
             <a:gs pos="0">
               <a:schemeClr val="phClr">
-                <a:lumMod val="102000"/>
-                <a:tint val="94000"/>
-              </a:schemeClr>
-            </a:gs>
-            <a:gs pos="50000">
-              <a:schemeClr val="phClr">
-                <a:lumMod val="100000"/>
-                <a:shade val="100000"/>
+                <a:shade val="51000"/>
+              </a:schemeClr>
+            </a:gs>
+            <a:gs pos="80000">
+              <a:schemeClr val="phClr">
+                <a:shade val="93000"/>
               </a:schemeClr>
             </a:gs>
             <a:gs pos="100000">
               <a:schemeClr val="phClr">
-                <a:lumMod val="99000"/>
-                <a:shade val="78000"/>
+                <a:shade val="94000"/>
               </a:schemeClr>
             </a:gs>
           </a:gsLst>
-          <a:lin ang="5400000" scaled="0"/>
+          <a:lin ang="16200000" scaled="0"/>
           <a:tileRect l="0" t="0" r="0" b="0"/>
         </a:gradFill>
       </a:fillStyleLst>
       <a:lnStyleLst>
-        <a:ln w="6350" cap="flat" cmpd="sng" algn="ctr">
+        <a:ln w="9525" cap="flat" cmpd="sng" algn="ctr">
           <a:prstDash val="solid"/>
-          <a:miter lim="800000"/>
         </a:ln>
-        <a:ln w="12700" cap="flat" cmpd="sng" algn="ctr">
+        <a:ln w="25400" cap="flat" cmpd="sng" algn="ctr">
           <a:prstDash val="solid"/>
-          <a:miter lim="800000"/>
         </a:ln>
-        <a:ln w="19050" cap="flat" cmpd="sng" algn="ctr">
+        <a:ln w="38100" cap="flat" cmpd="sng" algn="ctr">
           <a:prstDash val="solid"/>
-          <a:miter lim="800000"/>
         </a:ln>
       </a:lnStyleLst>
       <a:effectStyleLst>
@@ -11920,34 +13356,46 @@
         <a:solidFill>
           <a:schemeClr val="phClr"/>
         </a:solidFill>
-        <a:solidFill>
-          <a:schemeClr val="phClr">
-            <a:tint val="95000"/>
-          </a:schemeClr>
-        </a:solidFill>
         <a:gradFill>
           <a:gsLst>
             <a:gs pos="0">
               <a:schemeClr val="phClr">
-                <a:tint val="93000"/>
-                <a:shade val="98000"/>
-                <a:lumMod val="102000"/>
-              </a:schemeClr>
-            </a:gs>
-            <a:gs pos="50000">
-              <a:schemeClr val="phClr">
-                <a:tint val="98000"/>
-                <a:shade val="90000"/>
-                <a:lumMod val="103000"/>
+                <a:tint val="40000"/>
+              </a:schemeClr>
+            </a:gs>
+            <a:gs pos="40000">
+              <a:schemeClr val="phClr">
+                <a:tint val="45000"/>
+                <a:shade val="99000"/>
               </a:schemeClr>
             </a:gs>
             <a:gs pos="100000">
               <a:schemeClr val="phClr">
-                <a:shade val="63000"/>
+                <a:shade val="20000"/>
               </a:schemeClr>
             </a:gs>
           </a:gsLst>
-          <a:lin ang="5400000" scaled="0"/>
+          <a:path path="circle">
+            <a:fillToRect l="50000" t="-80000" r="50000" b="180000"/>
+          </a:path>
+          <a:tileRect l="0" t="0" r="0" b="0"/>
+        </a:gradFill>
+        <a:gradFill>
+          <a:gsLst>
+            <a:gs pos="0">
+              <a:schemeClr val="phClr">
+                <a:tint val="80000"/>
+              </a:schemeClr>
+            </a:gs>
+            <a:gs pos="100000">
+              <a:schemeClr val="phClr">
+                <a:shade val="30000"/>
+              </a:schemeClr>
+            </a:gs>
+          </a:gsLst>
+          <a:path path="circle">
+            <a:fillToRect l="50000" t="50000" r="50000" b="50000"/>
+          </a:path>
           <a:tileRect l="0" t="0" r="0" b="0"/>
         </a:gradFill>
       </a:bgFillStyleLst>
@@ -12300,6 +13748,178 @@
 </a:theme>
 </file>
 
+<file path=ppt/theme/theme19.xml><?xml version="1.0" encoding="utf-8"?>
+<a:theme xmlns:a="http://schemas.openxmlformats.org/drawingml/2006/main" xmlns:r="http://schemas.openxmlformats.org/officeDocument/2006/relationships" name="Slides2">
+  <a:themeElements>
+    <a:clrScheme name="Office">
+      <a:dk1>
+        <a:srgbClr val="000000"/>
+      </a:dk1>
+      <a:lt1>
+        <a:srgbClr val="ffffff"/>
+      </a:lt1>
+      <a:dk2>
+        <a:srgbClr val="44546a"/>
+      </a:dk2>
+      <a:lt2>
+        <a:srgbClr val="e7e6e6"/>
+      </a:lt2>
+      <a:accent1>
+        <a:srgbClr val="4472c4"/>
+      </a:accent1>
+      <a:accent2>
+        <a:srgbClr val="ed7d31"/>
+      </a:accent2>
+      <a:accent3>
+        <a:srgbClr val="a5a5a5"/>
+      </a:accent3>
+      <a:accent4>
+        <a:srgbClr val="ffc000"/>
+      </a:accent4>
+      <a:accent5>
+        <a:srgbClr val="5b9bd5"/>
+      </a:accent5>
+      <a:accent6>
+        <a:srgbClr val="70ad47"/>
+      </a:accent6>
+      <a:hlink>
+        <a:srgbClr val="0563c1"/>
+      </a:hlink>
+      <a:folHlink>
+        <a:srgbClr val="954f72"/>
+      </a:folHlink>
+    </a:clrScheme>
+    <a:fontScheme name="Office">
+      <a:majorFont>
+        <a:latin typeface="Calibri Light" panose="020F0302020204030204" pitchFamily="0" charset="1"/>
+        <a:ea typeface=""/>
+        <a:cs typeface=""/>
+      </a:majorFont>
+      <a:minorFont>
+        <a:latin typeface="Calibri" panose="020F0502020204030204" pitchFamily="0" charset="1"/>
+        <a:ea typeface=""/>
+        <a:cs typeface=""/>
+      </a:minorFont>
+    </a:fontScheme>
+    <a:fmtScheme>
+      <a:fillStyleLst>
+        <a:solidFill>
+          <a:schemeClr val="phClr"/>
+        </a:solidFill>
+        <a:gradFill>
+          <a:gsLst>
+            <a:gs pos="0">
+              <a:schemeClr val="phClr">
+                <a:lumMod val="110000"/>
+                <a:tint val="67000"/>
+              </a:schemeClr>
+            </a:gs>
+            <a:gs pos="50000">
+              <a:schemeClr val="phClr">
+                <a:lumMod val="105000"/>
+                <a:tint val="73000"/>
+              </a:schemeClr>
+            </a:gs>
+            <a:gs pos="100000">
+              <a:schemeClr val="phClr">
+                <a:lumMod val="105000"/>
+                <a:tint val="81000"/>
+              </a:schemeClr>
+            </a:gs>
+          </a:gsLst>
+          <a:lin ang="5400000" scaled="0"/>
+          <a:tileRect l="0" t="0" r="0" b="0"/>
+        </a:gradFill>
+        <a:gradFill>
+          <a:gsLst>
+            <a:gs pos="0">
+              <a:schemeClr val="phClr">
+                <a:lumMod val="102000"/>
+                <a:tint val="94000"/>
+              </a:schemeClr>
+            </a:gs>
+            <a:gs pos="50000">
+              <a:schemeClr val="phClr">
+                <a:lumMod val="100000"/>
+                <a:shade val="100000"/>
+              </a:schemeClr>
+            </a:gs>
+            <a:gs pos="100000">
+              <a:schemeClr val="phClr">
+                <a:lumMod val="99000"/>
+                <a:shade val="78000"/>
+              </a:schemeClr>
+            </a:gs>
+          </a:gsLst>
+          <a:lin ang="5400000" scaled="0"/>
+          <a:tileRect l="0" t="0" r="0" b="0"/>
+        </a:gradFill>
+      </a:fillStyleLst>
+      <a:lnStyleLst>
+        <a:ln w="6350" cap="flat" cmpd="sng" algn="ctr">
+          <a:prstDash val="solid"/>
+          <a:miter lim="800000"/>
+        </a:ln>
+        <a:ln w="12700" cap="flat" cmpd="sng" algn="ctr">
+          <a:prstDash val="solid"/>
+          <a:miter lim="800000"/>
+        </a:ln>
+        <a:ln w="19050" cap="flat" cmpd="sng" algn="ctr">
+          <a:prstDash val="solid"/>
+          <a:miter lim="800000"/>
+        </a:ln>
+      </a:lnStyleLst>
+      <a:effectStyleLst>
+        <a:effectStyle>
+          <a:effectLst/>
+        </a:effectStyle>
+        <a:effectStyle>
+          <a:effectLst/>
+        </a:effectStyle>
+        <a:effectStyle>
+          <a:effectLst/>
+        </a:effectStyle>
+      </a:effectStyleLst>
+      <a:bgFillStyleLst>
+        <a:solidFill>
+          <a:schemeClr val="phClr"/>
+        </a:solidFill>
+        <a:solidFill>
+          <a:schemeClr val="phClr">
+            <a:tint val="95000"/>
+          </a:schemeClr>
+        </a:solidFill>
+        <a:gradFill>
+          <a:gsLst>
+            <a:gs pos="0">
+              <a:schemeClr val="phClr">
+                <a:tint val="93000"/>
+                <a:shade val="98000"/>
+                <a:lumMod val="102000"/>
+              </a:schemeClr>
+            </a:gs>
+            <a:gs pos="50000">
+              <a:schemeClr val="phClr">
+                <a:tint val="98000"/>
+                <a:shade val="90000"/>
+                <a:lumMod val="103000"/>
+              </a:schemeClr>
+            </a:gs>
+            <a:gs pos="100000">
+              <a:schemeClr val="phClr">
+                <a:shade val="63000"/>
+              </a:schemeClr>
+            </a:gs>
+          </a:gsLst>
+          <a:lin ang="5400000" scaled="0"/>
+          <a:tileRect l="0" t="0" r="0" b="0"/>
+        </a:gradFill>
+      </a:bgFillStyleLst>
+    </a:fmtScheme>
+  </a:themeElements>
+</a:theme>
+</file>
+
 <file path=ppt/theme/theme2.xml><?xml version="1.0" encoding="utf-8"?>
 <a:theme xmlns:a="http://schemas.openxmlformats.org/drawingml/2006/main" xmlns:r="http://schemas.openxmlformats.org/officeDocument/2006/relationships" name="Cover">
   <a:themeElements>
@@ -12467,6 +14087,178 @@
           <a:path path="circle">
             <a:fillToRect l="50000" t="50000" r="50000" b="50000"/>
           </a:path>
+          <a:tileRect l="0" t="0" r="0" b="0"/>
+        </a:gradFill>
+      </a:bgFillStyleLst>
+    </a:fmtScheme>
+  </a:themeElements>
+</a:theme>
+</file>
+
+<file path=ppt/theme/theme20.xml><?xml version="1.0" encoding="utf-8"?>
+<a:theme xmlns:a="http://schemas.openxmlformats.org/drawingml/2006/main" xmlns:r="http://schemas.openxmlformats.org/officeDocument/2006/relationships" name="Slides2">
+  <a:themeElements>
+    <a:clrScheme name="Office">
+      <a:dk1>
+        <a:srgbClr val="000000"/>
+      </a:dk1>
+      <a:lt1>
+        <a:srgbClr val="ffffff"/>
+      </a:lt1>
+      <a:dk2>
+        <a:srgbClr val="44546a"/>
+      </a:dk2>
+      <a:lt2>
+        <a:srgbClr val="e7e6e6"/>
+      </a:lt2>
+      <a:accent1>
+        <a:srgbClr val="4472c4"/>
+      </a:accent1>
+      <a:accent2>
+        <a:srgbClr val="ed7d31"/>
+      </a:accent2>
+      <a:accent3>
+        <a:srgbClr val="a5a5a5"/>
+      </a:accent3>
+      <a:accent4>
+        <a:srgbClr val="ffc000"/>
+      </a:accent4>
+      <a:accent5>
+        <a:srgbClr val="5b9bd5"/>
+      </a:accent5>
+      <a:accent6>
+        <a:srgbClr val="70ad47"/>
+      </a:accent6>
+      <a:hlink>
+        <a:srgbClr val="0563c1"/>
+      </a:hlink>
+      <a:folHlink>
+        <a:srgbClr val="954f72"/>
+      </a:folHlink>
+    </a:clrScheme>
+    <a:fontScheme name="Office">
+      <a:majorFont>
+        <a:latin typeface="Calibri Light" panose="020F0302020204030204" pitchFamily="0" charset="1"/>
+        <a:ea typeface=""/>
+        <a:cs typeface=""/>
+      </a:majorFont>
+      <a:minorFont>
+        <a:latin typeface="Calibri" panose="020F0502020204030204" pitchFamily="0" charset="1"/>
+        <a:ea typeface=""/>
+        <a:cs typeface=""/>
+      </a:minorFont>
+    </a:fontScheme>
+    <a:fmtScheme>
+      <a:fillStyleLst>
+        <a:solidFill>
+          <a:schemeClr val="phClr"/>
+        </a:solidFill>
+        <a:gradFill>
+          <a:gsLst>
+            <a:gs pos="0">
+              <a:schemeClr val="phClr">
+                <a:lumMod val="110000"/>
+                <a:tint val="67000"/>
+              </a:schemeClr>
+            </a:gs>
+            <a:gs pos="50000">
+              <a:schemeClr val="phClr">
+                <a:lumMod val="105000"/>
+                <a:tint val="73000"/>
+              </a:schemeClr>
+            </a:gs>
+            <a:gs pos="100000">
+              <a:schemeClr val="phClr">
+                <a:lumMod val="105000"/>
+                <a:tint val="81000"/>
+              </a:schemeClr>
+            </a:gs>
+          </a:gsLst>
+          <a:lin ang="5400000" scaled="0"/>
+          <a:tileRect l="0" t="0" r="0" b="0"/>
+        </a:gradFill>
+        <a:gradFill>
+          <a:gsLst>
+            <a:gs pos="0">
+              <a:schemeClr val="phClr">
+                <a:lumMod val="102000"/>
+                <a:tint val="94000"/>
+              </a:schemeClr>
+            </a:gs>
+            <a:gs pos="50000">
+              <a:schemeClr val="phClr">
+                <a:lumMod val="100000"/>
+                <a:shade val="100000"/>
+              </a:schemeClr>
+            </a:gs>
+            <a:gs pos="100000">
+              <a:schemeClr val="phClr">
+                <a:lumMod val="99000"/>
+                <a:shade val="78000"/>
+              </a:schemeClr>
+            </a:gs>
+          </a:gsLst>
+          <a:lin ang="5400000" scaled="0"/>
+          <a:tileRect l="0" t="0" r="0" b="0"/>
+        </a:gradFill>
+      </a:fillStyleLst>
+      <a:lnStyleLst>
+        <a:ln w="6350" cap="flat" cmpd="sng" algn="ctr">
+          <a:prstDash val="solid"/>
+          <a:miter lim="800000"/>
+        </a:ln>
+        <a:ln w="12700" cap="flat" cmpd="sng" algn="ctr">
+          <a:prstDash val="solid"/>
+          <a:miter lim="800000"/>
+        </a:ln>
+        <a:ln w="19050" cap="flat" cmpd="sng" algn="ctr">
+          <a:prstDash val="solid"/>
+          <a:miter lim="800000"/>
+        </a:ln>
+      </a:lnStyleLst>
+      <a:effectStyleLst>
+        <a:effectStyle>
+          <a:effectLst/>
+        </a:effectStyle>
+        <a:effectStyle>
+          <a:effectLst/>
+        </a:effectStyle>
+        <a:effectStyle>
+          <a:effectLst/>
+        </a:effectStyle>
+      </a:effectStyleLst>
+      <a:bgFillStyleLst>
+        <a:solidFill>
+          <a:schemeClr val="phClr"/>
+        </a:solidFill>
+        <a:solidFill>
+          <a:schemeClr val="phClr">
+            <a:tint val="95000"/>
+          </a:schemeClr>
+        </a:solidFill>
+        <a:gradFill>
+          <a:gsLst>
+            <a:gs pos="0">
+              <a:schemeClr val="phClr">
+                <a:tint val="93000"/>
+                <a:shade val="98000"/>
+                <a:lumMod val="102000"/>
+              </a:schemeClr>
+            </a:gs>
+            <a:gs pos="50000">
+              <a:schemeClr val="phClr">
+                <a:tint val="98000"/>
+                <a:shade val="90000"/>
+                <a:lumMod val="103000"/>
+              </a:schemeClr>
+            </a:gs>
+            <a:gs pos="100000">
+              <a:schemeClr val="phClr">
+                <a:shade val="63000"/>
+              </a:schemeClr>
+            </a:gs>
+          </a:gsLst>
+          <a:lin ang="5400000" scaled="0"/>
           <a:tileRect l="0" t="0" r="0" b="0"/>
         </a:gradFill>
       </a:bgFillStyleLst>
